--- a/Presentation/Gun Violence.pptx
+++ b/Presentation/Gun Violence.pptx
@@ -5,12 +5,15 @@
     <p:sldMasterId id="2147483660" r:id="rId1"/>
   </p:sldMasterIdLst>
   <p:notesMasterIdLst>
-    <p:notesMasterId r:id="rId5"/>
+    <p:notesMasterId r:id="rId8"/>
   </p:notesMasterIdLst>
   <p:sldIdLst>
     <p:sldId id="256" r:id="rId2"/>
     <p:sldId id="257" r:id="rId3"/>
     <p:sldId id="258" r:id="rId4"/>
+    <p:sldId id="259" r:id="rId5"/>
+    <p:sldId id="260" r:id="rId6"/>
+    <p:sldId id="261" r:id="rId7"/>
   </p:sldIdLst>
   <p:sldSz cx="12192000" cy="6858000"/>
   <p:notesSz cx="6858000" cy="9144000"/>
@@ -746,7 +749,15 @@
             </a:r>
             <a:r>
               <a:rPr lang="en-US" dirty="0"/>
-              <a:t>[Narrator] Just some general comments on the data</a:t>
+              <a:t>[Narrator] Just some general comments on the data. Explain that Kaggle </a:t>
+            </a:r>
+            <a:r>
+              <a:rPr lang="en-US" dirty="0" err="1"/>
+              <a:t>datasource</a:t>
+            </a:r>
+            <a:r>
+              <a:rPr lang="en-US" dirty="0"/>
+              <a:t> actually comes from gunviolencearchive.org – non-profit corporation that tracks all reported cases that involve usage of guns</a:t>
             </a:r>
           </a:p>
         </p:txBody>
@@ -778,6 +789,327 @@
     <p:extLst>
       <p:ext uri="{BB962C8B-B14F-4D97-AF65-F5344CB8AC3E}">
         <p14:creationId xmlns:p14="http://schemas.microsoft.com/office/powerpoint/2010/main" val="2298319760"/>
+      </p:ext>
+    </p:extLst>
+  </p:cSld>
+  <p:clrMapOvr>
+    <a:masterClrMapping/>
+  </p:clrMapOvr>
+</p:notes>
+</file>
+
+<file path=ppt/notesSlides/notesSlide4.xml><?xml version="1.0" encoding="utf-8"?>
+<p:notes xmlns:a="http://schemas.openxmlformats.org/drawingml/2006/main" xmlns:r="http://schemas.openxmlformats.org/officeDocument/2006/relationships" xmlns:p="http://schemas.openxmlformats.org/presentationml/2006/main">
+  <p:cSld>
+    <p:spTree>
+      <p:nvGrpSpPr>
+        <p:cNvPr id="1" name=""/>
+        <p:cNvGrpSpPr/>
+        <p:nvPr/>
+      </p:nvGrpSpPr>
+      <p:grpSpPr>
+        <a:xfrm>
+          <a:off x="0" y="0"/>
+          <a:ext cx="0" cy="0"/>
+          <a:chOff x="0" y="0"/>
+          <a:chExt cx="0" cy="0"/>
+        </a:xfrm>
+      </p:grpSpPr>
+      <p:sp>
+        <p:nvSpPr>
+          <p:cNvPr id="2" name="Slide Image Placeholder 1"/>
+          <p:cNvSpPr>
+            <a:spLocks noGrp="1" noRot="1" noChangeAspect="1"/>
+          </p:cNvSpPr>
+          <p:nvPr>
+            <p:ph type="sldImg"/>
+          </p:nvPr>
+        </p:nvSpPr>
+        <p:spPr/>
+      </p:sp>
+      <p:sp>
+        <p:nvSpPr>
+          <p:cNvPr id="3" name="Notes Placeholder 2"/>
+          <p:cNvSpPr>
+            <a:spLocks noGrp="1"/>
+          </p:cNvSpPr>
+          <p:nvPr>
+            <p:ph type="body" idx="1"/>
+          </p:nvPr>
+        </p:nvSpPr>
+        <p:spPr/>
+        <p:txBody>
+          <a:bodyPr/>
+          <a:lstStyle/>
+          <a:p>
+            <a:r>
+              <a:rPr lang="en-US" dirty="0"/>
+              <a:t>[Click] </a:t>
+            </a:r>
+            <a:r>
+              <a:rPr lang="en-US" b="1" dirty="0"/>
+              <a:t>-&gt; The description of the data appears-&gt;</a:t>
+            </a:r>
+            <a:r>
+              <a:rPr lang="en-US" dirty="0"/>
+              <a:t> [Narrator] Give a general description of the data and its type. Explain what exactly is related to location, participant and categories. [Click] -&gt; </a:t>
+            </a:r>
+            <a:r>
+              <a:rPr lang="en-US" b="1" dirty="0" err="1"/>
+              <a:t>Cleaniness</a:t>
+            </a:r>
+            <a:r>
+              <a:rPr lang="en-US" b="1" dirty="0"/>
+              <a:t> question appears</a:t>
+            </a:r>
+            <a:r>
+              <a:rPr lang="en-US" dirty="0"/>
+              <a:t> -&gt; [Click] -&gt; </a:t>
+            </a:r>
+            <a:r>
+              <a:rPr lang="en-US" b="1" dirty="0"/>
+              <a:t>Dirty data issue appears </a:t>
+            </a:r>
+            <a:r>
+              <a:rPr lang="en-US" dirty="0"/>
+              <a:t>-&gt; [Narrator] A couple of words about lots of empty values (explain that this is due to the nature of the data – lack of evidence e.g.) -&gt; [Click] -&gt; </a:t>
+            </a:r>
+            <a:r>
+              <a:rPr lang="en-US" b="1" dirty="0"/>
+              <a:t>Too many columns issue appears </a:t>
+            </a:r>
+            <a:r>
+              <a:rPr lang="en-US" dirty="0"/>
+              <a:t>-&gt; [Narrator] A couple of words about redundancy of the data for this particular analysis -&gt; [Click] -&gt; </a:t>
+            </a:r>
+            <a:r>
+              <a:rPr lang="en-US" b="1" dirty="0"/>
+              <a:t>Aggregated participant data issue appears</a:t>
+            </a:r>
+            <a:r>
+              <a:rPr lang="en-US" dirty="0"/>
+              <a:t> -&gt; [Narrator] A couple of words on our </a:t>
+            </a:r>
+            <a:r>
+              <a:rPr lang="en-US" dirty="0" err="1"/>
+              <a:t>util</a:t>
+            </a:r>
+            <a:r>
+              <a:rPr lang="en-US" dirty="0"/>
+              <a:t> function for data splitting. Explain that some info (gender, category, status) may be missing for some of the participants -&gt; [Click] -&gt; </a:t>
+            </a:r>
+            <a:r>
+              <a:rPr lang="en-US" b="1" dirty="0"/>
+              <a:t>Aggregated categories issue appears </a:t>
+            </a:r>
+            <a:r>
+              <a:rPr lang="en-US" dirty="0"/>
+              <a:t>-&gt; [Narrator] Explain that a single incident may belong to a several categories again due to the nature of the data</a:t>
+            </a:r>
+          </a:p>
+        </p:txBody>
+      </p:sp>
+      <p:sp>
+        <p:nvSpPr>
+          <p:cNvPr id="4" name="Slide Number Placeholder 3"/>
+          <p:cNvSpPr>
+            <a:spLocks noGrp="1"/>
+          </p:cNvSpPr>
+          <p:nvPr>
+            <p:ph type="sldNum" sz="quarter" idx="5"/>
+          </p:nvPr>
+        </p:nvSpPr>
+        <p:spPr/>
+        <p:txBody>
+          <a:bodyPr/>
+          <a:lstStyle/>
+          <a:p>
+            <a:fld id="{15736144-2E2E-483E-8D4E-7A087D64C6CE}" type="slidenum">
+              <a:rPr lang="en-US" smtClean="0"/>
+              <a:t>4</a:t>
+            </a:fld>
+            <a:endParaRPr lang="en-US"/>
+          </a:p>
+        </p:txBody>
+      </p:sp>
+    </p:spTree>
+    <p:extLst>
+      <p:ext uri="{BB962C8B-B14F-4D97-AF65-F5344CB8AC3E}">
+        <p14:creationId xmlns:p14="http://schemas.microsoft.com/office/powerpoint/2010/main" val="3899837843"/>
+      </p:ext>
+    </p:extLst>
+  </p:cSld>
+  <p:clrMapOvr>
+    <a:masterClrMapping/>
+  </p:clrMapOvr>
+</p:notes>
+</file>
+
+<file path=ppt/notesSlides/notesSlide5.xml><?xml version="1.0" encoding="utf-8"?>
+<p:notes xmlns:a="http://schemas.openxmlformats.org/drawingml/2006/main" xmlns:r="http://schemas.openxmlformats.org/officeDocument/2006/relationships" xmlns:p="http://schemas.openxmlformats.org/presentationml/2006/main">
+  <p:cSld>
+    <p:spTree>
+      <p:nvGrpSpPr>
+        <p:cNvPr id="1" name=""/>
+        <p:cNvGrpSpPr/>
+        <p:nvPr/>
+      </p:nvGrpSpPr>
+      <p:grpSpPr>
+        <a:xfrm>
+          <a:off x="0" y="0"/>
+          <a:ext cx="0" cy="0"/>
+          <a:chOff x="0" y="0"/>
+          <a:chExt cx="0" cy="0"/>
+        </a:xfrm>
+      </p:grpSpPr>
+      <p:sp>
+        <p:nvSpPr>
+          <p:cNvPr id="2" name="Slide Image Placeholder 1"/>
+          <p:cNvSpPr>
+            <a:spLocks noGrp="1" noRot="1" noChangeAspect="1"/>
+          </p:cNvSpPr>
+          <p:nvPr>
+            <p:ph type="sldImg"/>
+          </p:nvPr>
+        </p:nvSpPr>
+        <p:spPr/>
+      </p:sp>
+      <p:sp>
+        <p:nvSpPr>
+          <p:cNvPr id="3" name="Notes Placeholder 2"/>
+          <p:cNvSpPr>
+            <a:spLocks noGrp="1"/>
+          </p:cNvSpPr>
+          <p:nvPr>
+            <p:ph type="body" idx="1"/>
+          </p:nvPr>
+        </p:nvSpPr>
+        <p:spPr/>
+        <p:txBody>
+          <a:bodyPr/>
+          <a:lstStyle/>
+          <a:p>
+            <a:r>
+              <a:rPr lang="en-US" dirty="0"/>
+              <a:t>[Narrator] Let the auditory know that now comes the most interesting part</a:t>
+            </a:r>
+          </a:p>
+        </p:txBody>
+      </p:sp>
+      <p:sp>
+        <p:nvSpPr>
+          <p:cNvPr id="4" name="Slide Number Placeholder 3"/>
+          <p:cNvSpPr>
+            <a:spLocks noGrp="1"/>
+          </p:cNvSpPr>
+          <p:nvPr>
+            <p:ph type="sldNum" sz="quarter" idx="5"/>
+          </p:nvPr>
+        </p:nvSpPr>
+        <p:spPr/>
+        <p:txBody>
+          <a:bodyPr/>
+          <a:lstStyle/>
+          <a:p>
+            <a:fld id="{15736144-2E2E-483E-8D4E-7A087D64C6CE}" type="slidenum">
+              <a:rPr lang="en-US" smtClean="0"/>
+              <a:t>5</a:t>
+            </a:fld>
+            <a:endParaRPr lang="en-US"/>
+          </a:p>
+        </p:txBody>
+      </p:sp>
+    </p:spTree>
+    <p:extLst>
+      <p:ext uri="{BB962C8B-B14F-4D97-AF65-F5344CB8AC3E}">
+        <p14:creationId xmlns:p14="http://schemas.microsoft.com/office/powerpoint/2010/main" val="4274618809"/>
+      </p:ext>
+    </p:extLst>
+  </p:cSld>
+  <p:clrMapOvr>
+    <a:masterClrMapping/>
+  </p:clrMapOvr>
+</p:notes>
+</file>
+
+<file path=ppt/notesSlides/notesSlide6.xml><?xml version="1.0" encoding="utf-8"?>
+<p:notes xmlns:a="http://schemas.openxmlformats.org/drawingml/2006/main" xmlns:r="http://schemas.openxmlformats.org/officeDocument/2006/relationships" xmlns:p="http://schemas.openxmlformats.org/presentationml/2006/main">
+  <p:cSld>
+    <p:spTree>
+      <p:nvGrpSpPr>
+        <p:cNvPr id="1" name=""/>
+        <p:cNvGrpSpPr/>
+        <p:nvPr/>
+      </p:nvGrpSpPr>
+      <p:grpSpPr>
+        <a:xfrm>
+          <a:off x="0" y="0"/>
+          <a:ext cx="0" cy="0"/>
+          <a:chOff x="0" y="0"/>
+          <a:chExt cx="0" cy="0"/>
+        </a:xfrm>
+      </p:grpSpPr>
+      <p:sp>
+        <p:nvSpPr>
+          <p:cNvPr id="2" name="Slide Image Placeholder 1"/>
+          <p:cNvSpPr>
+            <a:spLocks noGrp="1" noRot="1" noChangeAspect="1"/>
+          </p:cNvSpPr>
+          <p:nvPr>
+            <p:ph type="sldImg"/>
+          </p:nvPr>
+        </p:nvSpPr>
+        <p:spPr/>
+      </p:sp>
+      <p:sp>
+        <p:nvSpPr>
+          <p:cNvPr id="3" name="Notes Placeholder 2"/>
+          <p:cNvSpPr>
+            <a:spLocks noGrp="1"/>
+          </p:cNvSpPr>
+          <p:nvPr>
+            <p:ph type="body" idx="1"/>
+          </p:nvPr>
+        </p:nvSpPr>
+        <p:spPr/>
+        <p:txBody>
+          <a:bodyPr/>
+          <a:lstStyle/>
+          <a:p>
+            <a:r>
+              <a:rPr lang="en-US" dirty="0"/>
+              <a:t>[Narrator] Let the auditory know that now comes the most interesting part</a:t>
+            </a:r>
+          </a:p>
+        </p:txBody>
+      </p:sp>
+      <p:sp>
+        <p:nvSpPr>
+          <p:cNvPr id="4" name="Slide Number Placeholder 3"/>
+          <p:cNvSpPr>
+            <a:spLocks noGrp="1"/>
+          </p:cNvSpPr>
+          <p:nvPr>
+            <p:ph type="sldNum" sz="quarter" idx="5"/>
+          </p:nvPr>
+        </p:nvSpPr>
+        <p:spPr/>
+        <p:txBody>
+          <a:bodyPr/>
+          <a:lstStyle/>
+          <a:p>
+            <a:fld id="{15736144-2E2E-483E-8D4E-7A087D64C6CE}" type="slidenum">
+              <a:rPr lang="en-US" smtClean="0"/>
+              <a:t>6</a:t>
+            </a:fld>
+            <a:endParaRPr lang="en-US"/>
+          </a:p>
+        </p:txBody>
+      </p:sp>
+    </p:spTree>
+    <p:extLst>
+      <p:ext uri="{BB962C8B-B14F-4D97-AF65-F5344CB8AC3E}">
+        <p14:creationId xmlns:p14="http://schemas.microsoft.com/office/powerpoint/2010/main" val="1577796568"/>
       </p:ext>
     </p:extLst>
   </p:cSld>
@@ -3807,6 +4139,9 @@
                     <p:cTn id="3" fill="hold">
                       <p:stCondLst>
                         <p:cond delay="indefinite"/>
+                        <p:cond evt="onBegin" delay="0">
+                          <p:tn val="2"/>
+                        </p:cond>
                       </p:stCondLst>
                       <p:childTnLst>
                         <p:par>
@@ -3816,7 +4151,7 @@
                             </p:stCondLst>
                             <p:childTnLst>
                               <p:par>
-                                <p:cTn id="5" presetID="47" presetClass="entr" presetSubtype="0" fill="hold" grpId="0" nodeType="clickEffect">
+                                <p:cTn id="5" presetID="47" presetClass="entr" presetSubtype="0" fill="hold" grpId="0" nodeType="afterEffect">
                                   <p:stCondLst>
                                     <p:cond delay="0"/>
                                   </p:stCondLst>
@@ -5563,7 +5898,7 @@
         <p:spPr>
           <a:xfrm>
             <a:off x="3458549" y="4002697"/>
-            <a:ext cx="8260700" cy="2582246"/>
+            <a:ext cx="8201459" cy="2582246"/>
           </a:xfrm>
           <a:prstGeom prst="rect">
             <a:avLst/>
@@ -5738,7 +6073,7 @@
             </a:lvl9pPr>
           </a:lstStyle>
           <a:p>
-            <a:pPr marL="0" indent="0">
+            <a:pPr marL="0" indent="0" algn="r">
               <a:lnSpc>
                 <a:spcPct val="150000"/>
               </a:lnSpc>
@@ -5762,7 +6097,7 @@
             </a:r>
           </a:p>
           <a:p>
-            <a:pPr marL="0" indent="0">
+            <a:pPr marL="0" indent="0" algn="r">
               <a:lnSpc>
                 <a:spcPct val="150000"/>
               </a:lnSpc>
@@ -5786,7 +6121,7 @@
             </a:r>
           </a:p>
           <a:p>
-            <a:pPr marL="0" indent="0">
+            <a:pPr marL="0" indent="0" algn="r">
               <a:lnSpc>
                 <a:spcPct val="150000"/>
               </a:lnSpc>
@@ -7302,6 +7637,5530 @@
     <p:bldLst>
       <p:bldP spid="2" grpId="0"/>
       <p:bldP spid="22" grpId="0"/>
+    </p:bldLst>
+  </p:timing>
+</p:sld>
+</file>
+
+<file path=ppt/slides/slide4.xml><?xml version="1.0" encoding="utf-8"?>
+<p:sld xmlns:a="http://schemas.openxmlformats.org/drawingml/2006/main" xmlns:r="http://schemas.openxmlformats.org/officeDocument/2006/relationships" xmlns:p="http://schemas.openxmlformats.org/presentationml/2006/main">
+  <p:cSld>
+    <p:bg>
+      <p:bgPr>
+        <a:blipFill dpi="0" rotWithShape="1">
+          <a:blip r:embed="rId3">
+            <a:lum/>
+          </a:blip>
+          <a:srcRect/>
+          <a:stretch>
+            <a:fillRect/>
+          </a:stretch>
+        </a:blipFill>
+        <a:effectLst/>
+      </p:bgPr>
+    </p:bg>
+    <p:spTree>
+      <p:nvGrpSpPr>
+        <p:cNvPr id="1" name=""/>
+        <p:cNvGrpSpPr/>
+        <p:nvPr/>
+      </p:nvGrpSpPr>
+      <p:grpSpPr>
+        <a:xfrm>
+          <a:off x="0" y="0"/>
+          <a:ext cx="0" cy="0"/>
+          <a:chOff x="0" y="0"/>
+          <a:chExt cx="0" cy="0"/>
+        </a:xfrm>
+      </p:grpSpPr>
+      <p:sp>
+        <p:nvSpPr>
+          <p:cNvPr id="7" name="Oval 6">
+            <a:extLst>
+              <a:ext uri="{FF2B5EF4-FFF2-40B4-BE49-F238E27FC236}">
+                <a16:creationId xmlns:a16="http://schemas.microsoft.com/office/drawing/2014/main" id="{D1802276-8262-4D79-8CC3-CD7EF443E20E}"/>
+              </a:ext>
+            </a:extLst>
+          </p:cNvPr>
+          <p:cNvSpPr/>
+          <p:nvPr/>
+        </p:nvSpPr>
+        <p:spPr>
+          <a:xfrm>
+            <a:off x="286138" y="2547666"/>
+            <a:ext cx="332015" cy="332015"/>
+          </a:xfrm>
+          <a:prstGeom prst="ellipse">
+            <a:avLst/>
+          </a:prstGeom>
+        </p:spPr>
+        <p:style>
+          <a:lnRef idx="2">
+            <a:schemeClr val="accent1">
+              <a:shade val="50000"/>
+            </a:schemeClr>
+          </a:lnRef>
+          <a:fillRef idx="1">
+            <a:schemeClr val="accent1"/>
+          </a:fillRef>
+          <a:effectRef idx="0">
+            <a:schemeClr val="accent1"/>
+          </a:effectRef>
+          <a:fontRef idx="minor">
+            <a:schemeClr val="lt1"/>
+          </a:fontRef>
+        </p:style>
+        <p:txBody>
+          <a:bodyPr rtlCol="0" anchor="ctr"/>
+          <a:lstStyle/>
+          <a:p>
+            <a:pPr algn="ctr"/>
+            <a:endParaRPr lang="en-US"/>
+          </a:p>
+        </p:txBody>
+      </p:sp>
+      <p:sp>
+        <p:nvSpPr>
+          <p:cNvPr id="2" name="Title 1">
+            <a:extLst>
+              <a:ext uri="{FF2B5EF4-FFF2-40B4-BE49-F238E27FC236}">
+                <a16:creationId xmlns:a16="http://schemas.microsoft.com/office/drawing/2014/main" id="{6E3231CE-1F76-40D7-9D25-FE76AD3CFE2C}"/>
+              </a:ext>
+            </a:extLst>
+          </p:cNvPr>
+          <p:cNvSpPr>
+            <a:spLocks noGrp="1"/>
+          </p:cNvSpPr>
+          <p:nvPr>
+            <p:ph type="title"/>
+          </p:nvPr>
+        </p:nvSpPr>
+        <p:spPr>
+          <a:xfrm>
+            <a:off x="838200" y="2"/>
+            <a:ext cx="10515600" cy="1110342"/>
+          </a:xfrm>
+        </p:spPr>
+        <p:txBody>
+          <a:bodyPr/>
+          <a:lstStyle/>
+          <a:p>
+            <a:pPr algn="ctr"/>
+            <a:r>
+              <a:rPr lang="en-US" dirty="0"/>
+              <a:t>WHAT IS UNDER THE HOOD</a:t>
+            </a:r>
+          </a:p>
+        </p:txBody>
+      </p:sp>
+      <p:sp>
+        <p:nvSpPr>
+          <p:cNvPr id="23" name="Content Placeholder 2">
+            <a:extLst>
+              <a:ext uri="{FF2B5EF4-FFF2-40B4-BE49-F238E27FC236}">
+                <a16:creationId xmlns:a16="http://schemas.microsoft.com/office/drawing/2014/main" id="{41481CCE-9611-4D9E-AB4F-294F23F9C23C}"/>
+              </a:ext>
+            </a:extLst>
+          </p:cNvPr>
+          <p:cNvSpPr txBox="1">
+            <a:spLocks/>
+          </p:cNvSpPr>
+          <p:nvPr/>
+        </p:nvSpPr>
+        <p:spPr>
+          <a:xfrm>
+            <a:off x="398106" y="849022"/>
+            <a:ext cx="11321143" cy="970447"/>
+          </a:xfrm>
+          <a:prstGeom prst="rect">
+            <a:avLst/>
+          </a:prstGeom>
+        </p:spPr>
+        <p:txBody>
+          <a:bodyPr vert="horz" lIns="91440" tIns="45720" rIns="91440" bIns="45720" rtlCol="0">
+            <a:normAutofit fontScale="85000" lnSpcReduction="10000"/>
+          </a:bodyPr>
+          <a:lstStyle>
+            <a:lvl1pPr marL="228600" indent="-228600" algn="l" defTabSz="914400" rtl="0" eaLnBrk="1" latinLnBrk="0" hangingPunct="1">
+              <a:lnSpc>
+                <a:spcPct val="90000"/>
+              </a:lnSpc>
+              <a:spcBef>
+                <a:spcPts val="1000"/>
+              </a:spcBef>
+              <a:buFont typeface="Arial" panose="020B0604020202020204" pitchFamily="34" charset="0"/>
+              <a:buChar char="•"/>
+              <a:defRPr sz="2800" kern="1200">
+                <a:solidFill>
+                  <a:schemeClr val="tx1"/>
+                </a:solidFill>
+                <a:latin typeface="+mn-lt"/>
+                <a:ea typeface="+mn-ea"/>
+                <a:cs typeface="+mn-cs"/>
+              </a:defRPr>
+            </a:lvl1pPr>
+            <a:lvl2pPr marL="685800" indent="-228600" algn="l" defTabSz="914400" rtl="0" eaLnBrk="1" latinLnBrk="0" hangingPunct="1">
+              <a:lnSpc>
+                <a:spcPct val="90000"/>
+              </a:lnSpc>
+              <a:spcBef>
+                <a:spcPts val="500"/>
+              </a:spcBef>
+              <a:buFont typeface="Arial" panose="020B0604020202020204" pitchFamily="34" charset="0"/>
+              <a:buChar char="•"/>
+              <a:defRPr sz="2400" kern="1200">
+                <a:solidFill>
+                  <a:schemeClr val="tx1"/>
+                </a:solidFill>
+                <a:latin typeface="+mn-lt"/>
+                <a:ea typeface="+mn-ea"/>
+                <a:cs typeface="+mn-cs"/>
+              </a:defRPr>
+            </a:lvl2pPr>
+            <a:lvl3pPr marL="1143000" indent="-228600" algn="l" defTabSz="914400" rtl="0" eaLnBrk="1" latinLnBrk="0" hangingPunct="1">
+              <a:lnSpc>
+                <a:spcPct val="90000"/>
+              </a:lnSpc>
+              <a:spcBef>
+                <a:spcPts val="500"/>
+              </a:spcBef>
+              <a:buFont typeface="Arial" panose="020B0604020202020204" pitchFamily="34" charset="0"/>
+              <a:buChar char="•"/>
+              <a:defRPr sz="2000" kern="1200">
+                <a:solidFill>
+                  <a:schemeClr val="tx1"/>
+                </a:solidFill>
+                <a:latin typeface="+mn-lt"/>
+                <a:ea typeface="+mn-ea"/>
+                <a:cs typeface="+mn-cs"/>
+              </a:defRPr>
+            </a:lvl3pPr>
+            <a:lvl4pPr marL="1600200" indent="-228600" algn="l" defTabSz="914400" rtl="0" eaLnBrk="1" latinLnBrk="0" hangingPunct="1">
+              <a:lnSpc>
+                <a:spcPct val="90000"/>
+              </a:lnSpc>
+              <a:spcBef>
+                <a:spcPts val="500"/>
+              </a:spcBef>
+              <a:buFont typeface="Arial" panose="020B0604020202020204" pitchFamily="34" charset="0"/>
+              <a:buChar char="•"/>
+              <a:defRPr sz="1800" kern="1200">
+                <a:solidFill>
+                  <a:schemeClr val="tx1"/>
+                </a:solidFill>
+                <a:latin typeface="+mn-lt"/>
+                <a:ea typeface="+mn-ea"/>
+                <a:cs typeface="+mn-cs"/>
+              </a:defRPr>
+            </a:lvl4pPr>
+            <a:lvl5pPr marL="2057400" indent="-228600" algn="l" defTabSz="914400" rtl="0" eaLnBrk="1" latinLnBrk="0" hangingPunct="1">
+              <a:lnSpc>
+                <a:spcPct val="90000"/>
+              </a:lnSpc>
+              <a:spcBef>
+                <a:spcPts val="500"/>
+              </a:spcBef>
+              <a:buFont typeface="Arial" panose="020B0604020202020204" pitchFamily="34" charset="0"/>
+              <a:buChar char="•"/>
+              <a:defRPr sz="1800" kern="1200">
+                <a:solidFill>
+                  <a:schemeClr val="tx1"/>
+                </a:solidFill>
+                <a:latin typeface="+mn-lt"/>
+                <a:ea typeface="+mn-ea"/>
+                <a:cs typeface="+mn-cs"/>
+              </a:defRPr>
+            </a:lvl5pPr>
+            <a:lvl6pPr marL="2514600" indent="-228600" algn="l" defTabSz="914400" rtl="0" eaLnBrk="1" latinLnBrk="0" hangingPunct="1">
+              <a:lnSpc>
+                <a:spcPct val="90000"/>
+              </a:lnSpc>
+              <a:spcBef>
+                <a:spcPts val="500"/>
+              </a:spcBef>
+              <a:buFont typeface="Arial" panose="020B0604020202020204" pitchFamily="34" charset="0"/>
+              <a:buChar char="•"/>
+              <a:defRPr sz="1800" kern="1200">
+                <a:solidFill>
+                  <a:schemeClr val="tx1"/>
+                </a:solidFill>
+                <a:latin typeface="+mn-lt"/>
+                <a:ea typeface="+mn-ea"/>
+                <a:cs typeface="+mn-cs"/>
+              </a:defRPr>
+            </a:lvl6pPr>
+            <a:lvl7pPr marL="2971800" indent="-228600" algn="l" defTabSz="914400" rtl="0" eaLnBrk="1" latinLnBrk="0" hangingPunct="1">
+              <a:lnSpc>
+                <a:spcPct val="90000"/>
+              </a:lnSpc>
+              <a:spcBef>
+                <a:spcPts val="500"/>
+              </a:spcBef>
+              <a:buFont typeface="Arial" panose="020B0604020202020204" pitchFamily="34" charset="0"/>
+              <a:buChar char="•"/>
+              <a:defRPr sz="1800" kern="1200">
+                <a:solidFill>
+                  <a:schemeClr val="tx1"/>
+                </a:solidFill>
+                <a:latin typeface="+mn-lt"/>
+                <a:ea typeface="+mn-ea"/>
+                <a:cs typeface="+mn-cs"/>
+              </a:defRPr>
+            </a:lvl7pPr>
+            <a:lvl8pPr marL="3429000" indent="-228600" algn="l" defTabSz="914400" rtl="0" eaLnBrk="1" latinLnBrk="0" hangingPunct="1">
+              <a:lnSpc>
+                <a:spcPct val="90000"/>
+              </a:lnSpc>
+              <a:spcBef>
+                <a:spcPts val="500"/>
+              </a:spcBef>
+              <a:buFont typeface="Arial" panose="020B0604020202020204" pitchFamily="34" charset="0"/>
+              <a:buChar char="•"/>
+              <a:defRPr sz="1800" kern="1200">
+                <a:solidFill>
+                  <a:schemeClr val="tx1"/>
+                </a:solidFill>
+                <a:latin typeface="+mn-lt"/>
+                <a:ea typeface="+mn-ea"/>
+                <a:cs typeface="+mn-cs"/>
+              </a:defRPr>
+            </a:lvl8pPr>
+            <a:lvl9pPr marL="3886200" indent="-228600" algn="l" defTabSz="914400" rtl="0" eaLnBrk="1" latinLnBrk="0" hangingPunct="1">
+              <a:lnSpc>
+                <a:spcPct val="90000"/>
+              </a:lnSpc>
+              <a:spcBef>
+                <a:spcPts val="500"/>
+              </a:spcBef>
+              <a:buFont typeface="Arial" panose="020B0604020202020204" pitchFamily="34" charset="0"/>
+              <a:buChar char="•"/>
+              <a:defRPr sz="1800" kern="1200">
+                <a:solidFill>
+                  <a:schemeClr val="tx1"/>
+                </a:solidFill>
+                <a:latin typeface="+mn-lt"/>
+                <a:ea typeface="+mn-ea"/>
+                <a:cs typeface="+mn-cs"/>
+              </a:defRPr>
+            </a:lvl9pPr>
+          </a:lstStyle>
+          <a:p>
+            <a:pPr marL="0" indent="0">
+              <a:lnSpc>
+                <a:spcPct val="150000"/>
+              </a:lnSpc>
+              <a:buSzPct val="85000"/>
+              <a:buNone/>
+            </a:pPr>
+            <a:r>
+              <a:rPr lang="en-US" sz="2400" dirty="0"/>
+              <a:t>The CSV file contains data for all recorded gun violence incidents in the US between  January 2013 and March 2018 containing date, location, number of victims, gun types, participants and incident categories</a:t>
+            </a:r>
+          </a:p>
+        </p:txBody>
+      </p:sp>
+      <p:sp>
+        <p:nvSpPr>
+          <p:cNvPr id="9" name="Title 1">
+            <a:extLst>
+              <a:ext uri="{FF2B5EF4-FFF2-40B4-BE49-F238E27FC236}">
+                <a16:creationId xmlns:a16="http://schemas.microsoft.com/office/drawing/2014/main" id="{2CCD4553-79BB-41E7-AAC0-67DDEE94BF69}"/>
+              </a:ext>
+            </a:extLst>
+          </p:cNvPr>
+          <p:cNvSpPr txBox="1">
+            <a:spLocks/>
+          </p:cNvSpPr>
+          <p:nvPr/>
+        </p:nvSpPr>
+        <p:spPr>
+          <a:xfrm>
+            <a:off x="838200" y="1551199"/>
+            <a:ext cx="10515600" cy="1110342"/>
+          </a:xfrm>
+          <a:prstGeom prst="rect">
+            <a:avLst/>
+          </a:prstGeom>
+        </p:spPr>
+        <p:txBody>
+          <a:bodyPr vert="horz" lIns="91440" tIns="45720" rIns="91440" bIns="45720" rtlCol="0" anchor="ctr">
+            <a:normAutofit/>
+          </a:bodyPr>
+          <a:lstStyle>
+            <a:lvl1pPr algn="l" defTabSz="914400" rtl="0" eaLnBrk="1" latinLnBrk="0" hangingPunct="1">
+              <a:lnSpc>
+                <a:spcPct val="90000"/>
+              </a:lnSpc>
+              <a:spcBef>
+                <a:spcPct val="0"/>
+              </a:spcBef>
+              <a:buNone/>
+              <a:defRPr sz="4400" kern="1200">
+                <a:solidFill>
+                  <a:schemeClr val="tx1"/>
+                </a:solidFill>
+                <a:latin typeface="+mj-lt"/>
+                <a:ea typeface="+mj-ea"/>
+                <a:cs typeface="+mj-cs"/>
+              </a:defRPr>
+            </a:lvl1pPr>
+          </a:lstStyle>
+          <a:p>
+            <a:pPr algn="ctr"/>
+            <a:r>
+              <a:rPr lang="en-US" dirty="0"/>
+              <a:t>…BUT IS IT CLEAN ENOUGH?</a:t>
+            </a:r>
+          </a:p>
+        </p:txBody>
+      </p:sp>
+      <p:sp>
+        <p:nvSpPr>
+          <p:cNvPr id="10" name="Content Placeholder 2">
+            <a:extLst>
+              <a:ext uri="{FF2B5EF4-FFF2-40B4-BE49-F238E27FC236}">
+                <a16:creationId xmlns:a16="http://schemas.microsoft.com/office/drawing/2014/main" id="{260C6716-631B-4A53-9A5C-95F410ECCCA5}"/>
+              </a:ext>
+            </a:extLst>
+          </p:cNvPr>
+          <p:cNvSpPr txBox="1">
+            <a:spLocks/>
+          </p:cNvSpPr>
+          <p:nvPr/>
+        </p:nvSpPr>
+        <p:spPr>
+          <a:xfrm>
+            <a:off x="297024" y="2388605"/>
+            <a:ext cx="11597951" cy="545872"/>
+          </a:xfrm>
+          <a:prstGeom prst="rect">
+            <a:avLst/>
+          </a:prstGeom>
+        </p:spPr>
+        <p:txBody>
+          <a:bodyPr vert="horz" lIns="91440" tIns="45720" rIns="91440" bIns="45720" rtlCol="0">
+            <a:normAutofit fontScale="92500"/>
+          </a:bodyPr>
+          <a:lstStyle>
+            <a:lvl1pPr marL="228600" indent="-228600" algn="l" defTabSz="914400" rtl="0" eaLnBrk="1" latinLnBrk="0" hangingPunct="1">
+              <a:lnSpc>
+                <a:spcPct val="90000"/>
+              </a:lnSpc>
+              <a:spcBef>
+                <a:spcPts val="1000"/>
+              </a:spcBef>
+              <a:buFont typeface="Arial" panose="020B0604020202020204" pitchFamily="34" charset="0"/>
+              <a:buChar char="•"/>
+              <a:defRPr sz="2800" kern="1200">
+                <a:solidFill>
+                  <a:schemeClr val="tx1"/>
+                </a:solidFill>
+                <a:latin typeface="+mn-lt"/>
+                <a:ea typeface="+mn-ea"/>
+                <a:cs typeface="+mn-cs"/>
+              </a:defRPr>
+            </a:lvl1pPr>
+            <a:lvl2pPr marL="685800" indent="-228600" algn="l" defTabSz="914400" rtl="0" eaLnBrk="1" latinLnBrk="0" hangingPunct="1">
+              <a:lnSpc>
+                <a:spcPct val="90000"/>
+              </a:lnSpc>
+              <a:spcBef>
+                <a:spcPts val="500"/>
+              </a:spcBef>
+              <a:buFont typeface="Arial" panose="020B0604020202020204" pitchFamily="34" charset="0"/>
+              <a:buChar char="•"/>
+              <a:defRPr sz="2400" kern="1200">
+                <a:solidFill>
+                  <a:schemeClr val="tx1"/>
+                </a:solidFill>
+                <a:latin typeface="+mn-lt"/>
+                <a:ea typeface="+mn-ea"/>
+                <a:cs typeface="+mn-cs"/>
+              </a:defRPr>
+            </a:lvl2pPr>
+            <a:lvl3pPr marL="1143000" indent="-228600" algn="l" defTabSz="914400" rtl="0" eaLnBrk="1" latinLnBrk="0" hangingPunct="1">
+              <a:lnSpc>
+                <a:spcPct val="90000"/>
+              </a:lnSpc>
+              <a:spcBef>
+                <a:spcPts val="500"/>
+              </a:spcBef>
+              <a:buFont typeface="Arial" panose="020B0604020202020204" pitchFamily="34" charset="0"/>
+              <a:buChar char="•"/>
+              <a:defRPr sz="2000" kern="1200">
+                <a:solidFill>
+                  <a:schemeClr val="tx1"/>
+                </a:solidFill>
+                <a:latin typeface="+mn-lt"/>
+                <a:ea typeface="+mn-ea"/>
+                <a:cs typeface="+mn-cs"/>
+              </a:defRPr>
+            </a:lvl3pPr>
+            <a:lvl4pPr marL="1600200" indent="-228600" algn="l" defTabSz="914400" rtl="0" eaLnBrk="1" latinLnBrk="0" hangingPunct="1">
+              <a:lnSpc>
+                <a:spcPct val="90000"/>
+              </a:lnSpc>
+              <a:spcBef>
+                <a:spcPts val="500"/>
+              </a:spcBef>
+              <a:buFont typeface="Arial" panose="020B0604020202020204" pitchFamily="34" charset="0"/>
+              <a:buChar char="•"/>
+              <a:defRPr sz="1800" kern="1200">
+                <a:solidFill>
+                  <a:schemeClr val="tx1"/>
+                </a:solidFill>
+                <a:latin typeface="+mn-lt"/>
+                <a:ea typeface="+mn-ea"/>
+                <a:cs typeface="+mn-cs"/>
+              </a:defRPr>
+            </a:lvl4pPr>
+            <a:lvl5pPr marL="2057400" indent="-228600" algn="l" defTabSz="914400" rtl="0" eaLnBrk="1" latinLnBrk="0" hangingPunct="1">
+              <a:lnSpc>
+                <a:spcPct val="90000"/>
+              </a:lnSpc>
+              <a:spcBef>
+                <a:spcPts val="500"/>
+              </a:spcBef>
+              <a:buFont typeface="Arial" panose="020B0604020202020204" pitchFamily="34" charset="0"/>
+              <a:buChar char="•"/>
+              <a:defRPr sz="1800" kern="1200">
+                <a:solidFill>
+                  <a:schemeClr val="tx1"/>
+                </a:solidFill>
+                <a:latin typeface="+mn-lt"/>
+                <a:ea typeface="+mn-ea"/>
+                <a:cs typeface="+mn-cs"/>
+              </a:defRPr>
+            </a:lvl5pPr>
+            <a:lvl6pPr marL="2514600" indent="-228600" algn="l" defTabSz="914400" rtl="0" eaLnBrk="1" latinLnBrk="0" hangingPunct="1">
+              <a:lnSpc>
+                <a:spcPct val="90000"/>
+              </a:lnSpc>
+              <a:spcBef>
+                <a:spcPts val="500"/>
+              </a:spcBef>
+              <a:buFont typeface="Arial" panose="020B0604020202020204" pitchFamily="34" charset="0"/>
+              <a:buChar char="•"/>
+              <a:defRPr sz="1800" kern="1200">
+                <a:solidFill>
+                  <a:schemeClr val="tx1"/>
+                </a:solidFill>
+                <a:latin typeface="+mn-lt"/>
+                <a:ea typeface="+mn-ea"/>
+                <a:cs typeface="+mn-cs"/>
+              </a:defRPr>
+            </a:lvl6pPr>
+            <a:lvl7pPr marL="2971800" indent="-228600" algn="l" defTabSz="914400" rtl="0" eaLnBrk="1" latinLnBrk="0" hangingPunct="1">
+              <a:lnSpc>
+                <a:spcPct val="90000"/>
+              </a:lnSpc>
+              <a:spcBef>
+                <a:spcPts val="500"/>
+              </a:spcBef>
+              <a:buFont typeface="Arial" panose="020B0604020202020204" pitchFamily="34" charset="0"/>
+              <a:buChar char="•"/>
+              <a:defRPr sz="1800" kern="1200">
+                <a:solidFill>
+                  <a:schemeClr val="tx1"/>
+                </a:solidFill>
+                <a:latin typeface="+mn-lt"/>
+                <a:ea typeface="+mn-ea"/>
+                <a:cs typeface="+mn-cs"/>
+              </a:defRPr>
+            </a:lvl7pPr>
+            <a:lvl8pPr marL="3429000" indent="-228600" algn="l" defTabSz="914400" rtl="0" eaLnBrk="1" latinLnBrk="0" hangingPunct="1">
+              <a:lnSpc>
+                <a:spcPct val="90000"/>
+              </a:lnSpc>
+              <a:spcBef>
+                <a:spcPts val="500"/>
+              </a:spcBef>
+              <a:buFont typeface="Arial" panose="020B0604020202020204" pitchFamily="34" charset="0"/>
+              <a:buChar char="•"/>
+              <a:defRPr sz="1800" kern="1200">
+                <a:solidFill>
+                  <a:schemeClr val="tx1"/>
+                </a:solidFill>
+                <a:latin typeface="+mn-lt"/>
+                <a:ea typeface="+mn-ea"/>
+                <a:cs typeface="+mn-cs"/>
+              </a:defRPr>
+            </a:lvl8pPr>
+            <a:lvl9pPr marL="3886200" indent="-228600" algn="l" defTabSz="914400" rtl="0" eaLnBrk="1" latinLnBrk="0" hangingPunct="1">
+              <a:lnSpc>
+                <a:spcPct val="90000"/>
+              </a:lnSpc>
+              <a:spcBef>
+                <a:spcPts val="500"/>
+              </a:spcBef>
+              <a:buFont typeface="Arial" panose="020B0604020202020204" pitchFamily="34" charset="0"/>
+              <a:buChar char="•"/>
+              <a:defRPr sz="1800" kern="1200">
+                <a:solidFill>
+                  <a:schemeClr val="tx1"/>
+                </a:solidFill>
+                <a:latin typeface="+mn-lt"/>
+                <a:ea typeface="+mn-ea"/>
+                <a:cs typeface="+mn-cs"/>
+              </a:defRPr>
+            </a:lvl9pPr>
+          </a:lstStyle>
+          <a:p>
+            <a:pPr marL="0" indent="0">
+              <a:lnSpc>
+                <a:spcPct val="150000"/>
+              </a:lnSpc>
+              <a:buSzPct val="85000"/>
+              <a:buNone/>
+            </a:pPr>
+            <a:r>
+              <a:rPr lang="en-US" sz="2400" dirty="0"/>
+              <a:t>1				2				3				4</a:t>
+            </a:r>
+          </a:p>
+        </p:txBody>
+      </p:sp>
+      <p:grpSp>
+        <p:nvGrpSpPr>
+          <p:cNvPr id="14" name="Group 13">
+            <a:extLst>
+              <a:ext uri="{FF2B5EF4-FFF2-40B4-BE49-F238E27FC236}">
+                <a16:creationId xmlns:a16="http://schemas.microsoft.com/office/drawing/2014/main" id="{CA67CB04-51B0-4B94-9021-CBD1760C2060}"/>
+              </a:ext>
+            </a:extLst>
+          </p:cNvPr>
+          <p:cNvGrpSpPr/>
+          <p:nvPr/>
+        </p:nvGrpSpPr>
+        <p:grpSpPr>
+          <a:xfrm>
+            <a:off x="297023" y="2998241"/>
+            <a:ext cx="11422225" cy="1693241"/>
+            <a:chOff x="297023" y="2998241"/>
+            <a:chExt cx="11422225" cy="1693241"/>
+          </a:xfrm>
+        </p:grpSpPr>
+        <p:sp>
+          <p:nvSpPr>
+            <p:cNvPr id="12" name="Rectangle 11">
+              <a:extLst>
+                <a:ext uri="{FF2B5EF4-FFF2-40B4-BE49-F238E27FC236}">
+                  <a16:creationId xmlns:a16="http://schemas.microsoft.com/office/drawing/2014/main" id="{6E22C001-A876-481E-ABD4-1457B2B42ED9}"/>
+                </a:ext>
+              </a:extLst>
+            </p:cNvPr>
+            <p:cNvSpPr/>
+            <p:nvPr/>
+          </p:nvSpPr>
+          <p:spPr>
+            <a:xfrm>
+              <a:off x="297024" y="2998241"/>
+              <a:ext cx="5403980" cy="464871"/>
+            </a:xfrm>
+            <a:prstGeom prst="rect">
+              <a:avLst/>
+            </a:prstGeom>
+          </p:spPr>
+          <p:txBody>
+            <a:bodyPr wrap="square">
+              <a:spAutoFit/>
+            </a:bodyPr>
+            <a:lstStyle/>
+            <a:p>
+              <a:pPr>
+                <a:lnSpc>
+                  <a:spcPct val="150000"/>
+                </a:lnSpc>
+                <a:buSzPct val="85000"/>
+              </a:pPr>
+              <a:r>
+                <a:rPr lang="en-US" dirty="0">
+                  <a:solidFill>
+                    <a:schemeClr val="accent4">
+                      <a:lumMod val="60000"/>
+                      <a:lumOff val="40000"/>
+                    </a:schemeClr>
+                  </a:solidFill>
+                </a:rPr>
+                <a:t>Not enough data to perform gun type – related analysis</a:t>
+              </a:r>
+            </a:p>
+          </p:txBody>
+        </p:sp>
+        <p:sp>
+          <p:nvSpPr>
+            <p:cNvPr id="4" name="Rectangle 3">
+              <a:extLst>
+                <a:ext uri="{FF2B5EF4-FFF2-40B4-BE49-F238E27FC236}">
+                  <a16:creationId xmlns:a16="http://schemas.microsoft.com/office/drawing/2014/main" id="{0E012897-06F5-4DFA-BB8E-E0E4122E656F}"/>
+                </a:ext>
+              </a:extLst>
+            </p:cNvPr>
+            <p:cNvSpPr/>
+            <p:nvPr/>
+          </p:nvSpPr>
+          <p:spPr>
+            <a:xfrm>
+              <a:off x="297023" y="3503613"/>
+              <a:ext cx="11422225" cy="830997"/>
+            </a:xfrm>
+            <a:prstGeom prst="rect">
+              <a:avLst/>
+            </a:prstGeom>
+            <a:solidFill>
+              <a:schemeClr val="bg1"/>
+            </a:solidFill>
+          </p:spPr>
+          <p:txBody>
+            <a:bodyPr wrap="square">
+              <a:spAutoFit/>
+            </a:bodyPr>
+            <a:lstStyle/>
+            <a:p>
+              <a:r>
+                <a:rPr lang="en-US" sz="1200" dirty="0" err="1">
+                  <a:solidFill>
+                    <a:srgbClr val="D4D4D4"/>
+                  </a:solidFill>
+                  <a:latin typeface="Consolas" panose="020B0609020204030204" pitchFamily="49" charset="0"/>
+                </a:rPr>
+                <a:t>no_gun_type</a:t>
+              </a:r>
+              <a:r>
+                <a:rPr lang="en-US" sz="1200" dirty="0">
+                  <a:solidFill>
+                    <a:srgbClr val="D4D4D4"/>
+                  </a:solidFill>
+                  <a:latin typeface="Consolas" panose="020B0609020204030204" pitchFamily="49" charset="0"/>
+                </a:rPr>
+                <a:t> = </a:t>
+              </a:r>
+              <a:r>
+                <a:rPr lang="en-US" sz="1200" dirty="0" err="1">
+                  <a:solidFill>
+                    <a:srgbClr val="D4D4D4"/>
+                  </a:solidFill>
+                  <a:latin typeface="Consolas" panose="020B0609020204030204" pitchFamily="49" charset="0"/>
+                </a:rPr>
+                <a:t>gun_violence_data</a:t>
+              </a:r>
+              <a:r>
+                <a:rPr lang="en-US" sz="1200" dirty="0">
+                  <a:solidFill>
+                    <a:srgbClr val="D4D4D4"/>
+                  </a:solidFill>
+                  <a:latin typeface="Consolas" panose="020B0609020204030204" pitchFamily="49" charset="0"/>
+                </a:rPr>
+                <a:t>[</a:t>
+              </a:r>
+              <a:r>
+                <a:rPr lang="en-US" sz="1200" dirty="0">
+                  <a:solidFill>
+                    <a:srgbClr val="CE9178"/>
+                  </a:solidFill>
+                  <a:latin typeface="Consolas" panose="020B0609020204030204" pitchFamily="49" charset="0"/>
+                </a:rPr>
+                <a:t>'</a:t>
+              </a:r>
+              <a:r>
+                <a:rPr lang="en-US" sz="1200" dirty="0" err="1">
+                  <a:solidFill>
+                    <a:srgbClr val="CE9178"/>
+                  </a:solidFill>
+                  <a:latin typeface="Consolas" panose="020B0609020204030204" pitchFamily="49" charset="0"/>
+                </a:rPr>
+                <a:t>gun_type</a:t>
+              </a:r>
+              <a:r>
+                <a:rPr lang="en-US" sz="1200" dirty="0">
+                  <a:solidFill>
+                    <a:srgbClr val="CE9178"/>
+                  </a:solidFill>
+                  <a:latin typeface="Consolas" panose="020B0609020204030204" pitchFamily="49" charset="0"/>
+                </a:rPr>
+                <a:t>'</a:t>
+              </a:r>
+              <a:r>
+                <a:rPr lang="en-US" sz="1200" dirty="0">
+                  <a:solidFill>
+                    <a:srgbClr val="D4D4D4"/>
+                  </a:solidFill>
+                  <a:latin typeface="Consolas" panose="020B0609020204030204" pitchFamily="49" charset="0"/>
+                </a:rPr>
+                <a:t>].</a:t>
+              </a:r>
+              <a:r>
+                <a:rPr lang="en-US" sz="1200" dirty="0" err="1">
+                  <a:solidFill>
+                    <a:srgbClr val="D4D4D4"/>
+                  </a:solidFill>
+                  <a:latin typeface="Consolas" panose="020B0609020204030204" pitchFamily="49" charset="0"/>
+                </a:rPr>
+                <a:t>isna</a:t>
+              </a:r>
+              <a:r>
+                <a:rPr lang="en-US" sz="1200" dirty="0">
+                  <a:solidFill>
+                    <a:srgbClr val="D4D4D4"/>
+                  </a:solidFill>
+                  <a:latin typeface="Consolas" panose="020B0609020204030204" pitchFamily="49" charset="0"/>
+                </a:rPr>
+                <a:t>().sum()</a:t>
+              </a:r>
+            </a:p>
+            <a:p>
+              <a:r>
+                <a:rPr lang="en-US" sz="1200" dirty="0" err="1">
+                  <a:solidFill>
+                    <a:srgbClr val="D4D4D4"/>
+                  </a:solidFill>
+                  <a:latin typeface="Consolas" panose="020B0609020204030204" pitchFamily="49" charset="0"/>
+                </a:rPr>
+                <a:t>gun_type_unknown</a:t>
+              </a:r>
+              <a:r>
+                <a:rPr lang="en-US" sz="1200" dirty="0">
+                  <a:solidFill>
+                    <a:srgbClr val="D4D4D4"/>
+                  </a:solidFill>
+                  <a:latin typeface="Consolas" panose="020B0609020204030204" pitchFamily="49" charset="0"/>
+                </a:rPr>
+                <a:t> = (</a:t>
+              </a:r>
+              <a:r>
+                <a:rPr lang="en-US" sz="1200" dirty="0" err="1">
+                  <a:solidFill>
+                    <a:srgbClr val="D4D4D4"/>
+                  </a:solidFill>
+                  <a:latin typeface="Consolas" panose="020B0609020204030204" pitchFamily="49" charset="0"/>
+                </a:rPr>
+                <a:t>gun_violence_data</a:t>
+              </a:r>
+              <a:r>
+                <a:rPr lang="en-US" sz="1200" dirty="0">
+                  <a:solidFill>
+                    <a:srgbClr val="D4D4D4"/>
+                  </a:solidFill>
+                  <a:latin typeface="Consolas" panose="020B0609020204030204" pitchFamily="49" charset="0"/>
+                </a:rPr>
+                <a:t>[</a:t>
+              </a:r>
+              <a:r>
+                <a:rPr lang="en-US" sz="1200" dirty="0">
+                  <a:solidFill>
+                    <a:srgbClr val="CE9178"/>
+                  </a:solidFill>
+                  <a:latin typeface="Consolas" panose="020B0609020204030204" pitchFamily="49" charset="0"/>
+                </a:rPr>
+                <a:t>'</a:t>
+              </a:r>
+              <a:r>
+                <a:rPr lang="en-US" sz="1200" dirty="0" err="1">
+                  <a:solidFill>
+                    <a:srgbClr val="CE9178"/>
+                  </a:solidFill>
+                  <a:latin typeface="Consolas" panose="020B0609020204030204" pitchFamily="49" charset="0"/>
+                </a:rPr>
+                <a:t>gun_type</a:t>
+              </a:r>
+              <a:r>
+                <a:rPr lang="en-US" sz="1200" dirty="0">
+                  <a:solidFill>
+                    <a:srgbClr val="CE9178"/>
+                  </a:solidFill>
+                  <a:latin typeface="Consolas" panose="020B0609020204030204" pitchFamily="49" charset="0"/>
+                </a:rPr>
+                <a:t>'</a:t>
+              </a:r>
+              <a:r>
+                <a:rPr lang="en-US" sz="1200" dirty="0">
+                  <a:solidFill>
+                    <a:srgbClr val="D4D4D4"/>
+                  </a:solidFill>
+                  <a:latin typeface="Consolas" panose="020B0609020204030204" pitchFamily="49" charset="0"/>
+                </a:rPr>
+                <a:t>] == </a:t>
+              </a:r>
+              <a:r>
+                <a:rPr lang="en-US" sz="1200" dirty="0">
+                  <a:solidFill>
+                    <a:srgbClr val="CE9178"/>
+                  </a:solidFill>
+                  <a:latin typeface="Consolas" panose="020B0609020204030204" pitchFamily="49" charset="0"/>
+                </a:rPr>
+                <a:t>'0::Unknown'</a:t>
+              </a:r>
+              <a:r>
+                <a:rPr lang="en-US" sz="1200" dirty="0">
+                  <a:solidFill>
+                    <a:srgbClr val="D4D4D4"/>
+                  </a:solidFill>
+                  <a:latin typeface="Consolas" panose="020B0609020204030204" pitchFamily="49" charset="0"/>
+                </a:rPr>
+                <a:t>).sum()</a:t>
+              </a:r>
+            </a:p>
+            <a:p>
+              <a:r>
+                <a:rPr lang="en-US" sz="1200" dirty="0">
+                  <a:solidFill>
+                    <a:srgbClr val="DCDCAA"/>
+                  </a:solidFill>
+                  <a:latin typeface="Consolas" panose="020B0609020204030204" pitchFamily="49" charset="0"/>
+                </a:rPr>
+                <a:t>print</a:t>
+              </a:r>
+              <a:r>
+                <a:rPr lang="en-US" sz="1200" dirty="0">
+                  <a:solidFill>
+                    <a:srgbClr val="D4D4D4"/>
+                  </a:solidFill>
+                  <a:latin typeface="Consolas" panose="020B0609020204030204" pitchFamily="49" charset="0"/>
+                </a:rPr>
+                <a:t>(</a:t>
+              </a:r>
+              <a:r>
+                <a:rPr lang="en-US" sz="1200" dirty="0" err="1">
+                  <a:solidFill>
+                    <a:srgbClr val="569CD6"/>
+                  </a:solidFill>
+                  <a:latin typeface="Consolas" panose="020B0609020204030204" pitchFamily="49" charset="0"/>
+                </a:rPr>
+                <a:t>f</a:t>
+              </a:r>
+              <a:r>
+                <a:rPr lang="en-US" sz="1200" dirty="0" err="1">
+                  <a:solidFill>
+                    <a:srgbClr val="CE9178"/>
+                  </a:solidFill>
+                  <a:latin typeface="Consolas" panose="020B0609020204030204" pitchFamily="49" charset="0"/>
+                </a:rPr>
+                <a:t>'Out</a:t>
+              </a:r>
+              <a:r>
+                <a:rPr lang="en-US" sz="1200" dirty="0">
+                  <a:solidFill>
+                    <a:srgbClr val="CE9178"/>
+                  </a:solidFill>
+                  <a:latin typeface="Consolas" panose="020B0609020204030204" pitchFamily="49" charset="0"/>
+                </a:rPr>
+                <a:t> of </a:t>
+              </a:r>
+              <a:r>
+                <a:rPr lang="en-US" sz="1200" dirty="0">
+                  <a:solidFill>
+                    <a:srgbClr val="569CD6"/>
+                  </a:solidFill>
+                  <a:latin typeface="Consolas" panose="020B0609020204030204" pitchFamily="49" charset="0"/>
+                </a:rPr>
+                <a:t>{</a:t>
+              </a:r>
+              <a:r>
+                <a:rPr lang="en-US" sz="1200" dirty="0" err="1">
+                  <a:solidFill>
+                    <a:srgbClr val="DCDCAA"/>
+                  </a:solidFill>
+                  <a:latin typeface="Consolas" panose="020B0609020204030204" pitchFamily="49" charset="0"/>
+                </a:rPr>
+                <a:t>len</a:t>
+              </a:r>
+              <a:r>
+                <a:rPr lang="en-US" sz="1200" dirty="0">
+                  <a:solidFill>
+                    <a:srgbClr val="D4D4D4"/>
+                  </a:solidFill>
+                  <a:latin typeface="Consolas" panose="020B0609020204030204" pitchFamily="49" charset="0"/>
+                </a:rPr>
+                <a:t>(</a:t>
+              </a:r>
+              <a:r>
+                <a:rPr lang="en-US" sz="1200" dirty="0" err="1">
+                  <a:solidFill>
+                    <a:srgbClr val="D4D4D4"/>
+                  </a:solidFill>
+                  <a:latin typeface="Consolas" panose="020B0609020204030204" pitchFamily="49" charset="0"/>
+                </a:rPr>
+                <a:t>gun_violence_data.index</a:t>
+              </a:r>
+              <a:r>
+                <a:rPr lang="en-US" sz="1200" dirty="0">
+                  <a:solidFill>
+                    <a:srgbClr val="D4D4D4"/>
+                  </a:solidFill>
+                  <a:latin typeface="Consolas" panose="020B0609020204030204" pitchFamily="49" charset="0"/>
+                </a:rPr>
+                <a:t>)</a:t>
+              </a:r>
+              <a:r>
+                <a:rPr lang="en-US" sz="1200" dirty="0">
+                  <a:solidFill>
+                    <a:srgbClr val="569CD6"/>
+                  </a:solidFill>
+                  <a:latin typeface="Consolas" panose="020B0609020204030204" pitchFamily="49" charset="0"/>
+                </a:rPr>
+                <a:t>}</a:t>
+              </a:r>
+              <a:r>
+                <a:rPr lang="en-US" sz="1200" dirty="0">
+                  <a:solidFill>
+                    <a:srgbClr val="CE9178"/>
+                  </a:solidFill>
+                  <a:latin typeface="Consolas" panose="020B0609020204030204" pitchFamily="49" charset="0"/>
+                </a:rPr>
+                <a:t> incidents </a:t>
+              </a:r>
+              <a:r>
+                <a:rPr lang="en-US" sz="1200" dirty="0">
+                  <a:solidFill>
+                    <a:srgbClr val="569CD6"/>
+                  </a:solidFill>
+                  <a:latin typeface="Consolas" panose="020B0609020204030204" pitchFamily="49" charset="0"/>
+                </a:rPr>
+                <a:t>{</a:t>
+              </a:r>
+              <a:r>
+                <a:rPr lang="en-US" sz="1200" dirty="0" err="1">
+                  <a:solidFill>
+                    <a:srgbClr val="D4D4D4"/>
+                  </a:solidFill>
+                  <a:latin typeface="Consolas" panose="020B0609020204030204" pitchFamily="49" charset="0"/>
+                </a:rPr>
+                <a:t>no_gun_type</a:t>
+              </a:r>
+              <a:r>
+                <a:rPr lang="en-US" sz="1200" dirty="0">
+                  <a:solidFill>
+                    <a:srgbClr val="569CD6"/>
+                  </a:solidFill>
+                  <a:latin typeface="Consolas" panose="020B0609020204030204" pitchFamily="49" charset="0"/>
+                </a:rPr>
+                <a:t>}</a:t>
+              </a:r>
+              <a:r>
+                <a:rPr lang="en-US" sz="1200" dirty="0">
+                  <a:solidFill>
+                    <a:srgbClr val="CE9178"/>
+                  </a:solidFill>
+                  <a:latin typeface="Consolas" panose="020B0609020204030204" pitchFamily="49" charset="0"/>
+                </a:rPr>
+                <a:t> have no data on gun type at all'</a:t>
+              </a:r>
+              <a:r>
+                <a:rPr lang="en-US" sz="1200" dirty="0">
+                  <a:solidFill>
+                    <a:srgbClr val="D4D4D4"/>
+                  </a:solidFill>
+                  <a:latin typeface="Consolas" panose="020B0609020204030204" pitchFamily="49" charset="0"/>
+                </a:rPr>
+                <a:t>, </a:t>
+              </a:r>
+              <a:r>
+                <a:rPr lang="en-US" sz="1200" dirty="0">
+                  <a:solidFill>
+                    <a:srgbClr val="9CDCFE"/>
+                  </a:solidFill>
+                  <a:latin typeface="Consolas" panose="020B0609020204030204" pitchFamily="49" charset="0"/>
+                </a:rPr>
+                <a:t>end</a:t>
+              </a:r>
+              <a:r>
+                <a:rPr lang="en-US" sz="1200" dirty="0">
+                  <a:solidFill>
+                    <a:srgbClr val="D4D4D4"/>
+                  </a:solidFill>
+                  <a:latin typeface="Consolas" panose="020B0609020204030204" pitchFamily="49" charset="0"/>
+                </a:rPr>
+                <a:t>=</a:t>
+              </a:r>
+              <a:r>
+                <a:rPr lang="en-US" sz="1200" dirty="0">
+                  <a:solidFill>
+                    <a:srgbClr val="CE9178"/>
+                  </a:solidFill>
+                  <a:latin typeface="Consolas" panose="020B0609020204030204" pitchFamily="49" charset="0"/>
+                </a:rPr>
+                <a:t>' '</a:t>
+              </a:r>
+              <a:r>
+                <a:rPr lang="en-US" sz="1200" dirty="0">
+                  <a:solidFill>
+                    <a:srgbClr val="D4D4D4"/>
+                  </a:solidFill>
+                  <a:latin typeface="Consolas" panose="020B0609020204030204" pitchFamily="49" charset="0"/>
+                </a:rPr>
+                <a:t>)</a:t>
+              </a:r>
+            </a:p>
+            <a:p>
+              <a:r>
+                <a:rPr lang="en-US" sz="1200" dirty="0">
+                  <a:solidFill>
+                    <a:srgbClr val="DCDCAA"/>
+                  </a:solidFill>
+                  <a:latin typeface="Consolas" panose="020B0609020204030204" pitchFamily="49" charset="0"/>
+                </a:rPr>
+                <a:t>print</a:t>
+              </a:r>
+              <a:r>
+                <a:rPr lang="en-US" sz="1200" dirty="0">
+                  <a:solidFill>
+                    <a:srgbClr val="D4D4D4"/>
+                  </a:solidFill>
+                  <a:latin typeface="Consolas" panose="020B0609020204030204" pitchFamily="49" charset="0"/>
+                </a:rPr>
+                <a:t>(</a:t>
+              </a:r>
+              <a:r>
+                <a:rPr lang="en-US" sz="1200" dirty="0" err="1">
+                  <a:solidFill>
+                    <a:srgbClr val="569CD6"/>
+                  </a:solidFill>
+                  <a:latin typeface="Consolas" panose="020B0609020204030204" pitchFamily="49" charset="0"/>
+                </a:rPr>
+                <a:t>f</a:t>
+              </a:r>
+              <a:r>
+                <a:rPr lang="en-US" sz="1200" dirty="0" err="1">
+                  <a:solidFill>
+                    <a:srgbClr val="CE9178"/>
+                  </a:solidFill>
+                  <a:latin typeface="Consolas" panose="020B0609020204030204" pitchFamily="49" charset="0"/>
+                </a:rPr>
+                <a:t>'and</a:t>
+              </a:r>
+              <a:r>
+                <a:rPr lang="en-US" sz="1200" dirty="0">
+                  <a:solidFill>
+                    <a:srgbClr val="CE9178"/>
+                  </a:solidFill>
+                  <a:latin typeface="Consolas" panose="020B0609020204030204" pitchFamily="49" charset="0"/>
+                </a:rPr>
+                <a:t> </a:t>
+              </a:r>
+              <a:r>
+                <a:rPr lang="en-US" sz="1200" dirty="0">
+                  <a:solidFill>
+                    <a:srgbClr val="569CD6"/>
+                  </a:solidFill>
+                  <a:latin typeface="Consolas" panose="020B0609020204030204" pitchFamily="49" charset="0"/>
+                </a:rPr>
+                <a:t>{</a:t>
+              </a:r>
+              <a:r>
+                <a:rPr lang="en-US" sz="1200" dirty="0" err="1">
+                  <a:solidFill>
+                    <a:srgbClr val="D4D4D4"/>
+                  </a:solidFill>
+                  <a:latin typeface="Consolas" panose="020B0609020204030204" pitchFamily="49" charset="0"/>
+                </a:rPr>
+                <a:t>gun_type_unknown</a:t>
+              </a:r>
+              <a:r>
+                <a:rPr lang="en-US" sz="1200" dirty="0">
+                  <a:solidFill>
+                    <a:srgbClr val="569CD6"/>
+                  </a:solidFill>
+                  <a:latin typeface="Consolas" panose="020B0609020204030204" pitchFamily="49" charset="0"/>
+                </a:rPr>
+                <a:t>}</a:t>
+              </a:r>
+              <a:r>
+                <a:rPr lang="en-US" sz="1200" dirty="0">
+                  <a:solidFill>
+                    <a:srgbClr val="CE9178"/>
+                  </a:solidFill>
+                  <a:latin typeface="Consolas" panose="020B0609020204030204" pitchFamily="49" charset="0"/>
+                </a:rPr>
+                <a:t> more knows that the type of the gun is unknown'</a:t>
+              </a:r>
+              <a:r>
+                <a:rPr lang="en-US" sz="1200" dirty="0">
+                  <a:solidFill>
+                    <a:srgbClr val="D4D4D4"/>
+                  </a:solidFill>
+                  <a:latin typeface="Consolas" panose="020B0609020204030204" pitchFamily="49" charset="0"/>
+                </a:rPr>
+                <a:t>)</a:t>
+              </a:r>
+              <a:endParaRPr lang="en-US" sz="1200" b="0" dirty="0">
+                <a:solidFill>
+                  <a:srgbClr val="D4D4D4"/>
+                </a:solidFill>
+                <a:effectLst/>
+                <a:latin typeface="Consolas" panose="020B0609020204030204" pitchFamily="49" charset="0"/>
+              </a:endParaRPr>
+            </a:p>
+          </p:txBody>
+        </p:sp>
+        <p:sp>
+          <p:nvSpPr>
+            <p:cNvPr id="5" name="Rectangle 1">
+              <a:extLst>
+                <a:ext uri="{FF2B5EF4-FFF2-40B4-BE49-F238E27FC236}">
+                  <a16:creationId xmlns:a16="http://schemas.microsoft.com/office/drawing/2014/main" id="{B4AC59EF-4BBE-447B-B79F-9953B6884732}"/>
+                </a:ext>
+              </a:extLst>
+            </p:cNvPr>
+            <p:cNvSpPr>
+              <a:spLocks noChangeArrowheads="1"/>
+            </p:cNvSpPr>
+            <p:nvPr/>
+          </p:nvSpPr>
+          <p:spPr bwMode="auto">
+            <a:xfrm>
+              <a:off x="398106" y="4479886"/>
+              <a:ext cx="9178795" cy="211596"/>
+            </a:xfrm>
+            <a:prstGeom prst="rect">
+              <a:avLst/>
+            </a:prstGeom>
+            <a:solidFill>
+              <a:srgbClr val="FFFFFF"/>
+            </a:solidFill>
+            <a:ln>
+              <a:noFill/>
+            </a:ln>
+            <a:effectLst/>
+            <a:extLst>
+              <a:ext uri="{91240B29-F687-4F45-9708-019B960494DF}">
+                <a14:hiddenLine xmlns:a14="http://schemas.microsoft.com/office/drawing/2010/main" w="9525">
+                  <a:solidFill>
+                    <a:schemeClr val="tx1"/>
+                  </a:solidFill>
+                  <a:miter lim="800000"/>
+                  <a:headEnd/>
+                  <a:tailEnd/>
+                </a14:hiddenLine>
+              </a:ext>
+              <a:ext uri="{AF507438-7753-43E0-B8FC-AC1667EBCBE1}">
+                <a14:hiddenEffects xmlns:a14="http://schemas.microsoft.com/office/drawing/2010/main">
+                  <a:effectLst>
+                    <a:outerShdw dist="35921" dir="2700000" algn="ctr" rotWithShape="0">
+                      <a:schemeClr val="bg2"/>
+                    </a:outerShdw>
+                  </a:effectLst>
+                </a14:hiddenEffects>
+              </a:ext>
+            </a:extLst>
+          </p:spPr>
+          <p:txBody>
+            <a:bodyPr vert="horz" wrap="none" lIns="0" tIns="0" rIns="0" bIns="0" numCol="1" anchor="ctr" anchorCtr="0" compatLnSpc="1">
+              <a:prstTxWarp prst="textNoShape">
+                <a:avLst/>
+              </a:prstTxWarp>
+              <a:spAutoFit/>
+            </a:bodyPr>
+            <a:lstStyle/>
+            <a:p>
+              <a:pPr marR="0" lvl="0" indent="0" algn="l" defTabSz="914400" rtl="0" eaLnBrk="0" fontAlgn="base" latinLnBrk="0" hangingPunct="0">
+                <a:lnSpc>
+                  <a:spcPct val="150000"/>
+                </a:lnSpc>
+                <a:spcBef>
+                  <a:spcPts val="600"/>
+                </a:spcBef>
+                <a:spcAft>
+                  <a:spcPts val="600"/>
+                </a:spcAft>
+                <a:buClrTx/>
+                <a:buSzTx/>
+                <a:buFontTx/>
+                <a:buNone/>
+                <a:tabLst/>
+              </a:pPr>
+              <a:r>
+                <a:rPr kumimoji="0" lang="en-US" altLang="en-US" sz="1000" b="0" i="0" u="none" strike="noStrike" cap="none" normalizeH="0" baseline="0" dirty="0">
+                  <a:ln>
+                    <a:noFill/>
+                  </a:ln>
+                  <a:solidFill>
+                    <a:srgbClr val="000000"/>
+                  </a:solidFill>
+                  <a:effectLst/>
+                  <a:latin typeface="Courier New" panose="02070309020205020404" pitchFamily="49" charset="0"/>
+                </a:rPr>
+                <a:t> Out of 239677 incidents 99451 have no data on gun type at all and 93559 more knows that the type of the gun is unknown</a:t>
+              </a:r>
+              <a:r>
+                <a:rPr kumimoji="0" lang="en-US" altLang="en-US" sz="800" b="0" i="0" u="none" strike="noStrike" cap="none" normalizeH="0" baseline="0" dirty="0">
+                  <a:ln>
+                    <a:noFill/>
+                  </a:ln>
+                  <a:solidFill>
+                    <a:schemeClr val="tx1"/>
+                  </a:solidFill>
+                  <a:effectLst/>
+                </a:rPr>
+                <a:t> </a:t>
+              </a:r>
+              <a:endParaRPr kumimoji="0" lang="en-US" altLang="en-US" sz="1800" b="0" i="0" u="none" strike="noStrike" cap="none" normalizeH="0" baseline="0" dirty="0">
+                <a:ln>
+                  <a:noFill/>
+                </a:ln>
+                <a:solidFill>
+                  <a:schemeClr val="tx1"/>
+                </a:solidFill>
+                <a:effectLst/>
+                <a:latin typeface="Arial" panose="020B0604020202020204" pitchFamily="34" charset="0"/>
+              </a:endParaRPr>
+            </a:p>
+          </p:txBody>
+        </p:sp>
+      </p:grpSp>
+      <p:grpSp>
+        <p:nvGrpSpPr>
+          <p:cNvPr id="15" name="Group 14">
+            <a:extLst>
+              <a:ext uri="{FF2B5EF4-FFF2-40B4-BE49-F238E27FC236}">
+                <a16:creationId xmlns:a16="http://schemas.microsoft.com/office/drawing/2014/main" id="{F8E18D9F-90FE-4638-B3DA-D7256933D74D}"/>
+              </a:ext>
+            </a:extLst>
+          </p:cNvPr>
+          <p:cNvGrpSpPr/>
+          <p:nvPr/>
+        </p:nvGrpSpPr>
+        <p:grpSpPr>
+          <a:xfrm>
+            <a:off x="297023" y="2998241"/>
+            <a:ext cx="8167010" cy="2617361"/>
+            <a:chOff x="12192000" y="2998241"/>
+            <a:chExt cx="8167010" cy="2617361"/>
+          </a:xfrm>
+        </p:grpSpPr>
+        <p:sp>
+          <p:nvSpPr>
+            <p:cNvPr id="11" name="Rectangle 10">
+              <a:extLst>
+                <a:ext uri="{FF2B5EF4-FFF2-40B4-BE49-F238E27FC236}">
+                  <a16:creationId xmlns:a16="http://schemas.microsoft.com/office/drawing/2014/main" id="{FEF987E2-AD06-48C3-8959-D63FA34AA828}"/>
+                </a:ext>
+              </a:extLst>
+            </p:cNvPr>
+            <p:cNvSpPr/>
+            <p:nvPr/>
+          </p:nvSpPr>
+          <p:spPr>
+            <a:xfrm>
+              <a:off x="12192000" y="3503613"/>
+              <a:ext cx="6096000" cy="1754326"/>
+            </a:xfrm>
+            <a:prstGeom prst="rect">
+              <a:avLst/>
+            </a:prstGeom>
+            <a:solidFill>
+              <a:schemeClr val="bg1"/>
+            </a:solidFill>
+          </p:spPr>
+          <p:txBody>
+            <a:bodyPr>
+              <a:spAutoFit/>
+            </a:bodyPr>
+            <a:lstStyle/>
+            <a:p>
+              <a:r>
+                <a:rPr lang="en-US" sz="1200" dirty="0" err="1">
+                  <a:solidFill>
+                    <a:srgbClr val="D4D4D4"/>
+                  </a:solidFill>
+                  <a:latin typeface="Consolas" panose="020B0609020204030204" pitchFamily="49" charset="0"/>
+                </a:rPr>
+                <a:t>clean_gun_violence_data</a:t>
+              </a:r>
+              <a:r>
+                <a:rPr lang="en-US" sz="1200" dirty="0">
+                  <a:solidFill>
+                    <a:srgbClr val="D4D4D4"/>
+                  </a:solidFill>
+                  <a:latin typeface="Consolas" panose="020B0609020204030204" pitchFamily="49" charset="0"/>
+                </a:rPr>
+                <a:t> = </a:t>
+              </a:r>
+              <a:r>
+                <a:rPr lang="en-US" sz="1200" dirty="0" err="1">
+                  <a:solidFill>
+                    <a:srgbClr val="D4D4D4"/>
+                  </a:solidFill>
+                  <a:latin typeface="Consolas" panose="020B0609020204030204" pitchFamily="49" charset="0"/>
+                </a:rPr>
+                <a:t>gun_violence_data.loc</a:t>
+              </a:r>
+              <a:r>
+                <a:rPr lang="en-US" sz="1200" dirty="0">
+                  <a:solidFill>
+                    <a:srgbClr val="D4D4D4"/>
+                  </a:solidFill>
+                  <a:latin typeface="Consolas" panose="020B0609020204030204" pitchFamily="49" charset="0"/>
+                </a:rPr>
+                <a:t>[:,[</a:t>
+              </a:r>
+            </a:p>
+            <a:p>
+              <a:r>
+                <a:rPr lang="en-US" sz="1200" dirty="0">
+                  <a:solidFill>
+                    <a:srgbClr val="CE9178"/>
+                  </a:solidFill>
+                  <a:latin typeface="Consolas" panose="020B0609020204030204" pitchFamily="49" charset="0"/>
+                </a:rPr>
+                <a:t>'date’</a:t>
+              </a:r>
+              <a:r>
+                <a:rPr lang="en-US" sz="1200" dirty="0">
+                  <a:solidFill>
+                    <a:srgbClr val="D4D4D4"/>
+                  </a:solidFill>
+                  <a:latin typeface="Consolas" panose="020B0609020204030204" pitchFamily="49" charset="0"/>
+                </a:rPr>
+                <a:t>, </a:t>
+              </a:r>
+              <a:r>
+                <a:rPr lang="en-US" sz="1200" dirty="0">
+                  <a:solidFill>
+                    <a:srgbClr val="CE9178"/>
+                  </a:solidFill>
+                  <a:latin typeface="Consolas" panose="020B0609020204030204" pitchFamily="49" charset="0"/>
+                </a:rPr>
+                <a:t>'</a:t>
+              </a:r>
+              <a:r>
+                <a:rPr lang="en-US" sz="1200" dirty="0" err="1">
+                  <a:solidFill>
+                    <a:srgbClr val="CE9178"/>
+                  </a:solidFill>
+                  <a:latin typeface="Consolas" panose="020B0609020204030204" pitchFamily="49" charset="0"/>
+                </a:rPr>
+                <a:t>city_or_county</a:t>
+              </a:r>
+              <a:r>
+                <a:rPr lang="en-US" sz="1200" dirty="0">
+                  <a:solidFill>
+                    <a:srgbClr val="CE9178"/>
+                  </a:solidFill>
+                  <a:latin typeface="Consolas" panose="020B0609020204030204" pitchFamily="49" charset="0"/>
+                </a:rPr>
+                <a:t>’</a:t>
+              </a:r>
+              <a:r>
+                <a:rPr lang="en-US" sz="1200" dirty="0">
+                  <a:solidFill>
+                    <a:srgbClr val="D4D4D4"/>
+                  </a:solidFill>
+                  <a:latin typeface="Consolas" panose="020B0609020204030204" pitchFamily="49" charset="0"/>
+                </a:rPr>
+                <a:t>, </a:t>
+              </a:r>
+              <a:r>
+                <a:rPr lang="en-US" sz="1200" dirty="0">
+                  <a:solidFill>
+                    <a:srgbClr val="CE9178"/>
+                  </a:solidFill>
+                  <a:latin typeface="Consolas" panose="020B0609020204030204" pitchFamily="49" charset="0"/>
+                </a:rPr>
+                <a:t>'state'</a:t>
+              </a:r>
+              <a:r>
+                <a:rPr lang="en-US" sz="1200" dirty="0">
+                  <a:solidFill>
+                    <a:srgbClr val="D4D4D4"/>
+                  </a:solidFill>
+                  <a:latin typeface="Consolas" panose="020B0609020204030204" pitchFamily="49" charset="0"/>
+                </a:rPr>
+                <a:t>,</a:t>
+              </a:r>
+            </a:p>
+            <a:p>
+              <a:r>
+                <a:rPr lang="en-US" sz="1200" dirty="0">
+                  <a:solidFill>
+                    <a:srgbClr val="CE9178"/>
+                  </a:solidFill>
+                  <a:latin typeface="Consolas" panose="020B0609020204030204" pitchFamily="49" charset="0"/>
+                </a:rPr>
+                <a:t>'</a:t>
+              </a:r>
+              <a:r>
+                <a:rPr lang="en-US" sz="1200" dirty="0" err="1">
+                  <a:solidFill>
+                    <a:srgbClr val="CE9178"/>
+                  </a:solidFill>
+                  <a:latin typeface="Consolas" panose="020B0609020204030204" pitchFamily="49" charset="0"/>
+                </a:rPr>
+                <a:t>n_killed</a:t>
+              </a:r>
+              <a:r>
+                <a:rPr lang="en-US" sz="1200" dirty="0">
+                  <a:solidFill>
+                    <a:srgbClr val="CE9178"/>
+                  </a:solidFill>
+                  <a:latin typeface="Consolas" panose="020B0609020204030204" pitchFamily="49" charset="0"/>
+                </a:rPr>
+                <a:t>’</a:t>
+              </a:r>
+              <a:r>
+                <a:rPr lang="en-US" sz="1200" dirty="0">
+                  <a:solidFill>
+                    <a:srgbClr val="D4D4D4"/>
+                  </a:solidFill>
+                  <a:latin typeface="Consolas" panose="020B0609020204030204" pitchFamily="49" charset="0"/>
+                </a:rPr>
+                <a:t>, </a:t>
+              </a:r>
+              <a:r>
+                <a:rPr lang="en-US" sz="1200" dirty="0">
+                  <a:solidFill>
+                    <a:srgbClr val="CE9178"/>
+                  </a:solidFill>
+                  <a:latin typeface="Consolas" panose="020B0609020204030204" pitchFamily="49" charset="0"/>
+                </a:rPr>
+                <a:t>'</a:t>
+              </a:r>
+              <a:r>
+                <a:rPr lang="en-US" sz="1200" dirty="0" err="1">
+                  <a:solidFill>
+                    <a:srgbClr val="CE9178"/>
+                  </a:solidFill>
+                  <a:latin typeface="Consolas" panose="020B0609020204030204" pitchFamily="49" charset="0"/>
+                </a:rPr>
+                <a:t>n_injured</a:t>
+              </a:r>
+              <a:r>
+                <a:rPr lang="en-US" sz="1200" dirty="0">
+                  <a:solidFill>
+                    <a:srgbClr val="CE9178"/>
+                  </a:solidFill>
+                  <a:latin typeface="Consolas" panose="020B0609020204030204" pitchFamily="49" charset="0"/>
+                </a:rPr>
+                <a:t>’</a:t>
+              </a:r>
+              <a:r>
+                <a:rPr lang="en-US" sz="1200" dirty="0">
+                  <a:solidFill>
+                    <a:srgbClr val="D4D4D4"/>
+                  </a:solidFill>
+                  <a:latin typeface="Consolas" panose="020B0609020204030204" pitchFamily="49" charset="0"/>
+                </a:rPr>
+                <a:t>, </a:t>
+              </a:r>
+              <a:r>
+                <a:rPr lang="en-US" sz="1200" dirty="0">
+                  <a:solidFill>
+                    <a:srgbClr val="CE9178"/>
+                  </a:solidFill>
+                  <a:latin typeface="Consolas" panose="020B0609020204030204" pitchFamily="49" charset="0"/>
+                </a:rPr>
+                <a:t>'</a:t>
+              </a:r>
+              <a:r>
+                <a:rPr lang="en-US" sz="1200" dirty="0" err="1">
+                  <a:solidFill>
+                    <a:srgbClr val="CE9178"/>
+                  </a:solidFill>
+                  <a:latin typeface="Consolas" panose="020B0609020204030204" pitchFamily="49" charset="0"/>
+                </a:rPr>
+                <a:t>incident_characteristics</a:t>
+              </a:r>
+              <a:r>
+                <a:rPr lang="en-US" sz="1200" dirty="0">
+                  <a:solidFill>
+                    <a:srgbClr val="CE9178"/>
+                  </a:solidFill>
+                  <a:latin typeface="Consolas" panose="020B0609020204030204" pitchFamily="49" charset="0"/>
+                </a:rPr>
+                <a:t>'</a:t>
+              </a:r>
+              <a:r>
+                <a:rPr lang="en-US" sz="1200" dirty="0">
+                  <a:solidFill>
+                    <a:srgbClr val="D4D4D4"/>
+                  </a:solidFill>
+                  <a:latin typeface="Consolas" panose="020B0609020204030204" pitchFamily="49" charset="0"/>
+                </a:rPr>
+                <a:t>,</a:t>
+              </a:r>
+            </a:p>
+            <a:p>
+              <a:r>
+                <a:rPr lang="en-US" sz="1200" dirty="0">
+                  <a:solidFill>
+                    <a:srgbClr val="CE9178"/>
+                  </a:solidFill>
+                  <a:latin typeface="Consolas" panose="020B0609020204030204" pitchFamily="49" charset="0"/>
+                </a:rPr>
+                <a:t>'latitude’</a:t>
+              </a:r>
+              <a:r>
+                <a:rPr lang="en-US" sz="1200" dirty="0">
+                  <a:solidFill>
+                    <a:srgbClr val="D4D4D4"/>
+                  </a:solidFill>
+                  <a:latin typeface="Consolas" panose="020B0609020204030204" pitchFamily="49" charset="0"/>
+                </a:rPr>
+                <a:t>, </a:t>
+              </a:r>
+              <a:r>
+                <a:rPr lang="en-US" sz="1200" dirty="0">
+                  <a:solidFill>
+                    <a:srgbClr val="CE9178"/>
+                  </a:solidFill>
+                  <a:latin typeface="Consolas" panose="020B0609020204030204" pitchFamily="49" charset="0"/>
+                </a:rPr>
+                <a:t>'longitude’</a:t>
+              </a:r>
+              <a:r>
+                <a:rPr lang="en-US" sz="1200" dirty="0">
+                  <a:solidFill>
+                    <a:srgbClr val="D4D4D4"/>
+                  </a:solidFill>
+                  <a:latin typeface="Consolas" panose="020B0609020204030204" pitchFamily="49" charset="0"/>
+                </a:rPr>
+                <a:t>, </a:t>
+              </a:r>
+              <a:r>
+                <a:rPr lang="en-US" sz="1200" dirty="0">
+                  <a:solidFill>
+                    <a:srgbClr val="CE9178"/>
+                  </a:solidFill>
+                  <a:latin typeface="Consolas" panose="020B0609020204030204" pitchFamily="49" charset="0"/>
+                </a:rPr>
+                <a:t>'</a:t>
+              </a:r>
+              <a:r>
+                <a:rPr lang="en-US" sz="1200" dirty="0" err="1">
+                  <a:solidFill>
+                    <a:srgbClr val="CE9178"/>
+                  </a:solidFill>
+                  <a:latin typeface="Consolas" panose="020B0609020204030204" pitchFamily="49" charset="0"/>
+                </a:rPr>
+                <a:t>participant_age</a:t>
+              </a:r>
+              <a:r>
+                <a:rPr lang="en-US" sz="1200" dirty="0">
+                  <a:solidFill>
+                    <a:srgbClr val="CE9178"/>
+                  </a:solidFill>
+                  <a:latin typeface="Consolas" panose="020B0609020204030204" pitchFamily="49" charset="0"/>
+                </a:rPr>
+                <a:t>'</a:t>
+              </a:r>
+              <a:r>
+                <a:rPr lang="en-US" sz="1200" dirty="0">
+                  <a:solidFill>
+                    <a:srgbClr val="D4D4D4"/>
+                  </a:solidFill>
+                  <a:latin typeface="Consolas" panose="020B0609020204030204" pitchFamily="49" charset="0"/>
+                </a:rPr>
+                <a:t>,</a:t>
+              </a:r>
+            </a:p>
+            <a:p>
+              <a:r>
+                <a:rPr lang="en-US" sz="1200" dirty="0">
+                  <a:solidFill>
+                    <a:srgbClr val="CE9178"/>
+                  </a:solidFill>
+                  <a:latin typeface="Consolas" panose="020B0609020204030204" pitchFamily="49" charset="0"/>
+                </a:rPr>
+                <a:t>'</a:t>
+              </a:r>
+              <a:r>
+                <a:rPr lang="en-US" sz="1200" dirty="0" err="1">
+                  <a:solidFill>
+                    <a:srgbClr val="CE9178"/>
+                  </a:solidFill>
+                  <a:latin typeface="Consolas" panose="020B0609020204030204" pitchFamily="49" charset="0"/>
+                </a:rPr>
+                <a:t>participant_age_group</a:t>
+              </a:r>
+              <a:r>
+                <a:rPr lang="en-US" sz="1200" dirty="0">
+                  <a:solidFill>
+                    <a:srgbClr val="CE9178"/>
+                  </a:solidFill>
+                  <a:latin typeface="Consolas" panose="020B0609020204030204" pitchFamily="49" charset="0"/>
+                </a:rPr>
+                <a:t>’</a:t>
+              </a:r>
+              <a:r>
+                <a:rPr lang="en-US" sz="1200" dirty="0">
+                  <a:solidFill>
+                    <a:srgbClr val="D4D4D4"/>
+                  </a:solidFill>
+                  <a:latin typeface="Consolas" panose="020B0609020204030204" pitchFamily="49" charset="0"/>
+                </a:rPr>
+                <a:t>, </a:t>
+              </a:r>
+              <a:r>
+                <a:rPr lang="en-US" sz="1200" dirty="0">
+                  <a:solidFill>
+                    <a:srgbClr val="CE9178"/>
+                  </a:solidFill>
+                  <a:latin typeface="Consolas" panose="020B0609020204030204" pitchFamily="49" charset="0"/>
+                </a:rPr>
+                <a:t>'</a:t>
+              </a:r>
+              <a:r>
+                <a:rPr lang="en-US" sz="1200" dirty="0" err="1">
+                  <a:solidFill>
+                    <a:srgbClr val="CE9178"/>
+                  </a:solidFill>
+                  <a:latin typeface="Consolas" panose="020B0609020204030204" pitchFamily="49" charset="0"/>
+                </a:rPr>
+                <a:t>participant_gender</a:t>
+              </a:r>
+              <a:r>
+                <a:rPr lang="en-US" sz="1200" dirty="0">
+                  <a:solidFill>
+                    <a:srgbClr val="CE9178"/>
+                  </a:solidFill>
+                  <a:latin typeface="Consolas" panose="020B0609020204030204" pitchFamily="49" charset="0"/>
+                </a:rPr>
+                <a:t>'</a:t>
+              </a:r>
+              <a:r>
+                <a:rPr lang="en-US" sz="1200" dirty="0">
+                  <a:solidFill>
+                    <a:srgbClr val="D4D4D4"/>
+                  </a:solidFill>
+                  <a:latin typeface="Consolas" panose="020B0609020204030204" pitchFamily="49" charset="0"/>
+                </a:rPr>
+                <a:t>,</a:t>
+              </a:r>
+            </a:p>
+            <a:p>
+              <a:r>
+                <a:rPr lang="en-US" sz="1200" dirty="0">
+                  <a:solidFill>
+                    <a:srgbClr val="CE9178"/>
+                  </a:solidFill>
+                  <a:latin typeface="Consolas" panose="020B0609020204030204" pitchFamily="49" charset="0"/>
+                </a:rPr>
+                <a:t>'</a:t>
+              </a:r>
+              <a:r>
+                <a:rPr lang="en-US" sz="1200" dirty="0" err="1">
+                  <a:solidFill>
+                    <a:srgbClr val="CE9178"/>
+                  </a:solidFill>
+                  <a:latin typeface="Consolas" panose="020B0609020204030204" pitchFamily="49" charset="0"/>
+                </a:rPr>
+                <a:t>participant_relationship</a:t>
+              </a:r>
+              <a:r>
+                <a:rPr lang="en-US" sz="1200" dirty="0">
+                  <a:solidFill>
+                    <a:srgbClr val="CE9178"/>
+                  </a:solidFill>
+                  <a:latin typeface="Consolas" panose="020B0609020204030204" pitchFamily="49" charset="0"/>
+                </a:rPr>
+                <a:t>’</a:t>
+              </a:r>
+              <a:r>
+                <a:rPr lang="en-US" sz="1200" dirty="0">
+                  <a:solidFill>
+                    <a:srgbClr val="D4D4D4"/>
+                  </a:solidFill>
+                  <a:latin typeface="Consolas" panose="020B0609020204030204" pitchFamily="49" charset="0"/>
+                </a:rPr>
+                <a:t>, </a:t>
+              </a:r>
+              <a:r>
+                <a:rPr lang="en-US" sz="1200" dirty="0">
+                  <a:solidFill>
+                    <a:srgbClr val="CE9178"/>
+                  </a:solidFill>
+                  <a:latin typeface="Consolas" panose="020B0609020204030204" pitchFamily="49" charset="0"/>
+                </a:rPr>
+                <a:t>'</a:t>
+              </a:r>
+              <a:r>
+                <a:rPr lang="en-US" sz="1200" dirty="0" err="1">
+                  <a:solidFill>
+                    <a:srgbClr val="CE9178"/>
+                  </a:solidFill>
+                  <a:latin typeface="Consolas" panose="020B0609020204030204" pitchFamily="49" charset="0"/>
+                </a:rPr>
+                <a:t>participant_status</a:t>
+              </a:r>
+              <a:r>
+                <a:rPr lang="en-US" sz="1200" dirty="0">
+                  <a:solidFill>
+                    <a:srgbClr val="CE9178"/>
+                  </a:solidFill>
+                  <a:latin typeface="Consolas" panose="020B0609020204030204" pitchFamily="49" charset="0"/>
+                </a:rPr>
+                <a:t>'</a:t>
+              </a:r>
+              <a:r>
+                <a:rPr lang="en-US" sz="1200" dirty="0">
+                  <a:solidFill>
+                    <a:srgbClr val="D4D4D4"/>
+                  </a:solidFill>
+                  <a:latin typeface="Consolas" panose="020B0609020204030204" pitchFamily="49" charset="0"/>
+                </a:rPr>
+                <a:t>,</a:t>
+              </a:r>
+            </a:p>
+            <a:p>
+              <a:r>
+                <a:rPr lang="en-US" sz="1200" dirty="0">
+                  <a:solidFill>
+                    <a:srgbClr val="CE9178"/>
+                  </a:solidFill>
+                  <a:latin typeface="Consolas" panose="020B0609020204030204" pitchFamily="49" charset="0"/>
+                </a:rPr>
+                <a:t>'</a:t>
+              </a:r>
+              <a:r>
+                <a:rPr lang="en-US" sz="1200" dirty="0" err="1">
+                  <a:solidFill>
+                    <a:srgbClr val="CE9178"/>
+                  </a:solidFill>
+                  <a:latin typeface="Consolas" panose="020B0609020204030204" pitchFamily="49" charset="0"/>
+                </a:rPr>
+                <a:t>participant_type</a:t>
+              </a:r>
+              <a:r>
+                <a:rPr lang="en-US" sz="1200" dirty="0">
+                  <a:solidFill>
+                    <a:srgbClr val="CE9178"/>
+                  </a:solidFill>
+                  <a:latin typeface="Consolas" panose="020B0609020204030204" pitchFamily="49" charset="0"/>
+                </a:rPr>
+                <a:t>'</a:t>
+              </a:r>
+              <a:r>
+                <a:rPr lang="en-US" sz="1200" dirty="0">
+                  <a:solidFill>
+                    <a:srgbClr val="D4D4D4"/>
+                  </a:solidFill>
+                  <a:latin typeface="Consolas" panose="020B0609020204030204" pitchFamily="49" charset="0"/>
+                </a:rPr>
+                <a:t> ]]</a:t>
+              </a:r>
+            </a:p>
+            <a:p>
+              <a:r>
+                <a:rPr lang="en-US" sz="1200" dirty="0">
+                  <a:solidFill>
+                    <a:srgbClr val="DCDCAA"/>
+                  </a:solidFill>
+                  <a:latin typeface="Consolas" panose="020B0609020204030204" pitchFamily="49" charset="0"/>
+                </a:rPr>
+                <a:t>print</a:t>
+              </a:r>
+              <a:r>
+                <a:rPr lang="en-US" sz="1200" dirty="0">
+                  <a:solidFill>
+                    <a:srgbClr val="D4D4D4"/>
+                  </a:solidFill>
+                  <a:latin typeface="Consolas" panose="020B0609020204030204" pitchFamily="49" charset="0"/>
+                </a:rPr>
+                <a:t>(</a:t>
+              </a:r>
+              <a:r>
+                <a:rPr lang="en-US" sz="1200" dirty="0" err="1">
+                  <a:solidFill>
+                    <a:srgbClr val="569CD6"/>
+                  </a:solidFill>
+                  <a:latin typeface="Consolas" panose="020B0609020204030204" pitchFamily="49" charset="0"/>
+                </a:rPr>
+                <a:t>f</a:t>
+              </a:r>
+              <a:r>
+                <a:rPr lang="en-US" sz="1200" dirty="0" err="1">
+                  <a:solidFill>
+                    <a:srgbClr val="CE9178"/>
+                  </a:solidFill>
+                  <a:latin typeface="Consolas" panose="020B0609020204030204" pitchFamily="49" charset="0"/>
+                </a:rPr>
+                <a:t>'There</a:t>
+              </a:r>
+              <a:r>
+                <a:rPr lang="en-US" sz="1200" dirty="0">
+                  <a:solidFill>
+                    <a:srgbClr val="CE9178"/>
+                  </a:solidFill>
+                  <a:latin typeface="Consolas" panose="020B0609020204030204" pitchFamily="49" charset="0"/>
+                </a:rPr>
+                <a:t> are </a:t>
+              </a:r>
+              <a:r>
+                <a:rPr lang="en-US" sz="1200" dirty="0">
+                  <a:solidFill>
+                    <a:srgbClr val="569CD6"/>
+                  </a:solidFill>
+                  <a:latin typeface="Consolas" panose="020B0609020204030204" pitchFamily="49" charset="0"/>
+                </a:rPr>
+                <a:t>{</a:t>
+              </a:r>
+              <a:r>
+                <a:rPr lang="en-US" sz="1200" dirty="0" err="1">
+                  <a:solidFill>
+                    <a:srgbClr val="DCDCAA"/>
+                  </a:solidFill>
+                  <a:latin typeface="Consolas" panose="020B0609020204030204" pitchFamily="49" charset="0"/>
+                </a:rPr>
+                <a:t>len</a:t>
+              </a:r>
+              <a:r>
+                <a:rPr lang="en-US" sz="1200" dirty="0">
+                  <a:solidFill>
+                    <a:srgbClr val="D4D4D4"/>
+                  </a:solidFill>
+                  <a:latin typeface="Consolas" panose="020B0609020204030204" pitchFamily="49" charset="0"/>
+                </a:rPr>
+                <a:t>(</a:t>
+              </a:r>
+              <a:r>
+                <a:rPr lang="en-US" sz="1200" dirty="0" err="1">
+                  <a:solidFill>
+                    <a:srgbClr val="D4D4D4"/>
+                  </a:solidFill>
+                  <a:latin typeface="Consolas" panose="020B0609020204030204" pitchFamily="49" charset="0"/>
+                </a:rPr>
+                <a:t>gun_violence_data.columns</a:t>
+              </a:r>
+              <a:r>
+                <a:rPr lang="en-US" sz="1200" dirty="0">
+                  <a:solidFill>
+                    <a:srgbClr val="D4D4D4"/>
+                  </a:solidFill>
+                  <a:latin typeface="Consolas" panose="020B0609020204030204" pitchFamily="49" charset="0"/>
+                </a:rPr>
+                <a:t>)</a:t>
+              </a:r>
+              <a:r>
+                <a:rPr lang="en-US" sz="1200" dirty="0">
+                  <a:solidFill>
+                    <a:srgbClr val="569CD6"/>
+                  </a:solidFill>
+                  <a:latin typeface="Consolas" panose="020B0609020204030204" pitchFamily="49" charset="0"/>
+                </a:rPr>
+                <a:t>}</a:t>
+              </a:r>
+              <a:r>
+                <a:rPr lang="en-US" sz="1200" dirty="0">
+                  <a:solidFill>
+                    <a:srgbClr val="CE9178"/>
+                  </a:solidFill>
+                  <a:latin typeface="Consolas" panose="020B0609020204030204" pitchFamily="49" charset="0"/>
+                </a:rPr>
+                <a:t> columns but we</a:t>
+              </a:r>
+              <a:r>
+                <a:rPr lang="en-US" sz="1200" dirty="0">
+                  <a:solidFill>
+                    <a:srgbClr val="D7BA7D"/>
+                  </a:solidFill>
+                  <a:latin typeface="Consolas" panose="020B0609020204030204" pitchFamily="49" charset="0"/>
+                </a:rPr>
+                <a:t>\'</a:t>
+              </a:r>
+              <a:r>
+                <a:rPr lang="en-US" sz="1200" dirty="0">
+                  <a:solidFill>
+                    <a:srgbClr val="CE9178"/>
+                  </a:solidFill>
+                  <a:latin typeface="Consolas" panose="020B0609020204030204" pitchFamily="49" charset="0"/>
+                </a:rPr>
+                <a:t>ll take only </a:t>
+              </a:r>
+              <a:r>
+                <a:rPr lang="en-US" sz="1200" dirty="0">
+                  <a:solidFill>
+                    <a:srgbClr val="569CD6"/>
+                  </a:solidFill>
+                  <a:latin typeface="Consolas" panose="020B0609020204030204" pitchFamily="49" charset="0"/>
+                </a:rPr>
+                <a:t>{</a:t>
+              </a:r>
+              <a:r>
+                <a:rPr lang="en-US" sz="1200" dirty="0" err="1">
+                  <a:solidFill>
+                    <a:srgbClr val="DCDCAA"/>
+                  </a:solidFill>
+                  <a:latin typeface="Consolas" panose="020B0609020204030204" pitchFamily="49" charset="0"/>
+                </a:rPr>
+                <a:t>len</a:t>
+              </a:r>
+              <a:r>
+                <a:rPr lang="en-US" sz="1200" dirty="0">
+                  <a:solidFill>
+                    <a:srgbClr val="D4D4D4"/>
+                  </a:solidFill>
+                  <a:latin typeface="Consolas" panose="020B0609020204030204" pitchFamily="49" charset="0"/>
+                </a:rPr>
+                <a:t>(</a:t>
+              </a:r>
+              <a:r>
+                <a:rPr lang="en-US" sz="1200" dirty="0" err="1">
+                  <a:solidFill>
+                    <a:srgbClr val="D4D4D4"/>
+                  </a:solidFill>
+                  <a:latin typeface="Consolas" panose="020B0609020204030204" pitchFamily="49" charset="0"/>
+                </a:rPr>
+                <a:t>clean_gun_violence_data.columns</a:t>
+              </a:r>
+              <a:r>
+                <a:rPr lang="en-US" sz="1200" dirty="0">
+                  <a:solidFill>
+                    <a:srgbClr val="D4D4D4"/>
+                  </a:solidFill>
+                  <a:latin typeface="Consolas" panose="020B0609020204030204" pitchFamily="49" charset="0"/>
+                </a:rPr>
+                <a:t>)</a:t>
+              </a:r>
+              <a:r>
+                <a:rPr lang="en-US" sz="1200" dirty="0">
+                  <a:solidFill>
+                    <a:srgbClr val="569CD6"/>
+                  </a:solidFill>
+                  <a:latin typeface="Consolas" panose="020B0609020204030204" pitchFamily="49" charset="0"/>
+                </a:rPr>
+                <a:t>}</a:t>
+              </a:r>
+              <a:r>
+                <a:rPr lang="en-US" sz="1200" dirty="0">
+                  <a:solidFill>
+                    <a:srgbClr val="CE9178"/>
+                  </a:solidFill>
+                  <a:latin typeface="Consolas" panose="020B0609020204030204" pitchFamily="49" charset="0"/>
+                </a:rPr>
+                <a:t> of them'</a:t>
+              </a:r>
+              <a:r>
+                <a:rPr lang="en-US" sz="1200" dirty="0">
+                  <a:solidFill>
+                    <a:srgbClr val="D4D4D4"/>
+                  </a:solidFill>
+                  <a:latin typeface="Consolas" panose="020B0609020204030204" pitchFamily="49" charset="0"/>
+                </a:rPr>
+                <a:t>)</a:t>
+              </a:r>
+              <a:endParaRPr lang="en-US" sz="1200" b="0" dirty="0">
+                <a:solidFill>
+                  <a:srgbClr val="D4D4D4"/>
+                </a:solidFill>
+                <a:effectLst/>
+                <a:latin typeface="Consolas" panose="020B0609020204030204" pitchFamily="49" charset="0"/>
+              </a:endParaRPr>
+            </a:p>
+          </p:txBody>
+        </p:sp>
+        <p:sp>
+          <p:nvSpPr>
+            <p:cNvPr id="13" name="Rectangle 2">
+              <a:extLst>
+                <a:ext uri="{FF2B5EF4-FFF2-40B4-BE49-F238E27FC236}">
+                  <a16:creationId xmlns:a16="http://schemas.microsoft.com/office/drawing/2014/main" id="{E7878884-319C-4670-BA55-BE4C74F56C2D}"/>
+                </a:ext>
+              </a:extLst>
+            </p:cNvPr>
+            <p:cNvSpPr>
+              <a:spLocks noChangeArrowheads="1"/>
+            </p:cNvSpPr>
+            <p:nvPr/>
+          </p:nvSpPr>
+          <p:spPr bwMode="auto">
+            <a:xfrm>
+              <a:off x="12293083" y="5404006"/>
+              <a:ext cx="8065927" cy="211596"/>
+            </a:xfrm>
+            <a:prstGeom prst="rect">
+              <a:avLst/>
+            </a:prstGeom>
+            <a:solidFill>
+              <a:srgbClr val="FFFFFF"/>
+            </a:solidFill>
+            <a:ln>
+              <a:noFill/>
+            </a:ln>
+            <a:effectLst/>
+            <a:extLst>
+              <a:ext uri="{91240B29-F687-4F45-9708-019B960494DF}">
+                <a14:hiddenLine xmlns:a14="http://schemas.microsoft.com/office/drawing/2010/main" w="9525">
+                  <a:solidFill>
+                    <a:schemeClr val="tx1"/>
+                  </a:solidFill>
+                  <a:miter lim="800000"/>
+                  <a:headEnd/>
+                  <a:tailEnd/>
+                </a14:hiddenLine>
+              </a:ext>
+              <a:ext uri="{AF507438-7753-43E0-B8FC-AC1667EBCBE1}">
+                <a14:hiddenEffects xmlns:a14="http://schemas.microsoft.com/office/drawing/2010/main">
+                  <a:effectLst>
+                    <a:outerShdw dist="35921" dir="2700000" algn="ctr" rotWithShape="0">
+                      <a:schemeClr val="bg2"/>
+                    </a:outerShdw>
+                  </a:effectLst>
+                </a14:hiddenEffects>
+              </a:ext>
+            </a:extLst>
+          </p:spPr>
+          <p:txBody>
+            <a:bodyPr vert="horz" wrap="square" lIns="0" tIns="0" rIns="0" bIns="0" numCol="1" anchor="ctr" anchorCtr="0" compatLnSpc="1">
+              <a:prstTxWarp prst="textNoShape">
+                <a:avLst/>
+              </a:prstTxWarp>
+              <a:spAutoFit/>
+            </a:bodyPr>
+            <a:lstStyle/>
+            <a:p>
+              <a:pPr marL="0" marR="0" lvl="0" indent="0" algn="l" defTabSz="914400" rtl="0" eaLnBrk="0" fontAlgn="base" latinLnBrk="0" hangingPunct="0">
+                <a:lnSpc>
+                  <a:spcPct val="150000"/>
+                </a:lnSpc>
+                <a:spcBef>
+                  <a:spcPct val="0"/>
+                </a:spcBef>
+                <a:spcAft>
+                  <a:spcPct val="0"/>
+                </a:spcAft>
+                <a:buClrTx/>
+                <a:buSzTx/>
+                <a:buFontTx/>
+                <a:buNone/>
+                <a:tabLst/>
+              </a:pPr>
+              <a:r>
+                <a:rPr kumimoji="0" lang="en-US" altLang="en-US" sz="1000" b="0" i="0" u="none" strike="noStrike" cap="none" normalizeH="0" baseline="0" dirty="0">
+                  <a:ln>
+                    <a:noFill/>
+                  </a:ln>
+                  <a:solidFill>
+                    <a:srgbClr val="000000"/>
+                  </a:solidFill>
+                  <a:effectLst/>
+                  <a:latin typeface="Courier New" panose="02070309020205020404" pitchFamily="49" charset="0"/>
+                  <a:cs typeface="Courier New" panose="02070309020205020404" pitchFamily="49" charset="0"/>
+                </a:rPr>
+                <a:t>There are 29 columns but we'll take only 14 of them</a:t>
+              </a:r>
+              <a:r>
+                <a:rPr kumimoji="0" lang="en-US" altLang="en-US" sz="800" b="0" i="0" u="none" strike="noStrike" cap="none" normalizeH="0" baseline="0" dirty="0">
+                  <a:ln>
+                    <a:noFill/>
+                  </a:ln>
+                  <a:solidFill>
+                    <a:schemeClr val="tx1"/>
+                  </a:solidFill>
+                  <a:effectLst/>
+                </a:rPr>
+                <a:t> </a:t>
+              </a:r>
+              <a:endParaRPr kumimoji="0" lang="en-US" altLang="en-US" sz="1800" b="0" i="0" u="none" strike="noStrike" cap="none" normalizeH="0" baseline="0" dirty="0">
+                <a:ln>
+                  <a:noFill/>
+                </a:ln>
+                <a:solidFill>
+                  <a:schemeClr val="tx1"/>
+                </a:solidFill>
+                <a:effectLst/>
+                <a:latin typeface="Arial" panose="020B0604020202020204" pitchFamily="34" charset="0"/>
+              </a:endParaRPr>
+            </a:p>
+          </p:txBody>
+        </p:sp>
+        <p:sp>
+          <p:nvSpPr>
+            <p:cNvPr id="20" name="Rectangle 19">
+              <a:extLst>
+                <a:ext uri="{FF2B5EF4-FFF2-40B4-BE49-F238E27FC236}">
+                  <a16:creationId xmlns:a16="http://schemas.microsoft.com/office/drawing/2014/main" id="{C782EA70-1105-4193-8CFD-80913E979ADD}"/>
+                </a:ext>
+              </a:extLst>
+            </p:cNvPr>
+            <p:cNvSpPr/>
+            <p:nvPr/>
+          </p:nvSpPr>
+          <p:spPr>
+            <a:xfrm>
+              <a:off x="12192000" y="2998241"/>
+              <a:ext cx="5403980" cy="464871"/>
+            </a:xfrm>
+            <a:prstGeom prst="rect">
+              <a:avLst/>
+            </a:prstGeom>
+          </p:spPr>
+          <p:txBody>
+            <a:bodyPr wrap="square">
+              <a:spAutoFit/>
+            </a:bodyPr>
+            <a:lstStyle/>
+            <a:p>
+              <a:pPr>
+                <a:lnSpc>
+                  <a:spcPct val="150000"/>
+                </a:lnSpc>
+                <a:buSzPct val="85000"/>
+              </a:pPr>
+              <a:r>
+                <a:rPr lang="en-US" dirty="0">
+                  <a:solidFill>
+                    <a:schemeClr val="accent4">
+                      <a:lumMod val="60000"/>
+                      <a:lumOff val="40000"/>
+                    </a:schemeClr>
+                  </a:solidFill>
+                </a:rPr>
+                <a:t>Too many columns that we are not going to use</a:t>
+              </a:r>
+            </a:p>
+          </p:txBody>
+        </p:sp>
+      </p:grpSp>
+      <p:grpSp>
+        <p:nvGrpSpPr>
+          <p:cNvPr id="21" name="Group 20">
+            <a:extLst>
+              <a:ext uri="{FF2B5EF4-FFF2-40B4-BE49-F238E27FC236}">
+                <a16:creationId xmlns:a16="http://schemas.microsoft.com/office/drawing/2014/main" id="{38681D32-E420-4802-B600-B4FF73B1B2FF}"/>
+              </a:ext>
+            </a:extLst>
+          </p:cNvPr>
+          <p:cNvGrpSpPr/>
+          <p:nvPr/>
+        </p:nvGrpSpPr>
+        <p:grpSpPr>
+          <a:xfrm>
+            <a:off x="398106" y="2998241"/>
+            <a:ext cx="7504330" cy="2135671"/>
+            <a:chOff x="12192000" y="2998240"/>
+            <a:chExt cx="7504330" cy="2135671"/>
+          </a:xfrm>
+        </p:grpSpPr>
+        <p:sp>
+          <p:nvSpPr>
+            <p:cNvPr id="29" name="Rectangle 28">
+              <a:extLst>
+                <a:ext uri="{FF2B5EF4-FFF2-40B4-BE49-F238E27FC236}">
+                  <a16:creationId xmlns:a16="http://schemas.microsoft.com/office/drawing/2014/main" id="{70D83DF8-D8BD-49F2-9067-0CB9A8B53D29}"/>
+                </a:ext>
+              </a:extLst>
+            </p:cNvPr>
+            <p:cNvSpPr/>
+            <p:nvPr/>
+          </p:nvSpPr>
+          <p:spPr>
+            <a:xfrm>
+              <a:off x="12192000" y="2998240"/>
+              <a:ext cx="5403980" cy="464871"/>
+            </a:xfrm>
+            <a:prstGeom prst="rect">
+              <a:avLst/>
+            </a:prstGeom>
+          </p:spPr>
+          <p:txBody>
+            <a:bodyPr wrap="square">
+              <a:spAutoFit/>
+            </a:bodyPr>
+            <a:lstStyle/>
+            <a:p>
+              <a:pPr>
+                <a:lnSpc>
+                  <a:spcPct val="150000"/>
+                </a:lnSpc>
+                <a:buSzPct val="85000"/>
+              </a:pPr>
+              <a:r>
+                <a:rPr lang="en-US" dirty="0">
+                  <a:solidFill>
+                    <a:schemeClr val="accent4">
+                      <a:lumMod val="60000"/>
+                      <a:lumOff val="40000"/>
+                    </a:schemeClr>
+                  </a:solidFill>
+                </a:rPr>
+                <a:t>Aggregated data in participant-related columns</a:t>
+              </a:r>
+            </a:p>
+          </p:txBody>
+        </p:sp>
+        <p:sp>
+          <p:nvSpPr>
+            <p:cNvPr id="17" name="Rectangle 4">
+              <a:extLst>
+                <a:ext uri="{FF2B5EF4-FFF2-40B4-BE49-F238E27FC236}">
+                  <a16:creationId xmlns:a16="http://schemas.microsoft.com/office/drawing/2014/main" id="{B6E94B18-8784-4113-B48A-E434BF820335}"/>
+                </a:ext>
+              </a:extLst>
+            </p:cNvPr>
+            <p:cNvSpPr>
+              <a:spLocks noChangeArrowheads="1"/>
+            </p:cNvSpPr>
+            <p:nvPr/>
+          </p:nvSpPr>
+          <p:spPr bwMode="auto">
+            <a:xfrm>
+              <a:off x="12287250" y="4691482"/>
+              <a:ext cx="7409080" cy="442429"/>
+            </a:xfrm>
+            <a:prstGeom prst="rect">
+              <a:avLst/>
+            </a:prstGeom>
+            <a:solidFill>
+              <a:srgbClr val="FFFFFF"/>
+            </a:solidFill>
+            <a:ln>
+              <a:noFill/>
+            </a:ln>
+            <a:effectLst/>
+            <a:extLst>
+              <a:ext uri="{91240B29-F687-4F45-9708-019B960494DF}">
+                <a14:hiddenLine xmlns:a14="http://schemas.microsoft.com/office/drawing/2010/main" w="9525">
+                  <a:solidFill>
+                    <a:schemeClr val="tx1"/>
+                  </a:solidFill>
+                  <a:miter lim="800000"/>
+                  <a:headEnd/>
+                  <a:tailEnd/>
+                </a14:hiddenLine>
+              </a:ext>
+              <a:ext uri="{AF507438-7753-43E0-B8FC-AC1667EBCBE1}">
+                <a14:hiddenEffects xmlns:a14="http://schemas.microsoft.com/office/drawing/2010/main">
+                  <a:effectLst>
+                    <a:outerShdw dist="35921" dir="2700000" algn="ctr" rotWithShape="0">
+                      <a:schemeClr val="bg2"/>
+                    </a:outerShdw>
+                  </a:effectLst>
+                </a14:hiddenEffects>
+              </a:ext>
+            </a:extLst>
+          </p:spPr>
+          <p:txBody>
+            <a:bodyPr vert="horz" wrap="none" lIns="0" tIns="0" rIns="0" bIns="0" numCol="1" anchor="ctr" anchorCtr="0" compatLnSpc="1">
+              <a:prstTxWarp prst="textNoShape">
+                <a:avLst/>
+              </a:prstTxWarp>
+              <a:spAutoFit/>
+            </a:bodyPr>
+            <a:lstStyle/>
+            <a:p>
+              <a:pPr marL="0" marR="0" lvl="0" indent="0" algn="l" defTabSz="914400" rtl="0" eaLnBrk="0" fontAlgn="base" latinLnBrk="0" hangingPunct="0">
+                <a:lnSpc>
+                  <a:spcPct val="150000"/>
+                </a:lnSpc>
+                <a:spcBef>
+                  <a:spcPct val="0"/>
+                </a:spcBef>
+                <a:spcAft>
+                  <a:spcPct val="0"/>
+                </a:spcAft>
+                <a:buClrTx/>
+                <a:buSzTx/>
+                <a:buFontTx/>
+                <a:buNone/>
+                <a:tabLst/>
+              </a:pPr>
+              <a:r>
+                <a:rPr kumimoji="0" lang="en-US" altLang="en-US" sz="1000" b="0" i="0" u="none" strike="noStrike" cap="none" normalizeH="0" baseline="0" dirty="0">
+                  <a:ln>
+                    <a:noFill/>
+                  </a:ln>
+                  <a:solidFill>
+                    <a:srgbClr val="000000"/>
+                  </a:solidFill>
+                  <a:effectLst/>
+                  <a:latin typeface="Courier New" panose="02070309020205020404" pitchFamily="49" charset="0"/>
+                  <a:cs typeface="Courier New" panose="02070309020205020404" pitchFamily="49" charset="0"/>
+                </a:rPr>
+                <a:t>Raw value is "0::Female||1::Male||2::Male||3::Male" and its type is &lt;class 'str’&gt; </a:t>
+              </a:r>
+            </a:p>
+            <a:p>
+              <a:pPr marL="0" marR="0" lvl="0" indent="0" algn="l" defTabSz="914400" rtl="0" eaLnBrk="0" fontAlgn="base" latinLnBrk="0" hangingPunct="0">
+                <a:lnSpc>
+                  <a:spcPct val="150000"/>
+                </a:lnSpc>
+                <a:spcBef>
+                  <a:spcPct val="0"/>
+                </a:spcBef>
+                <a:spcAft>
+                  <a:spcPct val="0"/>
+                </a:spcAft>
+                <a:buClrTx/>
+                <a:buSzTx/>
+                <a:buFontTx/>
+                <a:buNone/>
+                <a:tabLst/>
+              </a:pPr>
+              <a:r>
+                <a:rPr kumimoji="0" lang="en-US" altLang="en-US" sz="1000" b="0" i="0" u="none" strike="noStrike" cap="none" normalizeH="0" baseline="0" dirty="0">
+                  <a:ln>
+                    <a:noFill/>
+                  </a:ln>
+                  <a:solidFill>
+                    <a:srgbClr val="000000"/>
+                  </a:solidFill>
+                  <a:effectLst/>
+                  <a:latin typeface="Courier New" panose="02070309020205020404" pitchFamily="49" charset="0"/>
+                  <a:cs typeface="Courier New" panose="02070309020205020404" pitchFamily="49" charset="0"/>
+                </a:rPr>
+                <a:t>Converted value is {0: 'Female', 1: 'Male', 2: 'Male', 3: 'Male'} and its type is &lt;class '</a:t>
+              </a:r>
+              <a:r>
+                <a:rPr kumimoji="0" lang="en-US" altLang="en-US" sz="1000" b="0" i="0" u="none" strike="noStrike" cap="none" normalizeH="0" baseline="0" dirty="0" err="1">
+                  <a:ln>
+                    <a:noFill/>
+                  </a:ln>
+                  <a:solidFill>
+                    <a:srgbClr val="000000"/>
+                  </a:solidFill>
+                  <a:effectLst/>
+                  <a:latin typeface="Courier New" panose="02070309020205020404" pitchFamily="49" charset="0"/>
+                  <a:cs typeface="Courier New" panose="02070309020205020404" pitchFamily="49" charset="0"/>
+                </a:rPr>
+                <a:t>dict</a:t>
+              </a:r>
+              <a:r>
+                <a:rPr kumimoji="0" lang="en-US" altLang="en-US" sz="1000" b="0" i="0" u="none" strike="noStrike" cap="none" normalizeH="0" baseline="0" dirty="0">
+                  <a:ln>
+                    <a:noFill/>
+                  </a:ln>
+                  <a:solidFill>
+                    <a:srgbClr val="000000"/>
+                  </a:solidFill>
+                  <a:effectLst/>
+                  <a:latin typeface="Courier New" panose="02070309020205020404" pitchFamily="49" charset="0"/>
+                  <a:cs typeface="Courier New" panose="02070309020205020404" pitchFamily="49" charset="0"/>
+                </a:rPr>
+                <a:t>'&gt;</a:t>
+              </a:r>
+              <a:r>
+                <a:rPr kumimoji="0" lang="en-US" altLang="en-US" sz="800" b="0" i="0" u="none" strike="noStrike" cap="none" normalizeH="0" baseline="0" dirty="0">
+                  <a:ln>
+                    <a:noFill/>
+                  </a:ln>
+                  <a:solidFill>
+                    <a:schemeClr val="tx1"/>
+                  </a:solidFill>
+                  <a:effectLst/>
+                </a:rPr>
+                <a:t> </a:t>
+              </a:r>
+              <a:endParaRPr kumimoji="0" lang="en-US" altLang="en-US" sz="1800" b="0" i="0" u="none" strike="noStrike" cap="none" normalizeH="0" baseline="0" dirty="0">
+                <a:ln>
+                  <a:noFill/>
+                </a:ln>
+                <a:solidFill>
+                  <a:schemeClr val="tx1"/>
+                </a:solidFill>
+                <a:effectLst/>
+                <a:latin typeface="Arial" panose="020B0604020202020204" pitchFamily="34" charset="0"/>
+              </a:endParaRPr>
+            </a:p>
+          </p:txBody>
+        </p:sp>
+        <p:sp>
+          <p:nvSpPr>
+            <p:cNvPr id="18" name="Rectangle 17">
+              <a:extLst>
+                <a:ext uri="{FF2B5EF4-FFF2-40B4-BE49-F238E27FC236}">
+                  <a16:creationId xmlns:a16="http://schemas.microsoft.com/office/drawing/2014/main" id="{4E985182-5810-41B0-B093-1365A2B6A2DB}"/>
+                </a:ext>
+              </a:extLst>
+            </p:cNvPr>
+            <p:cNvSpPr/>
+            <p:nvPr/>
+          </p:nvSpPr>
+          <p:spPr>
+            <a:xfrm>
+              <a:off x="12192000" y="3503613"/>
+              <a:ext cx="6484777" cy="1015663"/>
+            </a:xfrm>
+            <a:prstGeom prst="rect">
+              <a:avLst/>
+            </a:prstGeom>
+            <a:solidFill>
+              <a:schemeClr val="bg1"/>
+            </a:solidFill>
+          </p:spPr>
+          <p:txBody>
+            <a:bodyPr wrap="square">
+              <a:spAutoFit/>
+            </a:bodyPr>
+            <a:lstStyle/>
+            <a:p>
+              <a:r>
+                <a:rPr lang="en-US" sz="1200" dirty="0">
+                  <a:solidFill>
+                    <a:srgbClr val="C586C0"/>
+                  </a:solidFill>
+                  <a:latin typeface="Consolas" panose="020B0609020204030204" pitchFamily="49" charset="0"/>
+                </a:rPr>
+                <a:t>import</a:t>
+              </a:r>
+              <a:r>
+                <a:rPr lang="en-US" sz="1200" dirty="0">
+                  <a:solidFill>
+                    <a:srgbClr val="D4D4D4"/>
+                  </a:solidFill>
+                  <a:latin typeface="Consolas" panose="020B0609020204030204" pitchFamily="49" charset="0"/>
+                </a:rPr>
+                <a:t> shared</a:t>
+              </a:r>
+            </a:p>
+            <a:p>
+              <a:r>
+                <a:rPr lang="en-US" sz="1200" dirty="0" err="1">
+                  <a:solidFill>
+                    <a:srgbClr val="D4D4D4"/>
+                  </a:solidFill>
+                  <a:latin typeface="Consolas" panose="020B0609020204030204" pitchFamily="49" charset="0"/>
+                </a:rPr>
+                <a:t>raw_value</a:t>
+              </a:r>
+              <a:r>
+                <a:rPr lang="en-US" sz="1200" dirty="0">
+                  <a:solidFill>
+                    <a:srgbClr val="D4D4D4"/>
+                  </a:solidFill>
+                  <a:latin typeface="Consolas" panose="020B0609020204030204" pitchFamily="49" charset="0"/>
+                </a:rPr>
+                <a:t> = </a:t>
+              </a:r>
+              <a:r>
+                <a:rPr lang="en-US" sz="1200" dirty="0" err="1">
+                  <a:solidFill>
+                    <a:srgbClr val="D4D4D4"/>
+                  </a:solidFill>
+                  <a:latin typeface="Consolas" panose="020B0609020204030204" pitchFamily="49" charset="0"/>
+                </a:rPr>
+                <a:t>clean_gun_violence_data.loc</a:t>
+              </a:r>
+              <a:r>
+                <a:rPr lang="en-US" sz="1200" dirty="0">
+                  <a:solidFill>
+                    <a:srgbClr val="D4D4D4"/>
+                  </a:solidFill>
+                  <a:latin typeface="Consolas" panose="020B0609020204030204" pitchFamily="49" charset="0"/>
+                </a:rPr>
+                <a:t>[</a:t>
+              </a:r>
+              <a:r>
+                <a:rPr lang="en-US" sz="1200" dirty="0">
+                  <a:solidFill>
+                    <a:srgbClr val="B5CEA8"/>
+                  </a:solidFill>
+                  <a:latin typeface="Consolas" panose="020B0609020204030204" pitchFamily="49" charset="0"/>
+                </a:rPr>
+                <a:t>3</a:t>
+              </a:r>
+              <a:r>
+                <a:rPr lang="en-US" sz="1200" dirty="0">
+                  <a:solidFill>
+                    <a:srgbClr val="D4D4D4"/>
+                  </a:solidFill>
+                  <a:latin typeface="Consolas" panose="020B0609020204030204" pitchFamily="49" charset="0"/>
+                </a:rPr>
+                <a:t>,</a:t>
+              </a:r>
+              <a:r>
+                <a:rPr lang="en-US" sz="1200" dirty="0">
+                  <a:solidFill>
+                    <a:srgbClr val="CE9178"/>
+                  </a:solidFill>
+                  <a:latin typeface="Consolas" panose="020B0609020204030204" pitchFamily="49" charset="0"/>
+                </a:rPr>
+                <a:t>'Participant Gender'</a:t>
+              </a:r>
+              <a:r>
+                <a:rPr lang="en-US" sz="1200" dirty="0">
+                  <a:solidFill>
+                    <a:srgbClr val="D4D4D4"/>
+                  </a:solidFill>
+                  <a:latin typeface="Consolas" panose="020B0609020204030204" pitchFamily="49" charset="0"/>
+                </a:rPr>
+                <a:t>]</a:t>
+              </a:r>
+            </a:p>
+            <a:p>
+              <a:r>
+                <a:rPr lang="en-US" sz="1200" dirty="0">
+                  <a:solidFill>
+                    <a:srgbClr val="DCDCAA"/>
+                  </a:solidFill>
+                  <a:latin typeface="Consolas" panose="020B0609020204030204" pitchFamily="49" charset="0"/>
+                </a:rPr>
+                <a:t>print</a:t>
+              </a:r>
+              <a:r>
+                <a:rPr lang="en-US" sz="1200" dirty="0">
+                  <a:solidFill>
+                    <a:srgbClr val="D4D4D4"/>
+                  </a:solidFill>
+                  <a:latin typeface="Consolas" panose="020B0609020204030204" pitchFamily="49" charset="0"/>
+                </a:rPr>
+                <a:t>(</a:t>
+              </a:r>
+              <a:r>
+                <a:rPr lang="en-US" sz="1200" dirty="0" err="1">
+                  <a:solidFill>
+                    <a:srgbClr val="569CD6"/>
+                  </a:solidFill>
+                  <a:latin typeface="Consolas" panose="020B0609020204030204" pitchFamily="49" charset="0"/>
+                </a:rPr>
+                <a:t>f</a:t>
+              </a:r>
+              <a:r>
+                <a:rPr lang="en-US" sz="1200" dirty="0" err="1">
+                  <a:solidFill>
+                    <a:srgbClr val="CE9178"/>
+                  </a:solidFill>
+                  <a:latin typeface="Consolas" panose="020B0609020204030204" pitchFamily="49" charset="0"/>
+                </a:rPr>
+                <a:t>'Raw</a:t>
+              </a:r>
+              <a:r>
+                <a:rPr lang="en-US" sz="1200" dirty="0">
+                  <a:solidFill>
+                    <a:srgbClr val="CE9178"/>
+                  </a:solidFill>
+                  <a:latin typeface="Consolas" panose="020B0609020204030204" pitchFamily="49" charset="0"/>
+                </a:rPr>
+                <a:t> value is "</a:t>
+              </a:r>
+              <a:r>
+                <a:rPr lang="en-US" sz="1200" dirty="0">
+                  <a:solidFill>
+                    <a:srgbClr val="569CD6"/>
+                  </a:solidFill>
+                  <a:latin typeface="Consolas" panose="020B0609020204030204" pitchFamily="49" charset="0"/>
+                </a:rPr>
+                <a:t>{</a:t>
+              </a:r>
+              <a:r>
+                <a:rPr lang="en-US" sz="1200" dirty="0" err="1">
+                  <a:solidFill>
+                    <a:srgbClr val="D4D4D4"/>
+                  </a:solidFill>
+                  <a:latin typeface="Consolas" panose="020B0609020204030204" pitchFamily="49" charset="0"/>
+                </a:rPr>
+                <a:t>raw_value</a:t>
+              </a:r>
+              <a:r>
+                <a:rPr lang="en-US" sz="1200" dirty="0">
+                  <a:solidFill>
+                    <a:srgbClr val="569CD6"/>
+                  </a:solidFill>
+                  <a:latin typeface="Consolas" panose="020B0609020204030204" pitchFamily="49" charset="0"/>
+                </a:rPr>
+                <a:t>}</a:t>
+              </a:r>
+              <a:r>
+                <a:rPr lang="en-US" sz="1200" dirty="0">
+                  <a:solidFill>
+                    <a:srgbClr val="CE9178"/>
+                  </a:solidFill>
+                  <a:latin typeface="Consolas" panose="020B0609020204030204" pitchFamily="49" charset="0"/>
+                </a:rPr>
+                <a:t>" and its type is </a:t>
+              </a:r>
+              <a:r>
+                <a:rPr lang="en-US" sz="1200" dirty="0">
+                  <a:solidFill>
+                    <a:srgbClr val="569CD6"/>
+                  </a:solidFill>
+                  <a:latin typeface="Consolas" panose="020B0609020204030204" pitchFamily="49" charset="0"/>
+                </a:rPr>
+                <a:t>{</a:t>
+              </a:r>
+              <a:r>
+                <a:rPr lang="en-US" sz="1200" dirty="0">
+                  <a:solidFill>
+                    <a:srgbClr val="4EC9B0"/>
+                  </a:solidFill>
+                  <a:latin typeface="Consolas" panose="020B0609020204030204" pitchFamily="49" charset="0"/>
+                </a:rPr>
+                <a:t>type</a:t>
+              </a:r>
+              <a:r>
+                <a:rPr lang="en-US" sz="1200" dirty="0">
+                  <a:solidFill>
+                    <a:srgbClr val="D4D4D4"/>
+                  </a:solidFill>
+                  <a:latin typeface="Consolas" panose="020B0609020204030204" pitchFamily="49" charset="0"/>
+                </a:rPr>
+                <a:t>(</a:t>
+              </a:r>
+              <a:r>
+                <a:rPr lang="en-US" sz="1200" dirty="0" err="1">
+                  <a:solidFill>
+                    <a:srgbClr val="D4D4D4"/>
+                  </a:solidFill>
+                  <a:latin typeface="Consolas" panose="020B0609020204030204" pitchFamily="49" charset="0"/>
+                </a:rPr>
+                <a:t>raw_value</a:t>
+              </a:r>
+              <a:r>
+                <a:rPr lang="en-US" sz="1200" dirty="0">
+                  <a:solidFill>
+                    <a:srgbClr val="D4D4D4"/>
+                  </a:solidFill>
+                  <a:latin typeface="Consolas" panose="020B0609020204030204" pitchFamily="49" charset="0"/>
+                </a:rPr>
+                <a:t>)</a:t>
+              </a:r>
+              <a:r>
+                <a:rPr lang="en-US" sz="1200" dirty="0">
+                  <a:solidFill>
+                    <a:srgbClr val="569CD6"/>
+                  </a:solidFill>
+                  <a:latin typeface="Consolas" panose="020B0609020204030204" pitchFamily="49" charset="0"/>
+                </a:rPr>
+                <a:t>}</a:t>
+              </a:r>
+              <a:r>
+                <a:rPr lang="en-US" sz="1200" dirty="0">
+                  <a:solidFill>
+                    <a:srgbClr val="CE9178"/>
+                  </a:solidFill>
+                  <a:latin typeface="Consolas" panose="020B0609020204030204" pitchFamily="49" charset="0"/>
+                </a:rPr>
+                <a:t>'</a:t>
+              </a:r>
+              <a:r>
+                <a:rPr lang="en-US" sz="1200" dirty="0">
+                  <a:solidFill>
+                    <a:srgbClr val="D4D4D4"/>
+                  </a:solidFill>
+                  <a:latin typeface="Consolas" panose="020B0609020204030204" pitchFamily="49" charset="0"/>
+                </a:rPr>
+                <a:t>)</a:t>
+              </a:r>
+            </a:p>
+            <a:p>
+              <a:r>
+                <a:rPr lang="en-US" sz="1200" dirty="0">
+                  <a:solidFill>
+                    <a:srgbClr val="D4D4D4"/>
+                  </a:solidFill>
+                  <a:latin typeface="Consolas" panose="020B0609020204030204" pitchFamily="49" charset="0"/>
+                </a:rPr>
+                <a:t>converted = </a:t>
+              </a:r>
+              <a:r>
+                <a:rPr lang="en-US" sz="1200" dirty="0" err="1">
+                  <a:solidFill>
+                    <a:srgbClr val="D4D4D4"/>
+                  </a:solidFill>
+                  <a:latin typeface="Consolas" panose="020B0609020204030204" pitchFamily="49" charset="0"/>
+                </a:rPr>
+                <a:t>shared.split_value</a:t>
+              </a:r>
+              <a:r>
+                <a:rPr lang="en-US" sz="1200" dirty="0">
+                  <a:solidFill>
+                    <a:srgbClr val="D4D4D4"/>
+                  </a:solidFill>
+                  <a:latin typeface="Consolas" panose="020B0609020204030204" pitchFamily="49" charset="0"/>
+                </a:rPr>
+                <a:t>(</a:t>
+              </a:r>
+              <a:r>
+                <a:rPr lang="en-US" sz="1200" dirty="0" err="1">
+                  <a:solidFill>
+                    <a:srgbClr val="D4D4D4"/>
+                  </a:solidFill>
+                  <a:latin typeface="Consolas" panose="020B0609020204030204" pitchFamily="49" charset="0"/>
+                </a:rPr>
+                <a:t>raw_value</a:t>
+              </a:r>
+              <a:r>
+                <a:rPr lang="en-US" sz="1200" dirty="0">
+                  <a:solidFill>
+                    <a:srgbClr val="D4D4D4"/>
+                  </a:solidFill>
+                  <a:latin typeface="Consolas" panose="020B0609020204030204" pitchFamily="49" charset="0"/>
+                </a:rPr>
+                <a:t>)</a:t>
+              </a:r>
+            </a:p>
+            <a:p>
+              <a:r>
+                <a:rPr lang="en-US" sz="1200" dirty="0">
+                  <a:solidFill>
+                    <a:srgbClr val="DCDCAA"/>
+                  </a:solidFill>
+                  <a:latin typeface="Consolas" panose="020B0609020204030204" pitchFamily="49" charset="0"/>
+                </a:rPr>
+                <a:t>print</a:t>
+              </a:r>
+              <a:r>
+                <a:rPr lang="en-US" sz="1200" dirty="0">
+                  <a:solidFill>
+                    <a:srgbClr val="D4D4D4"/>
+                  </a:solidFill>
+                  <a:latin typeface="Consolas" panose="020B0609020204030204" pitchFamily="49" charset="0"/>
+                </a:rPr>
+                <a:t>(</a:t>
+              </a:r>
+              <a:r>
+                <a:rPr lang="en-US" sz="1200" dirty="0" err="1">
+                  <a:solidFill>
+                    <a:srgbClr val="569CD6"/>
+                  </a:solidFill>
+                  <a:latin typeface="Consolas" panose="020B0609020204030204" pitchFamily="49" charset="0"/>
+                </a:rPr>
+                <a:t>f</a:t>
+              </a:r>
+              <a:r>
+                <a:rPr lang="en-US" sz="1200" dirty="0" err="1">
+                  <a:solidFill>
+                    <a:srgbClr val="CE9178"/>
+                  </a:solidFill>
+                  <a:latin typeface="Consolas" panose="020B0609020204030204" pitchFamily="49" charset="0"/>
+                </a:rPr>
+                <a:t>'Converted</a:t>
+              </a:r>
+              <a:r>
+                <a:rPr lang="en-US" sz="1200" dirty="0">
+                  <a:solidFill>
+                    <a:srgbClr val="CE9178"/>
+                  </a:solidFill>
+                  <a:latin typeface="Consolas" panose="020B0609020204030204" pitchFamily="49" charset="0"/>
+                </a:rPr>
+                <a:t> value is </a:t>
+              </a:r>
+              <a:r>
+                <a:rPr lang="en-US" sz="1200" dirty="0">
+                  <a:solidFill>
+                    <a:srgbClr val="569CD6"/>
+                  </a:solidFill>
+                  <a:latin typeface="Consolas" panose="020B0609020204030204" pitchFamily="49" charset="0"/>
+                </a:rPr>
+                <a:t>{</a:t>
+              </a:r>
+              <a:r>
+                <a:rPr lang="en-US" sz="1200" dirty="0">
+                  <a:solidFill>
+                    <a:srgbClr val="D4D4D4"/>
+                  </a:solidFill>
+                  <a:latin typeface="Consolas" panose="020B0609020204030204" pitchFamily="49" charset="0"/>
+                </a:rPr>
+                <a:t>converted</a:t>
+              </a:r>
+              <a:r>
+                <a:rPr lang="en-US" sz="1200" dirty="0">
+                  <a:solidFill>
+                    <a:srgbClr val="569CD6"/>
+                  </a:solidFill>
+                  <a:latin typeface="Consolas" panose="020B0609020204030204" pitchFamily="49" charset="0"/>
+                </a:rPr>
+                <a:t>}</a:t>
+              </a:r>
+              <a:r>
+                <a:rPr lang="en-US" sz="1200" dirty="0">
+                  <a:solidFill>
+                    <a:srgbClr val="CE9178"/>
+                  </a:solidFill>
+                  <a:latin typeface="Consolas" panose="020B0609020204030204" pitchFamily="49" charset="0"/>
+                </a:rPr>
+                <a:t> and its type is </a:t>
+              </a:r>
+              <a:r>
+                <a:rPr lang="en-US" sz="1200" dirty="0">
+                  <a:solidFill>
+                    <a:srgbClr val="569CD6"/>
+                  </a:solidFill>
+                  <a:latin typeface="Consolas" panose="020B0609020204030204" pitchFamily="49" charset="0"/>
+                </a:rPr>
+                <a:t>{</a:t>
+              </a:r>
+              <a:r>
+                <a:rPr lang="en-US" sz="1200" dirty="0">
+                  <a:solidFill>
+                    <a:srgbClr val="4EC9B0"/>
+                  </a:solidFill>
+                  <a:latin typeface="Consolas" panose="020B0609020204030204" pitchFamily="49" charset="0"/>
+                </a:rPr>
+                <a:t>type</a:t>
+              </a:r>
+              <a:r>
+                <a:rPr lang="en-US" sz="1200" dirty="0">
+                  <a:solidFill>
+                    <a:srgbClr val="D4D4D4"/>
+                  </a:solidFill>
+                  <a:latin typeface="Consolas" panose="020B0609020204030204" pitchFamily="49" charset="0"/>
+                </a:rPr>
+                <a:t>(converted)</a:t>
+              </a:r>
+              <a:r>
+                <a:rPr lang="en-US" sz="1200" dirty="0">
+                  <a:solidFill>
+                    <a:srgbClr val="569CD6"/>
+                  </a:solidFill>
+                  <a:latin typeface="Consolas" panose="020B0609020204030204" pitchFamily="49" charset="0"/>
+                </a:rPr>
+                <a:t>}</a:t>
+              </a:r>
+              <a:r>
+                <a:rPr lang="en-US" sz="1200" dirty="0">
+                  <a:solidFill>
+                    <a:srgbClr val="CE9178"/>
+                  </a:solidFill>
+                  <a:latin typeface="Consolas" panose="020B0609020204030204" pitchFamily="49" charset="0"/>
+                </a:rPr>
+                <a:t>'</a:t>
+              </a:r>
+              <a:r>
+                <a:rPr lang="en-US" sz="1200" dirty="0">
+                  <a:solidFill>
+                    <a:srgbClr val="D4D4D4"/>
+                  </a:solidFill>
+                  <a:latin typeface="Consolas" panose="020B0609020204030204" pitchFamily="49" charset="0"/>
+                </a:rPr>
+                <a:t>)</a:t>
+              </a:r>
+              <a:endParaRPr lang="en-US" sz="1200" b="0" dirty="0">
+                <a:solidFill>
+                  <a:srgbClr val="D4D4D4"/>
+                </a:solidFill>
+                <a:effectLst/>
+                <a:latin typeface="Consolas" panose="020B0609020204030204" pitchFamily="49" charset="0"/>
+              </a:endParaRPr>
+            </a:p>
+          </p:txBody>
+        </p:sp>
+      </p:grpSp>
+      <p:grpSp>
+        <p:nvGrpSpPr>
+          <p:cNvPr id="36" name="Group 35">
+            <a:extLst>
+              <a:ext uri="{FF2B5EF4-FFF2-40B4-BE49-F238E27FC236}">
+                <a16:creationId xmlns:a16="http://schemas.microsoft.com/office/drawing/2014/main" id="{2683605C-F0D3-40C3-9F73-47789D4FE14C}"/>
+              </a:ext>
+            </a:extLst>
+          </p:cNvPr>
+          <p:cNvGrpSpPr/>
+          <p:nvPr/>
+        </p:nvGrpSpPr>
+        <p:grpSpPr>
+          <a:xfrm>
+            <a:off x="297022" y="2998241"/>
+            <a:ext cx="10925079" cy="3039766"/>
+            <a:chOff x="12296871" y="2998240"/>
+            <a:chExt cx="10925079" cy="3039766"/>
+          </a:xfrm>
+        </p:grpSpPr>
+        <p:sp>
+          <p:nvSpPr>
+            <p:cNvPr id="31" name="Rectangle 30">
+              <a:extLst>
+                <a:ext uri="{FF2B5EF4-FFF2-40B4-BE49-F238E27FC236}">
+                  <a16:creationId xmlns:a16="http://schemas.microsoft.com/office/drawing/2014/main" id="{08FD48EC-5993-41B3-B5CB-A69CF47D0424}"/>
+                </a:ext>
+              </a:extLst>
+            </p:cNvPr>
+            <p:cNvSpPr/>
+            <p:nvPr/>
+          </p:nvSpPr>
+          <p:spPr>
+            <a:xfrm>
+              <a:off x="12296871" y="2998240"/>
+              <a:ext cx="5403980" cy="464871"/>
+            </a:xfrm>
+            <a:prstGeom prst="rect">
+              <a:avLst/>
+            </a:prstGeom>
+          </p:spPr>
+          <p:txBody>
+            <a:bodyPr wrap="square">
+              <a:spAutoFit/>
+            </a:bodyPr>
+            <a:lstStyle/>
+            <a:p>
+              <a:pPr>
+                <a:lnSpc>
+                  <a:spcPct val="150000"/>
+                </a:lnSpc>
+                <a:buSzPct val="85000"/>
+              </a:pPr>
+              <a:r>
+                <a:rPr lang="en-US" dirty="0">
+                  <a:solidFill>
+                    <a:schemeClr val="accent4">
+                      <a:lumMod val="60000"/>
+                      <a:lumOff val="40000"/>
+                    </a:schemeClr>
+                  </a:solidFill>
+                </a:rPr>
+                <a:t>Aggregated data for incident characteristics</a:t>
+              </a:r>
+            </a:p>
+          </p:txBody>
+        </p:sp>
+        <p:sp>
+          <p:nvSpPr>
+            <p:cNvPr id="34" name="Rectangle 33">
+              <a:extLst>
+                <a:ext uri="{FF2B5EF4-FFF2-40B4-BE49-F238E27FC236}">
+                  <a16:creationId xmlns:a16="http://schemas.microsoft.com/office/drawing/2014/main" id="{AF2E2A62-1748-42D1-9875-8682503DCFBE}"/>
+                </a:ext>
+              </a:extLst>
+            </p:cNvPr>
+            <p:cNvSpPr/>
+            <p:nvPr/>
+          </p:nvSpPr>
+          <p:spPr>
+            <a:xfrm>
+              <a:off x="12296871" y="3503613"/>
+              <a:ext cx="6484776" cy="1569660"/>
+            </a:xfrm>
+            <a:prstGeom prst="rect">
+              <a:avLst/>
+            </a:prstGeom>
+            <a:solidFill>
+              <a:schemeClr val="bg1"/>
+            </a:solidFill>
+          </p:spPr>
+          <p:txBody>
+            <a:bodyPr wrap="square">
+              <a:spAutoFit/>
+            </a:bodyPr>
+            <a:lstStyle/>
+            <a:p>
+              <a:r>
+                <a:rPr lang="en-US" sz="1200" dirty="0" err="1">
+                  <a:solidFill>
+                    <a:srgbClr val="D4D4D4"/>
+                  </a:solidFill>
+                  <a:latin typeface="Consolas" panose="020B0609020204030204" pitchFamily="49" charset="0"/>
+                </a:rPr>
+                <a:t>empty_value_set</a:t>
+              </a:r>
+              <a:r>
+                <a:rPr lang="en-US" sz="1200" dirty="0">
+                  <a:solidFill>
+                    <a:srgbClr val="D4D4D4"/>
+                  </a:solidFill>
+                  <a:latin typeface="Consolas" panose="020B0609020204030204" pitchFamily="49" charset="0"/>
+                </a:rPr>
+                <a:t> = {</a:t>
+              </a:r>
+              <a:r>
+                <a:rPr lang="en-US" sz="1200" dirty="0">
+                  <a:solidFill>
+                    <a:srgbClr val="CE9178"/>
+                  </a:solidFill>
+                  <a:latin typeface="Consolas" panose="020B0609020204030204" pitchFamily="49" charset="0"/>
+                </a:rPr>
+                <a:t>''</a:t>
+              </a:r>
+              <a:r>
+                <a:rPr lang="en-US" sz="1200" dirty="0">
+                  <a:solidFill>
+                    <a:srgbClr val="D4D4D4"/>
+                  </a:solidFill>
+                  <a:latin typeface="Consolas" panose="020B0609020204030204" pitchFamily="49" charset="0"/>
+                </a:rPr>
+                <a:t>}</a:t>
+              </a:r>
+            </a:p>
+            <a:p>
+              <a:r>
+                <a:rPr lang="en-US" sz="1200" dirty="0" err="1">
+                  <a:solidFill>
+                    <a:srgbClr val="D4D4D4"/>
+                  </a:solidFill>
+                  <a:latin typeface="Consolas" panose="020B0609020204030204" pitchFamily="49" charset="0"/>
+                </a:rPr>
+                <a:t>split_inc_info_data</a:t>
+              </a:r>
+              <a:r>
+                <a:rPr lang="en-US" sz="1200" dirty="0">
+                  <a:solidFill>
+                    <a:srgbClr val="D4D4D4"/>
+                  </a:solidFill>
+                  <a:latin typeface="Consolas" panose="020B0609020204030204" pitchFamily="49" charset="0"/>
+                </a:rPr>
+                <a:t> = </a:t>
+              </a:r>
+              <a:r>
+                <a:rPr lang="en-US" sz="1200" dirty="0" err="1">
+                  <a:solidFill>
+                    <a:srgbClr val="D4D4D4"/>
+                  </a:solidFill>
+                  <a:latin typeface="Consolas" panose="020B0609020204030204" pitchFamily="49" charset="0"/>
+                </a:rPr>
+                <a:t>clean_data.copy</a:t>
+              </a:r>
+              <a:r>
+                <a:rPr lang="en-US" sz="1200" dirty="0">
+                  <a:solidFill>
+                    <a:srgbClr val="D4D4D4"/>
+                  </a:solidFill>
+                  <a:latin typeface="Consolas" panose="020B0609020204030204" pitchFamily="49" charset="0"/>
+                </a:rPr>
+                <a:t>()</a:t>
+              </a:r>
+            </a:p>
+            <a:p>
+              <a:r>
+                <a:rPr lang="en-US" sz="1200" dirty="0" err="1">
+                  <a:solidFill>
+                    <a:srgbClr val="D4D4D4"/>
+                  </a:solidFill>
+                  <a:latin typeface="Consolas" panose="020B0609020204030204" pitchFamily="49" charset="0"/>
+                </a:rPr>
+                <a:t>split_inc_info_data</a:t>
+              </a:r>
+              <a:r>
+                <a:rPr lang="en-US" sz="1200" dirty="0">
+                  <a:solidFill>
+                    <a:srgbClr val="D4D4D4"/>
+                  </a:solidFill>
+                  <a:latin typeface="Consolas" panose="020B0609020204030204" pitchFamily="49" charset="0"/>
+                </a:rPr>
+                <a:t>[</a:t>
+              </a:r>
+              <a:r>
+                <a:rPr lang="en-US" sz="1200" dirty="0">
+                  <a:solidFill>
+                    <a:srgbClr val="CE9178"/>
+                  </a:solidFill>
+                  <a:latin typeface="Consolas" panose="020B0609020204030204" pitchFamily="49" charset="0"/>
+                </a:rPr>
+                <a:t>'Incident'</a:t>
+              </a:r>
+              <a:r>
+                <a:rPr lang="en-US" sz="1200" dirty="0">
+                  <a:solidFill>
+                    <a:srgbClr val="D4D4D4"/>
+                  </a:solidFill>
+                  <a:latin typeface="Consolas" panose="020B0609020204030204" pitchFamily="49" charset="0"/>
+                </a:rPr>
+                <a:t>] = </a:t>
+              </a:r>
+              <a:r>
+                <a:rPr lang="en-US" sz="1200" dirty="0" err="1">
+                  <a:solidFill>
+                    <a:srgbClr val="D4D4D4"/>
+                  </a:solidFill>
+                  <a:latin typeface="Consolas" panose="020B0609020204030204" pitchFamily="49" charset="0"/>
+                </a:rPr>
+                <a:t>split_inc_info_data</a:t>
+              </a:r>
+              <a:r>
+                <a:rPr lang="en-US" sz="1200" dirty="0">
+                  <a:solidFill>
+                    <a:srgbClr val="D4D4D4"/>
+                  </a:solidFill>
+                  <a:latin typeface="Consolas" panose="020B0609020204030204" pitchFamily="49" charset="0"/>
+                </a:rPr>
+                <a:t>[</a:t>
+              </a:r>
+              <a:r>
+                <a:rPr lang="en-US" sz="1200" dirty="0">
+                  <a:solidFill>
+                    <a:srgbClr val="CE9178"/>
+                  </a:solidFill>
+                  <a:latin typeface="Consolas" panose="020B0609020204030204" pitchFamily="49" charset="0"/>
+                </a:rPr>
+                <a:t>'Incident Info'</a:t>
+              </a:r>
+              <a:r>
+                <a:rPr lang="en-US" sz="1200" dirty="0">
+                  <a:solidFill>
+                    <a:srgbClr val="D4D4D4"/>
+                  </a:solidFill>
+                  <a:latin typeface="Consolas" panose="020B0609020204030204" pitchFamily="49" charset="0"/>
+                </a:rPr>
+                <a:t>].apply(</a:t>
+              </a:r>
+              <a:r>
+                <a:rPr lang="en-US" sz="1200" dirty="0">
+                  <a:solidFill>
+                    <a:srgbClr val="569CD6"/>
+                  </a:solidFill>
+                  <a:latin typeface="Consolas" panose="020B0609020204030204" pitchFamily="49" charset="0"/>
+                </a:rPr>
+                <a:t>lambda</a:t>
+              </a:r>
+              <a:r>
+                <a:rPr lang="en-US" sz="1200" dirty="0">
+                  <a:solidFill>
+                    <a:srgbClr val="D4D4D4"/>
+                  </a:solidFill>
+                  <a:latin typeface="Consolas" panose="020B0609020204030204" pitchFamily="49" charset="0"/>
+                </a:rPr>
+                <a:t> </a:t>
+              </a:r>
+              <a:r>
+                <a:rPr lang="en-US" sz="1200" dirty="0">
+                  <a:solidFill>
+                    <a:srgbClr val="9CDCFE"/>
+                  </a:solidFill>
+                  <a:latin typeface="Consolas" panose="020B0609020204030204" pitchFamily="49" charset="0"/>
+                </a:rPr>
+                <a:t>x</a:t>
+              </a:r>
+              <a:r>
+                <a:rPr lang="en-US" sz="1200" dirty="0">
+                  <a:solidFill>
+                    <a:srgbClr val="D4D4D4"/>
+                  </a:solidFill>
+                  <a:latin typeface="Consolas" panose="020B0609020204030204" pitchFamily="49" charset="0"/>
+                </a:rPr>
+                <a:t>: </a:t>
+              </a:r>
+              <a:r>
+                <a:rPr lang="en-US" sz="1200" dirty="0">
+                  <a:solidFill>
+                    <a:srgbClr val="4EC9B0"/>
+                  </a:solidFill>
+                  <a:latin typeface="Consolas" panose="020B0609020204030204" pitchFamily="49" charset="0"/>
+                </a:rPr>
+                <a:t>set</a:t>
+              </a:r>
+              <a:r>
+                <a:rPr lang="en-US" sz="1200" dirty="0">
+                  <a:solidFill>
+                    <a:srgbClr val="D4D4D4"/>
+                  </a:solidFill>
+                  <a:latin typeface="Consolas" panose="020B0609020204030204" pitchFamily="49" charset="0"/>
+                </a:rPr>
+                <a:t>(</a:t>
+              </a:r>
+              <a:r>
+                <a:rPr lang="en-US" sz="1200" dirty="0" err="1">
+                  <a:solidFill>
+                    <a:srgbClr val="D4D4D4"/>
+                  </a:solidFill>
+                  <a:latin typeface="Consolas" panose="020B0609020204030204" pitchFamily="49" charset="0"/>
+                </a:rPr>
+                <a:t>x.split</a:t>
+              </a:r>
+              <a:r>
+                <a:rPr lang="en-US" sz="1200" dirty="0">
+                  <a:solidFill>
+                    <a:srgbClr val="D4D4D4"/>
+                  </a:solidFill>
+                  <a:latin typeface="Consolas" panose="020B0609020204030204" pitchFamily="49" charset="0"/>
+                </a:rPr>
+                <a:t>(</a:t>
+              </a:r>
+              <a:r>
+                <a:rPr lang="en-US" sz="1200" dirty="0">
+                  <a:solidFill>
+                    <a:srgbClr val="CE9178"/>
+                  </a:solidFill>
+                  <a:latin typeface="Consolas" panose="020B0609020204030204" pitchFamily="49" charset="0"/>
+                </a:rPr>
+                <a:t>'|'</a:t>
+              </a:r>
+              <a:r>
+                <a:rPr lang="en-US" sz="1200" dirty="0">
+                  <a:solidFill>
+                    <a:srgbClr val="D4D4D4"/>
+                  </a:solidFill>
+                  <a:latin typeface="Consolas" panose="020B0609020204030204" pitchFamily="49" charset="0"/>
+                </a:rPr>
+                <a:t>)).difference(</a:t>
+              </a:r>
+              <a:r>
+                <a:rPr lang="en-US" sz="1200" dirty="0" err="1">
+                  <a:solidFill>
+                    <a:srgbClr val="D4D4D4"/>
+                  </a:solidFill>
+                  <a:latin typeface="Consolas" panose="020B0609020204030204" pitchFamily="49" charset="0"/>
+                </a:rPr>
+                <a:t>empty_value_set</a:t>
+              </a:r>
+              <a:r>
+                <a:rPr lang="en-US" sz="1200" dirty="0">
+                  <a:solidFill>
+                    <a:srgbClr val="D4D4D4"/>
+                  </a:solidFill>
+                  <a:latin typeface="Consolas" panose="020B0609020204030204" pitchFamily="49" charset="0"/>
+                </a:rPr>
+                <a:t>))</a:t>
+              </a:r>
+            </a:p>
+            <a:p>
+              <a:r>
+                <a:rPr lang="en-US" sz="1200" dirty="0" err="1">
+                  <a:solidFill>
+                    <a:srgbClr val="D4D4D4"/>
+                  </a:solidFill>
+                  <a:latin typeface="Consolas" panose="020B0609020204030204" pitchFamily="49" charset="0"/>
+                </a:rPr>
+                <a:t>raw_value</a:t>
+              </a:r>
+              <a:r>
+                <a:rPr lang="en-US" sz="1200" dirty="0">
+                  <a:solidFill>
+                    <a:srgbClr val="D4D4D4"/>
+                  </a:solidFill>
+                  <a:latin typeface="Consolas" panose="020B0609020204030204" pitchFamily="49" charset="0"/>
+                </a:rPr>
+                <a:t> = </a:t>
+              </a:r>
+              <a:r>
+                <a:rPr lang="en-US" sz="1200" dirty="0" err="1">
+                  <a:solidFill>
+                    <a:srgbClr val="D4D4D4"/>
+                  </a:solidFill>
+                  <a:latin typeface="Consolas" panose="020B0609020204030204" pitchFamily="49" charset="0"/>
+                </a:rPr>
+                <a:t>split_inc_info_data.loc</a:t>
+              </a:r>
+              <a:r>
+                <a:rPr lang="en-US" sz="1200" dirty="0">
+                  <a:solidFill>
+                    <a:srgbClr val="D4D4D4"/>
+                  </a:solidFill>
+                  <a:latin typeface="Consolas" panose="020B0609020204030204" pitchFamily="49" charset="0"/>
+                </a:rPr>
+                <a:t>[</a:t>
+              </a:r>
+              <a:r>
+                <a:rPr lang="en-US" sz="1200" dirty="0">
+                  <a:solidFill>
+                    <a:srgbClr val="B5CEA8"/>
+                  </a:solidFill>
+                  <a:latin typeface="Consolas" panose="020B0609020204030204" pitchFamily="49" charset="0"/>
+                </a:rPr>
+                <a:t>3</a:t>
+              </a:r>
+              <a:r>
+                <a:rPr lang="en-US" sz="1200" dirty="0">
+                  <a:solidFill>
+                    <a:srgbClr val="D4D4D4"/>
+                  </a:solidFill>
+                  <a:latin typeface="Consolas" panose="020B0609020204030204" pitchFamily="49" charset="0"/>
+                </a:rPr>
+                <a:t>, </a:t>
+              </a:r>
+              <a:r>
+                <a:rPr lang="en-US" sz="1200" dirty="0">
+                  <a:solidFill>
+                    <a:srgbClr val="CE9178"/>
+                  </a:solidFill>
+                  <a:latin typeface="Consolas" panose="020B0609020204030204" pitchFamily="49" charset="0"/>
+                </a:rPr>
+                <a:t>'Incident Info'</a:t>
+              </a:r>
+              <a:r>
+                <a:rPr lang="en-US" sz="1200" dirty="0">
+                  <a:solidFill>
+                    <a:srgbClr val="D4D4D4"/>
+                  </a:solidFill>
+                  <a:latin typeface="Consolas" panose="020B0609020204030204" pitchFamily="49" charset="0"/>
+                </a:rPr>
+                <a:t>]</a:t>
+              </a:r>
+            </a:p>
+            <a:p>
+              <a:r>
+                <a:rPr lang="en-US" sz="1200" dirty="0">
+                  <a:solidFill>
+                    <a:srgbClr val="DCDCAA"/>
+                  </a:solidFill>
+                  <a:latin typeface="Consolas" panose="020B0609020204030204" pitchFamily="49" charset="0"/>
+                </a:rPr>
+                <a:t>print</a:t>
+              </a:r>
+              <a:r>
+                <a:rPr lang="en-US" sz="1200" dirty="0">
+                  <a:solidFill>
+                    <a:srgbClr val="D4D4D4"/>
+                  </a:solidFill>
+                  <a:latin typeface="Consolas" panose="020B0609020204030204" pitchFamily="49" charset="0"/>
+                </a:rPr>
+                <a:t>(</a:t>
+              </a:r>
+              <a:r>
+                <a:rPr lang="en-US" sz="1200" dirty="0" err="1">
+                  <a:solidFill>
+                    <a:srgbClr val="569CD6"/>
+                  </a:solidFill>
+                  <a:latin typeface="Consolas" panose="020B0609020204030204" pitchFamily="49" charset="0"/>
+                </a:rPr>
+                <a:t>f</a:t>
+              </a:r>
+              <a:r>
+                <a:rPr lang="en-US" sz="1200" dirty="0" err="1">
+                  <a:solidFill>
+                    <a:srgbClr val="CE9178"/>
+                  </a:solidFill>
+                  <a:latin typeface="Consolas" panose="020B0609020204030204" pitchFamily="49" charset="0"/>
+                </a:rPr>
+                <a:t>'Raw</a:t>
+              </a:r>
+              <a:r>
+                <a:rPr lang="en-US" sz="1200" dirty="0">
+                  <a:solidFill>
+                    <a:srgbClr val="CE9178"/>
+                  </a:solidFill>
+                  <a:latin typeface="Consolas" panose="020B0609020204030204" pitchFamily="49" charset="0"/>
+                </a:rPr>
+                <a:t> value is "</a:t>
+              </a:r>
+              <a:r>
+                <a:rPr lang="en-US" sz="1200" dirty="0">
+                  <a:solidFill>
+                    <a:srgbClr val="569CD6"/>
+                  </a:solidFill>
+                  <a:latin typeface="Consolas" panose="020B0609020204030204" pitchFamily="49" charset="0"/>
+                </a:rPr>
+                <a:t>{</a:t>
+              </a:r>
+              <a:r>
+                <a:rPr lang="en-US" sz="1200" dirty="0" err="1">
+                  <a:solidFill>
+                    <a:srgbClr val="D4D4D4"/>
+                  </a:solidFill>
+                  <a:latin typeface="Consolas" panose="020B0609020204030204" pitchFamily="49" charset="0"/>
+                </a:rPr>
+                <a:t>raw_value</a:t>
+              </a:r>
+              <a:r>
+                <a:rPr lang="en-US" sz="1200" dirty="0">
+                  <a:solidFill>
+                    <a:srgbClr val="569CD6"/>
+                  </a:solidFill>
+                  <a:latin typeface="Consolas" panose="020B0609020204030204" pitchFamily="49" charset="0"/>
+                </a:rPr>
+                <a:t>}</a:t>
+              </a:r>
+              <a:r>
+                <a:rPr lang="en-US" sz="1200" dirty="0">
+                  <a:solidFill>
+                    <a:srgbClr val="CE9178"/>
+                  </a:solidFill>
+                  <a:latin typeface="Consolas" panose="020B0609020204030204" pitchFamily="49" charset="0"/>
+                </a:rPr>
+                <a:t>" and its type is </a:t>
+              </a:r>
+              <a:r>
+                <a:rPr lang="en-US" sz="1200" dirty="0">
+                  <a:solidFill>
+                    <a:srgbClr val="569CD6"/>
+                  </a:solidFill>
+                  <a:latin typeface="Consolas" panose="020B0609020204030204" pitchFamily="49" charset="0"/>
+                </a:rPr>
+                <a:t>{</a:t>
+              </a:r>
+              <a:r>
+                <a:rPr lang="en-US" sz="1200" dirty="0">
+                  <a:solidFill>
+                    <a:srgbClr val="4EC9B0"/>
+                  </a:solidFill>
+                  <a:latin typeface="Consolas" panose="020B0609020204030204" pitchFamily="49" charset="0"/>
+                </a:rPr>
+                <a:t>type</a:t>
+              </a:r>
+              <a:r>
+                <a:rPr lang="en-US" sz="1200" dirty="0">
+                  <a:solidFill>
+                    <a:srgbClr val="D4D4D4"/>
+                  </a:solidFill>
+                  <a:latin typeface="Consolas" panose="020B0609020204030204" pitchFamily="49" charset="0"/>
+                </a:rPr>
+                <a:t>(</a:t>
+              </a:r>
+              <a:r>
+                <a:rPr lang="en-US" sz="1200" dirty="0" err="1">
+                  <a:solidFill>
+                    <a:srgbClr val="D4D4D4"/>
+                  </a:solidFill>
+                  <a:latin typeface="Consolas" panose="020B0609020204030204" pitchFamily="49" charset="0"/>
+                </a:rPr>
+                <a:t>raw_value</a:t>
+              </a:r>
+              <a:r>
+                <a:rPr lang="en-US" sz="1200" dirty="0">
+                  <a:solidFill>
+                    <a:srgbClr val="D4D4D4"/>
+                  </a:solidFill>
+                  <a:latin typeface="Consolas" panose="020B0609020204030204" pitchFamily="49" charset="0"/>
+                </a:rPr>
+                <a:t>)</a:t>
+              </a:r>
+              <a:r>
+                <a:rPr lang="en-US" sz="1200" dirty="0">
+                  <a:solidFill>
+                    <a:srgbClr val="569CD6"/>
+                  </a:solidFill>
+                  <a:latin typeface="Consolas" panose="020B0609020204030204" pitchFamily="49" charset="0"/>
+                </a:rPr>
+                <a:t>}</a:t>
+              </a:r>
+              <a:r>
+                <a:rPr lang="en-US" sz="1200" dirty="0">
+                  <a:solidFill>
+                    <a:srgbClr val="CE9178"/>
+                  </a:solidFill>
+                  <a:latin typeface="Consolas" panose="020B0609020204030204" pitchFamily="49" charset="0"/>
+                </a:rPr>
+                <a:t>'</a:t>
+              </a:r>
+              <a:r>
+                <a:rPr lang="en-US" sz="1200" dirty="0">
+                  <a:solidFill>
+                    <a:srgbClr val="D4D4D4"/>
+                  </a:solidFill>
+                  <a:latin typeface="Consolas" panose="020B0609020204030204" pitchFamily="49" charset="0"/>
+                </a:rPr>
+                <a:t>)</a:t>
+              </a:r>
+            </a:p>
+            <a:p>
+              <a:r>
+                <a:rPr lang="en-US" sz="1200" dirty="0">
+                  <a:solidFill>
+                    <a:srgbClr val="D4D4D4"/>
+                  </a:solidFill>
+                  <a:latin typeface="Consolas" panose="020B0609020204030204" pitchFamily="49" charset="0"/>
+                </a:rPr>
+                <a:t>converted = </a:t>
+              </a:r>
+              <a:r>
+                <a:rPr lang="en-US" sz="1200" dirty="0" err="1">
+                  <a:solidFill>
+                    <a:srgbClr val="D4D4D4"/>
+                  </a:solidFill>
+                  <a:latin typeface="Consolas" panose="020B0609020204030204" pitchFamily="49" charset="0"/>
+                </a:rPr>
+                <a:t>split_inc_info_data.loc</a:t>
+              </a:r>
+              <a:r>
+                <a:rPr lang="en-US" sz="1200" dirty="0">
+                  <a:solidFill>
+                    <a:srgbClr val="D4D4D4"/>
+                  </a:solidFill>
+                  <a:latin typeface="Consolas" panose="020B0609020204030204" pitchFamily="49" charset="0"/>
+                </a:rPr>
+                <a:t>[</a:t>
+              </a:r>
+              <a:r>
+                <a:rPr lang="en-US" sz="1200" dirty="0">
+                  <a:solidFill>
+                    <a:srgbClr val="B5CEA8"/>
+                  </a:solidFill>
+                  <a:latin typeface="Consolas" panose="020B0609020204030204" pitchFamily="49" charset="0"/>
+                </a:rPr>
+                <a:t>3</a:t>
+              </a:r>
+              <a:r>
+                <a:rPr lang="en-US" sz="1200" dirty="0">
+                  <a:solidFill>
+                    <a:srgbClr val="D4D4D4"/>
+                  </a:solidFill>
+                  <a:latin typeface="Consolas" panose="020B0609020204030204" pitchFamily="49" charset="0"/>
+                </a:rPr>
+                <a:t>, </a:t>
+              </a:r>
+              <a:r>
+                <a:rPr lang="en-US" sz="1200" dirty="0">
+                  <a:solidFill>
+                    <a:srgbClr val="CE9178"/>
+                  </a:solidFill>
+                  <a:latin typeface="Consolas" panose="020B0609020204030204" pitchFamily="49" charset="0"/>
+                </a:rPr>
+                <a:t>'Incident'</a:t>
+              </a:r>
+              <a:r>
+                <a:rPr lang="en-US" sz="1200" dirty="0">
+                  <a:solidFill>
+                    <a:srgbClr val="D4D4D4"/>
+                  </a:solidFill>
+                  <a:latin typeface="Consolas" panose="020B0609020204030204" pitchFamily="49" charset="0"/>
+                </a:rPr>
+                <a:t>]</a:t>
+              </a:r>
+            </a:p>
+            <a:p>
+              <a:r>
+                <a:rPr lang="en-US" sz="1200" dirty="0">
+                  <a:solidFill>
+                    <a:srgbClr val="DCDCAA"/>
+                  </a:solidFill>
+                  <a:latin typeface="Consolas" panose="020B0609020204030204" pitchFamily="49" charset="0"/>
+                </a:rPr>
+                <a:t>print</a:t>
+              </a:r>
+              <a:r>
+                <a:rPr lang="en-US" sz="1200" dirty="0">
+                  <a:solidFill>
+                    <a:srgbClr val="D4D4D4"/>
+                  </a:solidFill>
+                  <a:latin typeface="Consolas" panose="020B0609020204030204" pitchFamily="49" charset="0"/>
+                </a:rPr>
+                <a:t>(</a:t>
+              </a:r>
+              <a:r>
+                <a:rPr lang="en-US" sz="1200" dirty="0" err="1">
+                  <a:solidFill>
+                    <a:srgbClr val="569CD6"/>
+                  </a:solidFill>
+                  <a:latin typeface="Consolas" panose="020B0609020204030204" pitchFamily="49" charset="0"/>
+                </a:rPr>
+                <a:t>f</a:t>
+              </a:r>
+              <a:r>
+                <a:rPr lang="en-US" sz="1200" dirty="0" err="1">
+                  <a:solidFill>
+                    <a:srgbClr val="CE9178"/>
+                  </a:solidFill>
+                  <a:latin typeface="Consolas" panose="020B0609020204030204" pitchFamily="49" charset="0"/>
+                </a:rPr>
+                <a:t>'Converted</a:t>
+              </a:r>
+              <a:r>
+                <a:rPr lang="en-US" sz="1200" dirty="0">
+                  <a:solidFill>
+                    <a:srgbClr val="CE9178"/>
+                  </a:solidFill>
+                  <a:latin typeface="Consolas" panose="020B0609020204030204" pitchFamily="49" charset="0"/>
+                </a:rPr>
+                <a:t> value is </a:t>
+              </a:r>
+              <a:r>
+                <a:rPr lang="en-US" sz="1200" dirty="0">
+                  <a:solidFill>
+                    <a:srgbClr val="569CD6"/>
+                  </a:solidFill>
+                  <a:latin typeface="Consolas" panose="020B0609020204030204" pitchFamily="49" charset="0"/>
+                </a:rPr>
+                <a:t>{</a:t>
+              </a:r>
+              <a:r>
+                <a:rPr lang="en-US" sz="1200" dirty="0">
+                  <a:solidFill>
+                    <a:srgbClr val="D4D4D4"/>
+                  </a:solidFill>
+                  <a:latin typeface="Consolas" panose="020B0609020204030204" pitchFamily="49" charset="0"/>
+                </a:rPr>
+                <a:t>converted</a:t>
+              </a:r>
+              <a:r>
+                <a:rPr lang="en-US" sz="1200" dirty="0">
+                  <a:solidFill>
+                    <a:srgbClr val="569CD6"/>
+                  </a:solidFill>
+                  <a:latin typeface="Consolas" panose="020B0609020204030204" pitchFamily="49" charset="0"/>
+                </a:rPr>
+                <a:t>}</a:t>
+              </a:r>
+              <a:r>
+                <a:rPr lang="en-US" sz="1200" dirty="0">
+                  <a:solidFill>
+                    <a:srgbClr val="CE9178"/>
+                  </a:solidFill>
+                  <a:latin typeface="Consolas" panose="020B0609020204030204" pitchFamily="49" charset="0"/>
+                </a:rPr>
+                <a:t> and its type is </a:t>
+              </a:r>
+              <a:r>
+                <a:rPr lang="en-US" sz="1200" dirty="0">
+                  <a:solidFill>
+                    <a:srgbClr val="569CD6"/>
+                  </a:solidFill>
+                  <a:latin typeface="Consolas" panose="020B0609020204030204" pitchFamily="49" charset="0"/>
+                </a:rPr>
+                <a:t>{</a:t>
+              </a:r>
+              <a:r>
+                <a:rPr lang="en-US" sz="1200" dirty="0">
+                  <a:solidFill>
+                    <a:srgbClr val="4EC9B0"/>
+                  </a:solidFill>
+                  <a:latin typeface="Consolas" panose="020B0609020204030204" pitchFamily="49" charset="0"/>
+                </a:rPr>
+                <a:t>type</a:t>
+              </a:r>
+              <a:r>
+                <a:rPr lang="en-US" sz="1200" dirty="0">
+                  <a:solidFill>
+                    <a:srgbClr val="D4D4D4"/>
+                  </a:solidFill>
+                  <a:latin typeface="Consolas" panose="020B0609020204030204" pitchFamily="49" charset="0"/>
+                </a:rPr>
+                <a:t>(converted)</a:t>
+              </a:r>
+              <a:r>
+                <a:rPr lang="en-US" sz="1200" dirty="0">
+                  <a:solidFill>
+                    <a:srgbClr val="569CD6"/>
+                  </a:solidFill>
+                  <a:latin typeface="Consolas" panose="020B0609020204030204" pitchFamily="49" charset="0"/>
+                </a:rPr>
+                <a:t>}</a:t>
+              </a:r>
+              <a:r>
+                <a:rPr lang="en-US" sz="1200" dirty="0">
+                  <a:solidFill>
+                    <a:srgbClr val="CE9178"/>
+                  </a:solidFill>
+                  <a:latin typeface="Consolas" panose="020B0609020204030204" pitchFamily="49" charset="0"/>
+                </a:rPr>
+                <a:t>'</a:t>
+              </a:r>
+              <a:r>
+                <a:rPr lang="en-US" sz="1200" dirty="0">
+                  <a:solidFill>
+                    <a:srgbClr val="D4D4D4"/>
+                  </a:solidFill>
+                  <a:latin typeface="Consolas" panose="020B0609020204030204" pitchFamily="49" charset="0"/>
+                </a:rPr>
+                <a:t>)</a:t>
+              </a:r>
+              <a:endParaRPr lang="en-US" sz="1200" b="0" dirty="0">
+                <a:solidFill>
+                  <a:srgbClr val="D4D4D4"/>
+                </a:solidFill>
+                <a:effectLst/>
+                <a:latin typeface="Consolas" panose="020B0609020204030204" pitchFamily="49" charset="0"/>
+              </a:endParaRPr>
+            </a:p>
+          </p:txBody>
+        </p:sp>
+        <p:sp>
+          <p:nvSpPr>
+            <p:cNvPr id="35" name="Rectangle 5">
+              <a:extLst>
+                <a:ext uri="{FF2B5EF4-FFF2-40B4-BE49-F238E27FC236}">
+                  <a16:creationId xmlns:a16="http://schemas.microsoft.com/office/drawing/2014/main" id="{8BA1A3F6-997F-4DA5-83A6-AAB32D7AC828}"/>
+                </a:ext>
+              </a:extLst>
+            </p:cNvPr>
+            <p:cNvSpPr>
+              <a:spLocks noChangeArrowheads="1"/>
+            </p:cNvSpPr>
+            <p:nvPr/>
+          </p:nvSpPr>
+          <p:spPr bwMode="auto">
+            <a:xfrm>
+              <a:off x="12382500" y="5133912"/>
+              <a:ext cx="10839450" cy="904094"/>
+            </a:xfrm>
+            <a:prstGeom prst="rect">
+              <a:avLst/>
+            </a:prstGeom>
+            <a:solidFill>
+              <a:srgbClr val="FFFFFF"/>
+            </a:solidFill>
+            <a:ln>
+              <a:noFill/>
+            </a:ln>
+            <a:effectLst/>
+            <a:extLst>
+              <a:ext uri="{91240B29-F687-4F45-9708-019B960494DF}">
+                <a14:hiddenLine xmlns:a14="http://schemas.microsoft.com/office/drawing/2010/main" w="9525">
+                  <a:solidFill>
+                    <a:schemeClr val="tx1"/>
+                  </a:solidFill>
+                  <a:miter lim="800000"/>
+                  <a:headEnd/>
+                  <a:tailEnd/>
+                </a14:hiddenLine>
+              </a:ext>
+              <a:ext uri="{AF507438-7753-43E0-B8FC-AC1667EBCBE1}">
+                <a14:hiddenEffects xmlns:a14="http://schemas.microsoft.com/office/drawing/2010/main">
+                  <a:effectLst>
+                    <a:outerShdw dist="35921" dir="2700000" algn="ctr" rotWithShape="0">
+                      <a:schemeClr val="bg2"/>
+                    </a:outerShdw>
+                  </a:effectLst>
+                </a14:hiddenEffects>
+              </a:ext>
+            </a:extLst>
+          </p:spPr>
+          <p:txBody>
+            <a:bodyPr vert="horz" wrap="square" lIns="0" tIns="0" rIns="0" bIns="0" numCol="1" anchor="ctr" anchorCtr="0" compatLnSpc="1">
+              <a:prstTxWarp prst="textNoShape">
+                <a:avLst/>
+              </a:prstTxWarp>
+              <a:spAutoFit/>
+            </a:bodyPr>
+            <a:lstStyle/>
+            <a:p>
+              <a:pPr marL="0" marR="0" lvl="0" indent="0" algn="l" defTabSz="914400" rtl="0" eaLnBrk="0" fontAlgn="base" latinLnBrk="0" hangingPunct="0">
+                <a:lnSpc>
+                  <a:spcPct val="150000"/>
+                </a:lnSpc>
+                <a:spcBef>
+                  <a:spcPct val="0"/>
+                </a:spcBef>
+                <a:spcAft>
+                  <a:spcPct val="0"/>
+                </a:spcAft>
+                <a:buClrTx/>
+                <a:buSzTx/>
+                <a:buFontTx/>
+                <a:buNone/>
+                <a:tabLst/>
+              </a:pPr>
+              <a:r>
+                <a:rPr kumimoji="0" lang="en-US" altLang="en-US" sz="1000" b="0" i="0" u="none" strike="noStrike" cap="none" normalizeH="0" baseline="0" dirty="0">
+                  <a:ln>
+                    <a:noFill/>
+                  </a:ln>
+                  <a:solidFill>
+                    <a:srgbClr val="000000"/>
+                  </a:solidFill>
+                  <a:effectLst/>
+                  <a:latin typeface="Courier New" panose="02070309020205020404" pitchFamily="49" charset="0"/>
+                  <a:cs typeface="Courier New" panose="02070309020205020404" pitchFamily="49" charset="0"/>
+                </a:rPr>
+                <a:t>Raw value is "Shot - Dead (murder, accidental, suicide)||Mass Shooting (4+ victims injured or killed excluding the subject/suspect/perpetrator, one location)||Domestic Violence" and its type is &lt;class 'str’&gt;</a:t>
+              </a:r>
+            </a:p>
+            <a:p>
+              <a:pPr marL="0" marR="0" lvl="0" indent="0" algn="l" defTabSz="914400" rtl="0" eaLnBrk="0" fontAlgn="base" latinLnBrk="0" hangingPunct="0">
+                <a:lnSpc>
+                  <a:spcPct val="150000"/>
+                </a:lnSpc>
+                <a:spcBef>
+                  <a:spcPct val="0"/>
+                </a:spcBef>
+                <a:spcAft>
+                  <a:spcPct val="0"/>
+                </a:spcAft>
+                <a:buClrTx/>
+                <a:buSzTx/>
+                <a:buFontTx/>
+                <a:buNone/>
+                <a:tabLst/>
+              </a:pPr>
+              <a:r>
+                <a:rPr kumimoji="0" lang="en-US" altLang="en-US" sz="1000" b="0" i="0" u="none" strike="noStrike" cap="none" normalizeH="0" baseline="0" dirty="0">
+                  <a:ln>
+                    <a:noFill/>
+                  </a:ln>
+                  <a:solidFill>
+                    <a:srgbClr val="000000"/>
+                  </a:solidFill>
+                  <a:effectLst/>
+                  <a:latin typeface="Courier New" panose="02070309020205020404" pitchFamily="49" charset="0"/>
+                  <a:cs typeface="Courier New" panose="02070309020205020404" pitchFamily="49" charset="0"/>
+                </a:rPr>
+                <a:t>Converted value is {'Domestic Violence', 'Shot - Dead (murder, accidental, suicide)', 'Mass Shooting (4+ victims injured or killed excluding the subject/suspect/perpetrator, one location)'} and its type is &lt;class 'set'&gt;</a:t>
+              </a:r>
+              <a:r>
+                <a:rPr kumimoji="0" lang="en-US" altLang="en-US" sz="800" b="0" i="0" u="none" strike="noStrike" cap="none" normalizeH="0" baseline="0" dirty="0">
+                  <a:ln>
+                    <a:noFill/>
+                  </a:ln>
+                  <a:solidFill>
+                    <a:schemeClr val="tx1"/>
+                  </a:solidFill>
+                  <a:effectLst/>
+                </a:rPr>
+                <a:t> </a:t>
+              </a:r>
+              <a:endParaRPr kumimoji="0" lang="en-US" altLang="en-US" sz="1800" b="0" i="0" u="none" strike="noStrike" cap="none" normalizeH="0" baseline="0" dirty="0">
+                <a:ln>
+                  <a:noFill/>
+                </a:ln>
+                <a:solidFill>
+                  <a:schemeClr val="tx1"/>
+                </a:solidFill>
+                <a:effectLst/>
+                <a:latin typeface="Arial" panose="020B0604020202020204" pitchFamily="34" charset="0"/>
+              </a:endParaRPr>
+            </a:p>
+          </p:txBody>
+        </p:sp>
+      </p:grpSp>
+    </p:spTree>
+    <p:extLst>
+      <p:ext uri="{BB962C8B-B14F-4D97-AF65-F5344CB8AC3E}">
+        <p14:creationId xmlns:p14="http://schemas.microsoft.com/office/powerpoint/2010/main" val="2570335604"/>
+      </p:ext>
+    </p:extLst>
+  </p:cSld>
+  <p:clrMapOvr>
+    <a:masterClrMapping/>
+  </p:clrMapOvr>
+  <p:timing>
+    <p:tnLst>
+      <p:par>
+        <p:cTn id="1" dur="indefinite" restart="never" nodeType="tmRoot">
+          <p:childTnLst>
+            <p:seq concurrent="1" nextAc="seek">
+              <p:cTn id="2" dur="indefinite" nodeType="mainSeq">
+                <p:childTnLst>
+                  <p:par>
+                    <p:cTn id="3" fill="hold">
+                      <p:stCondLst>
+                        <p:cond delay="indefinite"/>
+                        <p:cond evt="onBegin" delay="0">
+                          <p:tn val="2"/>
+                        </p:cond>
+                      </p:stCondLst>
+                      <p:childTnLst>
+                        <p:par>
+                          <p:cTn id="4" fill="hold">
+                            <p:stCondLst>
+                              <p:cond delay="0"/>
+                            </p:stCondLst>
+                            <p:childTnLst>
+                              <p:par>
+                                <p:cTn id="5" presetID="47" presetClass="entr" presetSubtype="0" fill="hold" grpId="0" nodeType="withEffect">
+                                  <p:stCondLst>
+                                    <p:cond delay="0"/>
+                                  </p:stCondLst>
+                                  <p:childTnLst>
+                                    <p:set>
+                                      <p:cBhvr>
+                                        <p:cTn id="6" dur="1" fill="hold">
+                                          <p:stCondLst>
+                                            <p:cond delay="0"/>
+                                          </p:stCondLst>
+                                        </p:cTn>
+                                        <p:tgtEl>
+                                          <p:spTgt spid="2"/>
+                                        </p:tgtEl>
+                                        <p:attrNameLst>
+                                          <p:attrName>style.visibility</p:attrName>
+                                        </p:attrNameLst>
+                                      </p:cBhvr>
+                                      <p:to>
+                                        <p:strVal val="visible"/>
+                                      </p:to>
+                                    </p:set>
+                                    <p:animEffect transition="in" filter="fade">
+                                      <p:cBhvr>
+                                        <p:cTn id="7" dur="1000"/>
+                                        <p:tgtEl>
+                                          <p:spTgt spid="2"/>
+                                        </p:tgtEl>
+                                      </p:cBhvr>
+                                    </p:animEffect>
+                                    <p:anim calcmode="lin" valueType="num">
+                                      <p:cBhvr>
+                                        <p:cTn id="8" dur="1000" fill="hold"/>
+                                        <p:tgtEl>
+                                          <p:spTgt spid="2"/>
+                                        </p:tgtEl>
+                                        <p:attrNameLst>
+                                          <p:attrName>ppt_x</p:attrName>
+                                        </p:attrNameLst>
+                                      </p:cBhvr>
+                                      <p:tavLst>
+                                        <p:tav tm="0">
+                                          <p:val>
+                                            <p:strVal val="#ppt_x"/>
+                                          </p:val>
+                                        </p:tav>
+                                        <p:tav tm="100000">
+                                          <p:val>
+                                            <p:strVal val="#ppt_x"/>
+                                          </p:val>
+                                        </p:tav>
+                                      </p:tavLst>
+                                    </p:anim>
+                                    <p:anim calcmode="lin" valueType="num">
+                                      <p:cBhvr>
+                                        <p:cTn id="9" dur="1000" fill="hold"/>
+                                        <p:tgtEl>
+                                          <p:spTgt spid="2"/>
+                                        </p:tgtEl>
+                                        <p:attrNameLst>
+                                          <p:attrName>ppt_y</p:attrName>
+                                        </p:attrNameLst>
+                                      </p:cBhvr>
+                                      <p:tavLst>
+                                        <p:tav tm="0">
+                                          <p:val>
+                                            <p:strVal val="#ppt_y-.1"/>
+                                          </p:val>
+                                        </p:tav>
+                                        <p:tav tm="100000">
+                                          <p:val>
+                                            <p:strVal val="#ppt_y"/>
+                                          </p:val>
+                                        </p:tav>
+                                      </p:tavLst>
+                                    </p:anim>
+                                  </p:childTnLst>
+                                </p:cTn>
+                              </p:par>
+                            </p:childTnLst>
+                          </p:cTn>
+                        </p:par>
+                      </p:childTnLst>
+                    </p:cTn>
+                  </p:par>
+                  <p:par>
+                    <p:cTn id="10" fill="hold">
+                      <p:stCondLst>
+                        <p:cond delay="indefinite"/>
+                      </p:stCondLst>
+                      <p:childTnLst>
+                        <p:par>
+                          <p:cTn id="11" fill="hold">
+                            <p:stCondLst>
+                              <p:cond delay="0"/>
+                            </p:stCondLst>
+                            <p:childTnLst>
+                              <p:par>
+                                <p:cTn id="12" presetID="42" presetClass="entr" presetSubtype="0" fill="hold" nodeType="clickEffect">
+                                  <p:stCondLst>
+                                    <p:cond delay="0"/>
+                                  </p:stCondLst>
+                                  <p:childTnLst>
+                                    <p:set>
+                                      <p:cBhvr>
+                                        <p:cTn id="13" dur="1" fill="hold">
+                                          <p:stCondLst>
+                                            <p:cond delay="0"/>
+                                          </p:stCondLst>
+                                        </p:cTn>
+                                        <p:tgtEl>
+                                          <p:spTgt spid="23">
+                                            <p:txEl>
+                                              <p:pRg st="0" end="0"/>
+                                            </p:txEl>
+                                          </p:spTgt>
+                                        </p:tgtEl>
+                                        <p:attrNameLst>
+                                          <p:attrName>style.visibility</p:attrName>
+                                        </p:attrNameLst>
+                                      </p:cBhvr>
+                                      <p:to>
+                                        <p:strVal val="visible"/>
+                                      </p:to>
+                                    </p:set>
+                                    <p:animEffect transition="in" filter="fade">
+                                      <p:cBhvr>
+                                        <p:cTn id="14" dur="1000"/>
+                                        <p:tgtEl>
+                                          <p:spTgt spid="23">
+                                            <p:txEl>
+                                              <p:pRg st="0" end="0"/>
+                                            </p:txEl>
+                                          </p:spTgt>
+                                        </p:tgtEl>
+                                      </p:cBhvr>
+                                    </p:animEffect>
+                                    <p:anim calcmode="lin" valueType="num">
+                                      <p:cBhvr>
+                                        <p:cTn id="15" dur="1000" fill="hold"/>
+                                        <p:tgtEl>
+                                          <p:spTgt spid="23">
+                                            <p:txEl>
+                                              <p:pRg st="0" end="0"/>
+                                            </p:txEl>
+                                          </p:spTgt>
+                                        </p:tgtEl>
+                                        <p:attrNameLst>
+                                          <p:attrName>ppt_x</p:attrName>
+                                        </p:attrNameLst>
+                                      </p:cBhvr>
+                                      <p:tavLst>
+                                        <p:tav tm="0">
+                                          <p:val>
+                                            <p:strVal val="#ppt_x"/>
+                                          </p:val>
+                                        </p:tav>
+                                        <p:tav tm="100000">
+                                          <p:val>
+                                            <p:strVal val="#ppt_x"/>
+                                          </p:val>
+                                        </p:tav>
+                                      </p:tavLst>
+                                    </p:anim>
+                                    <p:anim calcmode="lin" valueType="num">
+                                      <p:cBhvr>
+                                        <p:cTn id="16" dur="1000" fill="hold"/>
+                                        <p:tgtEl>
+                                          <p:spTgt spid="23">
+                                            <p:txEl>
+                                              <p:pRg st="0" end="0"/>
+                                            </p:txEl>
+                                          </p:spTgt>
+                                        </p:tgtEl>
+                                        <p:attrNameLst>
+                                          <p:attrName>ppt_y</p:attrName>
+                                        </p:attrNameLst>
+                                      </p:cBhvr>
+                                      <p:tavLst>
+                                        <p:tav tm="0">
+                                          <p:val>
+                                            <p:strVal val="#ppt_y+.1"/>
+                                          </p:val>
+                                        </p:tav>
+                                        <p:tav tm="100000">
+                                          <p:val>
+                                            <p:strVal val="#ppt_y"/>
+                                          </p:val>
+                                        </p:tav>
+                                      </p:tavLst>
+                                    </p:anim>
+                                  </p:childTnLst>
+                                </p:cTn>
+                              </p:par>
+                            </p:childTnLst>
+                          </p:cTn>
+                        </p:par>
+                      </p:childTnLst>
+                    </p:cTn>
+                  </p:par>
+                  <p:par>
+                    <p:cTn id="17" fill="hold">
+                      <p:stCondLst>
+                        <p:cond delay="indefinite"/>
+                      </p:stCondLst>
+                      <p:childTnLst>
+                        <p:par>
+                          <p:cTn id="18" fill="hold">
+                            <p:stCondLst>
+                              <p:cond delay="0"/>
+                            </p:stCondLst>
+                            <p:childTnLst>
+                              <p:par>
+                                <p:cTn id="19" presetID="42" presetClass="entr" presetSubtype="0" fill="hold" grpId="0" nodeType="clickEffect">
+                                  <p:stCondLst>
+                                    <p:cond delay="0"/>
+                                  </p:stCondLst>
+                                  <p:childTnLst>
+                                    <p:set>
+                                      <p:cBhvr>
+                                        <p:cTn id="20" dur="1" fill="hold">
+                                          <p:stCondLst>
+                                            <p:cond delay="0"/>
+                                          </p:stCondLst>
+                                        </p:cTn>
+                                        <p:tgtEl>
+                                          <p:spTgt spid="9"/>
+                                        </p:tgtEl>
+                                        <p:attrNameLst>
+                                          <p:attrName>style.visibility</p:attrName>
+                                        </p:attrNameLst>
+                                      </p:cBhvr>
+                                      <p:to>
+                                        <p:strVal val="visible"/>
+                                      </p:to>
+                                    </p:set>
+                                    <p:animEffect transition="in" filter="fade">
+                                      <p:cBhvr>
+                                        <p:cTn id="21" dur="1000"/>
+                                        <p:tgtEl>
+                                          <p:spTgt spid="9"/>
+                                        </p:tgtEl>
+                                      </p:cBhvr>
+                                    </p:animEffect>
+                                    <p:anim calcmode="lin" valueType="num">
+                                      <p:cBhvr>
+                                        <p:cTn id="22" dur="1000" fill="hold"/>
+                                        <p:tgtEl>
+                                          <p:spTgt spid="9"/>
+                                        </p:tgtEl>
+                                        <p:attrNameLst>
+                                          <p:attrName>ppt_x</p:attrName>
+                                        </p:attrNameLst>
+                                      </p:cBhvr>
+                                      <p:tavLst>
+                                        <p:tav tm="0">
+                                          <p:val>
+                                            <p:strVal val="#ppt_x"/>
+                                          </p:val>
+                                        </p:tav>
+                                        <p:tav tm="100000">
+                                          <p:val>
+                                            <p:strVal val="#ppt_x"/>
+                                          </p:val>
+                                        </p:tav>
+                                      </p:tavLst>
+                                    </p:anim>
+                                    <p:anim calcmode="lin" valueType="num">
+                                      <p:cBhvr>
+                                        <p:cTn id="23" dur="1000" fill="hold"/>
+                                        <p:tgtEl>
+                                          <p:spTgt spid="9"/>
+                                        </p:tgtEl>
+                                        <p:attrNameLst>
+                                          <p:attrName>ppt_y</p:attrName>
+                                        </p:attrNameLst>
+                                      </p:cBhvr>
+                                      <p:tavLst>
+                                        <p:tav tm="0">
+                                          <p:val>
+                                            <p:strVal val="#ppt_y+.1"/>
+                                          </p:val>
+                                        </p:tav>
+                                        <p:tav tm="100000">
+                                          <p:val>
+                                            <p:strVal val="#ppt_y"/>
+                                          </p:val>
+                                        </p:tav>
+                                      </p:tavLst>
+                                    </p:anim>
+                                  </p:childTnLst>
+                                </p:cTn>
+                              </p:par>
+                            </p:childTnLst>
+                          </p:cTn>
+                        </p:par>
+                      </p:childTnLst>
+                    </p:cTn>
+                  </p:par>
+                  <p:par>
+                    <p:cTn id="24" fill="hold">
+                      <p:stCondLst>
+                        <p:cond delay="indefinite"/>
+                      </p:stCondLst>
+                      <p:childTnLst>
+                        <p:par>
+                          <p:cTn id="25" fill="hold">
+                            <p:stCondLst>
+                              <p:cond delay="0"/>
+                            </p:stCondLst>
+                            <p:childTnLst>
+                              <p:par>
+                                <p:cTn id="26" presetID="10" presetClass="entr" presetSubtype="0" fill="hold" nodeType="clickEffect">
+                                  <p:stCondLst>
+                                    <p:cond delay="0"/>
+                                  </p:stCondLst>
+                                  <p:childTnLst>
+                                    <p:set>
+                                      <p:cBhvr>
+                                        <p:cTn id="27" dur="1" fill="hold">
+                                          <p:stCondLst>
+                                            <p:cond delay="0"/>
+                                          </p:stCondLst>
+                                        </p:cTn>
+                                        <p:tgtEl>
+                                          <p:spTgt spid="10">
+                                            <p:txEl>
+                                              <p:pRg st="0" end="0"/>
+                                            </p:txEl>
+                                          </p:spTgt>
+                                        </p:tgtEl>
+                                        <p:attrNameLst>
+                                          <p:attrName>style.visibility</p:attrName>
+                                        </p:attrNameLst>
+                                      </p:cBhvr>
+                                      <p:to>
+                                        <p:strVal val="visible"/>
+                                      </p:to>
+                                    </p:set>
+                                    <p:animEffect transition="in" filter="fade">
+                                      <p:cBhvr>
+                                        <p:cTn id="28" dur="500"/>
+                                        <p:tgtEl>
+                                          <p:spTgt spid="10">
+                                            <p:txEl>
+                                              <p:pRg st="0" end="0"/>
+                                            </p:txEl>
+                                          </p:spTgt>
+                                        </p:tgtEl>
+                                      </p:cBhvr>
+                                    </p:animEffect>
+                                  </p:childTnLst>
+                                </p:cTn>
+                              </p:par>
+                              <p:par>
+                                <p:cTn id="29" presetID="2" presetClass="entr" presetSubtype="2" fill="hold" nodeType="withEffect">
+                                  <p:stCondLst>
+                                    <p:cond delay="0"/>
+                                  </p:stCondLst>
+                                  <p:childTnLst>
+                                    <p:set>
+                                      <p:cBhvr>
+                                        <p:cTn id="30" dur="1" fill="hold">
+                                          <p:stCondLst>
+                                            <p:cond delay="0"/>
+                                          </p:stCondLst>
+                                        </p:cTn>
+                                        <p:tgtEl>
+                                          <p:spTgt spid="14"/>
+                                        </p:tgtEl>
+                                        <p:attrNameLst>
+                                          <p:attrName>style.visibility</p:attrName>
+                                        </p:attrNameLst>
+                                      </p:cBhvr>
+                                      <p:to>
+                                        <p:strVal val="visible"/>
+                                      </p:to>
+                                    </p:set>
+                                    <p:anim calcmode="lin" valueType="num">
+                                      <p:cBhvr additive="base">
+                                        <p:cTn id="31" dur="500" fill="hold"/>
+                                        <p:tgtEl>
+                                          <p:spTgt spid="14"/>
+                                        </p:tgtEl>
+                                        <p:attrNameLst>
+                                          <p:attrName>ppt_x</p:attrName>
+                                        </p:attrNameLst>
+                                      </p:cBhvr>
+                                      <p:tavLst>
+                                        <p:tav tm="0">
+                                          <p:val>
+                                            <p:strVal val="1+#ppt_w/2"/>
+                                          </p:val>
+                                        </p:tav>
+                                        <p:tav tm="100000">
+                                          <p:val>
+                                            <p:strVal val="#ppt_x"/>
+                                          </p:val>
+                                        </p:tav>
+                                      </p:tavLst>
+                                    </p:anim>
+                                    <p:anim calcmode="lin" valueType="num">
+                                      <p:cBhvr additive="base">
+                                        <p:cTn id="32" dur="500" fill="hold"/>
+                                        <p:tgtEl>
+                                          <p:spTgt spid="14"/>
+                                        </p:tgtEl>
+                                        <p:attrNameLst>
+                                          <p:attrName>ppt_y</p:attrName>
+                                        </p:attrNameLst>
+                                      </p:cBhvr>
+                                      <p:tavLst>
+                                        <p:tav tm="0">
+                                          <p:val>
+                                            <p:strVal val="#ppt_y"/>
+                                          </p:val>
+                                        </p:tav>
+                                        <p:tav tm="100000">
+                                          <p:val>
+                                            <p:strVal val="#ppt_y"/>
+                                          </p:val>
+                                        </p:tav>
+                                      </p:tavLst>
+                                    </p:anim>
+                                  </p:childTnLst>
+                                </p:cTn>
+                              </p:par>
+                              <p:par>
+                                <p:cTn id="33" presetID="1" presetClass="entr" presetSubtype="0" fill="hold" grpId="0" nodeType="withEffect">
+                                  <p:stCondLst>
+                                    <p:cond delay="0"/>
+                                  </p:stCondLst>
+                                  <p:childTnLst>
+                                    <p:set>
+                                      <p:cBhvr>
+                                        <p:cTn id="34" dur="1" fill="hold">
+                                          <p:stCondLst>
+                                            <p:cond delay="0"/>
+                                          </p:stCondLst>
+                                        </p:cTn>
+                                        <p:tgtEl>
+                                          <p:spTgt spid="7"/>
+                                        </p:tgtEl>
+                                        <p:attrNameLst>
+                                          <p:attrName>style.visibility</p:attrName>
+                                        </p:attrNameLst>
+                                      </p:cBhvr>
+                                      <p:to>
+                                        <p:strVal val="visible"/>
+                                      </p:to>
+                                    </p:set>
+                                  </p:childTnLst>
+                                </p:cTn>
+                              </p:par>
+                            </p:childTnLst>
+                          </p:cTn>
+                        </p:par>
+                      </p:childTnLst>
+                    </p:cTn>
+                  </p:par>
+                  <p:par>
+                    <p:cTn id="35" fill="hold">
+                      <p:stCondLst>
+                        <p:cond delay="indefinite"/>
+                      </p:stCondLst>
+                      <p:childTnLst>
+                        <p:par>
+                          <p:cTn id="36" fill="hold">
+                            <p:stCondLst>
+                              <p:cond delay="0"/>
+                            </p:stCondLst>
+                            <p:childTnLst>
+                              <p:par>
+                                <p:cTn id="37" presetID="42" presetClass="path" presetSubtype="0" accel="50000" decel="50000" fill="hold" grpId="1" nodeType="clickEffect">
+                                  <p:stCondLst>
+                                    <p:cond delay="0"/>
+                                  </p:stCondLst>
+                                  <p:childTnLst>
+                                    <p:animMotion origin="layout" path="M 8.33333E-7 -1.85185E-6 L 0.29974 0.00185 " pathEditMode="relative" rAng="0" ptsTypes="AA">
+                                      <p:cBhvr>
+                                        <p:cTn id="38" dur="750" fill="hold"/>
+                                        <p:tgtEl>
+                                          <p:spTgt spid="7"/>
+                                        </p:tgtEl>
+                                        <p:attrNameLst>
+                                          <p:attrName>ppt_x</p:attrName>
+                                          <p:attrName>ppt_y</p:attrName>
+                                        </p:attrNameLst>
+                                      </p:cBhvr>
+                                      <p:rCtr x="14987" y="93"/>
+                                    </p:animMotion>
+                                  </p:childTnLst>
+                                </p:cTn>
+                              </p:par>
+                              <p:par>
+                                <p:cTn id="39" presetID="2" presetClass="exit" presetSubtype="8" fill="hold" nodeType="withEffect">
+                                  <p:stCondLst>
+                                    <p:cond delay="0"/>
+                                  </p:stCondLst>
+                                  <p:childTnLst>
+                                    <p:anim calcmode="lin" valueType="num">
+                                      <p:cBhvr additive="base">
+                                        <p:cTn id="40" dur="500"/>
+                                        <p:tgtEl>
+                                          <p:spTgt spid="14"/>
+                                        </p:tgtEl>
+                                        <p:attrNameLst>
+                                          <p:attrName>ppt_x</p:attrName>
+                                        </p:attrNameLst>
+                                      </p:cBhvr>
+                                      <p:tavLst>
+                                        <p:tav tm="0">
+                                          <p:val>
+                                            <p:strVal val="ppt_x"/>
+                                          </p:val>
+                                        </p:tav>
+                                        <p:tav tm="100000">
+                                          <p:val>
+                                            <p:strVal val="0-ppt_w/2"/>
+                                          </p:val>
+                                        </p:tav>
+                                      </p:tavLst>
+                                    </p:anim>
+                                    <p:anim calcmode="lin" valueType="num">
+                                      <p:cBhvr additive="base">
+                                        <p:cTn id="41" dur="500"/>
+                                        <p:tgtEl>
+                                          <p:spTgt spid="14"/>
+                                        </p:tgtEl>
+                                        <p:attrNameLst>
+                                          <p:attrName>ppt_y</p:attrName>
+                                        </p:attrNameLst>
+                                      </p:cBhvr>
+                                      <p:tavLst>
+                                        <p:tav tm="0">
+                                          <p:val>
+                                            <p:strVal val="ppt_y"/>
+                                          </p:val>
+                                        </p:tav>
+                                        <p:tav tm="100000">
+                                          <p:val>
+                                            <p:strVal val="ppt_y"/>
+                                          </p:val>
+                                        </p:tav>
+                                      </p:tavLst>
+                                    </p:anim>
+                                    <p:set>
+                                      <p:cBhvr>
+                                        <p:cTn id="42" dur="1" fill="hold">
+                                          <p:stCondLst>
+                                            <p:cond delay="499"/>
+                                          </p:stCondLst>
+                                        </p:cTn>
+                                        <p:tgtEl>
+                                          <p:spTgt spid="14"/>
+                                        </p:tgtEl>
+                                        <p:attrNameLst>
+                                          <p:attrName>style.visibility</p:attrName>
+                                        </p:attrNameLst>
+                                      </p:cBhvr>
+                                      <p:to>
+                                        <p:strVal val="hidden"/>
+                                      </p:to>
+                                    </p:set>
+                                  </p:childTnLst>
+                                </p:cTn>
+                              </p:par>
+                              <p:par>
+                                <p:cTn id="43" presetID="2" presetClass="entr" presetSubtype="2" fill="hold" nodeType="withEffect">
+                                  <p:stCondLst>
+                                    <p:cond delay="0"/>
+                                  </p:stCondLst>
+                                  <p:childTnLst>
+                                    <p:set>
+                                      <p:cBhvr>
+                                        <p:cTn id="44" dur="1" fill="hold">
+                                          <p:stCondLst>
+                                            <p:cond delay="0"/>
+                                          </p:stCondLst>
+                                        </p:cTn>
+                                        <p:tgtEl>
+                                          <p:spTgt spid="15"/>
+                                        </p:tgtEl>
+                                        <p:attrNameLst>
+                                          <p:attrName>style.visibility</p:attrName>
+                                        </p:attrNameLst>
+                                      </p:cBhvr>
+                                      <p:to>
+                                        <p:strVal val="visible"/>
+                                      </p:to>
+                                    </p:set>
+                                    <p:anim calcmode="lin" valueType="num">
+                                      <p:cBhvr additive="base">
+                                        <p:cTn id="45" dur="500" fill="hold"/>
+                                        <p:tgtEl>
+                                          <p:spTgt spid="15"/>
+                                        </p:tgtEl>
+                                        <p:attrNameLst>
+                                          <p:attrName>ppt_x</p:attrName>
+                                        </p:attrNameLst>
+                                      </p:cBhvr>
+                                      <p:tavLst>
+                                        <p:tav tm="0">
+                                          <p:val>
+                                            <p:strVal val="1+#ppt_w/2"/>
+                                          </p:val>
+                                        </p:tav>
+                                        <p:tav tm="100000">
+                                          <p:val>
+                                            <p:strVal val="#ppt_x"/>
+                                          </p:val>
+                                        </p:tav>
+                                      </p:tavLst>
+                                    </p:anim>
+                                    <p:anim calcmode="lin" valueType="num">
+                                      <p:cBhvr additive="base">
+                                        <p:cTn id="46" dur="500" fill="hold"/>
+                                        <p:tgtEl>
+                                          <p:spTgt spid="15"/>
+                                        </p:tgtEl>
+                                        <p:attrNameLst>
+                                          <p:attrName>ppt_y</p:attrName>
+                                        </p:attrNameLst>
+                                      </p:cBhvr>
+                                      <p:tavLst>
+                                        <p:tav tm="0">
+                                          <p:val>
+                                            <p:strVal val="#ppt_y"/>
+                                          </p:val>
+                                        </p:tav>
+                                        <p:tav tm="100000">
+                                          <p:val>
+                                            <p:strVal val="#ppt_y"/>
+                                          </p:val>
+                                        </p:tav>
+                                      </p:tavLst>
+                                    </p:anim>
+                                  </p:childTnLst>
+                                </p:cTn>
+                              </p:par>
+                            </p:childTnLst>
+                          </p:cTn>
+                        </p:par>
+                      </p:childTnLst>
+                    </p:cTn>
+                  </p:par>
+                  <p:par>
+                    <p:cTn id="47" fill="hold">
+                      <p:stCondLst>
+                        <p:cond delay="indefinite"/>
+                      </p:stCondLst>
+                      <p:childTnLst>
+                        <p:par>
+                          <p:cTn id="48" fill="hold">
+                            <p:stCondLst>
+                              <p:cond delay="0"/>
+                            </p:stCondLst>
+                            <p:childTnLst>
+                              <p:par>
+                                <p:cTn id="49" presetID="42" presetClass="path" presetSubtype="0" accel="50000" decel="50000" fill="hold" grpId="2" nodeType="clickEffect">
+                                  <p:stCondLst>
+                                    <p:cond delay="0"/>
+                                  </p:stCondLst>
+                                  <p:childTnLst>
+                                    <p:animMotion origin="layout" path="M 0.29974 0.00185 L 0.60052 0.00185 " pathEditMode="fixed" rAng="0" ptsTypes="AA">
+                                      <p:cBhvr>
+                                        <p:cTn id="50" dur="750" fill="hold"/>
+                                        <p:tgtEl>
+                                          <p:spTgt spid="7"/>
+                                        </p:tgtEl>
+                                        <p:attrNameLst>
+                                          <p:attrName>ppt_x</p:attrName>
+                                          <p:attrName>ppt_y</p:attrName>
+                                        </p:attrNameLst>
+                                      </p:cBhvr>
+                                      <p:rCtr x="15039" y="0"/>
+                                    </p:animMotion>
+                                  </p:childTnLst>
+                                </p:cTn>
+                              </p:par>
+                              <p:par>
+                                <p:cTn id="51" presetID="2" presetClass="exit" presetSubtype="8" fill="hold" nodeType="withEffect">
+                                  <p:stCondLst>
+                                    <p:cond delay="0"/>
+                                  </p:stCondLst>
+                                  <p:childTnLst>
+                                    <p:anim calcmode="lin" valueType="num">
+                                      <p:cBhvr additive="base">
+                                        <p:cTn id="52" dur="500"/>
+                                        <p:tgtEl>
+                                          <p:spTgt spid="15"/>
+                                        </p:tgtEl>
+                                        <p:attrNameLst>
+                                          <p:attrName>ppt_x</p:attrName>
+                                        </p:attrNameLst>
+                                      </p:cBhvr>
+                                      <p:tavLst>
+                                        <p:tav tm="0">
+                                          <p:val>
+                                            <p:strVal val="ppt_x"/>
+                                          </p:val>
+                                        </p:tav>
+                                        <p:tav tm="100000">
+                                          <p:val>
+                                            <p:strVal val="0-ppt_w/2"/>
+                                          </p:val>
+                                        </p:tav>
+                                      </p:tavLst>
+                                    </p:anim>
+                                    <p:anim calcmode="lin" valueType="num">
+                                      <p:cBhvr additive="base">
+                                        <p:cTn id="53" dur="500"/>
+                                        <p:tgtEl>
+                                          <p:spTgt spid="15"/>
+                                        </p:tgtEl>
+                                        <p:attrNameLst>
+                                          <p:attrName>ppt_y</p:attrName>
+                                        </p:attrNameLst>
+                                      </p:cBhvr>
+                                      <p:tavLst>
+                                        <p:tav tm="0">
+                                          <p:val>
+                                            <p:strVal val="ppt_y"/>
+                                          </p:val>
+                                        </p:tav>
+                                        <p:tav tm="100000">
+                                          <p:val>
+                                            <p:strVal val="ppt_y"/>
+                                          </p:val>
+                                        </p:tav>
+                                      </p:tavLst>
+                                    </p:anim>
+                                    <p:set>
+                                      <p:cBhvr>
+                                        <p:cTn id="54" dur="1" fill="hold">
+                                          <p:stCondLst>
+                                            <p:cond delay="499"/>
+                                          </p:stCondLst>
+                                        </p:cTn>
+                                        <p:tgtEl>
+                                          <p:spTgt spid="15"/>
+                                        </p:tgtEl>
+                                        <p:attrNameLst>
+                                          <p:attrName>style.visibility</p:attrName>
+                                        </p:attrNameLst>
+                                      </p:cBhvr>
+                                      <p:to>
+                                        <p:strVal val="hidden"/>
+                                      </p:to>
+                                    </p:set>
+                                  </p:childTnLst>
+                                </p:cTn>
+                              </p:par>
+                              <p:par>
+                                <p:cTn id="55" presetID="2" presetClass="entr" presetSubtype="2" fill="hold" nodeType="withEffect">
+                                  <p:stCondLst>
+                                    <p:cond delay="0"/>
+                                  </p:stCondLst>
+                                  <p:childTnLst>
+                                    <p:set>
+                                      <p:cBhvr>
+                                        <p:cTn id="56" dur="1" fill="hold">
+                                          <p:stCondLst>
+                                            <p:cond delay="0"/>
+                                          </p:stCondLst>
+                                        </p:cTn>
+                                        <p:tgtEl>
+                                          <p:spTgt spid="21"/>
+                                        </p:tgtEl>
+                                        <p:attrNameLst>
+                                          <p:attrName>style.visibility</p:attrName>
+                                        </p:attrNameLst>
+                                      </p:cBhvr>
+                                      <p:to>
+                                        <p:strVal val="visible"/>
+                                      </p:to>
+                                    </p:set>
+                                    <p:anim calcmode="lin" valueType="num">
+                                      <p:cBhvr additive="base">
+                                        <p:cTn id="57" dur="500" fill="hold"/>
+                                        <p:tgtEl>
+                                          <p:spTgt spid="21"/>
+                                        </p:tgtEl>
+                                        <p:attrNameLst>
+                                          <p:attrName>ppt_x</p:attrName>
+                                        </p:attrNameLst>
+                                      </p:cBhvr>
+                                      <p:tavLst>
+                                        <p:tav tm="0">
+                                          <p:val>
+                                            <p:strVal val="1+#ppt_w/2"/>
+                                          </p:val>
+                                        </p:tav>
+                                        <p:tav tm="100000">
+                                          <p:val>
+                                            <p:strVal val="#ppt_x"/>
+                                          </p:val>
+                                        </p:tav>
+                                      </p:tavLst>
+                                    </p:anim>
+                                    <p:anim calcmode="lin" valueType="num">
+                                      <p:cBhvr additive="base">
+                                        <p:cTn id="58" dur="500" fill="hold"/>
+                                        <p:tgtEl>
+                                          <p:spTgt spid="21"/>
+                                        </p:tgtEl>
+                                        <p:attrNameLst>
+                                          <p:attrName>ppt_y</p:attrName>
+                                        </p:attrNameLst>
+                                      </p:cBhvr>
+                                      <p:tavLst>
+                                        <p:tav tm="0">
+                                          <p:val>
+                                            <p:strVal val="#ppt_y"/>
+                                          </p:val>
+                                        </p:tav>
+                                        <p:tav tm="100000">
+                                          <p:val>
+                                            <p:strVal val="#ppt_y"/>
+                                          </p:val>
+                                        </p:tav>
+                                      </p:tavLst>
+                                    </p:anim>
+                                  </p:childTnLst>
+                                </p:cTn>
+                              </p:par>
+                            </p:childTnLst>
+                          </p:cTn>
+                        </p:par>
+                      </p:childTnLst>
+                    </p:cTn>
+                  </p:par>
+                  <p:par>
+                    <p:cTn id="59" fill="hold">
+                      <p:stCondLst>
+                        <p:cond delay="indefinite"/>
+                      </p:stCondLst>
+                      <p:childTnLst>
+                        <p:par>
+                          <p:cTn id="60" fill="hold">
+                            <p:stCondLst>
+                              <p:cond delay="0"/>
+                            </p:stCondLst>
+                            <p:childTnLst>
+                              <p:par>
+                                <p:cTn id="61" presetID="42" presetClass="path" presetSubtype="0" accel="50000" decel="50000" fill="hold" grpId="3" nodeType="clickEffect">
+                                  <p:stCondLst>
+                                    <p:cond delay="0"/>
+                                  </p:stCondLst>
+                                  <p:childTnLst>
+                                    <p:animMotion origin="layout" path="M 0.60052 0.00185 L 0.90052 0.00185 " pathEditMode="relative" rAng="0" ptsTypes="AA">
+                                      <p:cBhvr>
+                                        <p:cTn id="62" dur="750" fill="hold"/>
+                                        <p:tgtEl>
+                                          <p:spTgt spid="7"/>
+                                        </p:tgtEl>
+                                        <p:attrNameLst>
+                                          <p:attrName>ppt_x</p:attrName>
+                                          <p:attrName>ppt_y</p:attrName>
+                                        </p:attrNameLst>
+                                      </p:cBhvr>
+                                      <p:rCtr x="14961" y="162"/>
+                                    </p:animMotion>
+                                  </p:childTnLst>
+                                </p:cTn>
+                              </p:par>
+                              <p:par>
+                                <p:cTn id="63" presetID="2" presetClass="exit" presetSubtype="8" fill="hold" nodeType="withEffect">
+                                  <p:stCondLst>
+                                    <p:cond delay="0"/>
+                                  </p:stCondLst>
+                                  <p:childTnLst>
+                                    <p:anim calcmode="lin" valueType="num">
+                                      <p:cBhvr additive="base">
+                                        <p:cTn id="64" dur="500"/>
+                                        <p:tgtEl>
+                                          <p:spTgt spid="21"/>
+                                        </p:tgtEl>
+                                        <p:attrNameLst>
+                                          <p:attrName>ppt_x</p:attrName>
+                                        </p:attrNameLst>
+                                      </p:cBhvr>
+                                      <p:tavLst>
+                                        <p:tav tm="0">
+                                          <p:val>
+                                            <p:strVal val="ppt_x"/>
+                                          </p:val>
+                                        </p:tav>
+                                        <p:tav tm="100000">
+                                          <p:val>
+                                            <p:strVal val="0-ppt_w/2"/>
+                                          </p:val>
+                                        </p:tav>
+                                      </p:tavLst>
+                                    </p:anim>
+                                    <p:anim calcmode="lin" valueType="num">
+                                      <p:cBhvr additive="base">
+                                        <p:cTn id="65" dur="500"/>
+                                        <p:tgtEl>
+                                          <p:spTgt spid="21"/>
+                                        </p:tgtEl>
+                                        <p:attrNameLst>
+                                          <p:attrName>ppt_y</p:attrName>
+                                        </p:attrNameLst>
+                                      </p:cBhvr>
+                                      <p:tavLst>
+                                        <p:tav tm="0">
+                                          <p:val>
+                                            <p:strVal val="ppt_y"/>
+                                          </p:val>
+                                        </p:tav>
+                                        <p:tav tm="100000">
+                                          <p:val>
+                                            <p:strVal val="ppt_y"/>
+                                          </p:val>
+                                        </p:tav>
+                                      </p:tavLst>
+                                    </p:anim>
+                                    <p:set>
+                                      <p:cBhvr>
+                                        <p:cTn id="66" dur="1" fill="hold">
+                                          <p:stCondLst>
+                                            <p:cond delay="499"/>
+                                          </p:stCondLst>
+                                        </p:cTn>
+                                        <p:tgtEl>
+                                          <p:spTgt spid="21"/>
+                                        </p:tgtEl>
+                                        <p:attrNameLst>
+                                          <p:attrName>style.visibility</p:attrName>
+                                        </p:attrNameLst>
+                                      </p:cBhvr>
+                                      <p:to>
+                                        <p:strVal val="hidden"/>
+                                      </p:to>
+                                    </p:set>
+                                  </p:childTnLst>
+                                </p:cTn>
+                              </p:par>
+                              <p:par>
+                                <p:cTn id="67" presetID="2" presetClass="entr" presetSubtype="2" fill="hold" nodeType="withEffect">
+                                  <p:stCondLst>
+                                    <p:cond delay="0"/>
+                                  </p:stCondLst>
+                                  <p:childTnLst>
+                                    <p:set>
+                                      <p:cBhvr>
+                                        <p:cTn id="68" dur="1" fill="hold">
+                                          <p:stCondLst>
+                                            <p:cond delay="0"/>
+                                          </p:stCondLst>
+                                        </p:cTn>
+                                        <p:tgtEl>
+                                          <p:spTgt spid="36"/>
+                                        </p:tgtEl>
+                                        <p:attrNameLst>
+                                          <p:attrName>style.visibility</p:attrName>
+                                        </p:attrNameLst>
+                                      </p:cBhvr>
+                                      <p:to>
+                                        <p:strVal val="visible"/>
+                                      </p:to>
+                                    </p:set>
+                                    <p:anim calcmode="lin" valueType="num">
+                                      <p:cBhvr additive="base">
+                                        <p:cTn id="69" dur="500" fill="hold"/>
+                                        <p:tgtEl>
+                                          <p:spTgt spid="36"/>
+                                        </p:tgtEl>
+                                        <p:attrNameLst>
+                                          <p:attrName>ppt_x</p:attrName>
+                                        </p:attrNameLst>
+                                      </p:cBhvr>
+                                      <p:tavLst>
+                                        <p:tav tm="0">
+                                          <p:val>
+                                            <p:strVal val="1+#ppt_w/2"/>
+                                          </p:val>
+                                        </p:tav>
+                                        <p:tav tm="100000">
+                                          <p:val>
+                                            <p:strVal val="#ppt_x"/>
+                                          </p:val>
+                                        </p:tav>
+                                      </p:tavLst>
+                                    </p:anim>
+                                    <p:anim calcmode="lin" valueType="num">
+                                      <p:cBhvr additive="base">
+                                        <p:cTn id="70" dur="500" fill="hold"/>
+                                        <p:tgtEl>
+                                          <p:spTgt spid="36"/>
+                                        </p:tgtEl>
+                                        <p:attrNameLst>
+                                          <p:attrName>ppt_y</p:attrName>
+                                        </p:attrNameLst>
+                                      </p:cBhvr>
+                                      <p:tavLst>
+                                        <p:tav tm="0">
+                                          <p:val>
+                                            <p:strVal val="#ppt_y"/>
+                                          </p:val>
+                                        </p:tav>
+                                        <p:tav tm="100000">
+                                          <p:val>
+                                            <p:strVal val="#ppt_y"/>
+                                          </p:val>
+                                        </p:tav>
+                                      </p:tavLst>
+                                    </p:anim>
+                                  </p:childTnLst>
+                                </p:cTn>
+                              </p:par>
+                            </p:childTnLst>
+                          </p:cTn>
+                        </p:par>
+                      </p:childTnLst>
+                    </p:cTn>
+                  </p:par>
+                </p:childTnLst>
+              </p:cTn>
+              <p:prevCondLst>
+                <p:cond evt="onPrev" delay="0">
+                  <p:tgtEl>
+                    <p:sldTgt/>
+                  </p:tgtEl>
+                </p:cond>
+              </p:prevCondLst>
+              <p:nextCondLst>
+                <p:cond evt="onNext" delay="0">
+                  <p:tgtEl>
+                    <p:sldTgt/>
+                  </p:tgtEl>
+                </p:cond>
+              </p:nextCondLst>
+            </p:seq>
+          </p:childTnLst>
+        </p:cTn>
+      </p:par>
+    </p:tnLst>
+    <p:bldLst>
+      <p:bldP spid="7" grpId="0" animBg="1"/>
+      <p:bldP spid="7" grpId="1" animBg="1"/>
+      <p:bldP spid="7" grpId="2" animBg="1"/>
+      <p:bldP spid="7" grpId="3" animBg="1"/>
+      <p:bldP spid="2" grpId="0"/>
+      <p:bldP spid="9" grpId="0"/>
+    </p:bldLst>
+  </p:timing>
+</p:sld>
+</file>
+
+<file path=ppt/slides/slide5.xml><?xml version="1.0" encoding="utf-8"?>
+<p:sld xmlns:a="http://schemas.openxmlformats.org/drawingml/2006/main" xmlns:r="http://schemas.openxmlformats.org/officeDocument/2006/relationships" xmlns:p="http://schemas.openxmlformats.org/presentationml/2006/main">
+  <p:cSld>
+    <p:bg>
+      <p:bgPr>
+        <a:blipFill dpi="0" rotWithShape="1">
+          <a:blip r:embed="rId3">
+            <a:lum/>
+          </a:blip>
+          <a:srcRect/>
+          <a:stretch>
+            <a:fillRect/>
+          </a:stretch>
+        </a:blipFill>
+        <a:effectLst/>
+      </p:bgPr>
+    </p:bg>
+    <p:spTree>
+      <p:nvGrpSpPr>
+        <p:cNvPr id="1" name=""/>
+        <p:cNvGrpSpPr/>
+        <p:nvPr/>
+      </p:nvGrpSpPr>
+      <p:grpSpPr>
+        <a:xfrm>
+          <a:off x="0" y="0"/>
+          <a:ext cx="0" cy="0"/>
+          <a:chOff x="0" y="0"/>
+          <a:chExt cx="0" cy="0"/>
+        </a:xfrm>
+      </p:grpSpPr>
+      <p:sp>
+        <p:nvSpPr>
+          <p:cNvPr id="2" name="Title 1">
+            <a:extLst>
+              <a:ext uri="{FF2B5EF4-FFF2-40B4-BE49-F238E27FC236}">
+                <a16:creationId xmlns:a16="http://schemas.microsoft.com/office/drawing/2014/main" id="{6E3231CE-1F76-40D7-9D25-FE76AD3CFE2C}"/>
+              </a:ext>
+            </a:extLst>
+          </p:cNvPr>
+          <p:cNvSpPr>
+            <a:spLocks noGrp="1"/>
+          </p:cNvSpPr>
+          <p:nvPr>
+            <p:ph type="title"/>
+          </p:nvPr>
+        </p:nvSpPr>
+        <p:spPr>
+          <a:xfrm>
+            <a:off x="838200" y="2873829"/>
+            <a:ext cx="10515600" cy="1110342"/>
+          </a:xfrm>
+        </p:spPr>
+        <p:txBody>
+          <a:bodyPr>
+            <a:noAutofit/>
+          </a:bodyPr>
+          <a:lstStyle/>
+          <a:p>
+            <a:pPr algn="ctr"/>
+            <a:r>
+              <a:rPr lang="en-US" sz="8800" dirty="0"/>
+              <a:t>ENTER THE ANALYSYS</a:t>
+            </a:r>
+          </a:p>
+        </p:txBody>
+      </p:sp>
+    </p:spTree>
+    <p:extLst>
+      <p:ext uri="{BB962C8B-B14F-4D97-AF65-F5344CB8AC3E}">
+        <p14:creationId xmlns:p14="http://schemas.microsoft.com/office/powerpoint/2010/main" val="2689404147"/>
+      </p:ext>
+    </p:extLst>
+  </p:cSld>
+  <p:clrMapOvr>
+    <a:masterClrMapping/>
+  </p:clrMapOvr>
+  <p:timing>
+    <p:tnLst>
+      <p:par>
+        <p:cTn id="1" dur="indefinite" restart="never" nodeType="tmRoot">
+          <p:childTnLst>
+            <p:seq concurrent="1" nextAc="seek">
+              <p:cTn id="2" dur="indefinite" nodeType="mainSeq">
+                <p:childTnLst>
+                  <p:par>
+                    <p:cTn id="3" fill="hold">
+                      <p:stCondLst>
+                        <p:cond delay="indefinite"/>
+                      </p:stCondLst>
+                      <p:childTnLst>
+                        <p:par>
+                          <p:cTn id="4" fill="hold">
+                            <p:stCondLst>
+                              <p:cond delay="0"/>
+                            </p:stCondLst>
+                            <p:childTnLst>
+                              <p:par>
+                                <p:cTn id="5" presetID="53" presetClass="entr" presetSubtype="16" fill="hold" grpId="0" nodeType="clickEffect">
+                                  <p:stCondLst>
+                                    <p:cond delay="0"/>
+                                  </p:stCondLst>
+                                  <p:childTnLst>
+                                    <p:set>
+                                      <p:cBhvr>
+                                        <p:cTn id="6" dur="1" fill="hold">
+                                          <p:stCondLst>
+                                            <p:cond delay="0"/>
+                                          </p:stCondLst>
+                                        </p:cTn>
+                                        <p:tgtEl>
+                                          <p:spTgt spid="2"/>
+                                        </p:tgtEl>
+                                        <p:attrNameLst>
+                                          <p:attrName>style.visibility</p:attrName>
+                                        </p:attrNameLst>
+                                      </p:cBhvr>
+                                      <p:to>
+                                        <p:strVal val="visible"/>
+                                      </p:to>
+                                    </p:set>
+                                    <p:anim calcmode="lin" valueType="num">
+                                      <p:cBhvr>
+                                        <p:cTn id="7" dur="500" fill="hold"/>
+                                        <p:tgtEl>
+                                          <p:spTgt spid="2"/>
+                                        </p:tgtEl>
+                                        <p:attrNameLst>
+                                          <p:attrName>ppt_w</p:attrName>
+                                        </p:attrNameLst>
+                                      </p:cBhvr>
+                                      <p:tavLst>
+                                        <p:tav tm="0">
+                                          <p:val>
+                                            <p:fltVal val="0"/>
+                                          </p:val>
+                                        </p:tav>
+                                        <p:tav tm="100000">
+                                          <p:val>
+                                            <p:strVal val="#ppt_w"/>
+                                          </p:val>
+                                        </p:tav>
+                                      </p:tavLst>
+                                    </p:anim>
+                                    <p:anim calcmode="lin" valueType="num">
+                                      <p:cBhvr>
+                                        <p:cTn id="8" dur="500" fill="hold"/>
+                                        <p:tgtEl>
+                                          <p:spTgt spid="2"/>
+                                        </p:tgtEl>
+                                        <p:attrNameLst>
+                                          <p:attrName>ppt_h</p:attrName>
+                                        </p:attrNameLst>
+                                      </p:cBhvr>
+                                      <p:tavLst>
+                                        <p:tav tm="0">
+                                          <p:val>
+                                            <p:fltVal val="0"/>
+                                          </p:val>
+                                        </p:tav>
+                                        <p:tav tm="100000">
+                                          <p:val>
+                                            <p:strVal val="#ppt_h"/>
+                                          </p:val>
+                                        </p:tav>
+                                      </p:tavLst>
+                                    </p:anim>
+                                    <p:animEffect transition="in" filter="fade">
+                                      <p:cBhvr>
+                                        <p:cTn id="9" dur="500"/>
+                                        <p:tgtEl>
+                                          <p:spTgt spid="2"/>
+                                        </p:tgtEl>
+                                      </p:cBhvr>
+                                    </p:animEffect>
+                                  </p:childTnLst>
+                                </p:cTn>
+                              </p:par>
+                              <p:par>
+                                <p:cTn id="10" presetID="10" presetClass="entr" presetSubtype="0" fill="hold" grpId="1" nodeType="withEffect">
+                                  <p:stCondLst>
+                                    <p:cond delay="0"/>
+                                  </p:stCondLst>
+                                  <p:childTnLst>
+                                    <p:set>
+                                      <p:cBhvr>
+                                        <p:cTn id="11" dur="1" fill="hold">
+                                          <p:stCondLst>
+                                            <p:cond delay="0"/>
+                                          </p:stCondLst>
+                                        </p:cTn>
+                                        <p:tgtEl>
+                                          <p:spTgt spid="2"/>
+                                        </p:tgtEl>
+                                        <p:attrNameLst>
+                                          <p:attrName>style.visibility</p:attrName>
+                                        </p:attrNameLst>
+                                      </p:cBhvr>
+                                      <p:to>
+                                        <p:strVal val="visible"/>
+                                      </p:to>
+                                    </p:set>
+                                    <p:animEffect transition="in" filter="fade">
+                                      <p:cBhvr>
+                                        <p:cTn id="12" dur="750"/>
+                                        <p:tgtEl>
+                                          <p:spTgt spid="2"/>
+                                        </p:tgtEl>
+                                      </p:cBhvr>
+                                    </p:animEffect>
+                                  </p:childTnLst>
+                                </p:cTn>
+                              </p:par>
+                            </p:childTnLst>
+                          </p:cTn>
+                        </p:par>
+                      </p:childTnLst>
+                    </p:cTn>
+                  </p:par>
+                </p:childTnLst>
+              </p:cTn>
+              <p:prevCondLst>
+                <p:cond evt="onPrev" delay="0">
+                  <p:tgtEl>
+                    <p:sldTgt/>
+                  </p:tgtEl>
+                </p:cond>
+              </p:prevCondLst>
+              <p:nextCondLst>
+                <p:cond evt="onNext" delay="0">
+                  <p:tgtEl>
+                    <p:sldTgt/>
+                  </p:tgtEl>
+                </p:cond>
+              </p:nextCondLst>
+            </p:seq>
+          </p:childTnLst>
+        </p:cTn>
+      </p:par>
+    </p:tnLst>
+    <p:bldLst>
+      <p:bldP spid="2" grpId="0"/>
+      <p:bldP spid="2" grpId="1"/>
+    </p:bldLst>
+  </p:timing>
+</p:sld>
+</file>
+
+<file path=ppt/slides/slide6.xml><?xml version="1.0" encoding="utf-8"?>
+<p:sld xmlns:a="http://schemas.openxmlformats.org/drawingml/2006/main" xmlns:r="http://schemas.openxmlformats.org/officeDocument/2006/relationships" xmlns:p="http://schemas.openxmlformats.org/presentationml/2006/main">
+  <p:cSld>
+    <p:bg>
+      <p:bgPr>
+        <a:blipFill dpi="0" rotWithShape="1">
+          <a:blip r:embed="rId3">
+            <a:lum/>
+          </a:blip>
+          <a:srcRect/>
+          <a:stretch>
+            <a:fillRect/>
+          </a:stretch>
+        </a:blipFill>
+        <a:effectLst/>
+      </p:bgPr>
+    </p:bg>
+    <p:spTree>
+      <p:nvGrpSpPr>
+        <p:cNvPr id="1" name=""/>
+        <p:cNvGrpSpPr/>
+        <p:nvPr/>
+      </p:nvGrpSpPr>
+      <p:grpSpPr>
+        <a:xfrm>
+          <a:off x="0" y="0"/>
+          <a:ext cx="0" cy="0"/>
+          <a:chOff x="0" y="0"/>
+          <a:chExt cx="0" cy="0"/>
+        </a:xfrm>
+      </p:grpSpPr>
+      <p:sp>
+        <p:nvSpPr>
+          <p:cNvPr id="2" name="Title 1">
+            <a:extLst>
+              <a:ext uri="{FF2B5EF4-FFF2-40B4-BE49-F238E27FC236}">
+                <a16:creationId xmlns:a16="http://schemas.microsoft.com/office/drawing/2014/main" id="{6E3231CE-1F76-40D7-9D25-FE76AD3CFE2C}"/>
+              </a:ext>
+            </a:extLst>
+          </p:cNvPr>
+          <p:cNvSpPr>
+            <a:spLocks noGrp="1"/>
+          </p:cNvSpPr>
+          <p:nvPr>
+            <p:ph type="title"/>
+          </p:nvPr>
+        </p:nvSpPr>
+        <p:spPr>
+          <a:xfrm>
+            <a:off x="838200" y="1"/>
+            <a:ext cx="10515600" cy="774439"/>
+          </a:xfrm>
+        </p:spPr>
+        <p:txBody>
+          <a:bodyPr>
+            <a:noAutofit/>
+          </a:bodyPr>
+          <a:lstStyle/>
+          <a:p>
+            <a:pPr algn="ctr"/>
+            <a:r>
+              <a:rPr lang="en-US" dirty="0"/>
+              <a:t>Q: IS IT DANGEROUS OUT THERE?</a:t>
+            </a:r>
+          </a:p>
+        </p:txBody>
+      </p:sp>
+      <p:sp>
+        <p:nvSpPr>
+          <p:cNvPr id="3" name="Title 1">
+            <a:extLst>
+              <a:ext uri="{FF2B5EF4-FFF2-40B4-BE49-F238E27FC236}">
+                <a16:creationId xmlns:a16="http://schemas.microsoft.com/office/drawing/2014/main" id="{D7EB75B8-378C-4F47-9D25-344E16635D6B}"/>
+              </a:ext>
+            </a:extLst>
+          </p:cNvPr>
+          <p:cNvSpPr txBox="1">
+            <a:spLocks/>
+          </p:cNvSpPr>
+          <p:nvPr/>
+        </p:nvSpPr>
+        <p:spPr>
+          <a:xfrm>
+            <a:off x="2285999" y="354568"/>
+            <a:ext cx="9049139" cy="1110342"/>
+          </a:xfrm>
+          <a:prstGeom prst="rect">
+            <a:avLst/>
+          </a:prstGeom>
+        </p:spPr>
+        <p:txBody>
+          <a:bodyPr vert="horz" lIns="91440" tIns="45720" rIns="91440" bIns="45720" rtlCol="0" anchor="ctr">
+            <a:noAutofit/>
+          </a:bodyPr>
+          <a:lstStyle>
+            <a:lvl1pPr algn="l" defTabSz="914400" rtl="0" eaLnBrk="1" latinLnBrk="0" hangingPunct="1">
+              <a:lnSpc>
+                <a:spcPct val="90000"/>
+              </a:lnSpc>
+              <a:spcBef>
+                <a:spcPct val="0"/>
+              </a:spcBef>
+              <a:buNone/>
+              <a:defRPr sz="4400" kern="1200">
+                <a:solidFill>
+                  <a:schemeClr val="tx1"/>
+                </a:solidFill>
+                <a:latin typeface="+mj-lt"/>
+                <a:ea typeface="+mj-ea"/>
+                <a:cs typeface="+mj-cs"/>
+              </a:defRPr>
+            </a:lvl1pPr>
+          </a:lstStyle>
+          <a:p>
+            <a:r>
+              <a:rPr lang="en-US" dirty="0"/>
+              <a:t>A: VERY MUCH SO</a:t>
+            </a:r>
+          </a:p>
+        </p:txBody>
+      </p:sp>
+    </p:spTree>
+    <p:extLst>
+      <p:ext uri="{BB962C8B-B14F-4D97-AF65-F5344CB8AC3E}">
+        <p14:creationId xmlns:p14="http://schemas.microsoft.com/office/powerpoint/2010/main" val="2927454354"/>
+      </p:ext>
+    </p:extLst>
+  </p:cSld>
+  <p:clrMapOvr>
+    <a:masterClrMapping/>
+  </p:clrMapOvr>
+  <p:timing>
+    <p:tnLst>
+      <p:par>
+        <p:cTn id="1" dur="indefinite" restart="never" nodeType="tmRoot">
+          <p:childTnLst>
+            <p:seq concurrent="1" nextAc="seek">
+              <p:cTn id="2" dur="indefinite" nodeType="mainSeq">
+                <p:childTnLst>
+                  <p:par>
+                    <p:cTn id="3" fill="hold">
+                      <p:stCondLst>
+                        <p:cond delay="indefinite"/>
+                      </p:stCondLst>
+                      <p:childTnLst>
+                        <p:par>
+                          <p:cTn id="4" fill="hold">
+                            <p:stCondLst>
+                              <p:cond delay="0"/>
+                            </p:stCondLst>
+                            <p:childTnLst>
+                              <p:par>
+                                <p:cTn id="5" presetID="53" presetClass="entr" presetSubtype="16" fill="hold" grpId="0" nodeType="clickEffect">
+                                  <p:stCondLst>
+                                    <p:cond delay="0"/>
+                                  </p:stCondLst>
+                                  <p:childTnLst>
+                                    <p:set>
+                                      <p:cBhvr>
+                                        <p:cTn id="6" dur="1" fill="hold">
+                                          <p:stCondLst>
+                                            <p:cond delay="0"/>
+                                          </p:stCondLst>
+                                        </p:cTn>
+                                        <p:tgtEl>
+                                          <p:spTgt spid="2"/>
+                                        </p:tgtEl>
+                                        <p:attrNameLst>
+                                          <p:attrName>style.visibility</p:attrName>
+                                        </p:attrNameLst>
+                                      </p:cBhvr>
+                                      <p:to>
+                                        <p:strVal val="visible"/>
+                                      </p:to>
+                                    </p:set>
+                                    <p:anim calcmode="lin" valueType="num">
+                                      <p:cBhvr>
+                                        <p:cTn id="7" dur="500" fill="hold"/>
+                                        <p:tgtEl>
+                                          <p:spTgt spid="2"/>
+                                        </p:tgtEl>
+                                        <p:attrNameLst>
+                                          <p:attrName>ppt_w</p:attrName>
+                                        </p:attrNameLst>
+                                      </p:cBhvr>
+                                      <p:tavLst>
+                                        <p:tav tm="0">
+                                          <p:val>
+                                            <p:fltVal val="0"/>
+                                          </p:val>
+                                        </p:tav>
+                                        <p:tav tm="100000">
+                                          <p:val>
+                                            <p:strVal val="#ppt_w"/>
+                                          </p:val>
+                                        </p:tav>
+                                      </p:tavLst>
+                                    </p:anim>
+                                    <p:anim calcmode="lin" valueType="num">
+                                      <p:cBhvr>
+                                        <p:cTn id="8" dur="500" fill="hold"/>
+                                        <p:tgtEl>
+                                          <p:spTgt spid="2"/>
+                                        </p:tgtEl>
+                                        <p:attrNameLst>
+                                          <p:attrName>ppt_h</p:attrName>
+                                        </p:attrNameLst>
+                                      </p:cBhvr>
+                                      <p:tavLst>
+                                        <p:tav tm="0">
+                                          <p:val>
+                                            <p:fltVal val="0"/>
+                                          </p:val>
+                                        </p:tav>
+                                        <p:tav tm="100000">
+                                          <p:val>
+                                            <p:strVal val="#ppt_h"/>
+                                          </p:val>
+                                        </p:tav>
+                                      </p:tavLst>
+                                    </p:anim>
+                                    <p:animEffect transition="in" filter="fade">
+                                      <p:cBhvr>
+                                        <p:cTn id="9" dur="500"/>
+                                        <p:tgtEl>
+                                          <p:spTgt spid="2"/>
+                                        </p:tgtEl>
+                                      </p:cBhvr>
+                                    </p:animEffect>
+                                  </p:childTnLst>
+                                </p:cTn>
+                              </p:par>
+                            </p:childTnLst>
+                          </p:cTn>
+                        </p:par>
+                      </p:childTnLst>
+                    </p:cTn>
+                  </p:par>
+                  <p:par>
+                    <p:cTn id="10" fill="hold">
+                      <p:stCondLst>
+                        <p:cond delay="indefinite"/>
+                      </p:stCondLst>
+                      <p:childTnLst>
+                        <p:par>
+                          <p:cTn id="11" fill="hold">
+                            <p:stCondLst>
+                              <p:cond delay="0"/>
+                            </p:stCondLst>
+                            <p:childTnLst>
+                              <p:par>
+                                <p:cTn id="12" presetID="53" presetClass="entr" presetSubtype="16" fill="hold" grpId="0" nodeType="clickEffect">
+                                  <p:stCondLst>
+                                    <p:cond delay="0"/>
+                                  </p:stCondLst>
+                                  <p:childTnLst>
+                                    <p:set>
+                                      <p:cBhvr>
+                                        <p:cTn id="13" dur="1" fill="hold">
+                                          <p:stCondLst>
+                                            <p:cond delay="0"/>
+                                          </p:stCondLst>
+                                        </p:cTn>
+                                        <p:tgtEl>
+                                          <p:spTgt spid="3"/>
+                                        </p:tgtEl>
+                                        <p:attrNameLst>
+                                          <p:attrName>style.visibility</p:attrName>
+                                        </p:attrNameLst>
+                                      </p:cBhvr>
+                                      <p:to>
+                                        <p:strVal val="visible"/>
+                                      </p:to>
+                                    </p:set>
+                                    <p:anim calcmode="lin" valueType="num">
+                                      <p:cBhvr>
+                                        <p:cTn id="14" dur="500" fill="hold"/>
+                                        <p:tgtEl>
+                                          <p:spTgt spid="3"/>
+                                        </p:tgtEl>
+                                        <p:attrNameLst>
+                                          <p:attrName>ppt_w</p:attrName>
+                                        </p:attrNameLst>
+                                      </p:cBhvr>
+                                      <p:tavLst>
+                                        <p:tav tm="0">
+                                          <p:val>
+                                            <p:fltVal val="0"/>
+                                          </p:val>
+                                        </p:tav>
+                                        <p:tav tm="100000">
+                                          <p:val>
+                                            <p:strVal val="#ppt_w"/>
+                                          </p:val>
+                                        </p:tav>
+                                      </p:tavLst>
+                                    </p:anim>
+                                    <p:anim calcmode="lin" valueType="num">
+                                      <p:cBhvr>
+                                        <p:cTn id="15" dur="500" fill="hold"/>
+                                        <p:tgtEl>
+                                          <p:spTgt spid="3"/>
+                                        </p:tgtEl>
+                                        <p:attrNameLst>
+                                          <p:attrName>ppt_h</p:attrName>
+                                        </p:attrNameLst>
+                                      </p:cBhvr>
+                                      <p:tavLst>
+                                        <p:tav tm="0">
+                                          <p:val>
+                                            <p:fltVal val="0"/>
+                                          </p:val>
+                                        </p:tav>
+                                        <p:tav tm="100000">
+                                          <p:val>
+                                            <p:strVal val="#ppt_h"/>
+                                          </p:val>
+                                        </p:tav>
+                                      </p:tavLst>
+                                    </p:anim>
+                                    <p:animEffect transition="in" filter="fade">
+                                      <p:cBhvr>
+                                        <p:cTn id="16" dur="500"/>
+                                        <p:tgtEl>
+                                          <p:spTgt spid="3"/>
+                                        </p:tgtEl>
+                                      </p:cBhvr>
+                                    </p:animEffect>
+                                  </p:childTnLst>
+                                </p:cTn>
+                              </p:par>
+                            </p:childTnLst>
+                          </p:cTn>
+                        </p:par>
+                      </p:childTnLst>
+                    </p:cTn>
+                  </p:par>
+                </p:childTnLst>
+              </p:cTn>
+              <p:prevCondLst>
+                <p:cond evt="onPrev" delay="0">
+                  <p:tgtEl>
+                    <p:sldTgt/>
+                  </p:tgtEl>
+                </p:cond>
+              </p:prevCondLst>
+              <p:nextCondLst>
+                <p:cond evt="onNext" delay="0">
+                  <p:tgtEl>
+                    <p:sldTgt/>
+                  </p:tgtEl>
+                </p:cond>
+              </p:nextCondLst>
+            </p:seq>
+          </p:childTnLst>
+        </p:cTn>
+      </p:par>
+    </p:tnLst>
+    <p:bldLst>
+      <p:bldP spid="2" grpId="0"/>
+      <p:bldP spid="3" grpId="0"/>
     </p:bldLst>
   </p:timing>
 </p:sld>

--- a/Presentation/Gun Violence.pptx
+++ b/Presentation/Gun Violence.pptx
@@ -5,7 +5,7 @@
     <p:sldMasterId id="2147483660" r:id="rId1"/>
   </p:sldMasterIdLst>
   <p:notesMasterIdLst>
-    <p:notesMasterId r:id="rId8"/>
+    <p:notesMasterId r:id="rId12"/>
   </p:notesMasterIdLst>
   <p:sldIdLst>
     <p:sldId id="256" r:id="rId2"/>
@@ -14,6 +14,10 @@
     <p:sldId id="259" r:id="rId5"/>
     <p:sldId id="260" r:id="rId6"/>
     <p:sldId id="261" r:id="rId7"/>
+    <p:sldId id="262" r:id="rId8"/>
+    <p:sldId id="263" r:id="rId9"/>
+    <p:sldId id="264" r:id="rId10"/>
+    <p:sldId id="265" r:id="rId11"/>
   </p:sldIdLst>
   <p:sldSz cx="12192000" cy="6858000"/>
   <p:notesSz cx="6858000" cy="9144000"/>
@@ -580,6 +584,90 @@
 </p:notes>
 </file>
 
+<file path=ppt/notesSlides/notesSlide10.xml><?xml version="1.0" encoding="utf-8"?>
+<p:notes xmlns:a="http://schemas.openxmlformats.org/drawingml/2006/main" xmlns:r="http://schemas.openxmlformats.org/officeDocument/2006/relationships" xmlns:p="http://schemas.openxmlformats.org/presentationml/2006/main">
+  <p:cSld>
+    <p:spTree>
+      <p:nvGrpSpPr>
+        <p:cNvPr id="1" name=""/>
+        <p:cNvGrpSpPr/>
+        <p:nvPr/>
+      </p:nvGrpSpPr>
+      <p:grpSpPr>
+        <a:xfrm>
+          <a:off x="0" y="0"/>
+          <a:ext cx="0" cy="0"/>
+          <a:chOff x="0" y="0"/>
+          <a:chExt cx="0" cy="0"/>
+        </a:xfrm>
+      </p:grpSpPr>
+      <p:sp>
+        <p:nvSpPr>
+          <p:cNvPr id="2" name="Slide Image Placeholder 1"/>
+          <p:cNvSpPr>
+            <a:spLocks noGrp="1" noRot="1" noChangeAspect="1"/>
+          </p:cNvSpPr>
+          <p:nvPr>
+            <p:ph type="sldImg"/>
+          </p:nvPr>
+        </p:nvSpPr>
+        <p:spPr/>
+      </p:sp>
+      <p:sp>
+        <p:nvSpPr>
+          <p:cNvPr id="3" name="Notes Placeholder 2"/>
+          <p:cNvSpPr>
+            <a:spLocks noGrp="1"/>
+          </p:cNvSpPr>
+          <p:nvPr>
+            <p:ph type="body" idx="1"/>
+          </p:nvPr>
+        </p:nvSpPr>
+        <p:spPr/>
+        <p:txBody>
+          <a:bodyPr/>
+          <a:lstStyle/>
+          <a:p>
+            <a:endParaRPr lang="en-US" dirty="0"/>
+          </a:p>
+        </p:txBody>
+      </p:sp>
+      <p:sp>
+        <p:nvSpPr>
+          <p:cNvPr id="4" name="Slide Number Placeholder 3"/>
+          <p:cNvSpPr>
+            <a:spLocks noGrp="1"/>
+          </p:cNvSpPr>
+          <p:nvPr>
+            <p:ph type="sldNum" sz="quarter" idx="5"/>
+          </p:nvPr>
+        </p:nvSpPr>
+        <p:spPr/>
+        <p:txBody>
+          <a:bodyPr/>
+          <a:lstStyle/>
+          <a:p>
+            <a:fld id="{15736144-2E2E-483E-8D4E-7A087D64C6CE}" type="slidenum">
+              <a:rPr lang="en-US" smtClean="0"/>
+              <a:t>10</a:t>
+            </a:fld>
+            <a:endParaRPr lang="en-US"/>
+          </a:p>
+        </p:txBody>
+      </p:sp>
+    </p:spTree>
+    <p:extLst>
+      <p:ext uri="{BB962C8B-B14F-4D97-AF65-F5344CB8AC3E}">
+        <p14:creationId xmlns:p14="http://schemas.microsoft.com/office/powerpoint/2010/main" val="1369824488"/>
+      </p:ext>
+    </p:extLst>
+  </p:cSld>
+  <p:clrMapOvr>
+    <a:masterClrMapping/>
+  </p:clrMapOvr>
+</p:notes>
+</file>
+
 <file path=ppt/notesSlides/notesSlide2.xml><?xml version="1.0" encoding="utf-8"?>
 <p:notes xmlns:a="http://schemas.openxmlformats.org/drawingml/2006/main" xmlns:r="http://schemas.openxmlformats.org/officeDocument/2006/relationships" xmlns:p="http://schemas.openxmlformats.org/presentationml/2006/main">
   <p:cSld>
@@ -1078,7 +1166,7 @@
           <a:p>
             <a:r>
               <a:rPr lang="en-US" dirty="0"/>
-              <a:t>[Narrator] Let the auditory know that now comes the most interesting part</a:t>
+              <a:t>[Narrator] A couple of words about upcoming data – more incidents means more danger [Click] -&gt; Answer appears -&gt; State stats appears -&gt; [Narrator] Discuss the statistics, be ready to explain the lack of per capita data. [Click] -&gt; City data appears -&gt; [Narrator] Discuss the statistics, mention Chicago and its mafia history</a:t>
             </a:r>
           </a:p>
         </p:txBody>
@@ -1110,6 +1198,308 @@
     <p:extLst>
       <p:ext uri="{BB962C8B-B14F-4D97-AF65-F5344CB8AC3E}">
         <p14:creationId xmlns:p14="http://schemas.microsoft.com/office/powerpoint/2010/main" val="1577796568"/>
+      </p:ext>
+    </p:extLst>
+  </p:cSld>
+  <p:clrMapOvr>
+    <a:masterClrMapping/>
+  </p:clrMapOvr>
+</p:notes>
+</file>
+
+<file path=ppt/notesSlides/notesSlide7.xml><?xml version="1.0" encoding="utf-8"?>
+<p:notes xmlns:a="http://schemas.openxmlformats.org/drawingml/2006/main" xmlns:r="http://schemas.openxmlformats.org/officeDocument/2006/relationships" xmlns:p="http://schemas.openxmlformats.org/presentationml/2006/main">
+  <p:cSld>
+    <p:spTree>
+      <p:nvGrpSpPr>
+        <p:cNvPr id="1" name=""/>
+        <p:cNvGrpSpPr/>
+        <p:nvPr/>
+      </p:nvGrpSpPr>
+      <p:grpSpPr>
+        <a:xfrm>
+          <a:off x="0" y="0"/>
+          <a:ext cx="0" cy="0"/>
+          <a:chOff x="0" y="0"/>
+          <a:chExt cx="0" cy="0"/>
+        </a:xfrm>
+      </p:grpSpPr>
+      <p:sp>
+        <p:nvSpPr>
+          <p:cNvPr id="2" name="Slide Image Placeholder 1"/>
+          <p:cNvSpPr>
+            <a:spLocks noGrp="1" noRot="1" noChangeAspect="1"/>
+          </p:cNvSpPr>
+          <p:nvPr>
+            <p:ph type="sldImg"/>
+          </p:nvPr>
+        </p:nvSpPr>
+        <p:spPr/>
+      </p:sp>
+      <p:sp>
+        <p:nvSpPr>
+          <p:cNvPr id="3" name="Notes Placeholder 2"/>
+          <p:cNvSpPr>
+            <a:spLocks noGrp="1"/>
+          </p:cNvSpPr>
+          <p:nvPr>
+            <p:ph type="body" idx="1"/>
+          </p:nvPr>
+        </p:nvSpPr>
+        <p:spPr/>
+        <p:txBody>
+          <a:bodyPr/>
+          <a:lstStyle/>
+          <a:p>
+            <a:r>
+              <a:rPr lang="en-US" dirty="0"/>
+              <a:t>[Narrator] A couple of words about upcoming data – incidents are categorized, one incident can belong to multiple categories [Click] -&gt; </a:t>
+            </a:r>
+            <a:r>
+              <a:rPr lang="en-US" b="1" dirty="0"/>
+              <a:t>Answer appears </a:t>
+            </a:r>
+            <a:r>
+              <a:rPr lang="en-US" dirty="0"/>
+              <a:t>-&gt; [Narrator] A couple of words about the generic and specific categories</a:t>
+            </a:r>
+          </a:p>
+        </p:txBody>
+      </p:sp>
+      <p:sp>
+        <p:nvSpPr>
+          <p:cNvPr id="4" name="Slide Number Placeholder 3"/>
+          <p:cNvSpPr>
+            <a:spLocks noGrp="1"/>
+          </p:cNvSpPr>
+          <p:nvPr>
+            <p:ph type="sldNum" sz="quarter" idx="5"/>
+          </p:nvPr>
+        </p:nvSpPr>
+        <p:spPr/>
+        <p:txBody>
+          <a:bodyPr/>
+          <a:lstStyle/>
+          <a:p>
+            <a:fld id="{15736144-2E2E-483E-8D4E-7A087D64C6CE}" type="slidenum">
+              <a:rPr lang="en-US" smtClean="0"/>
+              <a:t>7</a:t>
+            </a:fld>
+            <a:endParaRPr lang="en-US"/>
+          </a:p>
+        </p:txBody>
+      </p:sp>
+    </p:spTree>
+    <p:extLst>
+      <p:ext uri="{BB962C8B-B14F-4D97-AF65-F5344CB8AC3E}">
+        <p14:creationId xmlns:p14="http://schemas.microsoft.com/office/powerpoint/2010/main" val="1414092909"/>
+      </p:ext>
+    </p:extLst>
+  </p:cSld>
+  <p:clrMapOvr>
+    <a:masterClrMapping/>
+  </p:clrMapOvr>
+</p:notes>
+</file>
+
+<file path=ppt/notesSlides/notesSlide8.xml><?xml version="1.0" encoding="utf-8"?>
+<p:notes xmlns:a="http://schemas.openxmlformats.org/drawingml/2006/main" xmlns:r="http://schemas.openxmlformats.org/officeDocument/2006/relationships" xmlns:p="http://schemas.openxmlformats.org/presentationml/2006/main">
+  <p:cSld>
+    <p:spTree>
+      <p:nvGrpSpPr>
+        <p:cNvPr id="1" name=""/>
+        <p:cNvGrpSpPr/>
+        <p:nvPr/>
+      </p:nvGrpSpPr>
+      <p:grpSpPr>
+        <a:xfrm>
+          <a:off x="0" y="0"/>
+          <a:ext cx="0" cy="0"/>
+          <a:chOff x="0" y="0"/>
+          <a:chExt cx="0" cy="0"/>
+        </a:xfrm>
+      </p:grpSpPr>
+      <p:sp>
+        <p:nvSpPr>
+          <p:cNvPr id="2" name="Slide Image Placeholder 1"/>
+          <p:cNvSpPr>
+            <a:spLocks noGrp="1" noRot="1" noChangeAspect="1"/>
+          </p:cNvSpPr>
+          <p:nvPr>
+            <p:ph type="sldImg"/>
+          </p:nvPr>
+        </p:nvSpPr>
+        <p:spPr/>
+      </p:sp>
+      <p:sp>
+        <p:nvSpPr>
+          <p:cNvPr id="3" name="Notes Placeholder 2"/>
+          <p:cNvSpPr>
+            <a:spLocks noGrp="1"/>
+          </p:cNvSpPr>
+          <p:nvPr>
+            <p:ph type="body" idx="1"/>
+          </p:nvPr>
+        </p:nvSpPr>
+        <p:spPr/>
+        <p:txBody>
+          <a:bodyPr/>
+          <a:lstStyle/>
+          <a:p>
+            <a:r>
+              <a:rPr lang="en-US" dirty="0"/>
+              <a:t>[Narrator] Agree that words are not enough [Click] -&gt; </a:t>
+            </a:r>
+            <a:r>
+              <a:rPr lang="en-US" b="1" dirty="0"/>
+              <a:t>Answer appears </a:t>
+            </a:r>
+            <a:r>
+              <a:rPr lang="en-US" dirty="0"/>
+              <a:t>-&gt; [Narrator] Discuss the top categories from the left (mostly criminals), discuss the top categories from the right, notice some categories that skyrocket from the bottom (suicide, murder/suicide), note defensive use at the bottom</a:t>
+            </a:r>
+          </a:p>
+        </p:txBody>
+      </p:sp>
+      <p:sp>
+        <p:nvSpPr>
+          <p:cNvPr id="4" name="Slide Number Placeholder 3"/>
+          <p:cNvSpPr>
+            <a:spLocks noGrp="1"/>
+          </p:cNvSpPr>
+          <p:nvPr>
+            <p:ph type="sldNum" sz="quarter" idx="5"/>
+          </p:nvPr>
+        </p:nvSpPr>
+        <p:spPr/>
+        <p:txBody>
+          <a:bodyPr/>
+          <a:lstStyle/>
+          <a:p>
+            <a:fld id="{15736144-2E2E-483E-8D4E-7A087D64C6CE}" type="slidenum">
+              <a:rPr lang="en-US" smtClean="0"/>
+              <a:t>8</a:t>
+            </a:fld>
+            <a:endParaRPr lang="en-US"/>
+          </a:p>
+        </p:txBody>
+      </p:sp>
+    </p:spTree>
+    <p:extLst>
+      <p:ext uri="{BB962C8B-B14F-4D97-AF65-F5344CB8AC3E}">
+        <p14:creationId xmlns:p14="http://schemas.microsoft.com/office/powerpoint/2010/main" val="3059376827"/>
+      </p:ext>
+    </p:extLst>
+  </p:cSld>
+  <p:clrMapOvr>
+    <a:masterClrMapping/>
+  </p:clrMapOvr>
+</p:notes>
+</file>
+
+<file path=ppt/notesSlides/notesSlide9.xml><?xml version="1.0" encoding="utf-8"?>
+<p:notes xmlns:a="http://schemas.openxmlformats.org/drawingml/2006/main" xmlns:r="http://schemas.openxmlformats.org/officeDocument/2006/relationships" xmlns:p="http://schemas.openxmlformats.org/presentationml/2006/main">
+  <p:cSld>
+    <p:spTree>
+      <p:nvGrpSpPr>
+        <p:cNvPr id="1" name=""/>
+        <p:cNvGrpSpPr/>
+        <p:nvPr/>
+      </p:nvGrpSpPr>
+      <p:grpSpPr>
+        <a:xfrm>
+          <a:off x="0" y="0"/>
+          <a:ext cx="0" cy="0"/>
+          <a:chOff x="0" y="0"/>
+          <a:chExt cx="0" cy="0"/>
+        </a:xfrm>
+      </p:grpSpPr>
+      <p:sp>
+        <p:nvSpPr>
+          <p:cNvPr id="2" name="Slide Image Placeholder 1"/>
+          <p:cNvSpPr>
+            <a:spLocks noGrp="1" noRot="1" noChangeAspect="1"/>
+          </p:cNvSpPr>
+          <p:nvPr>
+            <p:ph type="sldImg"/>
+          </p:nvPr>
+        </p:nvSpPr>
+        <p:spPr/>
+      </p:sp>
+      <p:sp>
+        <p:nvSpPr>
+          <p:cNvPr id="3" name="Notes Placeholder 2"/>
+          <p:cNvSpPr>
+            <a:spLocks noGrp="1"/>
+          </p:cNvSpPr>
+          <p:nvPr>
+            <p:ph type="body" idx="1"/>
+          </p:nvPr>
+        </p:nvSpPr>
+        <p:spPr/>
+        <p:txBody>
+          <a:bodyPr/>
+          <a:lstStyle/>
+          <a:p>
+            <a:r>
+              <a:rPr lang="en-US" dirty="0"/>
+              <a:t>[Narrator] Approach the idea of meta categories (combine categories into those on the higher level [Click] -&gt; </a:t>
+            </a:r>
+            <a:r>
+              <a:rPr lang="en-US" b="1" dirty="0"/>
+              <a:t>Answer appears </a:t>
+            </a:r>
+            <a:r>
+              <a:rPr lang="en-US" dirty="0"/>
+              <a:t>-&gt; [Narrator] A couple of words that a single incident most likely belong to the several meta categories. [Click] -&gt; </a:t>
+            </a:r>
+            <a:r>
+              <a:rPr lang="en-US" b="1" dirty="0"/>
+              <a:t>Chart appears </a:t>
+            </a:r>
+            <a:r>
+              <a:rPr lang="en-US" b="0" dirty="0"/>
+              <a:t>-&gt; [Click] -&gt; </a:t>
+            </a:r>
+            <a:r>
+              <a:rPr lang="en-US" b="1" dirty="0"/>
+              <a:t>Percent Chart appears </a:t>
+            </a:r>
+            <a:r>
+              <a:rPr lang="en-US" b="0" dirty="0"/>
+              <a:t>-&gt; [Narrator] Make two opposite conclusions: If guns are outlawed, only outlaws will have guns / defensive use</a:t>
+            </a:r>
+            <a:endParaRPr lang="en-US" b="1" dirty="0"/>
+          </a:p>
+        </p:txBody>
+      </p:sp>
+      <p:sp>
+        <p:nvSpPr>
+          <p:cNvPr id="4" name="Slide Number Placeholder 3"/>
+          <p:cNvSpPr>
+            <a:spLocks noGrp="1"/>
+          </p:cNvSpPr>
+          <p:nvPr>
+            <p:ph type="sldNum" sz="quarter" idx="5"/>
+          </p:nvPr>
+        </p:nvSpPr>
+        <p:spPr/>
+        <p:txBody>
+          <a:bodyPr/>
+          <a:lstStyle/>
+          <a:p>
+            <a:fld id="{15736144-2E2E-483E-8D4E-7A087D64C6CE}" type="slidenum">
+              <a:rPr lang="en-US" smtClean="0"/>
+              <a:t>9</a:t>
+            </a:fld>
+            <a:endParaRPr lang="en-US"/>
+          </a:p>
+        </p:txBody>
+      </p:sp>
+    </p:spTree>
+    <p:extLst>
+      <p:ext uri="{BB962C8B-B14F-4D97-AF65-F5344CB8AC3E}">
+        <p14:creationId xmlns:p14="http://schemas.microsoft.com/office/powerpoint/2010/main" val="2545714048"/>
       </p:ext>
     </p:extLst>
   </p:cSld>
@@ -4721,6 +5111,93 @@
 </p:sld>
 </file>
 
+<file path=ppt/slides/slide10.xml><?xml version="1.0" encoding="utf-8"?>
+<p:sld xmlns:a="http://schemas.openxmlformats.org/drawingml/2006/main" xmlns:r="http://schemas.openxmlformats.org/officeDocument/2006/relationships" xmlns:p="http://schemas.openxmlformats.org/presentationml/2006/main">
+  <p:cSld>
+    <p:bg>
+      <p:bgPr>
+        <a:blipFill dpi="0" rotWithShape="1">
+          <a:blip r:embed="rId3">
+            <a:lum/>
+          </a:blip>
+          <a:srcRect/>
+          <a:stretch>
+            <a:fillRect/>
+          </a:stretch>
+        </a:blipFill>
+        <a:effectLst/>
+      </p:bgPr>
+    </p:bg>
+    <p:spTree>
+      <p:nvGrpSpPr>
+        <p:cNvPr id="1" name=""/>
+        <p:cNvGrpSpPr/>
+        <p:nvPr/>
+      </p:nvGrpSpPr>
+      <p:grpSpPr>
+        <a:xfrm>
+          <a:off x="0" y="0"/>
+          <a:ext cx="0" cy="0"/>
+          <a:chOff x="0" y="0"/>
+          <a:chExt cx="0" cy="0"/>
+        </a:xfrm>
+      </p:grpSpPr>
+      <p:sp>
+        <p:nvSpPr>
+          <p:cNvPr id="2" name="Title 1">
+            <a:extLst>
+              <a:ext uri="{FF2B5EF4-FFF2-40B4-BE49-F238E27FC236}">
+                <a16:creationId xmlns:a16="http://schemas.microsoft.com/office/drawing/2014/main" id="{6E3231CE-1F76-40D7-9D25-FE76AD3CFE2C}"/>
+              </a:ext>
+            </a:extLst>
+          </p:cNvPr>
+          <p:cNvSpPr>
+            <a:spLocks noGrp="1"/>
+          </p:cNvSpPr>
+          <p:nvPr>
+            <p:ph type="title"/>
+          </p:nvPr>
+        </p:nvSpPr>
+        <p:spPr>
+          <a:xfrm>
+            <a:off x="838200" y="2873829"/>
+            <a:ext cx="10515600" cy="1110342"/>
+          </a:xfrm>
+          <a:solidFill>
+            <a:schemeClr val="bg1">
+              <a:lumMod val="85000"/>
+              <a:lumOff val="15000"/>
+              <a:alpha val="60000"/>
+            </a:schemeClr>
+          </a:solidFill>
+        </p:spPr>
+        <p:txBody>
+          <a:bodyPr>
+            <a:noAutofit/>
+          </a:bodyPr>
+          <a:lstStyle/>
+          <a:p>
+            <a:pPr algn="ctr"/>
+            <a:r>
+              <a:rPr lang="en-US" sz="8800" dirty="0"/>
+              <a:t>Q &amp; A</a:t>
+            </a:r>
+          </a:p>
+        </p:txBody>
+      </p:sp>
+    </p:spTree>
+    <p:extLst>
+      <p:ext uri="{BB962C8B-B14F-4D97-AF65-F5344CB8AC3E}">
+        <p14:creationId xmlns:p14="http://schemas.microsoft.com/office/powerpoint/2010/main" val="1692286201"/>
+      </p:ext>
+    </p:extLst>
+  </p:cSld>
+  <p:clrMapOvr>
+    <a:masterClrMapping/>
+  </p:clrMapOvr>
+</p:sld>
+</file>
+
 <file path=ppt/slides/slide2.xml><?xml version="1.0" encoding="utf-8"?>
 <p:sld xmlns:a="http://schemas.openxmlformats.org/drawingml/2006/main" xmlns:r="http://schemas.openxmlformats.org/officeDocument/2006/relationships" xmlns:p="http://schemas.openxmlformats.org/presentationml/2006/main">
   <p:cSld>
@@ -12641,6 +13118,9 @@
                     <p:cTn id="3" fill="hold">
                       <p:stCondLst>
                         <p:cond delay="indefinite"/>
+                        <p:cond evt="onBegin" delay="0">
+                          <p:tn val="2"/>
+                        </p:cond>
                       </p:stCondLst>
                       <p:childTnLst>
                         <p:par>
@@ -12650,7 +13130,7 @@
                             </p:stCondLst>
                             <p:childTnLst>
                               <p:par>
-                                <p:cTn id="5" presetID="53" presetClass="entr" presetSubtype="16" fill="hold" grpId="0" nodeType="clickEffect">
+                                <p:cTn id="5" presetID="53" presetClass="entr" presetSubtype="16" fill="hold" grpId="0" nodeType="withEffect">
                                   <p:stCondLst>
                                     <p:cond delay="0"/>
                                   </p:stCondLst>
@@ -12831,6 +13311,42 @@
           <a:chExt cx="0" cy="0"/>
         </a:xfrm>
       </p:grpSpPr>
+      <p:pic>
+        <p:nvPicPr>
+          <p:cNvPr id="7" name="Picture 6">
+            <a:extLst>
+              <a:ext uri="{FF2B5EF4-FFF2-40B4-BE49-F238E27FC236}">
+                <a16:creationId xmlns:a16="http://schemas.microsoft.com/office/drawing/2014/main" id="{AAC51E4D-6B87-47C5-B283-BABE2939246D}"/>
+              </a:ext>
+            </a:extLst>
+          </p:cNvPr>
+          <p:cNvPicPr>
+            <a:picLocks noChangeAspect="1"/>
+          </p:cNvPicPr>
+          <p:nvPr/>
+        </p:nvPicPr>
+        <p:blipFill>
+          <a:blip r:embed="rId4">
+            <a:extLst>
+              <a:ext uri="{28A0092B-C50C-407E-A947-70E740481C1C}">
+                <a14:useLocalDpi xmlns:a14="http://schemas.microsoft.com/office/drawing/2010/main" val="0"/>
+              </a:ext>
+            </a:extLst>
+          </a:blip>
+          <a:stretch>
+            <a:fillRect/>
+          </a:stretch>
+        </p:blipFill>
+        <p:spPr>
+          <a:xfrm>
+            <a:off x="1647502" y="0"/>
+            <a:ext cx="8896996" cy="6858000"/>
+          </a:xfrm>
+          <a:prstGeom prst="rect">
+            <a:avLst/>
+          </a:prstGeom>
+        </p:spPr>
+      </p:pic>
       <p:sp>
         <p:nvSpPr>
           <p:cNvPr id="2" name="Title 1">
@@ -12921,6 +13437,42 @@
           </a:p>
         </p:txBody>
       </p:sp>
+      <p:pic>
+        <p:nvPicPr>
+          <p:cNvPr id="9" name="Picture 8">
+            <a:extLst>
+              <a:ext uri="{FF2B5EF4-FFF2-40B4-BE49-F238E27FC236}">
+                <a16:creationId xmlns:a16="http://schemas.microsoft.com/office/drawing/2014/main" id="{408DE435-5A53-4C5A-BC3C-269F1C99D69F}"/>
+              </a:ext>
+            </a:extLst>
+          </p:cNvPr>
+          <p:cNvPicPr>
+            <a:picLocks noChangeAspect="1"/>
+          </p:cNvPicPr>
+          <p:nvPr/>
+        </p:nvPicPr>
+        <p:blipFill>
+          <a:blip r:embed="rId5">
+            <a:extLst>
+              <a:ext uri="{28A0092B-C50C-407E-A947-70E740481C1C}">
+                <a14:useLocalDpi xmlns:a14="http://schemas.microsoft.com/office/drawing/2010/main" val="0"/>
+              </a:ext>
+            </a:extLst>
+          </a:blip>
+          <a:stretch>
+            <a:fillRect/>
+          </a:stretch>
+        </p:blipFill>
+        <p:spPr>
+          <a:xfrm>
+            <a:off x="1663097" y="0"/>
+            <a:ext cx="8896995" cy="6858000"/>
+          </a:xfrm>
+          <a:prstGeom prst="rect">
+            <a:avLst/>
+          </a:prstGeom>
+        </p:spPr>
+      </p:pic>
     </p:spTree>
     <p:extLst>
       <p:ext uri="{BB962C8B-B14F-4D97-AF65-F5344CB8AC3E}">
@@ -12943,6 +13495,9 @@
                     <p:cTn id="3" fill="hold">
                       <p:stCondLst>
                         <p:cond delay="indefinite"/>
+                        <p:cond evt="onBegin" delay="0">
+                          <p:tn val="2"/>
+                        </p:cond>
                       </p:stCondLst>
                       <p:childTnLst>
                         <p:par>
@@ -12952,7 +13507,7 @@
                             </p:stCondLst>
                             <p:childTnLst>
                               <p:par>
-                                <p:cTn id="5" presetID="53" presetClass="entr" presetSubtype="16" fill="hold" grpId="0" nodeType="clickEffect">
+                                <p:cTn id="5" presetID="42" presetClass="entr" presetSubtype="0" fill="hold" grpId="0" nodeType="withEffect">
                                   <p:stCondLst>
                                     <p:cond delay="0"/>
                                   </p:stCondLst>
@@ -12975,60 +13530,60 @@
                                         <p:strVal val="visible"/>
                                       </p:to>
                                     </p:set>
+                                    <p:animEffect transition="in" filter="fade">
+                                      <p:cBhvr>
+                                        <p:cTn id="7" dur="1000"/>
+                                        <p:tgtEl>
+                                          <p:spTgt spid="2"/>
+                                        </p:tgtEl>
+                                      </p:cBhvr>
+                                    </p:animEffect>
                                     <p:anim calcmode="lin" valueType="num">
                                       <p:cBhvr>
-                                        <p:cTn id="7" dur="500" fill="hold"/>
+                                        <p:cTn id="8" dur="1000" fill="hold"/>
                                         <p:tgtEl>
                                           <p:spTgt spid="2"/>
                                         </p:tgtEl>
                                         <p:attrNameLst>
-                                          <p:attrName>ppt_w</p:attrName>
+                                          <p:attrName>ppt_x</p:attrName>
                                         </p:attrNameLst>
                                       </p:cBhvr>
                                       <p:tavLst>
                                         <p:tav tm="0">
                                           <p:val>
-                                            <p:fltVal val="0"/>
+                                            <p:strVal val="#ppt_x"/>
                                           </p:val>
                                         </p:tav>
                                         <p:tav tm="100000">
                                           <p:val>
-                                            <p:strVal val="#ppt_w"/>
+                                            <p:strVal val="#ppt_x"/>
                                           </p:val>
                                         </p:tav>
                                       </p:tavLst>
                                     </p:anim>
                                     <p:anim calcmode="lin" valueType="num">
                                       <p:cBhvr>
-                                        <p:cTn id="8" dur="500" fill="hold"/>
+                                        <p:cTn id="9" dur="1000" fill="hold"/>
                                         <p:tgtEl>
                                           <p:spTgt spid="2"/>
                                         </p:tgtEl>
                                         <p:attrNameLst>
-                                          <p:attrName>ppt_h</p:attrName>
+                                          <p:attrName>ppt_y</p:attrName>
                                         </p:attrNameLst>
                                       </p:cBhvr>
                                       <p:tavLst>
                                         <p:tav tm="0">
                                           <p:val>
-                                            <p:fltVal val="0"/>
+                                            <p:strVal val="#ppt_y+.1"/>
                                           </p:val>
                                         </p:tav>
                                         <p:tav tm="100000">
                                           <p:val>
-                                            <p:strVal val="#ppt_h"/>
+                                            <p:strVal val="#ppt_y"/>
                                           </p:val>
                                         </p:tav>
                                       </p:tavLst>
                                     </p:anim>
-                                    <p:animEffect transition="in" filter="fade">
-                                      <p:cBhvr>
-                                        <p:cTn id="9" dur="500"/>
-                                        <p:tgtEl>
-                                          <p:spTgt spid="2"/>
-                                        </p:tgtEl>
-                                      </p:cBhvr>
-                                    </p:animEffect>
                                   </p:childTnLst>
                                 </p:cTn>
                               </p:par>
@@ -13051,7 +13606,7 @@
                             </p:stCondLst>
                             <p:childTnLst>
                               <p:par>
-                                <p:cTn id="12" presetID="53" presetClass="entr" presetSubtype="16" fill="hold" grpId="0" nodeType="clickEffect">
+                                <p:cTn id="12" presetID="42" presetClass="entr" presetSubtype="0" fill="hold" grpId="0" nodeType="clickEffect">
                                   <p:stCondLst>
                                     <p:cond delay="0"/>
                                   </p:stCondLst>
@@ -13074,57 +13629,4847 @@
                                         <p:strVal val="visible"/>
                                       </p:to>
                                     </p:set>
+                                    <p:animEffect transition="in" filter="fade">
+                                      <p:cBhvr>
+                                        <p:cTn id="14" dur="1000"/>
+                                        <p:tgtEl>
+                                          <p:spTgt spid="3"/>
+                                        </p:tgtEl>
+                                      </p:cBhvr>
+                                    </p:animEffect>
                                     <p:anim calcmode="lin" valueType="num">
                                       <p:cBhvr>
-                                        <p:cTn id="14" dur="500" fill="hold"/>
+                                        <p:cTn id="15" dur="1000" fill="hold"/>
                                         <p:tgtEl>
                                           <p:spTgt spid="3"/>
                                         </p:tgtEl>
                                         <p:attrNameLst>
-                                          <p:attrName>ppt_w</p:attrName>
+                                          <p:attrName>ppt_x</p:attrName>
                                         </p:attrNameLst>
                                       </p:cBhvr>
                                       <p:tavLst>
                                         <p:tav tm="0">
                                           <p:val>
-                                            <p:fltVal val="0"/>
+                                            <p:strVal val="#ppt_x"/>
                                           </p:val>
                                         </p:tav>
                                         <p:tav tm="100000">
                                           <p:val>
-                                            <p:strVal val="#ppt_w"/>
+                                            <p:strVal val="#ppt_x"/>
                                           </p:val>
                                         </p:tav>
                                       </p:tavLst>
                                     </p:anim>
                                     <p:anim calcmode="lin" valueType="num">
                                       <p:cBhvr>
-                                        <p:cTn id="15" dur="500" fill="hold"/>
+                                        <p:cTn id="16" dur="1000" fill="hold"/>
                                         <p:tgtEl>
                                           <p:spTgt spid="3"/>
                                         </p:tgtEl>
                                         <p:attrNameLst>
-                                          <p:attrName>ppt_h</p:attrName>
+                                          <p:attrName>ppt_y</p:attrName>
                                         </p:attrNameLst>
                                       </p:cBhvr>
                                       <p:tavLst>
                                         <p:tav tm="0">
                                           <p:val>
-                                            <p:fltVal val="0"/>
+                                            <p:strVal val="#ppt_y+.1"/>
                                           </p:val>
                                         </p:tav>
                                         <p:tav tm="100000">
                                           <p:val>
-                                            <p:strVal val="#ppt_h"/>
+                                            <p:strVal val="#ppt_y"/>
                                           </p:val>
                                         </p:tav>
                                       </p:tavLst>
                                     </p:anim>
+                                  </p:childTnLst>
+                                </p:cTn>
+                              </p:par>
+                            </p:childTnLst>
+                          </p:cTn>
+                        </p:par>
+                        <p:par>
+                          <p:cTn id="17" fill="hold">
+                            <p:stCondLst>
+                              <p:cond delay="1000"/>
+                            </p:stCondLst>
+                            <p:childTnLst>
+                              <p:par>
+                                <p:cTn id="18" presetID="2" presetClass="entr" presetSubtype="4" fill="hold" nodeType="afterEffect">
+                                  <p:stCondLst>
+                                    <p:cond delay="750"/>
+                                  </p:stCondLst>
+                                  <p:childTnLst>
+                                    <p:set>
+                                      <p:cBhvr>
+                                        <p:cTn id="19" dur="1" fill="hold">
+                                          <p:stCondLst>
+                                            <p:cond delay="0"/>
+                                          </p:stCondLst>
+                                        </p:cTn>
+                                        <p:tgtEl>
+                                          <p:spTgt spid="7"/>
+                                        </p:tgtEl>
+                                        <p:attrNameLst>
+                                          <p:attrName>style.visibility</p:attrName>
+                                        </p:attrNameLst>
+                                      </p:cBhvr>
+                                      <p:to>
+                                        <p:strVal val="visible"/>
+                                      </p:to>
+                                    </p:set>
+                                    <p:anim calcmode="lin" valueType="num">
+                                      <p:cBhvr additive="base">
+                                        <p:cTn id="20" dur="500" fill="hold"/>
+                                        <p:tgtEl>
+                                          <p:spTgt spid="7"/>
+                                        </p:tgtEl>
+                                        <p:attrNameLst>
+                                          <p:attrName>ppt_x</p:attrName>
+                                        </p:attrNameLst>
+                                      </p:cBhvr>
+                                      <p:tavLst>
+                                        <p:tav tm="0">
+                                          <p:val>
+                                            <p:strVal val="#ppt_x"/>
+                                          </p:val>
+                                        </p:tav>
+                                        <p:tav tm="100000">
+                                          <p:val>
+                                            <p:strVal val="#ppt_x"/>
+                                          </p:val>
+                                        </p:tav>
+                                      </p:tavLst>
+                                    </p:anim>
+                                    <p:anim calcmode="lin" valueType="num">
+                                      <p:cBhvr additive="base">
+                                        <p:cTn id="21" dur="500" fill="hold"/>
+                                        <p:tgtEl>
+                                          <p:spTgt spid="7"/>
+                                        </p:tgtEl>
+                                        <p:attrNameLst>
+                                          <p:attrName>ppt_y</p:attrName>
+                                        </p:attrNameLst>
+                                      </p:cBhvr>
+                                      <p:tavLst>
+                                        <p:tav tm="0">
+                                          <p:val>
+                                            <p:strVal val="1+#ppt_h/2"/>
+                                          </p:val>
+                                        </p:tav>
+                                        <p:tav tm="100000">
+                                          <p:val>
+                                            <p:strVal val="#ppt_y"/>
+                                          </p:val>
+                                        </p:tav>
+                                      </p:tavLst>
+                                    </p:anim>
+                                  </p:childTnLst>
+                                </p:cTn>
+                              </p:par>
+                              <p:par>
+                                <p:cTn id="22" presetID="10" presetClass="exit" presetSubtype="0" fill="hold" grpId="1" nodeType="withEffect">
+                                  <p:stCondLst>
+                                    <p:cond delay="750"/>
+                                  </p:stCondLst>
+                                  <p:childTnLst>
+                                    <p:animEffect transition="out" filter="fade">
+                                      <p:cBhvr>
+                                        <p:cTn id="23" dur="500"/>
+                                        <p:tgtEl>
+                                          <p:spTgt spid="2"/>
+                                        </p:tgtEl>
+                                      </p:cBhvr>
+                                    </p:animEffect>
+                                    <p:set>
+                                      <p:cBhvr>
+                                        <p:cTn id="24" dur="1" fill="hold">
+                                          <p:stCondLst>
+                                            <p:cond delay="499"/>
+                                          </p:stCondLst>
+                                        </p:cTn>
+                                        <p:tgtEl>
+                                          <p:spTgt spid="2"/>
+                                        </p:tgtEl>
+                                        <p:attrNameLst>
+                                          <p:attrName>style.visibility</p:attrName>
+                                        </p:attrNameLst>
+                                      </p:cBhvr>
+                                      <p:to>
+                                        <p:strVal val="hidden"/>
+                                      </p:to>
+                                    </p:set>
+                                  </p:childTnLst>
+                                </p:cTn>
+                              </p:par>
+                              <p:par>
+                                <p:cTn id="25" presetID="10" presetClass="exit" presetSubtype="0" fill="hold" grpId="1" nodeType="withEffect">
+                                  <p:stCondLst>
+                                    <p:cond delay="750"/>
+                                  </p:stCondLst>
+                                  <p:childTnLst>
+                                    <p:animEffect transition="out" filter="fade">
+                                      <p:cBhvr>
+                                        <p:cTn id="26" dur="500"/>
+                                        <p:tgtEl>
+                                          <p:spTgt spid="3"/>
+                                        </p:tgtEl>
+                                      </p:cBhvr>
+                                    </p:animEffect>
+                                    <p:set>
+                                      <p:cBhvr>
+                                        <p:cTn id="27" dur="1" fill="hold">
+                                          <p:stCondLst>
+                                            <p:cond delay="499"/>
+                                          </p:stCondLst>
+                                        </p:cTn>
+                                        <p:tgtEl>
+                                          <p:spTgt spid="3"/>
+                                        </p:tgtEl>
+                                        <p:attrNameLst>
+                                          <p:attrName>style.visibility</p:attrName>
+                                        </p:attrNameLst>
+                                      </p:cBhvr>
+                                      <p:to>
+                                        <p:strVal val="hidden"/>
+                                      </p:to>
+                                    </p:set>
+                                  </p:childTnLst>
+                                </p:cTn>
+                              </p:par>
+                            </p:childTnLst>
+                          </p:cTn>
+                        </p:par>
+                      </p:childTnLst>
+                    </p:cTn>
+                  </p:par>
+                  <p:par>
+                    <p:cTn id="28" fill="hold">
+                      <p:stCondLst>
+                        <p:cond delay="indefinite"/>
+                      </p:stCondLst>
+                      <p:childTnLst>
+                        <p:par>
+                          <p:cTn id="29" fill="hold">
+                            <p:stCondLst>
+                              <p:cond delay="0"/>
+                            </p:stCondLst>
+                            <p:childTnLst>
+                              <p:par>
+                                <p:cTn id="30" presetID="2" presetClass="entr" presetSubtype="4" fill="hold" nodeType="clickEffect">
+                                  <p:stCondLst>
+                                    <p:cond delay="0"/>
+                                  </p:stCondLst>
+                                  <p:childTnLst>
+                                    <p:set>
+                                      <p:cBhvr>
+                                        <p:cTn id="31" dur="1" fill="hold">
+                                          <p:stCondLst>
+                                            <p:cond delay="0"/>
+                                          </p:stCondLst>
+                                        </p:cTn>
+                                        <p:tgtEl>
+                                          <p:spTgt spid="9"/>
+                                        </p:tgtEl>
+                                        <p:attrNameLst>
+                                          <p:attrName>style.visibility</p:attrName>
+                                        </p:attrNameLst>
+                                      </p:cBhvr>
+                                      <p:to>
+                                        <p:strVal val="visible"/>
+                                      </p:to>
+                                    </p:set>
+                                    <p:anim calcmode="lin" valueType="num">
+                                      <p:cBhvr additive="base">
+                                        <p:cTn id="32" dur="500" fill="hold"/>
+                                        <p:tgtEl>
+                                          <p:spTgt spid="9"/>
+                                        </p:tgtEl>
+                                        <p:attrNameLst>
+                                          <p:attrName>ppt_x</p:attrName>
+                                        </p:attrNameLst>
+                                      </p:cBhvr>
+                                      <p:tavLst>
+                                        <p:tav tm="0">
+                                          <p:val>
+                                            <p:strVal val="#ppt_x"/>
+                                          </p:val>
+                                        </p:tav>
+                                        <p:tav tm="100000">
+                                          <p:val>
+                                            <p:strVal val="#ppt_x"/>
+                                          </p:val>
+                                        </p:tav>
+                                      </p:tavLst>
+                                    </p:anim>
+                                    <p:anim calcmode="lin" valueType="num">
+                                      <p:cBhvr additive="base">
+                                        <p:cTn id="33" dur="500" fill="hold"/>
+                                        <p:tgtEl>
+                                          <p:spTgt spid="9"/>
+                                        </p:tgtEl>
+                                        <p:attrNameLst>
+                                          <p:attrName>ppt_y</p:attrName>
+                                        </p:attrNameLst>
+                                      </p:cBhvr>
+                                      <p:tavLst>
+                                        <p:tav tm="0">
+                                          <p:val>
+                                            <p:strVal val="1+#ppt_h/2"/>
+                                          </p:val>
+                                        </p:tav>
+                                        <p:tav tm="100000">
+                                          <p:val>
+                                            <p:strVal val="#ppt_y"/>
+                                          </p:val>
+                                        </p:tav>
+                                      </p:tavLst>
+                                    </p:anim>
+                                  </p:childTnLst>
+                                </p:cTn>
+                              </p:par>
+                              <p:par>
+                                <p:cTn id="34" presetID="2" presetClass="exit" presetSubtype="1" fill="hold" nodeType="withEffect">
+                                  <p:stCondLst>
+                                    <p:cond delay="0"/>
+                                  </p:stCondLst>
+                                  <p:childTnLst>
+                                    <p:anim calcmode="lin" valueType="num">
+                                      <p:cBhvr additive="base">
+                                        <p:cTn id="35" dur="500"/>
+                                        <p:tgtEl>
+                                          <p:spTgt spid="7"/>
+                                        </p:tgtEl>
+                                        <p:attrNameLst>
+                                          <p:attrName>ppt_x</p:attrName>
+                                        </p:attrNameLst>
+                                      </p:cBhvr>
+                                      <p:tavLst>
+                                        <p:tav tm="0">
+                                          <p:val>
+                                            <p:strVal val="ppt_x"/>
+                                          </p:val>
+                                        </p:tav>
+                                        <p:tav tm="100000">
+                                          <p:val>
+                                            <p:strVal val="ppt_x"/>
+                                          </p:val>
+                                        </p:tav>
+                                      </p:tavLst>
+                                    </p:anim>
+                                    <p:anim calcmode="lin" valueType="num">
+                                      <p:cBhvr additive="base">
+                                        <p:cTn id="36" dur="500"/>
+                                        <p:tgtEl>
+                                          <p:spTgt spid="7"/>
+                                        </p:tgtEl>
+                                        <p:attrNameLst>
+                                          <p:attrName>ppt_y</p:attrName>
+                                        </p:attrNameLst>
+                                      </p:cBhvr>
+                                      <p:tavLst>
+                                        <p:tav tm="0">
+                                          <p:val>
+                                            <p:strVal val="ppt_y"/>
+                                          </p:val>
+                                        </p:tav>
+                                        <p:tav tm="100000">
+                                          <p:val>
+                                            <p:strVal val="0-ppt_h/2"/>
+                                          </p:val>
+                                        </p:tav>
+                                      </p:tavLst>
+                                    </p:anim>
+                                    <p:set>
+                                      <p:cBhvr>
+                                        <p:cTn id="37" dur="1" fill="hold">
+                                          <p:stCondLst>
+                                            <p:cond delay="499"/>
+                                          </p:stCondLst>
+                                        </p:cTn>
+                                        <p:tgtEl>
+                                          <p:spTgt spid="7"/>
+                                        </p:tgtEl>
+                                        <p:attrNameLst>
+                                          <p:attrName>style.visibility</p:attrName>
+                                        </p:attrNameLst>
+                                      </p:cBhvr>
+                                      <p:to>
+                                        <p:strVal val="hidden"/>
+                                      </p:to>
+                                    </p:set>
+                                  </p:childTnLst>
+                                </p:cTn>
+                              </p:par>
+                            </p:childTnLst>
+                          </p:cTn>
+                        </p:par>
+                      </p:childTnLst>
+                    </p:cTn>
+                  </p:par>
+                </p:childTnLst>
+              </p:cTn>
+              <p:prevCondLst>
+                <p:cond evt="onPrev" delay="0">
+                  <p:tgtEl>
+                    <p:sldTgt/>
+                  </p:tgtEl>
+                </p:cond>
+              </p:prevCondLst>
+              <p:nextCondLst>
+                <p:cond evt="onNext" delay="0">
+                  <p:tgtEl>
+                    <p:sldTgt/>
+                  </p:tgtEl>
+                </p:cond>
+              </p:nextCondLst>
+            </p:seq>
+          </p:childTnLst>
+        </p:cTn>
+      </p:par>
+    </p:tnLst>
+    <p:bldLst>
+      <p:bldP spid="2" grpId="0"/>
+      <p:bldP spid="2" grpId="1"/>
+      <p:bldP spid="3" grpId="0"/>
+      <p:bldP spid="3" grpId="1"/>
+    </p:bldLst>
+  </p:timing>
+</p:sld>
+</file>
+
+<file path=ppt/slides/slide7.xml><?xml version="1.0" encoding="utf-8"?>
+<p:sld xmlns:a="http://schemas.openxmlformats.org/drawingml/2006/main" xmlns:r="http://schemas.openxmlformats.org/officeDocument/2006/relationships" xmlns:p="http://schemas.openxmlformats.org/presentationml/2006/main">
+  <p:cSld>
+    <p:bg>
+      <p:bgPr>
+        <a:blipFill dpi="0" rotWithShape="1">
+          <a:blip r:embed="rId3">
+            <a:lum/>
+          </a:blip>
+          <a:srcRect/>
+          <a:stretch>
+            <a:fillRect/>
+          </a:stretch>
+        </a:blipFill>
+        <a:effectLst/>
+      </p:bgPr>
+    </p:bg>
+    <p:spTree>
+      <p:nvGrpSpPr>
+        <p:cNvPr id="1" name=""/>
+        <p:cNvGrpSpPr/>
+        <p:nvPr/>
+      </p:nvGrpSpPr>
+      <p:grpSpPr>
+        <a:xfrm>
+          <a:off x="0" y="0"/>
+          <a:ext cx="0" cy="0"/>
+          <a:chOff x="0" y="0"/>
+          <a:chExt cx="0" cy="0"/>
+        </a:xfrm>
+      </p:grpSpPr>
+      <p:sp>
+        <p:nvSpPr>
+          <p:cNvPr id="2" name="Title 1">
+            <a:extLst>
+              <a:ext uri="{FF2B5EF4-FFF2-40B4-BE49-F238E27FC236}">
+                <a16:creationId xmlns:a16="http://schemas.microsoft.com/office/drawing/2014/main" id="{6E3231CE-1F76-40D7-9D25-FE76AD3CFE2C}"/>
+              </a:ext>
+            </a:extLst>
+          </p:cNvPr>
+          <p:cNvSpPr>
+            <a:spLocks noGrp="1"/>
+          </p:cNvSpPr>
+          <p:nvPr>
+            <p:ph type="title"/>
+          </p:nvPr>
+        </p:nvSpPr>
+        <p:spPr>
+          <a:xfrm>
+            <a:off x="838200" y="1"/>
+            <a:ext cx="10515600" cy="774439"/>
+          </a:xfrm>
+        </p:spPr>
+        <p:txBody>
+          <a:bodyPr>
+            <a:noAutofit/>
+          </a:bodyPr>
+          <a:lstStyle/>
+          <a:p>
+            <a:pPr algn="ctr"/>
+            <a:r>
+              <a:rPr lang="en-US" dirty="0"/>
+              <a:t>Q: WHAT DO THEY USE GUNS FOR?</a:t>
+            </a:r>
+          </a:p>
+        </p:txBody>
+      </p:sp>
+      <p:sp>
+        <p:nvSpPr>
+          <p:cNvPr id="3" name="Title 1">
+            <a:extLst>
+              <a:ext uri="{FF2B5EF4-FFF2-40B4-BE49-F238E27FC236}">
+                <a16:creationId xmlns:a16="http://schemas.microsoft.com/office/drawing/2014/main" id="{D7EB75B8-378C-4F47-9D25-344E16635D6B}"/>
+              </a:ext>
+            </a:extLst>
+          </p:cNvPr>
+          <p:cNvSpPr txBox="1">
+            <a:spLocks/>
+          </p:cNvSpPr>
+          <p:nvPr/>
+        </p:nvSpPr>
+        <p:spPr>
+          <a:xfrm>
+            <a:off x="2118049" y="382559"/>
+            <a:ext cx="9049139" cy="1110342"/>
+          </a:xfrm>
+          <a:prstGeom prst="rect">
+            <a:avLst/>
+          </a:prstGeom>
+        </p:spPr>
+        <p:txBody>
+          <a:bodyPr vert="horz" lIns="91440" tIns="45720" rIns="91440" bIns="45720" rtlCol="0" anchor="ctr">
+            <a:noAutofit/>
+          </a:bodyPr>
+          <a:lstStyle>
+            <a:lvl1pPr algn="l" defTabSz="914400" rtl="0" eaLnBrk="1" latinLnBrk="0" hangingPunct="1">
+              <a:lnSpc>
+                <a:spcPct val="90000"/>
+              </a:lnSpc>
+              <a:spcBef>
+                <a:spcPct val="0"/>
+              </a:spcBef>
+              <a:buNone/>
+              <a:defRPr sz="4400" kern="1200">
+                <a:solidFill>
+                  <a:schemeClr val="tx1"/>
+                </a:solidFill>
+                <a:latin typeface="+mj-lt"/>
+                <a:ea typeface="+mj-ea"/>
+                <a:cs typeface="+mj-cs"/>
+              </a:defRPr>
+            </a:lvl1pPr>
+          </a:lstStyle>
+          <a:p>
+            <a:r>
+              <a:rPr lang="en-US" dirty="0"/>
+              <a:t>A: MOSTLY FOR CRIMINAL PURPOSES </a:t>
+            </a:r>
+          </a:p>
+        </p:txBody>
+      </p:sp>
+      <p:sp>
+        <p:nvSpPr>
+          <p:cNvPr id="6" name="Title 1">
+            <a:extLst>
+              <a:ext uri="{FF2B5EF4-FFF2-40B4-BE49-F238E27FC236}">
+                <a16:creationId xmlns:a16="http://schemas.microsoft.com/office/drawing/2014/main" id="{35631BC0-F666-4DBD-8B59-7A7F92A1B55A}"/>
+              </a:ext>
+            </a:extLst>
+          </p:cNvPr>
+          <p:cNvSpPr txBox="1">
+            <a:spLocks/>
+          </p:cNvSpPr>
+          <p:nvPr/>
+        </p:nvSpPr>
+        <p:spPr>
+          <a:xfrm>
+            <a:off x="230156" y="1432109"/>
+            <a:ext cx="2158482" cy="122067"/>
+          </a:xfrm>
+          <a:prstGeom prst="rect">
+            <a:avLst/>
+          </a:prstGeom>
+        </p:spPr>
+        <p:txBody>
+          <a:bodyPr vert="horz" lIns="91440" tIns="45720" rIns="91440" bIns="45720" rtlCol="0" anchor="ctr">
+            <a:noAutofit/>
+          </a:bodyPr>
+          <a:lstStyle>
+            <a:lvl1pPr algn="l" defTabSz="914400" rtl="0" eaLnBrk="1" latinLnBrk="0" hangingPunct="1">
+              <a:lnSpc>
+                <a:spcPct val="90000"/>
+              </a:lnSpc>
+              <a:spcBef>
+                <a:spcPct val="0"/>
+              </a:spcBef>
+              <a:buNone/>
+              <a:defRPr sz="4400" kern="1200">
+                <a:solidFill>
+                  <a:schemeClr val="tx1"/>
+                </a:solidFill>
+                <a:latin typeface="+mj-lt"/>
+                <a:ea typeface="+mj-ea"/>
+                <a:cs typeface="+mj-cs"/>
+              </a:defRPr>
+            </a:lvl1pPr>
+          </a:lstStyle>
+          <a:p>
+            <a:r>
+              <a:rPr lang="en-US" sz="1200" dirty="0"/>
+              <a:t>ATF/LE Confiscation/Raid/Arrest</a:t>
+            </a:r>
+          </a:p>
+        </p:txBody>
+      </p:sp>
+      <p:sp>
+        <p:nvSpPr>
+          <p:cNvPr id="8" name="Title 1">
+            <a:extLst>
+              <a:ext uri="{FF2B5EF4-FFF2-40B4-BE49-F238E27FC236}">
+                <a16:creationId xmlns:a16="http://schemas.microsoft.com/office/drawing/2014/main" id="{063BDBF8-54C6-437A-ABF6-65ACBB0695D0}"/>
+              </a:ext>
+            </a:extLst>
+          </p:cNvPr>
+          <p:cNvSpPr txBox="1">
+            <a:spLocks/>
+          </p:cNvSpPr>
+          <p:nvPr/>
+        </p:nvSpPr>
+        <p:spPr>
+          <a:xfrm>
+            <a:off x="2529764" y="1409168"/>
+            <a:ext cx="1402702" cy="167948"/>
+          </a:xfrm>
+          <a:prstGeom prst="rect">
+            <a:avLst/>
+          </a:prstGeom>
+        </p:spPr>
+        <p:txBody>
+          <a:bodyPr vert="horz" lIns="91440" tIns="45720" rIns="91440" bIns="45720" rtlCol="0" anchor="ctr">
+            <a:noAutofit/>
+          </a:bodyPr>
+          <a:lstStyle>
+            <a:lvl1pPr algn="l" defTabSz="914400" rtl="0" eaLnBrk="1" latinLnBrk="0" hangingPunct="1">
+              <a:lnSpc>
+                <a:spcPct val="90000"/>
+              </a:lnSpc>
+              <a:spcBef>
+                <a:spcPct val="0"/>
+              </a:spcBef>
+              <a:buNone/>
+              <a:defRPr sz="4400" kern="1200">
+                <a:solidFill>
+                  <a:schemeClr val="tx1"/>
+                </a:solidFill>
+                <a:latin typeface="+mj-lt"/>
+                <a:ea typeface="+mj-ea"/>
+                <a:cs typeface="+mj-cs"/>
+              </a:defRPr>
+            </a:lvl1pPr>
+          </a:lstStyle>
+          <a:p>
+            <a:r>
+              <a:rPr lang="en-US" sz="1200" dirty="0"/>
+              <a:t>Accidental Shooting</a:t>
+            </a:r>
+          </a:p>
+        </p:txBody>
+      </p:sp>
+      <p:sp>
+        <p:nvSpPr>
+          <p:cNvPr id="10" name="Title 1">
+            <a:extLst>
+              <a:ext uri="{FF2B5EF4-FFF2-40B4-BE49-F238E27FC236}">
+                <a16:creationId xmlns:a16="http://schemas.microsoft.com/office/drawing/2014/main" id="{0F2F176D-80B1-49B0-8C3A-E97B1490CFAD}"/>
+              </a:ext>
+            </a:extLst>
+          </p:cNvPr>
+          <p:cNvSpPr txBox="1">
+            <a:spLocks/>
+          </p:cNvSpPr>
+          <p:nvPr/>
+        </p:nvSpPr>
+        <p:spPr>
+          <a:xfrm>
+            <a:off x="4073592" y="1393540"/>
+            <a:ext cx="1300843" cy="160636"/>
+          </a:xfrm>
+          <a:prstGeom prst="rect">
+            <a:avLst/>
+          </a:prstGeom>
+        </p:spPr>
+        <p:txBody>
+          <a:bodyPr vert="horz" lIns="91440" tIns="45720" rIns="91440" bIns="45720" rtlCol="0" anchor="ctr">
+            <a:noAutofit/>
+          </a:bodyPr>
+          <a:lstStyle>
+            <a:lvl1pPr algn="l" defTabSz="914400" rtl="0" eaLnBrk="1" latinLnBrk="0" hangingPunct="1">
+              <a:lnSpc>
+                <a:spcPct val="90000"/>
+              </a:lnSpc>
+              <a:spcBef>
+                <a:spcPct val="0"/>
+              </a:spcBef>
+              <a:buNone/>
+              <a:defRPr sz="4400" kern="1200">
+                <a:solidFill>
+                  <a:schemeClr val="tx1"/>
+                </a:solidFill>
+                <a:latin typeface="+mj-lt"/>
+                <a:ea typeface="+mj-ea"/>
+                <a:cs typeface="+mj-cs"/>
+              </a:defRPr>
+            </a:lvl1pPr>
+          </a:lstStyle>
+          <a:p>
+            <a:r>
+              <a:rPr lang="en-US" sz="1200" dirty="0"/>
+              <a:t>Animal shot/killed</a:t>
+            </a:r>
+          </a:p>
+        </p:txBody>
+      </p:sp>
+      <p:sp>
+        <p:nvSpPr>
+          <p:cNvPr id="11" name="Title 1">
+            <a:extLst>
+              <a:ext uri="{FF2B5EF4-FFF2-40B4-BE49-F238E27FC236}">
+                <a16:creationId xmlns:a16="http://schemas.microsoft.com/office/drawing/2014/main" id="{093FD608-A3C4-4C4F-8FC1-689C50F9525C}"/>
+              </a:ext>
+            </a:extLst>
+          </p:cNvPr>
+          <p:cNvSpPr txBox="1">
+            <a:spLocks/>
+          </p:cNvSpPr>
+          <p:nvPr/>
+        </p:nvSpPr>
+        <p:spPr>
+          <a:xfrm>
+            <a:off x="5509341" y="1402016"/>
+            <a:ext cx="4124130" cy="137085"/>
+          </a:xfrm>
+          <a:prstGeom prst="rect">
+            <a:avLst/>
+          </a:prstGeom>
+        </p:spPr>
+        <p:txBody>
+          <a:bodyPr vert="horz" lIns="91440" tIns="45720" rIns="91440" bIns="45720" rtlCol="0" anchor="ctr">
+            <a:noAutofit/>
+          </a:bodyPr>
+          <a:lstStyle>
+            <a:lvl1pPr algn="l" defTabSz="914400" rtl="0" eaLnBrk="1" latinLnBrk="0" hangingPunct="1">
+              <a:lnSpc>
+                <a:spcPct val="90000"/>
+              </a:lnSpc>
+              <a:spcBef>
+                <a:spcPct val="0"/>
+              </a:spcBef>
+              <a:buNone/>
+              <a:defRPr sz="4400" kern="1200">
+                <a:solidFill>
+                  <a:schemeClr val="tx1"/>
+                </a:solidFill>
+                <a:latin typeface="+mj-lt"/>
+                <a:ea typeface="+mj-ea"/>
+                <a:cs typeface="+mj-cs"/>
+              </a:defRPr>
+            </a:lvl1pPr>
+          </a:lstStyle>
+          <a:p>
+            <a:r>
+              <a:rPr lang="en-US" sz="1200" dirty="0"/>
+              <a:t>Armed robbery with injury/death and/or evidence of DGU found</a:t>
+            </a:r>
+          </a:p>
+        </p:txBody>
+      </p:sp>
+      <p:sp>
+        <p:nvSpPr>
+          <p:cNvPr id="12" name="Title 1">
+            <a:extLst>
+              <a:ext uri="{FF2B5EF4-FFF2-40B4-BE49-F238E27FC236}">
+                <a16:creationId xmlns:a16="http://schemas.microsoft.com/office/drawing/2014/main" id="{ADEE8498-2D7A-4F73-895F-7C6CB66DB340}"/>
+              </a:ext>
+            </a:extLst>
+          </p:cNvPr>
+          <p:cNvSpPr txBox="1">
+            <a:spLocks/>
+          </p:cNvSpPr>
+          <p:nvPr/>
+        </p:nvSpPr>
+        <p:spPr>
+          <a:xfrm>
+            <a:off x="239487" y="3087374"/>
+            <a:ext cx="4994988" cy="122229"/>
+          </a:xfrm>
+          <a:prstGeom prst="rect">
+            <a:avLst/>
+          </a:prstGeom>
+        </p:spPr>
+        <p:txBody>
+          <a:bodyPr vert="horz" lIns="91440" tIns="45720" rIns="91440" bIns="45720" rtlCol="0" anchor="ctr">
+            <a:noAutofit/>
+          </a:bodyPr>
+          <a:lstStyle>
+            <a:lvl1pPr algn="l" defTabSz="914400" rtl="0" eaLnBrk="1" latinLnBrk="0" hangingPunct="1">
+              <a:lnSpc>
+                <a:spcPct val="90000"/>
+              </a:lnSpc>
+              <a:spcBef>
+                <a:spcPct val="0"/>
+              </a:spcBef>
+              <a:buNone/>
+              <a:defRPr sz="4400" kern="1200">
+                <a:solidFill>
+                  <a:schemeClr val="tx1"/>
+                </a:solidFill>
+                <a:latin typeface="+mj-lt"/>
+                <a:ea typeface="+mj-ea"/>
+                <a:cs typeface="+mj-cs"/>
+              </a:defRPr>
+            </a:lvl1pPr>
+          </a:lstStyle>
+          <a:p>
+            <a:r>
+              <a:rPr lang="en-US" sz="1200" dirty="0"/>
+              <a:t>Assault weapon (AR-15, AK-47, and ALL variants defined by law enforcement)</a:t>
+            </a:r>
+          </a:p>
+        </p:txBody>
+      </p:sp>
+      <p:sp>
+        <p:nvSpPr>
+          <p:cNvPr id="13" name="Title 1">
+            <a:extLst>
+              <a:ext uri="{FF2B5EF4-FFF2-40B4-BE49-F238E27FC236}">
+                <a16:creationId xmlns:a16="http://schemas.microsoft.com/office/drawing/2014/main" id="{31F73C57-D80B-41E4-B918-4E33B80049D1}"/>
+              </a:ext>
+            </a:extLst>
+          </p:cNvPr>
+          <p:cNvSpPr txBox="1">
+            <a:spLocks/>
+          </p:cNvSpPr>
+          <p:nvPr/>
+        </p:nvSpPr>
+        <p:spPr>
+          <a:xfrm>
+            <a:off x="230156" y="3631911"/>
+            <a:ext cx="3247053" cy="122229"/>
+          </a:xfrm>
+          <a:prstGeom prst="rect">
+            <a:avLst/>
+          </a:prstGeom>
+        </p:spPr>
+        <p:txBody>
+          <a:bodyPr vert="horz" lIns="91440" tIns="45720" rIns="91440" bIns="45720" rtlCol="0" anchor="ctr">
+            <a:noAutofit/>
+          </a:bodyPr>
+          <a:lstStyle>
+            <a:lvl1pPr algn="l" defTabSz="914400" rtl="0" eaLnBrk="1" latinLnBrk="0" hangingPunct="1">
+              <a:lnSpc>
+                <a:spcPct val="90000"/>
+              </a:lnSpc>
+              <a:spcBef>
+                <a:spcPct val="0"/>
+              </a:spcBef>
+              <a:buNone/>
+              <a:defRPr sz="4400" kern="1200">
+                <a:solidFill>
+                  <a:schemeClr val="tx1"/>
+                </a:solidFill>
+                <a:latin typeface="+mj-lt"/>
+                <a:ea typeface="+mj-ea"/>
+                <a:cs typeface="+mj-cs"/>
+              </a:defRPr>
+            </a:lvl1pPr>
+          </a:lstStyle>
+          <a:p>
+            <a:r>
+              <a:rPr lang="en-US" sz="1200" dirty="0"/>
+              <a:t>Brandishing/flourishing/open carry/lost/found</a:t>
+            </a:r>
+          </a:p>
+        </p:txBody>
+      </p:sp>
+      <p:sp>
+        <p:nvSpPr>
+          <p:cNvPr id="14" name="Title 1">
+            <a:extLst>
+              <a:ext uri="{FF2B5EF4-FFF2-40B4-BE49-F238E27FC236}">
+                <a16:creationId xmlns:a16="http://schemas.microsoft.com/office/drawing/2014/main" id="{EBD8A1D8-3482-4904-A488-5B77ED76AB51}"/>
+              </a:ext>
+            </a:extLst>
+          </p:cNvPr>
+          <p:cNvSpPr txBox="1">
+            <a:spLocks/>
+          </p:cNvSpPr>
+          <p:nvPr/>
+        </p:nvSpPr>
+        <p:spPr>
+          <a:xfrm>
+            <a:off x="2929812" y="1952141"/>
+            <a:ext cx="2637453" cy="167948"/>
+          </a:xfrm>
+          <a:prstGeom prst="rect">
+            <a:avLst/>
+          </a:prstGeom>
+        </p:spPr>
+        <p:txBody>
+          <a:bodyPr vert="horz" lIns="91440" tIns="45720" rIns="91440" bIns="45720" rtlCol="0" anchor="ctr">
+            <a:noAutofit/>
+          </a:bodyPr>
+          <a:lstStyle>
+            <a:lvl1pPr algn="l" defTabSz="914400" rtl="0" eaLnBrk="1" latinLnBrk="0" hangingPunct="1">
+              <a:lnSpc>
+                <a:spcPct val="90000"/>
+              </a:lnSpc>
+              <a:spcBef>
+                <a:spcPct val="0"/>
+              </a:spcBef>
+              <a:buNone/>
+              <a:defRPr sz="4400" kern="1200">
+                <a:solidFill>
+                  <a:schemeClr val="tx1"/>
+                </a:solidFill>
+                <a:latin typeface="+mj-lt"/>
+                <a:ea typeface="+mj-ea"/>
+                <a:cs typeface="+mj-cs"/>
+              </a:defRPr>
+            </a:lvl1pPr>
+          </a:lstStyle>
+          <a:p>
+            <a:r>
+              <a:rPr lang="en-US" sz="1200" dirty="0"/>
+              <a:t>Car-jacking</a:t>
+            </a:r>
+          </a:p>
+        </p:txBody>
+      </p:sp>
+      <p:sp>
+        <p:nvSpPr>
+          <p:cNvPr id="15" name="Title 1">
+            <a:extLst>
+              <a:ext uri="{FF2B5EF4-FFF2-40B4-BE49-F238E27FC236}">
+                <a16:creationId xmlns:a16="http://schemas.microsoft.com/office/drawing/2014/main" id="{3881FF30-BEF2-4704-959A-C66912CE7067}"/>
+              </a:ext>
+            </a:extLst>
+          </p:cNvPr>
+          <p:cNvSpPr txBox="1">
+            <a:spLocks/>
+          </p:cNvSpPr>
+          <p:nvPr/>
+        </p:nvSpPr>
+        <p:spPr>
+          <a:xfrm>
+            <a:off x="9766041" y="1384521"/>
+            <a:ext cx="2637453" cy="167948"/>
+          </a:xfrm>
+          <a:prstGeom prst="rect">
+            <a:avLst/>
+          </a:prstGeom>
+        </p:spPr>
+        <p:txBody>
+          <a:bodyPr vert="horz" lIns="91440" tIns="45720" rIns="91440" bIns="45720" rtlCol="0" anchor="ctr">
+            <a:noAutofit/>
+          </a:bodyPr>
+          <a:lstStyle>
+            <a:lvl1pPr algn="l" defTabSz="914400" rtl="0" eaLnBrk="1" latinLnBrk="0" hangingPunct="1">
+              <a:lnSpc>
+                <a:spcPct val="90000"/>
+              </a:lnSpc>
+              <a:spcBef>
+                <a:spcPct val="0"/>
+              </a:spcBef>
+              <a:buNone/>
+              <a:defRPr sz="4400" kern="1200">
+                <a:solidFill>
+                  <a:schemeClr val="tx1"/>
+                </a:solidFill>
+                <a:latin typeface="+mj-lt"/>
+                <a:ea typeface="+mj-ea"/>
+                <a:cs typeface="+mj-cs"/>
+              </a:defRPr>
+            </a:lvl1pPr>
+          </a:lstStyle>
+          <a:p>
+            <a:r>
+              <a:rPr lang="en-US" sz="1200" dirty="0"/>
+              <a:t>Child Involved Incident</a:t>
+            </a:r>
+          </a:p>
+        </p:txBody>
+      </p:sp>
+      <p:sp>
+        <p:nvSpPr>
+          <p:cNvPr id="16" name="Title 1">
+            <a:extLst>
+              <a:ext uri="{FF2B5EF4-FFF2-40B4-BE49-F238E27FC236}">
+                <a16:creationId xmlns:a16="http://schemas.microsoft.com/office/drawing/2014/main" id="{86C0E8AB-29C2-4B47-B834-7317D23429AD}"/>
+              </a:ext>
+            </a:extLst>
+          </p:cNvPr>
+          <p:cNvSpPr txBox="1">
+            <a:spLocks/>
+          </p:cNvSpPr>
+          <p:nvPr/>
+        </p:nvSpPr>
+        <p:spPr>
+          <a:xfrm>
+            <a:off x="230156" y="4717209"/>
+            <a:ext cx="2637453" cy="167948"/>
+          </a:xfrm>
+          <a:prstGeom prst="rect">
+            <a:avLst/>
+          </a:prstGeom>
+        </p:spPr>
+        <p:txBody>
+          <a:bodyPr vert="horz" lIns="91440" tIns="45720" rIns="91440" bIns="45720" rtlCol="0" anchor="ctr">
+            <a:noAutofit/>
+          </a:bodyPr>
+          <a:lstStyle>
+            <a:lvl1pPr algn="l" defTabSz="914400" rtl="0" eaLnBrk="1" latinLnBrk="0" hangingPunct="1">
+              <a:lnSpc>
+                <a:spcPct val="90000"/>
+              </a:lnSpc>
+              <a:spcBef>
+                <a:spcPct val="0"/>
+              </a:spcBef>
+              <a:buNone/>
+              <a:defRPr sz="4400" kern="1200">
+                <a:solidFill>
+                  <a:schemeClr val="tx1"/>
+                </a:solidFill>
+                <a:latin typeface="+mj-lt"/>
+                <a:ea typeface="+mj-ea"/>
+                <a:cs typeface="+mj-cs"/>
+              </a:defRPr>
+            </a:lvl1pPr>
+          </a:lstStyle>
+          <a:p>
+            <a:r>
+              <a:rPr lang="en-US" sz="1200" dirty="0"/>
+              <a:t>Child killed by child</a:t>
+            </a:r>
+          </a:p>
+        </p:txBody>
+      </p:sp>
+      <p:sp>
+        <p:nvSpPr>
+          <p:cNvPr id="17" name="Title 1">
+            <a:extLst>
+              <a:ext uri="{FF2B5EF4-FFF2-40B4-BE49-F238E27FC236}">
+                <a16:creationId xmlns:a16="http://schemas.microsoft.com/office/drawing/2014/main" id="{34627BF2-5FCA-46AA-8922-E86B9316BB38}"/>
+              </a:ext>
+            </a:extLst>
+          </p:cNvPr>
+          <p:cNvSpPr txBox="1">
+            <a:spLocks/>
+          </p:cNvSpPr>
+          <p:nvPr/>
+        </p:nvSpPr>
+        <p:spPr>
+          <a:xfrm>
+            <a:off x="6556311" y="3084150"/>
+            <a:ext cx="2637453" cy="167948"/>
+          </a:xfrm>
+          <a:prstGeom prst="rect">
+            <a:avLst/>
+          </a:prstGeom>
+        </p:spPr>
+        <p:txBody>
+          <a:bodyPr vert="horz" lIns="91440" tIns="45720" rIns="91440" bIns="45720" rtlCol="0" anchor="ctr">
+            <a:noAutofit/>
+          </a:bodyPr>
+          <a:lstStyle>
+            <a:lvl1pPr algn="l" defTabSz="914400" rtl="0" eaLnBrk="1" latinLnBrk="0" hangingPunct="1">
+              <a:lnSpc>
+                <a:spcPct val="90000"/>
+              </a:lnSpc>
+              <a:spcBef>
+                <a:spcPct val="0"/>
+              </a:spcBef>
+              <a:buNone/>
+              <a:defRPr sz="4400" kern="1200">
+                <a:solidFill>
+                  <a:schemeClr val="tx1"/>
+                </a:solidFill>
+                <a:latin typeface="+mj-lt"/>
+                <a:ea typeface="+mj-ea"/>
+                <a:cs typeface="+mj-cs"/>
+              </a:defRPr>
+            </a:lvl1pPr>
+          </a:lstStyle>
+          <a:p>
+            <a:r>
+              <a:rPr lang="en-US" sz="1200" dirty="0"/>
+              <a:t>Concealed Carry License - Perpetrator</a:t>
+            </a:r>
+          </a:p>
+        </p:txBody>
+      </p:sp>
+      <p:sp>
+        <p:nvSpPr>
+          <p:cNvPr id="18" name="Title 1">
+            <a:extLst>
+              <a:ext uri="{FF2B5EF4-FFF2-40B4-BE49-F238E27FC236}">
+                <a16:creationId xmlns:a16="http://schemas.microsoft.com/office/drawing/2014/main" id="{424821B2-3A7C-4D07-99FA-3895EF7DBFAF}"/>
+              </a:ext>
+            </a:extLst>
+          </p:cNvPr>
+          <p:cNvSpPr txBox="1">
+            <a:spLocks/>
+          </p:cNvSpPr>
+          <p:nvPr/>
+        </p:nvSpPr>
+        <p:spPr>
+          <a:xfrm>
+            <a:off x="230156" y="5251337"/>
+            <a:ext cx="2637453" cy="167948"/>
+          </a:xfrm>
+          <a:prstGeom prst="rect">
+            <a:avLst/>
+          </a:prstGeom>
+        </p:spPr>
+        <p:txBody>
+          <a:bodyPr vert="horz" lIns="91440" tIns="45720" rIns="91440" bIns="45720" rtlCol="0" anchor="ctr">
+            <a:noAutofit/>
+          </a:bodyPr>
+          <a:lstStyle>
+            <a:lvl1pPr algn="l" defTabSz="914400" rtl="0" eaLnBrk="1" latinLnBrk="0" hangingPunct="1">
+              <a:lnSpc>
+                <a:spcPct val="90000"/>
+              </a:lnSpc>
+              <a:spcBef>
+                <a:spcPct val="0"/>
+              </a:spcBef>
+              <a:buNone/>
+              <a:defRPr sz="4400" kern="1200">
+                <a:solidFill>
+                  <a:schemeClr val="tx1"/>
+                </a:solidFill>
+                <a:latin typeface="+mj-lt"/>
+                <a:ea typeface="+mj-ea"/>
+                <a:cs typeface="+mj-cs"/>
+              </a:defRPr>
+            </a:lvl1pPr>
+          </a:lstStyle>
+          <a:p>
+            <a:r>
+              <a:rPr lang="en-US" sz="1200" dirty="0"/>
+              <a:t>Criminal act with stolen gun</a:t>
+            </a:r>
+          </a:p>
+        </p:txBody>
+      </p:sp>
+      <p:sp>
+        <p:nvSpPr>
+          <p:cNvPr id="19" name="Title 1">
+            <a:extLst>
+              <a:ext uri="{FF2B5EF4-FFF2-40B4-BE49-F238E27FC236}">
+                <a16:creationId xmlns:a16="http://schemas.microsoft.com/office/drawing/2014/main" id="{0D72861C-AA26-4C38-ADAB-F049B51B4612}"/>
+              </a:ext>
+            </a:extLst>
+          </p:cNvPr>
+          <p:cNvSpPr txBox="1">
+            <a:spLocks/>
+          </p:cNvSpPr>
+          <p:nvPr/>
+        </p:nvSpPr>
+        <p:spPr>
+          <a:xfrm>
+            <a:off x="2320212" y="5244365"/>
+            <a:ext cx="2637453" cy="167948"/>
+          </a:xfrm>
+          <a:prstGeom prst="rect">
+            <a:avLst/>
+          </a:prstGeom>
+        </p:spPr>
+        <p:txBody>
+          <a:bodyPr vert="horz" lIns="91440" tIns="45720" rIns="91440" bIns="45720" rtlCol="0" anchor="ctr">
+            <a:noAutofit/>
+          </a:bodyPr>
+          <a:lstStyle>
+            <a:lvl1pPr algn="l" defTabSz="914400" rtl="0" eaLnBrk="1" latinLnBrk="0" hangingPunct="1">
+              <a:lnSpc>
+                <a:spcPct val="90000"/>
+              </a:lnSpc>
+              <a:spcBef>
+                <a:spcPct val="0"/>
+              </a:spcBef>
+              <a:buNone/>
+              <a:defRPr sz="4400" kern="1200">
+                <a:solidFill>
+                  <a:schemeClr val="tx1"/>
+                </a:solidFill>
+                <a:latin typeface="+mj-lt"/>
+                <a:ea typeface="+mj-ea"/>
+                <a:cs typeface="+mj-cs"/>
+              </a:defRPr>
+            </a:lvl1pPr>
+          </a:lstStyle>
+          <a:p>
+            <a:r>
+              <a:rPr lang="en-US" sz="1200" dirty="0"/>
+              <a:t>Defensive Use</a:t>
+            </a:r>
+          </a:p>
+        </p:txBody>
+      </p:sp>
+      <p:sp>
+        <p:nvSpPr>
+          <p:cNvPr id="20" name="Title 1">
+            <a:extLst>
+              <a:ext uri="{FF2B5EF4-FFF2-40B4-BE49-F238E27FC236}">
+                <a16:creationId xmlns:a16="http://schemas.microsoft.com/office/drawing/2014/main" id="{C1AB113B-30F5-4360-A7C7-18D5B471D47E}"/>
+              </a:ext>
+            </a:extLst>
+          </p:cNvPr>
+          <p:cNvSpPr txBox="1">
+            <a:spLocks/>
+          </p:cNvSpPr>
+          <p:nvPr/>
+        </p:nvSpPr>
+        <p:spPr>
+          <a:xfrm>
+            <a:off x="6814457" y="6326637"/>
+            <a:ext cx="2637453" cy="167948"/>
+          </a:xfrm>
+          <a:prstGeom prst="rect">
+            <a:avLst/>
+          </a:prstGeom>
+        </p:spPr>
+        <p:txBody>
+          <a:bodyPr vert="horz" lIns="91440" tIns="45720" rIns="91440" bIns="45720" rtlCol="0" anchor="ctr">
+            <a:noAutofit/>
+          </a:bodyPr>
+          <a:lstStyle>
+            <a:lvl1pPr algn="l" defTabSz="914400" rtl="0" eaLnBrk="1" latinLnBrk="0" hangingPunct="1">
+              <a:lnSpc>
+                <a:spcPct val="90000"/>
+              </a:lnSpc>
+              <a:spcBef>
+                <a:spcPct val="0"/>
+              </a:spcBef>
+              <a:buNone/>
+              <a:defRPr sz="4400" kern="1200">
+                <a:solidFill>
+                  <a:schemeClr val="tx1"/>
+                </a:solidFill>
+                <a:latin typeface="+mj-lt"/>
+                <a:ea typeface="+mj-ea"/>
+                <a:cs typeface="+mj-cs"/>
+              </a:defRPr>
+            </a:lvl1pPr>
+          </a:lstStyle>
+          <a:p>
+            <a:r>
+              <a:rPr lang="en-US" sz="1200" dirty="0"/>
+              <a:t>Domestic Violence</a:t>
+            </a:r>
+          </a:p>
+        </p:txBody>
+      </p:sp>
+      <p:sp>
+        <p:nvSpPr>
+          <p:cNvPr id="21" name="Title 1">
+            <a:extLst>
+              <a:ext uri="{FF2B5EF4-FFF2-40B4-BE49-F238E27FC236}">
+                <a16:creationId xmlns:a16="http://schemas.microsoft.com/office/drawing/2014/main" id="{A0112E02-3BD7-4A16-AB2B-58039E884B44}"/>
+              </a:ext>
+            </a:extLst>
+          </p:cNvPr>
+          <p:cNvSpPr txBox="1">
+            <a:spLocks/>
+          </p:cNvSpPr>
+          <p:nvPr/>
+        </p:nvSpPr>
+        <p:spPr>
+          <a:xfrm>
+            <a:off x="3666933" y="5233452"/>
+            <a:ext cx="2637453" cy="167948"/>
+          </a:xfrm>
+          <a:prstGeom prst="rect">
+            <a:avLst/>
+          </a:prstGeom>
+        </p:spPr>
+        <p:txBody>
+          <a:bodyPr vert="horz" lIns="91440" tIns="45720" rIns="91440" bIns="45720" rtlCol="0" anchor="ctr">
+            <a:noAutofit/>
+          </a:bodyPr>
+          <a:lstStyle>
+            <a:lvl1pPr algn="l" defTabSz="914400" rtl="0" eaLnBrk="1" latinLnBrk="0" hangingPunct="1">
+              <a:lnSpc>
+                <a:spcPct val="90000"/>
+              </a:lnSpc>
+              <a:spcBef>
+                <a:spcPct val="0"/>
+              </a:spcBef>
+              <a:buNone/>
+              <a:defRPr sz="4400" kern="1200">
+                <a:solidFill>
+                  <a:schemeClr val="tx1"/>
+                </a:solidFill>
+                <a:latin typeface="+mj-lt"/>
+                <a:ea typeface="+mj-ea"/>
+                <a:cs typeface="+mj-cs"/>
+              </a:defRPr>
+            </a:lvl1pPr>
+          </a:lstStyle>
+          <a:p>
+            <a:r>
+              <a:rPr lang="en-US" sz="1200" dirty="0"/>
+              <a:t>Drive-by (car to street, car to car)</a:t>
+            </a:r>
+          </a:p>
+        </p:txBody>
+      </p:sp>
+      <p:sp>
+        <p:nvSpPr>
+          <p:cNvPr id="22" name="Title 1">
+            <a:extLst>
+              <a:ext uri="{FF2B5EF4-FFF2-40B4-BE49-F238E27FC236}">
+                <a16:creationId xmlns:a16="http://schemas.microsoft.com/office/drawing/2014/main" id="{FB2E20C2-6563-454D-B616-94BC27420E62}"/>
+              </a:ext>
+            </a:extLst>
+          </p:cNvPr>
+          <p:cNvSpPr txBox="1">
+            <a:spLocks/>
+          </p:cNvSpPr>
+          <p:nvPr/>
+        </p:nvSpPr>
+        <p:spPr>
+          <a:xfrm>
+            <a:off x="6654282" y="5779990"/>
+            <a:ext cx="2637453" cy="167948"/>
+          </a:xfrm>
+          <a:prstGeom prst="rect">
+            <a:avLst/>
+          </a:prstGeom>
+        </p:spPr>
+        <p:txBody>
+          <a:bodyPr vert="horz" lIns="91440" tIns="45720" rIns="91440" bIns="45720" rtlCol="0" anchor="ctr">
+            <a:noAutofit/>
+          </a:bodyPr>
+          <a:lstStyle>
+            <a:lvl1pPr algn="l" defTabSz="914400" rtl="0" eaLnBrk="1" latinLnBrk="0" hangingPunct="1">
+              <a:lnSpc>
+                <a:spcPct val="90000"/>
+              </a:lnSpc>
+              <a:spcBef>
+                <a:spcPct val="0"/>
+              </a:spcBef>
+              <a:buNone/>
+              <a:defRPr sz="4400" kern="1200">
+                <a:solidFill>
+                  <a:schemeClr val="tx1"/>
+                </a:solidFill>
+                <a:latin typeface="+mj-lt"/>
+                <a:ea typeface="+mj-ea"/>
+                <a:cs typeface="+mj-cs"/>
+              </a:defRPr>
+            </a:lvl1pPr>
+          </a:lstStyle>
+          <a:p>
+            <a:r>
+              <a:rPr lang="en-US" sz="1200" dirty="0"/>
+              <a:t>Drug involvement</a:t>
+            </a:r>
+          </a:p>
+        </p:txBody>
+      </p:sp>
+      <p:sp>
+        <p:nvSpPr>
+          <p:cNvPr id="23" name="Title 1">
+            <a:extLst>
+              <a:ext uri="{FF2B5EF4-FFF2-40B4-BE49-F238E27FC236}">
+                <a16:creationId xmlns:a16="http://schemas.microsoft.com/office/drawing/2014/main" id="{81364CBE-3DCE-43AE-A215-DC901A45DF6D}"/>
+              </a:ext>
+            </a:extLst>
+          </p:cNvPr>
+          <p:cNvSpPr txBox="1">
+            <a:spLocks/>
+          </p:cNvSpPr>
+          <p:nvPr/>
+        </p:nvSpPr>
+        <p:spPr>
+          <a:xfrm>
+            <a:off x="239487" y="6331872"/>
+            <a:ext cx="2637453" cy="167948"/>
+          </a:xfrm>
+          <a:prstGeom prst="rect">
+            <a:avLst/>
+          </a:prstGeom>
+        </p:spPr>
+        <p:txBody>
+          <a:bodyPr vert="horz" lIns="91440" tIns="45720" rIns="91440" bIns="45720" rtlCol="0" anchor="ctr">
+            <a:noAutofit/>
+          </a:bodyPr>
+          <a:lstStyle>
+            <a:lvl1pPr algn="l" defTabSz="914400" rtl="0" eaLnBrk="1" latinLnBrk="0" hangingPunct="1">
+              <a:lnSpc>
+                <a:spcPct val="90000"/>
+              </a:lnSpc>
+              <a:spcBef>
+                <a:spcPct val="0"/>
+              </a:spcBef>
+              <a:buNone/>
+              <a:defRPr sz="4400" kern="1200">
+                <a:solidFill>
+                  <a:schemeClr val="tx1"/>
+                </a:solidFill>
+                <a:latin typeface="+mj-lt"/>
+                <a:ea typeface="+mj-ea"/>
+                <a:cs typeface="+mj-cs"/>
+              </a:defRPr>
+            </a:lvl1pPr>
+          </a:lstStyle>
+          <a:p>
+            <a:r>
+              <a:rPr lang="en-US" sz="1200" dirty="0"/>
+              <a:t>Gang involvement	</a:t>
+            </a:r>
+          </a:p>
+        </p:txBody>
+      </p:sp>
+      <p:sp>
+        <p:nvSpPr>
+          <p:cNvPr id="24" name="Title 1">
+            <a:extLst>
+              <a:ext uri="{FF2B5EF4-FFF2-40B4-BE49-F238E27FC236}">
+                <a16:creationId xmlns:a16="http://schemas.microsoft.com/office/drawing/2014/main" id="{8927B2FC-E529-4BA4-9349-5C96AED9D54F}"/>
+              </a:ext>
+            </a:extLst>
+          </p:cNvPr>
+          <p:cNvSpPr txBox="1">
+            <a:spLocks/>
+          </p:cNvSpPr>
+          <p:nvPr/>
+        </p:nvSpPr>
+        <p:spPr>
+          <a:xfrm>
+            <a:off x="7856376" y="4747918"/>
+            <a:ext cx="4239208" cy="122229"/>
+          </a:xfrm>
+          <a:prstGeom prst="rect">
+            <a:avLst/>
+          </a:prstGeom>
+        </p:spPr>
+        <p:txBody>
+          <a:bodyPr vert="horz" lIns="91440" tIns="45720" rIns="91440" bIns="45720" rtlCol="0" anchor="ctr">
+            <a:noAutofit/>
+          </a:bodyPr>
+          <a:lstStyle>
+            <a:lvl1pPr algn="l" defTabSz="914400" rtl="0" eaLnBrk="1" latinLnBrk="0" hangingPunct="1">
+              <a:lnSpc>
+                <a:spcPct val="90000"/>
+              </a:lnSpc>
+              <a:spcBef>
+                <a:spcPct val="0"/>
+              </a:spcBef>
+              <a:buNone/>
+              <a:defRPr sz="4400" kern="1200">
+                <a:solidFill>
+                  <a:schemeClr val="tx1"/>
+                </a:solidFill>
+                <a:latin typeface="+mj-lt"/>
+                <a:ea typeface="+mj-ea"/>
+                <a:cs typeface="+mj-cs"/>
+              </a:defRPr>
+            </a:lvl1pPr>
+          </a:lstStyle>
+          <a:p>
+            <a:r>
+              <a:rPr lang="en-US" sz="1200" dirty="0"/>
+              <a:t>Gun at school, no death/injury - elementary/secondary school</a:t>
+            </a:r>
+          </a:p>
+        </p:txBody>
+      </p:sp>
+      <p:sp>
+        <p:nvSpPr>
+          <p:cNvPr id="25" name="Title 1">
+            <a:extLst>
+              <a:ext uri="{FF2B5EF4-FFF2-40B4-BE49-F238E27FC236}">
+                <a16:creationId xmlns:a16="http://schemas.microsoft.com/office/drawing/2014/main" id="{DEF0F3EE-FCFF-422C-9FE7-C707C328DE44}"/>
+              </a:ext>
+            </a:extLst>
+          </p:cNvPr>
+          <p:cNvSpPr txBox="1">
+            <a:spLocks/>
+          </p:cNvSpPr>
+          <p:nvPr/>
+        </p:nvSpPr>
+        <p:spPr>
+          <a:xfrm>
+            <a:off x="1764655" y="6332281"/>
+            <a:ext cx="2637453" cy="167948"/>
+          </a:xfrm>
+          <a:prstGeom prst="rect">
+            <a:avLst/>
+          </a:prstGeom>
+        </p:spPr>
+        <p:txBody>
+          <a:bodyPr vert="horz" lIns="91440" tIns="45720" rIns="91440" bIns="45720" rtlCol="0" anchor="ctr">
+            <a:noAutofit/>
+          </a:bodyPr>
+          <a:lstStyle>
+            <a:lvl1pPr algn="l" defTabSz="914400" rtl="0" eaLnBrk="1" latinLnBrk="0" hangingPunct="1">
+              <a:lnSpc>
+                <a:spcPct val="90000"/>
+              </a:lnSpc>
+              <a:spcBef>
+                <a:spcPct val="0"/>
+              </a:spcBef>
+              <a:buNone/>
+              <a:defRPr sz="4400" kern="1200">
+                <a:solidFill>
+                  <a:schemeClr val="tx1"/>
+                </a:solidFill>
+                <a:latin typeface="+mj-lt"/>
+                <a:ea typeface="+mj-ea"/>
+                <a:cs typeface="+mj-cs"/>
+              </a:defRPr>
+            </a:lvl1pPr>
+          </a:lstStyle>
+          <a:p>
+            <a:r>
+              <a:rPr lang="en-US" sz="1200" dirty="0"/>
+              <a:t>Gun shop robbery or burglary</a:t>
+            </a:r>
+          </a:p>
+        </p:txBody>
+      </p:sp>
+      <p:sp>
+        <p:nvSpPr>
+          <p:cNvPr id="26" name="Title 1">
+            <a:extLst>
+              <a:ext uri="{FF2B5EF4-FFF2-40B4-BE49-F238E27FC236}">
+                <a16:creationId xmlns:a16="http://schemas.microsoft.com/office/drawing/2014/main" id="{437D8501-78AB-46E0-A331-2EAE14A670D7}"/>
+              </a:ext>
+            </a:extLst>
+          </p:cNvPr>
+          <p:cNvSpPr txBox="1">
+            <a:spLocks/>
+          </p:cNvSpPr>
+          <p:nvPr/>
+        </p:nvSpPr>
+        <p:spPr>
+          <a:xfrm>
+            <a:off x="7752184" y="1959604"/>
+            <a:ext cx="1828800" cy="122229"/>
+          </a:xfrm>
+          <a:prstGeom prst="rect">
+            <a:avLst/>
+          </a:prstGeom>
+        </p:spPr>
+        <p:txBody>
+          <a:bodyPr vert="horz" lIns="91440" tIns="45720" rIns="91440" bIns="45720" rtlCol="0" anchor="ctr">
+            <a:noAutofit/>
+          </a:bodyPr>
+          <a:lstStyle>
+            <a:lvl1pPr algn="l" defTabSz="914400" rtl="0" eaLnBrk="1" latinLnBrk="0" hangingPunct="1">
+              <a:lnSpc>
+                <a:spcPct val="90000"/>
+              </a:lnSpc>
+              <a:spcBef>
+                <a:spcPct val="0"/>
+              </a:spcBef>
+              <a:buNone/>
+              <a:defRPr sz="4400" kern="1200">
+                <a:solidFill>
+                  <a:schemeClr val="tx1"/>
+                </a:solidFill>
+                <a:latin typeface="+mj-lt"/>
+                <a:ea typeface="+mj-ea"/>
+                <a:cs typeface="+mj-cs"/>
+              </a:defRPr>
+            </a:lvl1pPr>
+          </a:lstStyle>
+          <a:p>
+            <a:r>
+              <a:rPr lang="en-US" sz="1200" dirty="0"/>
+              <a:t>Gun(s) stolen from owner</a:t>
+            </a:r>
+          </a:p>
+        </p:txBody>
+      </p:sp>
+      <p:sp>
+        <p:nvSpPr>
+          <p:cNvPr id="27" name="Title 1">
+            <a:extLst>
+              <a:ext uri="{FF2B5EF4-FFF2-40B4-BE49-F238E27FC236}">
+                <a16:creationId xmlns:a16="http://schemas.microsoft.com/office/drawing/2014/main" id="{3BD9F677-E4A1-4514-9F32-5E8AE9903CBA}"/>
+              </a:ext>
+            </a:extLst>
+          </p:cNvPr>
+          <p:cNvSpPr txBox="1">
+            <a:spLocks/>
+          </p:cNvSpPr>
+          <p:nvPr/>
+        </p:nvSpPr>
+        <p:spPr>
+          <a:xfrm>
+            <a:off x="8714793" y="3591239"/>
+            <a:ext cx="2637453" cy="167948"/>
+          </a:xfrm>
+          <a:prstGeom prst="rect">
+            <a:avLst/>
+          </a:prstGeom>
+        </p:spPr>
+        <p:txBody>
+          <a:bodyPr vert="horz" lIns="91440" tIns="45720" rIns="91440" bIns="45720" rtlCol="0" anchor="ctr">
+            <a:noAutofit/>
+          </a:bodyPr>
+          <a:lstStyle>
+            <a:lvl1pPr algn="l" defTabSz="914400" rtl="0" eaLnBrk="1" latinLnBrk="0" hangingPunct="1">
+              <a:lnSpc>
+                <a:spcPct val="90000"/>
+              </a:lnSpc>
+              <a:spcBef>
+                <a:spcPct val="0"/>
+              </a:spcBef>
+              <a:buNone/>
+              <a:defRPr sz="4400" kern="1200">
+                <a:solidFill>
+                  <a:schemeClr val="tx1"/>
+                </a:solidFill>
+                <a:latin typeface="+mj-lt"/>
+                <a:ea typeface="+mj-ea"/>
+                <a:cs typeface="+mj-cs"/>
+              </a:defRPr>
+            </a:lvl1pPr>
+          </a:lstStyle>
+          <a:p>
+            <a:r>
+              <a:rPr lang="en-US" sz="1200" dirty="0"/>
+              <a:t>Guns stolen from law enforcement</a:t>
+            </a:r>
+          </a:p>
+        </p:txBody>
+      </p:sp>
+      <p:sp>
+        <p:nvSpPr>
+          <p:cNvPr id="28" name="Title 1">
+            <a:extLst>
+              <a:ext uri="{FF2B5EF4-FFF2-40B4-BE49-F238E27FC236}">
+                <a16:creationId xmlns:a16="http://schemas.microsoft.com/office/drawing/2014/main" id="{8C1515B6-58EF-4127-A1EF-C233E3E3A231}"/>
+              </a:ext>
+            </a:extLst>
+          </p:cNvPr>
+          <p:cNvSpPr txBox="1">
+            <a:spLocks/>
+          </p:cNvSpPr>
+          <p:nvPr/>
+        </p:nvSpPr>
+        <p:spPr>
+          <a:xfrm>
+            <a:off x="9693731" y="1955870"/>
+            <a:ext cx="914400" cy="152400"/>
+          </a:xfrm>
+          <a:prstGeom prst="rect">
+            <a:avLst/>
+          </a:prstGeom>
+        </p:spPr>
+        <p:txBody>
+          <a:bodyPr vert="horz" lIns="91440" tIns="45720" rIns="91440" bIns="45720" rtlCol="0" anchor="ctr">
+            <a:noAutofit/>
+          </a:bodyPr>
+          <a:lstStyle>
+            <a:lvl1pPr algn="l" defTabSz="914400" rtl="0" eaLnBrk="1" latinLnBrk="0" hangingPunct="1">
+              <a:lnSpc>
+                <a:spcPct val="90000"/>
+              </a:lnSpc>
+              <a:spcBef>
+                <a:spcPct val="0"/>
+              </a:spcBef>
+              <a:buNone/>
+              <a:defRPr sz="4400" kern="1200">
+                <a:solidFill>
+                  <a:schemeClr val="tx1"/>
+                </a:solidFill>
+                <a:latin typeface="+mj-lt"/>
+                <a:ea typeface="+mj-ea"/>
+                <a:cs typeface="+mj-cs"/>
+              </a:defRPr>
+            </a:lvl1pPr>
+          </a:lstStyle>
+          <a:p>
+            <a:r>
+              <a:rPr lang="en-US" sz="1200" dirty="0"/>
+              <a:t>Hate crime</a:t>
+            </a:r>
+          </a:p>
+        </p:txBody>
+      </p:sp>
+      <p:sp>
+        <p:nvSpPr>
+          <p:cNvPr id="29" name="Title 1">
+            <a:extLst>
+              <a:ext uri="{FF2B5EF4-FFF2-40B4-BE49-F238E27FC236}">
+                <a16:creationId xmlns:a16="http://schemas.microsoft.com/office/drawing/2014/main" id="{6C7B4C9E-19EA-4929-A43C-01FE0B4CF7A3}"/>
+              </a:ext>
+            </a:extLst>
+          </p:cNvPr>
+          <p:cNvSpPr txBox="1">
+            <a:spLocks/>
+          </p:cNvSpPr>
+          <p:nvPr/>
+        </p:nvSpPr>
+        <p:spPr>
+          <a:xfrm>
+            <a:off x="6654282" y="4194088"/>
+            <a:ext cx="1113453" cy="167948"/>
+          </a:xfrm>
+          <a:prstGeom prst="rect">
+            <a:avLst/>
+          </a:prstGeom>
+        </p:spPr>
+        <p:txBody>
+          <a:bodyPr vert="horz" lIns="91440" tIns="45720" rIns="91440" bIns="45720" rtlCol="0" anchor="ctr">
+            <a:noAutofit/>
+          </a:bodyPr>
+          <a:lstStyle>
+            <a:lvl1pPr algn="l" defTabSz="914400" rtl="0" eaLnBrk="1" latinLnBrk="0" hangingPunct="1">
+              <a:lnSpc>
+                <a:spcPct val="90000"/>
+              </a:lnSpc>
+              <a:spcBef>
+                <a:spcPct val="0"/>
+              </a:spcBef>
+              <a:buNone/>
+              <a:defRPr sz="4400" kern="1200">
+                <a:solidFill>
+                  <a:schemeClr val="tx1"/>
+                </a:solidFill>
+                <a:latin typeface="+mj-lt"/>
+                <a:ea typeface="+mj-ea"/>
+                <a:cs typeface="+mj-cs"/>
+              </a:defRPr>
+            </a:lvl1pPr>
+          </a:lstStyle>
+          <a:p>
+            <a:r>
+              <a:rPr lang="en-US" sz="1200" dirty="0"/>
+              <a:t>Home Invasion</a:t>
+            </a:r>
+          </a:p>
+        </p:txBody>
+      </p:sp>
+      <p:sp>
+        <p:nvSpPr>
+          <p:cNvPr id="30" name="Title 1">
+            <a:extLst>
+              <a:ext uri="{FF2B5EF4-FFF2-40B4-BE49-F238E27FC236}">
+                <a16:creationId xmlns:a16="http://schemas.microsoft.com/office/drawing/2014/main" id="{E193ACC0-E991-47F9-90B1-63DC11B9FA7E}"/>
+              </a:ext>
+            </a:extLst>
+          </p:cNvPr>
+          <p:cNvSpPr txBox="1">
+            <a:spLocks/>
+          </p:cNvSpPr>
+          <p:nvPr/>
+        </p:nvSpPr>
+        <p:spPr>
+          <a:xfrm>
+            <a:off x="9515677" y="4222070"/>
+            <a:ext cx="2181802" cy="155535"/>
+          </a:xfrm>
+          <a:prstGeom prst="rect">
+            <a:avLst/>
+          </a:prstGeom>
+        </p:spPr>
+        <p:txBody>
+          <a:bodyPr vert="horz" lIns="91440" tIns="45720" rIns="91440" bIns="45720" rtlCol="0" anchor="ctr">
+            <a:noAutofit/>
+          </a:bodyPr>
+          <a:lstStyle>
+            <a:lvl1pPr algn="l" defTabSz="914400" rtl="0" eaLnBrk="1" latinLnBrk="0" hangingPunct="1">
+              <a:lnSpc>
+                <a:spcPct val="90000"/>
+              </a:lnSpc>
+              <a:spcBef>
+                <a:spcPct val="0"/>
+              </a:spcBef>
+              <a:buNone/>
+              <a:defRPr sz="4400" kern="1200">
+                <a:solidFill>
+                  <a:schemeClr val="tx1"/>
+                </a:solidFill>
+                <a:latin typeface="+mj-lt"/>
+                <a:ea typeface="+mj-ea"/>
+                <a:cs typeface="+mj-cs"/>
+              </a:defRPr>
+            </a:lvl1pPr>
+          </a:lstStyle>
+          <a:p>
+            <a:r>
+              <a:rPr lang="en-US" sz="1200" dirty="0"/>
+              <a:t>Home Invasion - Resident killed</a:t>
+            </a:r>
+          </a:p>
+        </p:txBody>
+      </p:sp>
+      <p:sp>
+        <p:nvSpPr>
+          <p:cNvPr id="31" name="Title 1">
+            <a:extLst>
+              <a:ext uri="{FF2B5EF4-FFF2-40B4-BE49-F238E27FC236}">
+                <a16:creationId xmlns:a16="http://schemas.microsoft.com/office/drawing/2014/main" id="{7CAD5969-E0EF-44AB-BFA3-F42A64AB3B74}"/>
+              </a:ext>
+            </a:extLst>
+          </p:cNvPr>
+          <p:cNvSpPr txBox="1">
+            <a:spLocks/>
+          </p:cNvSpPr>
+          <p:nvPr/>
+        </p:nvSpPr>
+        <p:spPr>
+          <a:xfrm>
+            <a:off x="8142515" y="5804364"/>
+            <a:ext cx="3554963" cy="122229"/>
+          </a:xfrm>
+          <a:prstGeom prst="rect">
+            <a:avLst/>
+          </a:prstGeom>
+        </p:spPr>
+        <p:txBody>
+          <a:bodyPr vert="horz" lIns="91440" tIns="45720" rIns="91440" bIns="45720" rtlCol="0" anchor="ctr">
+            <a:noAutofit/>
+          </a:bodyPr>
+          <a:lstStyle>
+            <a:lvl1pPr algn="l" defTabSz="914400" rtl="0" eaLnBrk="1" latinLnBrk="0" hangingPunct="1">
+              <a:lnSpc>
+                <a:spcPct val="90000"/>
+              </a:lnSpc>
+              <a:spcBef>
+                <a:spcPct val="0"/>
+              </a:spcBef>
+              <a:buNone/>
+              <a:defRPr sz="4400" kern="1200">
+                <a:solidFill>
+                  <a:schemeClr val="tx1"/>
+                </a:solidFill>
+                <a:latin typeface="+mj-lt"/>
+                <a:ea typeface="+mj-ea"/>
+                <a:cs typeface="+mj-cs"/>
+              </a:defRPr>
+            </a:lvl1pPr>
+          </a:lstStyle>
+          <a:p>
+            <a:r>
+              <a:rPr lang="en-US" sz="1200" dirty="0"/>
+              <a:t>Home Invasion - subject/suspect/perpetrator killed</a:t>
+            </a:r>
+          </a:p>
+        </p:txBody>
+      </p:sp>
+      <p:sp>
+        <p:nvSpPr>
+          <p:cNvPr id="32" name="Title 1">
+            <a:extLst>
+              <a:ext uri="{FF2B5EF4-FFF2-40B4-BE49-F238E27FC236}">
+                <a16:creationId xmlns:a16="http://schemas.microsoft.com/office/drawing/2014/main" id="{CBD70F84-56EF-42C0-8886-5F2ED6FBEDA4}"/>
+              </a:ext>
+            </a:extLst>
+          </p:cNvPr>
+          <p:cNvSpPr txBox="1">
+            <a:spLocks/>
+          </p:cNvSpPr>
+          <p:nvPr/>
+        </p:nvSpPr>
+        <p:spPr>
+          <a:xfrm>
+            <a:off x="3920026" y="6331747"/>
+            <a:ext cx="2637453" cy="167948"/>
+          </a:xfrm>
+          <a:prstGeom prst="rect">
+            <a:avLst/>
+          </a:prstGeom>
+        </p:spPr>
+        <p:txBody>
+          <a:bodyPr vert="horz" lIns="91440" tIns="45720" rIns="91440" bIns="45720" rtlCol="0" anchor="ctr">
+            <a:noAutofit/>
+          </a:bodyPr>
+          <a:lstStyle>
+            <a:lvl1pPr algn="l" defTabSz="914400" rtl="0" eaLnBrk="1" latinLnBrk="0" hangingPunct="1">
+              <a:lnSpc>
+                <a:spcPct val="90000"/>
+              </a:lnSpc>
+              <a:spcBef>
+                <a:spcPct val="0"/>
+              </a:spcBef>
+              <a:buNone/>
+              <a:defRPr sz="4400" kern="1200">
+                <a:solidFill>
+                  <a:schemeClr val="tx1"/>
+                </a:solidFill>
+                <a:latin typeface="+mj-lt"/>
+                <a:ea typeface="+mj-ea"/>
+                <a:cs typeface="+mj-cs"/>
+              </a:defRPr>
+            </a:lvl1pPr>
+          </a:lstStyle>
+          <a:p>
+            <a:r>
+              <a:rPr lang="en-US" sz="1200" dirty="0"/>
+              <a:t>Hunting accident</a:t>
+            </a:r>
+          </a:p>
+        </p:txBody>
+      </p:sp>
+      <p:sp>
+        <p:nvSpPr>
+          <p:cNvPr id="33" name="Title 1">
+            <a:extLst>
+              <a:ext uri="{FF2B5EF4-FFF2-40B4-BE49-F238E27FC236}">
+                <a16:creationId xmlns:a16="http://schemas.microsoft.com/office/drawing/2014/main" id="{9BB8B92E-BEFC-4742-8760-3CE6DCB79AE9}"/>
+              </a:ext>
+            </a:extLst>
+          </p:cNvPr>
+          <p:cNvSpPr txBox="1">
+            <a:spLocks/>
+          </p:cNvSpPr>
+          <p:nvPr/>
+        </p:nvSpPr>
+        <p:spPr>
+          <a:xfrm>
+            <a:off x="5414866" y="6331747"/>
+            <a:ext cx="2637453" cy="167948"/>
+          </a:xfrm>
+          <a:prstGeom prst="rect">
+            <a:avLst/>
+          </a:prstGeom>
+        </p:spPr>
+        <p:txBody>
+          <a:bodyPr vert="horz" lIns="91440" tIns="45720" rIns="91440" bIns="45720" rtlCol="0" anchor="ctr">
+            <a:noAutofit/>
+          </a:bodyPr>
+          <a:lstStyle>
+            <a:lvl1pPr algn="l" defTabSz="914400" rtl="0" eaLnBrk="1" latinLnBrk="0" hangingPunct="1">
+              <a:lnSpc>
+                <a:spcPct val="90000"/>
+              </a:lnSpc>
+              <a:spcBef>
+                <a:spcPct val="0"/>
+              </a:spcBef>
+              <a:buNone/>
+              <a:defRPr sz="4400" kern="1200">
+                <a:solidFill>
+                  <a:schemeClr val="tx1"/>
+                </a:solidFill>
+                <a:latin typeface="+mj-lt"/>
+                <a:ea typeface="+mj-ea"/>
+                <a:cs typeface="+mj-cs"/>
+              </a:defRPr>
+            </a:lvl1pPr>
+          </a:lstStyle>
+          <a:p>
+            <a:r>
+              <a:rPr lang="en-US" sz="1200" dirty="0"/>
+              <a:t>Implied Weapon</a:t>
+            </a:r>
+          </a:p>
+        </p:txBody>
+      </p:sp>
+      <p:sp>
+        <p:nvSpPr>
+          <p:cNvPr id="34" name="Title 1">
+            <a:extLst>
+              <a:ext uri="{FF2B5EF4-FFF2-40B4-BE49-F238E27FC236}">
+                <a16:creationId xmlns:a16="http://schemas.microsoft.com/office/drawing/2014/main" id="{DCCCA613-EBE1-4AEB-9D28-F9B963FCBC54}"/>
+              </a:ext>
+            </a:extLst>
+          </p:cNvPr>
+          <p:cNvSpPr txBox="1">
+            <a:spLocks/>
+          </p:cNvSpPr>
+          <p:nvPr/>
+        </p:nvSpPr>
+        <p:spPr>
+          <a:xfrm>
+            <a:off x="9193764" y="3062297"/>
+            <a:ext cx="2183363" cy="198119"/>
+          </a:xfrm>
+          <a:prstGeom prst="rect">
+            <a:avLst/>
+          </a:prstGeom>
+        </p:spPr>
+        <p:txBody>
+          <a:bodyPr vert="horz" lIns="91440" tIns="45720" rIns="91440" bIns="45720" rtlCol="0" anchor="ctr">
+            <a:noAutofit/>
+          </a:bodyPr>
+          <a:lstStyle>
+            <a:lvl1pPr algn="l" defTabSz="914400" rtl="0" eaLnBrk="1" latinLnBrk="0" hangingPunct="1">
+              <a:lnSpc>
+                <a:spcPct val="90000"/>
+              </a:lnSpc>
+              <a:spcBef>
+                <a:spcPct val="0"/>
+              </a:spcBef>
+              <a:buNone/>
+              <a:defRPr sz="4400" kern="1200">
+                <a:solidFill>
+                  <a:schemeClr val="tx1"/>
+                </a:solidFill>
+                <a:latin typeface="+mj-lt"/>
+                <a:ea typeface="+mj-ea"/>
+                <a:cs typeface="+mj-cs"/>
+              </a:defRPr>
+            </a:lvl1pPr>
+          </a:lstStyle>
+          <a:p>
+            <a:r>
+              <a:rPr lang="en-US" sz="1200" dirty="0"/>
+              <a:t>Kidnapping/abductions/hostage</a:t>
+            </a:r>
+          </a:p>
+        </p:txBody>
+      </p:sp>
+      <p:sp>
+        <p:nvSpPr>
+          <p:cNvPr id="35" name="Title 1">
+            <a:extLst>
+              <a:ext uri="{FF2B5EF4-FFF2-40B4-BE49-F238E27FC236}">
+                <a16:creationId xmlns:a16="http://schemas.microsoft.com/office/drawing/2014/main" id="{F5816119-7B40-4B4A-B62D-3DF2322DD093}"/>
+              </a:ext>
+            </a:extLst>
+          </p:cNvPr>
+          <p:cNvSpPr txBox="1">
+            <a:spLocks/>
+          </p:cNvSpPr>
+          <p:nvPr/>
+        </p:nvSpPr>
+        <p:spPr>
+          <a:xfrm>
+            <a:off x="6044688" y="5235191"/>
+            <a:ext cx="6108441" cy="167948"/>
+          </a:xfrm>
+          <a:prstGeom prst="rect">
+            <a:avLst/>
+          </a:prstGeom>
+        </p:spPr>
+        <p:txBody>
+          <a:bodyPr vert="horz" lIns="91440" tIns="45720" rIns="91440" bIns="45720" rtlCol="0" anchor="ctr">
+            <a:noAutofit/>
+          </a:bodyPr>
+          <a:lstStyle>
+            <a:lvl1pPr algn="l" defTabSz="914400" rtl="0" eaLnBrk="1" latinLnBrk="0" hangingPunct="1">
+              <a:lnSpc>
+                <a:spcPct val="90000"/>
+              </a:lnSpc>
+              <a:spcBef>
+                <a:spcPct val="0"/>
+              </a:spcBef>
+              <a:buNone/>
+              <a:defRPr sz="4400" kern="1200">
+                <a:solidFill>
+                  <a:schemeClr val="tx1"/>
+                </a:solidFill>
+                <a:latin typeface="+mj-lt"/>
+                <a:ea typeface="+mj-ea"/>
+                <a:cs typeface="+mj-cs"/>
+              </a:defRPr>
+            </a:lvl1pPr>
+          </a:lstStyle>
+          <a:p>
+            <a:r>
+              <a:rPr lang="en-US" sz="1200" dirty="0"/>
+              <a:t>Mass Murder (4+ deceased victims excluding the subject/suspect/perpetrator , one location)</a:t>
+            </a:r>
+          </a:p>
+        </p:txBody>
+      </p:sp>
+      <p:sp>
+        <p:nvSpPr>
+          <p:cNvPr id="36" name="Title 1">
+            <a:extLst>
+              <a:ext uri="{FF2B5EF4-FFF2-40B4-BE49-F238E27FC236}">
+                <a16:creationId xmlns:a16="http://schemas.microsoft.com/office/drawing/2014/main" id="{265261CC-1DE5-4470-9E68-A3F451814394}"/>
+              </a:ext>
+            </a:extLst>
+          </p:cNvPr>
+          <p:cNvSpPr txBox="1">
+            <a:spLocks/>
+          </p:cNvSpPr>
+          <p:nvPr/>
+        </p:nvSpPr>
+        <p:spPr>
+          <a:xfrm>
+            <a:off x="239487" y="5807487"/>
+            <a:ext cx="6319935" cy="122229"/>
+          </a:xfrm>
+          <a:prstGeom prst="rect">
+            <a:avLst/>
+          </a:prstGeom>
+        </p:spPr>
+        <p:txBody>
+          <a:bodyPr vert="horz" lIns="91440" tIns="45720" rIns="91440" bIns="45720" rtlCol="0" anchor="ctr">
+            <a:noAutofit/>
+          </a:bodyPr>
+          <a:lstStyle>
+            <a:lvl1pPr algn="l" defTabSz="914400" rtl="0" eaLnBrk="1" latinLnBrk="0" hangingPunct="1">
+              <a:lnSpc>
+                <a:spcPct val="90000"/>
+              </a:lnSpc>
+              <a:spcBef>
+                <a:spcPct val="0"/>
+              </a:spcBef>
+              <a:buNone/>
+              <a:defRPr sz="4400" kern="1200">
+                <a:solidFill>
+                  <a:schemeClr val="tx1"/>
+                </a:solidFill>
+                <a:latin typeface="+mj-lt"/>
+                <a:ea typeface="+mj-ea"/>
+                <a:cs typeface="+mj-cs"/>
+              </a:defRPr>
+            </a:lvl1pPr>
+          </a:lstStyle>
+          <a:p>
+            <a:r>
+              <a:rPr lang="en-US" sz="1200" dirty="0"/>
+              <a:t>Mass Shooting (4+ victims injured or killed excluding the subject/suspect/perpetrator, one location)</a:t>
+            </a:r>
+          </a:p>
+        </p:txBody>
+      </p:sp>
+      <p:sp>
+        <p:nvSpPr>
+          <p:cNvPr id="37" name="Title 1">
+            <a:extLst>
+              <a:ext uri="{FF2B5EF4-FFF2-40B4-BE49-F238E27FC236}">
+                <a16:creationId xmlns:a16="http://schemas.microsoft.com/office/drawing/2014/main" id="{384AB8B4-32DF-4DD3-AD15-44891E9CAF73}"/>
+              </a:ext>
+            </a:extLst>
+          </p:cNvPr>
+          <p:cNvSpPr txBox="1">
+            <a:spLocks/>
+          </p:cNvSpPr>
+          <p:nvPr/>
+        </p:nvSpPr>
+        <p:spPr>
+          <a:xfrm>
+            <a:off x="1771262" y="4728027"/>
+            <a:ext cx="5999584" cy="152400"/>
+          </a:xfrm>
+          <a:prstGeom prst="rect">
+            <a:avLst/>
+          </a:prstGeom>
+        </p:spPr>
+        <p:txBody>
+          <a:bodyPr vert="horz" lIns="91440" tIns="45720" rIns="91440" bIns="45720" rtlCol="0" anchor="ctr">
+            <a:noAutofit/>
+          </a:bodyPr>
+          <a:lstStyle>
+            <a:lvl1pPr algn="l" defTabSz="914400" rtl="0" eaLnBrk="1" latinLnBrk="0" hangingPunct="1">
+              <a:lnSpc>
+                <a:spcPct val="90000"/>
+              </a:lnSpc>
+              <a:spcBef>
+                <a:spcPct val="0"/>
+              </a:spcBef>
+              <a:buNone/>
+              <a:defRPr sz="4400" kern="1200">
+                <a:solidFill>
+                  <a:schemeClr val="tx1"/>
+                </a:solidFill>
+                <a:latin typeface="+mj-lt"/>
+                <a:ea typeface="+mj-ea"/>
+                <a:cs typeface="+mj-cs"/>
+              </a:defRPr>
+            </a:lvl1pPr>
+          </a:lstStyle>
+          <a:p>
+            <a:r>
+              <a:rPr lang="en-US" sz="1200" dirty="0"/>
+              <a:t>Mistaken ID (thought it was an intruder/threat, was friend/family</a:t>
+            </a:r>
+          </a:p>
+        </p:txBody>
+      </p:sp>
+      <p:sp>
+        <p:nvSpPr>
+          <p:cNvPr id="38" name="Title 1">
+            <a:extLst>
+              <a:ext uri="{FF2B5EF4-FFF2-40B4-BE49-F238E27FC236}">
+                <a16:creationId xmlns:a16="http://schemas.microsoft.com/office/drawing/2014/main" id="{7021A161-D813-4D27-988B-F405DFDB4EE2}"/>
+              </a:ext>
+            </a:extLst>
+          </p:cNvPr>
+          <p:cNvSpPr txBox="1">
+            <a:spLocks/>
+          </p:cNvSpPr>
+          <p:nvPr/>
+        </p:nvSpPr>
+        <p:spPr>
+          <a:xfrm>
+            <a:off x="8339625" y="6322410"/>
+            <a:ext cx="1176051" cy="167948"/>
+          </a:xfrm>
+          <a:prstGeom prst="rect">
+            <a:avLst/>
+          </a:prstGeom>
+        </p:spPr>
+        <p:txBody>
+          <a:bodyPr vert="horz" lIns="91440" tIns="45720" rIns="91440" bIns="45720" rtlCol="0" anchor="ctr">
+            <a:noAutofit/>
+          </a:bodyPr>
+          <a:lstStyle>
+            <a:lvl1pPr algn="l" defTabSz="914400" rtl="0" eaLnBrk="1" latinLnBrk="0" hangingPunct="1">
+              <a:lnSpc>
+                <a:spcPct val="90000"/>
+              </a:lnSpc>
+              <a:spcBef>
+                <a:spcPct val="0"/>
+              </a:spcBef>
+              <a:buNone/>
+              <a:defRPr sz="4400" kern="1200">
+                <a:solidFill>
+                  <a:schemeClr val="tx1"/>
+                </a:solidFill>
+                <a:latin typeface="+mj-lt"/>
+                <a:ea typeface="+mj-ea"/>
+                <a:cs typeface="+mj-cs"/>
+              </a:defRPr>
+            </a:lvl1pPr>
+          </a:lstStyle>
+          <a:p>
+            <a:r>
+              <a:rPr lang="en-US" sz="1200" dirty="0"/>
+              <a:t>Murder/Suicide</a:t>
+            </a:r>
+          </a:p>
+        </p:txBody>
+      </p:sp>
+      <p:sp>
+        <p:nvSpPr>
+          <p:cNvPr id="39" name="Title 1">
+            <a:extLst>
+              <a:ext uri="{FF2B5EF4-FFF2-40B4-BE49-F238E27FC236}">
+                <a16:creationId xmlns:a16="http://schemas.microsoft.com/office/drawing/2014/main" id="{41198E58-AB0E-4579-83BA-391C6FDDDBCF}"/>
+              </a:ext>
+            </a:extLst>
+          </p:cNvPr>
+          <p:cNvSpPr txBox="1">
+            <a:spLocks/>
+          </p:cNvSpPr>
+          <p:nvPr/>
+        </p:nvSpPr>
+        <p:spPr>
+          <a:xfrm>
+            <a:off x="9633472" y="6345300"/>
+            <a:ext cx="2225738" cy="102162"/>
+          </a:xfrm>
+          <a:prstGeom prst="rect">
+            <a:avLst/>
+          </a:prstGeom>
+        </p:spPr>
+        <p:txBody>
+          <a:bodyPr vert="horz" lIns="91440" tIns="45720" rIns="91440" bIns="45720" rtlCol="0" anchor="ctr">
+            <a:noAutofit/>
+          </a:bodyPr>
+          <a:lstStyle>
+            <a:lvl1pPr algn="l" defTabSz="914400" rtl="0" eaLnBrk="1" latinLnBrk="0" hangingPunct="1">
+              <a:lnSpc>
+                <a:spcPct val="90000"/>
+              </a:lnSpc>
+              <a:spcBef>
+                <a:spcPct val="0"/>
+              </a:spcBef>
+              <a:buNone/>
+              <a:defRPr sz="4400" kern="1200">
+                <a:solidFill>
+                  <a:schemeClr val="tx1"/>
+                </a:solidFill>
+                <a:latin typeface="+mj-lt"/>
+                <a:ea typeface="+mj-ea"/>
+                <a:cs typeface="+mj-cs"/>
+              </a:defRPr>
+            </a:lvl1pPr>
+          </a:lstStyle>
+          <a:p>
+            <a:r>
+              <a:rPr lang="en-US" sz="1200" dirty="0"/>
+              <a:t>Officer Involved Incident</a:t>
+            </a:r>
+          </a:p>
+        </p:txBody>
+      </p:sp>
+      <p:sp>
+        <p:nvSpPr>
+          <p:cNvPr id="41" name="Title 1">
+            <a:extLst>
+              <a:ext uri="{FF2B5EF4-FFF2-40B4-BE49-F238E27FC236}">
+                <a16:creationId xmlns:a16="http://schemas.microsoft.com/office/drawing/2014/main" id="{0B7EBB6E-F544-496F-BF6E-D35C8FE691FB}"/>
+              </a:ext>
+            </a:extLst>
+          </p:cNvPr>
+          <p:cNvSpPr txBox="1">
+            <a:spLocks/>
+          </p:cNvSpPr>
+          <p:nvPr/>
+        </p:nvSpPr>
+        <p:spPr>
+          <a:xfrm>
+            <a:off x="230156" y="1980054"/>
+            <a:ext cx="2643673" cy="122067"/>
+          </a:xfrm>
+          <a:prstGeom prst="rect">
+            <a:avLst/>
+          </a:prstGeom>
+        </p:spPr>
+        <p:txBody>
+          <a:bodyPr vert="horz" lIns="91440" tIns="45720" rIns="91440" bIns="45720" rtlCol="0" anchor="ctr">
+            <a:noAutofit/>
+          </a:bodyPr>
+          <a:lstStyle>
+            <a:lvl1pPr algn="l" defTabSz="914400" rtl="0" eaLnBrk="1" latinLnBrk="0" hangingPunct="1">
+              <a:lnSpc>
+                <a:spcPct val="90000"/>
+              </a:lnSpc>
+              <a:spcBef>
+                <a:spcPct val="0"/>
+              </a:spcBef>
+              <a:buNone/>
+              <a:defRPr sz="4400" kern="1200">
+                <a:solidFill>
+                  <a:schemeClr val="tx1"/>
+                </a:solidFill>
+                <a:latin typeface="+mj-lt"/>
+                <a:ea typeface="+mj-ea"/>
+                <a:cs typeface="+mj-cs"/>
+              </a:defRPr>
+            </a:lvl1pPr>
+          </a:lstStyle>
+          <a:p>
+            <a:r>
+              <a:rPr lang="en-US" sz="1200" dirty="0"/>
+              <a:t>Officer Involved Shooting - Officer killed</a:t>
+            </a:r>
+          </a:p>
+        </p:txBody>
+      </p:sp>
+      <p:sp>
+        <p:nvSpPr>
+          <p:cNvPr id="42" name="Title 1">
+            <a:extLst>
+              <a:ext uri="{FF2B5EF4-FFF2-40B4-BE49-F238E27FC236}">
+                <a16:creationId xmlns:a16="http://schemas.microsoft.com/office/drawing/2014/main" id="{EFE62BEB-B255-4768-940D-0483415D3885}"/>
+              </a:ext>
+            </a:extLst>
+          </p:cNvPr>
+          <p:cNvSpPr txBox="1">
+            <a:spLocks/>
+          </p:cNvSpPr>
+          <p:nvPr/>
+        </p:nvSpPr>
+        <p:spPr>
+          <a:xfrm>
+            <a:off x="3962400" y="1990548"/>
+            <a:ext cx="2852057" cy="99462"/>
+          </a:xfrm>
+          <a:prstGeom prst="rect">
+            <a:avLst/>
+          </a:prstGeom>
+        </p:spPr>
+        <p:txBody>
+          <a:bodyPr vert="horz" lIns="91440" tIns="45720" rIns="91440" bIns="45720" rtlCol="0" anchor="ctr">
+            <a:noAutofit/>
+          </a:bodyPr>
+          <a:lstStyle>
+            <a:lvl1pPr algn="l" defTabSz="914400" rtl="0" eaLnBrk="1" latinLnBrk="0" hangingPunct="1">
+              <a:lnSpc>
+                <a:spcPct val="90000"/>
+              </a:lnSpc>
+              <a:spcBef>
+                <a:spcPct val="0"/>
+              </a:spcBef>
+              <a:buNone/>
+              <a:defRPr sz="4400" kern="1200">
+                <a:solidFill>
+                  <a:schemeClr val="tx1"/>
+                </a:solidFill>
+                <a:latin typeface="+mj-lt"/>
+                <a:ea typeface="+mj-ea"/>
+                <a:cs typeface="+mj-cs"/>
+              </a:defRPr>
+            </a:lvl1pPr>
+          </a:lstStyle>
+          <a:p>
+            <a:r>
+              <a:rPr lang="en-US" sz="1200" dirty="0"/>
+              <a:t>Officer Involved Shooting - Bystander killed</a:t>
+            </a:r>
+          </a:p>
+        </p:txBody>
+      </p:sp>
+      <p:sp>
+        <p:nvSpPr>
+          <p:cNvPr id="43" name="Title 1">
+            <a:extLst>
+              <a:ext uri="{FF2B5EF4-FFF2-40B4-BE49-F238E27FC236}">
+                <a16:creationId xmlns:a16="http://schemas.microsoft.com/office/drawing/2014/main" id="{FC0AF699-63C5-4663-AE92-3AA1918329C6}"/>
+              </a:ext>
+            </a:extLst>
+          </p:cNvPr>
+          <p:cNvSpPr txBox="1">
+            <a:spLocks/>
+          </p:cNvSpPr>
+          <p:nvPr/>
+        </p:nvSpPr>
+        <p:spPr>
+          <a:xfrm>
+            <a:off x="239487" y="4198525"/>
+            <a:ext cx="4733731" cy="106681"/>
+          </a:xfrm>
+          <a:prstGeom prst="rect">
+            <a:avLst/>
+          </a:prstGeom>
+        </p:spPr>
+        <p:txBody>
+          <a:bodyPr vert="horz" lIns="91440" tIns="45720" rIns="91440" bIns="45720" rtlCol="0" anchor="ctr">
+            <a:noAutofit/>
+          </a:bodyPr>
+          <a:lstStyle>
+            <a:lvl1pPr algn="l" defTabSz="914400" rtl="0" eaLnBrk="1" latinLnBrk="0" hangingPunct="1">
+              <a:lnSpc>
+                <a:spcPct val="90000"/>
+              </a:lnSpc>
+              <a:spcBef>
+                <a:spcPct val="0"/>
+              </a:spcBef>
+              <a:buNone/>
+              <a:defRPr sz="4400" kern="1200">
+                <a:solidFill>
+                  <a:schemeClr val="tx1"/>
+                </a:solidFill>
+                <a:latin typeface="+mj-lt"/>
+                <a:ea typeface="+mj-ea"/>
+                <a:cs typeface="+mj-cs"/>
+              </a:defRPr>
+            </a:lvl1pPr>
+          </a:lstStyle>
+          <a:p>
+            <a:r>
+              <a:rPr lang="en-US" sz="1200" dirty="0"/>
+              <a:t>Officer Involved Shooting - subject/suspect/perpetrator suicide by cop</a:t>
+            </a:r>
+          </a:p>
+        </p:txBody>
+      </p:sp>
+      <p:sp>
+        <p:nvSpPr>
+          <p:cNvPr id="44" name="Title 1">
+            <a:extLst>
+              <a:ext uri="{FF2B5EF4-FFF2-40B4-BE49-F238E27FC236}">
+                <a16:creationId xmlns:a16="http://schemas.microsoft.com/office/drawing/2014/main" id="{2C2D80B2-34F1-4CA8-84DE-0C7F0062E4AA}"/>
+              </a:ext>
+            </a:extLst>
+          </p:cNvPr>
+          <p:cNvSpPr txBox="1">
+            <a:spLocks/>
+          </p:cNvSpPr>
+          <p:nvPr/>
+        </p:nvSpPr>
+        <p:spPr>
+          <a:xfrm>
+            <a:off x="5222033" y="3093443"/>
+            <a:ext cx="1160107" cy="114455"/>
+          </a:xfrm>
+          <a:prstGeom prst="rect">
+            <a:avLst/>
+          </a:prstGeom>
+        </p:spPr>
+        <p:txBody>
+          <a:bodyPr vert="horz" lIns="91440" tIns="45720" rIns="91440" bIns="45720" rtlCol="0" anchor="ctr">
+            <a:noAutofit/>
+          </a:bodyPr>
+          <a:lstStyle>
+            <a:lvl1pPr algn="l" defTabSz="914400" rtl="0" eaLnBrk="1" latinLnBrk="0" hangingPunct="1">
+              <a:lnSpc>
+                <a:spcPct val="90000"/>
+              </a:lnSpc>
+              <a:spcBef>
+                <a:spcPct val="0"/>
+              </a:spcBef>
+              <a:buNone/>
+              <a:defRPr sz="4400" kern="1200">
+                <a:solidFill>
+                  <a:schemeClr val="tx1"/>
+                </a:solidFill>
+                <a:latin typeface="+mj-lt"/>
+                <a:ea typeface="+mj-ea"/>
+                <a:cs typeface="+mj-cs"/>
+              </a:defRPr>
+            </a:lvl1pPr>
+          </a:lstStyle>
+          <a:p>
+            <a:r>
+              <a:rPr lang="en-US" sz="1200" dirty="0"/>
+              <a:t>Pistol-whipping</a:t>
+            </a:r>
+          </a:p>
+        </p:txBody>
+      </p:sp>
+      <p:sp>
+        <p:nvSpPr>
+          <p:cNvPr id="46" name="Title 1">
+            <a:extLst>
+              <a:ext uri="{FF2B5EF4-FFF2-40B4-BE49-F238E27FC236}">
+                <a16:creationId xmlns:a16="http://schemas.microsoft.com/office/drawing/2014/main" id="{BCF56793-283D-4949-8E82-58B8D32433C7}"/>
+              </a:ext>
+            </a:extLst>
+          </p:cNvPr>
+          <p:cNvSpPr txBox="1">
+            <a:spLocks/>
+          </p:cNvSpPr>
+          <p:nvPr/>
+        </p:nvSpPr>
+        <p:spPr>
+          <a:xfrm>
+            <a:off x="7234337" y="2544169"/>
+            <a:ext cx="1160106" cy="122228"/>
+          </a:xfrm>
+          <a:prstGeom prst="rect">
+            <a:avLst/>
+          </a:prstGeom>
+        </p:spPr>
+        <p:txBody>
+          <a:bodyPr vert="horz" lIns="91440" tIns="45720" rIns="91440" bIns="45720" rtlCol="0" anchor="ctr">
+            <a:noAutofit/>
+          </a:bodyPr>
+          <a:lstStyle>
+            <a:lvl1pPr algn="l" defTabSz="914400" rtl="0" eaLnBrk="1" latinLnBrk="0" hangingPunct="1">
+              <a:lnSpc>
+                <a:spcPct val="90000"/>
+              </a:lnSpc>
+              <a:spcBef>
+                <a:spcPct val="0"/>
+              </a:spcBef>
+              <a:buNone/>
+              <a:defRPr sz="4400" kern="1200">
+                <a:solidFill>
+                  <a:schemeClr val="tx1"/>
+                </a:solidFill>
+                <a:latin typeface="+mj-lt"/>
+                <a:ea typeface="+mj-ea"/>
+                <a:cs typeface="+mj-cs"/>
+              </a:defRPr>
+            </a:lvl1pPr>
+          </a:lstStyle>
+          <a:p>
+            <a:r>
+              <a:rPr lang="en-US" sz="1200" dirty="0"/>
+              <a:t>Police Targeted</a:t>
+            </a:r>
+          </a:p>
+        </p:txBody>
+      </p:sp>
+      <p:sp>
+        <p:nvSpPr>
+          <p:cNvPr id="47" name="Title 1">
+            <a:extLst>
+              <a:ext uri="{FF2B5EF4-FFF2-40B4-BE49-F238E27FC236}">
+                <a16:creationId xmlns:a16="http://schemas.microsoft.com/office/drawing/2014/main" id="{5DD04D6E-FDEC-4A85-AB2E-CA896CAED86E}"/>
+              </a:ext>
+            </a:extLst>
+          </p:cNvPr>
+          <p:cNvSpPr txBox="1">
+            <a:spLocks/>
+          </p:cNvSpPr>
+          <p:nvPr/>
+        </p:nvSpPr>
+        <p:spPr>
+          <a:xfrm>
+            <a:off x="5943601" y="2529100"/>
+            <a:ext cx="1222309" cy="122228"/>
+          </a:xfrm>
+          <a:prstGeom prst="rect">
+            <a:avLst/>
+          </a:prstGeom>
+        </p:spPr>
+        <p:txBody>
+          <a:bodyPr vert="horz" lIns="91440" tIns="45720" rIns="91440" bIns="45720" rtlCol="0" anchor="ctr">
+            <a:noAutofit/>
+          </a:bodyPr>
+          <a:lstStyle>
+            <a:lvl1pPr algn="l" defTabSz="914400" rtl="0" eaLnBrk="1" latinLnBrk="0" hangingPunct="1">
+              <a:lnSpc>
+                <a:spcPct val="90000"/>
+              </a:lnSpc>
+              <a:spcBef>
+                <a:spcPct val="0"/>
+              </a:spcBef>
+              <a:buNone/>
+              <a:defRPr sz="4400" kern="1200">
+                <a:solidFill>
+                  <a:schemeClr val="tx1"/>
+                </a:solidFill>
+                <a:latin typeface="+mj-lt"/>
+                <a:ea typeface="+mj-ea"/>
+                <a:cs typeface="+mj-cs"/>
+              </a:defRPr>
+            </a:lvl1pPr>
+          </a:lstStyle>
+          <a:p>
+            <a:r>
+              <a:rPr lang="en-US" sz="1200" dirty="0"/>
+              <a:t>Political Violence</a:t>
+            </a:r>
+          </a:p>
+        </p:txBody>
+      </p:sp>
+      <p:sp>
+        <p:nvSpPr>
+          <p:cNvPr id="48" name="Title 1">
+            <a:extLst>
+              <a:ext uri="{FF2B5EF4-FFF2-40B4-BE49-F238E27FC236}">
+                <a16:creationId xmlns:a16="http://schemas.microsoft.com/office/drawing/2014/main" id="{3CBFC032-0E75-46E4-9912-1B0145C3377A}"/>
+              </a:ext>
+            </a:extLst>
+          </p:cNvPr>
+          <p:cNvSpPr txBox="1">
+            <a:spLocks/>
+          </p:cNvSpPr>
+          <p:nvPr/>
+        </p:nvSpPr>
+        <p:spPr>
+          <a:xfrm>
+            <a:off x="3334139" y="3633008"/>
+            <a:ext cx="4130351" cy="122229"/>
+          </a:xfrm>
+          <a:prstGeom prst="rect">
+            <a:avLst/>
+          </a:prstGeom>
+        </p:spPr>
+        <p:txBody>
+          <a:bodyPr vert="horz" lIns="91440" tIns="45720" rIns="91440" bIns="45720" rtlCol="0" anchor="ctr">
+            <a:noAutofit/>
+          </a:bodyPr>
+          <a:lstStyle>
+            <a:lvl1pPr algn="l" defTabSz="914400" rtl="0" eaLnBrk="1" latinLnBrk="0" hangingPunct="1">
+              <a:lnSpc>
+                <a:spcPct val="90000"/>
+              </a:lnSpc>
+              <a:spcBef>
+                <a:spcPct val="0"/>
+              </a:spcBef>
+              <a:buNone/>
+              <a:defRPr sz="4400" kern="1200">
+                <a:solidFill>
+                  <a:schemeClr val="tx1"/>
+                </a:solidFill>
+                <a:latin typeface="+mj-lt"/>
+                <a:ea typeface="+mj-ea"/>
+                <a:cs typeface="+mj-cs"/>
+              </a:defRPr>
+            </a:lvl1pPr>
+          </a:lstStyle>
+          <a:p>
+            <a:r>
+              <a:rPr lang="en-US" sz="1200" dirty="0"/>
+              <a:t>Possession (gun(s) found during commission of other crimes)</a:t>
+            </a:r>
+          </a:p>
+        </p:txBody>
+      </p:sp>
+      <p:sp>
+        <p:nvSpPr>
+          <p:cNvPr id="49" name="Title 1">
+            <a:extLst>
+              <a:ext uri="{FF2B5EF4-FFF2-40B4-BE49-F238E27FC236}">
+                <a16:creationId xmlns:a16="http://schemas.microsoft.com/office/drawing/2014/main" id="{B1177660-5DA0-432B-8720-ED894479C349}"/>
+              </a:ext>
+            </a:extLst>
+          </p:cNvPr>
+          <p:cNvSpPr txBox="1">
+            <a:spLocks/>
+          </p:cNvSpPr>
+          <p:nvPr/>
+        </p:nvSpPr>
+        <p:spPr>
+          <a:xfrm>
+            <a:off x="7668214" y="3608365"/>
+            <a:ext cx="803988" cy="119157"/>
+          </a:xfrm>
+          <a:prstGeom prst="rect">
+            <a:avLst/>
+          </a:prstGeom>
+        </p:spPr>
+        <p:txBody>
+          <a:bodyPr vert="horz" lIns="91440" tIns="45720" rIns="91440" bIns="45720" rtlCol="0" anchor="ctr">
+            <a:noAutofit/>
+          </a:bodyPr>
+          <a:lstStyle>
+            <a:lvl1pPr algn="l" defTabSz="914400" rtl="0" eaLnBrk="1" latinLnBrk="0" hangingPunct="1">
+              <a:lnSpc>
+                <a:spcPct val="90000"/>
+              </a:lnSpc>
+              <a:spcBef>
+                <a:spcPct val="0"/>
+              </a:spcBef>
+              <a:buNone/>
+              <a:defRPr sz="4400" kern="1200">
+                <a:solidFill>
+                  <a:schemeClr val="tx1"/>
+                </a:solidFill>
+                <a:latin typeface="+mj-lt"/>
+                <a:ea typeface="+mj-ea"/>
+                <a:cs typeface="+mj-cs"/>
+              </a:defRPr>
+            </a:lvl1pPr>
+          </a:lstStyle>
+          <a:p>
+            <a:r>
+              <a:rPr lang="en-US" sz="1200" dirty="0"/>
+              <a:t>Road rage</a:t>
+            </a:r>
+          </a:p>
+        </p:txBody>
+      </p:sp>
+      <p:sp>
+        <p:nvSpPr>
+          <p:cNvPr id="50" name="Title 1">
+            <a:extLst>
+              <a:ext uri="{FF2B5EF4-FFF2-40B4-BE49-F238E27FC236}">
+                <a16:creationId xmlns:a16="http://schemas.microsoft.com/office/drawing/2014/main" id="{B2526766-1AD2-43AA-8E08-22D85F71B021}"/>
+              </a:ext>
+            </a:extLst>
+          </p:cNvPr>
+          <p:cNvSpPr txBox="1">
+            <a:spLocks/>
+          </p:cNvSpPr>
+          <p:nvPr/>
+        </p:nvSpPr>
+        <p:spPr>
+          <a:xfrm>
+            <a:off x="4830153" y="4197428"/>
+            <a:ext cx="1828800" cy="164724"/>
+          </a:xfrm>
+          <a:prstGeom prst="rect">
+            <a:avLst/>
+          </a:prstGeom>
+        </p:spPr>
+        <p:txBody>
+          <a:bodyPr vert="horz" lIns="91440" tIns="45720" rIns="91440" bIns="45720" rtlCol="0" anchor="ctr">
+            <a:noAutofit/>
+          </a:bodyPr>
+          <a:lstStyle>
+            <a:lvl1pPr algn="l" defTabSz="914400" rtl="0" eaLnBrk="1" latinLnBrk="0" hangingPunct="1">
+              <a:lnSpc>
+                <a:spcPct val="90000"/>
+              </a:lnSpc>
+              <a:spcBef>
+                <a:spcPct val="0"/>
+              </a:spcBef>
+              <a:buNone/>
+              <a:defRPr sz="4400" kern="1200">
+                <a:solidFill>
+                  <a:schemeClr val="tx1"/>
+                </a:solidFill>
+                <a:latin typeface="+mj-lt"/>
+                <a:ea typeface="+mj-ea"/>
+                <a:cs typeface="+mj-cs"/>
+              </a:defRPr>
+            </a:lvl1pPr>
+          </a:lstStyle>
+          <a:p>
+            <a:r>
+              <a:rPr lang="en-US" sz="1200" dirty="0"/>
+              <a:t>Sex crime involving firearm</a:t>
+            </a:r>
+          </a:p>
+        </p:txBody>
+      </p:sp>
+      <p:sp>
+        <p:nvSpPr>
+          <p:cNvPr id="51" name="Title 1">
+            <a:extLst>
+              <a:ext uri="{FF2B5EF4-FFF2-40B4-BE49-F238E27FC236}">
+                <a16:creationId xmlns:a16="http://schemas.microsoft.com/office/drawing/2014/main" id="{ACB6A296-6FEA-4C21-B7D1-89678A0A6797}"/>
+              </a:ext>
+            </a:extLst>
+          </p:cNvPr>
+          <p:cNvSpPr txBox="1">
+            <a:spLocks/>
+          </p:cNvSpPr>
+          <p:nvPr/>
+        </p:nvSpPr>
+        <p:spPr>
+          <a:xfrm>
+            <a:off x="8462871" y="2539241"/>
+            <a:ext cx="3396338" cy="65648"/>
+          </a:xfrm>
+          <a:prstGeom prst="rect">
+            <a:avLst/>
+          </a:prstGeom>
+        </p:spPr>
+        <p:txBody>
+          <a:bodyPr vert="horz" lIns="91440" tIns="45720" rIns="91440" bIns="45720" rtlCol="0" anchor="ctr">
+            <a:noAutofit/>
+          </a:bodyPr>
+          <a:lstStyle>
+            <a:lvl1pPr algn="l" defTabSz="914400" rtl="0" eaLnBrk="1" latinLnBrk="0" hangingPunct="1">
+              <a:lnSpc>
+                <a:spcPct val="90000"/>
+              </a:lnSpc>
+              <a:spcBef>
+                <a:spcPct val="0"/>
+              </a:spcBef>
+              <a:buNone/>
+              <a:defRPr sz="4400" kern="1200">
+                <a:solidFill>
+                  <a:schemeClr val="tx1"/>
+                </a:solidFill>
+                <a:latin typeface="+mj-lt"/>
+                <a:ea typeface="+mj-ea"/>
+                <a:cs typeface="+mj-cs"/>
+              </a:defRPr>
+            </a:lvl1pPr>
+          </a:lstStyle>
+          <a:p>
+            <a:r>
+              <a:rPr lang="en-US" sz="1200" dirty="0"/>
+              <a:t>Spree Shooting (multiple victims, multiple locations)</a:t>
+            </a:r>
+          </a:p>
+        </p:txBody>
+      </p:sp>
+      <p:sp>
+        <p:nvSpPr>
+          <p:cNvPr id="52" name="Title 1">
+            <a:extLst>
+              <a:ext uri="{FF2B5EF4-FFF2-40B4-BE49-F238E27FC236}">
+                <a16:creationId xmlns:a16="http://schemas.microsoft.com/office/drawing/2014/main" id="{C4CFF1DA-1EAA-4B8F-9499-CCE95C9DA60B}"/>
+              </a:ext>
+            </a:extLst>
+          </p:cNvPr>
+          <p:cNvSpPr txBox="1">
+            <a:spLocks/>
+          </p:cNvSpPr>
+          <p:nvPr/>
+        </p:nvSpPr>
+        <p:spPr>
+          <a:xfrm>
+            <a:off x="6948195" y="1964899"/>
+            <a:ext cx="702907" cy="114455"/>
+          </a:xfrm>
+          <a:prstGeom prst="rect">
+            <a:avLst/>
+          </a:prstGeom>
+        </p:spPr>
+        <p:txBody>
+          <a:bodyPr vert="horz" lIns="91440" tIns="45720" rIns="91440" bIns="45720" rtlCol="0" anchor="ctr">
+            <a:noAutofit/>
+          </a:bodyPr>
+          <a:lstStyle>
+            <a:lvl1pPr algn="l" defTabSz="914400" rtl="0" eaLnBrk="1" latinLnBrk="0" hangingPunct="1">
+              <a:lnSpc>
+                <a:spcPct val="90000"/>
+              </a:lnSpc>
+              <a:spcBef>
+                <a:spcPct val="0"/>
+              </a:spcBef>
+              <a:buNone/>
+              <a:defRPr sz="4400" kern="1200">
+                <a:solidFill>
+                  <a:schemeClr val="tx1"/>
+                </a:solidFill>
+                <a:latin typeface="+mj-lt"/>
+                <a:ea typeface="+mj-ea"/>
+                <a:cs typeface="+mj-cs"/>
+              </a:defRPr>
+            </a:lvl1pPr>
+          </a:lstStyle>
+          <a:p>
+            <a:r>
+              <a:rPr lang="en-US" sz="1200" dirty="0"/>
+              <a:t>Suicide</a:t>
+            </a:r>
+          </a:p>
+        </p:txBody>
+      </p:sp>
+      <p:sp>
+        <p:nvSpPr>
+          <p:cNvPr id="53" name="Title 1">
+            <a:extLst>
+              <a:ext uri="{FF2B5EF4-FFF2-40B4-BE49-F238E27FC236}">
+                <a16:creationId xmlns:a16="http://schemas.microsoft.com/office/drawing/2014/main" id="{18E0B2D4-7B8C-4885-9779-F4D10D26DC9D}"/>
+              </a:ext>
+            </a:extLst>
+          </p:cNvPr>
+          <p:cNvSpPr txBox="1">
+            <a:spLocks/>
+          </p:cNvSpPr>
+          <p:nvPr/>
+        </p:nvSpPr>
+        <p:spPr>
+          <a:xfrm>
+            <a:off x="7879708" y="4225791"/>
+            <a:ext cx="1635968" cy="137776"/>
+          </a:xfrm>
+          <a:prstGeom prst="rect">
+            <a:avLst/>
+          </a:prstGeom>
+        </p:spPr>
+        <p:txBody>
+          <a:bodyPr vert="horz" lIns="91440" tIns="45720" rIns="91440" bIns="45720" rtlCol="0" anchor="ctr">
+            <a:noAutofit/>
+          </a:bodyPr>
+          <a:lstStyle>
+            <a:lvl1pPr algn="l" defTabSz="914400" rtl="0" eaLnBrk="1" latinLnBrk="0" hangingPunct="1">
+              <a:lnSpc>
+                <a:spcPct val="90000"/>
+              </a:lnSpc>
+              <a:spcBef>
+                <a:spcPct val="0"/>
+              </a:spcBef>
+              <a:buNone/>
+              <a:defRPr sz="4400" kern="1200">
+                <a:solidFill>
+                  <a:schemeClr val="tx1"/>
+                </a:solidFill>
+                <a:latin typeface="+mj-lt"/>
+                <a:ea typeface="+mj-ea"/>
+                <a:cs typeface="+mj-cs"/>
+              </a:defRPr>
+            </a:lvl1pPr>
+          </a:lstStyle>
+          <a:p>
+            <a:r>
+              <a:rPr lang="en-US" sz="1200" dirty="0"/>
+              <a:t>Terrorism Involvement</a:t>
+            </a:r>
+          </a:p>
+        </p:txBody>
+      </p:sp>
+      <p:sp>
+        <p:nvSpPr>
+          <p:cNvPr id="54" name="Title 1">
+            <a:extLst>
+              <a:ext uri="{FF2B5EF4-FFF2-40B4-BE49-F238E27FC236}">
+                <a16:creationId xmlns:a16="http://schemas.microsoft.com/office/drawing/2014/main" id="{69DFA29B-1C37-4345-94D2-FF02C31C4252}"/>
+              </a:ext>
+            </a:extLst>
+          </p:cNvPr>
+          <p:cNvSpPr txBox="1">
+            <a:spLocks/>
+          </p:cNvSpPr>
+          <p:nvPr/>
+        </p:nvSpPr>
+        <p:spPr>
+          <a:xfrm>
+            <a:off x="230156" y="2536079"/>
+            <a:ext cx="5806751" cy="106681"/>
+          </a:xfrm>
+          <a:prstGeom prst="rect">
+            <a:avLst/>
+          </a:prstGeom>
+        </p:spPr>
+        <p:txBody>
+          <a:bodyPr vert="horz" lIns="91440" tIns="45720" rIns="91440" bIns="45720" rtlCol="0" anchor="ctr">
+            <a:noAutofit/>
+          </a:bodyPr>
+          <a:lstStyle>
+            <a:lvl1pPr algn="l" defTabSz="914400" rtl="0" eaLnBrk="1" latinLnBrk="0" hangingPunct="1">
+              <a:lnSpc>
+                <a:spcPct val="90000"/>
+              </a:lnSpc>
+              <a:spcBef>
+                <a:spcPct val="0"/>
+              </a:spcBef>
+              <a:buNone/>
+              <a:defRPr sz="4400" kern="1200">
+                <a:solidFill>
+                  <a:schemeClr val="tx1"/>
+                </a:solidFill>
+                <a:latin typeface="+mj-lt"/>
+                <a:ea typeface="+mj-ea"/>
+                <a:cs typeface="+mj-cs"/>
+              </a:defRPr>
+            </a:lvl1pPr>
+          </a:lstStyle>
+          <a:p>
+            <a:r>
+              <a:rPr lang="en-US" sz="1200" dirty="0"/>
+              <a:t>Under the influence of alcohol or drugs (only applies to the subject/suspect/perpetrator )</a:t>
+            </a:r>
+          </a:p>
+        </p:txBody>
+      </p:sp>
+      <p:sp>
+        <p:nvSpPr>
+          <p:cNvPr id="55" name="Title 1">
+            <a:extLst>
+              <a:ext uri="{FF2B5EF4-FFF2-40B4-BE49-F238E27FC236}">
+                <a16:creationId xmlns:a16="http://schemas.microsoft.com/office/drawing/2014/main" id="{21192417-207A-41E2-A2AF-048A184B2B8F}"/>
+              </a:ext>
+            </a:extLst>
+          </p:cNvPr>
+          <p:cNvSpPr txBox="1">
+            <a:spLocks/>
+          </p:cNvSpPr>
+          <p:nvPr/>
+        </p:nvSpPr>
+        <p:spPr>
+          <a:xfrm>
+            <a:off x="6096000" y="4745954"/>
+            <a:ext cx="4130351" cy="122229"/>
+          </a:xfrm>
+          <a:prstGeom prst="rect">
+            <a:avLst/>
+          </a:prstGeom>
+        </p:spPr>
+        <p:txBody>
+          <a:bodyPr vert="horz" lIns="91440" tIns="45720" rIns="91440" bIns="45720" rtlCol="0" anchor="ctr">
+            <a:noAutofit/>
+          </a:bodyPr>
+          <a:lstStyle>
+            <a:lvl1pPr algn="l" defTabSz="914400" rtl="0" eaLnBrk="1" latinLnBrk="0" hangingPunct="1">
+              <a:lnSpc>
+                <a:spcPct val="90000"/>
+              </a:lnSpc>
+              <a:spcBef>
+                <a:spcPct val="0"/>
+              </a:spcBef>
+              <a:buNone/>
+              <a:defRPr sz="4400" kern="1200">
+                <a:solidFill>
+                  <a:schemeClr val="tx1"/>
+                </a:solidFill>
+                <a:latin typeface="+mj-lt"/>
+                <a:ea typeface="+mj-ea"/>
+                <a:cs typeface="+mj-cs"/>
+              </a:defRPr>
+            </a:lvl1pPr>
+          </a:lstStyle>
+          <a:p>
+            <a:r>
+              <a:rPr lang="en-US" sz="1200" dirty="0"/>
+              <a:t>Unlawful purchase/sale</a:t>
+            </a:r>
+          </a:p>
+        </p:txBody>
+      </p:sp>
+    </p:spTree>
+    <p:extLst>
+      <p:ext uri="{BB962C8B-B14F-4D97-AF65-F5344CB8AC3E}">
+        <p14:creationId xmlns:p14="http://schemas.microsoft.com/office/powerpoint/2010/main" val="1314366789"/>
+      </p:ext>
+    </p:extLst>
+  </p:cSld>
+  <p:clrMapOvr>
+    <a:masterClrMapping/>
+  </p:clrMapOvr>
+  <p:timing>
+    <p:tnLst>
+      <p:par>
+        <p:cTn id="1" dur="indefinite" restart="never" nodeType="tmRoot">
+          <p:childTnLst>
+            <p:seq concurrent="1" nextAc="seek">
+              <p:cTn id="2" dur="indefinite" nodeType="mainSeq">
+                <p:childTnLst>
+                  <p:par>
+                    <p:cTn id="3" fill="hold">
+                      <p:stCondLst>
+                        <p:cond delay="indefinite"/>
+                        <p:cond evt="onBegin" delay="0">
+                          <p:tn val="2"/>
+                        </p:cond>
+                      </p:stCondLst>
+                      <p:childTnLst>
+                        <p:par>
+                          <p:cTn id="4" fill="hold">
+                            <p:stCondLst>
+                              <p:cond delay="0"/>
+                            </p:stCondLst>
+                            <p:childTnLst>
+                              <p:par>
+                                <p:cTn id="5" presetID="42" presetClass="entr" presetSubtype="0" fill="hold" grpId="0" nodeType="withEffect">
+                                  <p:stCondLst>
+                                    <p:cond delay="0"/>
+                                  </p:stCondLst>
+                                  <p:childTnLst>
+                                    <p:set>
+                                      <p:cBhvr>
+                                        <p:cTn id="6" dur="1" fill="hold">
+                                          <p:stCondLst>
+                                            <p:cond delay="0"/>
+                                          </p:stCondLst>
+                                        </p:cTn>
+                                        <p:tgtEl>
+                                          <p:spTgt spid="2"/>
+                                        </p:tgtEl>
+                                        <p:attrNameLst>
+                                          <p:attrName>style.visibility</p:attrName>
+                                        </p:attrNameLst>
+                                      </p:cBhvr>
+                                      <p:to>
+                                        <p:strVal val="visible"/>
+                                      </p:to>
+                                    </p:set>
                                     <p:animEffect transition="in" filter="fade">
                                       <p:cBhvr>
-                                        <p:cTn id="16" dur="500"/>
+                                        <p:cTn id="7" dur="1000"/>
+                                        <p:tgtEl>
+                                          <p:spTgt spid="2"/>
+                                        </p:tgtEl>
+                                      </p:cBhvr>
+                                    </p:animEffect>
+                                    <p:anim calcmode="lin" valueType="num">
+                                      <p:cBhvr>
+                                        <p:cTn id="8" dur="1000" fill="hold"/>
+                                        <p:tgtEl>
+                                          <p:spTgt spid="2"/>
+                                        </p:tgtEl>
+                                        <p:attrNameLst>
+                                          <p:attrName>ppt_x</p:attrName>
+                                        </p:attrNameLst>
+                                      </p:cBhvr>
+                                      <p:tavLst>
+                                        <p:tav tm="0">
+                                          <p:val>
+                                            <p:strVal val="#ppt_x"/>
+                                          </p:val>
+                                        </p:tav>
+                                        <p:tav tm="100000">
+                                          <p:val>
+                                            <p:strVal val="#ppt_x"/>
+                                          </p:val>
+                                        </p:tav>
+                                      </p:tavLst>
+                                    </p:anim>
+                                    <p:anim calcmode="lin" valueType="num">
+                                      <p:cBhvr>
+                                        <p:cTn id="9" dur="1000" fill="hold"/>
+                                        <p:tgtEl>
+                                          <p:spTgt spid="2"/>
+                                        </p:tgtEl>
+                                        <p:attrNameLst>
+                                          <p:attrName>ppt_y</p:attrName>
+                                        </p:attrNameLst>
+                                      </p:cBhvr>
+                                      <p:tavLst>
+                                        <p:tav tm="0">
+                                          <p:val>
+                                            <p:strVal val="#ppt_y+.1"/>
+                                          </p:val>
+                                        </p:tav>
+                                        <p:tav tm="100000">
+                                          <p:val>
+                                            <p:strVal val="#ppt_y"/>
+                                          </p:val>
+                                        </p:tav>
+                                      </p:tavLst>
+                                    </p:anim>
+                                  </p:childTnLst>
+                                </p:cTn>
+                              </p:par>
+                            </p:childTnLst>
+                          </p:cTn>
+                        </p:par>
+                      </p:childTnLst>
+                    </p:cTn>
+                  </p:par>
+                  <p:par>
+                    <p:cTn id="10" fill="hold">
+                      <p:stCondLst>
+                        <p:cond delay="indefinite"/>
+                      </p:stCondLst>
+                      <p:childTnLst>
+                        <p:par>
+                          <p:cTn id="11" fill="hold">
+                            <p:stCondLst>
+                              <p:cond delay="0"/>
+                            </p:stCondLst>
+                            <p:childTnLst>
+                              <p:par>
+                                <p:cTn id="12" presetID="42" presetClass="entr" presetSubtype="0" fill="hold" grpId="0" nodeType="clickEffect">
+                                  <p:stCondLst>
+                                    <p:cond delay="0"/>
+                                  </p:stCondLst>
+                                  <p:childTnLst>
+                                    <p:set>
+                                      <p:cBhvr>
+                                        <p:cTn id="13" dur="1" fill="hold">
+                                          <p:stCondLst>
+                                            <p:cond delay="0"/>
+                                          </p:stCondLst>
+                                        </p:cTn>
                                         <p:tgtEl>
                                           <p:spTgt spid="3"/>
+                                        </p:tgtEl>
+                                        <p:attrNameLst>
+                                          <p:attrName>style.visibility</p:attrName>
+                                        </p:attrNameLst>
+                                      </p:cBhvr>
+                                      <p:to>
+                                        <p:strVal val="visible"/>
+                                      </p:to>
+                                    </p:set>
+                                    <p:animEffect transition="in" filter="fade">
+                                      <p:cBhvr>
+                                        <p:cTn id="14" dur="1000"/>
+                                        <p:tgtEl>
+                                          <p:spTgt spid="3"/>
+                                        </p:tgtEl>
+                                      </p:cBhvr>
+                                    </p:animEffect>
+                                    <p:anim calcmode="lin" valueType="num">
+                                      <p:cBhvr>
+                                        <p:cTn id="15" dur="1000" fill="hold"/>
+                                        <p:tgtEl>
+                                          <p:spTgt spid="3"/>
+                                        </p:tgtEl>
+                                        <p:attrNameLst>
+                                          <p:attrName>ppt_x</p:attrName>
+                                        </p:attrNameLst>
+                                      </p:cBhvr>
+                                      <p:tavLst>
+                                        <p:tav tm="0">
+                                          <p:val>
+                                            <p:strVal val="#ppt_x"/>
+                                          </p:val>
+                                        </p:tav>
+                                        <p:tav tm="100000">
+                                          <p:val>
+                                            <p:strVal val="#ppt_x"/>
+                                          </p:val>
+                                        </p:tav>
+                                      </p:tavLst>
+                                    </p:anim>
+                                    <p:anim calcmode="lin" valueType="num">
+                                      <p:cBhvr>
+                                        <p:cTn id="16" dur="1000" fill="hold"/>
+                                        <p:tgtEl>
+                                          <p:spTgt spid="3"/>
+                                        </p:tgtEl>
+                                        <p:attrNameLst>
+                                          <p:attrName>ppt_y</p:attrName>
+                                        </p:attrNameLst>
+                                      </p:cBhvr>
+                                      <p:tavLst>
+                                        <p:tav tm="0">
+                                          <p:val>
+                                            <p:strVal val="#ppt_y+.1"/>
+                                          </p:val>
+                                        </p:tav>
+                                        <p:tav tm="100000">
+                                          <p:val>
+                                            <p:strVal val="#ppt_y"/>
+                                          </p:val>
+                                        </p:tav>
+                                      </p:tavLst>
+                                    </p:anim>
+                                  </p:childTnLst>
+                                </p:cTn>
+                              </p:par>
+                            </p:childTnLst>
+                          </p:cTn>
+                        </p:par>
+                        <p:par>
+                          <p:cTn id="17" fill="hold">
+                            <p:stCondLst>
+                              <p:cond delay="1000"/>
+                            </p:stCondLst>
+                            <p:childTnLst>
+                              <p:par>
+                                <p:cTn id="18" presetID="10" presetClass="entr" presetSubtype="0" fill="hold" grpId="0" nodeType="afterEffect">
+                                  <p:stCondLst>
+                                    <p:cond delay="0"/>
+                                  </p:stCondLst>
+                                  <p:childTnLst>
+                                    <p:set>
+                                      <p:cBhvr>
+                                        <p:cTn id="19" dur="1" fill="hold">
+                                          <p:stCondLst>
+                                            <p:cond delay="0"/>
+                                          </p:stCondLst>
+                                        </p:cTn>
+                                        <p:tgtEl>
+                                          <p:spTgt spid="6"/>
+                                        </p:tgtEl>
+                                        <p:attrNameLst>
+                                          <p:attrName>style.visibility</p:attrName>
+                                        </p:attrNameLst>
+                                      </p:cBhvr>
+                                      <p:to>
+                                        <p:strVal val="visible"/>
+                                      </p:to>
+                                    </p:set>
+                                    <p:animEffect transition="in" filter="fade">
+                                      <p:cBhvr>
+                                        <p:cTn id="20" dur="500"/>
+                                        <p:tgtEl>
+                                          <p:spTgt spid="6"/>
+                                        </p:tgtEl>
+                                      </p:cBhvr>
+                                    </p:animEffect>
+                                  </p:childTnLst>
+                                </p:cTn>
+                              </p:par>
+                              <p:par>
+                                <p:cTn id="21" presetID="10" presetClass="entr" presetSubtype="0" fill="hold" grpId="0" nodeType="withEffect">
+                                  <p:stCondLst>
+                                    <p:cond delay="50"/>
+                                  </p:stCondLst>
+                                  <p:childTnLst>
+                                    <p:set>
+                                      <p:cBhvr>
+                                        <p:cTn id="22" dur="1" fill="hold">
+                                          <p:stCondLst>
+                                            <p:cond delay="0"/>
+                                          </p:stCondLst>
+                                        </p:cTn>
+                                        <p:tgtEl>
+                                          <p:spTgt spid="8"/>
+                                        </p:tgtEl>
+                                        <p:attrNameLst>
+                                          <p:attrName>style.visibility</p:attrName>
+                                        </p:attrNameLst>
+                                      </p:cBhvr>
+                                      <p:to>
+                                        <p:strVal val="visible"/>
+                                      </p:to>
+                                    </p:set>
+                                    <p:animEffect transition="in" filter="fade">
+                                      <p:cBhvr>
+                                        <p:cTn id="23" dur="500"/>
+                                        <p:tgtEl>
+                                          <p:spTgt spid="8"/>
+                                        </p:tgtEl>
+                                      </p:cBhvr>
+                                    </p:animEffect>
+                                  </p:childTnLst>
+                                </p:cTn>
+                              </p:par>
+                              <p:par>
+                                <p:cTn id="24" presetID="10" presetClass="entr" presetSubtype="0" fill="hold" grpId="0" nodeType="withEffect">
+                                  <p:stCondLst>
+                                    <p:cond delay="100"/>
+                                  </p:stCondLst>
+                                  <p:childTnLst>
+                                    <p:set>
+                                      <p:cBhvr>
+                                        <p:cTn id="25" dur="1" fill="hold">
+                                          <p:stCondLst>
+                                            <p:cond delay="0"/>
+                                          </p:stCondLst>
+                                        </p:cTn>
+                                        <p:tgtEl>
+                                          <p:spTgt spid="10"/>
+                                        </p:tgtEl>
+                                        <p:attrNameLst>
+                                          <p:attrName>style.visibility</p:attrName>
+                                        </p:attrNameLst>
+                                      </p:cBhvr>
+                                      <p:to>
+                                        <p:strVal val="visible"/>
+                                      </p:to>
+                                    </p:set>
+                                    <p:animEffect transition="in" filter="fade">
+                                      <p:cBhvr>
+                                        <p:cTn id="26" dur="500"/>
+                                        <p:tgtEl>
+                                          <p:spTgt spid="10"/>
+                                        </p:tgtEl>
+                                      </p:cBhvr>
+                                    </p:animEffect>
+                                  </p:childTnLst>
+                                </p:cTn>
+                              </p:par>
+                              <p:par>
+                                <p:cTn id="27" presetID="10" presetClass="entr" presetSubtype="0" fill="hold" grpId="0" nodeType="withEffect">
+                                  <p:stCondLst>
+                                    <p:cond delay="150"/>
+                                  </p:stCondLst>
+                                  <p:childTnLst>
+                                    <p:set>
+                                      <p:cBhvr>
+                                        <p:cTn id="28" dur="1" fill="hold">
+                                          <p:stCondLst>
+                                            <p:cond delay="0"/>
+                                          </p:stCondLst>
+                                        </p:cTn>
+                                        <p:tgtEl>
+                                          <p:spTgt spid="11"/>
+                                        </p:tgtEl>
+                                        <p:attrNameLst>
+                                          <p:attrName>style.visibility</p:attrName>
+                                        </p:attrNameLst>
+                                      </p:cBhvr>
+                                      <p:to>
+                                        <p:strVal val="visible"/>
+                                      </p:to>
+                                    </p:set>
+                                    <p:animEffect transition="in" filter="fade">
+                                      <p:cBhvr>
+                                        <p:cTn id="29" dur="500"/>
+                                        <p:tgtEl>
+                                          <p:spTgt spid="11"/>
+                                        </p:tgtEl>
+                                      </p:cBhvr>
+                                    </p:animEffect>
+                                  </p:childTnLst>
+                                </p:cTn>
+                              </p:par>
+                              <p:par>
+                                <p:cTn id="30" presetID="10" presetClass="entr" presetSubtype="0" fill="hold" grpId="0" nodeType="withEffect">
+                                  <p:stCondLst>
+                                    <p:cond delay="200"/>
+                                  </p:stCondLst>
+                                  <p:childTnLst>
+                                    <p:set>
+                                      <p:cBhvr>
+                                        <p:cTn id="31" dur="1" fill="hold">
+                                          <p:stCondLst>
+                                            <p:cond delay="0"/>
+                                          </p:stCondLst>
+                                        </p:cTn>
+                                        <p:tgtEl>
+                                          <p:spTgt spid="12"/>
+                                        </p:tgtEl>
+                                        <p:attrNameLst>
+                                          <p:attrName>style.visibility</p:attrName>
+                                        </p:attrNameLst>
+                                      </p:cBhvr>
+                                      <p:to>
+                                        <p:strVal val="visible"/>
+                                      </p:to>
+                                    </p:set>
+                                    <p:animEffect transition="in" filter="fade">
+                                      <p:cBhvr>
+                                        <p:cTn id="32" dur="500"/>
+                                        <p:tgtEl>
+                                          <p:spTgt spid="12"/>
+                                        </p:tgtEl>
+                                      </p:cBhvr>
+                                    </p:animEffect>
+                                  </p:childTnLst>
+                                </p:cTn>
+                              </p:par>
+                              <p:par>
+                                <p:cTn id="33" presetID="10" presetClass="entr" presetSubtype="0" fill="hold" grpId="0" nodeType="withEffect">
+                                  <p:stCondLst>
+                                    <p:cond delay="250"/>
+                                  </p:stCondLst>
+                                  <p:childTnLst>
+                                    <p:set>
+                                      <p:cBhvr>
+                                        <p:cTn id="34" dur="1" fill="hold">
+                                          <p:stCondLst>
+                                            <p:cond delay="0"/>
+                                          </p:stCondLst>
+                                        </p:cTn>
+                                        <p:tgtEl>
+                                          <p:spTgt spid="13"/>
+                                        </p:tgtEl>
+                                        <p:attrNameLst>
+                                          <p:attrName>style.visibility</p:attrName>
+                                        </p:attrNameLst>
+                                      </p:cBhvr>
+                                      <p:to>
+                                        <p:strVal val="visible"/>
+                                      </p:to>
+                                    </p:set>
+                                    <p:animEffect transition="in" filter="fade">
+                                      <p:cBhvr>
+                                        <p:cTn id="35" dur="500"/>
+                                        <p:tgtEl>
+                                          <p:spTgt spid="13"/>
+                                        </p:tgtEl>
+                                      </p:cBhvr>
+                                    </p:animEffect>
+                                  </p:childTnLst>
+                                </p:cTn>
+                              </p:par>
+                              <p:par>
+                                <p:cTn id="36" presetID="10" presetClass="entr" presetSubtype="0" fill="hold" grpId="0" nodeType="withEffect">
+                                  <p:stCondLst>
+                                    <p:cond delay="300"/>
+                                  </p:stCondLst>
+                                  <p:childTnLst>
+                                    <p:set>
+                                      <p:cBhvr>
+                                        <p:cTn id="37" dur="1" fill="hold">
+                                          <p:stCondLst>
+                                            <p:cond delay="0"/>
+                                          </p:stCondLst>
+                                        </p:cTn>
+                                        <p:tgtEl>
+                                          <p:spTgt spid="14"/>
+                                        </p:tgtEl>
+                                        <p:attrNameLst>
+                                          <p:attrName>style.visibility</p:attrName>
+                                        </p:attrNameLst>
+                                      </p:cBhvr>
+                                      <p:to>
+                                        <p:strVal val="visible"/>
+                                      </p:to>
+                                    </p:set>
+                                    <p:animEffect transition="in" filter="fade">
+                                      <p:cBhvr>
+                                        <p:cTn id="38" dur="500"/>
+                                        <p:tgtEl>
+                                          <p:spTgt spid="14"/>
+                                        </p:tgtEl>
+                                      </p:cBhvr>
+                                    </p:animEffect>
+                                  </p:childTnLst>
+                                </p:cTn>
+                              </p:par>
+                              <p:par>
+                                <p:cTn id="39" presetID="10" presetClass="entr" presetSubtype="0" fill="hold" grpId="0" nodeType="withEffect">
+                                  <p:stCondLst>
+                                    <p:cond delay="350"/>
+                                  </p:stCondLst>
+                                  <p:childTnLst>
+                                    <p:set>
+                                      <p:cBhvr>
+                                        <p:cTn id="40" dur="1" fill="hold">
+                                          <p:stCondLst>
+                                            <p:cond delay="0"/>
+                                          </p:stCondLst>
+                                        </p:cTn>
+                                        <p:tgtEl>
+                                          <p:spTgt spid="16"/>
+                                        </p:tgtEl>
+                                        <p:attrNameLst>
+                                          <p:attrName>style.visibility</p:attrName>
+                                        </p:attrNameLst>
+                                      </p:cBhvr>
+                                      <p:to>
+                                        <p:strVal val="visible"/>
+                                      </p:to>
+                                    </p:set>
+                                    <p:animEffect transition="in" filter="fade">
+                                      <p:cBhvr>
+                                        <p:cTn id="41" dur="500"/>
+                                        <p:tgtEl>
+                                          <p:spTgt spid="16"/>
+                                        </p:tgtEl>
+                                      </p:cBhvr>
+                                    </p:animEffect>
+                                  </p:childTnLst>
+                                </p:cTn>
+                              </p:par>
+                              <p:par>
+                                <p:cTn id="42" presetID="10" presetClass="entr" presetSubtype="0" fill="hold" grpId="0" nodeType="withEffect">
+                                  <p:stCondLst>
+                                    <p:cond delay="400"/>
+                                  </p:stCondLst>
+                                  <p:childTnLst>
+                                    <p:set>
+                                      <p:cBhvr>
+                                        <p:cTn id="43" dur="1" fill="hold">
+                                          <p:stCondLst>
+                                            <p:cond delay="0"/>
+                                          </p:stCondLst>
+                                        </p:cTn>
+                                        <p:tgtEl>
+                                          <p:spTgt spid="17"/>
+                                        </p:tgtEl>
+                                        <p:attrNameLst>
+                                          <p:attrName>style.visibility</p:attrName>
+                                        </p:attrNameLst>
+                                      </p:cBhvr>
+                                      <p:to>
+                                        <p:strVal val="visible"/>
+                                      </p:to>
+                                    </p:set>
+                                    <p:animEffect transition="in" filter="fade">
+                                      <p:cBhvr>
+                                        <p:cTn id="44" dur="500"/>
+                                        <p:tgtEl>
+                                          <p:spTgt spid="17"/>
+                                        </p:tgtEl>
+                                      </p:cBhvr>
+                                    </p:animEffect>
+                                  </p:childTnLst>
+                                </p:cTn>
+                              </p:par>
+                              <p:par>
+                                <p:cTn id="45" presetID="10" presetClass="entr" presetSubtype="0" fill="hold" grpId="0" nodeType="withEffect">
+                                  <p:stCondLst>
+                                    <p:cond delay="450"/>
+                                  </p:stCondLst>
+                                  <p:childTnLst>
+                                    <p:set>
+                                      <p:cBhvr>
+                                        <p:cTn id="46" dur="1" fill="hold">
+                                          <p:stCondLst>
+                                            <p:cond delay="0"/>
+                                          </p:stCondLst>
+                                        </p:cTn>
+                                        <p:tgtEl>
+                                          <p:spTgt spid="18"/>
+                                        </p:tgtEl>
+                                        <p:attrNameLst>
+                                          <p:attrName>style.visibility</p:attrName>
+                                        </p:attrNameLst>
+                                      </p:cBhvr>
+                                      <p:to>
+                                        <p:strVal val="visible"/>
+                                      </p:to>
+                                    </p:set>
+                                    <p:animEffect transition="in" filter="fade">
+                                      <p:cBhvr>
+                                        <p:cTn id="47" dur="500"/>
+                                        <p:tgtEl>
+                                          <p:spTgt spid="18"/>
+                                        </p:tgtEl>
+                                      </p:cBhvr>
+                                    </p:animEffect>
+                                  </p:childTnLst>
+                                </p:cTn>
+                              </p:par>
+                              <p:par>
+                                <p:cTn id="48" presetID="10" presetClass="entr" presetSubtype="0" fill="hold" grpId="0" nodeType="withEffect">
+                                  <p:stCondLst>
+                                    <p:cond delay="500"/>
+                                  </p:stCondLst>
+                                  <p:childTnLst>
+                                    <p:set>
+                                      <p:cBhvr>
+                                        <p:cTn id="49" dur="1" fill="hold">
+                                          <p:stCondLst>
+                                            <p:cond delay="0"/>
+                                          </p:stCondLst>
+                                        </p:cTn>
+                                        <p:tgtEl>
+                                          <p:spTgt spid="19"/>
+                                        </p:tgtEl>
+                                        <p:attrNameLst>
+                                          <p:attrName>style.visibility</p:attrName>
+                                        </p:attrNameLst>
+                                      </p:cBhvr>
+                                      <p:to>
+                                        <p:strVal val="visible"/>
+                                      </p:to>
+                                    </p:set>
+                                    <p:animEffect transition="in" filter="fade">
+                                      <p:cBhvr>
+                                        <p:cTn id="50" dur="500"/>
+                                        <p:tgtEl>
+                                          <p:spTgt spid="19"/>
+                                        </p:tgtEl>
+                                      </p:cBhvr>
+                                    </p:animEffect>
+                                  </p:childTnLst>
+                                </p:cTn>
+                              </p:par>
+                              <p:par>
+                                <p:cTn id="51" presetID="10" presetClass="entr" presetSubtype="0" fill="hold" grpId="0" nodeType="withEffect">
+                                  <p:stCondLst>
+                                    <p:cond delay="550"/>
+                                  </p:stCondLst>
+                                  <p:childTnLst>
+                                    <p:set>
+                                      <p:cBhvr>
+                                        <p:cTn id="52" dur="1" fill="hold">
+                                          <p:stCondLst>
+                                            <p:cond delay="0"/>
+                                          </p:stCondLst>
+                                        </p:cTn>
+                                        <p:tgtEl>
+                                          <p:spTgt spid="20"/>
+                                        </p:tgtEl>
+                                        <p:attrNameLst>
+                                          <p:attrName>style.visibility</p:attrName>
+                                        </p:attrNameLst>
+                                      </p:cBhvr>
+                                      <p:to>
+                                        <p:strVal val="visible"/>
+                                      </p:to>
+                                    </p:set>
+                                    <p:animEffect transition="in" filter="fade">
+                                      <p:cBhvr>
+                                        <p:cTn id="53" dur="500"/>
+                                        <p:tgtEl>
+                                          <p:spTgt spid="20"/>
+                                        </p:tgtEl>
+                                      </p:cBhvr>
+                                    </p:animEffect>
+                                  </p:childTnLst>
+                                </p:cTn>
+                              </p:par>
+                              <p:par>
+                                <p:cTn id="54" presetID="10" presetClass="entr" presetSubtype="0" fill="hold" grpId="0" nodeType="withEffect">
+                                  <p:stCondLst>
+                                    <p:cond delay="600"/>
+                                  </p:stCondLst>
+                                  <p:childTnLst>
+                                    <p:set>
+                                      <p:cBhvr>
+                                        <p:cTn id="55" dur="1" fill="hold">
+                                          <p:stCondLst>
+                                            <p:cond delay="0"/>
+                                          </p:stCondLst>
+                                        </p:cTn>
+                                        <p:tgtEl>
+                                          <p:spTgt spid="21"/>
+                                        </p:tgtEl>
+                                        <p:attrNameLst>
+                                          <p:attrName>style.visibility</p:attrName>
+                                        </p:attrNameLst>
+                                      </p:cBhvr>
+                                      <p:to>
+                                        <p:strVal val="visible"/>
+                                      </p:to>
+                                    </p:set>
+                                    <p:animEffect transition="in" filter="fade">
+                                      <p:cBhvr>
+                                        <p:cTn id="56" dur="500"/>
+                                        <p:tgtEl>
+                                          <p:spTgt spid="21"/>
+                                        </p:tgtEl>
+                                      </p:cBhvr>
+                                    </p:animEffect>
+                                  </p:childTnLst>
+                                </p:cTn>
+                              </p:par>
+                              <p:par>
+                                <p:cTn id="57" presetID="10" presetClass="entr" presetSubtype="0" fill="hold" grpId="0" nodeType="withEffect">
+                                  <p:stCondLst>
+                                    <p:cond delay="650"/>
+                                  </p:stCondLst>
+                                  <p:childTnLst>
+                                    <p:set>
+                                      <p:cBhvr>
+                                        <p:cTn id="58" dur="1" fill="hold">
+                                          <p:stCondLst>
+                                            <p:cond delay="0"/>
+                                          </p:stCondLst>
+                                        </p:cTn>
+                                        <p:tgtEl>
+                                          <p:spTgt spid="22"/>
+                                        </p:tgtEl>
+                                        <p:attrNameLst>
+                                          <p:attrName>style.visibility</p:attrName>
+                                        </p:attrNameLst>
+                                      </p:cBhvr>
+                                      <p:to>
+                                        <p:strVal val="visible"/>
+                                      </p:to>
+                                    </p:set>
+                                    <p:animEffect transition="in" filter="fade">
+                                      <p:cBhvr>
+                                        <p:cTn id="59" dur="500"/>
+                                        <p:tgtEl>
+                                          <p:spTgt spid="22"/>
+                                        </p:tgtEl>
+                                      </p:cBhvr>
+                                    </p:animEffect>
+                                  </p:childTnLst>
+                                </p:cTn>
+                              </p:par>
+                              <p:par>
+                                <p:cTn id="60" presetID="10" presetClass="entr" presetSubtype="0" fill="hold" grpId="0" nodeType="withEffect">
+                                  <p:stCondLst>
+                                    <p:cond delay="700"/>
+                                  </p:stCondLst>
+                                  <p:childTnLst>
+                                    <p:set>
+                                      <p:cBhvr>
+                                        <p:cTn id="61" dur="1" fill="hold">
+                                          <p:stCondLst>
+                                            <p:cond delay="0"/>
+                                          </p:stCondLst>
+                                        </p:cTn>
+                                        <p:tgtEl>
+                                          <p:spTgt spid="23"/>
+                                        </p:tgtEl>
+                                        <p:attrNameLst>
+                                          <p:attrName>style.visibility</p:attrName>
+                                        </p:attrNameLst>
+                                      </p:cBhvr>
+                                      <p:to>
+                                        <p:strVal val="visible"/>
+                                      </p:to>
+                                    </p:set>
+                                    <p:animEffect transition="in" filter="fade">
+                                      <p:cBhvr>
+                                        <p:cTn id="62" dur="500"/>
+                                        <p:tgtEl>
+                                          <p:spTgt spid="23"/>
+                                        </p:tgtEl>
+                                      </p:cBhvr>
+                                    </p:animEffect>
+                                  </p:childTnLst>
+                                </p:cTn>
+                              </p:par>
+                              <p:par>
+                                <p:cTn id="63" presetID="10" presetClass="entr" presetSubtype="0" fill="hold" grpId="0" nodeType="withEffect">
+                                  <p:stCondLst>
+                                    <p:cond delay="750"/>
+                                  </p:stCondLst>
+                                  <p:childTnLst>
+                                    <p:set>
+                                      <p:cBhvr>
+                                        <p:cTn id="64" dur="1" fill="hold">
+                                          <p:stCondLst>
+                                            <p:cond delay="0"/>
+                                          </p:stCondLst>
+                                        </p:cTn>
+                                        <p:tgtEl>
+                                          <p:spTgt spid="24"/>
+                                        </p:tgtEl>
+                                        <p:attrNameLst>
+                                          <p:attrName>style.visibility</p:attrName>
+                                        </p:attrNameLst>
+                                      </p:cBhvr>
+                                      <p:to>
+                                        <p:strVal val="visible"/>
+                                      </p:to>
+                                    </p:set>
+                                    <p:animEffect transition="in" filter="fade">
+                                      <p:cBhvr>
+                                        <p:cTn id="65" dur="500"/>
+                                        <p:tgtEl>
+                                          <p:spTgt spid="24"/>
+                                        </p:tgtEl>
+                                      </p:cBhvr>
+                                    </p:animEffect>
+                                  </p:childTnLst>
+                                </p:cTn>
+                              </p:par>
+                              <p:par>
+                                <p:cTn id="66" presetID="10" presetClass="entr" presetSubtype="0" fill="hold" grpId="0" nodeType="withEffect">
+                                  <p:stCondLst>
+                                    <p:cond delay="800"/>
+                                  </p:stCondLst>
+                                  <p:childTnLst>
+                                    <p:set>
+                                      <p:cBhvr>
+                                        <p:cTn id="67" dur="1" fill="hold">
+                                          <p:stCondLst>
+                                            <p:cond delay="0"/>
+                                          </p:stCondLst>
+                                        </p:cTn>
+                                        <p:tgtEl>
+                                          <p:spTgt spid="25"/>
+                                        </p:tgtEl>
+                                        <p:attrNameLst>
+                                          <p:attrName>style.visibility</p:attrName>
+                                        </p:attrNameLst>
+                                      </p:cBhvr>
+                                      <p:to>
+                                        <p:strVal val="visible"/>
+                                      </p:to>
+                                    </p:set>
+                                    <p:animEffect transition="in" filter="fade">
+                                      <p:cBhvr>
+                                        <p:cTn id="68" dur="500"/>
+                                        <p:tgtEl>
+                                          <p:spTgt spid="25"/>
+                                        </p:tgtEl>
+                                      </p:cBhvr>
+                                    </p:animEffect>
+                                  </p:childTnLst>
+                                </p:cTn>
+                              </p:par>
+                              <p:par>
+                                <p:cTn id="69" presetID="10" presetClass="entr" presetSubtype="0" fill="hold" grpId="0" nodeType="withEffect">
+                                  <p:stCondLst>
+                                    <p:cond delay="850"/>
+                                  </p:stCondLst>
+                                  <p:childTnLst>
+                                    <p:set>
+                                      <p:cBhvr>
+                                        <p:cTn id="70" dur="1" fill="hold">
+                                          <p:stCondLst>
+                                            <p:cond delay="0"/>
+                                          </p:stCondLst>
+                                        </p:cTn>
+                                        <p:tgtEl>
+                                          <p:spTgt spid="26"/>
+                                        </p:tgtEl>
+                                        <p:attrNameLst>
+                                          <p:attrName>style.visibility</p:attrName>
+                                        </p:attrNameLst>
+                                      </p:cBhvr>
+                                      <p:to>
+                                        <p:strVal val="visible"/>
+                                      </p:to>
+                                    </p:set>
+                                    <p:animEffect transition="in" filter="fade">
+                                      <p:cBhvr>
+                                        <p:cTn id="71" dur="500"/>
+                                        <p:tgtEl>
+                                          <p:spTgt spid="26"/>
+                                        </p:tgtEl>
+                                      </p:cBhvr>
+                                    </p:animEffect>
+                                  </p:childTnLst>
+                                </p:cTn>
+                              </p:par>
+                              <p:par>
+                                <p:cTn id="72" presetID="10" presetClass="entr" presetSubtype="0" fill="hold" grpId="0" nodeType="withEffect">
+                                  <p:stCondLst>
+                                    <p:cond delay="900"/>
+                                  </p:stCondLst>
+                                  <p:childTnLst>
+                                    <p:set>
+                                      <p:cBhvr>
+                                        <p:cTn id="73" dur="1" fill="hold">
+                                          <p:stCondLst>
+                                            <p:cond delay="0"/>
+                                          </p:stCondLst>
+                                        </p:cTn>
+                                        <p:tgtEl>
+                                          <p:spTgt spid="27"/>
+                                        </p:tgtEl>
+                                        <p:attrNameLst>
+                                          <p:attrName>style.visibility</p:attrName>
+                                        </p:attrNameLst>
+                                      </p:cBhvr>
+                                      <p:to>
+                                        <p:strVal val="visible"/>
+                                      </p:to>
+                                    </p:set>
+                                    <p:animEffect transition="in" filter="fade">
+                                      <p:cBhvr>
+                                        <p:cTn id="74" dur="500"/>
+                                        <p:tgtEl>
+                                          <p:spTgt spid="27"/>
+                                        </p:tgtEl>
+                                      </p:cBhvr>
+                                    </p:animEffect>
+                                  </p:childTnLst>
+                                </p:cTn>
+                              </p:par>
+                              <p:par>
+                                <p:cTn id="75" presetID="10" presetClass="entr" presetSubtype="0" fill="hold" grpId="0" nodeType="withEffect">
+                                  <p:stCondLst>
+                                    <p:cond delay="950"/>
+                                  </p:stCondLst>
+                                  <p:childTnLst>
+                                    <p:set>
+                                      <p:cBhvr>
+                                        <p:cTn id="76" dur="1" fill="hold">
+                                          <p:stCondLst>
+                                            <p:cond delay="0"/>
+                                          </p:stCondLst>
+                                        </p:cTn>
+                                        <p:tgtEl>
+                                          <p:spTgt spid="28"/>
+                                        </p:tgtEl>
+                                        <p:attrNameLst>
+                                          <p:attrName>style.visibility</p:attrName>
+                                        </p:attrNameLst>
+                                      </p:cBhvr>
+                                      <p:to>
+                                        <p:strVal val="visible"/>
+                                      </p:to>
+                                    </p:set>
+                                    <p:animEffect transition="in" filter="fade">
+                                      <p:cBhvr>
+                                        <p:cTn id="77" dur="500"/>
+                                        <p:tgtEl>
+                                          <p:spTgt spid="28"/>
+                                        </p:tgtEl>
+                                      </p:cBhvr>
+                                    </p:animEffect>
+                                  </p:childTnLst>
+                                </p:cTn>
+                              </p:par>
+                              <p:par>
+                                <p:cTn id="78" presetID="10" presetClass="entr" presetSubtype="0" fill="hold" grpId="0" nodeType="withEffect">
+                                  <p:stCondLst>
+                                    <p:cond delay="1000"/>
+                                  </p:stCondLst>
+                                  <p:childTnLst>
+                                    <p:set>
+                                      <p:cBhvr>
+                                        <p:cTn id="79" dur="1" fill="hold">
+                                          <p:stCondLst>
+                                            <p:cond delay="0"/>
+                                          </p:stCondLst>
+                                        </p:cTn>
+                                        <p:tgtEl>
+                                          <p:spTgt spid="29"/>
+                                        </p:tgtEl>
+                                        <p:attrNameLst>
+                                          <p:attrName>style.visibility</p:attrName>
+                                        </p:attrNameLst>
+                                      </p:cBhvr>
+                                      <p:to>
+                                        <p:strVal val="visible"/>
+                                      </p:to>
+                                    </p:set>
+                                    <p:animEffect transition="in" filter="fade">
+                                      <p:cBhvr>
+                                        <p:cTn id="80" dur="500"/>
+                                        <p:tgtEl>
+                                          <p:spTgt spid="29"/>
+                                        </p:tgtEl>
+                                      </p:cBhvr>
+                                    </p:animEffect>
+                                  </p:childTnLst>
+                                </p:cTn>
+                              </p:par>
+                              <p:par>
+                                <p:cTn id="81" presetID="10" presetClass="entr" presetSubtype="0" fill="hold" grpId="0" nodeType="withEffect">
+                                  <p:stCondLst>
+                                    <p:cond delay="1050"/>
+                                  </p:stCondLst>
+                                  <p:childTnLst>
+                                    <p:set>
+                                      <p:cBhvr>
+                                        <p:cTn id="82" dur="1" fill="hold">
+                                          <p:stCondLst>
+                                            <p:cond delay="0"/>
+                                          </p:stCondLst>
+                                        </p:cTn>
+                                        <p:tgtEl>
+                                          <p:spTgt spid="30"/>
+                                        </p:tgtEl>
+                                        <p:attrNameLst>
+                                          <p:attrName>style.visibility</p:attrName>
+                                        </p:attrNameLst>
+                                      </p:cBhvr>
+                                      <p:to>
+                                        <p:strVal val="visible"/>
+                                      </p:to>
+                                    </p:set>
+                                    <p:animEffect transition="in" filter="fade">
+                                      <p:cBhvr>
+                                        <p:cTn id="83" dur="500"/>
+                                        <p:tgtEl>
+                                          <p:spTgt spid="30"/>
+                                        </p:tgtEl>
+                                      </p:cBhvr>
+                                    </p:animEffect>
+                                  </p:childTnLst>
+                                </p:cTn>
+                              </p:par>
+                              <p:par>
+                                <p:cTn id="84" presetID="10" presetClass="entr" presetSubtype="0" fill="hold" grpId="0" nodeType="withEffect">
+                                  <p:stCondLst>
+                                    <p:cond delay="1100"/>
+                                  </p:stCondLst>
+                                  <p:childTnLst>
+                                    <p:set>
+                                      <p:cBhvr>
+                                        <p:cTn id="85" dur="1" fill="hold">
+                                          <p:stCondLst>
+                                            <p:cond delay="0"/>
+                                          </p:stCondLst>
+                                        </p:cTn>
+                                        <p:tgtEl>
+                                          <p:spTgt spid="31"/>
+                                        </p:tgtEl>
+                                        <p:attrNameLst>
+                                          <p:attrName>style.visibility</p:attrName>
+                                        </p:attrNameLst>
+                                      </p:cBhvr>
+                                      <p:to>
+                                        <p:strVal val="visible"/>
+                                      </p:to>
+                                    </p:set>
+                                    <p:animEffect transition="in" filter="fade">
+                                      <p:cBhvr>
+                                        <p:cTn id="86" dur="500"/>
+                                        <p:tgtEl>
+                                          <p:spTgt spid="31"/>
+                                        </p:tgtEl>
+                                      </p:cBhvr>
+                                    </p:animEffect>
+                                  </p:childTnLst>
+                                </p:cTn>
+                              </p:par>
+                              <p:par>
+                                <p:cTn id="87" presetID="10" presetClass="entr" presetSubtype="0" fill="hold" grpId="0" nodeType="withEffect">
+                                  <p:stCondLst>
+                                    <p:cond delay="1150"/>
+                                  </p:stCondLst>
+                                  <p:childTnLst>
+                                    <p:set>
+                                      <p:cBhvr>
+                                        <p:cTn id="88" dur="1" fill="hold">
+                                          <p:stCondLst>
+                                            <p:cond delay="0"/>
+                                          </p:stCondLst>
+                                        </p:cTn>
+                                        <p:tgtEl>
+                                          <p:spTgt spid="32"/>
+                                        </p:tgtEl>
+                                        <p:attrNameLst>
+                                          <p:attrName>style.visibility</p:attrName>
+                                        </p:attrNameLst>
+                                      </p:cBhvr>
+                                      <p:to>
+                                        <p:strVal val="visible"/>
+                                      </p:to>
+                                    </p:set>
+                                    <p:animEffect transition="in" filter="fade">
+                                      <p:cBhvr>
+                                        <p:cTn id="89" dur="500"/>
+                                        <p:tgtEl>
+                                          <p:spTgt spid="32"/>
+                                        </p:tgtEl>
+                                      </p:cBhvr>
+                                    </p:animEffect>
+                                  </p:childTnLst>
+                                </p:cTn>
+                              </p:par>
+                              <p:par>
+                                <p:cTn id="90" presetID="10" presetClass="entr" presetSubtype="0" fill="hold" grpId="0" nodeType="withEffect">
+                                  <p:stCondLst>
+                                    <p:cond delay="1200"/>
+                                  </p:stCondLst>
+                                  <p:childTnLst>
+                                    <p:set>
+                                      <p:cBhvr>
+                                        <p:cTn id="91" dur="1" fill="hold">
+                                          <p:stCondLst>
+                                            <p:cond delay="0"/>
+                                          </p:stCondLst>
+                                        </p:cTn>
+                                        <p:tgtEl>
+                                          <p:spTgt spid="33"/>
+                                        </p:tgtEl>
+                                        <p:attrNameLst>
+                                          <p:attrName>style.visibility</p:attrName>
+                                        </p:attrNameLst>
+                                      </p:cBhvr>
+                                      <p:to>
+                                        <p:strVal val="visible"/>
+                                      </p:to>
+                                    </p:set>
+                                    <p:animEffect transition="in" filter="fade">
+                                      <p:cBhvr>
+                                        <p:cTn id="92" dur="500"/>
+                                        <p:tgtEl>
+                                          <p:spTgt spid="33"/>
+                                        </p:tgtEl>
+                                      </p:cBhvr>
+                                    </p:animEffect>
+                                  </p:childTnLst>
+                                </p:cTn>
+                              </p:par>
+                              <p:par>
+                                <p:cTn id="93" presetID="10" presetClass="entr" presetSubtype="0" fill="hold" grpId="0" nodeType="withEffect">
+                                  <p:stCondLst>
+                                    <p:cond delay="1250"/>
+                                  </p:stCondLst>
+                                  <p:childTnLst>
+                                    <p:set>
+                                      <p:cBhvr>
+                                        <p:cTn id="94" dur="1" fill="hold">
+                                          <p:stCondLst>
+                                            <p:cond delay="0"/>
+                                          </p:stCondLst>
+                                        </p:cTn>
+                                        <p:tgtEl>
+                                          <p:spTgt spid="34"/>
+                                        </p:tgtEl>
+                                        <p:attrNameLst>
+                                          <p:attrName>style.visibility</p:attrName>
+                                        </p:attrNameLst>
+                                      </p:cBhvr>
+                                      <p:to>
+                                        <p:strVal val="visible"/>
+                                      </p:to>
+                                    </p:set>
+                                    <p:animEffect transition="in" filter="fade">
+                                      <p:cBhvr>
+                                        <p:cTn id="95" dur="500"/>
+                                        <p:tgtEl>
+                                          <p:spTgt spid="34"/>
+                                        </p:tgtEl>
+                                      </p:cBhvr>
+                                    </p:animEffect>
+                                  </p:childTnLst>
+                                </p:cTn>
+                              </p:par>
+                              <p:par>
+                                <p:cTn id="96" presetID="10" presetClass="entr" presetSubtype="0" fill="hold" grpId="0" nodeType="withEffect">
+                                  <p:stCondLst>
+                                    <p:cond delay="1300"/>
+                                  </p:stCondLst>
+                                  <p:childTnLst>
+                                    <p:set>
+                                      <p:cBhvr>
+                                        <p:cTn id="97" dur="1" fill="hold">
+                                          <p:stCondLst>
+                                            <p:cond delay="0"/>
+                                          </p:stCondLst>
+                                        </p:cTn>
+                                        <p:tgtEl>
+                                          <p:spTgt spid="35"/>
+                                        </p:tgtEl>
+                                        <p:attrNameLst>
+                                          <p:attrName>style.visibility</p:attrName>
+                                        </p:attrNameLst>
+                                      </p:cBhvr>
+                                      <p:to>
+                                        <p:strVal val="visible"/>
+                                      </p:to>
+                                    </p:set>
+                                    <p:animEffect transition="in" filter="fade">
+                                      <p:cBhvr>
+                                        <p:cTn id="98" dur="500"/>
+                                        <p:tgtEl>
+                                          <p:spTgt spid="35"/>
+                                        </p:tgtEl>
+                                      </p:cBhvr>
+                                    </p:animEffect>
+                                  </p:childTnLst>
+                                </p:cTn>
+                              </p:par>
+                              <p:par>
+                                <p:cTn id="99" presetID="10" presetClass="entr" presetSubtype="0" fill="hold" grpId="0" nodeType="withEffect">
+                                  <p:stCondLst>
+                                    <p:cond delay="1350"/>
+                                  </p:stCondLst>
+                                  <p:childTnLst>
+                                    <p:set>
+                                      <p:cBhvr>
+                                        <p:cTn id="100" dur="1" fill="hold">
+                                          <p:stCondLst>
+                                            <p:cond delay="0"/>
+                                          </p:stCondLst>
+                                        </p:cTn>
+                                        <p:tgtEl>
+                                          <p:spTgt spid="36"/>
+                                        </p:tgtEl>
+                                        <p:attrNameLst>
+                                          <p:attrName>style.visibility</p:attrName>
+                                        </p:attrNameLst>
+                                      </p:cBhvr>
+                                      <p:to>
+                                        <p:strVal val="visible"/>
+                                      </p:to>
+                                    </p:set>
+                                    <p:animEffect transition="in" filter="fade">
+                                      <p:cBhvr>
+                                        <p:cTn id="101" dur="500"/>
+                                        <p:tgtEl>
+                                          <p:spTgt spid="36"/>
+                                        </p:tgtEl>
+                                      </p:cBhvr>
+                                    </p:animEffect>
+                                  </p:childTnLst>
+                                </p:cTn>
+                              </p:par>
+                              <p:par>
+                                <p:cTn id="102" presetID="10" presetClass="entr" presetSubtype="0" fill="hold" grpId="0" nodeType="withEffect">
+                                  <p:stCondLst>
+                                    <p:cond delay="1400"/>
+                                  </p:stCondLst>
+                                  <p:childTnLst>
+                                    <p:set>
+                                      <p:cBhvr>
+                                        <p:cTn id="103" dur="1" fill="hold">
+                                          <p:stCondLst>
+                                            <p:cond delay="0"/>
+                                          </p:stCondLst>
+                                        </p:cTn>
+                                        <p:tgtEl>
+                                          <p:spTgt spid="37"/>
+                                        </p:tgtEl>
+                                        <p:attrNameLst>
+                                          <p:attrName>style.visibility</p:attrName>
+                                        </p:attrNameLst>
+                                      </p:cBhvr>
+                                      <p:to>
+                                        <p:strVal val="visible"/>
+                                      </p:to>
+                                    </p:set>
+                                    <p:animEffect transition="in" filter="fade">
+                                      <p:cBhvr>
+                                        <p:cTn id="104" dur="500"/>
+                                        <p:tgtEl>
+                                          <p:spTgt spid="37"/>
+                                        </p:tgtEl>
+                                      </p:cBhvr>
+                                    </p:animEffect>
+                                  </p:childTnLst>
+                                </p:cTn>
+                              </p:par>
+                              <p:par>
+                                <p:cTn id="105" presetID="10" presetClass="entr" presetSubtype="0" fill="hold" grpId="0" nodeType="withEffect">
+                                  <p:stCondLst>
+                                    <p:cond delay="1500"/>
+                                  </p:stCondLst>
+                                  <p:childTnLst>
+                                    <p:set>
+                                      <p:cBhvr>
+                                        <p:cTn id="106" dur="1" fill="hold">
+                                          <p:stCondLst>
+                                            <p:cond delay="0"/>
+                                          </p:stCondLst>
+                                        </p:cTn>
+                                        <p:tgtEl>
+                                          <p:spTgt spid="38"/>
+                                        </p:tgtEl>
+                                        <p:attrNameLst>
+                                          <p:attrName>style.visibility</p:attrName>
+                                        </p:attrNameLst>
+                                      </p:cBhvr>
+                                      <p:to>
+                                        <p:strVal val="visible"/>
+                                      </p:to>
+                                    </p:set>
+                                    <p:animEffect transition="in" filter="fade">
+                                      <p:cBhvr>
+                                        <p:cTn id="107" dur="500"/>
+                                        <p:tgtEl>
+                                          <p:spTgt spid="38"/>
+                                        </p:tgtEl>
+                                      </p:cBhvr>
+                                    </p:animEffect>
+                                  </p:childTnLst>
+                                </p:cTn>
+                              </p:par>
+                              <p:par>
+                                <p:cTn id="108" presetID="10" presetClass="entr" presetSubtype="0" fill="hold" grpId="0" nodeType="withEffect">
+                                  <p:stCondLst>
+                                    <p:cond delay="1550"/>
+                                  </p:stCondLst>
+                                  <p:childTnLst>
+                                    <p:set>
+                                      <p:cBhvr>
+                                        <p:cTn id="109" dur="1" fill="hold">
+                                          <p:stCondLst>
+                                            <p:cond delay="0"/>
+                                          </p:stCondLst>
+                                        </p:cTn>
+                                        <p:tgtEl>
+                                          <p:spTgt spid="39"/>
+                                        </p:tgtEl>
+                                        <p:attrNameLst>
+                                          <p:attrName>style.visibility</p:attrName>
+                                        </p:attrNameLst>
+                                      </p:cBhvr>
+                                      <p:to>
+                                        <p:strVal val="visible"/>
+                                      </p:to>
+                                    </p:set>
+                                    <p:animEffect transition="in" filter="fade">
+                                      <p:cBhvr>
+                                        <p:cTn id="110" dur="500"/>
+                                        <p:tgtEl>
+                                          <p:spTgt spid="39"/>
+                                        </p:tgtEl>
+                                      </p:cBhvr>
+                                    </p:animEffect>
+                                  </p:childTnLst>
+                                </p:cTn>
+                              </p:par>
+                              <p:par>
+                                <p:cTn id="111" presetID="10" presetClass="entr" presetSubtype="0" fill="hold" grpId="0" nodeType="withEffect">
+                                  <p:stCondLst>
+                                    <p:cond delay="1600"/>
+                                  </p:stCondLst>
+                                  <p:childTnLst>
+                                    <p:set>
+                                      <p:cBhvr>
+                                        <p:cTn id="112" dur="1" fill="hold">
+                                          <p:stCondLst>
+                                            <p:cond delay="0"/>
+                                          </p:stCondLst>
+                                        </p:cTn>
+                                        <p:tgtEl>
+                                          <p:spTgt spid="41"/>
+                                        </p:tgtEl>
+                                        <p:attrNameLst>
+                                          <p:attrName>style.visibility</p:attrName>
+                                        </p:attrNameLst>
+                                      </p:cBhvr>
+                                      <p:to>
+                                        <p:strVal val="visible"/>
+                                      </p:to>
+                                    </p:set>
+                                    <p:animEffect transition="in" filter="fade">
+                                      <p:cBhvr>
+                                        <p:cTn id="113" dur="500"/>
+                                        <p:tgtEl>
+                                          <p:spTgt spid="41"/>
+                                        </p:tgtEl>
+                                      </p:cBhvr>
+                                    </p:animEffect>
+                                  </p:childTnLst>
+                                </p:cTn>
+                              </p:par>
+                              <p:par>
+                                <p:cTn id="114" presetID="10" presetClass="entr" presetSubtype="0" fill="hold" grpId="0" nodeType="withEffect">
+                                  <p:stCondLst>
+                                    <p:cond delay="1650"/>
+                                  </p:stCondLst>
+                                  <p:childTnLst>
+                                    <p:set>
+                                      <p:cBhvr>
+                                        <p:cTn id="115" dur="1" fill="hold">
+                                          <p:stCondLst>
+                                            <p:cond delay="0"/>
+                                          </p:stCondLst>
+                                        </p:cTn>
+                                        <p:tgtEl>
+                                          <p:spTgt spid="42"/>
+                                        </p:tgtEl>
+                                        <p:attrNameLst>
+                                          <p:attrName>style.visibility</p:attrName>
+                                        </p:attrNameLst>
+                                      </p:cBhvr>
+                                      <p:to>
+                                        <p:strVal val="visible"/>
+                                      </p:to>
+                                    </p:set>
+                                    <p:animEffect transition="in" filter="fade">
+                                      <p:cBhvr>
+                                        <p:cTn id="116" dur="500"/>
+                                        <p:tgtEl>
+                                          <p:spTgt spid="42"/>
+                                        </p:tgtEl>
+                                      </p:cBhvr>
+                                    </p:animEffect>
+                                  </p:childTnLst>
+                                </p:cTn>
+                              </p:par>
+                              <p:par>
+                                <p:cTn id="117" presetID="10" presetClass="entr" presetSubtype="0" fill="hold" grpId="0" nodeType="withEffect">
+                                  <p:stCondLst>
+                                    <p:cond delay="1700"/>
+                                  </p:stCondLst>
+                                  <p:childTnLst>
+                                    <p:set>
+                                      <p:cBhvr>
+                                        <p:cTn id="118" dur="1" fill="hold">
+                                          <p:stCondLst>
+                                            <p:cond delay="0"/>
+                                          </p:stCondLst>
+                                        </p:cTn>
+                                        <p:tgtEl>
+                                          <p:spTgt spid="43"/>
+                                        </p:tgtEl>
+                                        <p:attrNameLst>
+                                          <p:attrName>style.visibility</p:attrName>
+                                        </p:attrNameLst>
+                                      </p:cBhvr>
+                                      <p:to>
+                                        <p:strVal val="visible"/>
+                                      </p:to>
+                                    </p:set>
+                                    <p:animEffect transition="in" filter="fade">
+                                      <p:cBhvr>
+                                        <p:cTn id="119" dur="500"/>
+                                        <p:tgtEl>
+                                          <p:spTgt spid="43"/>
+                                        </p:tgtEl>
+                                      </p:cBhvr>
+                                    </p:animEffect>
+                                  </p:childTnLst>
+                                </p:cTn>
+                              </p:par>
+                              <p:par>
+                                <p:cTn id="120" presetID="10" presetClass="entr" presetSubtype="0" fill="hold" grpId="0" nodeType="withEffect">
+                                  <p:stCondLst>
+                                    <p:cond delay="1750"/>
+                                  </p:stCondLst>
+                                  <p:childTnLst>
+                                    <p:set>
+                                      <p:cBhvr>
+                                        <p:cTn id="121" dur="1" fill="hold">
+                                          <p:stCondLst>
+                                            <p:cond delay="0"/>
+                                          </p:stCondLst>
+                                        </p:cTn>
+                                        <p:tgtEl>
+                                          <p:spTgt spid="44"/>
+                                        </p:tgtEl>
+                                        <p:attrNameLst>
+                                          <p:attrName>style.visibility</p:attrName>
+                                        </p:attrNameLst>
+                                      </p:cBhvr>
+                                      <p:to>
+                                        <p:strVal val="visible"/>
+                                      </p:to>
+                                    </p:set>
+                                    <p:animEffect transition="in" filter="fade">
+                                      <p:cBhvr>
+                                        <p:cTn id="122" dur="500"/>
+                                        <p:tgtEl>
+                                          <p:spTgt spid="44"/>
+                                        </p:tgtEl>
+                                      </p:cBhvr>
+                                    </p:animEffect>
+                                  </p:childTnLst>
+                                </p:cTn>
+                              </p:par>
+                              <p:par>
+                                <p:cTn id="123" presetID="10" presetClass="entr" presetSubtype="0" fill="hold" grpId="0" nodeType="withEffect">
+                                  <p:stCondLst>
+                                    <p:cond delay="1800"/>
+                                  </p:stCondLst>
+                                  <p:childTnLst>
+                                    <p:set>
+                                      <p:cBhvr>
+                                        <p:cTn id="124" dur="1" fill="hold">
+                                          <p:stCondLst>
+                                            <p:cond delay="0"/>
+                                          </p:stCondLst>
+                                        </p:cTn>
+                                        <p:tgtEl>
+                                          <p:spTgt spid="46"/>
+                                        </p:tgtEl>
+                                        <p:attrNameLst>
+                                          <p:attrName>style.visibility</p:attrName>
+                                        </p:attrNameLst>
+                                      </p:cBhvr>
+                                      <p:to>
+                                        <p:strVal val="visible"/>
+                                      </p:to>
+                                    </p:set>
+                                    <p:animEffect transition="in" filter="fade">
+                                      <p:cBhvr>
+                                        <p:cTn id="125" dur="500"/>
+                                        <p:tgtEl>
+                                          <p:spTgt spid="46"/>
+                                        </p:tgtEl>
+                                      </p:cBhvr>
+                                    </p:animEffect>
+                                  </p:childTnLst>
+                                </p:cTn>
+                              </p:par>
+                              <p:par>
+                                <p:cTn id="126" presetID="10" presetClass="entr" presetSubtype="0" fill="hold" grpId="0" nodeType="withEffect">
+                                  <p:stCondLst>
+                                    <p:cond delay="1850"/>
+                                  </p:stCondLst>
+                                  <p:childTnLst>
+                                    <p:set>
+                                      <p:cBhvr>
+                                        <p:cTn id="127" dur="1" fill="hold">
+                                          <p:stCondLst>
+                                            <p:cond delay="0"/>
+                                          </p:stCondLst>
+                                        </p:cTn>
+                                        <p:tgtEl>
+                                          <p:spTgt spid="47"/>
+                                        </p:tgtEl>
+                                        <p:attrNameLst>
+                                          <p:attrName>style.visibility</p:attrName>
+                                        </p:attrNameLst>
+                                      </p:cBhvr>
+                                      <p:to>
+                                        <p:strVal val="visible"/>
+                                      </p:to>
+                                    </p:set>
+                                    <p:animEffect transition="in" filter="fade">
+                                      <p:cBhvr>
+                                        <p:cTn id="128" dur="500"/>
+                                        <p:tgtEl>
+                                          <p:spTgt spid="47"/>
+                                        </p:tgtEl>
+                                      </p:cBhvr>
+                                    </p:animEffect>
+                                  </p:childTnLst>
+                                </p:cTn>
+                              </p:par>
+                              <p:par>
+                                <p:cTn id="129" presetID="10" presetClass="entr" presetSubtype="0" fill="hold" grpId="0" nodeType="withEffect">
+                                  <p:stCondLst>
+                                    <p:cond delay="1900"/>
+                                  </p:stCondLst>
+                                  <p:childTnLst>
+                                    <p:set>
+                                      <p:cBhvr>
+                                        <p:cTn id="130" dur="1" fill="hold">
+                                          <p:stCondLst>
+                                            <p:cond delay="0"/>
+                                          </p:stCondLst>
+                                        </p:cTn>
+                                        <p:tgtEl>
+                                          <p:spTgt spid="48"/>
+                                        </p:tgtEl>
+                                        <p:attrNameLst>
+                                          <p:attrName>style.visibility</p:attrName>
+                                        </p:attrNameLst>
+                                      </p:cBhvr>
+                                      <p:to>
+                                        <p:strVal val="visible"/>
+                                      </p:to>
+                                    </p:set>
+                                    <p:animEffect transition="in" filter="fade">
+                                      <p:cBhvr>
+                                        <p:cTn id="131" dur="500"/>
+                                        <p:tgtEl>
+                                          <p:spTgt spid="48"/>
+                                        </p:tgtEl>
+                                      </p:cBhvr>
+                                    </p:animEffect>
+                                  </p:childTnLst>
+                                </p:cTn>
+                              </p:par>
+                              <p:par>
+                                <p:cTn id="132" presetID="10" presetClass="entr" presetSubtype="0" fill="hold" grpId="0" nodeType="withEffect">
+                                  <p:stCondLst>
+                                    <p:cond delay="1950"/>
+                                  </p:stCondLst>
+                                  <p:childTnLst>
+                                    <p:set>
+                                      <p:cBhvr>
+                                        <p:cTn id="133" dur="1" fill="hold">
+                                          <p:stCondLst>
+                                            <p:cond delay="0"/>
+                                          </p:stCondLst>
+                                        </p:cTn>
+                                        <p:tgtEl>
+                                          <p:spTgt spid="49"/>
+                                        </p:tgtEl>
+                                        <p:attrNameLst>
+                                          <p:attrName>style.visibility</p:attrName>
+                                        </p:attrNameLst>
+                                      </p:cBhvr>
+                                      <p:to>
+                                        <p:strVal val="visible"/>
+                                      </p:to>
+                                    </p:set>
+                                    <p:animEffect transition="in" filter="fade">
+                                      <p:cBhvr>
+                                        <p:cTn id="134" dur="500"/>
+                                        <p:tgtEl>
+                                          <p:spTgt spid="49"/>
+                                        </p:tgtEl>
+                                      </p:cBhvr>
+                                    </p:animEffect>
+                                  </p:childTnLst>
+                                </p:cTn>
+                              </p:par>
+                              <p:par>
+                                <p:cTn id="135" presetID="10" presetClass="entr" presetSubtype="0" fill="hold" grpId="0" nodeType="withEffect">
+                                  <p:stCondLst>
+                                    <p:cond delay="2000"/>
+                                  </p:stCondLst>
+                                  <p:childTnLst>
+                                    <p:set>
+                                      <p:cBhvr>
+                                        <p:cTn id="136" dur="1" fill="hold">
+                                          <p:stCondLst>
+                                            <p:cond delay="0"/>
+                                          </p:stCondLst>
+                                        </p:cTn>
+                                        <p:tgtEl>
+                                          <p:spTgt spid="50"/>
+                                        </p:tgtEl>
+                                        <p:attrNameLst>
+                                          <p:attrName>style.visibility</p:attrName>
+                                        </p:attrNameLst>
+                                      </p:cBhvr>
+                                      <p:to>
+                                        <p:strVal val="visible"/>
+                                      </p:to>
+                                    </p:set>
+                                    <p:animEffect transition="in" filter="fade">
+                                      <p:cBhvr>
+                                        <p:cTn id="137" dur="500"/>
+                                        <p:tgtEl>
+                                          <p:spTgt spid="50"/>
+                                        </p:tgtEl>
+                                      </p:cBhvr>
+                                    </p:animEffect>
+                                  </p:childTnLst>
+                                </p:cTn>
+                              </p:par>
+                              <p:par>
+                                <p:cTn id="138" presetID="10" presetClass="entr" presetSubtype="0" fill="hold" grpId="0" nodeType="withEffect">
+                                  <p:stCondLst>
+                                    <p:cond delay="2050"/>
+                                  </p:stCondLst>
+                                  <p:childTnLst>
+                                    <p:set>
+                                      <p:cBhvr>
+                                        <p:cTn id="139" dur="1" fill="hold">
+                                          <p:stCondLst>
+                                            <p:cond delay="0"/>
+                                          </p:stCondLst>
+                                        </p:cTn>
+                                        <p:tgtEl>
+                                          <p:spTgt spid="51"/>
+                                        </p:tgtEl>
+                                        <p:attrNameLst>
+                                          <p:attrName>style.visibility</p:attrName>
+                                        </p:attrNameLst>
+                                      </p:cBhvr>
+                                      <p:to>
+                                        <p:strVal val="visible"/>
+                                      </p:to>
+                                    </p:set>
+                                    <p:animEffect transition="in" filter="fade">
+                                      <p:cBhvr>
+                                        <p:cTn id="140" dur="500"/>
+                                        <p:tgtEl>
+                                          <p:spTgt spid="51"/>
+                                        </p:tgtEl>
+                                      </p:cBhvr>
+                                    </p:animEffect>
+                                  </p:childTnLst>
+                                </p:cTn>
+                              </p:par>
+                              <p:par>
+                                <p:cTn id="141" presetID="10" presetClass="entr" presetSubtype="0" fill="hold" grpId="0" nodeType="withEffect">
+                                  <p:stCondLst>
+                                    <p:cond delay="2100"/>
+                                  </p:stCondLst>
+                                  <p:childTnLst>
+                                    <p:set>
+                                      <p:cBhvr>
+                                        <p:cTn id="142" dur="1" fill="hold">
+                                          <p:stCondLst>
+                                            <p:cond delay="0"/>
+                                          </p:stCondLst>
+                                        </p:cTn>
+                                        <p:tgtEl>
+                                          <p:spTgt spid="52"/>
+                                        </p:tgtEl>
+                                        <p:attrNameLst>
+                                          <p:attrName>style.visibility</p:attrName>
+                                        </p:attrNameLst>
+                                      </p:cBhvr>
+                                      <p:to>
+                                        <p:strVal val="visible"/>
+                                      </p:to>
+                                    </p:set>
+                                    <p:animEffect transition="in" filter="fade">
+                                      <p:cBhvr>
+                                        <p:cTn id="143" dur="500"/>
+                                        <p:tgtEl>
+                                          <p:spTgt spid="52"/>
+                                        </p:tgtEl>
+                                      </p:cBhvr>
+                                    </p:animEffect>
+                                  </p:childTnLst>
+                                </p:cTn>
+                              </p:par>
+                              <p:par>
+                                <p:cTn id="144" presetID="10" presetClass="entr" presetSubtype="0" fill="hold" grpId="0" nodeType="withEffect">
+                                  <p:stCondLst>
+                                    <p:cond delay="2150"/>
+                                  </p:stCondLst>
+                                  <p:childTnLst>
+                                    <p:set>
+                                      <p:cBhvr>
+                                        <p:cTn id="145" dur="1" fill="hold">
+                                          <p:stCondLst>
+                                            <p:cond delay="0"/>
+                                          </p:stCondLst>
+                                        </p:cTn>
+                                        <p:tgtEl>
+                                          <p:spTgt spid="53"/>
+                                        </p:tgtEl>
+                                        <p:attrNameLst>
+                                          <p:attrName>style.visibility</p:attrName>
+                                        </p:attrNameLst>
+                                      </p:cBhvr>
+                                      <p:to>
+                                        <p:strVal val="visible"/>
+                                      </p:to>
+                                    </p:set>
+                                    <p:animEffect transition="in" filter="fade">
+                                      <p:cBhvr>
+                                        <p:cTn id="146" dur="500"/>
+                                        <p:tgtEl>
+                                          <p:spTgt spid="53"/>
+                                        </p:tgtEl>
+                                      </p:cBhvr>
+                                    </p:animEffect>
+                                  </p:childTnLst>
+                                </p:cTn>
+                              </p:par>
+                              <p:par>
+                                <p:cTn id="147" presetID="10" presetClass="entr" presetSubtype="0" fill="hold" grpId="0" nodeType="withEffect">
+                                  <p:stCondLst>
+                                    <p:cond delay="2200"/>
+                                  </p:stCondLst>
+                                  <p:childTnLst>
+                                    <p:set>
+                                      <p:cBhvr>
+                                        <p:cTn id="148" dur="1" fill="hold">
+                                          <p:stCondLst>
+                                            <p:cond delay="0"/>
+                                          </p:stCondLst>
+                                        </p:cTn>
+                                        <p:tgtEl>
+                                          <p:spTgt spid="54"/>
+                                        </p:tgtEl>
+                                        <p:attrNameLst>
+                                          <p:attrName>style.visibility</p:attrName>
+                                        </p:attrNameLst>
+                                      </p:cBhvr>
+                                      <p:to>
+                                        <p:strVal val="visible"/>
+                                      </p:to>
+                                    </p:set>
+                                    <p:animEffect transition="in" filter="fade">
+                                      <p:cBhvr>
+                                        <p:cTn id="149" dur="500"/>
+                                        <p:tgtEl>
+                                          <p:spTgt spid="54"/>
+                                        </p:tgtEl>
+                                      </p:cBhvr>
+                                    </p:animEffect>
+                                  </p:childTnLst>
+                                </p:cTn>
+                              </p:par>
+                              <p:par>
+                                <p:cTn id="150" presetID="10" presetClass="entr" presetSubtype="0" fill="hold" grpId="0" nodeType="withEffect">
+                                  <p:stCondLst>
+                                    <p:cond delay="2250"/>
+                                  </p:stCondLst>
+                                  <p:childTnLst>
+                                    <p:set>
+                                      <p:cBhvr>
+                                        <p:cTn id="151" dur="1" fill="hold">
+                                          <p:stCondLst>
+                                            <p:cond delay="0"/>
+                                          </p:stCondLst>
+                                        </p:cTn>
+                                        <p:tgtEl>
+                                          <p:spTgt spid="55"/>
+                                        </p:tgtEl>
+                                        <p:attrNameLst>
+                                          <p:attrName>style.visibility</p:attrName>
+                                        </p:attrNameLst>
+                                      </p:cBhvr>
+                                      <p:to>
+                                        <p:strVal val="visible"/>
+                                      </p:to>
+                                    </p:set>
+                                    <p:animEffect transition="in" filter="fade">
+                                      <p:cBhvr>
+                                        <p:cTn id="152" dur="500"/>
+                                        <p:tgtEl>
+                                          <p:spTgt spid="55"/>
+                                        </p:tgtEl>
+                                      </p:cBhvr>
+                                    </p:animEffect>
+                                  </p:childTnLst>
+                                </p:cTn>
+                              </p:par>
+                              <p:par>
+                                <p:cTn id="153" presetID="10" presetClass="entr" presetSubtype="0" fill="hold" grpId="0" nodeType="withEffect">
+                                  <p:stCondLst>
+                                    <p:cond delay="2300"/>
+                                  </p:stCondLst>
+                                  <p:childTnLst>
+                                    <p:set>
+                                      <p:cBhvr>
+                                        <p:cTn id="154" dur="1" fill="hold">
+                                          <p:stCondLst>
+                                            <p:cond delay="0"/>
+                                          </p:stCondLst>
+                                        </p:cTn>
+                                        <p:tgtEl>
+                                          <p:spTgt spid="15"/>
+                                        </p:tgtEl>
+                                        <p:attrNameLst>
+                                          <p:attrName>style.visibility</p:attrName>
+                                        </p:attrNameLst>
+                                      </p:cBhvr>
+                                      <p:to>
+                                        <p:strVal val="visible"/>
+                                      </p:to>
+                                    </p:set>
+                                    <p:animEffect transition="in" filter="fade">
+                                      <p:cBhvr>
+                                        <p:cTn id="155" dur="500"/>
+                                        <p:tgtEl>
+                                          <p:spTgt spid="15"/>
                                         </p:tgtEl>
                                       </p:cBhvr>
                                     </p:animEffect>
@@ -13161,6 +18506,2241 @@
     <p:bldLst>
       <p:bldP spid="2" grpId="0"/>
       <p:bldP spid="3" grpId="0"/>
+      <p:bldP spid="6" grpId="0"/>
+      <p:bldP spid="8" grpId="0"/>
+      <p:bldP spid="10" grpId="0"/>
+      <p:bldP spid="11" grpId="0"/>
+      <p:bldP spid="12" grpId="0"/>
+      <p:bldP spid="13" grpId="0"/>
+      <p:bldP spid="14" grpId="0"/>
+      <p:bldP spid="15" grpId="0"/>
+      <p:bldP spid="16" grpId="0"/>
+      <p:bldP spid="17" grpId="0"/>
+      <p:bldP spid="18" grpId="0"/>
+      <p:bldP spid="19" grpId="0"/>
+      <p:bldP spid="20" grpId="0"/>
+      <p:bldP spid="21" grpId="0"/>
+      <p:bldP spid="22" grpId="0"/>
+      <p:bldP spid="23" grpId="0"/>
+      <p:bldP spid="24" grpId="0"/>
+      <p:bldP spid="25" grpId="0"/>
+      <p:bldP spid="26" grpId="0"/>
+      <p:bldP spid="27" grpId="0"/>
+      <p:bldP spid="28" grpId="0"/>
+      <p:bldP spid="29" grpId="0"/>
+      <p:bldP spid="30" grpId="0"/>
+      <p:bldP spid="31" grpId="0"/>
+      <p:bldP spid="32" grpId="0"/>
+      <p:bldP spid="33" grpId="0"/>
+      <p:bldP spid="34" grpId="0"/>
+      <p:bldP spid="35" grpId="0"/>
+      <p:bldP spid="36" grpId="0"/>
+      <p:bldP spid="37" grpId="0"/>
+      <p:bldP spid="38" grpId="0"/>
+      <p:bldP spid="39" grpId="0"/>
+      <p:bldP spid="41" grpId="0"/>
+      <p:bldP spid="42" grpId="0"/>
+      <p:bldP spid="43" grpId="0"/>
+      <p:bldP spid="44" grpId="0"/>
+      <p:bldP spid="46" grpId="0"/>
+      <p:bldP spid="47" grpId="0"/>
+      <p:bldP spid="48" grpId="0"/>
+      <p:bldP spid="49" grpId="0"/>
+      <p:bldP spid="50" grpId="0"/>
+      <p:bldP spid="51" grpId="0"/>
+      <p:bldP spid="52" grpId="0"/>
+      <p:bldP spid="53" grpId="0"/>
+      <p:bldP spid="54" grpId="0"/>
+      <p:bldP spid="55" grpId="0"/>
+    </p:bldLst>
+  </p:timing>
+</p:sld>
+</file>
+
+<file path=ppt/slides/slide8.xml><?xml version="1.0" encoding="utf-8"?>
+<p:sld xmlns:a="http://schemas.openxmlformats.org/drawingml/2006/main" xmlns:r="http://schemas.openxmlformats.org/officeDocument/2006/relationships" xmlns:p="http://schemas.openxmlformats.org/presentationml/2006/main">
+  <p:cSld>
+    <p:bg>
+      <p:bgPr>
+        <a:blipFill dpi="0" rotWithShape="1">
+          <a:blip r:embed="rId3">
+            <a:lum/>
+          </a:blip>
+          <a:srcRect/>
+          <a:stretch>
+            <a:fillRect/>
+          </a:stretch>
+        </a:blipFill>
+        <a:effectLst/>
+      </p:bgPr>
+    </p:bg>
+    <p:spTree>
+      <p:nvGrpSpPr>
+        <p:cNvPr id="1" name=""/>
+        <p:cNvGrpSpPr/>
+        <p:nvPr/>
+      </p:nvGrpSpPr>
+      <p:grpSpPr>
+        <a:xfrm>
+          <a:off x="0" y="0"/>
+          <a:ext cx="0" cy="0"/>
+          <a:chOff x="0" y="0"/>
+          <a:chExt cx="0" cy="0"/>
+        </a:xfrm>
+      </p:grpSpPr>
+      <p:pic>
+        <p:nvPicPr>
+          <p:cNvPr id="5" name="Picture 4">
+            <a:extLst>
+              <a:ext uri="{FF2B5EF4-FFF2-40B4-BE49-F238E27FC236}">
+                <a16:creationId xmlns:a16="http://schemas.microsoft.com/office/drawing/2014/main" id="{695CC47C-AF49-412A-B1F1-AEDB629EE62F}"/>
+              </a:ext>
+            </a:extLst>
+          </p:cNvPr>
+          <p:cNvPicPr>
+            <a:picLocks noChangeAspect="1"/>
+          </p:cNvPicPr>
+          <p:nvPr/>
+        </p:nvPicPr>
+        <p:blipFill>
+          <a:blip r:embed="rId4">
+            <a:extLst>
+              <a:ext uri="{28A0092B-C50C-407E-A947-70E740481C1C}">
+                <a14:useLocalDpi xmlns:a14="http://schemas.microsoft.com/office/drawing/2010/main" val="0"/>
+              </a:ext>
+            </a:extLst>
+          </a:blip>
+          <a:stretch>
+            <a:fillRect/>
+          </a:stretch>
+        </p:blipFill>
+        <p:spPr>
+          <a:xfrm>
+            <a:off x="0" y="0"/>
+            <a:ext cx="5971691" cy="6858000"/>
+          </a:xfrm>
+          <a:prstGeom prst="rect">
+            <a:avLst/>
+          </a:prstGeom>
+        </p:spPr>
+      </p:pic>
+      <p:pic>
+        <p:nvPicPr>
+          <p:cNvPr id="9" name="Picture 8">
+            <a:extLst>
+              <a:ext uri="{FF2B5EF4-FFF2-40B4-BE49-F238E27FC236}">
+                <a16:creationId xmlns:a16="http://schemas.microsoft.com/office/drawing/2014/main" id="{E98B1D96-9EE4-4083-85A7-8256AB278B52}"/>
+              </a:ext>
+            </a:extLst>
+          </p:cNvPr>
+          <p:cNvPicPr>
+            <a:picLocks noChangeAspect="1"/>
+          </p:cNvPicPr>
+          <p:nvPr/>
+        </p:nvPicPr>
+        <p:blipFill>
+          <a:blip r:embed="rId5">
+            <a:extLst>
+              <a:ext uri="{28A0092B-C50C-407E-A947-70E740481C1C}">
+                <a14:useLocalDpi xmlns:a14="http://schemas.microsoft.com/office/drawing/2010/main" val="0"/>
+              </a:ext>
+            </a:extLst>
+          </a:blip>
+          <a:stretch>
+            <a:fillRect/>
+          </a:stretch>
+        </p:blipFill>
+        <p:spPr>
+          <a:xfrm>
+            <a:off x="5971691" y="-1"/>
+            <a:ext cx="6315559" cy="6858000"/>
+          </a:xfrm>
+          <a:prstGeom prst="rect">
+            <a:avLst/>
+          </a:prstGeom>
+        </p:spPr>
+      </p:pic>
+      <p:sp>
+        <p:nvSpPr>
+          <p:cNvPr id="2" name="Title 1">
+            <a:extLst>
+              <a:ext uri="{FF2B5EF4-FFF2-40B4-BE49-F238E27FC236}">
+                <a16:creationId xmlns:a16="http://schemas.microsoft.com/office/drawing/2014/main" id="{6E3231CE-1F76-40D7-9D25-FE76AD3CFE2C}"/>
+              </a:ext>
+            </a:extLst>
+          </p:cNvPr>
+          <p:cNvSpPr>
+            <a:spLocks noGrp="1"/>
+          </p:cNvSpPr>
+          <p:nvPr>
+            <p:ph type="title"/>
+          </p:nvPr>
+        </p:nvSpPr>
+        <p:spPr>
+          <a:xfrm>
+            <a:off x="838200" y="1"/>
+            <a:ext cx="10515600" cy="774439"/>
+          </a:xfrm>
+        </p:spPr>
+        <p:txBody>
+          <a:bodyPr>
+            <a:noAutofit/>
+          </a:bodyPr>
+          <a:lstStyle/>
+          <a:p>
+            <a:pPr algn="ctr"/>
+            <a:r>
+              <a:rPr lang="en-US" dirty="0"/>
+              <a:t>TOO MANY WORDS?</a:t>
+            </a:r>
+          </a:p>
+        </p:txBody>
+      </p:sp>
+      <p:sp>
+        <p:nvSpPr>
+          <p:cNvPr id="3" name="Title 1">
+            <a:extLst>
+              <a:ext uri="{FF2B5EF4-FFF2-40B4-BE49-F238E27FC236}">
+                <a16:creationId xmlns:a16="http://schemas.microsoft.com/office/drawing/2014/main" id="{D7EB75B8-378C-4F47-9D25-344E16635D6B}"/>
+              </a:ext>
+            </a:extLst>
+          </p:cNvPr>
+          <p:cNvSpPr txBox="1">
+            <a:spLocks/>
+          </p:cNvSpPr>
+          <p:nvPr/>
+        </p:nvSpPr>
+        <p:spPr>
+          <a:xfrm>
+            <a:off x="1571430" y="393035"/>
+            <a:ext cx="9049139" cy="1110342"/>
+          </a:xfrm>
+          <a:prstGeom prst="rect">
+            <a:avLst/>
+          </a:prstGeom>
+        </p:spPr>
+        <p:txBody>
+          <a:bodyPr vert="horz" lIns="91440" tIns="45720" rIns="91440" bIns="45720" rtlCol="0" anchor="ctr">
+            <a:noAutofit/>
+          </a:bodyPr>
+          <a:lstStyle>
+            <a:lvl1pPr algn="l" defTabSz="914400" rtl="0" eaLnBrk="1" latinLnBrk="0" hangingPunct="1">
+              <a:lnSpc>
+                <a:spcPct val="90000"/>
+              </a:lnSpc>
+              <a:spcBef>
+                <a:spcPct val="0"/>
+              </a:spcBef>
+              <a:buNone/>
+              <a:defRPr sz="4400" kern="1200">
+                <a:solidFill>
+                  <a:schemeClr val="tx1"/>
+                </a:solidFill>
+                <a:latin typeface="+mj-lt"/>
+                <a:ea typeface="+mj-ea"/>
+                <a:cs typeface="+mj-cs"/>
+              </a:defRPr>
+            </a:lvl1pPr>
+          </a:lstStyle>
+          <a:p>
+            <a:pPr algn="ctr"/>
+            <a:r>
+              <a:rPr lang="en-US" dirty="0"/>
+              <a:t>TAKE THIS!</a:t>
+            </a:r>
+          </a:p>
+        </p:txBody>
+      </p:sp>
+    </p:spTree>
+    <p:extLst>
+      <p:ext uri="{BB962C8B-B14F-4D97-AF65-F5344CB8AC3E}">
+        <p14:creationId xmlns:p14="http://schemas.microsoft.com/office/powerpoint/2010/main" val="3474539288"/>
+      </p:ext>
+    </p:extLst>
+  </p:cSld>
+  <p:clrMapOvr>
+    <a:masterClrMapping/>
+  </p:clrMapOvr>
+  <p:timing>
+    <p:tnLst>
+      <p:par>
+        <p:cTn id="1" dur="indefinite" restart="never" nodeType="tmRoot">
+          <p:childTnLst>
+            <p:seq concurrent="1" nextAc="seek">
+              <p:cTn id="2" dur="indefinite" nodeType="mainSeq">
+                <p:childTnLst>
+                  <p:par>
+                    <p:cTn id="3" fill="hold">
+                      <p:stCondLst>
+                        <p:cond delay="indefinite"/>
+                        <p:cond evt="onBegin" delay="0">
+                          <p:tn val="2"/>
+                        </p:cond>
+                      </p:stCondLst>
+                      <p:childTnLst>
+                        <p:par>
+                          <p:cTn id="4" fill="hold">
+                            <p:stCondLst>
+                              <p:cond delay="0"/>
+                            </p:stCondLst>
+                            <p:childTnLst>
+                              <p:par>
+                                <p:cTn id="5" presetID="42" presetClass="entr" presetSubtype="0" fill="hold" grpId="0" nodeType="withEffect">
+                                  <p:stCondLst>
+                                    <p:cond delay="0"/>
+                                  </p:stCondLst>
+                                  <p:childTnLst>
+                                    <p:set>
+                                      <p:cBhvr>
+                                        <p:cTn id="6" dur="1" fill="hold">
+                                          <p:stCondLst>
+                                            <p:cond delay="0"/>
+                                          </p:stCondLst>
+                                        </p:cTn>
+                                        <p:tgtEl>
+                                          <p:spTgt spid="2"/>
+                                        </p:tgtEl>
+                                        <p:attrNameLst>
+                                          <p:attrName>style.visibility</p:attrName>
+                                        </p:attrNameLst>
+                                      </p:cBhvr>
+                                      <p:to>
+                                        <p:strVal val="visible"/>
+                                      </p:to>
+                                    </p:set>
+                                    <p:animEffect transition="in" filter="fade">
+                                      <p:cBhvr>
+                                        <p:cTn id="7" dur="1000"/>
+                                        <p:tgtEl>
+                                          <p:spTgt spid="2"/>
+                                        </p:tgtEl>
+                                      </p:cBhvr>
+                                    </p:animEffect>
+                                    <p:anim calcmode="lin" valueType="num">
+                                      <p:cBhvr>
+                                        <p:cTn id="8" dur="1000" fill="hold"/>
+                                        <p:tgtEl>
+                                          <p:spTgt spid="2"/>
+                                        </p:tgtEl>
+                                        <p:attrNameLst>
+                                          <p:attrName>ppt_x</p:attrName>
+                                        </p:attrNameLst>
+                                      </p:cBhvr>
+                                      <p:tavLst>
+                                        <p:tav tm="0">
+                                          <p:val>
+                                            <p:strVal val="#ppt_x"/>
+                                          </p:val>
+                                        </p:tav>
+                                        <p:tav tm="100000">
+                                          <p:val>
+                                            <p:strVal val="#ppt_x"/>
+                                          </p:val>
+                                        </p:tav>
+                                      </p:tavLst>
+                                    </p:anim>
+                                    <p:anim calcmode="lin" valueType="num">
+                                      <p:cBhvr>
+                                        <p:cTn id="9" dur="1000" fill="hold"/>
+                                        <p:tgtEl>
+                                          <p:spTgt spid="2"/>
+                                        </p:tgtEl>
+                                        <p:attrNameLst>
+                                          <p:attrName>ppt_y</p:attrName>
+                                        </p:attrNameLst>
+                                      </p:cBhvr>
+                                      <p:tavLst>
+                                        <p:tav tm="0">
+                                          <p:val>
+                                            <p:strVal val="#ppt_y+.1"/>
+                                          </p:val>
+                                        </p:tav>
+                                        <p:tav tm="100000">
+                                          <p:val>
+                                            <p:strVal val="#ppt_y"/>
+                                          </p:val>
+                                        </p:tav>
+                                      </p:tavLst>
+                                    </p:anim>
+                                  </p:childTnLst>
+                                </p:cTn>
+                              </p:par>
+                            </p:childTnLst>
+                          </p:cTn>
+                        </p:par>
+                      </p:childTnLst>
+                    </p:cTn>
+                  </p:par>
+                  <p:par>
+                    <p:cTn id="10" fill="hold">
+                      <p:stCondLst>
+                        <p:cond delay="indefinite"/>
+                      </p:stCondLst>
+                      <p:childTnLst>
+                        <p:par>
+                          <p:cTn id="11" fill="hold">
+                            <p:stCondLst>
+                              <p:cond delay="0"/>
+                            </p:stCondLst>
+                            <p:childTnLst>
+                              <p:par>
+                                <p:cTn id="12" presetID="42" presetClass="entr" presetSubtype="0" fill="hold" grpId="0" nodeType="clickEffect">
+                                  <p:stCondLst>
+                                    <p:cond delay="0"/>
+                                  </p:stCondLst>
+                                  <p:childTnLst>
+                                    <p:set>
+                                      <p:cBhvr>
+                                        <p:cTn id="13" dur="1" fill="hold">
+                                          <p:stCondLst>
+                                            <p:cond delay="0"/>
+                                          </p:stCondLst>
+                                        </p:cTn>
+                                        <p:tgtEl>
+                                          <p:spTgt spid="3"/>
+                                        </p:tgtEl>
+                                        <p:attrNameLst>
+                                          <p:attrName>style.visibility</p:attrName>
+                                        </p:attrNameLst>
+                                      </p:cBhvr>
+                                      <p:to>
+                                        <p:strVal val="visible"/>
+                                      </p:to>
+                                    </p:set>
+                                    <p:animEffect transition="in" filter="fade">
+                                      <p:cBhvr>
+                                        <p:cTn id="14" dur="1000"/>
+                                        <p:tgtEl>
+                                          <p:spTgt spid="3"/>
+                                        </p:tgtEl>
+                                      </p:cBhvr>
+                                    </p:animEffect>
+                                    <p:anim calcmode="lin" valueType="num">
+                                      <p:cBhvr>
+                                        <p:cTn id="15" dur="1000" fill="hold"/>
+                                        <p:tgtEl>
+                                          <p:spTgt spid="3"/>
+                                        </p:tgtEl>
+                                        <p:attrNameLst>
+                                          <p:attrName>ppt_x</p:attrName>
+                                        </p:attrNameLst>
+                                      </p:cBhvr>
+                                      <p:tavLst>
+                                        <p:tav tm="0">
+                                          <p:val>
+                                            <p:strVal val="#ppt_x"/>
+                                          </p:val>
+                                        </p:tav>
+                                        <p:tav tm="100000">
+                                          <p:val>
+                                            <p:strVal val="#ppt_x"/>
+                                          </p:val>
+                                        </p:tav>
+                                      </p:tavLst>
+                                    </p:anim>
+                                    <p:anim calcmode="lin" valueType="num">
+                                      <p:cBhvr>
+                                        <p:cTn id="16" dur="1000" fill="hold"/>
+                                        <p:tgtEl>
+                                          <p:spTgt spid="3"/>
+                                        </p:tgtEl>
+                                        <p:attrNameLst>
+                                          <p:attrName>ppt_y</p:attrName>
+                                        </p:attrNameLst>
+                                      </p:cBhvr>
+                                      <p:tavLst>
+                                        <p:tav tm="0">
+                                          <p:val>
+                                            <p:strVal val="#ppt_y+.1"/>
+                                          </p:val>
+                                        </p:tav>
+                                        <p:tav tm="100000">
+                                          <p:val>
+                                            <p:strVal val="#ppt_y"/>
+                                          </p:val>
+                                        </p:tav>
+                                      </p:tavLst>
+                                    </p:anim>
+                                  </p:childTnLst>
+                                </p:cTn>
+                              </p:par>
+                            </p:childTnLst>
+                          </p:cTn>
+                        </p:par>
+                        <p:par>
+                          <p:cTn id="17" fill="hold">
+                            <p:stCondLst>
+                              <p:cond delay="1000"/>
+                            </p:stCondLst>
+                            <p:childTnLst>
+                              <p:par>
+                                <p:cTn id="18" presetID="2" presetClass="entr" presetSubtype="8" fill="hold" nodeType="afterEffect">
+                                  <p:stCondLst>
+                                    <p:cond delay="500"/>
+                                  </p:stCondLst>
+                                  <p:childTnLst>
+                                    <p:set>
+                                      <p:cBhvr>
+                                        <p:cTn id="19" dur="1" fill="hold">
+                                          <p:stCondLst>
+                                            <p:cond delay="0"/>
+                                          </p:stCondLst>
+                                        </p:cTn>
+                                        <p:tgtEl>
+                                          <p:spTgt spid="5"/>
+                                        </p:tgtEl>
+                                        <p:attrNameLst>
+                                          <p:attrName>style.visibility</p:attrName>
+                                        </p:attrNameLst>
+                                      </p:cBhvr>
+                                      <p:to>
+                                        <p:strVal val="visible"/>
+                                      </p:to>
+                                    </p:set>
+                                    <p:anim calcmode="lin" valueType="num">
+                                      <p:cBhvr additive="base">
+                                        <p:cTn id="20" dur="500" fill="hold"/>
+                                        <p:tgtEl>
+                                          <p:spTgt spid="5"/>
+                                        </p:tgtEl>
+                                        <p:attrNameLst>
+                                          <p:attrName>ppt_x</p:attrName>
+                                        </p:attrNameLst>
+                                      </p:cBhvr>
+                                      <p:tavLst>
+                                        <p:tav tm="0">
+                                          <p:val>
+                                            <p:strVal val="0-#ppt_w/2"/>
+                                          </p:val>
+                                        </p:tav>
+                                        <p:tav tm="100000">
+                                          <p:val>
+                                            <p:strVal val="#ppt_x"/>
+                                          </p:val>
+                                        </p:tav>
+                                      </p:tavLst>
+                                    </p:anim>
+                                    <p:anim calcmode="lin" valueType="num">
+                                      <p:cBhvr additive="base">
+                                        <p:cTn id="21" dur="500" fill="hold"/>
+                                        <p:tgtEl>
+                                          <p:spTgt spid="5"/>
+                                        </p:tgtEl>
+                                        <p:attrNameLst>
+                                          <p:attrName>ppt_y</p:attrName>
+                                        </p:attrNameLst>
+                                      </p:cBhvr>
+                                      <p:tavLst>
+                                        <p:tav tm="0">
+                                          <p:val>
+                                            <p:strVal val="#ppt_y"/>
+                                          </p:val>
+                                        </p:tav>
+                                        <p:tav tm="100000">
+                                          <p:val>
+                                            <p:strVal val="#ppt_y"/>
+                                          </p:val>
+                                        </p:tav>
+                                      </p:tavLst>
+                                    </p:anim>
+                                  </p:childTnLst>
+                                </p:cTn>
+                              </p:par>
+                              <p:par>
+                                <p:cTn id="22" presetID="2" presetClass="entr" presetSubtype="2" fill="hold" nodeType="withEffect">
+                                  <p:stCondLst>
+                                    <p:cond delay="500"/>
+                                  </p:stCondLst>
+                                  <p:childTnLst>
+                                    <p:set>
+                                      <p:cBhvr>
+                                        <p:cTn id="23" dur="1" fill="hold">
+                                          <p:stCondLst>
+                                            <p:cond delay="0"/>
+                                          </p:stCondLst>
+                                        </p:cTn>
+                                        <p:tgtEl>
+                                          <p:spTgt spid="9"/>
+                                        </p:tgtEl>
+                                        <p:attrNameLst>
+                                          <p:attrName>style.visibility</p:attrName>
+                                        </p:attrNameLst>
+                                      </p:cBhvr>
+                                      <p:to>
+                                        <p:strVal val="visible"/>
+                                      </p:to>
+                                    </p:set>
+                                    <p:anim calcmode="lin" valueType="num">
+                                      <p:cBhvr additive="base">
+                                        <p:cTn id="24" dur="500" fill="hold"/>
+                                        <p:tgtEl>
+                                          <p:spTgt spid="9"/>
+                                        </p:tgtEl>
+                                        <p:attrNameLst>
+                                          <p:attrName>ppt_x</p:attrName>
+                                        </p:attrNameLst>
+                                      </p:cBhvr>
+                                      <p:tavLst>
+                                        <p:tav tm="0">
+                                          <p:val>
+                                            <p:strVal val="1+#ppt_w/2"/>
+                                          </p:val>
+                                        </p:tav>
+                                        <p:tav tm="100000">
+                                          <p:val>
+                                            <p:strVal val="#ppt_x"/>
+                                          </p:val>
+                                        </p:tav>
+                                      </p:tavLst>
+                                    </p:anim>
+                                    <p:anim calcmode="lin" valueType="num">
+                                      <p:cBhvr additive="base">
+                                        <p:cTn id="25" dur="500" fill="hold"/>
+                                        <p:tgtEl>
+                                          <p:spTgt spid="9"/>
+                                        </p:tgtEl>
+                                        <p:attrNameLst>
+                                          <p:attrName>ppt_y</p:attrName>
+                                        </p:attrNameLst>
+                                      </p:cBhvr>
+                                      <p:tavLst>
+                                        <p:tav tm="0">
+                                          <p:val>
+                                            <p:strVal val="#ppt_y"/>
+                                          </p:val>
+                                        </p:tav>
+                                        <p:tav tm="100000">
+                                          <p:val>
+                                            <p:strVal val="#ppt_y"/>
+                                          </p:val>
+                                        </p:tav>
+                                      </p:tavLst>
+                                    </p:anim>
+                                  </p:childTnLst>
+                                </p:cTn>
+                              </p:par>
+                              <p:par>
+                                <p:cTn id="26" presetID="22" presetClass="exit" presetSubtype="8" fill="hold" grpId="1" nodeType="withEffect">
+                                  <p:stCondLst>
+                                    <p:cond delay="400"/>
+                                  </p:stCondLst>
+                                  <p:childTnLst>
+                                    <p:animEffect transition="out" filter="wipe(left)">
+                                      <p:cBhvr>
+                                        <p:cTn id="27" dur="500"/>
+                                        <p:tgtEl>
+                                          <p:spTgt spid="2"/>
+                                        </p:tgtEl>
+                                      </p:cBhvr>
+                                    </p:animEffect>
+                                    <p:set>
+                                      <p:cBhvr>
+                                        <p:cTn id="28" dur="1" fill="hold">
+                                          <p:stCondLst>
+                                            <p:cond delay="499"/>
+                                          </p:stCondLst>
+                                        </p:cTn>
+                                        <p:tgtEl>
+                                          <p:spTgt spid="2"/>
+                                        </p:tgtEl>
+                                        <p:attrNameLst>
+                                          <p:attrName>style.visibility</p:attrName>
+                                        </p:attrNameLst>
+                                      </p:cBhvr>
+                                      <p:to>
+                                        <p:strVal val="hidden"/>
+                                      </p:to>
+                                    </p:set>
+                                  </p:childTnLst>
+                                </p:cTn>
+                              </p:par>
+                              <p:par>
+                                <p:cTn id="29" presetID="22" presetClass="exit" presetSubtype="8" fill="hold" grpId="1" nodeType="withEffect">
+                                  <p:stCondLst>
+                                    <p:cond delay="400"/>
+                                  </p:stCondLst>
+                                  <p:childTnLst>
+                                    <p:animEffect transition="out" filter="wipe(left)">
+                                      <p:cBhvr>
+                                        <p:cTn id="30" dur="500"/>
+                                        <p:tgtEl>
+                                          <p:spTgt spid="3"/>
+                                        </p:tgtEl>
+                                      </p:cBhvr>
+                                    </p:animEffect>
+                                    <p:set>
+                                      <p:cBhvr>
+                                        <p:cTn id="31" dur="1" fill="hold">
+                                          <p:stCondLst>
+                                            <p:cond delay="499"/>
+                                          </p:stCondLst>
+                                        </p:cTn>
+                                        <p:tgtEl>
+                                          <p:spTgt spid="3"/>
+                                        </p:tgtEl>
+                                        <p:attrNameLst>
+                                          <p:attrName>style.visibility</p:attrName>
+                                        </p:attrNameLst>
+                                      </p:cBhvr>
+                                      <p:to>
+                                        <p:strVal val="hidden"/>
+                                      </p:to>
+                                    </p:set>
+                                  </p:childTnLst>
+                                </p:cTn>
+                              </p:par>
+                            </p:childTnLst>
+                          </p:cTn>
+                        </p:par>
+                      </p:childTnLst>
+                    </p:cTn>
+                  </p:par>
+                </p:childTnLst>
+              </p:cTn>
+              <p:prevCondLst>
+                <p:cond evt="onPrev" delay="0">
+                  <p:tgtEl>
+                    <p:sldTgt/>
+                  </p:tgtEl>
+                </p:cond>
+              </p:prevCondLst>
+              <p:nextCondLst>
+                <p:cond evt="onNext" delay="0">
+                  <p:tgtEl>
+                    <p:sldTgt/>
+                  </p:tgtEl>
+                </p:cond>
+              </p:nextCondLst>
+            </p:seq>
+          </p:childTnLst>
+        </p:cTn>
+      </p:par>
+    </p:tnLst>
+    <p:bldLst>
+      <p:bldP spid="2" grpId="0"/>
+      <p:bldP spid="2" grpId="1"/>
+      <p:bldP spid="3" grpId="0"/>
+      <p:bldP spid="3" grpId="1"/>
+    </p:bldLst>
+  </p:timing>
+</p:sld>
+</file>
+
+<file path=ppt/slides/slide9.xml><?xml version="1.0" encoding="utf-8"?>
+<p:sld xmlns:a="http://schemas.openxmlformats.org/drawingml/2006/main" xmlns:r="http://schemas.openxmlformats.org/officeDocument/2006/relationships" xmlns:p="http://schemas.openxmlformats.org/presentationml/2006/main">
+  <p:cSld>
+    <p:bg>
+      <p:bgPr>
+        <a:blipFill dpi="0" rotWithShape="1">
+          <a:blip r:embed="rId3">
+            <a:lum/>
+          </a:blip>
+          <a:srcRect/>
+          <a:stretch>
+            <a:fillRect/>
+          </a:stretch>
+        </a:blipFill>
+        <a:effectLst/>
+      </p:bgPr>
+    </p:bg>
+    <p:spTree>
+      <p:nvGrpSpPr>
+        <p:cNvPr id="1" name=""/>
+        <p:cNvGrpSpPr/>
+        <p:nvPr/>
+      </p:nvGrpSpPr>
+      <p:grpSpPr>
+        <a:xfrm>
+          <a:off x="0" y="0"/>
+          <a:ext cx="0" cy="0"/>
+          <a:chOff x="0" y="0"/>
+          <a:chExt cx="0" cy="0"/>
+        </a:xfrm>
+      </p:grpSpPr>
+      <p:sp>
+        <p:nvSpPr>
+          <p:cNvPr id="2" name="Title 1">
+            <a:extLst>
+              <a:ext uri="{FF2B5EF4-FFF2-40B4-BE49-F238E27FC236}">
+                <a16:creationId xmlns:a16="http://schemas.microsoft.com/office/drawing/2014/main" id="{6E3231CE-1F76-40D7-9D25-FE76AD3CFE2C}"/>
+              </a:ext>
+            </a:extLst>
+          </p:cNvPr>
+          <p:cNvSpPr>
+            <a:spLocks noGrp="1"/>
+          </p:cNvSpPr>
+          <p:nvPr>
+            <p:ph type="title"/>
+          </p:nvPr>
+        </p:nvSpPr>
+        <p:spPr>
+          <a:xfrm>
+            <a:off x="838200" y="1"/>
+            <a:ext cx="10515600" cy="774439"/>
+          </a:xfrm>
+        </p:spPr>
+        <p:txBody>
+          <a:bodyPr>
+            <a:noAutofit/>
+          </a:bodyPr>
+          <a:lstStyle/>
+          <a:p>
+            <a:pPr algn="ctr"/>
+            <a:r>
+              <a:rPr lang="en-US" dirty="0"/>
+              <a:t>STILL NOT CLEAR?</a:t>
+            </a:r>
+          </a:p>
+        </p:txBody>
+      </p:sp>
+      <p:sp>
+        <p:nvSpPr>
+          <p:cNvPr id="3" name="Title 1">
+            <a:extLst>
+              <a:ext uri="{FF2B5EF4-FFF2-40B4-BE49-F238E27FC236}">
+                <a16:creationId xmlns:a16="http://schemas.microsoft.com/office/drawing/2014/main" id="{D7EB75B8-378C-4F47-9D25-344E16635D6B}"/>
+              </a:ext>
+            </a:extLst>
+          </p:cNvPr>
+          <p:cNvSpPr txBox="1">
+            <a:spLocks/>
+          </p:cNvSpPr>
+          <p:nvPr/>
+        </p:nvSpPr>
+        <p:spPr>
+          <a:xfrm>
+            <a:off x="1571430" y="393035"/>
+            <a:ext cx="9049139" cy="1110342"/>
+          </a:xfrm>
+          <a:prstGeom prst="rect">
+            <a:avLst/>
+          </a:prstGeom>
+        </p:spPr>
+        <p:txBody>
+          <a:bodyPr vert="horz" lIns="91440" tIns="45720" rIns="91440" bIns="45720" rtlCol="0" anchor="ctr">
+            <a:noAutofit/>
+          </a:bodyPr>
+          <a:lstStyle>
+            <a:lvl1pPr algn="l" defTabSz="914400" rtl="0" eaLnBrk="1" latinLnBrk="0" hangingPunct="1">
+              <a:lnSpc>
+                <a:spcPct val="90000"/>
+              </a:lnSpc>
+              <a:spcBef>
+                <a:spcPct val="0"/>
+              </a:spcBef>
+              <a:buNone/>
+              <a:defRPr sz="4400" kern="1200">
+                <a:solidFill>
+                  <a:schemeClr val="tx1"/>
+                </a:solidFill>
+                <a:latin typeface="+mj-lt"/>
+                <a:ea typeface="+mj-ea"/>
+                <a:cs typeface="+mj-cs"/>
+              </a:defRPr>
+            </a:lvl1pPr>
+          </a:lstStyle>
+          <a:p>
+            <a:pPr algn="ctr"/>
+            <a:r>
+              <a:rPr lang="en-US" dirty="0"/>
+              <a:t>WHAT ABOUT META CATEGORIES?</a:t>
+            </a:r>
+          </a:p>
+        </p:txBody>
+      </p:sp>
+      <p:sp>
+        <p:nvSpPr>
+          <p:cNvPr id="10" name="Rectangle 9">
+            <a:extLst>
+              <a:ext uri="{FF2B5EF4-FFF2-40B4-BE49-F238E27FC236}">
+                <a16:creationId xmlns:a16="http://schemas.microsoft.com/office/drawing/2014/main" id="{18FECECE-A708-4230-AB86-375C7872FAD8}"/>
+              </a:ext>
+            </a:extLst>
+          </p:cNvPr>
+          <p:cNvSpPr/>
+          <p:nvPr/>
+        </p:nvSpPr>
+        <p:spPr>
+          <a:xfrm>
+            <a:off x="838200" y="3462329"/>
+            <a:ext cx="2532873" cy="584775"/>
+          </a:xfrm>
+          <a:prstGeom prst="rect">
+            <a:avLst/>
+          </a:prstGeom>
+          <a:solidFill>
+            <a:schemeClr val="bg1">
+              <a:lumMod val="85000"/>
+              <a:lumOff val="15000"/>
+            </a:schemeClr>
+          </a:solidFill>
+          <a:effectLst>
+            <a:outerShdw blurRad="50800" dist="38100" dir="2700000" algn="tl" rotWithShape="0">
+              <a:prstClr val="black">
+                <a:alpha val="40000"/>
+              </a:prstClr>
+            </a:outerShdw>
+          </a:effectLst>
+        </p:spPr>
+        <p:style>
+          <a:lnRef idx="3">
+            <a:schemeClr val="lt1"/>
+          </a:lnRef>
+          <a:fillRef idx="1">
+            <a:schemeClr val="dk1"/>
+          </a:fillRef>
+          <a:effectRef idx="1">
+            <a:schemeClr val="dk1"/>
+          </a:effectRef>
+          <a:fontRef idx="minor">
+            <a:schemeClr val="lt1"/>
+          </a:fontRef>
+        </p:style>
+        <p:txBody>
+          <a:bodyPr wrap="none">
+            <a:spAutoFit/>
+          </a:bodyPr>
+          <a:lstStyle/>
+          <a:p>
+            <a:r>
+              <a:rPr lang="en-US" sz="3200" dirty="0"/>
+              <a:t>Defensive Use</a:t>
+            </a:r>
+          </a:p>
+        </p:txBody>
+      </p:sp>
+      <p:sp>
+        <p:nvSpPr>
+          <p:cNvPr id="11" name="Rectangle 10">
+            <a:extLst>
+              <a:ext uri="{FF2B5EF4-FFF2-40B4-BE49-F238E27FC236}">
+                <a16:creationId xmlns:a16="http://schemas.microsoft.com/office/drawing/2014/main" id="{29963827-20F5-4D06-ACD9-648DA43EC224}"/>
+              </a:ext>
+            </a:extLst>
+          </p:cNvPr>
+          <p:cNvSpPr/>
+          <p:nvPr/>
+        </p:nvSpPr>
+        <p:spPr>
+          <a:xfrm>
+            <a:off x="5309566" y="5343211"/>
+            <a:ext cx="1572866" cy="584775"/>
+          </a:xfrm>
+          <a:prstGeom prst="rect">
+            <a:avLst/>
+          </a:prstGeom>
+          <a:solidFill>
+            <a:schemeClr val="bg1">
+              <a:lumMod val="85000"/>
+              <a:lumOff val="15000"/>
+            </a:schemeClr>
+          </a:solidFill>
+          <a:effectLst>
+            <a:outerShdw blurRad="50800" dist="38100" dir="2700000" algn="tl" rotWithShape="0">
+              <a:prstClr val="black">
+                <a:alpha val="40000"/>
+              </a:prstClr>
+            </a:outerShdw>
+          </a:effectLst>
+        </p:spPr>
+        <p:style>
+          <a:lnRef idx="3">
+            <a:schemeClr val="lt1"/>
+          </a:lnRef>
+          <a:fillRef idx="1">
+            <a:schemeClr val="dk1"/>
+          </a:fillRef>
+          <a:effectRef idx="1">
+            <a:schemeClr val="dk1"/>
+          </a:effectRef>
+          <a:fontRef idx="minor">
+            <a:schemeClr val="lt1"/>
+          </a:fontRef>
+        </p:style>
+        <p:txBody>
+          <a:bodyPr wrap="none">
+            <a:spAutoFit/>
+          </a:bodyPr>
+          <a:lstStyle/>
+          <a:p>
+            <a:r>
+              <a:rPr lang="en-US" sz="3200" dirty="0"/>
+              <a:t>Criminal</a:t>
+            </a:r>
+          </a:p>
+        </p:txBody>
+      </p:sp>
+      <p:sp>
+        <p:nvSpPr>
+          <p:cNvPr id="13" name="Rectangle 12">
+            <a:extLst>
+              <a:ext uri="{FF2B5EF4-FFF2-40B4-BE49-F238E27FC236}">
+                <a16:creationId xmlns:a16="http://schemas.microsoft.com/office/drawing/2014/main" id="{D6B8CDEC-D1CF-479F-A734-77FC893D1204}"/>
+              </a:ext>
+            </a:extLst>
+          </p:cNvPr>
+          <p:cNvSpPr/>
+          <p:nvPr/>
+        </p:nvSpPr>
+        <p:spPr>
+          <a:xfrm>
+            <a:off x="838200" y="5343212"/>
+            <a:ext cx="2798330" cy="584775"/>
+          </a:xfrm>
+          <a:prstGeom prst="rect">
+            <a:avLst/>
+          </a:prstGeom>
+          <a:solidFill>
+            <a:schemeClr val="bg1">
+              <a:lumMod val="85000"/>
+              <a:lumOff val="15000"/>
+            </a:schemeClr>
+          </a:solidFill>
+          <a:effectLst>
+            <a:outerShdw blurRad="50800" dist="38100" dir="2700000" algn="tl" rotWithShape="0">
+              <a:prstClr val="black">
+                <a:alpha val="40000"/>
+              </a:prstClr>
+            </a:outerShdw>
+          </a:effectLst>
+        </p:spPr>
+        <p:style>
+          <a:lnRef idx="3">
+            <a:schemeClr val="lt1"/>
+          </a:lnRef>
+          <a:fillRef idx="1">
+            <a:schemeClr val="dk1"/>
+          </a:fillRef>
+          <a:effectRef idx="1">
+            <a:schemeClr val="dk1"/>
+          </a:effectRef>
+          <a:fontRef idx="minor">
+            <a:schemeClr val="lt1"/>
+          </a:fontRef>
+        </p:style>
+        <p:txBody>
+          <a:bodyPr wrap="none">
+            <a:spAutoFit/>
+          </a:bodyPr>
+          <a:lstStyle/>
+          <a:p>
+            <a:r>
+              <a:rPr lang="en-US" sz="3200" dirty="0"/>
+              <a:t>Murder/Suicide</a:t>
+            </a:r>
+          </a:p>
+        </p:txBody>
+      </p:sp>
+      <p:sp>
+        <p:nvSpPr>
+          <p:cNvPr id="8" name="Rectangle 7">
+            <a:extLst>
+              <a:ext uri="{FF2B5EF4-FFF2-40B4-BE49-F238E27FC236}">
+                <a16:creationId xmlns:a16="http://schemas.microsoft.com/office/drawing/2014/main" id="{E9221542-E678-400A-B4EB-71DD9DE2A720}"/>
+              </a:ext>
+            </a:extLst>
+          </p:cNvPr>
+          <p:cNvSpPr/>
+          <p:nvPr/>
+        </p:nvSpPr>
+        <p:spPr>
+          <a:xfrm>
+            <a:off x="8825736" y="1580111"/>
+            <a:ext cx="2528064" cy="584775"/>
+          </a:xfrm>
+          <a:prstGeom prst="rect">
+            <a:avLst/>
+          </a:prstGeom>
+          <a:solidFill>
+            <a:schemeClr val="bg1">
+              <a:lumMod val="85000"/>
+              <a:lumOff val="15000"/>
+            </a:schemeClr>
+          </a:solidFill>
+          <a:effectLst>
+            <a:outerShdw blurRad="50800" dist="38100" dir="2700000" algn="tl" rotWithShape="0">
+              <a:prstClr val="black">
+                <a:alpha val="40000"/>
+              </a:prstClr>
+            </a:outerShdw>
+          </a:effectLst>
+        </p:spPr>
+        <p:style>
+          <a:lnRef idx="3">
+            <a:schemeClr val="lt1"/>
+          </a:lnRef>
+          <a:fillRef idx="1">
+            <a:schemeClr val="dk1"/>
+          </a:fillRef>
+          <a:effectRef idx="1">
+            <a:schemeClr val="dk1"/>
+          </a:effectRef>
+          <a:fontRef idx="minor">
+            <a:schemeClr val="lt1"/>
+          </a:fontRef>
+        </p:style>
+        <p:txBody>
+          <a:bodyPr wrap="none">
+            <a:spAutoFit/>
+          </a:bodyPr>
+          <a:lstStyle/>
+          <a:p>
+            <a:r>
+              <a:rPr lang="en-US" sz="3200" dirty="0"/>
+              <a:t>Child Involved</a:t>
+            </a:r>
+          </a:p>
+        </p:txBody>
+      </p:sp>
+      <p:sp>
+        <p:nvSpPr>
+          <p:cNvPr id="12" name="Rectangle 11">
+            <a:extLst>
+              <a:ext uri="{FF2B5EF4-FFF2-40B4-BE49-F238E27FC236}">
+                <a16:creationId xmlns:a16="http://schemas.microsoft.com/office/drawing/2014/main" id="{5362F78B-867A-4BB7-9BCB-824EB95C5E66}"/>
+              </a:ext>
+            </a:extLst>
+          </p:cNvPr>
+          <p:cNvSpPr/>
+          <p:nvPr/>
+        </p:nvSpPr>
+        <p:spPr>
+          <a:xfrm>
+            <a:off x="8709550" y="5343210"/>
+            <a:ext cx="2644250" cy="584775"/>
+          </a:xfrm>
+          <a:prstGeom prst="rect">
+            <a:avLst/>
+          </a:prstGeom>
+          <a:solidFill>
+            <a:schemeClr val="bg1">
+              <a:lumMod val="85000"/>
+              <a:lumOff val="15000"/>
+            </a:schemeClr>
+          </a:solidFill>
+          <a:effectLst>
+            <a:outerShdw blurRad="50800" dist="38100" dir="2700000" algn="tl" rotWithShape="0">
+              <a:prstClr val="black">
+                <a:alpha val="40000"/>
+              </a:prstClr>
+            </a:outerShdw>
+          </a:effectLst>
+        </p:spPr>
+        <p:style>
+          <a:lnRef idx="3">
+            <a:schemeClr val="lt1"/>
+          </a:lnRef>
+          <a:fillRef idx="1">
+            <a:schemeClr val="dk1"/>
+          </a:fillRef>
+          <a:effectRef idx="1">
+            <a:schemeClr val="dk1"/>
+          </a:effectRef>
+          <a:fontRef idx="minor">
+            <a:schemeClr val="lt1"/>
+          </a:fontRef>
+        </p:style>
+        <p:txBody>
+          <a:bodyPr wrap="none">
+            <a:spAutoFit/>
+          </a:bodyPr>
+          <a:lstStyle/>
+          <a:p>
+            <a:r>
+              <a:rPr lang="en-US" sz="3200" dirty="0"/>
+              <a:t>School Related</a:t>
+            </a:r>
+          </a:p>
+        </p:txBody>
+      </p:sp>
+      <p:sp>
+        <p:nvSpPr>
+          <p:cNvPr id="6" name="Rectangle 5">
+            <a:extLst>
+              <a:ext uri="{FF2B5EF4-FFF2-40B4-BE49-F238E27FC236}">
+                <a16:creationId xmlns:a16="http://schemas.microsoft.com/office/drawing/2014/main" id="{1A480CDB-FAC5-4584-8C89-7709E0C33963}"/>
+              </a:ext>
+            </a:extLst>
+          </p:cNvPr>
+          <p:cNvSpPr/>
+          <p:nvPr/>
+        </p:nvSpPr>
+        <p:spPr>
+          <a:xfrm>
+            <a:off x="7859702" y="3462328"/>
+            <a:ext cx="3494098" cy="584775"/>
+          </a:xfrm>
+          <a:prstGeom prst="rect">
+            <a:avLst/>
+          </a:prstGeom>
+          <a:solidFill>
+            <a:schemeClr val="bg1">
+              <a:lumMod val="85000"/>
+              <a:lumOff val="15000"/>
+            </a:schemeClr>
+          </a:solidFill>
+          <a:effectLst>
+            <a:outerShdw blurRad="50800" dist="38100" dir="2700000" algn="tl" rotWithShape="0">
+              <a:prstClr val="black">
+                <a:alpha val="40000"/>
+              </a:prstClr>
+            </a:outerShdw>
+          </a:effectLst>
+        </p:spPr>
+        <p:style>
+          <a:lnRef idx="3">
+            <a:schemeClr val="lt1"/>
+          </a:lnRef>
+          <a:fillRef idx="1">
+            <a:schemeClr val="dk1"/>
+          </a:fillRef>
+          <a:effectRef idx="1">
+            <a:schemeClr val="dk1"/>
+          </a:effectRef>
+          <a:fontRef idx="minor">
+            <a:schemeClr val="lt1"/>
+          </a:fontRef>
+        </p:style>
+        <p:txBody>
+          <a:bodyPr wrap="none">
+            <a:spAutoFit/>
+          </a:bodyPr>
+          <a:lstStyle/>
+          <a:p>
+            <a:r>
+              <a:rPr lang="en-US" sz="3200" dirty="0"/>
+              <a:t>Accidental Shooting</a:t>
+            </a:r>
+          </a:p>
+        </p:txBody>
+      </p:sp>
+      <p:sp>
+        <p:nvSpPr>
+          <p:cNvPr id="7" name="Rectangle 6">
+            <a:extLst>
+              <a:ext uri="{FF2B5EF4-FFF2-40B4-BE49-F238E27FC236}">
+                <a16:creationId xmlns:a16="http://schemas.microsoft.com/office/drawing/2014/main" id="{1E02D15C-9FC1-4691-B807-DE1E1F7CFD93}"/>
+              </a:ext>
+            </a:extLst>
+          </p:cNvPr>
+          <p:cNvSpPr/>
+          <p:nvPr/>
+        </p:nvSpPr>
+        <p:spPr>
+          <a:xfrm>
+            <a:off x="838200" y="1604403"/>
+            <a:ext cx="4688719" cy="584775"/>
+          </a:xfrm>
+          <a:prstGeom prst="rect">
+            <a:avLst/>
+          </a:prstGeom>
+          <a:solidFill>
+            <a:schemeClr val="bg1">
+              <a:lumMod val="85000"/>
+              <a:lumOff val="15000"/>
+            </a:schemeClr>
+          </a:solidFill>
+          <a:effectLst>
+            <a:outerShdw blurRad="50800" dist="38100" dir="2700000" algn="tl" rotWithShape="0">
+              <a:prstClr val="black">
+                <a:alpha val="40000"/>
+              </a:prstClr>
+            </a:outerShdw>
+          </a:effectLst>
+        </p:spPr>
+        <p:style>
+          <a:lnRef idx="3">
+            <a:schemeClr val="lt1"/>
+          </a:lnRef>
+          <a:fillRef idx="1">
+            <a:schemeClr val="dk1"/>
+          </a:fillRef>
+          <a:effectRef idx="1">
+            <a:schemeClr val="dk1"/>
+          </a:effectRef>
+          <a:fontRef idx="minor">
+            <a:schemeClr val="lt1"/>
+          </a:fontRef>
+        </p:style>
+        <p:txBody>
+          <a:bodyPr wrap="none">
+            <a:spAutoFit/>
+          </a:bodyPr>
+          <a:lstStyle/>
+          <a:p>
+            <a:r>
+              <a:rPr lang="en-US" sz="3200" dirty="0"/>
+              <a:t>Authorities/Police Involved</a:t>
+            </a:r>
+          </a:p>
+        </p:txBody>
+      </p:sp>
+      <p:pic>
+        <p:nvPicPr>
+          <p:cNvPr id="16" name="Picture 15">
+            <a:extLst>
+              <a:ext uri="{FF2B5EF4-FFF2-40B4-BE49-F238E27FC236}">
+                <a16:creationId xmlns:a16="http://schemas.microsoft.com/office/drawing/2014/main" id="{15F2CB8A-8395-4107-8CF4-BB56140B30E1}"/>
+              </a:ext>
+            </a:extLst>
+          </p:cNvPr>
+          <p:cNvPicPr>
+            <a:picLocks noChangeAspect="1"/>
+          </p:cNvPicPr>
+          <p:nvPr/>
+        </p:nvPicPr>
+        <p:blipFill>
+          <a:blip r:embed="rId4">
+            <a:extLst>
+              <a:ext uri="{28A0092B-C50C-407E-A947-70E740481C1C}">
+                <a14:useLocalDpi xmlns:a14="http://schemas.microsoft.com/office/drawing/2010/main" val="0"/>
+              </a:ext>
+            </a:extLst>
+          </a:blip>
+          <a:stretch>
+            <a:fillRect/>
+          </a:stretch>
+        </p:blipFill>
+        <p:spPr>
+          <a:xfrm>
+            <a:off x="0" y="1456715"/>
+            <a:ext cx="12192000" cy="4595999"/>
+          </a:xfrm>
+          <a:prstGeom prst="rect">
+            <a:avLst/>
+          </a:prstGeom>
+        </p:spPr>
+      </p:pic>
+      <p:pic>
+        <p:nvPicPr>
+          <p:cNvPr id="18" name="Picture 17">
+            <a:extLst>
+              <a:ext uri="{FF2B5EF4-FFF2-40B4-BE49-F238E27FC236}">
+                <a16:creationId xmlns:a16="http://schemas.microsoft.com/office/drawing/2014/main" id="{9FF88F00-7612-4BF9-B186-93C22D4A0723}"/>
+              </a:ext>
+            </a:extLst>
+          </p:cNvPr>
+          <p:cNvPicPr>
+            <a:picLocks noChangeAspect="1"/>
+          </p:cNvPicPr>
+          <p:nvPr/>
+        </p:nvPicPr>
+        <p:blipFill>
+          <a:blip r:embed="rId5">
+            <a:extLst>
+              <a:ext uri="{28A0092B-C50C-407E-A947-70E740481C1C}">
+                <a14:useLocalDpi xmlns:a14="http://schemas.microsoft.com/office/drawing/2010/main" val="0"/>
+              </a:ext>
+            </a:extLst>
+          </a:blip>
+          <a:stretch>
+            <a:fillRect/>
+          </a:stretch>
+        </p:blipFill>
+        <p:spPr>
+          <a:xfrm>
+            <a:off x="-1" y="1460949"/>
+            <a:ext cx="12192000" cy="4825551"/>
+          </a:xfrm>
+          <a:prstGeom prst="rect">
+            <a:avLst/>
+          </a:prstGeom>
+        </p:spPr>
+      </p:pic>
+    </p:spTree>
+    <p:extLst>
+      <p:ext uri="{BB962C8B-B14F-4D97-AF65-F5344CB8AC3E}">
+        <p14:creationId xmlns:p14="http://schemas.microsoft.com/office/powerpoint/2010/main" val="2186204770"/>
+      </p:ext>
+    </p:extLst>
+  </p:cSld>
+  <p:clrMapOvr>
+    <a:masterClrMapping/>
+  </p:clrMapOvr>
+  <p:timing>
+    <p:tnLst>
+      <p:par>
+        <p:cTn id="1" dur="indefinite" restart="never" nodeType="tmRoot">
+          <p:childTnLst>
+            <p:seq concurrent="1" nextAc="seek">
+              <p:cTn id="2" dur="indefinite" nodeType="mainSeq">
+                <p:childTnLst>
+                  <p:par>
+                    <p:cTn id="3" fill="hold">
+                      <p:stCondLst>
+                        <p:cond delay="indefinite"/>
+                        <p:cond evt="onBegin" delay="0">
+                          <p:tn val="2"/>
+                        </p:cond>
+                      </p:stCondLst>
+                      <p:childTnLst>
+                        <p:par>
+                          <p:cTn id="4" fill="hold">
+                            <p:stCondLst>
+                              <p:cond delay="0"/>
+                            </p:stCondLst>
+                            <p:childTnLst>
+                              <p:par>
+                                <p:cTn id="5" presetID="42" presetClass="entr" presetSubtype="0" fill="hold" grpId="0" nodeType="withEffect">
+                                  <p:stCondLst>
+                                    <p:cond delay="0"/>
+                                  </p:stCondLst>
+                                  <p:childTnLst>
+                                    <p:set>
+                                      <p:cBhvr>
+                                        <p:cTn id="6" dur="1" fill="hold">
+                                          <p:stCondLst>
+                                            <p:cond delay="0"/>
+                                          </p:stCondLst>
+                                        </p:cTn>
+                                        <p:tgtEl>
+                                          <p:spTgt spid="2"/>
+                                        </p:tgtEl>
+                                        <p:attrNameLst>
+                                          <p:attrName>style.visibility</p:attrName>
+                                        </p:attrNameLst>
+                                      </p:cBhvr>
+                                      <p:to>
+                                        <p:strVal val="visible"/>
+                                      </p:to>
+                                    </p:set>
+                                    <p:animEffect transition="in" filter="fade">
+                                      <p:cBhvr>
+                                        <p:cTn id="7" dur="1000"/>
+                                        <p:tgtEl>
+                                          <p:spTgt spid="2"/>
+                                        </p:tgtEl>
+                                      </p:cBhvr>
+                                    </p:animEffect>
+                                    <p:anim calcmode="lin" valueType="num">
+                                      <p:cBhvr>
+                                        <p:cTn id="8" dur="1000" fill="hold"/>
+                                        <p:tgtEl>
+                                          <p:spTgt spid="2"/>
+                                        </p:tgtEl>
+                                        <p:attrNameLst>
+                                          <p:attrName>ppt_x</p:attrName>
+                                        </p:attrNameLst>
+                                      </p:cBhvr>
+                                      <p:tavLst>
+                                        <p:tav tm="0">
+                                          <p:val>
+                                            <p:strVal val="#ppt_x"/>
+                                          </p:val>
+                                        </p:tav>
+                                        <p:tav tm="100000">
+                                          <p:val>
+                                            <p:strVal val="#ppt_x"/>
+                                          </p:val>
+                                        </p:tav>
+                                      </p:tavLst>
+                                    </p:anim>
+                                    <p:anim calcmode="lin" valueType="num">
+                                      <p:cBhvr>
+                                        <p:cTn id="9" dur="1000" fill="hold"/>
+                                        <p:tgtEl>
+                                          <p:spTgt spid="2"/>
+                                        </p:tgtEl>
+                                        <p:attrNameLst>
+                                          <p:attrName>ppt_y</p:attrName>
+                                        </p:attrNameLst>
+                                      </p:cBhvr>
+                                      <p:tavLst>
+                                        <p:tav tm="0">
+                                          <p:val>
+                                            <p:strVal val="#ppt_y+.1"/>
+                                          </p:val>
+                                        </p:tav>
+                                        <p:tav tm="100000">
+                                          <p:val>
+                                            <p:strVal val="#ppt_y"/>
+                                          </p:val>
+                                        </p:tav>
+                                      </p:tavLst>
+                                    </p:anim>
+                                  </p:childTnLst>
+                                </p:cTn>
+                              </p:par>
+                            </p:childTnLst>
+                          </p:cTn>
+                        </p:par>
+                      </p:childTnLst>
+                    </p:cTn>
+                  </p:par>
+                  <p:par>
+                    <p:cTn id="10" fill="hold">
+                      <p:stCondLst>
+                        <p:cond delay="indefinite"/>
+                      </p:stCondLst>
+                      <p:childTnLst>
+                        <p:par>
+                          <p:cTn id="11" fill="hold">
+                            <p:stCondLst>
+                              <p:cond delay="0"/>
+                            </p:stCondLst>
+                            <p:childTnLst>
+                              <p:par>
+                                <p:cTn id="12" presetID="42" presetClass="entr" presetSubtype="0" fill="hold" grpId="0" nodeType="clickEffect">
+                                  <p:stCondLst>
+                                    <p:cond delay="0"/>
+                                  </p:stCondLst>
+                                  <p:childTnLst>
+                                    <p:set>
+                                      <p:cBhvr>
+                                        <p:cTn id="13" dur="1" fill="hold">
+                                          <p:stCondLst>
+                                            <p:cond delay="0"/>
+                                          </p:stCondLst>
+                                        </p:cTn>
+                                        <p:tgtEl>
+                                          <p:spTgt spid="3"/>
+                                        </p:tgtEl>
+                                        <p:attrNameLst>
+                                          <p:attrName>style.visibility</p:attrName>
+                                        </p:attrNameLst>
+                                      </p:cBhvr>
+                                      <p:to>
+                                        <p:strVal val="visible"/>
+                                      </p:to>
+                                    </p:set>
+                                    <p:animEffect transition="in" filter="fade">
+                                      <p:cBhvr>
+                                        <p:cTn id="14" dur="1000"/>
+                                        <p:tgtEl>
+                                          <p:spTgt spid="3"/>
+                                        </p:tgtEl>
+                                      </p:cBhvr>
+                                    </p:animEffect>
+                                    <p:anim calcmode="lin" valueType="num">
+                                      <p:cBhvr>
+                                        <p:cTn id="15" dur="1000" fill="hold"/>
+                                        <p:tgtEl>
+                                          <p:spTgt spid="3"/>
+                                        </p:tgtEl>
+                                        <p:attrNameLst>
+                                          <p:attrName>ppt_x</p:attrName>
+                                        </p:attrNameLst>
+                                      </p:cBhvr>
+                                      <p:tavLst>
+                                        <p:tav tm="0">
+                                          <p:val>
+                                            <p:strVal val="#ppt_x"/>
+                                          </p:val>
+                                        </p:tav>
+                                        <p:tav tm="100000">
+                                          <p:val>
+                                            <p:strVal val="#ppt_x"/>
+                                          </p:val>
+                                        </p:tav>
+                                      </p:tavLst>
+                                    </p:anim>
+                                    <p:anim calcmode="lin" valueType="num">
+                                      <p:cBhvr>
+                                        <p:cTn id="16" dur="1000" fill="hold"/>
+                                        <p:tgtEl>
+                                          <p:spTgt spid="3"/>
+                                        </p:tgtEl>
+                                        <p:attrNameLst>
+                                          <p:attrName>ppt_y</p:attrName>
+                                        </p:attrNameLst>
+                                      </p:cBhvr>
+                                      <p:tavLst>
+                                        <p:tav tm="0">
+                                          <p:val>
+                                            <p:strVal val="#ppt_y+.1"/>
+                                          </p:val>
+                                        </p:tav>
+                                        <p:tav tm="100000">
+                                          <p:val>
+                                            <p:strVal val="#ppt_y"/>
+                                          </p:val>
+                                        </p:tav>
+                                      </p:tavLst>
+                                    </p:anim>
+                                  </p:childTnLst>
+                                </p:cTn>
+                              </p:par>
+                            </p:childTnLst>
+                          </p:cTn>
+                        </p:par>
+                        <p:par>
+                          <p:cTn id="17" fill="hold">
+                            <p:stCondLst>
+                              <p:cond delay="1000"/>
+                            </p:stCondLst>
+                            <p:childTnLst>
+                              <p:par>
+                                <p:cTn id="18" presetID="2" presetClass="entr" presetSubtype="8" fill="hold" grpId="0" nodeType="afterEffect">
+                                  <p:stCondLst>
+                                    <p:cond delay="0"/>
+                                  </p:stCondLst>
+                                  <p:childTnLst>
+                                    <p:set>
+                                      <p:cBhvr>
+                                        <p:cTn id="19" dur="1" fill="hold">
+                                          <p:stCondLst>
+                                            <p:cond delay="0"/>
+                                          </p:stCondLst>
+                                        </p:cTn>
+                                        <p:tgtEl>
+                                          <p:spTgt spid="7"/>
+                                        </p:tgtEl>
+                                        <p:attrNameLst>
+                                          <p:attrName>style.visibility</p:attrName>
+                                        </p:attrNameLst>
+                                      </p:cBhvr>
+                                      <p:to>
+                                        <p:strVal val="visible"/>
+                                      </p:to>
+                                    </p:set>
+                                    <p:anim calcmode="lin" valueType="num">
+                                      <p:cBhvr additive="base">
+                                        <p:cTn id="20" dur="500" fill="hold"/>
+                                        <p:tgtEl>
+                                          <p:spTgt spid="7"/>
+                                        </p:tgtEl>
+                                        <p:attrNameLst>
+                                          <p:attrName>ppt_x</p:attrName>
+                                        </p:attrNameLst>
+                                      </p:cBhvr>
+                                      <p:tavLst>
+                                        <p:tav tm="0">
+                                          <p:val>
+                                            <p:strVal val="0-#ppt_w/2"/>
+                                          </p:val>
+                                        </p:tav>
+                                        <p:tav tm="100000">
+                                          <p:val>
+                                            <p:strVal val="#ppt_x"/>
+                                          </p:val>
+                                        </p:tav>
+                                      </p:tavLst>
+                                    </p:anim>
+                                    <p:anim calcmode="lin" valueType="num">
+                                      <p:cBhvr additive="base">
+                                        <p:cTn id="21" dur="500" fill="hold"/>
+                                        <p:tgtEl>
+                                          <p:spTgt spid="7"/>
+                                        </p:tgtEl>
+                                        <p:attrNameLst>
+                                          <p:attrName>ppt_y</p:attrName>
+                                        </p:attrNameLst>
+                                      </p:cBhvr>
+                                      <p:tavLst>
+                                        <p:tav tm="0">
+                                          <p:val>
+                                            <p:strVal val="#ppt_y"/>
+                                          </p:val>
+                                        </p:tav>
+                                        <p:tav tm="100000">
+                                          <p:val>
+                                            <p:strVal val="#ppt_y"/>
+                                          </p:val>
+                                        </p:tav>
+                                      </p:tavLst>
+                                    </p:anim>
+                                  </p:childTnLst>
+                                </p:cTn>
+                              </p:par>
+                              <p:par>
+                                <p:cTn id="22" presetID="2" presetClass="entr" presetSubtype="8" fill="hold" grpId="0" nodeType="withEffect">
+                                  <p:stCondLst>
+                                    <p:cond delay="0"/>
+                                  </p:stCondLst>
+                                  <p:childTnLst>
+                                    <p:set>
+                                      <p:cBhvr>
+                                        <p:cTn id="23" dur="1" fill="hold">
+                                          <p:stCondLst>
+                                            <p:cond delay="0"/>
+                                          </p:stCondLst>
+                                        </p:cTn>
+                                        <p:tgtEl>
+                                          <p:spTgt spid="10"/>
+                                        </p:tgtEl>
+                                        <p:attrNameLst>
+                                          <p:attrName>style.visibility</p:attrName>
+                                        </p:attrNameLst>
+                                      </p:cBhvr>
+                                      <p:to>
+                                        <p:strVal val="visible"/>
+                                      </p:to>
+                                    </p:set>
+                                    <p:anim calcmode="lin" valueType="num">
+                                      <p:cBhvr additive="base">
+                                        <p:cTn id="24" dur="500" fill="hold"/>
+                                        <p:tgtEl>
+                                          <p:spTgt spid="10"/>
+                                        </p:tgtEl>
+                                        <p:attrNameLst>
+                                          <p:attrName>ppt_x</p:attrName>
+                                        </p:attrNameLst>
+                                      </p:cBhvr>
+                                      <p:tavLst>
+                                        <p:tav tm="0">
+                                          <p:val>
+                                            <p:strVal val="0-#ppt_w/2"/>
+                                          </p:val>
+                                        </p:tav>
+                                        <p:tav tm="100000">
+                                          <p:val>
+                                            <p:strVal val="#ppt_x"/>
+                                          </p:val>
+                                        </p:tav>
+                                      </p:tavLst>
+                                    </p:anim>
+                                    <p:anim calcmode="lin" valueType="num">
+                                      <p:cBhvr additive="base">
+                                        <p:cTn id="25" dur="500" fill="hold"/>
+                                        <p:tgtEl>
+                                          <p:spTgt spid="10"/>
+                                        </p:tgtEl>
+                                        <p:attrNameLst>
+                                          <p:attrName>ppt_y</p:attrName>
+                                        </p:attrNameLst>
+                                      </p:cBhvr>
+                                      <p:tavLst>
+                                        <p:tav tm="0">
+                                          <p:val>
+                                            <p:strVal val="#ppt_y"/>
+                                          </p:val>
+                                        </p:tav>
+                                        <p:tav tm="100000">
+                                          <p:val>
+                                            <p:strVal val="#ppt_y"/>
+                                          </p:val>
+                                        </p:tav>
+                                      </p:tavLst>
+                                    </p:anim>
+                                  </p:childTnLst>
+                                </p:cTn>
+                              </p:par>
+                              <p:par>
+                                <p:cTn id="26" presetID="2" presetClass="entr" presetSubtype="8" fill="hold" grpId="0" nodeType="withEffect">
+                                  <p:stCondLst>
+                                    <p:cond delay="0"/>
+                                  </p:stCondLst>
+                                  <p:childTnLst>
+                                    <p:set>
+                                      <p:cBhvr>
+                                        <p:cTn id="27" dur="1" fill="hold">
+                                          <p:stCondLst>
+                                            <p:cond delay="0"/>
+                                          </p:stCondLst>
+                                        </p:cTn>
+                                        <p:tgtEl>
+                                          <p:spTgt spid="13"/>
+                                        </p:tgtEl>
+                                        <p:attrNameLst>
+                                          <p:attrName>style.visibility</p:attrName>
+                                        </p:attrNameLst>
+                                      </p:cBhvr>
+                                      <p:to>
+                                        <p:strVal val="visible"/>
+                                      </p:to>
+                                    </p:set>
+                                    <p:anim calcmode="lin" valueType="num">
+                                      <p:cBhvr additive="base">
+                                        <p:cTn id="28" dur="500" fill="hold"/>
+                                        <p:tgtEl>
+                                          <p:spTgt spid="13"/>
+                                        </p:tgtEl>
+                                        <p:attrNameLst>
+                                          <p:attrName>ppt_x</p:attrName>
+                                        </p:attrNameLst>
+                                      </p:cBhvr>
+                                      <p:tavLst>
+                                        <p:tav tm="0">
+                                          <p:val>
+                                            <p:strVal val="0-#ppt_w/2"/>
+                                          </p:val>
+                                        </p:tav>
+                                        <p:tav tm="100000">
+                                          <p:val>
+                                            <p:strVal val="#ppt_x"/>
+                                          </p:val>
+                                        </p:tav>
+                                      </p:tavLst>
+                                    </p:anim>
+                                    <p:anim calcmode="lin" valueType="num">
+                                      <p:cBhvr additive="base">
+                                        <p:cTn id="29" dur="500" fill="hold"/>
+                                        <p:tgtEl>
+                                          <p:spTgt spid="13"/>
+                                        </p:tgtEl>
+                                        <p:attrNameLst>
+                                          <p:attrName>ppt_y</p:attrName>
+                                        </p:attrNameLst>
+                                      </p:cBhvr>
+                                      <p:tavLst>
+                                        <p:tav tm="0">
+                                          <p:val>
+                                            <p:strVal val="#ppt_y"/>
+                                          </p:val>
+                                        </p:tav>
+                                        <p:tav tm="100000">
+                                          <p:val>
+                                            <p:strVal val="#ppt_y"/>
+                                          </p:val>
+                                        </p:tav>
+                                      </p:tavLst>
+                                    </p:anim>
+                                  </p:childTnLst>
+                                </p:cTn>
+                              </p:par>
+                            </p:childTnLst>
+                          </p:cTn>
+                        </p:par>
+                        <p:par>
+                          <p:cTn id="30" fill="hold">
+                            <p:stCondLst>
+                              <p:cond delay="1500"/>
+                            </p:stCondLst>
+                            <p:childTnLst>
+                              <p:par>
+                                <p:cTn id="31" presetID="2" presetClass="entr" presetSubtype="2" fill="hold" grpId="0" nodeType="afterEffect">
+                                  <p:stCondLst>
+                                    <p:cond delay="0"/>
+                                  </p:stCondLst>
+                                  <p:childTnLst>
+                                    <p:set>
+                                      <p:cBhvr>
+                                        <p:cTn id="32" dur="1" fill="hold">
+                                          <p:stCondLst>
+                                            <p:cond delay="0"/>
+                                          </p:stCondLst>
+                                        </p:cTn>
+                                        <p:tgtEl>
+                                          <p:spTgt spid="8"/>
+                                        </p:tgtEl>
+                                        <p:attrNameLst>
+                                          <p:attrName>style.visibility</p:attrName>
+                                        </p:attrNameLst>
+                                      </p:cBhvr>
+                                      <p:to>
+                                        <p:strVal val="visible"/>
+                                      </p:to>
+                                    </p:set>
+                                    <p:anim calcmode="lin" valueType="num">
+                                      <p:cBhvr additive="base">
+                                        <p:cTn id="33" dur="500" fill="hold"/>
+                                        <p:tgtEl>
+                                          <p:spTgt spid="8"/>
+                                        </p:tgtEl>
+                                        <p:attrNameLst>
+                                          <p:attrName>ppt_x</p:attrName>
+                                        </p:attrNameLst>
+                                      </p:cBhvr>
+                                      <p:tavLst>
+                                        <p:tav tm="0">
+                                          <p:val>
+                                            <p:strVal val="1+#ppt_w/2"/>
+                                          </p:val>
+                                        </p:tav>
+                                        <p:tav tm="100000">
+                                          <p:val>
+                                            <p:strVal val="#ppt_x"/>
+                                          </p:val>
+                                        </p:tav>
+                                      </p:tavLst>
+                                    </p:anim>
+                                    <p:anim calcmode="lin" valueType="num">
+                                      <p:cBhvr additive="base">
+                                        <p:cTn id="34" dur="500" fill="hold"/>
+                                        <p:tgtEl>
+                                          <p:spTgt spid="8"/>
+                                        </p:tgtEl>
+                                        <p:attrNameLst>
+                                          <p:attrName>ppt_y</p:attrName>
+                                        </p:attrNameLst>
+                                      </p:cBhvr>
+                                      <p:tavLst>
+                                        <p:tav tm="0">
+                                          <p:val>
+                                            <p:strVal val="#ppt_y"/>
+                                          </p:val>
+                                        </p:tav>
+                                        <p:tav tm="100000">
+                                          <p:val>
+                                            <p:strVal val="#ppt_y"/>
+                                          </p:val>
+                                        </p:tav>
+                                      </p:tavLst>
+                                    </p:anim>
+                                  </p:childTnLst>
+                                </p:cTn>
+                              </p:par>
+                              <p:par>
+                                <p:cTn id="35" presetID="2" presetClass="entr" presetSubtype="2" fill="hold" grpId="0" nodeType="withEffect">
+                                  <p:stCondLst>
+                                    <p:cond delay="0"/>
+                                  </p:stCondLst>
+                                  <p:childTnLst>
+                                    <p:set>
+                                      <p:cBhvr>
+                                        <p:cTn id="36" dur="1" fill="hold">
+                                          <p:stCondLst>
+                                            <p:cond delay="0"/>
+                                          </p:stCondLst>
+                                        </p:cTn>
+                                        <p:tgtEl>
+                                          <p:spTgt spid="6"/>
+                                        </p:tgtEl>
+                                        <p:attrNameLst>
+                                          <p:attrName>style.visibility</p:attrName>
+                                        </p:attrNameLst>
+                                      </p:cBhvr>
+                                      <p:to>
+                                        <p:strVal val="visible"/>
+                                      </p:to>
+                                    </p:set>
+                                    <p:anim calcmode="lin" valueType="num">
+                                      <p:cBhvr additive="base">
+                                        <p:cTn id="37" dur="500" fill="hold"/>
+                                        <p:tgtEl>
+                                          <p:spTgt spid="6"/>
+                                        </p:tgtEl>
+                                        <p:attrNameLst>
+                                          <p:attrName>ppt_x</p:attrName>
+                                        </p:attrNameLst>
+                                      </p:cBhvr>
+                                      <p:tavLst>
+                                        <p:tav tm="0">
+                                          <p:val>
+                                            <p:strVal val="1+#ppt_w/2"/>
+                                          </p:val>
+                                        </p:tav>
+                                        <p:tav tm="100000">
+                                          <p:val>
+                                            <p:strVal val="#ppt_x"/>
+                                          </p:val>
+                                        </p:tav>
+                                      </p:tavLst>
+                                    </p:anim>
+                                    <p:anim calcmode="lin" valueType="num">
+                                      <p:cBhvr additive="base">
+                                        <p:cTn id="38" dur="500" fill="hold"/>
+                                        <p:tgtEl>
+                                          <p:spTgt spid="6"/>
+                                        </p:tgtEl>
+                                        <p:attrNameLst>
+                                          <p:attrName>ppt_y</p:attrName>
+                                        </p:attrNameLst>
+                                      </p:cBhvr>
+                                      <p:tavLst>
+                                        <p:tav tm="0">
+                                          <p:val>
+                                            <p:strVal val="#ppt_y"/>
+                                          </p:val>
+                                        </p:tav>
+                                        <p:tav tm="100000">
+                                          <p:val>
+                                            <p:strVal val="#ppt_y"/>
+                                          </p:val>
+                                        </p:tav>
+                                      </p:tavLst>
+                                    </p:anim>
+                                  </p:childTnLst>
+                                </p:cTn>
+                              </p:par>
+                              <p:par>
+                                <p:cTn id="39" presetID="2" presetClass="entr" presetSubtype="2" fill="hold" grpId="0" nodeType="withEffect">
+                                  <p:stCondLst>
+                                    <p:cond delay="0"/>
+                                  </p:stCondLst>
+                                  <p:childTnLst>
+                                    <p:set>
+                                      <p:cBhvr>
+                                        <p:cTn id="40" dur="1" fill="hold">
+                                          <p:stCondLst>
+                                            <p:cond delay="0"/>
+                                          </p:stCondLst>
+                                        </p:cTn>
+                                        <p:tgtEl>
+                                          <p:spTgt spid="12"/>
+                                        </p:tgtEl>
+                                        <p:attrNameLst>
+                                          <p:attrName>style.visibility</p:attrName>
+                                        </p:attrNameLst>
+                                      </p:cBhvr>
+                                      <p:to>
+                                        <p:strVal val="visible"/>
+                                      </p:to>
+                                    </p:set>
+                                    <p:anim calcmode="lin" valueType="num">
+                                      <p:cBhvr additive="base">
+                                        <p:cTn id="41" dur="500" fill="hold"/>
+                                        <p:tgtEl>
+                                          <p:spTgt spid="12"/>
+                                        </p:tgtEl>
+                                        <p:attrNameLst>
+                                          <p:attrName>ppt_x</p:attrName>
+                                        </p:attrNameLst>
+                                      </p:cBhvr>
+                                      <p:tavLst>
+                                        <p:tav tm="0">
+                                          <p:val>
+                                            <p:strVal val="1+#ppt_w/2"/>
+                                          </p:val>
+                                        </p:tav>
+                                        <p:tav tm="100000">
+                                          <p:val>
+                                            <p:strVal val="#ppt_x"/>
+                                          </p:val>
+                                        </p:tav>
+                                      </p:tavLst>
+                                    </p:anim>
+                                    <p:anim calcmode="lin" valueType="num">
+                                      <p:cBhvr additive="base">
+                                        <p:cTn id="42" dur="500" fill="hold"/>
+                                        <p:tgtEl>
+                                          <p:spTgt spid="12"/>
+                                        </p:tgtEl>
+                                        <p:attrNameLst>
+                                          <p:attrName>ppt_y</p:attrName>
+                                        </p:attrNameLst>
+                                      </p:cBhvr>
+                                      <p:tavLst>
+                                        <p:tav tm="0">
+                                          <p:val>
+                                            <p:strVal val="#ppt_y"/>
+                                          </p:val>
+                                        </p:tav>
+                                        <p:tav tm="100000">
+                                          <p:val>
+                                            <p:strVal val="#ppt_y"/>
+                                          </p:val>
+                                        </p:tav>
+                                      </p:tavLst>
+                                    </p:anim>
+                                  </p:childTnLst>
+                                </p:cTn>
+                              </p:par>
+                            </p:childTnLst>
+                          </p:cTn>
+                        </p:par>
+                        <p:par>
+                          <p:cTn id="43" fill="hold">
+                            <p:stCondLst>
+                              <p:cond delay="2000"/>
+                            </p:stCondLst>
+                            <p:childTnLst>
+                              <p:par>
+                                <p:cTn id="44" presetID="2" presetClass="entr" presetSubtype="4" fill="hold" grpId="0" nodeType="afterEffect">
+                                  <p:stCondLst>
+                                    <p:cond delay="0"/>
+                                  </p:stCondLst>
+                                  <p:childTnLst>
+                                    <p:set>
+                                      <p:cBhvr>
+                                        <p:cTn id="45" dur="1" fill="hold">
+                                          <p:stCondLst>
+                                            <p:cond delay="0"/>
+                                          </p:stCondLst>
+                                        </p:cTn>
+                                        <p:tgtEl>
+                                          <p:spTgt spid="11"/>
+                                        </p:tgtEl>
+                                        <p:attrNameLst>
+                                          <p:attrName>style.visibility</p:attrName>
+                                        </p:attrNameLst>
+                                      </p:cBhvr>
+                                      <p:to>
+                                        <p:strVal val="visible"/>
+                                      </p:to>
+                                    </p:set>
+                                    <p:anim calcmode="lin" valueType="num">
+                                      <p:cBhvr additive="base">
+                                        <p:cTn id="46" dur="500" fill="hold"/>
+                                        <p:tgtEl>
+                                          <p:spTgt spid="11"/>
+                                        </p:tgtEl>
+                                        <p:attrNameLst>
+                                          <p:attrName>ppt_x</p:attrName>
+                                        </p:attrNameLst>
+                                      </p:cBhvr>
+                                      <p:tavLst>
+                                        <p:tav tm="0">
+                                          <p:val>
+                                            <p:strVal val="#ppt_x"/>
+                                          </p:val>
+                                        </p:tav>
+                                        <p:tav tm="100000">
+                                          <p:val>
+                                            <p:strVal val="#ppt_x"/>
+                                          </p:val>
+                                        </p:tav>
+                                      </p:tavLst>
+                                    </p:anim>
+                                    <p:anim calcmode="lin" valueType="num">
+                                      <p:cBhvr additive="base">
+                                        <p:cTn id="47" dur="500" fill="hold"/>
+                                        <p:tgtEl>
+                                          <p:spTgt spid="11"/>
+                                        </p:tgtEl>
+                                        <p:attrNameLst>
+                                          <p:attrName>ppt_y</p:attrName>
+                                        </p:attrNameLst>
+                                      </p:cBhvr>
+                                      <p:tavLst>
+                                        <p:tav tm="0">
+                                          <p:val>
+                                            <p:strVal val="1+#ppt_h/2"/>
+                                          </p:val>
+                                        </p:tav>
+                                        <p:tav tm="100000">
+                                          <p:val>
+                                            <p:strVal val="#ppt_y"/>
+                                          </p:val>
+                                        </p:tav>
+                                      </p:tavLst>
+                                    </p:anim>
+                                  </p:childTnLst>
+                                </p:cTn>
+                              </p:par>
+                            </p:childTnLst>
+                          </p:cTn>
+                        </p:par>
+                      </p:childTnLst>
+                    </p:cTn>
+                  </p:par>
+                  <p:par>
+                    <p:cTn id="48" fill="hold">
+                      <p:stCondLst>
+                        <p:cond delay="indefinite"/>
+                      </p:stCondLst>
+                      <p:childTnLst>
+                        <p:par>
+                          <p:cTn id="49" fill="hold">
+                            <p:stCondLst>
+                              <p:cond delay="0"/>
+                            </p:stCondLst>
+                            <p:childTnLst>
+                              <p:par>
+                                <p:cTn id="50" presetID="10" presetClass="entr" presetSubtype="0" fill="hold" nodeType="clickEffect">
+                                  <p:stCondLst>
+                                    <p:cond delay="0"/>
+                                  </p:stCondLst>
+                                  <p:childTnLst>
+                                    <p:set>
+                                      <p:cBhvr>
+                                        <p:cTn id="51" dur="1" fill="hold">
+                                          <p:stCondLst>
+                                            <p:cond delay="0"/>
+                                          </p:stCondLst>
+                                        </p:cTn>
+                                        <p:tgtEl>
+                                          <p:spTgt spid="16"/>
+                                        </p:tgtEl>
+                                        <p:attrNameLst>
+                                          <p:attrName>style.visibility</p:attrName>
+                                        </p:attrNameLst>
+                                      </p:cBhvr>
+                                      <p:to>
+                                        <p:strVal val="visible"/>
+                                      </p:to>
+                                    </p:set>
+                                    <p:animEffect transition="in" filter="fade">
+                                      <p:cBhvr>
+                                        <p:cTn id="52" dur="500"/>
+                                        <p:tgtEl>
+                                          <p:spTgt spid="16"/>
+                                        </p:tgtEl>
+                                      </p:cBhvr>
+                                    </p:animEffect>
+                                  </p:childTnLst>
+                                </p:cTn>
+                              </p:par>
+                            </p:childTnLst>
+                          </p:cTn>
+                        </p:par>
+                      </p:childTnLst>
+                    </p:cTn>
+                  </p:par>
+                  <p:par>
+                    <p:cTn id="53" fill="hold">
+                      <p:stCondLst>
+                        <p:cond delay="indefinite"/>
+                      </p:stCondLst>
+                      <p:childTnLst>
+                        <p:par>
+                          <p:cTn id="54" fill="hold">
+                            <p:stCondLst>
+                              <p:cond delay="0"/>
+                            </p:stCondLst>
+                            <p:childTnLst>
+                              <p:par>
+                                <p:cTn id="55" presetID="10" presetClass="entr" presetSubtype="0" fill="hold" nodeType="clickEffect">
+                                  <p:stCondLst>
+                                    <p:cond delay="0"/>
+                                  </p:stCondLst>
+                                  <p:childTnLst>
+                                    <p:set>
+                                      <p:cBhvr>
+                                        <p:cTn id="56" dur="1" fill="hold">
+                                          <p:stCondLst>
+                                            <p:cond delay="0"/>
+                                          </p:stCondLst>
+                                        </p:cTn>
+                                        <p:tgtEl>
+                                          <p:spTgt spid="18"/>
+                                        </p:tgtEl>
+                                        <p:attrNameLst>
+                                          <p:attrName>style.visibility</p:attrName>
+                                        </p:attrNameLst>
+                                      </p:cBhvr>
+                                      <p:to>
+                                        <p:strVal val="visible"/>
+                                      </p:to>
+                                    </p:set>
+                                    <p:animEffect transition="in" filter="fade">
+                                      <p:cBhvr>
+                                        <p:cTn id="57" dur="500"/>
+                                        <p:tgtEl>
+                                          <p:spTgt spid="18"/>
+                                        </p:tgtEl>
+                                      </p:cBhvr>
+                                    </p:animEffect>
+                                  </p:childTnLst>
+                                </p:cTn>
+                              </p:par>
+                            </p:childTnLst>
+                          </p:cTn>
+                        </p:par>
+                      </p:childTnLst>
+                    </p:cTn>
+                  </p:par>
+                </p:childTnLst>
+              </p:cTn>
+              <p:prevCondLst>
+                <p:cond evt="onPrev" delay="0">
+                  <p:tgtEl>
+                    <p:sldTgt/>
+                  </p:tgtEl>
+                </p:cond>
+              </p:prevCondLst>
+              <p:nextCondLst>
+                <p:cond evt="onNext" delay="0">
+                  <p:tgtEl>
+                    <p:sldTgt/>
+                  </p:tgtEl>
+                </p:cond>
+              </p:nextCondLst>
+            </p:seq>
+          </p:childTnLst>
+        </p:cTn>
+      </p:par>
+    </p:tnLst>
+    <p:bldLst>
+      <p:bldP spid="2" grpId="0"/>
+      <p:bldP spid="3" grpId="0"/>
+      <p:bldP spid="10" grpId="0" animBg="1"/>
+      <p:bldP spid="11" grpId="0" animBg="1"/>
+      <p:bldP spid="13" grpId="0" animBg="1"/>
+      <p:bldP spid="8" grpId="0" animBg="1"/>
+      <p:bldP spid="12" grpId="0" animBg="1"/>
+      <p:bldP spid="6" grpId="0" animBg="1"/>
+      <p:bldP spid="7" grpId="0" animBg="1"/>
     </p:bldLst>
   </p:timing>
 </p:sld>

--- a/Presentation/Gun Violence.pptx
+++ b/Presentation/Gun Violence.pptx
@@ -5,23 +5,25 @@
     <p:sldMasterId id="2147483660" r:id="rId1"/>
   </p:sldMasterIdLst>
   <p:notesMasterIdLst>
-    <p:notesMasterId r:id="rId16"/>
+    <p:notesMasterId r:id="rId18"/>
   </p:notesMasterIdLst>
   <p:sldIdLst>
     <p:sldId id="256" r:id="rId2"/>
     <p:sldId id="257" r:id="rId3"/>
     <p:sldId id="258" r:id="rId4"/>
     <p:sldId id="259" r:id="rId5"/>
-    <p:sldId id="260" r:id="rId6"/>
-    <p:sldId id="267" r:id="rId7"/>
-    <p:sldId id="261" r:id="rId8"/>
-    <p:sldId id="268" r:id="rId9"/>
-    <p:sldId id="269" r:id="rId10"/>
-    <p:sldId id="266" r:id="rId11"/>
-    <p:sldId id="262" r:id="rId12"/>
-    <p:sldId id="263" r:id="rId13"/>
-    <p:sldId id="264" r:id="rId14"/>
-    <p:sldId id="265" r:id="rId15"/>
+    <p:sldId id="271" r:id="rId6"/>
+    <p:sldId id="260" r:id="rId7"/>
+    <p:sldId id="267" r:id="rId8"/>
+    <p:sldId id="261" r:id="rId9"/>
+    <p:sldId id="268" r:id="rId10"/>
+    <p:sldId id="269" r:id="rId11"/>
+    <p:sldId id="266" r:id="rId12"/>
+    <p:sldId id="262" r:id="rId13"/>
+    <p:sldId id="263" r:id="rId14"/>
+    <p:sldId id="264" r:id="rId15"/>
+    <p:sldId id="272" r:id="rId16"/>
+    <p:sldId id="265" r:id="rId17"/>
   </p:sldIdLst>
   <p:sldSz cx="12192000" cy="6858000"/>
   <p:notesSz cx="6858000" cy="9144000"/>
@@ -222,7 +224,7 @@
           <a:p>
             <a:fld id="{2A44A5FB-BAFE-4D6E-847B-1CA79A6F356C}" type="datetimeFigureOut">
               <a:rPr lang="en-US" smtClean="0"/>
-              <a:t>17-Sep-18</a:t>
+              <a:t>18-Sep-18</a:t>
             </a:fld>
             <a:endParaRPr lang="en-US"/>
           </a:p>
@@ -633,6 +635,133 @@
           <a:lstStyle/>
           <a:p>
             <a:r>
+              <a:rPr lang="en-US" b="1" dirty="0"/>
+              <a:t>Top 5 States :</a:t>
+            </a:r>
+            <a:r>
+              <a:rPr lang="en-US" b="1" baseline="0" dirty="0"/>
+              <a:t> DC, Alaska, </a:t>
+            </a:r>
+            <a:endParaRPr lang="en-US" dirty="0"/>
+          </a:p>
+          <a:p>
+            <a:r>
+              <a:rPr lang="en-US" b="1" dirty="0"/>
+              <a:t>Bottom 5 States: </a:t>
+            </a:r>
+          </a:p>
+          <a:p>
+            <a:r>
+              <a:rPr lang="en-US" b="1" dirty="0"/>
+              <a:t>2016: </a:t>
+            </a:r>
+            <a:r>
+              <a:rPr lang="en-US" b="0" dirty="0"/>
+              <a:t>NY,</a:t>
+            </a:r>
+            <a:r>
+              <a:rPr lang="en-US" b="0" baseline="0" dirty="0"/>
+              <a:t> NJ, Texas, Utah, Washington</a:t>
+            </a:r>
+            <a:endParaRPr lang="en-US" baseline="0" dirty="0"/>
+          </a:p>
+          <a:p>
+            <a:r>
+              <a:rPr lang="en-US" b="1" baseline="0" dirty="0"/>
+              <a:t>2017</a:t>
+            </a:r>
+            <a:r>
+              <a:rPr lang="en-US" baseline="0" dirty="0"/>
+              <a:t>: Hawaii, Vermont, NY, Texas, Utah </a:t>
+            </a:r>
+            <a:endParaRPr lang="en-US" dirty="0"/>
+          </a:p>
+          <a:p>
+            <a:endParaRPr lang="en-US" dirty="0"/>
+          </a:p>
+        </p:txBody>
+      </p:sp>
+      <p:sp>
+        <p:nvSpPr>
+          <p:cNvPr id="4" name="Slide Number Placeholder 3"/>
+          <p:cNvSpPr>
+            <a:spLocks noGrp="1"/>
+          </p:cNvSpPr>
+          <p:nvPr>
+            <p:ph type="sldNum" sz="quarter" idx="10"/>
+          </p:nvPr>
+        </p:nvSpPr>
+        <p:spPr/>
+        <p:txBody>
+          <a:bodyPr/>
+          <a:lstStyle/>
+          <a:p>
+            <a:fld id="{15736144-2E2E-483E-8D4E-7A087D64C6CE}" type="slidenum">
+              <a:rPr lang="en-US" smtClean="0"/>
+              <a:t>10</a:t>
+            </a:fld>
+            <a:endParaRPr lang="en-US"/>
+          </a:p>
+        </p:txBody>
+      </p:sp>
+    </p:spTree>
+    <p:extLst>
+      <p:ext uri="{BB962C8B-B14F-4D97-AF65-F5344CB8AC3E}">
+        <p14:creationId xmlns:p14="http://schemas.microsoft.com/office/powerpoint/2010/main" val="3407222623"/>
+      </p:ext>
+    </p:extLst>
+  </p:cSld>
+  <p:clrMapOvr>
+    <a:masterClrMapping/>
+  </p:clrMapOvr>
+</p:notes>
+</file>
+
+<file path=ppt/notesSlides/notesSlide11.xml><?xml version="1.0" encoding="utf-8"?>
+<p:notes xmlns:a="http://schemas.openxmlformats.org/drawingml/2006/main" xmlns:r="http://schemas.openxmlformats.org/officeDocument/2006/relationships" xmlns:p="http://schemas.openxmlformats.org/presentationml/2006/main">
+  <p:cSld>
+    <p:spTree>
+      <p:nvGrpSpPr>
+        <p:cNvPr id="1" name=""/>
+        <p:cNvGrpSpPr/>
+        <p:nvPr/>
+      </p:nvGrpSpPr>
+      <p:grpSpPr>
+        <a:xfrm>
+          <a:off x="0" y="0"/>
+          <a:ext cx="0" cy="0"/>
+          <a:chOff x="0" y="0"/>
+          <a:chExt cx="0" cy="0"/>
+        </a:xfrm>
+      </p:grpSpPr>
+      <p:sp>
+        <p:nvSpPr>
+          <p:cNvPr id="2" name="Slide Image Placeholder 1"/>
+          <p:cNvSpPr>
+            <a:spLocks noGrp="1" noRot="1" noChangeAspect="1"/>
+          </p:cNvSpPr>
+          <p:nvPr>
+            <p:ph type="sldImg"/>
+          </p:nvPr>
+        </p:nvSpPr>
+        <p:spPr/>
+      </p:sp>
+      <p:sp>
+        <p:nvSpPr>
+          <p:cNvPr id="3" name="Notes Placeholder 2"/>
+          <p:cNvSpPr>
+            <a:spLocks noGrp="1"/>
+          </p:cNvSpPr>
+          <p:nvPr>
+            <p:ph type="body" idx="1"/>
+          </p:nvPr>
+        </p:nvSpPr>
+        <p:spPr/>
+        <p:txBody>
+          <a:bodyPr/>
+          <a:lstStyle/>
+          <a:p>
+            <a:r>
               <a:rPr lang="en-US" dirty="0"/>
               <a:t>[Narrator] A couple of words about upcoming data – incidents are categorized, one incident can belong to multiple categories [Click] -&gt; </a:t>
             </a:r>
@@ -664,7 +793,7 @@
           <a:p>
             <a:fld id="{15736144-2E2E-483E-8D4E-7A087D64C6CE}" type="slidenum">
               <a:rPr lang="en-US" smtClean="0"/>
-              <a:t>11</a:t>
+              <a:t>12</a:t>
             </a:fld>
             <a:endParaRPr lang="en-US"/>
           </a:p>
@@ -683,7 +812,7 @@
 </p:notes>
 </file>
 
-<file path=ppt/notesSlides/notesSlide11.xml><?xml version="1.0" encoding="utf-8"?>
+<file path=ppt/notesSlides/notesSlide12.xml><?xml version="1.0" encoding="utf-8"?>
 <p:notes xmlns:a="http://schemas.openxmlformats.org/drawingml/2006/main" xmlns:r="http://schemas.openxmlformats.org/officeDocument/2006/relationships" xmlns:p="http://schemas.openxmlformats.org/presentationml/2006/main">
   <p:cSld>
     <p:spTree>
@@ -759,7 +888,7 @@
           <a:p>
             <a:fld id="{15736144-2E2E-483E-8D4E-7A087D64C6CE}" type="slidenum">
               <a:rPr lang="en-US" smtClean="0"/>
-              <a:t>12</a:t>
+              <a:t>13</a:t>
             </a:fld>
             <a:endParaRPr lang="en-US"/>
           </a:p>
@@ -778,7 +907,7 @@
 </p:notes>
 </file>
 
-<file path=ppt/notesSlides/notesSlide12.xml><?xml version="1.0" encoding="utf-8"?>
+<file path=ppt/notesSlides/notesSlide13.xml><?xml version="1.0" encoding="utf-8"?>
 <p:notes xmlns:a="http://schemas.openxmlformats.org/drawingml/2006/main" xmlns:r="http://schemas.openxmlformats.org/officeDocument/2006/relationships" xmlns:p="http://schemas.openxmlformats.org/presentationml/2006/main">
   <p:cSld>
     <p:spTree>
@@ -871,7 +1000,7 @@
           <a:p>
             <a:fld id="{15736144-2E2E-483E-8D4E-7A087D64C6CE}" type="slidenum">
               <a:rPr lang="en-US" smtClean="0"/>
-              <a:t>13</a:t>
+              <a:t>14</a:t>
             </a:fld>
             <a:endParaRPr lang="en-US"/>
           </a:p>
@@ -890,7 +1019,7 @@
 </p:notes>
 </file>
 
-<file path=ppt/notesSlides/notesSlide13.xml><?xml version="1.0" encoding="utf-8"?>
+<file path=ppt/notesSlides/notesSlide14.xml><?xml version="1.0" encoding="utf-8"?>
 <p:notes xmlns:a="http://schemas.openxmlformats.org/drawingml/2006/main" xmlns:r="http://schemas.openxmlformats.org/officeDocument/2006/relationships" xmlns:p="http://schemas.openxmlformats.org/presentationml/2006/main">
   <p:cSld>
     <p:spTree>
@@ -955,7 +1084,91 @@
           <a:p>
             <a:fld id="{15736144-2E2E-483E-8D4E-7A087D64C6CE}" type="slidenum">
               <a:rPr lang="en-US" smtClean="0"/>
-              <a:t>14</a:t>
+              <a:t>15</a:t>
+            </a:fld>
+            <a:endParaRPr lang="en-US"/>
+          </a:p>
+        </p:txBody>
+      </p:sp>
+    </p:spTree>
+    <p:extLst>
+      <p:ext uri="{BB962C8B-B14F-4D97-AF65-F5344CB8AC3E}">
+        <p14:creationId xmlns:p14="http://schemas.microsoft.com/office/powerpoint/2010/main" val="1002843162"/>
+      </p:ext>
+    </p:extLst>
+  </p:cSld>
+  <p:clrMapOvr>
+    <a:masterClrMapping/>
+  </p:clrMapOvr>
+</p:notes>
+</file>
+
+<file path=ppt/notesSlides/notesSlide15.xml><?xml version="1.0" encoding="utf-8"?>
+<p:notes xmlns:a="http://schemas.openxmlformats.org/drawingml/2006/main" xmlns:r="http://schemas.openxmlformats.org/officeDocument/2006/relationships" xmlns:p="http://schemas.openxmlformats.org/presentationml/2006/main">
+  <p:cSld>
+    <p:spTree>
+      <p:nvGrpSpPr>
+        <p:cNvPr id="1" name=""/>
+        <p:cNvGrpSpPr/>
+        <p:nvPr/>
+      </p:nvGrpSpPr>
+      <p:grpSpPr>
+        <a:xfrm>
+          <a:off x="0" y="0"/>
+          <a:ext cx="0" cy="0"/>
+          <a:chOff x="0" y="0"/>
+          <a:chExt cx="0" cy="0"/>
+        </a:xfrm>
+      </p:grpSpPr>
+      <p:sp>
+        <p:nvSpPr>
+          <p:cNvPr id="2" name="Slide Image Placeholder 1"/>
+          <p:cNvSpPr>
+            <a:spLocks noGrp="1" noRot="1" noChangeAspect="1"/>
+          </p:cNvSpPr>
+          <p:nvPr>
+            <p:ph type="sldImg"/>
+          </p:nvPr>
+        </p:nvSpPr>
+        <p:spPr/>
+      </p:sp>
+      <p:sp>
+        <p:nvSpPr>
+          <p:cNvPr id="3" name="Notes Placeholder 2"/>
+          <p:cNvSpPr>
+            <a:spLocks noGrp="1"/>
+          </p:cNvSpPr>
+          <p:nvPr>
+            <p:ph type="body" idx="1"/>
+          </p:nvPr>
+        </p:nvSpPr>
+        <p:spPr/>
+        <p:txBody>
+          <a:bodyPr/>
+          <a:lstStyle/>
+          <a:p>
+            <a:endParaRPr lang="en-US" dirty="0"/>
+          </a:p>
+        </p:txBody>
+      </p:sp>
+      <p:sp>
+        <p:nvSpPr>
+          <p:cNvPr id="4" name="Slide Number Placeholder 3"/>
+          <p:cNvSpPr>
+            <a:spLocks noGrp="1"/>
+          </p:cNvSpPr>
+          <p:nvPr>
+            <p:ph type="sldNum" sz="quarter" idx="5"/>
+          </p:nvPr>
+        </p:nvSpPr>
+        <p:spPr/>
+        <p:txBody>
+          <a:bodyPr/>
+          <a:lstStyle/>
+          <a:p>
+            <a:fld id="{15736144-2E2E-483E-8D4E-7A087D64C6CE}" type="slidenum">
+              <a:rPr lang="en-US" smtClean="0"/>
+              <a:t>16</a:t>
             </a:fld>
             <a:endParaRPr lang="en-US"/>
           </a:p>
@@ -1383,10 +1596,7 @@
           <a:bodyPr/>
           <a:lstStyle/>
           <a:p>
-            <a:r>
-              <a:rPr lang="en-US" dirty="0"/>
-              <a:t>[Narrator] Let the auditory know that now comes the most interesting part</a:t>
-            </a:r>
+            <a:endParaRPr lang="en-US" dirty="0"/>
           </a:p>
         </p:txBody>
       </p:sp>
@@ -1416,6 +1626,93 @@
     </p:spTree>
     <p:extLst>
       <p:ext uri="{BB962C8B-B14F-4D97-AF65-F5344CB8AC3E}">
+        <p14:creationId xmlns:p14="http://schemas.microsoft.com/office/powerpoint/2010/main" val="34765986"/>
+      </p:ext>
+    </p:extLst>
+  </p:cSld>
+  <p:clrMapOvr>
+    <a:masterClrMapping/>
+  </p:clrMapOvr>
+</p:notes>
+</file>
+
+<file path=ppt/notesSlides/notesSlide6.xml><?xml version="1.0" encoding="utf-8"?>
+<p:notes xmlns:a="http://schemas.openxmlformats.org/drawingml/2006/main" xmlns:r="http://schemas.openxmlformats.org/officeDocument/2006/relationships" xmlns:p="http://schemas.openxmlformats.org/presentationml/2006/main">
+  <p:cSld>
+    <p:spTree>
+      <p:nvGrpSpPr>
+        <p:cNvPr id="1" name=""/>
+        <p:cNvGrpSpPr/>
+        <p:nvPr/>
+      </p:nvGrpSpPr>
+      <p:grpSpPr>
+        <a:xfrm>
+          <a:off x="0" y="0"/>
+          <a:ext cx="0" cy="0"/>
+          <a:chOff x="0" y="0"/>
+          <a:chExt cx="0" cy="0"/>
+        </a:xfrm>
+      </p:grpSpPr>
+      <p:sp>
+        <p:nvSpPr>
+          <p:cNvPr id="2" name="Slide Image Placeholder 1"/>
+          <p:cNvSpPr>
+            <a:spLocks noGrp="1" noRot="1" noChangeAspect="1"/>
+          </p:cNvSpPr>
+          <p:nvPr>
+            <p:ph type="sldImg"/>
+          </p:nvPr>
+        </p:nvSpPr>
+        <p:spPr/>
+      </p:sp>
+      <p:sp>
+        <p:nvSpPr>
+          <p:cNvPr id="3" name="Notes Placeholder 2"/>
+          <p:cNvSpPr>
+            <a:spLocks noGrp="1"/>
+          </p:cNvSpPr>
+          <p:nvPr>
+            <p:ph type="body" idx="1"/>
+          </p:nvPr>
+        </p:nvSpPr>
+        <p:spPr/>
+        <p:txBody>
+          <a:bodyPr/>
+          <a:lstStyle/>
+          <a:p>
+            <a:r>
+              <a:rPr lang="en-US" dirty="0"/>
+              <a:t>[Narrator] Let the auditory know that now comes the most interesting part</a:t>
+            </a:r>
+          </a:p>
+        </p:txBody>
+      </p:sp>
+      <p:sp>
+        <p:nvSpPr>
+          <p:cNvPr id="4" name="Slide Number Placeholder 3"/>
+          <p:cNvSpPr>
+            <a:spLocks noGrp="1"/>
+          </p:cNvSpPr>
+          <p:nvPr>
+            <p:ph type="sldNum" sz="quarter" idx="5"/>
+          </p:nvPr>
+        </p:nvSpPr>
+        <p:spPr/>
+        <p:txBody>
+          <a:bodyPr/>
+          <a:lstStyle/>
+          <a:p>
+            <a:fld id="{15736144-2E2E-483E-8D4E-7A087D64C6CE}" type="slidenum">
+              <a:rPr lang="en-US" smtClean="0"/>
+              <a:t>6</a:t>
+            </a:fld>
+            <a:endParaRPr lang="en-US"/>
+          </a:p>
+        </p:txBody>
+      </p:sp>
+    </p:spTree>
+    <p:extLst>
+      <p:ext uri="{BB962C8B-B14F-4D97-AF65-F5344CB8AC3E}">
         <p14:creationId xmlns:p14="http://schemas.microsoft.com/office/powerpoint/2010/main" val="4274618809"/>
       </p:ext>
     </p:extLst>
@@ -1426,7 +1723,7 @@
 </p:notes>
 </file>
 
-<file path=ppt/notesSlides/notesSlide6.xml><?xml version="1.0" encoding="utf-8"?>
+<file path=ppt/notesSlides/notesSlide7.xml><?xml version="1.0" encoding="utf-8"?>
 <p:notes xmlns:a="http://schemas.openxmlformats.org/drawingml/2006/main" xmlns:r="http://schemas.openxmlformats.org/officeDocument/2006/relationships" xmlns:p="http://schemas.openxmlformats.org/presentationml/2006/main">
   <p:cSld>
     <p:spTree>
@@ -1491,7 +1788,7 @@
           <a:p>
             <a:fld id="{15736144-2E2E-483E-8D4E-7A087D64C6CE}" type="slidenum">
               <a:rPr lang="en-US" smtClean="0"/>
-              <a:t>6</a:t>
+              <a:t>7</a:t>
             </a:fld>
             <a:endParaRPr lang="en-US"/>
           </a:p>
@@ -1510,7 +1807,7 @@
 </p:notes>
 </file>
 
-<file path=ppt/notesSlides/notesSlide7.xml><?xml version="1.0" encoding="utf-8"?>
+<file path=ppt/notesSlides/notesSlide8.xml><?xml version="1.0" encoding="utf-8"?>
 <p:notes xmlns:a="http://schemas.openxmlformats.org/drawingml/2006/main" xmlns:r="http://schemas.openxmlformats.org/officeDocument/2006/relationships" xmlns:p="http://schemas.openxmlformats.org/presentationml/2006/main">
   <p:cSld>
     <p:spTree>
@@ -1578,7 +1875,7 @@
           <a:p>
             <a:fld id="{15736144-2E2E-483E-8D4E-7A087D64C6CE}" type="slidenum">
               <a:rPr lang="en-US" smtClean="0"/>
-              <a:t>7</a:t>
+              <a:t>8</a:t>
             </a:fld>
             <a:endParaRPr lang="en-US"/>
           </a:p>
@@ -1597,7 +1894,7 @@
 </p:notes>
 </file>
 
-<file path=ppt/notesSlides/notesSlide8.xml><?xml version="1.0" encoding="utf-8"?>
+<file path=ppt/notesSlides/notesSlide9.xml><?xml version="1.0" encoding="utf-8"?>
 <p:notes xmlns:a="http://schemas.openxmlformats.org/drawingml/2006/main" xmlns:r="http://schemas.openxmlformats.org/officeDocument/2006/relationships" xmlns:p="http://schemas.openxmlformats.org/presentationml/2006/main">
   <p:cSld>
     <p:spTree>
@@ -1835,7 +2132,7 @@
           <a:p>
             <a:fld id="{15736144-2E2E-483E-8D4E-7A087D64C6CE}" type="slidenum">
               <a:rPr lang="en-US" smtClean="0"/>
-              <a:t>8</a:t>
+              <a:t>9</a:t>
             </a:fld>
             <a:endParaRPr lang="en-US"/>
           </a:p>
@@ -1845,133 +2142,6 @@
     <p:extLst>
       <p:ext uri="{BB962C8B-B14F-4D97-AF65-F5344CB8AC3E}">
         <p14:creationId xmlns:p14="http://schemas.microsoft.com/office/powerpoint/2010/main" val="3678784281"/>
-      </p:ext>
-    </p:extLst>
-  </p:cSld>
-  <p:clrMapOvr>
-    <a:masterClrMapping/>
-  </p:clrMapOvr>
-</p:notes>
-</file>
-
-<file path=ppt/notesSlides/notesSlide9.xml><?xml version="1.0" encoding="utf-8"?>
-<p:notes xmlns:a="http://schemas.openxmlformats.org/drawingml/2006/main" xmlns:r="http://schemas.openxmlformats.org/officeDocument/2006/relationships" xmlns:p="http://schemas.openxmlformats.org/presentationml/2006/main">
-  <p:cSld>
-    <p:spTree>
-      <p:nvGrpSpPr>
-        <p:cNvPr id="1" name=""/>
-        <p:cNvGrpSpPr/>
-        <p:nvPr/>
-      </p:nvGrpSpPr>
-      <p:grpSpPr>
-        <a:xfrm>
-          <a:off x="0" y="0"/>
-          <a:ext cx="0" cy="0"/>
-          <a:chOff x="0" y="0"/>
-          <a:chExt cx="0" cy="0"/>
-        </a:xfrm>
-      </p:grpSpPr>
-      <p:sp>
-        <p:nvSpPr>
-          <p:cNvPr id="2" name="Slide Image Placeholder 1"/>
-          <p:cNvSpPr>
-            <a:spLocks noGrp="1" noRot="1" noChangeAspect="1"/>
-          </p:cNvSpPr>
-          <p:nvPr>
-            <p:ph type="sldImg"/>
-          </p:nvPr>
-        </p:nvSpPr>
-        <p:spPr/>
-      </p:sp>
-      <p:sp>
-        <p:nvSpPr>
-          <p:cNvPr id="3" name="Notes Placeholder 2"/>
-          <p:cNvSpPr>
-            <a:spLocks noGrp="1"/>
-          </p:cNvSpPr>
-          <p:nvPr>
-            <p:ph type="body" idx="1"/>
-          </p:nvPr>
-        </p:nvSpPr>
-        <p:spPr/>
-        <p:txBody>
-          <a:bodyPr/>
-          <a:lstStyle/>
-          <a:p>
-            <a:r>
-              <a:rPr lang="en-US" b="1" dirty="0"/>
-              <a:t>Top 5 States :</a:t>
-            </a:r>
-            <a:r>
-              <a:rPr lang="en-US" b="1" baseline="0" dirty="0"/>
-              <a:t> DC, Alaska, </a:t>
-            </a:r>
-            <a:endParaRPr lang="en-US" dirty="0"/>
-          </a:p>
-          <a:p>
-            <a:r>
-              <a:rPr lang="en-US" b="1" dirty="0"/>
-              <a:t>Bottom 5 States: </a:t>
-            </a:r>
-          </a:p>
-          <a:p>
-            <a:r>
-              <a:rPr lang="en-US" b="1" dirty="0"/>
-              <a:t>2016: </a:t>
-            </a:r>
-            <a:r>
-              <a:rPr lang="en-US" b="0" dirty="0"/>
-              <a:t>NY,</a:t>
-            </a:r>
-            <a:r>
-              <a:rPr lang="en-US" b="0" baseline="0" dirty="0"/>
-              <a:t> NJ, Texas, Utah, Washington</a:t>
-            </a:r>
-            <a:endParaRPr lang="en-US" baseline="0" dirty="0"/>
-          </a:p>
-          <a:p>
-            <a:r>
-              <a:rPr lang="en-US" b="1" baseline="0" dirty="0"/>
-              <a:t>2017</a:t>
-            </a:r>
-            <a:r>
-              <a:rPr lang="en-US" baseline="0" dirty="0"/>
-              <a:t>: Hawaii, Vermont, NY, Texas, Utah </a:t>
-            </a:r>
-            <a:endParaRPr lang="en-US" dirty="0"/>
-          </a:p>
-          <a:p>
-            <a:endParaRPr lang="en-US" dirty="0"/>
-          </a:p>
-        </p:txBody>
-      </p:sp>
-      <p:sp>
-        <p:nvSpPr>
-          <p:cNvPr id="4" name="Slide Number Placeholder 3"/>
-          <p:cNvSpPr>
-            <a:spLocks noGrp="1"/>
-          </p:cNvSpPr>
-          <p:nvPr>
-            <p:ph type="sldNum" sz="quarter" idx="10"/>
-          </p:nvPr>
-        </p:nvSpPr>
-        <p:spPr/>
-        <p:txBody>
-          <a:bodyPr/>
-          <a:lstStyle/>
-          <a:p>
-            <a:fld id="{15736144-2E2E-483E-8D4E-7A087D64C6CE}" type="slidenum">
-              <a:rPr lang="en-US" smtClean="0"/>
-              <a:t>9</a:t>
-            </a:fld>
-            <a:endParaRPr lang="en-US"/>
-          </a:p>
-        </p:txBody>
-      </p:sp>
-    </p:spTree>
-    <p:extLst>
-      <p:ext uri="{BB962C8B-B14F-4D97-AF65-F5344CB8AC3E}">
-        <p14:creationId xmlns:p14="http://schemas.microsoft.com/office/powerpoint/2010/main" val="3407222623"/>
       </p:ext>
     </p:extLst>
   </p:cSld>
@@ -2112,7 +2282,7 @@
           <a:p>
             <a:fld id="{1DA468E4-8C39-40C0-938E-8288AF13A5D2}" type="datetimeFigureOut">
               <a:rPr lang="en-US" smtClean="0"/>
-              <a:t>17-Sep-18</a:t>
+              <a:t>18-Sep-18</a:t>
             </a:fld>
             <a:endParaRPr lang="en-US"/>
           </a:p>
@@ -2282,7 +2452,7 @@
           <a:p>
             <a:fld id="{1DA468E4-8C39-40C0-938E-8288AF13A5D2}" type="datetimeFigureOut">
               <a:rPr lang="en-US" smtClean="0"/>
-              <a:t>17-Sep-18</a:t>
+              <a:t>18-Sep-18</a:t>
             </a:fld>
             <a:endParaRPr lang="en-US"/>
           </a:p>
@@ -2462,7 +2632,7 @@
           <a:p>
             <a:fld id="{1DA468E4-8C39-40C0-938E-8288AF13A5D2}" type="datetimeFigureOut">
               <a:rPr lang="en-US" smtClean="0"/>
-              <a:t>17-Sep-18</a:t>
+              <a:t>18-Sep-18</a:t>
             </a:fld>
             <a:endParaRPr lang="en-US"/>
           </a:p>
@@ -2632,7 +2802,7 @@
           <a:p>
             <a:fld id="{1DA468E4-8C39-40C0-938E-8288AF13A5D2}" type="datetimeFigureOut">
               <a:rPr lang="en-US" smtClean="0"/>
-              <a:t>17-Sep-18</a:t>
+              <a:t>18-Sep-18</a:t>
             </a:fld>
             <a:endParaRPr lang="en-US"/>
           </a:p>
@@ -2878,7 +3048,7 @@
           <a:p>
             <a:fld id="{1DA468E4-8C39-40C0-938E-8288AF13A5D2}" type="datetimeFigureOut">
               <a:rPr lang="en-US" smtClean="0"/>
-              <a:t>17-Sep-18</a:t>
+              <a:t>18-Sep-18</a:t>
             </a:fld>
             <a:endParaRPr lang="en-US"/>
           </a:p>
@@ -3110,7 +3280,7 @@
           <a:p>
             <a:fld id="{1DA468E4-8C39-40C0-938E-8288AF13A5D2}" type="datetimeFigureOut">
               <a:rPr lang="en-US" smtClean="0"/>
-              <a:t>17-Sep-18</a:t>
+              <a:t>18-Sep-18</a:t>
             </a:fld>
             <a:endParaRPr lang="en-US"/>
           </a:p>
@@ -3477,7 +3647,7 @@
           <a:p>
             <a:fld id="{1DA468E4-8C39-40C0-938E-8288AF13A5D2}" type="datetimeFigureOut">
               <a:rPr lang="en-US" smtClean="0"/>
-              <a:t>17-Sep-18</a:t>
+              <a:t>18-Sep-18</a:t>
             </a:fld>
             <a:endParaRPr lang="en-US"/>
           </a:p>
@@ -3595,7 +3765,7 @@
           <a:p>
             <a:fld id="{1DA468E4-8C39-40C0-938E-8288AF13A5D2}" type="datetimeFigureOut">
               <a:rPr lang="en-US" smtClean="0"/>
-              <a:t>17-Sep-18</a:t>
+              <a:t>18-Sep-18</a:t>
             </a:fld>
             <a:endParaRPr lang="en-US"/>
           </a:p>
@@ -3690,7 +3860,7 @@
           <a:p>
             <a:fld id="{1DA468E4-8C39-40C0-938E-8288AF13A5D2}" type="datetimeFigureOut">
               <a:rPr lang="en-US" smtClean="0"/>
-              <a:t>17-Sep-18</a:t>
+              <a:t>18-Sep-18</a:t>
             </a:fld>
             <a:endParaRPr lang="en-US"/>
           </a:p>
@@ -3967,7 +4137,7 @@
           <a:p>
             <a:fld id="{1DA468E4-8C39-40C0-938E-8288AF13A5D2}" type="datetimeFigureOut">
               <a:rPr lang="en-US" smtClean="0"/>
-              <a:t>17-Sep-18</a:t>
+              <a:t>18-Sep-18</a:t>
             </a:fld>
             <a:endParaRPr lang="en-US"/>
           </a:p>
@@ -4224,7 +4394,7 @@
           <a:p>
             <a:fld id="{1DA468E4-8C39-40C0-938E-8288AF13A5D2}" type="datetimeFigureOut">
               <a:rPr lang="en-US" smtClean="0"/>
-              <a:t>17-Sep-18</a:t>
+              <a:t>18-Sep-18</a:t>
             </a:fld>
             <a:endParaRPr lang="en-US"/>
           </a:p>
@@ -4437,7 +4607,7 @@
           <a:p>
             <a:fld id="{1DA468E4-8C39-40C0-938E-8288AF13A5D2}" type="datetimeFigureOut">
               <a:rPr lang="en-US" smtClean="0"/>
-              <a:t>17-Sep-18</a:t>
+              <a:t>18-Sep-18</a:t>
             </a:fld>
             <a:endParaRPr lang="en-US"/>
           </a:p>
@@ -5093,15 +5263,33 @@
                                   </p:childTnLst>
                                 </p:cTn>
                               </p:par>
+                            </p:childTnLst>
+                          </p:cTn>
+                        </p:par>
+                      </p:childTnLst>
+                    </p:cTn>
+                  </p:par>
+                  <p:par>
+                    <p:cTn id="10" fill="hold">
+                      <p:stCondLst>
+                        <p:cond delay="indefinite"/>
+                      </p:stCondLst>
+                      <p:childTnLst>
+                        <p:par>
+                          <p:cTn id="11" fill="hold">
+                            <p:stCondLst>
+                              <p:cond delay="0"/>
+                            </p:stCondLst>
+                            <p:childTnLst>
                               <p:par>
-                                <p:cTn id="10" presetID="42" presetClass="entr" presetSubtype="0" fill="hold" grpId="0" nodeType="withEffect">
+                                <p:cTn id="12" presetID="42" presetClass="entr" presetSubtype="0" fill="hold" grpId="0" nodeType="clickEffect">
                                   <p:stCondLst>
                                     <p:cond delay="0"/>
                                   </p:stCondLst>
                                   <p:childTnLst>
                                     <p:set>
                                       <p:cBhvr>
-                                        <p:cTn id="11" dur="1" fill="hold">
+                                        <p:cTn id="13" dur="1" fill="hold">
                                           <p:stCondLst>
                                             <p:cond delay="0"/>
                                           </p:stCondLst>
@@ -5123,7 +5311,7 @@
                                     </p:set>
                                     <p:animEffect transition="in" filter="fade">
                                       <p:cBhvr>
-                                        <p:cTn id="12" dur="1000"/>
+                                        <p:cTn id="14" dur="1000"/>
                                         <p:tgtEl>
                                           <p:spTgt spid="3">
                                             <p:txEl>
@@ -5135,7 +5323,7 @@
                                     </p:animEffect>
                                     <p:anim calcmode="lin" valueType="num">
                                       <p:cBhvr>
-                                        <p:cTn id="13" dur="1000" fill="hold"/>
+                                        <p:cTn id="15" dur="1000" fill="hold"/>
                                         <p:tgtEl>
                                           <p:spTgt spid="3">
                                             <p:txEl>
@@ -5162,7 +5350,7 @@
                                     </p:anim>
                                     <p:anim calcmode="lin" valueType="num">
                                       <p:cBhvr>
-                                        <p:cTn id="14" dur="1000" fill="hold"/>
+                                        <p:cTn id="16" dur="1000" fill="hold"/>
                                         <p:tgtEl>
                                           <p:spTgt spid="3">
                                             <p:txEl>
@@ -5193,30 +5381,21 @@
                             </p:childTnLst>
                           </p:cTn>
                         </p:par>
-                      </p:childTnLst>
-                    </p:cTn>
-                  </p:par>
-                  <p:par>
-                    <p:cTn id="15" fill="hold">
-                      <p:stCondLst>
-                        <p:cond delay="indefinite"/>
-                      </p:stCondLst>
-                      <p:childTnLst>
                         <p:par>
-                          <p:cTn id="16" fill="hold">
+                          <p:cTn id="17" fill="hold">
                             <p:stCondLst>
-                              <p:cond delay="0"/>
+                              <p:cond delay="1000"/>
                             </p:stCondLst>
                             <p:childTnLst>
                               <p:par>
-                                <p:cTn id="17" presetID="2" presetClass="entr" presetSubtype="8" fill="hold" grpId="0" nodeType="clickEffect">
+                                <p:cTn id="18" presetID="2" presetClass="entr" presetSubtype="8" fill="hold" grpId="0" nodeType="afterEffect">
                                   <p:stCondLst>
                                     <p:cond delay="0"/>
                                   </p:stCondLst>
                                   <p:childTnLst>
                                     <p:set>
                                       <p:cBhvr>
-                                        <p:cTn id="18" dur="1" fill="hold">
+                                        <p:cTn id="19" dur="1" fill="hold">
                                           <p:stCondLst>
                                             <p:cond delay="0"/>
                                           </p:stCondLst>
@@ -5238,7 +5417,7 @@
                                     </p:set>
                                     <p:anim calcmode="lin" valueType="num">
                                       <p:cBhvr additive="base">
-                                        <p:cTn id="19" dur="500" fill="hold"/>
+                                        <p:cTn id="20" dur="500" fill="hold"/>
                                         <p:tgtEl>
                                           <p:spTgt spid="3">
                                             <p:txEl>
@@ -5265,7 +5444,7 @@
                                     </p:anim>
                                     <p:anim calcmode="lin" valueType="num">
                                       <p:cBhvr additive="base">
-                                        <p:cTn id="20" dur="500" fill="hold"/>
+                                        <p:cTn id="21" dur="500" fill="hold"/>
                                         <p:tgtEl>
                                           <p:spTgt spid="3">
                                             <p:txEl>
@@ -5294,14 +5473,14 @@
                                 </p:cTn>
                               </p:par>
                               <p:par>
-                                <p:cTn id="21" presetID="2" presetClass="entr" presetSubtype="8" fill="hold" grpId="0" nodeType="withEffect">
+                                <p:cTn id="22" presetID="2" presetClass="entr" presetSubtype="8" fill="hold" grpId="0" nodeType="withEffect">
                                   <p:stCondLst>
                                     <p:cond delay="250"/>
                                   </p:stCondLst>
                                   <p:childTnLst>
                                     <p:set>
                                       <p:cBhvr>
-                                        <p:cTn id="22" dur="1" fill="hold">
+                                        <p:cTn id="23" dur="1" fill="hold">
                                           <p:stCondLst>
                                             <p:cond delay="0"/>
                                           </p:stCondLst>
@@ -5323,7 +5502,7 @@
                                     </p:set>
                                     <p:anim calcmode="lin" valueType="num">
                                       <p:cBhvr additive="base">
-                                        <p:cTn id="23" dur="500" fill="hold"/>
+                                        <p:cTn id="24" dur="500" fill="hold"/>
                                         <p:tgtEl>
                                           <p:spTgt spid="3">
                                             <p:txEl>
@@ -5350,7 +5529,7 @@
                                     </p:anim>
                                     <p:anim calcmode="lin" valueType="num">
                                       <p:cBhvr additive="base">
-                                        <p:cTn id="24" dur="500" fill="hold"/>
+                                        <p:cTn id="25" dur="500" fill="hold"/>
                                         <p:tgtEl>
                                           <p:spTgt spid="3">
                                             <p:txEl>
@@ -5379,14 +5558,14 @@
                                 </p:cTn>
                               </p:par>
                               <p:par>
-                                <p:cTn id="25" presetID="2" presetClass="entr" presetSubtype="8" fill="hold" grpId="0" nodeType="withEffect">
+                                <p:cTn id="26" presetID="2" presetClass="entr" presetSubtype="8" fill="hold" grpId="0" nodeType="withEffect">
                                   <p:stCondLst>
                                     <p:cond delay="500"/>
                                   </p:stCondLst>
                                   <p:childTnLst>
                                     <p:set>
                                       <p:cBhvr>
-                                        <p:cTn id="26" dur="1" fill="hold">
+                                        <p:cTn id="27" dur="1" fill="hold">
                                           <p:stCondLst>
                                             <p:cond delay="0"/>
                                           </p:stCondLst>
@@ -5408,7 +5587,7 @@
                                     </p:set>
                                     <p:anim calcmode="lin" valueType="num">
                                       <p:cBhvr additive="base">
-                                        <p:cTn id="27" dur="500" fill="hold"/>
+                                        <p:cTn id="28" dur="500" fill="hold"/>
                                         <p:tgtEl>
                                           <p:spTgt spid="3">
                                             <p:txEl>
@@ -5435,7 +5614,7 @@
                                     </p:anim>
                                     <p:anim calcmode="lin" valueType="num">
                                       <p:cBhvr additive="base">
-                                        <p:cTn id="28" dur="500" fill="hold"/>
+                                        <p:cTn id="29" dur="500" fill="hold"/>
                                         <p:tgtEl>
                                           <p:spTgt spid="3">
                                             <p:txEl>
@@ -5464,14 +5643,14 @@
                                 </p:cTn>
                               </p:par>
                               <p:par>
-                                <p:cTn id="29" presetID="2" presetClass="entr" presetSubtype="8" fill="hold" grpId="0" nodeType="withEffect">
+                                <p:cTn id="30" presetID="2" presetClass="entr" presetSubtype="8" fill="hold" grpId="0" nodeType="withEffect">
                                   <p:stCondLst>
                                     <p:cond delay="750"/>
                                   </p:stCondLst>
                                   <p:childTnLst>
                                     <p:set>
                                       <p:cBhvr>
-                                        <p:cTn id="30" dur="1" fill="hold">
+                                        <p:cTn id="31" dur="1" fill="hold">
                                           <p:stCondLst>
                                             <p:cond delay="0"/>
                                           </p:stCondLst>
@@ -5493,7 +5672,7 @@
                                     </p:set>
                                     <p:anim calcmode="lin" valueType="num">
                                       <p:cBhvr additive="base">
-                                        <p:cTn id="31" dur="500" fill="hold"/>
+                                        <p:cTn id="32" dur="500" fill="hold"/>
                                         <p:tgtEl>
                                           <p:spTgt spid="3">
                                             <p:txEl>
@@ -5520,7 +5699,7 @@
                                     </p:anim>
                                     <p:anim calcmode="lin" valueType="num">
                                       <p:cBhvr additive="base">
-                                        <p:cTn id="32" dur="500" fill="hold"/>
+                                        <p:cTn id="33" dur="500" fill="hold"/>
                                         <p:tgtEl>
                                           <p:spTgt spid="3">
                                             <p:txEl>
@@ -5584,6 +5763,565 @@
 </file>
 
 <file path=ppt/slides/slide10.xml><?xml version="1.0" encoding="utf-8"?>
+<p:sld xmlns:a="http://schemas.openxmlformats.org/drawingml/2006/main" xmlns:r="http://schemas.openxmlformats.org/officeDocument/2006/relationships" xmlns:p="http://schemas.openxmlformats.org/presentationml/2006/main">
+  <p:cSld>
+    <p:bg>
+      <p:bgPr>
+        <a:blipFill dpi="0" rotWithShape="1">
+          <a:blip r:embed="rId3">
+            <a:lum/>
+          </a:blip>
+          <a:srcRect/>
+          <a:stretch>
+            <a:fillRect/>
+          </a:stretch>
+        </a:blipFill>
+        <a:effectLst/>
+      </p:bgPr>
+    </p:bg>
+    <p:spTree>
+      <p:nvGrpSpPr>
+        <p:cNvPr id="1" name=""/>
+        <p:cNvGrpSpPr/>
+        <p:nvPr/>
+      </p:nvGrpSpPr>
+      <p:grpSpPr>
+        <a:xfrm>
+          <a:off x="0" y="0"/>
+          <a:ext cx="0" cy="0"/>
+          <a:chOff x="0" y="0"/>
+          <a:chExt cx="0" cy="0"/>
+        </a:xfrm>
+      </p:grpSpPr>
+      <p:pic>
+        <p:nvPicPr>
+          <p:cNvPr id="2" name="Picture 1"/>
+          <p:cNvPicPr>
+            <a:picLocks noChangeAspect="1"/>
+          </p:cNvPicPr>
+          <p:nvPr/>
+        </p:nvPicPr>
+        <p:blipFill>
+          <a:blip r:embed="rId4">
+            <a:extLst>
+              <a:ext uri="{28A0092B-C50C-407E-A947-70E740481C1C}">
+                <a14:useLocalDpi xmlns:a14="http://schemas.microsoft.com/office/drawing/2010/main" val="0"/>
+              </a:ext>
+            </a:extLst>
+          </a:blip>
+          <a:stretch>
+            <a:fillRect/>
+          </a:stretch>
+        </p:blipFill>
+        <p:spPr>
+          <a:xfrm>
+            <a:off x="78750" y="1534211"/>
+            <a:ext cx="12007344" cy="2183153"/>
+          </a:xfrm>
+          <a:prstGeom prst="rect">
+            <a:avLst/>
+          </a:prstGeom>
+          <a:ln>
+            <a:solidFill>
+              <a:schemeClr val="tx1"/>
+            </a:solidFill>
+          </a:ln>
+        </p:spPr>
+      </p:pic>
+      <p:pic>
+        <p:nvPicPr>
+          <p:cNvPr id="3" name="Picture 2"/>
+          <p:cNvPicPr>
+            <a:picLocks noChangeAspect="1"/>
+          </p:cNvPicPr>
+          <p:nvPr/>
+        </p:nvPicPr>
+        <p:blipFill>
+          <a:blip r:embed="rId5">
+            <a:extLst>
+              <a:ext uri="{28A0092B-C50C-407E-A947-70E740481C1C}">
+                <a14:useLocalDpi xmlns:a14="http://schemas.microsoft.com/office/drawing/2010/main" val="0"/>
+              </a:ext>
+            </a:extLst>
+          </a:blip>
+          <a:stretch>
+            <a:fillRect/>
+          </a:stretch>
+        </p:blipFill>
+        <p:spPr>
+          <a:xfrm>
+            <a:off x="78749" y="4131703"/>
+            <a:ext cx="12077043" cy="2195826"/>
+          </a:xfrm>
+          <a:prstGeom prst="rect">
+            <a:avLst/>
+          </a:prstGeom>
+          <a:ln>
+            <a:solidFill>
+              <a:schemeClr val="tx1"/>
+            </a:solidFill>
+          </a:ln>
+        </p:spPr>
+      </p:pic>
+      <p:pic>
+        <p:nvPicPr>
+          <p:cNvPr id="8" name="Picture 7"/>
+          <p:cNvPicPr>
+            <a:picLocks noChangeAspect="1"/>
+          </p:cNvPicPr>
+          <p:nvPr/>
+        </p:nvPicPr>
+        <p:blipFill>
+          <a:blip r:embed="rId6"/>
+          <a:stretch>
+            <a:fillRect/>
+          </a:stretch>
+        </p:blipFill>
+        <p:spPr>
+          <a:xfrm>
+            <a:off x="8483506" y="79666"/>
+            <a:ext cx="3602588" cy="1144920"/>
+          </a:xfrm>
+          <a:prstGeom prst="rect">
+            <a:avLst/>
+          </a:prstGeom>
+          <a:solidFill>
+            <a:schemeClr val="tx1"/>
+          </a:solidFill>
+        </p:spPr>
+      </p:pic>
+      <p:sp>
+        <p:nvSpPr>
+          <p:cNvPr id="6" name="Title 1">
+            <a:extLst>
+              <a:ext uri="{FF2B5EF4-FFF2-40B4-BE49-F238E27FC236}">
+                <a16:creationId xmlns:a16="http://schemas.microsoft.com/office/drawing/2014/main" id="{9E83E140-EF63-4289-8672-6573D6934203}"/>
+              </a:ext>
+            </a:extLst>
+          </p:cNvPr>
+          <p:cNvSpPr txBox="1">
+            <a:spLocks/>
+          </p:cNvSpPr>
+          <p:nvPr/>
+        </p:nvSpPr>
+        <p:spPr>
+          <a:xfrm>
+            <a:off x="72521" y="0"/>
+            <a:ext cx="9049139" cy="1110342"/>
+          </a:xfrm>
+          <a:prstGeom prst="rect">
+            <a:avLst/>
+          </a:prstGeom>
+        </p:spPr>
+        <p:txBody>
+          <a:bodyPr vert="horz" lIns="91440" tIns="45720" rIns="91440" bIns="45720" rtlCol="0" anchor="ctr">
+            <a:noAutofit/>
+          </a:bodyPr>
+          <a:lstStyle>
+            <a:lvl1pPr algn="l" defTabSz="914400" rtl="0" eaLnBrk="1" latinLnBrk="0" hangingPunct="1">
+              <a:lnSpc>
+                <a:spcPct val="90000"/>
+              </a:lnSpc>
+              <a:spcBef>
+                <a:spcPct val="0"/>
+              </a:spcBef>
+              <a:buNone/>
+              <a:defRPr sz="4400" kern="1200">
+                <a:solidFill>
+                  <a:schemeClr val="tx1"/>
+                </a:solidFill>
+                <a:latin typeface="+mj-lt"/>
+                <a:ea typeface="+mj-ea"/>
+                <a:cs typeface="+mj-cs"/>
+              </a:defRPr>
+            </a:lvl1pPr>
+          </a:lstStyle>
+          <a:p>
+            <a:r>
+              <a:rPr lang="en-US" dirty="0"/>
+              <a:t>A: OR JUST STAY IN CALIFORNIA</a:t>
+            </a:r>
+          </a:p>
+        </p:txBody>
+      </p:sp>
+    </p:spTree>
+    <p:extLst>
+      <p:ext uri="{BB962C8B-B14F-4D97-AF65-F5344CB8AC3E}">
+        <p14:creationId xmlns:p14="http://schemas.microsoft.com/office/powerpoint/2010/main" val="485167274"/>
+      </p:ext>
+    </p:extLst>
+  </p:cSld>
+  <p:clrMapOvr>
+    <a:masterClrMapping/>
+  </p:clrMapOvr>
+  <p:timing>
+    <p:tnLst>
+      <p:par>
+        <p:cTn id="1" dur="indefinite" restart="never" nodeType="tmRoot">
+          <p:childTnLst>
+            <p:seq concurrent="1" nextAc="seek">
+              <p:cTn id="2" dur="indefinite" nodeType="mainSeq">
+                <p:childTnLst>
+                  <p:par>
+                    <p:cTn id="3" fill="hold">
+                      <p:stCondLst>
+                        <p:cond delay="indefinite"/>
+                        <p:cond evt="onBegin" delay="0">
+                          <p:tn val="2"/>
+                        </p:cond>
+                      </p:stCondLst>
+                      <p:childTnLst>
+                        <p:par>
+                          <p:cTn id="4" fill="hold">
+                            <p:stCondLst>
+                              <p:cond delay="0"/>
+                            </p:stCondLst>
+                            <p:childTnLst>
+                              <p:par>
+                                <p:cTn id="5" presetID="2" presetClass="entr" presetSubtype="8" fill="hold" grpId="0" nodeType="withEffect">
+                                  <p:stCondLst>
+                                    <p:cond delay="0"/>
+                                  </p:stCondLst>
+                                  <p:childTnLst>
+                                    <p:set>
+                                      <p:cBhvr>
+                                        <p:cTn id="6" dur="1" fill="hold">
+                                          <p:stCondLst>
+                                            <p:cond delay="0"/>
+                                          </p:stCondLst>
+                                        </p:cTn>
+                                        <p:tgtEl>
+                                          <p:spTgt spid="6"/>
+                                        </p:tgtEl>
+                                        <p:attrNameLst>
+                                          <p:attrName>style.visibility</p:attrName>
+                                        </p:attrNameLst>
+                                      </p:cBhvr>
+                                      <p:to>
+                                        <p:strVal val="visible"/>
+                                      </p:to>
+                                    </p:set>
+                                    <p:anim calcmode="lin" valueType="num">
+                                      <p:cBhvr additive="base">
+                                        <p:cTn id="7" dur="500" fill="hold"/>
+                                        <p:tgtEl>
+                                          <p:spTgt spid="6"/>
+                                        </p:tgtEl>
+                                        <p:attrNameLst>
+                                          <p:attrName>ppt_x</p:attrName>
+                                        </p:attrNameLst>
+                                      </p:cBhvr>
+                                      <p:tavLst>
+                                        <p:tav tm="0">
+                                          <p:val>
+                                            <p:strVal val="0-#ppt_w/2"/>
+                                          </p:val>
+                                        </p:tav>
+                                        <p:tav tm="100000">
+                                          <p:val>
+                                            <p:strVal val="#ppt_x"/>
+                                          </p:val>
+                                        </p:tav>
+                                      </p:tavLst>
+                                    </p:anim>
+                                    <p:anim calcmode="lin" valueType="num">
+                                      <p:cBhvr additive="base">
+                                        <p:cTn id="8" dur="500" fill="hold"/>
+                                        <p:tgtEl>
+                                          <p:spTgt spid="6"/>
+                                        </p:tgtEl>
+                                        <p:attrNameLst>
+                                          <p:attrName>ppt_y</p:attrName>
+                                        </p:attrNameLst>
+                                      </p:cBhvr>
+                                      <p:tavLst>
+                                        <p:tav tm="0">
+                                          <p:val>
+                                            <p:strVal val="#ppt_y"/>
+                                          </p:val>
+                                        </p:tav>
+                                        <p:tav tm="100000">
+                                          <p:val>
+                                            <p:strVal val="#ppt_y"/>
+                                          </p:val>
+                                        </p:tav>
+                                      </p:tavLst>
+                                    </p:anim>
+                                  </p:childTnLst>
+                                </p:cTn>
+                              </p:par>
+                            </p:childTnLst>
+                          </p:cTn>
+                        </p:par>
+                        <p:par>
+                          <p:cTn id="9" fill="hold">
+                            <p:stCondLst>
+                              <p:cond delay="500"/>
+                            </p:stCondLst>
+                            <p:childTnLst>
+                              <p:par>
+                                <p:cTn id="10" presetID="2" presetClass="entr" presetSubtype="8" fill="hold" nodeType="afterEffect">
+                                  <p:stCondLst>
+                                    <p:cond delay="1000"/>
+                                  </p:stCondLst>
+                                  <p:childTnLst>
+                                    <p:set>
+                                      <p:cBhvr>
+                                        <p:cTn id="11" dur="1" fill="hold">
+                                          <p:stCondLst>
+                                            <p:cond delay="0"/>
+                                          </p:stCondLst>
+                                        </p:cTn>
+                                        <p:tgtEl>
+                                          <p:spTgt spid="2"/>
+                                        </p:tgtEl>
+                                        <p:attrNameLst>
+                                          <p:attrName>style.visibility</p:attrName>
+                                        </p:attrNameLst>
+                                      </p:cBhvr>
+                                      <p:to>
+                                        <p:strVal val="visible"/>
+                                      </p:to>
+                                    </p:set>
+                                    <p:anim calcmode="lin" valueType="num">
+                                      <p:cBhvr additive="base">
+                                        <p:cTn id="12" dur="500" fill="hold"/>
+                                        <p:tgtEl>
+                                          <p:spTgt spid="2"/>
+                                        </p:tgtEl>
+                                        <p:attrNameLst>
+                                          <p:attrName>ppt_x</p:attrName>
+                                        </p:attrNameLst>
+                                      </p:cBhvr>
+                                      <p:tavLst>
+                                        <p:tav tm="0">
+                                          <p:val>
+                                            <p:strVal val="0-#ppt_w/2"/>
+                                          </p:val>
+                                        </p:tav>
+                                        <p:tav tm="100000">
+                                          <p:val>
+                                            <p:strVal val="#ppt_x"/>
+                                          </p:val>
+                                        </p:tav>
+                                      </p:tavLst>
+                                    </p:anim>
+                                    <p:anim calcmode="lin" valueType="num">
+                                      <p:cBhvr additive="base">
+                                        <p:cTn id="13" dur="500" fill="hold"/>
+                                        <p:tgtEl>
+                                          <p:spTgt spid="2"/>
+                                        </p:tgtEl>
+                                        <p:attrNameLst>
+                                          <p:attrName>ppt_y</p:attrName>
+                                        </p:attrNameLst>
+                                      </p:cBhvr>
+                                      <p:tavLst>
+                                        <p:tav tm="0">
+                                          <p:val>
+                                            <p:strVal val="#ppt_y"/>
+                                          </p:val>
+                                        </p:tav>
+                                        <p:tav tm="100000">
+                                          <p:val>
+                                            <p:strVal val="#ppt_y"/>
+                                          </p:val>
+                                        </p:tav>
+                                      </p:tavLst>
+                                    </p:anim>
+                                  </p:childTnLst>
+                                </p:cTn>
+                              </p:par>
+                              <p:par>
+                                <p:cTn id="14" presetID="2" presetClass="entr" presetSubtype="2" fill="hold" nodeType="withEffect">
+                                  <p:stCondLst>
+                                    <p:cond delay="1250"/>
+                                  </p:stCondLst>
+                                  <p:childTnLst>
+                                    <p:set>
+                                      <p:cBhvr>
+                                        <p:cTn id="15" dur="1" fill="hold">
+                                          <p:stCondLst>
+                                            <p:cond delay="0"/>
+                                          </p:stCondLst>
+                                        </p:cTn>
+                                        <p:tgtEl>
+                                          <p:spTgt spid="3"/>
+                                        </p:tgtEl>
+                                        <p:attrNameLst>
+                                          <p:attrName>style.visibility</p:attrName>
+                                        </p:attrNameLst>
+                                      </p:cBhvr>
+                                      <p:to>
+                                        <p:strVal val="visible"/>
+                                      </p:to>
+                                    </p:set>
+                                    <p:anim calcmode="lin" valueType="num">
+                                      <p:cBhvr additive="base">
+                                        <p:cTn id="16" dur="500" fill="hold"/>
+                                        <p:tgtEl>
+                                          <p:spTgt spid="3"/>
+                                        </p:tgtEl>
+                                        <p:attrNameLst>
+                                          <p:attrName>ppt_x</p:attrName>
+                                        </p:attrNameLst>
+                                      </p:cBhvr>
+                                      <p:tavLst>
+                                        <p:tav tm="0">
+                                          <p:val>
+                                            <p:strVal val="1+#ppt_w/2"/>
+                                          </p:val>
+                                        </p:tav>
+                                        <p:tav tm="100000">
+                                          <p:val>
+                                            <p:strVal val="#ppt_x"/>
+                                          </p:val>
+                                        </p:tav>
+                                      </p:tavLst>
+                                    </p:anim>
+                                    <p:anim calcmode="lin" valueType="num">
+                                      <p:cBhvr additive="base">
+                                        <p:cTn id="17" dur="500" fill="hold"/>
+                                        <p:tgtEl>
+                                          <p:spTgt spid="3"/>
+                                        </p:tgtEl>
+                                        <p:attrNameLst>
+                                          <p:attrName>ppt_y</p:attrName>
+                                        </p:attrNameLst>
+                                      </p:cBhvr>
+                                      <p:tavLst>
+                                        <p:tav tm="0">
+                                          <p:val>
+                                            <p:strVal val="#ppt_y"/>
+                                          </p:val>
+                                        </p:tav>
+                                        <p:tav tm="100000">
+                                          <p:val>
+                                            <p:strVal val="#ppt_y"/>
+                                          </p:val>
+                                        </p:tav>
+                                      </p:tavLst>
+                                    </p:anim>
+                                  </p:childTnLst>
+                                </p:cTn>
+                              </p:par>
+                            </p:childTnLst>
+                          </p:cTn>
+                        </p:par>
+                        <p:par>
+                          <p:cTn id="18" fill="hold">
+                            <p:stCondLst>
+                              <p:cond delay="2250"/>
+                            </p:stCondLst>
+                            <p:childTnLst>
+                              <p:par>
+                                <p:cTn id="19" presetID="2" presetClass="entr" presetSubtype="1" fill="hold" nodeType="afterEffect">
+                                  <p:stCondLst>
+                                    <p:cond delay="250"/>
+                                  </p:stCondLst>
+                                  <p:childTnLst>
+                                    <p:set>
+                                      <p:cBhvr>
+                                        <p:cTn id="20" dur="1" fill="hold">
+                                          <p:stCondLst>
+                                            <p:cond delay="0"/>
+                                          </p:stCondLst>
+                                        </p:cTn>
+                                        <p:tgtEl>
+                                          <p:spTgt spid="8"/>
+                                        </p:tgtEl>
+                                        <p:attrNameLst>
+                                          <p:attrName>style.visibility</p:attrName>
+                                        </p:attrNameLst>
+                                      </p:cBhvr>
+                                      <p:to>
+                                        <p:strVal val="visible"/>
+                                      </p:to>
+                                    </p:set>
+                                    <p:anim calcmode="lin" valueType="num">
+                                      <p:cBhvr additive="base">
+                                        <p:cTn id="21" dur="500" fill="hold"/>
+                                        <p:tgtEl>
+                                          <p:spTgt spid="8"/>
+                                        </p:tgtEl>
+                                        <p:attrNameLst>
+                                          <p:attrName>ppt_x</p:attrName>
+                                        </p:attrNameLst>
+                                      </p:cBhvr>
+                                      <p:tavLst>
+                                        <p:tav tm="0">
+                                          <p:val>
+                                            <p:strVal val="#ppt_x"/>
+                                          </p:val>
+                                        </p:tav>
+                                        <p:tav tm="100000">
+                                          <p:val>
+                                            <p:strVal val="#ppt_x"/>
+                                          </p:val>
+                                        </p:tav>
+                                      </p:tavLst>
+                                    </p:anim>
+                                    <p:anim calcmode="lin" valueType="num">
+                                      <p:cBhvr additive="base">
+                                        <p:cTn id="22" dur="500" fill="hold"/>
+                                        <p:tgtEl>
+                                          <p:spTgt spid="8"/>
+                                        </p:tgtEl>
+                                        <p:attrNameLst>
+                                          <p:attrName>ppt_y</p:attrName>
+                                        </p:attrNameLst>
+                                      </p:cBhvr>
+                                      <p:tavLst>
+                                        <p:tav tm="0">
+                                          <p:val>
+                                            <p:strVal val="0-#ppt_h/2"/>
+                                          </p:val>
+                                        </p:tav>
+                                        <p:tav tm="100000">
+                                          <p:val>
+                                            <p:strVal val="#ppt_y"/>
+                                          </p:val>
+                                        </p:tav>
+                                      </p:tavLst>
+                                    </p:anim>
+                                  </p:childTnLst>
+                                </p:cTn>
+                              </p:par>
+                            </p:childTnLst>
+                          </p:cTn>
+                        </p:par>
+                      </p:childTnLst>
+                    </p:cTn>
+                  </p:par>
+                </p:childTnLst>
+              </p:cTn>
+              <p:prevCondLst>
+                <p:cond evt="onPrev" delay="0">
+                  <p:tgtEl>
+                    <p:sldTgt/>
+                  </p:tgtEl>
+                </p:cond>
+              </p:prevCondLst>
+              <p:nextCondLst>
+                <p:cond evt="onNext" delay="0">
+                  <p:tgtEl>
+                    <p:sldTgt/>
+                  </p:tgtEl>
+                </p:cond>
+              </p:nextCondLst>
+            </p:seq>
+          </p:childTnLst>
+        </p:cTn>
+      </p:par>
+    </p:tnLst>
+    <p:bldLst>
+      <p:bldP spid="6" grpId="0"/>
+    </p:bldLst>
+  </p:timing>
+</p:sld>
+</file>
+
+<file path=ppt/slides/slide11.xml><?xml version="1.0" encoding="utf-8"?>
 <p:sld xmlns:a="http://schemas.openxmlformats.org/drawingml/2006/main" xmlns:r="http://schemas.openxmlformats.org/officeDocument/2006/relationships" xmlns:p="http://schemas.openxmlformats.org/presentationml/2006/main">
   <p:cSld>
     <p:bg>
@@ -5752,7 +6490,7 @@
             <a:pPr algn="ctr"/>
             <a:r>
               <a:rPr lang="en-US" dirty="0"/>
-              <a:t>Q: WHO USE GUNS? WHO SUFFERS FROM THEM?</a:t>
+              <a:t>Q: WHO USES GUNS? WHO SUFFERS FROM THEM?</a:t>
             </a:r>
           </a:p>
         </p:txBody>
@@ -6436,7 +7174,7 @@
 </p:sld>
 </file>
 
-<file path=ppt/slides/slide11.xml><?xml version="1.0" encoding="utf-8"?>
+<file path=ppt/slides/slide12.xml><?xml version="1.0" encoding="utf-8"?>
 <p:sld xmlns:a="http://schemas.openxmlformats.org/drawingml/2006/main" xmlns:r="http://schemas.openxmlformats.org/officeDocument/2006/relationships" xmlns:p="http://schemas.openxmlformats.org/presentationml/2006/main">
   <p:cSld>
     <p:bg>
@@ -10954,7 +11692,7 @@
 </p:sld>
 </file>
 
-<file path=ppt/slides/slide12.xml><?xml version="1.0" encoding="utf-8"?>
+<file path=ppt/slides/slide13.xml><?xml version="1.0" encoding="utf-8"?>
 <p:sld xmlns:a="http://schemas.openxmlformats.org/drawingml/2006/main" xmlns:r="http://schemas.openxmlformats.org/officeDocument/2006/relationships" xmlns:p="http://schemas.openxmlformats.org/presentationml/2006/main">
   <p:cSld>
     <p:bg>
@@ -11623,7 +12361,7 @@
 </p:sld>
 </file>
 
-<file path=ppt/slides/slide13.xml><?xml version="1.0" encoding="utf-8"?>
+<file path=ppt/slides/slide14.xml><?xml version="1.0" encoding="utf-8"?>
 <p:sld xmlns:a="http://schemas.openxmlformats.org/drawingml/2006/main" xmlns:r="http://schemas.openxmlformats.org/officeDocument/2006/relationships" xmlns:p="http://schemas.openxmlformats.org/presentationml/2006/main">
   <p:cSld>
     <p:bg>
@@ -13143,7 +13881,775 @@
 </p:sld>
 </file>
 
-<file path=ppt/slides/slide14.xml><?xml version="1.0" encoding="utf-8"?>
+<file path=ppt/slides/slide15.xml><?xml version="1.0" encoding="utf-8"?>
+<p:sld xmlns:a="http://schemas.openxmlformats.org/drawingml/2006/main" xmlns:r="http://schemas.openxmlformats.org/officeDocument/2006/relationships" xmlns:p="http://schemas.openxmlformats.org/presentationml/2006/main">
+  <p:cSld>
+    <p:bg>
+      <p:bgPr>
+        <a:blipFill>
+          <a:blip r:embed="rId3"/>
+          <a:stretch>
+            <a:fillRect/>
+          </a:stretch>
+        </a:blipFill>
+        <a:effectLst/>
+      </p:bgPr>
+    </p:bg>
+    <p:spTree>
+      <p:nvGrpSpPr>
+        <p:cNvPr id="1" name=""/>
+        <p:cNvGrpSpPr/>
+        <p:nvPr/>
+      </p:nvGrpSpPr>
+      <p:grpSpPr>
+        <a:xfrm>
+          <a:off x="0" y="0"/>
+          <a:ext cx="0" cy="0"/>
+          <a:chOff x="0" y="0"/>
+          <a:chExt cx="0" cy="0"/>
+        </a:xfrm>
+      </p:grpSpPr>
+      <p:sp>
+        <p:nvSpPr>
+          <p:cNvPr id="9" name="Title 1">
+            <a:extLst>
+              <a:ext uri="{FF2B5EF4-FFF2-40B4-BE49-F238E27FC236}">
+                <a16:creationId xmlns:a16="http://schemas.microsoft.com/office/drawing/2014/main" id="{000AC820-7993-4ED5-9F0D-DDB31A94A5E9}"/>
+              </a:ext>
+            </a:extLst>
+          </p:cNvPr>
+          <p:cNvSpPr>
+            <a:spLocks noGrp="1"/>
+          </p:cNvSpPr>
+          <p:nvPr>
+            <p:ph type="title"/>
+          </p:nvPr>
+        </p:nvSpPr>
+        <p:spPr>
+          <a:xfrm>
+            <a:off x="838200" y="2"/>
+            <a:ext cx="10515600" cy="1110342"/>
+          </a:xfrm>
+        </p:spPr>
+        <p:txBody>
+          <a:bodyPr/>
+          <a:lstStyle/>
+          <a:p>
+            <a:pPr algn="ctr"/>
+            <a:r>
+              <a:rPr lang="en-US" dirty="0"/>
+              <a:t>BUT WHAT IF WE HAD MORE TIME?</a:t>
+            </a:r>
+          </a:p>
+        </p:txBody>
+      </p:sp>
+      <p:sp>
+        <p:nvSpPr>
+          <p:cNvPr id="11" name="Rectangle 10">
+            <a:extLst>
+              <a:ext uri="{FF2B5EF4-FFF2-40B4-BE49-F238E27FC236}">
+                <a16:creationId xmlns:a16="http://schemas.microsoft.com/office/drawing/2014/main" id="{C4C04526-FADD-44D0-996D-890A1234A394}"/>
+              </a:ext>
+            </a:extLst>
+          </p:cNvPr>
+          <p:cNvSpPr/>
+          <p:nvPr/>
+        </p:nvSpPr>
+        <p:spPr>
+          <a:xfrm>
+            <a:off x="606056" y="2844225"/>
+            <a:ext cx="5489944" cy="584775"/>
+          </a:xfrm>
+          <a:prstGeom prst="rect">
+            <a:avLst/>
+          </a:prstGeom>
+          <a:solidFill>
+            <a:schemeClr val="bg1">
+              <a:lumMod val="85000"/>
+              <a:lumOff val="15000"/>
+            </a:schemeClr>
+          </a:solidFill>
+          <a:effectLst>
+            <a:outerShdw blurRad="50800" dist="38100" dir="2700000" algn="tl" rotWithShape="0">
+              <a:prstClr val="black">
+                <a:alpha val="40000"/>
+              </a:prstClr>
+            </a:outerShdw>
+          </a:effectLst>
+        </p:spPr>
+        <p:style>
+          <a:lnRef idx="3">
+            <a:schemeClr val="lt1"/>
+          </a:lnRef>
+          <a:fillRef idx="1">
+            <a:schemeClr val="dk1"/>
+          </a:fillRef>
+          <a:effectRef idx="1">
+            <a:schemeClr val="dk1"/>
+          </a:effectRef>
+          <a:fontRef idx="minor">
+            <a:schemeClr val="lt1"/>
+          </a:fontRef>
+        </p:style>
+        <p:txBody>
+          <a:bodyPr wrap="square">
+            <a:spAutoFit/>
+          </a:bodyPr>
+          <a:lstStyle/>
+          <a:p>
+            <a:r>
+              <a:rPr lang="en-US" sz="3200" dirty="0"/>
+              <a:t>Category Influence over Time</a:t>
+            </a:r>
+          </a:p>
+        </p:txBody>
+      </p:sp>
+      <p:sp>
+        <p:nvSpPr>
+          <p:cNvPr id="12" name="Rectangle 11">
+            <a:extLst>
+              <a:ext uri="{FF2B5EF4-FFF2-40B4-BE49-F238E27FC236}">
+                <a16:creationId xmlns:a16="http://schemas.microsoft.com/office/drawing/2014/main" id="{F6AFDE6F-F281-4385-9AC1-59F5E0FF43A9}"/>
+              </a:ext>
+            </a:extLst>
+          </p:cNvPr>
+          <p:cNvSpPr/>
+          <p:nvPr/>
+        </p:nvSpPr>
+        <p:spPr>
+          <a:xfrm>
+            <a:off x="606056" y="3429000"/>
+            <a:ext cx="5489944" cy="584775"/>
+          </a:xfrm>
+          <a:prstGeom prst="rect">
+            <a:avLst/>
+          </a:prstGeom>
+          <a:solidFill>
+            <a:schemeClr val="bg1">
+              <a:lumMod val="85000"/>
+              <a:lumOff val="15000"/>
+            </a:schemeClr>
+          </a:solidFill>
+          <a:effectLst>
+            <a:outerShdw blurRad="50800" dist="38100" dir="2700000" algn="tl" rotWithShape="0">
+              <a:prstClr val="black">
+                <a:alpha val="40000"/>
+              </a:prstClr>
+            </a:outerShdw>
+          </a:effectLst>
+        </p:spPr>
+        <p:style>
+          <a:lnRef idx="3">
+            <a:schemeClr val="lt1"/>
+          </a:lnRef>
+          <a:fillRef idx="1">
+            <a:schemeClr val="dk1"/>
+          </a:fillRef>
+          <a:effectRef idx="1">
+            <a:schemeClr val="dk1"/>
+          </a:effectRef>
+          <a:fontRef idx="minor">
+            <a:schemeClr val="lt1"/>
+          </a:fontRef>
+        </p:style>
+        <p:txBody>
+          <a:bodyPr wrap="square">
+            <a:spAutoFit/>
+          </a:bodyPr>
+          <a:lstStyle/>
+          <a:p>
+            <a:r>
+              <a:rPr lang="en-US" sz="3200" dirty="0"/>
+              <a:t>Category + Gun-friendliness</a:t>
+            </a:r>
+          </a:p>
+        </p:txBody>
+      </p:sp>
+      <p:sp>
+        <p:nvSpPr>
+          <p:cNvPr id="13" name="Rectangle 12">
+            <a:extLst>
+              <a:ext uri="{FF2B5EF4-FFF2-40B4-BE49-F238E27FC236}">
+                <a16:creationId xmlns:a16="http://schemas.microsoft.com/office/drawing/2014/main" id="{DE57363B-D34F-4498-8E1A-0BE8653EC034}"/>
+              </a:ext>
+            </a:extLst>
+          </p:cNvPr>
+          <p:cNvSpPr/>
+          <p:nvPr/>
+        </p:nvSpPr>
+        <p:spPr>
+          <a:xfrm>
+            <a:off x="6095999" y="2844224"/>
+            <a:ext cx="5621079" cy="584775"/>
+          </a:xfrm>
+          <a:prstGeom prst="rect">
+            <a:avLst/>
+          </a:prstGeom>
+          <a:solidFill>
+            <a:schemeClr val="bg1">
+              <a:lumMod val="85000"/>
+              <a:lumOff val="15000"/>
+            </a:schemeClr>
+          </a:solidFill>
+          <a:effectLst>
+            <a:outerShdw blurRad="50800" dist="38100" dir="2700000" algn="tl" rotWithShape="0">
+              <a:prstClr val="black">
+                <a:alpha val="40000"/>
+              </a:prstClr>
+            </a:outerShdw>
+          </a:effectLst>
+        </p:spPr>
+        <p:style>
+          <a:lnRef idx="3">
+            <a:schemeClr val="lt1"/>
+          </a:lnRef>
+          <a:fillRef idx="1">
+            <a:schemeClr val="dk1"/>
+          </a:fillRef>
+          <a:effectRef idx="1">
+            <a:schemeClr val="dk1"/>
+          </a:effectRef>
+          <a:fontRef idx="minor">
+            <a:schemeClr val="lt1"/>
+          </a:fontRef>
+        </p:style>
+        <p:txBody>
+          <a:bodyPr wrap="square">
+            <a:spAutoFit/>
+          </a:bodyPr>
+          <a:lstStyle/>
+          <a:p>
+            <a:r>
+              <a:rPr lang="en-US" sz="3200" dirty="0"/>
+              <a:t>Components of Gun-friendliness</a:t>
+            </a:r>
+          </a:p>
+        </p:txBody>
+      </p:sp>
+      <p:sp>
+        <p:nvSpPr>
+          <p:cNvPr id="14" name="Rectangle 13">
+            <a:extLst>
+              <a:ext uri="{FF2B5EF4-FFF2-40B4-BE49-F238E27FC236}">
+                <a16:creationId xmlns:a16="http://schemas.microsoft.com/office/drawing/2014/main" id="{0087B223-A5B6-41F7-A4B5-E0D17E31225E}"/>
+              </a:ext>
+            </a:extLst>
+          </p:cNvPr>
+          <p:cNvSpPr/>
+          <p:nvPr/>
+        </p:nvSpPr>
+        <p:spPr>
+          <a:xfrm>
+            <a:off x="6096000" y="3428999"/>
+            <a:ext cx="5621078" cy="584775"/>
+          </a:xfrm>
+          <a:prstGeom prst="rect">
+            <a:avLst/>
+          </a:prstGeom>
+          <a:solidFill>
+            <a:schemeClr val="bg1">
+              <a:lumMod val="85000"/>
+              <a:lumOff val="15000"/>
+            </a:schemeClr>
+          </a:solidFill>
+          <a:effectLst>
+            <a:outerShdw blurRad="50800" dist="38100" dir="2700000" algn="tl" rotWithShape="0">
+              <a:prstClr val="black">
+                <a:alpha val="40000"/>
+              </a:prstClr>
+            </a:outerShdw>
+          </a:effectLst>
+        </p:spPr>
+        <p:style>
+          <a:lnRef idx="3">
+            <a:schemeClr val="lt1"/>
+          </a:lnRef>
+          <a:fillRef idx="1">
+            <a:schemeClr val="dk1"/>
+          </a:fillRef>
+          <a:effectRef idx="1">
+            <a:schemeClr val="dk1"/>
+          </a:effectRef>
+          <a:fontRef idx="minor">
+            <a:schemeClr val="lt1"/>
+          </a:fontRef>
+        </p:style>
+        <p:txBody>
+          <a:bodyPr wrap="square">
+            <a:spAutoFit/>
+          </a:bodyPr>
+          <a:lstStyle/>
+          <a:p>
+            <a:r>
+              <a:rPr lang="en-US" sz="3200" dirty="0"/>
+              <a:t>Social-related</a:t>
+            </a:r>
+          </a:p>
+        </p:txBody>
+      </p:sp>
+    </p:spTree>
+    <p:extLst>
+      <p:ext uri="{BB962C8B-B14F-4D97-AF65-F5344CB8AC3E}">
+        <p14:creationId xmlns:p14="http://schemas.microsoft.com/office/powerpoint/2010/main" val="4213486619"/>
+      </p:ext>
+    </p:extLst>
+  </p:cSld>
+  <p:clrMapOvr>
+    <a:masterClrMapping/>
+  </p:clrMapOvr>
+  <p:timing>
+    <p:tnLst>
+      <p:par>
+        <p:cTn id="1" dur="indefinite" restart="never" nodeType="tmRoot">
+          <p:childTnLst>
+            <p:seq concurrent="1" nextAc="seek">
+              <p:cTn id="2" dur="indefinite" nodeType="mainSeq">
+                <p:childTnLst>
+                  <p:par>
+                    <p:cTn id="3" fill="hold">
+                      <p:stCondLst>
+                        <p:cond delay="indefinite"/>
+                        <p:cond evt="onBegin" delay="0">
+                          <p:tn val="2"/>
+                        </p:cond>
+                      </p:stCondLst>
+                      <p:childTnLst>
+                        <p:par>
+                          <p:cTn id="4" fill="hold">
+                            <p:stCondLst>
+                              <p:cond delay="0"/>
+                            </p:stCondLst>
+                            <p:childTnLst>
+                              <p:par>
+                                <p:cTn id="5" presetID="47" presetClass="entr" presetSubtype="0" fill="hold" grpId="0" nodeType="withEffect">
+                                  <p:stCondLst>
+                                    <p:cond delay="0"/>
+                                  </p:stCondLst>
+                                  <p:childTnLst>
+                                    <p:set>
+                                      <p:cBhvr>
+                                        <p:cTn id="6" dur="1" fill="hold">
+                                          <p:stCondLst>
+                                            <p:cond delay="0"/>
+                                          </p:stCondLst>
+                                        </p:cTn>
+                                        <p:tgtEl>
+                                          <p:spTgt spid="9"/>
+                                        </p:tgtEl>
+                                        <p:attrNameLst>
+                                          <p:attrName>style.visibility</p:attrName>
+                                        </p:attrNameLst>
+                                      </p:cBhvr>
+                                      <p:to>
+                                        <p:strVal val="visible"/>
+                                      </p:to>
+                                    </p:set>
+                                    <p:animEffect transition="in" filter="fade">
+                                      <p:cBhvr>
+                                        <p:cTn id="7" dur="1000"/>
+                                        <p:tgtEl>
+                                          <p:spTgt spid="9"/>
+                                        </p:tgtEl>
+                                      </p:cBhvr>
+                                    </p:animEffect>
+                                    <p:anim calcmode="lin" valueType="num">
+                                      <p:cBhvr>
+                                        <p:cTn id="8" dur="1000" fill="hold"/>
+                                        <p:tgtEl>
+                                          <p:spTgt spid="9"/>
+                                        </p:tgtEl>
+                                        <p:attrNameLst>
+                                          <p:attrName>ppt_x</p:attrName>
+                                        </p:attrNameLst>
+                                      </p:cBhvr>
+                                      <p:tavLst>
+                                        <p:tav tm="0">
+                                          <p:val>
+                                            <p:strVal val="#ppt_x"/>
+                                          </p:val>
+                                        </p:tav>
+                                        <p:tav tm="100000">
+                                          <p:val>
+                                            <p:strVal val="#ppt_x"/>
+                                          </p:val>
+                                        </p:tav>
+                                      </p:tavLst>
+                                    </p:anim>
+                                    <p:anim calcmode="lin" valueType="num">
+                                      <p:cBhvr>
+                                        <p:cTn id="9" dur="1000" fill="hold"/>
+                                        <p:tgtEl>
+                                          <p:spTgt spid="9"/>
+                                        </p:tgtEl>
+                                        <p:attrNameLst>
+                                          <p:attrName>ppt_y</p:attrName>
+                                        </p:attrNameLst>
+                                      </p:cBhvr>
+                                      <p:tavLst>
+                                        <p:tav tm="0">
+                                          <p:val>
+                                            <p:strVal val="#ppt_y-.1"/>
+                                          </p:val>
+                                        </p:tav>
+                                        <p:tav tm="100000">
+                                          <p:val>
+                                            <p:strVal val="#ppt_y"/>
+                                          </p:val>
+                                        </p:tav>
+                                      </p:tavLst>
+                                    </p:anim>
+                                  </p:childTnLst>
+                                </p:cTn>
+                              </p:par>
+                            </p:childTnLst>
+                          </p:cTn>
+                        </p:par>
+                      </p:childTnLst>
+                    </p:cTn>
+                  </p:par>
+                  <p:par>
+                    <p:cTn id="10" fill="hold">
+                      <p:stCondLst>
+                        <p:cond delay="indefinite"/>
+                      </p:stCondLst>
+                      <p:childTnLst>
+                        <p:par>
+                          <p:cTn id="11" fill="hold">
+                            <p:stCondLst>
+                              <p:cond delay="0"/>
+                            </p:stCondLst>
+                            <p:childTnLst>
+                              <p:par>
+                                <p:cTn id="12" presetID="2" presetClass="entr" presetSubtype="9" fill="hold" grpId="0" nodeType="clickEffect">
+                                  <p:stCondLst>
+                                    <p:cond delay="0"/>
+                                  </p:stCondLst>
+                                  <p:childTnLst>
+                                    <p:set>
+                                      <p:cBhvr>
+                                        <p:cTn id="13" dur="1" fill="hold">
+                                          <p:stCondLst>
+                                            <p:cond delay="0"/>
+                                          </p:stCondLst>
+                                        </p:cTn>
+                                        <p:tgtEl>
+                                          <p:spTgt spid="11"/>
+                                        </p:tgtEl>
+                                        <p:attrNameLst>
+                                          <p:attrName>style.visibility</p:attrName>
+                                        </p:attrNameLst>
+                                      </p:cBhvr>
+                                      <p:to>
+                                        <p:strVal val="visible"/>
+                                      </p:to>
+                                    </p:set>
+                                    <p:anim calcmode="lin" valueType="num">
+                                      <p:cBhvr additive="base">
+                                        <p:cTn id="14" dur="500" fill="hold"/>
+                                        <p:tgtEl>
+                                          <p:spTgt spid="11"/>
+                                        </p:tgtEl>
+                                        <p:attrNameLst>
+                                          <p:attrName>ppt_x</p:attrName>
+                                        </p:attrNameLst>
+                                      </p:cBhvr>
+                                      <p:tavLst>
+                                        <p:tav tm="0">
+                                          <p:val>
+                                            <p:strVal val="0-#ppt_w/2"/>
+                                          </p:val>
+                                        </p:tav>
+                                        <p:tav tm="100000">
+                                          <p:val>
+                                            <p:strVal val="#ppt_x"/>
+                                          </p:val>
+                                        </p:tav>
+                                      </p:tavLst>
+                                    </p:anim>
+                                    <p:anim calcmode="lin" valueType="num">
+                                      <p:cBhvr additive="base">
+                                        <p:cTn id="15" dur="500" fill="hold"/>
+                                        <p:tgtEl>
+                                          <p:spTgt spid="11"/>
+                                        </p:tgtEl>
+                                        <p:attrNameLst>
+                                          <p:attrName>ppt_y</p:attrName>
+                                        </p:attrNameLst>
+                                      </p:cBhvr>
+                                      <p:tavLst>
+                                        <p:tav tm="0">
+                                          <p:val>
+                                            <p:strVal val="0-#ppt_h/2"/>
+                                          </p:val>
+                                        </p:tav>
+                                        <p:tav tm="100000">
+                                          <p:val>
+                                            <p:strVal val="#ppt_y"/>
+                                          </p:val>
+                                        </p:tav>
+                                      </p:tavLst>
+                                    </p:anim>
+                                  </p:childTnLst>
+                                </p:cTn>
+                              </p:par>
+                              <p:par>
+                                <p:cTn id="16" presetID="2" presetClass="entr" presetSubtype="12" fill="hold" grpId="0" nodeType="withEffect">
+                                  <p:stCondLst>
+                                    <p:cond delay="0"/>
+                                  </p:stCondLst>
+                                  <p:childTnLst>
+                                    <p:set>
+                                      <p:cBhvr>
+                                        <p:cTn id="17" dur="1" fill="hold">
+                                          <p:stCondLst>
+                                            <p:cond delay="0"/>
+                                          </p:stCondLst>
+                                        </p:cTn>
+                                        <p:tgtEl>
+                                          <p:spTgt spid="12"/>
+                                        </p:tgtEl>
+                                        <p:attrNameLst>
+                                          <p:attrName>style.visibility</p:attrName>
+                                        </p:attrNameLst>
+                                      </p:cBhvr>
+                                      <p:to>
+                                        <p:strVal val="visible"/>
+                                      </p:to>
+                                    </p:set>
+                                    <p:anim calcmode="lin" valueType="num">
+                                      <p:cBhvr additive="base">
+                                        <p:cTn id="18" dur="500" fill="hold"/>
+                                        <p:tgtEl>
+                                          <p:spTgt spid="12"/>
+                                        </p:tgtEl>
+                                        <p:attrNameLst>
+                                          <p:attrName>ppt_x</p:attrName>
+                                        </p:attrNameLst>
+                                      </p:cBhvr>
+                                      <p:tavLst>
+                                        <p:tav tm="0">
+                                          <p:val>
+                                            <p:strVal val="0-#ppt_w/2"/>
+                                          </p:val>
+                                        </p:tav>
+                                        <p:tav tm="100000">
+                                          <p:val>
+                                            <p:strVal val="#ppt_x"/>
+                                          </p:val>
+                                        </p:tav>
+                                      </p:tavLst>
+                                    </p:anim>
+                                    <p:anim calcmode="lin" valueType="num">
+                                      <p:cBhvr additive="base">
+                                        <p:cTn id="19" dur="500" fill="hold"/>
+                                        <p:tgtEl>
+                                          <p:spTgt spid="12"/>
+                                        </p:tgtEl>
+                                        <p:attrNameLst>
+                                          <p:attrName>ppt_y</p:attrName>
+                                        </p:attrNameLst>
+                                      </p:cBhvr>
+                                      <p:tavLst>
+                                        <p:tav tm="0">
+                                          <p:val>
+                                            <p:strVal val="1+#ppt_h/2"/>
+                                          </p:val>
+                                        </p:tav>
+                                        <p:tav tm="100000">
+                                          <p:val>
+                                            <p:strVal val="#ppt_y"/>
+                                          </p:val>
+                                        </p:tav>
+                                      </p:tavLst>
+                                    </p:anim>
+                                  </p:childTnLst>
+                                </p:cTn>
+                              </p:par>
+                              <p:par>
+                                <p:cTn id="20" presetID="2" presetClass="entr" presetSubtype="3" fill="hold" grpId="0" nodeType="withEffect">
+                                  <p:stCondLst>
+                                    <p:cond delay="0"/>
+                                  </p:stCondLst>
+                                  <p:childTnLst>
+                                    <p:set>
+                                      <p:cBhvr>
+                                        <p:cTn id="21" dur="1" fill="hold">
+                                          <p:stCondLst>
+                                            <p:cond delay="0"/>
+                                          </p:stCondLst>
+                                        </p:cTn>
+                                        <p:tgtEl>
+                                          <p:spTgt spid="13"/>
+                                        </p:tgtEl>
+                                        <p:attrNameLst>
+                                          <p:attrName>style.visibility</p:attrName>
+                                        </p:attrNameLst>
+                                      </p:cBhvr>
+                                      <p:to>
+                                        <p:strVal val="visible"/>
+                                      </p:to>
+                                    </p:set>
+                                    <p:anim calcmode="lin" valueType="num">
+                                      <p:cBhvr additive="base">
+                                        <p:cTn id="22" dur="500" fill="hold"/>
+                                        <p:tgtEl>
+                                          <p:spTgt spid="13"/>
+                                        </p:tgtEl>
+                                        <p:attrNameLst>
+                                          <p:attrName>ppt_x</p:attrName>
+                                        </p:attrNameLst>
+                                      </p:cBhvr>
+                                      <p:tavLst>
+                                        <p:tav tm="0">
+                                          <p:val>
+                                            <p:strVal val="1+#ppt_w/2"/>
+                                          </p:val>
+                                        </p:tav>
+                                        <p:tav tm="100000">
+                                          <p:val>
+                                            <p:strVal val="#ppt_x"/>
+                                          </p:val>
+                                        </p:tav>
+                                      </p:tavLst>
+                                    </p:anim>
+                                    <p:anim calcmode="lin" valueType="num">
+                                      <p:cBhvr additive="base">
+                                        <p:cTn id="23" dur="500" fill="hold"/>
+                                        <p:tgtEl>
+                                          <p:spTgt spid="13"/>
+                                        </p:tgtEl>
+                                        <p:attrNameLst>
+                                          <p:attrName>ppt_y</p:attrName>
+                                        </p:attrNameLst>
+                                      </p:cBhvr>
+                                      <p:tavLst>
+                                        <p:tav tm="0">
+                                          <p:val>
+                                            <p:strVal val="0-#ppt_h/2"/>
+                                          </p:val>
+                                        </p:tav>
+                                        <p:tav tm="100000">
+                                          <p:val>
+                                            <p:strVal val="#ppt_y"/>
+                                          </p:val>
+                                        </p:tav>
+                                      </p:tavLst>
+                                    </p:anim>
+                                  </p:childTnLst>
+                                </p:cTn>
+                              </p:par>
+                              <p:par>
+                                <p:cTn id="24" presetID="2" presetClass="entr" presetSubtype="6" fill="hold" grpId="0" nodeType="withEffect">
+                                  <p:stCondLst>
+                                    <p:cond delay="0"/>
+                                  </p:stCondLst>
+                                  <p:childTnLst>
+                                    <p:set>
+                                      <p:cBhvr>
+                                        <p:cTn id="25" dur="1" fill="hold">
+                                          <p:stCondLst>
+                                            <p:cond delay="0"/>
+                                          </p:stCondLst>
+                                        </p:cTn>
+                                        <p:tgtEl>
+                                          <p:spTgt spid="14"/>
+                                        </p:tgtEl>
+                                        <p:attrNameLst>
+                                          <p:attrName>style.visibility</p:attrName>
+                                        </p:attrNameLst>
+                                      </p:cBhvr>
+                                      <p:to>
+                                        <p:strVal val="visible"/>
+                                      </p:to>
+                                    </p:set>
+                                    <p:anim calcmode="lin" valueType="num">
+                                      <p:cBhvr additive="base">
+                                        <p:cTn id="26" dur="500" fill="hold"/>
+                                        <p:tgtEl>
+                                          <p:spTgt spid="14"/>
+                                        </p:tgtEl>
+                                        <p:attrNameLst>
+                                          <p:attrName>ppt_x</p:attrName>
+                                        </p:attrNameLst>
+                                      </p:cBhvr>
+                                      <p:tavLst>
+                                        <p:tav tm="0">
+                                          <p:val>
+                                            <p:strVal val="1+#ppt_w/2"/>
+                                          </p:val>
+                                        </p:tav>
+                                        <p:tav tm="100000">
+                                          <p:val>
+                                            <p:strVal val="#ppt_x"/>
+                                          </p:val>
+                                        </p:tav>
+                                      </p:tavLst>
+                                    </p:anim>
+                                    <p:anim calcmode="lin" valueType="num">
+                                      <p:cBhvr additive="base">
+                                        <p:cTn id="27" dur="500" fill="hold"/>
+                                        <p:tgtEl>
+                                          <p:spTgt spid="14"/>
+                                        </p:tgtEl>
+                                        <p:attrNameLst>
+                                          <p:attrName>ppt_y</p:attrName>
+                                        </p:attrNameLst>
+                                      </p:cBhvr>
+                                      <p:tavLst>
+                                        <p:tav tm="0">
+                                          <p:val>
+                                            <p:strVal val="1+#ppt_h/2"/>
+                                          </p:val>
+                                        </p:tav>
+                                        <p:tav tm="100000">
+                                          <p:val>
+                                            <p:strVal val="#ppt_y"/>
+                                          </p:val>
+                                        </p:tav>
+                                      </p:tavLst>
+                                    </p:anim>
+                                  </p:childTnLst>
+                                </p:cTn>
+                              </p:par>
+                            </p:childTnLst>
+                          </p:cTn>
+                        </p:par>
+                      </p:childTnLst>
+                    </p:cTn>
+                  </p:par>
+                </p:childTnLst>
+              </p:cTn>
+              <p:prevCondLst>
+                <p:cond evt="onPrev" delay="0">
+                  <p:tgtEl>
+                    <p:sldTgt/>
+                  </p:tgtEl>
+                </p:cond>
+              </p:prevCondLst>
+              <p:nextCondLst>
+                <p:cond evt="onNext" delay="0">
+                  <p:tgtEl>
+                    <p:sldTgt/>
+                  </p:tgtEl>
+                </p:cond>
+              </p:nextCondLst>
+            </p:seq>
+          </p:childTnLst>
+        </p:cTn>
+      </p:par>
+    </p:tnLst>
+    <p:bldLst>
+      <p:bldP spid="9" grpId="0"/>
+      <p:bldP spid="11" grpId="0" animBg="1"/>
+      <p:bldP spid="12" grpId="0" animBg="1"/>
+      <p:bldP spid="13" grpId="0" animBg="1"/>
+      <p:bldP spid="14" grpId="0" animBg="1"/>
+    </p:bldLst>
+  </p:timing>
+</p:sld>
+</file>
+
+<file path=ppt/slides/slide16.xml><?xml version="1.0" encoding="utf-8"?>
 <p:sld xmlns:a="http://schemas.openxmlformats.org/drawingml/2006/main" xmlns:r="http://schemas.openxmlformats.org/officeDocument/2006/relationships" xmlns:p="http://schemas.openxmlformats.org/presentationml/2006/main">
   <p:cSld>
     <p:bg>
@@ -21597,6 +23103,2482 @@
         </p:nvSpPr>
         <p:spPr>
           <a:xfrm>
+            <a:off x="838200" y="2"/>
+            <a:ext cx="10515600" cy="1110342"/>
+          </a:xfrm>
+        </p:spPr>
+        <p:txBody>
+          <a:bodyPr/>
+          <a:lstStyle/>
+          <a:p>
+            <a:pPr algn="ctr"/>
+            <a:r>
+              <a:rPr lang="en-US" dirty="0"/>
+              <a:t>WHAT ELSE DO WE HAVE?</a:t>
+            </a:r>
+          </a:p>
+        </p:txBody>
+      </p:sp>
+      <p:grpSp>
+        <p:nvGrpSpPr>
+          <p:cNvPr id="19" name="Group 18">
+            <a:extLst>
+              <a:ext uri="{FF2B5EF4-FFF2-40B4-BE49-F238E27FC236}">
+                <a16:creationId xmlns:a16="http://schemas.microsoft.com/office/drawing/2014/main" id="{BBA6F053-3E3A-4F10-972B-6279F3F2319B}"/>
+              </a:ext>
+            </a:extLst>
+          </p:cNvPr>
+          <p:cNvGrpSpPr/>
+          <p:nvPr/>
+        </p:nvGrpSpPr>
+        <p:grpSpPr>
+          <a:xfrm>
+            <a:off x="398105" y="807067"/>
+            <a:ext cx="9698395" cy="5276411"/>
+            <a:chOff x="398105" y="807067"/>
+            <a:chExt cx="9698395" cy="5276411"/>
+          </a:xfrm>
+        </p:grpSpPr>
+        <p:sp>
+          <p:nvSpPr>
+            <p:cNvPr id="23" name="Content Placeholder 2">
+              <a:extLst>
+                <a:ext uri="{FF2B5EF4-FFF2-40B4-BE49-F238E27FC236}">
+                  <a16:creationId xmlns:a16="http://schemas.microsoft.com/office/drawing/2014/main" id="{41481CCE-9611-4D9E-AB4F-294F23F9C23C}"/>
+                </a:ext>
+              </a:extLst>
+            </p:cNvPr>
+            <p:cNvSpPr txBox="1">
+              <a:spLocks/>
+            </p:cNvSpPr>
+            <p:nvPr/>
+          </p:nvSpPr>
+          <p:spPr>
+            <a:xfrm>
+              <a:off x="398105" y="807067"/>
+              <a:ext cx="5774095" cy="606554"/>
+            </a:xfrm>
+            <a:prstGeom prst="rect">
+              <a:avLst/>
+            </a:prstGeom>
+          </p:spPr>
+          <p:txBody>
+            <a:bodyPr vert="horz" lIns="91440" tIns="45720" rIns="91440" bIns="45720" rtlCol="0">
+              <a:normAutofit/>
+            </a:bodyPr>
+            <a:lstStyle>
+              <a:lvl1pPr marL="228600" indent="-228600" algn="l" defTabSz="914400" rtl="0" eaLnBrk="1" latinLnBrk="0" hangingPunct="1">
+                <a:lnSpc>
+                  <a:spcPct val="90000"/>
+                </a:lnSpc>
+                <a:spcBef>
+                  <a:spcPts val="1000"/>
+                </a:spcBef>
+                <a:buFont typeface="Arial" panose="020B0604020202020204" pitchFamily="34" charset="0"/>
+                <a:buChar char="•"/>
+                <a:defRPr sz="2800" kern="1200">
+                  <a:solidFill>
+                    <a:schemeClr val="tx1"/>
+                  </a:solidFill>
+                  <a:latin typeface="+mn-lt"/>
+                  <a:ea typeface="+mn-ea"/>
+                  <a:cs typeface="+mn-cs"/>
+                </a:defRPr>
+              </a:lvl1pPr>
+              <a:lvl2pPr marL="685800" indent="-228600" algn="l" defTabSz="914400" rtl="0" eaLnBrk="1" latinLnBrk="0" hangingPunct="1">
+                <a:lnSpc>
+                  <a:spcPct val="90000"/>
+                </a:lnSpc>
+                <a:spcBef>
+                  <a:spcPts val="500"/>
+                </a:spcBef>
+                <a:buFont typeface="Arial" panose="020B0604020202020204" pitchFamily="34" charset="0"/>
+                <a:buChar char="•"/>
+                <a:defRPr sz="2400" kern="1200">
+                  <a:solidFill>
+                    <a:schemeClr val="tx1"/>
+                  </a:solidFill>
+                  <a:latin typeface="+mn-lt"/>
+                  <a:ea typeface="+mn-ea"/>
+                  <a:cs typeface="+mn-cs"/>
+                </a:defRPr>
+              </a:lvl2pPr>
+              <a:lvl3pPr marL="1143000" indent="-228600" algn="l" defTabSz="914400" rtl="0" eaLnBrk="1" latinLnBrk="0" hangingPunct="1">
+                <a:lnSpc>
+                  <a:spcPct val="90000"/>
+                </a:lnSpc>
+                <a:spcBef>
+                  <a:spcPts val="500"/>
+                </a:spcBef>
+                <a:buFont typeface="Arial" panose="020B0604020202020204" pitchFamily="34" charset="0"/>
+                <a:buChar char="•"/>
+                <a:defRPr sz="2000" kern="1200">
+                  <a:solidFill>
+                    <a:schemeClr val="tx1"/>
+                  </a:solidFill>
+                  <a:latin typeface="+mn-lt"/>
+                  <a:ea typeface="+mn-ea"/>
+                  <a:cs typeface="+mn-cs"/>
+                </a:defRPr>
+              </a:lvl3pPr>
+              <a:lvl4pPr marL="1600200" indent="-228600" algn="l" defTabSz="914400" rtl="0" eaLnBrk="1" latinLnBrk="0" hangingPunct="1">
+                <a:lnSpc>
+                  <a:spcPct val="90000"/>
+                </a:lnSpc>
+                <a:spcBef>
+                  <a:spcPts val="500"/>
+                </a:spcBef>
+                <a:buFont typeface="Arial" panose="020B0604020202020204" pitchFamily="34" charset="0"/>
+                <a:buChar char="•"/>
+                <a:defRPr sz="1800" kern="1200">
+                  <a:solidFill>
+                    <a:schemeClr val="tx1"/>
+                  </a:solidFill>
+                  <a:latin typeface="+mn-lt"/>
+                  <a:ea typeface="+mn-ea"/>
+                  <a:cs typeface="+mn-cs"/>
+                </a:defRPr>
+              </a:lvl4pPr>
+              <a:lvl5pPr marL="2057400" indent="-228600" algn="l" defTabSz="914400" rtl="0" eaLnBrk="1" latinLnBrk="0" hangingPunct="1">
+                <a:lnSpc>
+                  <a:spcPct val="90000"/>
+                </a:lnSpc>
+                <a:spcBef>
+                  <a:spcPts val="500"/>
+                </a:spcBef>
+                <a:buFont typeface="Arial" panose="020B0604020202020204" pitchFamily="34" charset="0"/>
+                <a:buChar char="•"/>
+                <a:defRPr sz="1800" kern="1200">
+                  <a:solidFill>
+                    <a:schemeClr val="tx1"/>
+                  </a:solidFill>
+                  <a:latin typeface="+mn-lt"/>
+                  <a:ea typeface="+mn-ea"/>
+                  <a:cs typeface="+mn-cs"/>
+                </a:defRPr>
+              </a:lvl5pPr>
+              <a:lvl6pPr marL="2514600" indent="-228600" algn="l" defTabSz="914400" rtl="0" eaLnBrk="1" latinLnBrk="0" hangingPunct="1">
+                <a:lnSpc>
+                  <a:spcPct val="90000"/>
+                </a:lnSpc>
+                <a:spcBef>
+                  <a:spcPts val="500"/>
+                </a:spcBef>
+                <a:buFont typeface="Arial" panose="020B0604020202020204" pitchFamily="34" charset="0"/>
+                <a:buChar char="•"/>
+                <a:defRPr sz="1800" kern="1200">
+                  <a:solidFill>
+                    <a:schemeClr val="tx1"/>
+                  </a:solidFill>
+                  <a:latin typeface="+mn-lt"/>
+                  <a:ea typeface="+mn-ea"/>
+                  <a:cs typeface="+mn-cs"/>
+                </a:defRPr>
+              </a:lvl6pPr>
+              <a:lvl7pPr marL="2971800" indent="-228600" algn="l" defTabSz="914400" rtl="0" eaLnBrk="1" latinLnBrk="0" hangingPunct="1">
+                <a:lnSpc>
+                  <a:spcPct val="90000"/>
+                </a:lnSpc>
+                <a:spcBef>
+                  <a:spcPts val="500"/>
+                </a:spcBef>
+                <a:buFont typeface="Arial" panose="020B0604020202020204" pitchFamily="34" charset="0"/>
+                <a:buChar char="•"/>
+                <a:defRPr sz="1800" kern="1200">
+                  <a:solidFill>
+                    <a:schemeClr val="tx1"/>
+                  </a:solidFill>
+                  <a:latin typeface="+mn-lt"/>
+                  <a:ea typeface="+mn-ea"/>
+                  <a:cs typeface="+mn-cs"/>
+                </a:defRPr>
+              </a:lvl7pPr>
+              <a:lvl8pPr marL="3429000" indent="-228600" algn="l" defTabSz="914400" rtl="0" eaLnBrk="1" latinLnBrk="0" hangingPunct="1">
+                <a:lnSpc>
+                  <a:spcPct val="90000"/>
+                </a:lnSpc>
+                <a:spcBef>
+                  <a:spcPts val="500"/>
+                </a:spcBef>
+                <a:buFont typeface="Arial" panose="020B0604020202020204" pitchFamily="34" charset="0"/>
+                <a:buChar char="•"/>
+                <a:defRPr sz="1800" kern="1200">
+                  <a:solidFill>
+                    <a:schemeClr val="tx1"/>
+                  </a:solidFill>
+                  <a:latin typeface="+mn-lt"/>
+                  <a:ea typeface="+mn-ea"/>
+                  <a:cs typeface="+mn-cs"/>
+                </a:defRPr>
+              </a:lvl8pPr>
+              <a:lvl9pPr marL="3886200" indent="-228600" algn="l" defTabSz="914400" rtl="0" eaLnBrk="1" latinLnBrk="0" hangingPunct="1">
+                <a:lnSpc>
+                  <a:spcPct val="90000"/>
+                </a:lnSpc>
+                <a:spcBef>
+                  <a:spcPts val="500"/>
+                </a:spcBef>
+                <a:buFont typeface="Arial" panose="020B0604020202020204" pitchFamily="34" charset="0"/>
+                <a:buChar char="•"/>
+                <a:defRPr sz="1800" kern="1200">
+                  <a:solidFill>
+                    <a:schemeClr val="tx1"/>
+                  </a:solidFill>
+                  <a:latin typeface="+mn-lt"/>
+                  <a:ea typeface="+mn-ea"/>
+                  <a:cs typeface="+mn-cs"/>
+                </a:defRPr>
+              </a:lvl9pPr>
+            </a:lstStyle>
+            <a:p>
+              <a:pPr marL="0" indent="0">
+                <a:lnSpc>
+                  <a:spcPct val="150000"/>
+                </a:lnSpc>
+                <a:buSzPct val="85000"/>
+                <a:buNone/>
+              </a:pPr>
+              <a:r>
+                <a:rPr lang="en-US" sz="2400" dirty="0"/>
+                <a:t>Census data can be loaded on the fly like this</a:t>
+              </a:r>
+            </a:p>
+          </p:txBody>
+        </p:sp>
+        <p:sp>
+          <p:nvSpPr>
+            <p:cNvPr id="3" name="Rectangle 2">
+              <a:extLst>
+                <a:ext uri="{FF2B5EF4-FFF2-40B4-BE49-F238E27FC236}">
+                  <a16:creationId xmlns:a16="http://schemas.microsoft.com/office/drawing/2014/main" id="{E4D45B34-C8B5-4538-AAC1-01C26EA48260}"/>
+                </a:ext>
+              </a:extLst>
+            </p:cNvPr>
+            <p:cNvSpPr/>
+            <p:nvPr/>
+          </p:nvSpPr>
+          <p:spPr>
+            <a:xfrm>
+              <a:off x="398105" y="1489821"/>
+              <a:ext cx="9698395" cy="3231654"/>
+            </a:xfrm>
+            <a:prstGeom prst="rect">
+              <a:avLst/>
+            </a:prstGeom>
+            <a:solidFill>
+              <a:schemeClr val="bg1"/>
+            </a:solidFill>
+          </p:spPr>
+          <p:txBody>
+            <a:bodyPr wrap="square">
+              <a:spAutoFit/>
+            </a:bodyPr>
+            <a:lstStyle/>
+            <a:p>
+              <a:r>
+                <a:rPr lang="en-US" sz="1200" dirty="0" err="1">
+                  <a:solidFill>
+                    <a:srgbClr val="D4D4D4"/>
+                  </a:solidFill>
+                  <a:latin typeface="Consolas" panose="020B0609020204030204" pitchFamily="49" charset="0"/>
+                </a:rPr>
+                <a:t>url</a:t>
+              </a:r>
+              <a:r>
+                <a:rPr lang="en-US" sz="1200" dirty="0">
+                  <a:solidFill>
+                    <a:srgbClr val="D4D4D4"/>
+                  </a:solidFill>
+                  <a:latin typeface="Consolas" panose="020B0609020204030204" pitchFamily="49" charset="0"/>
+                </a:rPr>
+                <a:t> = </a:t>
+              </a:r>
+              <a:r>
+                <a:rPr lang="en-US" sz="1200" dirty="0">
+                  <a:solidFill>
+                    <a:srgbClr val="CE9178"/>
+                  </a:solidFill>
+                  <a:latin typeface="Consolas" panose="020B0609020204030204" pitchFamily="49" charset="0"/>
+                </a:rPr>
+                <a:t>"https://api.census.gov/data/"</a:t>
+              </a:r>
+              <a:endParaRPr lang="en-US" sz="1200" dirty="0">
+                <a:solidFill>
+                  <a:srgbClr val="D4D4D4"/>
+                </a:solidFill>
+                <a:latin typeface="Consolas" panose="020B0609020204030204" pitchFamily="49" charset="0"/>
+              </a:endParaRPr>
+            </a:p>
+            <a:p>
+              <a:r>
+                <a:rPr lang="en-US" sz="1200" dirty="0" err="1">
+                  <a:solidFill>
+                    <a:srgbClr val="D4D4D4"/>
+                  </a:solidFill>
+                  <a:latin typeface="Consolas" panose="020B0609020204030204" pitchFamily="49" charset="0"/>
+                </a:rPr>
+                <a:t>api_key</a:t>
+              </a:r>
+              <a:r>
+                <a:rPr lang="en-US" sz="1200" dirty="0">
+                  <a:solidFill>
+                    <a:srgbClr val="D4D4D4"/>
+                  </a:solidFill>
+                  <a:latin typeface="Consolas" panose="020B0609020204030204" pitchFamily="49" charset="0"/>
+                </a:rPr>
+                <a:t> = </a:t>
+              </a:r>
+              <a:r>
+                <a:rPr lang="en-US" sz="1200" dirty="0">
+                  <a:solidFill>
+                    <a:srgbClr val="CE9178"/>
+                  </a:solidFill>
+                  <a:latin typeface="Consolas" panose="020B0609020204030204" pitchFamily="49" charset="0"/>
+                </a:rPr>
+                <a:t>“SECRET"</a:t>
+              </a:r>
+              <a:endParaRPr lang="en-US" sz="1200" dirty="0">
+                <a:solidFill>
+                  <a:srgbClr val="D4D4D4"/>
+                </a:solidFill>
+                <a:latin typeface="Consolas" panose="020B0609020204030204" pitchFamily="49" charset="0"/>
+              </a:endParaRPr>
+            </a:p>
+            <a:p>
+              <a:r>
+                <a:rPr lang="en-US" sz="1200" dirty="0">
+                  <a:solidFill>
+                    <a:srgbClr val="D4D4D4"/>
+                  </a:solidFill>
+                  <a:latin typeface="Consolas" panose="020B0609020204030204" pitchFamily="49" charset="0"/>
+                </a:rPr>
+                <a:t>years = [</a:t>
+              </a:r>
+              <a:r>
+                <a:rPr lang="en-US" sz="1200" dirty="0">
+                  <a:solidFill>
+                    <a:srgbClr val="B5CEA8"/>
+                  </a:solidFill>
+                  <a:latin typeface="Consolas" panose="020B0609020204030204" pitchFamily="49" charset="0"/>
+                </a:rPr>
+                <a:t>2013</a:t>
+              </a:r>
+              <a:r>
+                <a:rPr lang="en-US" sz="1200" dirty="0">
+                  <a:solidFill>
+                    <a:srgbClr val="D4D4D4"/>
+                  </a:solidFill>
+                  <a:latin typeface="Consolas" panose="020B0609020204030204" pitchFamily="49" charset="0"/>
+                </a:rPr>
+                <a:t>, </a:t>
+              </a:r>
+              <a:r>
+                <a:rPr lang="en-US" sz="1200" dirty="0">
+                  <a:solidFill>
+                    <a:srgbClr val="B5CEA8"/>
+                  </a:solidFill>
+                  <a:latin typeface="Consolas" panose="020B0609020204030204" pitchFamily="49" charset="0"/>
+                </a:rPr>
+                <a:t>2014</a:t>
+              </a:r>
+              <a:r>
+                <a:rPr lang="en-US" sz="1200" dirty="0">
+                  <a:solidFill>
+                    <a:srgbClr val="D4D4D4"/>
+                  </a:solidFill>
+                  <a:latin typeface="Consolas" panose="020B0609020204030204" pitchFamily="49" charset="0"/>
+                </a:rPr>
+                <a:t>, </a:t>
+              </a:r>
+              <a:r>
+                <a:rPr lang="en-US" sz="1200" dirty="0">
+                  <a:solidFill>
+                    <a:srgbClr val="B5CEA8"/>
+                  </a:solidFill>
+                  <a:latin typeface="Consolas" panose="020B0609020204030204" pitchFamily="49" charset="0"/>
+                </a:rPr>
+                <a:t>2015</a:t>
+              </a:r>
+              <a:r>
+                <a:rPr lang="en-US" sz="1200" dirty="0">
+                  <a:solidFill>
+                    <a:srgbClr val="D4D4D4"/>
+                  </a:solidFill>
+                  <a:latin typeface="Consolas" panose="020B0609020204030204" pitchFamily="49" charset="0"/>
+                </a:rPr>
+                <a:t>, </a:t>
+              </a:r>
+              <a:r>
+                <a:rPr lang="en-US" sz="1200" dirty="0">
+                  <a:solidFill>
+                    <a:srgbClr val="B5CEA8"/>
+                  </a:solidFill>
+                  <a:latin typeface="Consolas" panose="020B0609020204030204" pitchFamily="49" charset="0"/>
+                </a:rPr>
+                <a:t>2016</a:t>
+              </a:r>
+              <a:r>
+                <a:rPr lang="en-US" sz="1200" dirty="0">
+                  <a:solidFill>
+                    <a:srgbClr val="D4D4D4"/>
+                  </a:solidFill>
+                  <a:latin typeface="Consolas" panose="020B0609020204030204" pitchFamily="49" charset="0"/>
+                </a:rPr>
+                <a:t>, </a:t>
+              </a:r>
+              <a:r>
+                <a:rPr lang="en-US" sz="1200" dirty="0">
+                  <a:solidFill>
+                    <a:srgbClr val="B5CEA8"/>
+                  </a:solidFill>
+                  <a:latin typeface="Consolas" panose="020B0609020204030204" pitchFamily="49" charset="0"/>
+                </a:rPr>
+                <a:t>2017</a:t>
+              </a:r>
+              <a:r>
+                <a:rPr lang="en-US" sz="1200" dirty="0">
+                  <a:solidFill>
+                    <a:srgbClr val="D4D4D4"/>
+                  </a:solidFill>
+                  <a:latin typeface="Consolas" panose="020B0609020204030204" pitchFamily="49" charset="0"/>
+                </a:rPr>
+                <a:t>]</a:t>
+              </a:r>
+            </a:p>
+            <a:p>
+              <a:r>
+                <a:rPr lang="en-US" sz="1200" dirty="0">
+                  <a:solidFill>
+                    <a:srgbClr val="6A9955"/>
+                  </a:solidFill>
+                  <a:latin typeface="Consolas" panose="020B0609020204030204" pitchFamily="49" charset="0"/>
+                </a:rPr>
+                <a:t>#</a:t>
+              </a:r>
+              <a:r>
+                <a:rPr lang="en-US" sz="1200" dirty="0" err="1">
+                  <a:solidFill>
+                    <a:srgbClr val="6A9955"/>
+                  </a:solidFill>
+                  <a:latin typeface="Consolas" panose="020B0609020204030204" pitchFamily="49" charset="0"/>
+                </a:rPr>
+                <a:t>natstprc</a:t>
+              </a:r>
+              <a:r>
+                <a:rPr lang="en-US" sz="1200" dirty="0">
+                  <a:solidFill>
+                    <a:srgbClr val="6A9955"/>
+                  </a:solidFill>
+                  <a:latin typeface="Consolas" panose="020B0609020204030204" pitchFamily="49" charset="0"/>
+                </a:rPr>
+                <a:t>=2013-2014 population=2015-2017</a:t>
+              </a:r>
+              <a:endParaRPr lang="en-US" sz="1200" dirty="0">
+                <a:solidFill>
+                  <a:srgbClr val="D4D4D4"/>
+                </a:solidFill>
+                <a:latin typeface="Consolas" panose="020B0609020204030204" pitchFamily="49" charset="0"/>
+              </a:endParaRPr>
+            </a:p>
+            <a:p>
+              <a:r>
+                <a:rPr lang="en-US" sz="1200" dirty="0">
+                  <a:solidFill>
+                    <a:srgbClr val="D4D4D4"/>
+                  </a:solidFill>
+                  <a:latin typeface="Consolas" panose="020B0609020204030204" pitchFamily="49" charset="0"/>
+                </a:rPr>
+                <a:t>datasets = [</a:t>
+              </a:r>
+              <a:r>
+                <a:rPr lang="en-US" sz="1200" dirty="0">
+                  <a:solidFill>
+                    <a:srgbClr val="CE9178"/>
+                  </a:solidFill>
+                  <a:latin typeface="Consolas" panose="020B0609020204030204" pitchFamily="49" charset="0"/>
+                </a:rPr>
+                <a:t>"</a:t>
+              </a:r>
+              <a:r>
+                <a:rPr lang="en-US" sz="1200" dirty="0" err="1">
+                  <a:solidFill>
+                    <a:srgbClr val="CE9178"/>
+                  </a:solidFill>
+                  <a:latin typeface="Consolas" panose="020B0609020204030204" pitchFamily="49" charset="0"/>
+                </a:rPr>
+                <a:t>natstprc</a:t>
+              </a:r>
+              <a:r>
+                <a:rPr lang="en-US" sz="1200" dirty="0">
+                  <a:solidFill>
+                    <a:srgbClr val="CE9178"/>
+                  </a:solidFill>
+                  <a:latin typeface="Consolas" panose="020B0609020204030204" pitchFamily="49" charset="0"/>
+                </a:rPr>
+                <a:t>"</a:t>
+              </a:r>
+              <a:r>
+                <a:rPr lang="en-US" sz="1200" dirty="0">
+                  <a:solidFill>
+                    <a:srgbClr val="D4D4D4"/>
+                  </a:solidFill>
+                  <a:latin typeface="Consolas" panose="020B0609020204030204" pitchFamily="49" charset="0"/>
+                </a:rPr>
+                <a:t>, </a:t>
+              </a:r>
+              <a:r>
+                <a:rPr lang="en-US" sz="1200" dirty="0">
+                  <a:solidFill>
+                    <a:srgbClr val="CE9178"/>
+                  </a:solidFill>
+                  <a:latin typeface="Consolas" panose="020B0609020204030204" pitchFamily="49" charset="0"/>
+                </a:rPr>
+                <a:t>"</a:t>
+              </a:r>
+              <a:r>
+                <a:rPr lang="en-US" sz="1200" dirty="0" err="1">
+                  <a:solidFill>
+                    <a:srgbClr val="CE9178"/>
+                  </a:solidFill>
+                  <a:latin typeface="Consolas" panose="020B0609020204030204" pitchFamily="49" charset="0"/>
+                </a:rPr>
+                <a:t>natstprc</a:t>
+              </a:r>
+              <a:r>
+                <a:rPr lang="en-US" sz="1200" dirty="0">
+                  <a:solidFill>
+                    <a:srgbClr val="CE9178"/>
+                  </a:solidFill>
+                  <a:latin typeface="Consolas" panose="020B0609020204030204" pitchFamily="49" charset="0"/>
+                </a:rPr>
+                <a:t>"</a:t>
+              </a:r>
+              <a:r>
+                <a:rPr lang="en-US" sz="1200" dirty="0">
+                  <a:solidFill>
+                    <a:srgbClr val="D4D4D4"/>
+                  </a:solidFill>
+                  <a:latin typeface="Consolas" panose="020B0609020204030204" pitchFamily="49" charset="0"/>
+                </a:rPr>
+                <a:t>, </a:t>
+              </a:r>
+              <a:r>
+                <a:rPr lang="en-US" sz="1200" dirty="0">
+                  <a:solidFill>
+                    <a:srgbClr val="CE9178"/>
+                  </a:solidFill>
+                  <a:latin typeface="Consolas" panose="020B0609020204030204" pitchFamily="49" charset="0"/>
+                </a:rPr>
+                <a:t>"population"</a:t>
+              </a:r>
+              <a:r>
+                <a:rPr lang="en-US" sz="1200" dirty="0">
+                  <a:solidFill>
+                    <a:srgbClr val="D4D4D4"/>
+                  </a:solidFill>
+                  <a:latin typeface="Consolas" panose="020B0609020204030204" pitchFamily="49" charset="0"/>
+                </a:rPr>
+                <a:t>, </a:t>
+              </a:r>
+              <a:r>
+                <a:rPr lang="en-US" sz="1200" dirty="0">
+                  <a:solidFill>
+                    <a:srgbClr val="CE9178"/>
+                  </a:solidFill>
+                  <a:latin typeface="Consolas" panose="020B0609020204030204" pitchFamily="49" charset="0"/>
+                </a:rPr>
+                <a:t>"population"</a:t>
+              </a:r>
+              <a:r>
+                <a:rPr lang="en-US" sz="1200" dirty="0">
+                  <a:solidFill>
+                    <a:srgbClr val="D4D4D4"/>
+                  </a:solidFill>
+                  <a:latin typeface="Consolas" panose="020B0609020204030204" pitchFamily="49" charset="0"/>
+                </a:rPr>
+                <a:t>, </a:t>
+              </a:r>
+              <a:r>
+                <a:rPr lang="en-US" sz="1200" dirty="0">
+                  <a:solidFill>
+                    <a:srgbClr val="CE9178"/>
+                  </a:solidFill>
+                  <a:latin typeface="Consolas" panose="020B0609020204030204" pitchFamily="49" charset="0"/>
+                </a:rPr>
+                <a:t>"population"</a:t>
+              </a:r>
+              <a:r>
+                <a:rPr lang="en-US" sz="1200" dirty="0">
+                  <a:solidFill>
+                    <a:srgbClr val="D4D4D4"/>
+                  </a:solidFill>
+                  <a:latin typeface="Consolas" panose="020B0609020204030204" pitchFamily="49" charset="0"/>
+                </a:rPr>
+                <a:t>]</a:t>
+              </a:r>
+            </a:p>
+            <a:p>
+              <a:r>
+                <a:rPr lang="en-US" sz="1200" dirty="0">
+                  <a:solidFill>
+                    <a:srgbClr val="6A9955"/>
+                  </a:solidFill>
+                  <a:latin typeface="Consolas" panose="020B0609020204030204" pitchFamily="49" charset="0"/>
+                </a:rPr>
+                <a:t>#STNAME=2013-2014 GEONAME=2015-2017</a:t>
+              </a:r>
+              <a:endParaRPr lang="en-US" sz="1200" dirty="0">
+                <a:solidFill>
+                  <a:srgbClr val="D4D4D4"/>
+                </a:solidFill>
+                <a:latin typeface="Consolas" panose="020B0609020204030204" pitchFamily="49" charset="0"/>
+              </a:endParaRPr>
+            </a:p>
+            <a:p>
+              <a:r>
+                <a:rPr lang="en-US" sz="1200" dirty="0">
+                  <a:solidFill>
+                    <a:srgbClr val="D4D4D4"/>
+                  </a:solidFill>
+                  <a:latin typeface="Consolas" panose="020B0609020204030204" pitchFamily="49" charset="0"/>
+                </a:rPr>
+                <a:t>states = [</a:t>
+              </a:r>
+              <a:r>
+                <a:rPr lang="en-US" sz="1200" dirty="0">
+                  <a:solidFill>
+                    <a:srgbClr val="CE9178"/>
+                  </a:solidFill>
+                  <a:latin typeface="Consolas" panose="020B0609020204030204" pitchFamily="49" charset="0"/>
+                </a:rPr>
+                <a:t>"STNAME"</a:t>
+              </a:r>
+              <a:r>
+                <a:rPr lang="en-US" sz="1200" dirty="0">
+                  <a:solidFill>
+                    <a:srgbClr val="D4D4D4"/>
+                  </a:solidFill>
+                  <a:latin typeface="Consolas" panose="020B0609020204030204" pitchFamily="49" charset="0"/>
+                </a:rPr>
+                <a:t>, </a:t>
+              </a:r>
+              <a:r>
+                <a:rPr lang="en-US" sz="1200" dirty="0">
+                  <a:solidFill>
+                    <a:srgbClr val="CE9178"/>
+                  </a:solidFill>
+                  <a:latin typeface="Consolas" panose="020B0609020204030204" pitchFamily="49" charset="0"/>
+                </a:rPr>
+                <a:t>"STNAME"</a:t>
+              </a:r>
+              <a:r>
+                <a:rPr lang="en-US" sz="1200" dirty="0">
+                  <a:solidFill>
+                    <a:srgbClr val="D4D4D4"/>
+                  </a:solidFill>
+                  <a:latin typeface="Consolas" panose="020B0609020204030204" pitchFamily="49" charset="0"/>
+                </a:rPr>
+                <a:t>, </a:t>
+              </a:r>
+              <a:r>
+                <a:rPr lang="en-US" sz="1200" dirty="0">
+                  <a:solidFill>
+                    <a:srgbClr val="CE9178"/>
+                  </a:solidFill>
+                  <a:latin typeface="Consolas" panose="020B0609020204030204" pitchFamily="49" charset="0"/>
+                </a:rPr>
+                <a:t>"GEONAME"</a:t>
+              </a:r>
+              <a:r>
+                <a:rPr lang="en-US" sz="1200" dirty="0">
+                  <a:solidFill>
+                    <a:srgbClr val="D4D4D4"/>
+                  </a:solidFill>
+                  <a:latin typeface="Consolas" panose="020B0609020204030204" pitchFamily="49" charset="0"/>
+                </a:rPr>
+                <a:t>, </a:t>
+              </a:r>
+              <a:r>
+                <a:rPr lang="en-US" sz="1200" dirty="0">
+                  <a:solidFill>
+                    <a:srgbClr val="CE9178"/>
+                  </a:solidFill>
+                  <a:latin typeface="Consolas" panose="020B0609020204030204" pitchFamily="49" charset="0"/>
+                </a:rPr>
+                <a:t>"GEONAME"</a:t>
+              </a:r>
+              <a:r>
+                <a:rPr lang="en-US" sz="1200" dirty="0">
+                  <a:solidFill>
+                    <a:srgbClr val="D4D4D4"/>
+                  </a:solidFill>
+                  <a:latin typeface="Consolas" panose="020B0609020204030204" pitchFamily="49" charset="0"/>
+                </a:rPr>
+                <a:t>, </a:t>
+              </a:r>
+              <a:r>
+                <a:rPr lang="en-US" sz="1200" dirty="0">
+                  <a:solidFill>
+                    <a:srgbClr val="CE9178"/>
+                  </a:solidFill>
+                  <a:latin typeface="Consolas" panose="020B0609020204030204" pitchFamily="49" charset="0"/>
+                </a:rPr>
+                <a:t>"GEONAME"</a:t>
+              </a:r>
+              <a:r>
+                <a:rPr lang="en-US" sz="1200" dirty="0">
+                  <a:solidFill>
+                    <a:srgbClr val="D4D4D4"/>
+                  </a:solidFill>
+                  <a:latin typeface="Consolas" panose="020B0609020204030204" pitchFamily="49" charset="0"/>
+                </a:rPr>
+                <a:t>]</a:t>
+              </a:r>
+            </a:p>
+            <a:p>
+              <a:r>
+                <a:rPr lang="en-US" sz="1200" dirty="0">
+                  <a:solidFill>
+                    <a:srgbClr val="6A9955"/>
+                  </a:solidFill>
+                  <a:latin typeface="Consolas" panose="020B0609020204030204" pitchFamily="49" charset="0"/>
+                </a:rPr>
+                <a:t>#2013:6, 2014:7, 2015:8, 2016:9, 2017:10</a:t>
+              </a:r>
+              <a:endParaRPr lang="en-US" sz="1200" dirty="0">
+                <a:solidFill>
+                  <a:srgbClr val="D4D4D4"/>
+                </a:solidFill>
+                <a:latin typeface="Consolas" panose="020B0609020204030204" pitchFamily="49" charset="0"/>
+              </a:endParaRPr>
+            </a:p>
+            <a:p>
+              <a:r>
+                <a:rPr lang="en-US" sz="1200" dirty="0" err="1">
+                  <a:solidFill>
+                    <a:srgbClr val="D4D4D4"/>
+                  </a:solidFill>
+                  <a:latin typeface="Consolas" panose="020B0609020204030204" pitchFamily="49" charset="0"/>
+                </a:rPr>
+                <a:t>date_codes</a:t>
+              </a:r>
+              <a:r>
+                <a:rPr lang="en-US" sz="1200" dirty="0">
+                  <a:solidFill>
+                    <a:srgbClr val="D4D4D4"/>
+                  </a:solidFill>
+                  <a:latin typeface="Consolas" panose="020B0609020204030204" pitchFamily="49" charset="0"/>
+                </a:rPr>
+                <a:t> = [</a:t>
+              </a:r>
+              <a:r>
+                <a:rPr lang="en-US" sz="1200" dirty="0">
+                  <a:solidFill>
+                    <a:srgbClr val="B5CEA8"/>
+                  </a:solidFill>
+                  <a:latin typeface="Consolas" panose="020B0609020204030204" pitchFamily="49" charset="0"/>
+                </a:rPr>
+                <a:t>6</a:t>
+              </a:r>
+              <a:r>
+                <a:rPr lang="en-US" sz="1200" dirty="0">
+                  <a:solidFill>
+                    <a:srgbClr val="D4D4D4"/>
+                  </a:solidFill>
+                  <a:latin typeface="Consolas" panose="020B0609020204030204" pitchFamily="49" charset="0"/>
+                </a:rPr>
+                <a:t>, </a:t>
+              </a:r>
+              <a:r>
+                <a:rPr lang="en-US" sz="1200" dirty="0">
+                  <a:solidFill>
+                    <a:srgbClr val="B5CEA8"/>
+                  </a:solidFill>
+                  <a:latin typeface="Consolas" panose="020B0609020204030204" pitchFamily="49" charset="0"/>
+                </a:rPr>
+                <a:t>7</a:t>
+              </a:r>
+              <a:r>
+                <a:rPr lang="en-US" sz="1200" dirty="0">
+                  <a:solidFill>
+                    <a:srgbClr val="D4D4D4"/>
+                  </a:solidFill>
+                  <a:latin typeface="Consolas" panose="020B0609020204030204" pitchFamily="49" charset="0"/>
+                </a:rPr>
+                <a:t>, </a:t>
+              </a:r>
+              <a:r>
+                <a:rPr lang="en-US" sz="1200" dirty="0">
+                  <a:solidFill>
+                    <a:srgbClr val="B5CEA8"/>
+                  </a:solidFill>
+                  <a:latin typeface="Consolas" panose="020B0609020204030204" pitchFamily="49" charset="0"/>
+                </a:rPr>
+                <a:t>8</a:t>
+              </a:r>
+              <a:r>
+                <a:rPr lang="en-US" sz="1200" dirty="0">
+                  <a:solidFill>
+                    <a:srgbClr val="D4D4D4"/>
+                  </a:solidFill>
+                  <a:latin typeface="Consolas" panose="020B0609020204030204" pitchFamily="49" charset="0"/>
+                </a:rPr>
+                <a:t>, </a:t>
+              </a:r>
+              <a:r>
+                <a:rPr lang="en-US" sz="1200" dirty="0">
+                  <a:solidFill>
+                    <a:srgbClr val="B5CEA8"/>
+                  </a:solidFill>
+                  <a:latin typeface="Consolas" panose="020B0609020204030204" pitchFamily="49" charset="0"/>
+                </a:rPr>
+                <a:t>9</a:t>
+              </a:r>
+              <a:r>
+                <a:rPr lang="en-US" sz="1200" dirty="0">
+                  <a:solidFill>
+                    <a:srgbClr val="D4D4D4"/>
+                  </a:solidFill>
+                  <a:latin typeface="Consolas" panose="020B0609020204030204" pitchFamily="49" charset="0"/>
+                </a:rPr>
+                <a:t>, </a:t>
+              </a:r>
+              <a:r>
+                <a:rPr lang="en-US" sz="1200" dirty="0">
+                  <a:solidFill>
+                    <a:srgbClr val="B5CEA8"/>
+                  </a:solidFill>
+                  <a:latin typeface="Consolas" panose="020B0609020204030204" pitchFamily="49" charset="0"/>
+                </a:rPr>
+                <a:t>10</a:t>
+              </a:r>
+              <a:r>
+                <a:rPr lang="en-US" sz="1200" dirty="0">
+                  <a:solidFill>
+                    <a:srgbClr val="D4D4D4"/>
+                  </a:solidFill>
+                  <a:latin typeface="Consolas" panose="020B0609020204030204" pitchFamily="49" charset="0"/>
+                </a:rPr>
+                <a:t>]</a:t>
+              </a:r>
+            </a:p>
+            <a:p>
+              <a:r>
+                <a:rPr lang="en-US" sz="1200" dirty="0" err="1">
+                  <a:solidFill>
+                    <a:srgbClr val="D4D4D4"/>
+                  </a:solidFill>
+                  <a:latin typeface="Consolas" panose="020B0609020204030204" pitchFamily="49" charset="0"/>
+                </a:rPr>
+                <a:t>query_url</a:t>
+              </a:r>
+              <a:r>
+                <a:rPr lang="en-US" sz="1200" dirty="0">
+                  <a:solidFill>
+                    <a:srgbClr val="D4D4D4"/>
+                  </a:solidFill>
+                  <a:latin typeface="Consolas" panose="020B0609020204030204" pitchFamily="49" charset="0"/>
+                </a:rPr>
+                <a:t> = </a:t>
+              </a:r>
+              <a:r>
+                <a:rPr lang="en-US" sz="1200" dirty="0">
+                  <a:solidFill>
+                    <a:srgbClr val="CE9178"/>
+                  </a:solidFill>
+                  <a:latin typeface="Consolas" panose="020B0609020204030204" pitchFamily="49" charset="0"/>
+                </a:rPr>
+                <a:t>"https://api.census.gov/data/</a:t>
+              </a:r>
+              <a:r>
+                <a:rPr lang="en-US" sz="1200" dirty="0">
+                  <a:solidFill>
+                    <a:srgbClr val="569CD6"/>
+                  </a:solidFill>
+                  <a:latin typeface="Consolas" panose="020B0609020204030204" pitchFamily="49" charset="0"/>
+                </a:rPr>
+                <a:t>{year}</a:t>
+              </a:r>
+              <a:r>
+                <a:rPr lang="en-US" sz="1200" dirty="0">
+                  <a:solidFill>
+                    <a:srgbClr val="CE9178"/>
+                  </a:solidFill>
+                  <a:latin typeface="Consolas" panose="020B0609020204030204" pitchFamily="49" charset="0"/>
+                </a:rPr>
+                <a:t>/pep/</a:t>
+              </a:r>
+              <a:r>
+                <a:rPr lang="en-US" sz="1200" dirty="0">
+                  <a:solidFill>
+                    <a:srgbClr val="569CD6"/>
+                  </a:solidFill>
+                  <a:latin typeface="Consolas" panose="020B0609020204030204" pitchFamily="49" charset="0"/>
+                </a:rPr>
+                <a:t>{dataset}</a:t>
+              </a:r>
+              <a:r>
+                <a:rPr lang="en-US" sz="1200" dirty="0">
+                  <a:solidFill>
+                    <a:srgbClr val="CE9178"/>
+                  </a:solidFill>
+                  <a:latin typeface="Consolas" panose="020B0609020204030204" pitchFamily="49" charset="0"/>
+                </a:rPr>
+                <a:t>?get=</a:t>
+              </a:r>
+              <a:r>
+                <a:rPr lang="en-US" sz="1200" dirty="0">
+                  <a:solidFill>
+                    <a:srgbClr val="569CD6"/>
+                  </a:solidFill>
+                  <a:latin typeface="Consolas" panose="020B0609020204030204" pitchFamily="49" charset="0"/>
+                </a:rPr>
+                <a:t>{state}</a:t>
+              </a:r>
+              <a:r>
+                <a:rPr lang="en-US" sz="1200" dirty="0">
+                  <a:solidFill>
+                    <a:srgbClr val="CE9178"/>
+                  </a:solidFill>
+                  <a:latin typeface="Consolas" panose="020B0609020204030204" pitchFamily="49" charset="0"/>
+                </a:rPr>
+                <a:t>,POP&amp;DATE=</a:t>
+              </a:r>
+              <a:r>
+                <a:rPr lang="en-US" sz="1200" dirty="0">
+                  <a:solidFill>
+                    <a:srgbClr val="569CD6"/>
+                  </a:solidFill>
+                  <a:latin typeface="Consolas" panose="020B0609020204030204" pitchFamily="49" charset="0"/>
+                </a:rPr>
+                <a:t>{</a:t>
+              </a:r>
+              <a:r>
+                <a:rPr lang="en-US" sz="1200" dirty="0" err="1">
+                  <a:solidFill>
+                    <a:srgbClr val="569CD6"/>
+                  </a:solidFill>
+                  <a:latin typeface="Consolas" panose="020B0609020204030204" pitchFamily="49" charset="0"/>
+                </a:rPr>
+                <a:t>date_code</a:t>
+              </a:r>
+              <a:r>
+                <a:rPr lang="en-US" sz="1200" dirty="0">
+                  <a:solidFill>
+                    <a:srgbClr val="569CD6"/>
+                  </a:solidFill>
+                  <a:latin typeface="Consolas" panose="020B0609020204030204" pitchFamily="49" charset="0"/>
+                </a:rPr>
+                <a:t>}</a:t>
+              </a:r>
+              <a:r>
+                <a:rPr lang="en-US" sz="1200" dirty="0">
+                  <a:solidFill>
+                    <a:srgbClr val="CE9178"/>
+                  </a:solidFill>
+                  <a:latin typeface="Consolas" panose="020B0609020204030204" pitchFamily="49" charset="0"/>
+                </a:rPr>
+                <a:t>&amp;for=state:*&amp;key="</a:t>
+              </a:r>
+              <a:endParaRPr lang="en-US" sz="1200" dirty="0">
+                <a:solidFill>
+                  <a:srgbClr val="D4D4D4"/>
+                </a:solidFill>
+                <a:latin typeface="Consolas" panose="020B0609020204030204" pitchFamily="49" charset="0"/>
+              </a:endParaRPr>
+            </a:p>
+            <a:p>
+              <a:br>
+                <a:rPr lang="en-US" sz="1200" dirty="0">
+                  <a:solidFill>
+                    <a:srgbClr val="D4D4D4"/>
+                  </a:solidFill>
+                  <a:latin typeface="Consolas" panose="020B0609020204030204" pitchFamily="49" charset="0"/>
+                </a:rPr>
+              </a:br>
+              <a:r>
+                <a:rPr lang="en-US" sz="1200" dirty="0">
+                  <a:solidFill>
+                    <a:srgbClr val="D4D4D4"/>
+                  </a:solidFill>
+                  <a:latin typeface="Consolas" panose="020B0609020204030204" pitchFamily="49" charset="0"/>
+                </a:rPr>
+                <a:t>response = []</a:t>
+              </a:r>
+            </a:p>
+            <a:p>
+              <a:br>
+                <a:rPr lang="en-US" sz="1200" dirty="0">
+                  <a:solidFill>
+                    <a:srgbClr val="D4D4D4"/>
+                  </a:solidFill>
+                  <a:latin typeface="Consolas" panose="020B0609020204030204" pitchFamily="49" charset="0"/>
+                </a:rPr>
+              </a:br>
+              <a:r>
+                <a:rPr lang="en-US" sz="1200" dirty="0">
+                  <a:solidFill>
+                    <a:srgbClr val="C586C0"/>
+                  </a:solidFill>
+                  <a:latin typeface="Consolas" panose="020B0609020204030204" pitchFamily="49" charset="0"/>
+                </a:rPr>
+                <a:t>for</a:t>
+              </a:r>
+              <a:r>
+                <a:rPr lang="en-US" sz="1200" dirty="0">
+                  <a:solidFill>
+                    <a:srgbClr val="D4D4D4"/>
+                  </a:solidFill>
+                  <a:latin typeface="Consolas" panose="020B0609020204030204" pitchFamily="49" charset="0"/>
+                </a:rPr>
+                <a:t> year, dataset, state, </a:t>
+              </a:r>
+              <a:r>
+                <a:rPr lang="en-US" sz="1200" dirty="0" err="1">
+                  <a:solidFill>
+                    <a:srgbClr val="D4D4D4"/>
+                  </a:solidFill>
+                  <a:latin typeface="Consolas" panose="020B0609020204030204" pitchFamily="49" charset="0"/>
+                </a:rPr>
+                <a:t>date_code</a:t>
+              </a:r>
+              <a:r>
+                <a:rPr lang="en-US" sz="1200" dirty="0">
+                  <a:solidFill>
+                    <a:srgbClr val="D4D4D4"/>
+                  </a:solidFill>
+                  <a:latin typeface="Consolas" panose="020B0609020204030204" pitchFamily="49" charset="0"/>
+                </a:rPr>
+                <a:t> </a:t>
+              </a:r>
+              <a:r>
+                <a:rPr lang="en-US" sz="1200" dirty="0">
+                  <a:solidFill>
+                    <a:srgbClr val="569CD6"/>
+                  </a:solidFill>
+                  <a:latin typeface="Consolas" panose="020B0609020204030204" pitchFamily="49" charset="0"/>
+                </a:rPr>
+                <a:t>in</a:t>
+              </a:r>
+              <a:r>
+                <a:rPr lang="en-US" sz="1200" dirty="0">
+                  <a:solidFill>
+                    <a:srgbClr val="D4D4D4"/>
+                  </a:solidFill>
+                  <a:latin typeface="Consolas" panose="020B0609020204030204" pitchFamily="49" charset="0"/>
+                </a:rPr>
+                <a:t> </a:t>
+              </a:r>
+              <a:r>
+                <a:rPr lang="en-US" sz="1200" dirty="0">
+                  <a:solidFill>
+                    <a:srgbClr val="DCDCAA"/>
+                  </a:solidFill>
+                  <a:latin typeface="Consolas" panose="020B0609020204030204" pitchFamily="49" charset="0"/>
+                </a:rPr>
+                <a:t>zip</a:t>
+              </a:r>
+              <a:r>
+                <a:rPr lang="en-US" sz="1200" dirty="0">
+                  <a:solidFill>
+                    <a:srgbClr val="D4D4D4"/>
+                  </a:solidFill>
+                  <a:latin typeface="Consolas" panose="020B0609020204030204" pitchFamily="49" charset="0"/>
+                </a:rPr>
+                <a:t>(years, datasets, states, </a:t>
+              </a:r>
+              <a:r>
+                <a:rPr lang="en-US" sz="1200" dirty="0" err="1">
+                  <a:solidFill>
+                    <a:srgbClr val="D4D4D4"/>
+                  </a:solidFill>
+                  <a:latin typeface="Consolas" panose="020B0609020204030204" pitchFamily="49" charset="0"/>
+                </a:rPr>
+                <a:t>date_codes</a:t>
+              </a:r>
+              <a:r>
+                <a:rPr lang="en-US" sz="1200" dirty="0">
+                  <a:solidFill>
+                    <a:srgbClr val="D4D4D4"/>
+                  </a:solidFill>
+                  <a:latin typeface="Consolas" panose="020B0609020204030204" pitchFamily="49" charset="0"/>
+                </a:rPr>
+                <a:t>):</a:t>
+              </a:r>
+            </a:p>
+            <a:p>
+              <a:r>
+                <a:rPr lang="en-US" sz="1200" dirty="0">
+                  <a:solidFill>
+                    <a:srgbClr val="D4D4D4"/>
+                  </a:solidFill>
+                  <a:latin typeface="Consolas" panose="020B0609020204030204" pitchFamily="49" charset="0"/>
+                </a:rPr>
+                <a:t>	</a:t>
+              </a:r>
+              <a:r>
+                <a:rPr lang="en-US" sz="1200" dirty="0" err="1">
+                  <a:solidFill>
+                    <a:srgbClr val="D4D4D4"/>
+                  </a:solidFill>
+                  <a:latin typeface="Consolas" panose="020B0609020204030204" pitchFamily="49" charset="0"/>
+                </a:rPr>
+                <a:t>year_url</a:t>
+              </a:r>
+              <a:r>
+                <a:rPr lang="en-US" sz="1200" dirty="0">
+                  <a:solidFill>
+                    <a:srgbClr val="D4D4D4"/>
+                  </a:solidFill>
+                  <a:latin typeface="Consolas" panose="020B0609020204030204" pitchFamily="49" charset="0"/>
+                </a:rPr>
+                <a:t> = </a:t>
+              </a:r>
+              <a:r>
+                <a:rPr lang="en-US" sz="1200" dirty="0" err="1">
+                  <a:solidFill>
+                    <a:srgbClr val="D4D4D4"/>
+                  </a:solidFill>
+                  <a:latin typeface="Consolas" panose="020B0609020204030204" pitchFamily="49" charset="0"/>
+                </a:rPr>
+                <a:t>query_url.format</a:t>
+              </a:r>
+              <a:r>
+                <a:rPr lang="en-US" sz="1200" dirty="0">
+                  <a:solidFill>
+                    <a:srgbClr val="D4D4D4"/>
+                  </a:solidFill>
+                  <a:latin typeface="Consolas" panose="020B0609020204030204" pitchFamily="49" charset="0"/>
+                </a:rPr>
+                <a:t>(</a:t>
+              </a:r>
+              <a:r>
+                <a:rPr lang="en-US" sz="1200" dirty="0">
+                  <a:solidFill>
+                    <a:srgbClr val="9CDCFE"/>
+                  </a:solidFill>
+                  <a:latin typeface="Consolas" panose="020B0609020204030204" pitchFamily="49" charset="0"/>
+                </a:rPr>
+                <a:t>year</a:t>
+              </a:r>
+              <a:r>
+                <a:rPr lang="en-US" sz="1200" dirty="0">
+                  <a:solidFill>
+                    <a:srgbClr val="D4D4D4"/>
+                  </a:solidFill>
+                  <a:latin typeface="Consolas" panose="020B0609020204030204" pitchFamily="49" charset="0"/>
+                </a:rPr>
+                <a:t>=year, </a:t>
+              </a:r>
+              <a:r>
+                <a:rPr lang="en-US" sz="1200" dirty="0">
+                  <a:solidFill>
+                    <a:srgbClr val="9CDCFE"/>
+                  </a:solidFill>
+                  <a:latin typeface="Consolas" panose="020B0609020204030204" pitchFamily="49" charset="0"/>
+                </a:rPr>
+                <a:t>dataset</a:t>
+              </a:r>
+              <a:r>
+                <a:rPr lang="en-US" sz="1200" dirty="0">
+                  <a:solidFill>
+                    <a:srgbClr val="D4D4D4"/>
+                  </a:solidFill>
+                  <a:latin typeface="Consolas" panose="020B0609020204030204" pitchFamily="49" charset="0"/>
+                </a:rPr>
+                <a:t>=dataset, </a:t>
+              </a:r>
+              <a:r>
+                <a:rPr lang="en-US" sz="1200" dirty="0">
+                  <a:solidFill>
+                    <a:srgbClr val="9CDCFE"/>
+                  </a:solidFill>
+                  <a:latin typeface="Consolas" panose="020B0609020204030204" pitchFamily="49" charset="0"/>
+                </a:rPr>
+                <a:t>state</a:t>
+              </a:r>
+              <a:r>
+                <a:rPr lang="en-US" sz="1200" dirty="0">
+                  <a:solidFill>
+                    <a:srgbClr val="D4D4D4"/>
+                  </a:solidFill>
+                  <a:latin typeface="Consolas" panose="020B0609020204030204" pitchFamily="49" charset="0"/>
+                </a:rPr>
+                <a:t>=state, </a:t>
+              </a:r>
+              <a:r>
+                <a:rPr lang="en-US" sz="1200" dirty="0" err="1">
+                  <a:solidFill>
+                    <a:srgbClr val="9CDCFE"/>
+                  </a:solidFill>
+                  <a:latin typeface="Consolas" panose="020B0609020204030204" pitchFamily="49" charset="0"/>
+                </a:rPr>
+                <a:t>date_code</a:t>
+              </a:r>
+              <a:r>
+                <a:rPr lang="en-US" sz="1200" dirty="0">
+                  <a:solidFill>
+                    <a:srgbClr val="D4D4D4"/>
+                  </a:solidFill>
+                  <a:latin typeface="Consolas" panose="020B0609020204030204" pitchFamily="49" charset="0"/>
+                </a:rPr>
+                <a:t>=</a:t>
+              </a:r>
+              <a:r>
+                <a:rPr lang="en-US" sz="1200" dirty="0" err="1">
+                  <a:solidFill>
+                    <a:srgbClr val="D4D4D4"/>
+                  </a:solidFill>
+                  <a:latin typeface="Consolas" panose="020B0609020204030204" pitchFamily="49" charset="0"/>
+                </a:rPr>
+                <a:t>date_code</a:t>
+              </a:r>
+              <a:r>
+                <a:rPr lang="en-US" sz="1200" dirty="0">
+                  <a:solidFill>
+                    <a:srgbClr val="D4D4D4"/>
+                  </a:solidFill>
+                  <a:latin typeface="Consolas" panose="020B0609020204030204" pitchFamily="49" charset="0"/>
+                </a:rPr>
+                <a:t>)+</a:t>
+              </a:r>
+              <a:r>
+                <a:rPr lang="en-US" sz="1200" dirty="0" err="1">
+                  <a:solidFill>
+                    <a:srgbClr val="D4D4D4"/>
+                  </a:solidFill>
+                  <a:latin typeface="Consolas" panose="020B0609020204030204" pitchFamily="49" charset="0"/>
+                </a:rPr>
+                <a:t>api_key</a:t>
+              </a:r>
+              <a:endParaRPr lang="en-US" sz="1200" dirty="0">
+                <a:solidFill>
+                  <a:srgbClr val="D4D4D4"/>
+                </a:solidFill>
+                <a:latin typeface="Consolas" panose="020B0609020204030204" pitchFamily="49" charset="0"/>
+              </a:endParaRPr>
+            </a:p>
+            <a:p>
+              <a:r>
+                <a:rPr lang="en-US" sz="1200" dirty="0">
+                  <a:solidFill>
+                    <a:srgbClr val="DCDCAA"/>
+                  </a:solidFill>
+                  <a:latin typeface="Consolas" panose="020B0609020204030204" pitchFamily="49" charset="0"/>
+                </a:rPr>
+                <a:t>	print</a:t>
+              </a:r>
+              <a:r>
+                <a:rPr lang="en-US" sz="1200" dirty="0">
+                  <a:solidFill>
+                    <a:srgbClr val="D4D4D4"/>
+                  </a:solidFill>
+                  <a:latin typeface="Consolas" panose="020B0609020204030204" pitchFamily="49" charset="0"/>
+                </a:rPr>
+                <a:t>(</a:t>
+              </a:r>
+              <a:r>
+                <a:rPr lang="en-US" sz="1200" dirty="0" err="1">
+                  <a:solidFill>
+                    <a:srgbClr val="D4D4D4"/>
+                  </a:solidFill>
+                  <a:latin typeface="Consolas" panose="020B0609020204030204" pitchFamily="49" charset="0"/>
+                </a:rPr>
+                <a:t>year_url</a:t>
+              </a:r>
+              <a:r>
+                <a:rPr lang="en-US" sz="1200" dirty="0">
+                  <a:solidFill>
+                    <a:srgbClr val="D4D4D4"/>
+                  </a:solidFill>
+                  <a:latin typeface="Consolas" panose="020B0609020204030204" pitchFamily="49" charset="0"/>
+                </a:rPr>
+                <a:t>)</a:t>
+              </a:r>
+            </a:p>
+            <a:p>
+              <a:r>
+                <a:rPr lang="en-US" sz="1200" dirty="0">
+                  <a:solidFill>
+                    <a:srgbClr val="D4D4D4"/>
+                  </a:solidFill>
+                  <a:latin typeface="Consolas" panose="020B0609020204030204" pitchFamily="49" charset="0"/>
+                </a:rPr>
+                <a:t>	</a:t>
+              </a:r>
+              <a:r>
+                <a:rPr lang="en-US" sz="1200" dirty="0" err="1">
+                  <a:solidFill>
+                    <a:srgbClr val="D4D4D4"/>
+                  </a:solidFill>
+                  <a:latin typeface="Consolas" panose="020B0609020204030204" pitchFamily="49" charset="0"/>
+                </a:rPr>
+                <a:t>response.append</a:t>
+              </a:r>
+              <a:r>
+                <a:rPr lang="en-US" sz="1200" dirty="0">
+                  <a:solidFill>
+                    <a:srgbClr val="D4D4D4"/>
+                  </a:solidFill>
+                  <a:latin typeface="Consolas" panose="020B0609020204030204" pitchFamily="49" charset="0"/>
+                </a:rPr>
+                <a:t>(</a:t>
+              </a:r>
+              <a:r>
+                <a:rPr lang="en-US" sz="1200" dirty="0" err="1">
+                  <a:solidFill>
+                    <a:srgbClr val="D4D4D4"/>
+                  </a:solidFill>
+                  <a:latin typeface="Consolas" panose="020B0609020204030204" pitchFamily="49" charset="0"/>
+                </a:rPr>
+                <a:t>requests.get</a:t>
+              </a:r>
+              <a:r>
+                <a:rPr lang="en-US" sz="1200" dirty="0">
+                  <a:solidFill>
+                    <a:srgbClr val="D4D4D4"/>
+                  </a:solidFill>
+                  <a:latin typeface="Consolas" panose="020B0609020204030204" pitchFamily="49" charset="0"/>
+                </a:rPr>
+                <a:t>(</a:t>
+              </a:r>
+              <a:r>
+                <a:rPr lang="en-US" sz="1200" dirty="0" err="1">
+                  <a:solidFill>
+                    <a:srgbClr val="D4D4D4"/>
+                  </a:solidFill>
+                  <a:latin typeface="Consolas" panose="020B0609020204030204" pitchFamily="49" charset="0"/>
+                </a:rPr>
+                <a:t>year_url</a:t>
+              </a:r>
+              <a:r>
+                <a:rPr lang="en-US" sz="1200" dirty="0">
+                  <a:solidFill>
+                    <a:srgbClr val="D4D4D4"/>
+                  </a:solidFill>
+                  <a:latin typeface="Consolas" panose="020B0609020204030204" pitchFamily="49" charset="0"/>
+                </a:rPr>
+                <a:t>).json())</a:t>
+              </a:r>
+              <a:endParaRPr lang="en-US" sz="1200" b="0" dirty="0">
+                <a:solidFill>
+                  <a:srgbClr val="D4D4D4"/>
+                </a:solidFill>
+                <a:effectLst/>
+                <a:latin typeface="Consolas" panose="020B0609020204030204" pitchFamily="49" charset="0"/>
+              </a:endParaRPr>
+            </a:p>
+          </p:txBody>
+        </p:sp>
+        <p:sp>
+          <p:nvSpPr>
+            <p:cNvPr id="16" name="Rectangle 2">
+              <a:extLst>
+                <a:ext uri="{FF2B5EF4-FFF2-40B4-BE49-F238E27FC236}">
+                  <a16:creationId xmlns:a16="http://schemas.microsoft.com/office/drawing/2014/main" id="{0FC1E807-AFFE-4B9D-9A12-CEBBE963CDA0}"/>
+                </a:ext>
+              </a:extLst>
+            </p:cNvPr>
+            <p:cNvSpPr>
+              <a:spLocks noChangeArrowheads="1"/>
+            </p:cNvSpPr>
+            <p:nvPr/>
+          </p:nvSpPr>
+          <p:spPr bwMode="auto">
+            <a:xfrm>
+              <a:off x="398105" y="4948552"/>
+              <a:ext cx="7255191" cy="1134926"/>
+            </a:xfrm>
+            <a:prstGeom prst="rect">
+              <a:avLst/>
+            </a:prstGeom>
+            <a:solidFill>
+              <a:srgbClr val="FFFFFF"/>
+            </a:solidFill>
+            <a:ln>
+              <a:noFill/>
+            </a:ln>
+            <a:effectLst/>
+            <a:extLst>
+              <a:ext uri="{91240B29-F687-4F45-9708-019B960494DF}">
+                <a14:hiddenLine xmlns:a14="http://schemas.microsoft.com/office/drawing/2010/main" w="9525">
+                  <a:solidFill>
+                    <a:schemeClr val="tx1"/>
+                  </a:solidFill>
+                  <a:miter lim="800000"/>
+                  <a:headEnd/>
+                  <a:tailEnd/>
+                </a14:hiddenLine>
+              </a:ext>
+              <a:ext uri="{AF507438-7753-43E0-B8FC-AC1667EBCBE1}">
+                <a14:hiddenEffects xmlns:a14="http://schemas.microsoft.com/office/drawing/2010/main">
+                  <a:effectLst>
+                    <a:outerShdw dist="35921" dir="2700000" algn="ctr" rotWithShape="0">
+                      <a:schemeClr val="bg2"/>
+                    </a:outerShdw>
+                  </a:effectLst>
+                </a14:hiddenEffects>
+              </a:ext>
+            </a:extLst>
+          </p:spPr>
+          <p:txBody>
+            <a:bodyPr vert="horz" wrap="none" lIns="0" tIns="0" rIns="0" bIns="0" numCol="1" anchor="ctr" anchorCtr="0" compatLnSpc="1">
+              <a:prstTxWarp prst="textNoShape">
+                <a:avLst/>
+              </a:prstTxWarp>
+              <a:spAutoFit/>
+            </a:bodyPr>
+            <a:lstStyle/>
+            <a:p>
+              <a:pPr marL="0" marR="0" lvl="0" indent="0" algn="l" defTabSz="914400" rtl="0" eaLnBrk="0" fontAlgn="base" latinLnBrk="0" hangingPunct="0">
+                <a:lnSpc>
+                  <a:spcPct val="150000"/>
+                </a:lnSpc>
+                <a:spcBef>
+                  <a:spcPct val="0"/>
+                </a:spcBef>
+                <a:spcAft>
+                  <a:spcPct val="0"/>
+                </a:spcAft>
+                <a:buClrTx/>
+                <a:buSzTx/>
+                <a:buFontTx/>
+                <a:buNone/>
+                <a:tabLst/>
+              </a:pPr>
+              <a:r>
+                <a:rPr kumimoji="0" lang="en-US" altLang="en-US" sz="1000" b="0" i="0" u="none" strike="noStrike" cap="none" normalizeH="0" baseline="0" dirty="0">
+                  <a:ln>
+                    <a:noFill/>
+                  </a:ln>
+                  <a:solidFill>
+                    <a:srgbClr val="337AB7"/>
+                  </a:solidFill>
+                  <a:effectLst/>
+                  <a:latin typeface="Courier New" panose="02070309020205020404" pitchFamily="49" charset="0"/>
+                  <a:cs typeface="Courier New" panose="02070309020205020404" pitchFamily="49" charset="0"/>
+                  <a:hlinkClick r:id="rId4"/>
+                </a:rPr>
+                <a:t>https://api.census.gov/data/2013/pep/natstprc?get=STNAME,POP&amp;DATE=6&amp;for=state:*&amp;key=</a:t>
+              </a:r>
+              <a:r>
+                <a:rPr kumimoji="0" lang="en-US" altLang="en-US" sz="1000" b="0" i="0" u="sng" strike="noStrike" cap="none" normalizeH="0" baseline="0" dirty="0">
+                  <a:ln>
+                    <a:noFill/>
+                  </a:ln>
+                  <a:solidFill>
+                    <a:srgbClr val="337AB7"/>
+                  </a:solidFill>
+                  <a:effectLst/>
+                  <a:latin typeface="Courier New" panose="02070309020205020404" pitchFamily="49" charset="0"/>
+                  <a:cs typeface="Courier New" panose="02070309020205020404" pitchFamily="49" charset="0"/>
+                </a:rPr>
+                <a:t>SECRET</a:t>
+              </a:r>
+            </a:p>
+            <a:p>
+              <a:pPr lvl="0" defTabSz="914400" eaLnBrk="0" fontAlgn="base" hangingPunct="0">
+                <a:lnSpc>
+                  <a:spcPct val="150000"/>
+                </a:lnSpc>
+                <a:spcBef>
+                  <a:spcPct val="0"/>
+                </a:spcBef>
+                <a:spcAft>
+                  <a:spcPct val="0"/>
+                </a:spcAft>
+              </a:pPr>
+              <a:r>
+                <a:rPr kumimoji="0" lang="en-US" altLang="en-US" sz="1000" b="0" i="0" u="none" strike="noStrike" cap="none" normalizeH="0" baseline="0" dirty="0">
+                  <a:ln>
+                    <a:noFill/>
+                  </a:ln>
+                  <a:solidFill>
+                    <a:srgbClr val="337AB7"/>
+                  </a:solidFill>
+                  <a:effectLst/>
+                  <a:latin typeface="Courier New" panose="02070309020205020404" pitchFamily="49" charset="0"/>
+                  <a:cs typeface="Courier New" panose="02070309020205020404" pitchFamily="49" charset="0"/>
+                  <a:hlinkClick r:id="rId5"/>
+                </a:rPr>
+                <a:t>https://api.census.gov/data/2014/pep/natstprc?get=STNAME,POP&amp;DATE=7&amp;for=state:*&amp;key=</a:t>
+              </a:r>
+              <a:r>
+                <a:rPr lang="en-US" altLang="en-US" sz="1000" u="sng" dirty="0">
+                  <a:solidFill>
+                    <a:srgbClr val="337AB7"/>
+                  </a:solidFill>
+                  <a:latin typeface="Courier New" panose="02070309020205020404" pitchFamily="49" charset="0"/>
+                  <a:cs typeface="Courier New" panose="02070309020205020404" pitchFamily="49" charset="0"/>
+                </a:rPr>
+                <a:t>SECRET</a:t>
+              </a:r>
+              <a:endParaRPr kumimoji="0" lang="en-US" altLang="en-US" sz="1000" b="0" i="0" u="sng" strike="noStrike" cap="none" normalizeH="0" baseline="0" dirty="0">
+                <a:ln>
+                  <a:noFill/>
+                </a:ln>
+                <a:solidFill>
+                  <a:srgbClr val="337AB7"/>
+                </a:solidFill>
+                <a:effectLst/>
+                <a:latin typeface="Courier New" panose="02070309020205020404" pitchFamily="49" charset="0"/>
+                <a:cs typeface="Courier New" panose="02070309020205020404" pitchFamily="49" charset="0"/>
+              </a:endParaRPr>
+            </a:p>
+            <a:p>
+              <a:pPr lvl="0" defTabSz="914400" eaLnBrk="0" fontAlgn="base" hangingPunct="0">
+                <a:lnSpc>
+                  <a:spcPct val="150000"/>
+                </a:lnSpc>
+                <a:spcBef>
+                  <a:spcPct val="0"/>
+                </a:spcBef>
+                <a:spcAft>
+                  <a:spcPct val="0"/>
+                </a:spcAft>
+              </a:pPr>
+              <a:r>
+                <a:rPr kumimoji="0" lang="en-US" altLang="en-US" sz="1000" b="0" i="0" u="sng" strike="noStrike" cap="none" normalizeH="0" baseline="0" dirty="0">
+                  <a:ln>
+                    <a:noFill/>
+                  </a:ln>
+                  <a:solidFill>
+                    <a:srgbClr val="23527C"/>
+                  </a:solidFill>
+                  <a:effectLst/>
+                  <a:latin typeface="Courier New" panose="02070309020205020404" pitchFamily="49" charset="0"/>
+                  <a:cs typeface="Courier New" panose="02070309020205020404" pitchFamily="49" charset="0"/>
+                  <a:hlinkClick r:id="rId6"/>
+                </a:rPr>
+                <a:t>https://api.census.gov/data/2015/pep/population?get=GEONAME,POP&amp;DATE=8&amp;for=state:*&amp;key=</a:t>
+              </a:r>
+              <a:r>
+                <a:rPr lang="en-US" altLang="en-US" sz="1000" u="sng" dirty="0">
+                  <a:solidFill>
+                    <a:srgbClr val="337AB7"/>
+                  </a:solidFill>
+                  <a:latin typeface="Courier New" panose="02070309020205020404" pitchFamily="49" charset="0"/>
+                  <a:cs typeface="Courier New" panose="02070309020205020404" pitchFamily="49" charset="0"/>
+                </a:rPr>
+                <a:t>SECRET</a:t>
+              </a:r>
+              <a:endParaRPr kumimoji="0" lang="en-US" altLang="en-US" sz="1000" b="0" i="0" u="sng" strike="noStrike" cap="none" normalizeH="0" baseline="0" dirty="0">
+                <a:ln>
+                  <a:noFill/>
+                </a:ln>
+                <a:solidFill>
+                  <a:srgbClr val="23527C"/>
+                </a:solidFill>
+                <a:effectLst/>
+                <a:latin typeface="Courier New" panose="02070309020205020404" pitchFamily="49" charset="0"/>
+                <a:cs typeface="Courier New" panose="02070309020205020404" pitchFamily="49" charset="0"/>
+              </a:endParaRPr>
+            </a:p>
+            <a:p>
+              <a:pPr lvl="0" defTabSz="914400" eaLnBrk="0" fontAlgn="base" hangingPunct="0">
+                <a:lnSpc>
+                  <a:spcPct val="150000"/>
+                </a:lnSpc>
+                <a:spcBef>
+                  <a:spcPct val="0"/>
+                </a:spcBef>
+                <a:spcAft>
+                  <a:spcPct val="0"/>
+                </a:spcAft>
+              </a:pPr>
+              <a:r>
+                <a:rPr kumimoji="0" lang="en-US" altLang="en-US" sz="1000" b="0" i="0" u="sng" strike="noStrike" cap="none" normalizeH="0" baseline="0" dirty="0">
+                  <a:ln>
+                    <a:noFill/>
+                  </a:ln>
+                  <a:solidFill>
+                    <a:srgbClr val="337AB7"/>
+                  </a:solidFill>
+                  <a:effectLst/>
+                  <a:latin typeface="Courier New" panose="02070309020205020404" pitchFamily="49" charset="0"/>
+                  <a:cs typeface="Courier New" panose="02070309020205020404" pitchFamily="49" charset="0"/>
+                  <a:hlinkClick r:id="rId7"/>
+                </a:rPr>
+                <a:t>https://api.census.gov/data/2016/pep/population?get=GEONAME,POP&amp;DATE=9&amp;for=state:*&amp;key=</a:t>
+              </a:r>
+              <a:r>
+                <a:rPr lang="en-US" altLang="en-US" sz="1000" u="sng" dirty="0">
+                  <a:solidFill>
+                    <a:srgbClr val="337AB7"/>
+                  </a:solidFill>
+                  <a:latin typeface="Courier New" panose="02070309020205020404" pitchFamily="49" charset="0"/>
+                  <a:cs typeface="Courier New" panose="02070309020205020404" pitchFamily="49" charset="0"/>
+                </a:rPr>
+                <a:t>SECRET</a:t>
+              </a:r>
+              <a:r>
+                <a:rPr kumimoji="0" lang="en-US" altLang="en-US" sz="1000" b="0" i="0" u="sng" strike="noStrike" cap="none" normalizeH="0" baseline="0" dirty="0">
+                  <a:ln>
+                    <a:noFill/>
+                  </a:ln>
+                  <a:solidFill>
+                    <a:srgbClr val="000000"/>
+                  </a:solidFill>
+                  <a:effectLst/>
+                  <a:latin typeface="Courier New" panose="02070309020205020404" pitchFamily="49" charset="0"/>
+                  <a:cs typeface="Courier New" panose="02070309020205020404" pitchFamily="49" charset="0"/>
+                </a:rPr>
+                <a:t> </a:t>
+              </a:r>
+            </a:p>
+            <a:p>
+              <a:pPr lvl="0" defTabSz="914400" eaLnBrk="0" fontAlgn="base" hangingPunct="0">
+                <a:lnSpc>
+                  <a:spcPct val="150000"/>
+                </a:lnSpc>
+                <a:spcBef>
+                  <a:spcPct val="0"/>
+                </a:spcBef>
+                <a:spcAft>
+                  <a:spcPct val="0"/>
+                </a:spcAft>
+              </a:pPr>
+              <a:r>
+                <a:rPr kumimoji="0" lang="en-US" altLang="en-US" sz="1000" b="0" i="0" u="sng" strike="noStrike" cap="none" normalizeH="0" baseline="0" dirty="0">
+                  <a:ln>
+                    <a:noFill/>
+                  </a:ln>
+                  <a:solidFill>
+                    <a:srgbClr val="337AB7"/>
+                  </a:solidFill>
+                  <a:effectLst/>
+                  <a:latin typeface="Courier New" panose="02070309020205020404" pitchFamily="49" charset="0"/>
+                  <a:cs typeface="Courier New" panose="02070309020205020404" pitchFamily="49" charset="0"/>
+                  <a:hlinkClick r:id="rId8"/>
+                </a:rPr>
+                <a:t>https://api.census.gov/data/2017/pep/population?get=GEONAME,POP&amp;DATE=10&amp;for=state:*&amp;key=</a:t>
+              </a:r>
+              <a:r>
+                <a:rPr lang="en-US" altLang="en-US" sz="1000" u="sng" dirty="0">
+                  <a:solidFill>
+                    <a:srgbClr val="337AB7"/>
+                  </a:solidFill>
+                  <a:latin typeface="Courier New" panose="02070309020205020404" pitchFamily="49" charset="0"/>
+                  <a:cs typeface="Courier New" panose="02070309020205020404" pitchFamily="49" charset="0"/>
+                </a:rPr>
+                <a:t>SECRET</a:t>
+              </a:r>
+              <a:r>
+                <a:rPr kumimoji="0" lang="en-US" altLang="en-US" sz="800" b="0" i="0" u="none" strike="noStrike" cap="none" normalizeH="0" baseline="0" dirty="0">
+                  <a:ln>
+                    <a:noFill/>
+                  </a:ln>
+                  <a:solidFill>
+                    <a:schemeClr val="tx1"/>
+                  </a:solidFill>
+                  <a:effectLst/>
+                </a:rPr>
+                <a:t> </a:t>
+              </a:r>
+              <a:endParaRPr kumimoji="0" lang="en-US" altLang="en-US" sz="1800" b="0" i="0" u="none" strike="noStrike" cap="none" normalizeH="0" baseline="0" dirty="0">
+                <a:ln>
+                  <a:noFill/>
+                </a:ln>
+                <a:solidFill>
+                  <a:schemeClr val="tx1"/>
+                </a:solidFill>
+                <a:effectLst/>
+                <a:latin typeface="Arial" panose="020B0604020202020204" pitchFamily="34" charset="0"/>
+              </a:endParaRPr>
+            </a:p>
+          </p:txBody>
+        </p:sp>
+      </p:grpSp>
+      <p:grpSp>
+        <p:nvGrpSpPr>
+          <p:cNvPr id="24" name="Group 23">
+            <a:extLst>
+              <a:ext uri="{FF2B5EF4-FFF2-40B4-BE49-F238E27FC236}">
+                <a16:creationId xmlns:a16="http://schemas.microsoft.com/office/drawing/2014/main" id="{F6E942C5-935E-4400-86FD-664C9AA292A7}"/>
+              </a:ext>
+            </a:extLst>
+          </p:cNvPr>
+          <p:cNvGrpSpPr/>
+          <p:nvPr/>
+        </p:nvGrpSpPr>
+        <p:grpSpPr>
+          <a:xfrm>
+            <a:off x="398105" y="795356"/>
+            <a:ext cx="9622196" cy="5664329"/>
+            <a:chOff x="398105" y="795356"/>
+            <a:chExt cx="9622196" cy="5664329"/>
+          </a:xfrm>
+        </p:grpSpPr>
+        <p:grpSp>
+          <p:nvGrpSpPr>
+            <p:cNvPr id="28" name="Group 27">
+              <a:extLst>
+                <a:ext uri="{FF2B5EF4-FFF2-40B4-BE49-F238E27FC236}">
+                  <a16:creationId xmlns:a16="http://schemas.microsoft.com/office/drawing/2014/main" id="{DABC3B05-3A0C-48BA-98C1-EDB682A6434C}"/>
+                </a:ext>
+              </a:extLst>
+            </p:cNvPr>
+            <p:cNvGrpSpPr/>
+            <p:nvPr/>
+          </p:nvGrpSpPr>
+          <p:grpSpPr>
+            <a:xfrm>
+              <a:off x="3067050" y="1489821"/>
+              <a:ext cx="6210300" cy="4969864"/>
+              <a:chOff x="3431601" y="1523011"/>
+              <a:chExt cx="6210300" cy="4969864"/>
+            </a:xfrm>
+          </p:grpSpPr>
+          <p:pic>
+            <p:nvPicPr>
+              <p:cNvPr id="30" name="Picture 29">
+                <a:extLst>
+                  <a:ext uri="{FF2B5EF4-FFF2-40B4-BE49-F238E27FC236}">
+                    <a16:creationId xmlns:a16="http://schemas.microsoft.com/office/drawing/2014/main" id="{A6E2E867-F446-4884-8EAB-3C3478A1B777}"/>
+                  </a:ext>
+                </a:extLst>
+              </p:cNvPr>
+              <p:cNvPicPr>
+                <a:picLocks noChangeAspect="1"/>
+              </p:cNvPicPr>
+              <p:nvPr/>
+            </p:nvPicPr>
+            <p:blipFill>
+              <a:blip r:embed="rId9"/>
+              <a:stretch>
+                <a:fillRect/>
+              </a:stretch>
+            </p:blipFill>
+            <p:spPr>
+              <a:xfrm>
+                <a:off x="3431601" y="1523011"/>
+                <a:ext cx="2352675" cy="4448175"/>
+              </a:xfrm>
+              <a:prstGeom prst="rect">
+                <a:avLst/>
+              </a:prstGeom>
+            </p:spPr>
+          </p:pic>
+          <p:pic>
+            <p:nvPicPr>
+              <p:cNvPr id="32" name="Picture 31">
+                <a:extLst>
+                  <a:ext uri="{FF2B5EF4-FFF2-40B4-BE49-F238E27FC236}">
+                    <a16:creationId xmlns:a16="http://schemas.microsoft.com/office/drawing/2014/main" id="{40A6C033-79F3-48B4-B60F-7E1C9F3CF043}"/>
+                  </a:ext>
+                </a:extLst>
+              </p:cNvPr>
+              <p:cNvPicPr>
+                <a:picLocks noChangeAspect="1"/>
+              </p:cNvPicPr>
+              <p:nvPr/>
+            </p:nvPicPr>
+            <p:blipFill>
+              <a:blip r:embed="rId10"/>
+              <a:stretch>
+                <a:fillRect/>
+              </a:stretch>
+            </p:blipFill>
+            <p:spPr>
+              <a:xfrm>
+                <a:off x="5784276" y="1835150"/>
+                <a:ext cx="2009775" cy="4124325"/>
+              </a:xfrm>
+              <a:prstGeom prst="rect">
+                <a:avLst/>
+              </a:prstGeom>
+            </p:spPr>
+          </p:pic>
+          <p:pic>
+            <p:nvPicPr>
+              <p:cNvPr id="33" name="Picture 32">
+                <a:extLst>
+                  <a:ext uri="{FF2B5EF4-FFF2-40B4-BE49-F238E27FC236}">
+                    <a16:creationId xmlns:a16="http://schemas.microsoft.com/office/drawing/2014/main" id="{15CDC3E8-CFE2-46B3-BC2B-BADD29269CCA}"/>
+                  </a:ext>
+                </a:extLst>
+              </p:cNvPr>
+              <p:cNvPicPr>
+                <a:picLocks noChangeAspect="1"/>
+              </p:cNvPicPr>
+              <p:nvPr/>
+            </p:nvPicPr>
+            <p:blipFill>
+              <a:blip r:embed="rId11"/>
+              <a:stretch>
+                <a:fillRect/>
+              </a:stretch>
+            </p:blipFill>
+            <p:spPr>
+              <a:xfrm>
+                <a:off x="7794051" y="1835150"/>
+                <a:ext cx="1847850" cy="4657725"/>
+              </a:xfrm>
+              <a:prstGeom prst="rect">
+                <a:avLst/>
+              </a:prstGeom>
+            </p:spPr>
+          </p:pic>
+        </p:grpSp>
+        <p:sp>
+          <p:nvSpPr>
+            <p:cNvPr id="37" name="Content Placeholder 2">
+              <a:extLst>
+                <a:ext uri="{FF2B5EF4-FFF2-40B4-BE49-F238E27FC236}">
+                  <a16:creationId xmlns:a16="http://schemas.microsoft.com/office/drawing/2014/main" id="{001A6386-022A-4115-81EC-381C34810F86}"/>
+                </a:ext>
+              </a:extLst>
+            </p:cNvPr>
+            <p:cNvSpPr txBox="1">
+              <a:spLocks/>
+            </p:cNvSpPr>
+            <p:nvPr/>
+          </p:nvSpPr>
+          <p:spPr>
+            <a:xfrm>
+              <a:off x="398105" y="795356"/>
+              <a:ext cx="9622196" cy="606554"/>
+            </a:xfrm>
+            <a:prstGeom prst="rect">
+              <a:avLst/>
+            </a:prstGeom>
+          </p:spPr>
+          <p:txBody>
+            <a:bodyPr vert="horz" lIns="91440" tIns="45720" rIns="91440" bIns="45720" rtlCol="0">
+              <a:normAutofit/>
+            </a:bodyPr>
+            <a:lstStyle>
+              <a:lvl1pPr marL="228600" indent="-228600" algn="l" defTabSz="914400" rtl="0" eaLnBrk="1" latinLnBrk="0" hangingPunct="1">
+                <a:lnSpc>
+                  <a:spcPct val="90000"/>
+                </a:lnSpc>
+                <a:spcBef>
+                  <a:spcPts val="1000"/>
+                </a:spcBef>
+                <a:buFont typeface="Arial" panose="020B0604020202020204" pitchFamily="34" charset="0"/>
+                <a:buChar char="•"/>
+                <a:defRPr sz="2800" kern="1200">
+                  <a:solidFill>
+                    <a:schemeClr val="tx1"/>
+                  </a:solidFill>
+                  <a:latin typeface="+mn-lt"/>
+                  <a:ea typeface="+mn-ea"/>
+                  <a:cs typeface="+mn-cs"/>
+                </a:defRPr>
+              </a:lvl1pPr>
+              <a:lvl2pPr marL="685800" indent="-228600" algn="l" defTabSz="914400" rtl="0" eaLnBrk="1" latinLnBrk="0" hangingPunct="1">
+                <a:lnSpc>
+                  <a:spcPct val="90000"/>
+                </a:lnSpc>
+                <a:spcBef>
+                  <a:spcPts val="500"/>
+                </a:spcBef>
+                <a:buFont typeface="Arial" panose="020B0604020202020204" pitchFamily="34" charset="0"/>
+                <a:buChar char="•"/>
+                <a:defRPr sz="2400" kern="1200">
+                  <a:solidFill>
+                    <a:schemeClr val="tx1"/>
+                  </a:solidFill>
+                  <a:latin typeface="+mn-lt"/>
+                  <a:ea typeface="+mn-ea"/>
+                  <a:cs typeface="+mn-cs"/>
+                </a:defRPr>
+              </a:lvl2pPr>
+              <a:lvl3pPr marL="1143000" indent="-228600" algn="l" defTabSz="914400" rtl="0" eaLnBrk="1" latinLnBrk="0" hangingPunct="1">
+                <a:lnSpc>
+                  <a:spcPct val="90000"/>
+                </a:lnSpc>
+                <a:spcBef>
+                  <a:spcPts val="500"/>
+                </a:spcBef>
+                <a:buFont typeface="Arial" panose="020B0604020202020204" pitchFamily="34" charset="0"/>
+                <a:buChar char="•"/>
+                <a:defRPr sz="2000" kern="1200">
+                  <a:solidFill>
+                    <a:schemeClr val="tx1"/>
+                  </a:solidFill>
+                  <a:latin typeface="+mn-lt"/>
+                  <a:ea typeface="+mn-ea"/>
+                  <a:cs typeface="+mn-cs"/>
+                </a:defRPr>
+              </a:lvl3pPr>
+              <a:lvl4pPr marL="1600200" indent="-228600" algn="l" defTabSz="914400" rtl="0" eaLnBrk="1" latinLnBrk="0" hangingPunct="1">
+                <a:lnSpc>
+                  <a:spcPct val="90000"/>
+                </a:lnSpc>
+                <a:spcBef>
+                  <a:spcPts val="500"/>
+                </a:spcBef>
+                <a:buFont typeface="Arial" panose="020B0604020202020204" pitchFamily="34" charset="0"/>
+                <a:buChar char="•"/>
+                <a:defRPr sz="1800" kern="1200">
+                  <a:solidFill>
+                    <a:schemeClr val="tx1"/>
+                  </a:solidFill>
+                  <a:latin typeface="+mn-lt"/>
+                  <a:ea typeface="+mn-ea"/>
+                  <a:cs typeface="+mn-cs"/>
+                </a:defRPr>
+              </a:lvl4pPr>
+              <a:lvl5pPr marL="2057400" indent="-228600" algn="l" defTabSz="914400" rtl="0" eaLnBrk="1" latinLnBrk="0" hangingPunct="1">
+                <a:lnSpc>
+                  <a:spcPct val="90000"/>
+                </a:lnSpc>
+                <a:spcBef>
+                  <a:spcPts val="500"/>
+                </a:spcBef>
+                <a:buFont typeface="Arial" panose="020B0604020202020204" pitchFamily="34" charset="0"/>
+                <a:buChar char="•"/>
+                <a:defRPr sz="1800" kern="1200">
+                  <a:solidFill>
+                    <a:schemeClr val="tx1"/>
+                  </a:solidFill>
+                  <a:latin typeface="+mn-lt"/>
+                  <a:ea typeface="+mn-ea"/>
+                  <a:cs typeface="+mn-cs"/>
+                </a:defRPr>
+              </a:lvl5pPr>
+              <a:lvl6pPr marL="2514600" indent="-228600" algn="l" defTabSz="914400" rtl="0" eaLnBrk="1" latinLnBrk="0" hangingPunct="1">
+                <a:lnSpc>
+                  <a:spcPct val="90000"/>
+                </a:lnSpc>
+                <a:spcBef>
+                  <a:spcPts val="500"/>
+                </a:spcBef>
+                <a:buFont typeface="Arial" panose="020B0604020202020204" pitchFamily="34" charset="0"/>
+                <a:buChar char="•"/>
+                <a:defRPr sz="1800" kern="1200">
+                  <a:solidFill>
+                    <a:schemeClr val="tx1"/>
+                  </a:solidFill>
+                  <a:latin typeface="+mn-lt"/>
+                  <a:ea typeface="+mn-ea"/>
+                  <a:cs typeface="+mn-cs"/>
+                </a:defRPr>
+              </a:lvl6pPr>
+              <a:lvl7pPr marL="2971800" indent="-228600" algn="l" defTabSz="914400" rtl="0" eaLnBrk="1" latinLnBrk="0" hangingPunct="1">
+                <a:lnSpc>
+                  <a:spcPct val="90000"/>
+                </a:lnSpc>
+                <a:spcBef>
+                  <a:spcPts val="500"/>
+                </a:spcBef>
+                <a:buFont typeface="Arial" panose="020B0604020202020204" pitchFamily="34" charset="0"/>
+                <a:buChar char="•"/>
+                <a:defRPr sz="1800" kern="1200">
+                  <a:solidFill>
+                    <a:schemeClr val="tx1"/>
+                  </a:solidFill>
+                  <a:latin typeface="+mn-lt"/>
+                  <a:ea typeface="+mn-ea"/>
+                  <a:cs typeface="+mn-cs"/>
+                </a:defRPr>
+              </a:lvl7pPr>
+              <a:lvl8pPr marL="3429000" indent="-228600" algn="l" defTabSz="914400" rtl="0" eaLnBrk="1" latinLnBrk="0" hangingPunct="1">
+                <a:lnSpc>
+                  <a:spcPct val="90000"/>
+                </a:lnSpc>
+                <a:spcBef>
+                  <a:spcPts val="500"/>
+                </a:spcBef>
+                <a:buFont typeface="Arial" panose="020B0604020202020204" pitchFamily="34" charset="0"/>
+                <a:buChar char="•"/>
+                <a:defRPr sz="1800" kern="1200">
+                  <a:solidFill>
+                    <a:schemeClr val="tx1"/>
+                  </a:solidFill>
+                  <a:latin typeface="+mn-lt"/>
+                  <a:ea typeface="+mn-ea"/>
+                  <a:cs typeface="+mn-cs"/>
+                </a:defRPr>
+              </a:lvl8pPr>
+              <a:lvl9pPr marL="3886200" indent="-228600" algn="l" defTabSz="914400" rtl="0" eaLnBrk="1" latinLnBrk="0" hangingPunct="1">
+                <a:lnSpc>
+                  <a:spcPct val="90000"/>
+                </a:lnSpc>
+                <a:spcBef>
+                  <a:spcPts val="500"/>
+                </a:spcBef>
+                <a:buFont typeface="Arial" panose="020B0604020202020204" pitchFamily="34" charset="0"/>
+                <a:buChar char="•"/>
+                <a:defRPr sz="1800" kern="1200">
+                  <a:solidFill>
+                    <a:schemeClr val="tx1"/>
+                  </a:solidFill>
+                  <a:latin typeface="+mn-lt"/>
+                  <a:ea typeface="+mn-ea"/>
+                  <a:cs typeface="+mn-cs"/>
+                </a:defRPr>
+              </a:lvl9pPr>
+            </a:lstStyle>
+            <a:p>
+              <a:pPr marL="0" indent="0">
+                <a:lnSpc>
+                  <a:spcPct val="150000"/>
+                </a:lnSpc>
+                <a:buSzPct val="85000"/>
+                <a:buNone/>
+              </a:pPr>
+              <a:r>
+                <a:rPr lang="en-US" sz="2400" dirty="0"/>
+                <a:t>Data on gun friendliness ratings were manually extracted from the source</a:t>
+              </a:r>
+            </a:p>
+          </p:txBody>
+        </p:sp>
+      </p:grpSp>
+    </p:spTree>
+    <p:extLst>
+      <p:ext uri="{BB962C8B-B14F-4D97-AF65-F5344CB8AC3E}">
+        <p14:creationId xmlns:p14="http://schemas.microsoft.com/office/powerpoint/2010/main" val="2043218463"/>
+      </p:ext>
+    </p:extLst>
+  </p:cSld>
+  <p:clrMapOvr>
+    <a:masterClrMapping/>
+  </p:clrMapOvr>
+  <p:timing>
+    <p:tnLst>
+      <p:par>
+        <p:cTn id="1" dur="indefinite" restart="never" nodeType="tmRoot">
+          <p:childTnLst>
+            <p:seq concurrent="1" nextAc="seek">
+              <p:cTn id="2" dur="indefinite" nodeType="mainSeq">
+                <p:childTnLst>
+                  <p:par>
+                    <p:cTn id="3" fill="hold">
+                      <p:stCondLst>
+                        <p:cond delay="indefinite"/>
+                        <p:cond evt="onBegin" delay="0">
+                          <p:tn val="2"/>
+                        </p:cond>
+                      </p:stCondLst>
+                      <p:childTnLst>
+                        <p:par>
+                          <p:cTn id="4" fill="hold">
+                            <p:stCondLst>
+                              <p:cond delay="0"/>
+                            </p:stCondLst>
+                            <p:childTnLst>
+                              <p:par>
+                                <p:cTn id="5" presetID="47" presetClass="entr" presetSubtype="0" fill="hold" grpId="0" nodeType="withEffect">
+                                  <p:stCondLst>
+                                    <p:cond delay="0"/>
+                                  </p:stCondLst>
+                                  <p:childTnLst>
+                                    <p:set>
+                                      <p:cBhvr>
+                                        <p:cTn id="6" dur="1" fill="hold">
+                                          <p:stCondLst>
+                                            <p:cond delay="0"/>
+                                          </p:stCondLst>
+                                        </p:cTn>
+                                        <p:tgtEl>
+                                          <p:spTgt spid="2"/>
+                                        </p:tgtEl>
+                                        <p:attrNameLst>
+                                          <p:attrName>style.visibility</p:attrName>
+                                        </p:attrNameLst>
+                                      </p:cBhvr>
+                                      <p:to>
+                                        <p:strVal val="visible"/>
+                                      </p:to>
+                                    </p:set>
+                                    <p:animEffect transition="in" filter="fade">
+                                      <p:cBhvr>
+                                        <p:cTn id="7" dur="1000"/>
+                                        <p:tgtEl>
+                                          <p:spTgt spid="2"/>
+                                        </p:tgtEl>
+                                      </p:cBhvr>
+                                    </p:animEffect>
+                                    <p:anim calcmode="lin" valueType="num">
+                                      <p:cBhvr>
+                                        <p:cTn id="8" dur="1000" fill="hold"/>
+                                        <p:tgtEl>
+                                          <p:spTgt spid="2"/>
+                                        </p:tgtEl>
+                                        <p:attrNameLst>
+                                          <p:attrName>ppt_x</p:attrName>
+                                        </p:attrNameLst>
+                                      </p:cBhvr>
+                                      <p:tavLst>
+                                        <p:tav tm="0">
+                                          <p:val>
+                                            <p:strVal val="#ppt_x"/>
+                                          </p:val>
+                                        </p:tav>
+                                        <p:tav tm="100000">
+                                          <p:val>
+                                            <p:strVal val="#ppt_x"/>
+                                          </p:val>
+                                        </p:tav>
+                                      </p:tavLst>
+                                    </p:anim>
+                                    <p:anim calcmode="lin" valueType="num">
+                                      <p:cBhvr>
+                                        <p:cTn id="9" dur="1000" fill="hold"/>
+                                        <p:tgtEl>
+                                          <p:spTgt spid="2"/>
+                                        </p:tgtEl>
+                                        <p:attrNameLst>
+                                          <p:attrName>ppt_y</p:attrName>
+                                        </p:attrNameLst>
+                                      </p:cBhvr>
+                                      <p:tavLst>
+                                        <p:tav tm="0">
+                                          <p:val>
+                                            <p:strVal val="#ppt_y-.1"/>
+                                          </p:val>
+                                        </p:tav>
+                                        <p:tav tm="100000">
+                                          <p:val>
+                                            <p:strVal val="#ppt_y"/>
+                                          </p:val>
+                                        </p:tav>
+                                      </p:tavLst>
+                                    </p:anim>
+                                  </p:childTnLst>
+                                </p:cTn>
+                              </p:par>
+                            </p:childTnLst>
+                          </p:cTn>
+                        </p:par>
+                      </p:childTnLst>
+                    </p:cTn>
+                  </p:par>
+                  <p:par>
+                    <p:cTn id="10" fill="hold">
+                      <p:stCondLst>
+                        <p:cond delay="indefinite"/>
+                      </p:stCondLst>
+                      <p:childTnLst>
+                        <p:par>
+                          <p:cTn id="11" fill="hold">
+                            <p:stCondLst>
+                              <p:cond delay="0"/>
+                            </p:stCondLst>
+                            <p:childTnLst>
+                              <p:par>
+                                <p:cTn id="12" presetID="2" presetClass="entr" presetSubtype="2" fill="hold" nodeType="clickEffect">
+                                  <p:stCondLst>
+                                    <p:cond delay="0"/>
+                                  </p:stCondLst>
+                                  <p:childTnLst>
+                                    <p:set>
+                                      <p:cBhvr>
+                                        <p:cTn id="13" dur="1" fill="hold">
+                                          <p:stCondLst>
+                                            <p:cond delay="0"/>
+                                          </p:stCondLst>
+                                        </p:cTn>
+                                        <p:tgtEl>
+                                          <p:spTgt spid="19"/>
+                                        </p:tgtEl>
+                                        <p:attrNameLst>
+                                          <p:attrName>style.visibility</p:attrName>
+                                        </p:attrNameLst>
+                                      </p:cBhvr>
+                                      <p:to>
+                                        <p:strVal val="visible"/>
+                                      </p:to>
+                                    </p:set>
+                                    <p:anim calcmode="lin" valueType="num">
+                                      <p:cBhvr additive="base">
+                                        <p:cTn id="14" dur="500" fill="hold"/>
+                                        <p:tgtEl>
+                                          <p:spTgt spid="19"/>
+                                        </p:tgtEl>
+                                        <p:attrNameLst>
+                                          <p:attrName>ppt_x</p:attrName>
+                                        </p:attrNameLst>
+                                      </p:cBhvr>
+                                      <p:tavLst>
+                                        <p:tav tm="0">
+                                          <p:val>
+                                            <p:strVal val="1+#ppt_w/2"/>
+                                          </p:val>
+                                        </p:tav>
+                                        <p:tav tm="100000">
+                                          <p:val>
+                                            <p:strVal val="#ppt_x"/>
+                                          </p:val>
+                                        </p:tav>
+                                      </p:tavLst>
+                                    </p:anim>
+                                    <p:anim calcmode="lin" valueType="num">
+                                      <p:cBhvr additive="base">
+                                        <p:cTn id="15" dur="500" fill="hold"/>
+                                        <p:tgtEl>
+                                          <p:spTgt spid="19"/>
+                                        </p:tgtEl>
+                                        <p:attrNameLst>
+                                          <p:attrName>ppt_y</p:attrName>
+                                        </p:attrNameLst>
+                                      </p:cBhvr>
+                                      <p:tavLst>
+                                        <p:tav tm="0">
+                                          <p:val>
+                                            <p:strVal val="#ppt_y"/>
+                                          </p:val>
+                                        </p:tav>
+                                        <p:tav tm="100000">
+                                          <p:val>
+                                            <p:strVal val="#ppt_y"/>
+                                          </p:val>
+                                        </p:tav>
+                                      </p:tavLst>
+                                    </p:anim>
+                                  </p:childTnLst>
+                                </p:cTn>
+                              </p:par>
+                            </p:childTnLst>
+                          </p:cTn>
+                        </p:par>
+                      </p:childTnLst>
+                    </p:cTn>
+                  </p:par>
+                  <p:par>
+                    <p:cTn id="16" fill="hold">
+                      <p:stCondLst>
+                        <p:cond delay="indefinite"/>
+                      </p:stCondLst>
+                      <p:childTnLst>
+                        <p:par>
+                          <p:cTn id="17" fill="hold">
+                            <p:stCondLst>
+                              <p:cond delay="0"/>
+                            </p:stCondLst>
+                            <p:childTnLst>
+                              <p:par>
+                                <p:cTn id="18" presetID="2" presetClass="entr" presetSubtype="2" fill="hold" nodeType="clickEffect">
+                                  <p:stCondLst>
+                                    <p:cond delay="0"/>
+                                  </p:stCondLst>
+                                  <p:childTnLst>
+                                    <p:set>
+                                      <p:cBhvr>
+                                        <p:cTn id="19" dur="1" fill="hold">
+                                          <p:stCondLst>
+                                            <p:cond delay="0"/>
+                                          </p:stCondLst>
+                                        </p:cTn>
+                                        <p:tgtEl>
+                                          <p:spTgt spid="24"/>
+                                        </p:tgtEl>
+                                        <p:attrNameLst>
+                                          <p:attrName>style.visibility</p:attrName>
+                                        </p:attrNameLst>
+                                      </p:cBhvr>
+                                      <p:to>
+                                        <p:strVal val="visible"/>
+                                      </p:to>
+                                    </p:set>
+                                    <p:anim calcmode="lin" valueType="num">
+                                      <p:cBhvr additive="base">
+                                        <p:cTn id="20" dur="500" fill="hold"/>
+                                        <p:tgtEl>
+                                          <p:spTgt spid="24"/>
+                                        </p:tgtEl>
+                                        <p:attrNameLst>
+                                          <p:attrName>ppt_x</p:attrName>
+                                        </p:attrNameLst>
+                                      </p:cBhvr>
+                                      <p:tavLst>
+                                        <p:tav tm="0">
+                                          <p:val>
+                                            <p:strVal val="1+#ppt_w/2"/>
+                                          </p:val>
+                                        </p:tav>
+                                        <p:tav tm="100000">
+                                          <p:val>
+                                            <p:strVal val="#ppt_x"/>
+                                          </p:val>
+                                        </p:tav>
+                                      </p:tavLst>
+                                    </p:anim>
+                                    <p:anim calcmode="lin" valueType="num">
+                                      <p:cBhvr additive="base">
+                                        <p:cTn id="21" dur="500" fill="hold"/>
+                                        <p:tgtEl>
+                                          <p:spTgt spid="24"/>
+                                        </p:tgtEl>
+                                        <p:attrNameLst>
+                                          <p:attrName>ppt_y</p:attrName>
+                                        </p:attrNameLst>
+                                      </p:cBhvr>
+                                      <p:tavLst>
+                                        <p:tav tm="0">
+                                          <p:val>
+                                            <p:strVal val="#ppt_y"/>
+                                          </p:val>
+                                        </p:tav>
+                                        <p:tav tm="100000">
+                                          <p:val>
+                                            <p:strVal val="#ppt_y"/>
+                                          </p:val>
+                                        </p:tav>
+                                      </p:tavLst>
+                                    </p:anim>
+                                  </p:childTnLst>
+                                </p:cTn>
+                              </p:par>
+                              <p:par>
+                                <p:cTn id="22" presetID="2" presetClass="exit" presetSubtype="8" fill="hold" nodeType="withEffect">
+                                  <p:stCondLst>
+                                    <p:cond delay="0"/>
+                                  </p:stCondLst>
+                                  <p:childTnLst>
+                                    <p:anim calcmode="lin" valueType="num">
+                                      <p:cBhvr additive="base">
+                                        <p:cTn id="23" dur="500"/>
+                                        <p:tgtEl>
+                                          <p:spTgt spid="19"/>
+                                        </p:tgtEl>
+                                        <p:attrNameLst>
+                                          <p:attrName>ppt_x</p:attrName>
+                                        </p:attrNameLst>
+                                      </p:cBhvr>
+                                      <p:tavLst>
+                                        <p:tav tm="0">
+                                          <p:val>
+                                            <p:strVal val="ppt_x"/>
+                                          </p:val>
+                                        </p:tav>
+                                        <p:tav tm="100000">
+                                          <p:val>
+                                            <p:strVal val="0-ppt_w/2"/>
+                                          </p:val>
+                                        </p:tav>
+                                      </p:tavLst>
+                                    </p:anim>
+                                    <p:anim calcmode="lin" valueType="num">
+                                      <p:cBhvr additive="base">
+                                        <p:cTn id="24" dur="500"/>
+                                        <p:tgtEl>
+                                          <p:spTgt spid="19"/>
+                                        </p:tgtEl>
+                                        <p:attrNameLst>
+                                          <p:attrName>ppt_y</p:attrName>
+                                        </p:attrNameLst>
+                                      </p:cBhvr>
+                                      <p:tavLst>
+                                        <p:tav tm="0">
+                                          <p:val>
+                                            <p:strVal val="ppt_y"/>
+                                          </p:val>
+                                        </p:tav>
+                                        <p:tav tm="100000">
+                                          <p:val>
+                                            <p:strVal val="ppt_y"/>
+                                          </p:val>
+                                        </p:tav>
+                                      </p:tavLst>
+                                    </p:anim>
+                                    <p:set>
+                                      <p:cBhvr>
+                                        <p:cTn id="25" dur="1" fill="hold">
+                                          <p:stCondLst>
+                                            <p:cond delay="499"/>
+                                          </p:stCondLst>
+                                        </p:cTn>
+                                        <p:tgtEl>
+                                          <p:spTgt spid="19"/>
+                                        </p:tgtEl>
+                                        <p:attrNameLst>
+                                          <p:attrName>style.visibility</p:attrName>
+                                        </p:attrNameLst>
+                                      </p:cBhvr>
+                                      <p:to>
+                                        <p:strVal val="hidden"/>
+                                      </p:to>
+                                    </p:set>
+                                  </p:childTnLst>
+                                </p:cTn>
+                              </p:par>
+                            </p:childTnLst>
+                          </p:cTn>
+                        </p:par>
+                      </p:childTnLst>
+                    </p:cTn>
+                  </p:par>
+                </p:childTnLst>
+              </p:cTn>
+              <p:prevCondLst>
+                <p:cond evt="onPrev" delay="0">
+                  <p:tgtEl>
+                    <p:sldTgt/>
+                  </p:tgtEl>
+                </p:cond>
+              </p:prevCondLst>
+              <p:nextCondLst>
+                <p:cond evt="onNext" delay="0">
+                  <p:tgtEl>
+                    <p:sldTgt/>
+                  </p:tgtEl>
+                </p:cond>
+              </p:nextCondLst>
+            </p:seq>
+          </p:childTnLst>
+        </p:cTn>
+      </p:par>
+    </p:tnLst>
+    <p:bldLst>
+      <p:bldP spid="2" grpId="0"/>
+    </p:bldLst>
+  </p:timing>
+</p:sld>
+</file>
+
+<file path=ppt/slides/slide6.xml><?xml version="1.0" encoding="utf-8"?>
+<p:sld xmlns:a="http://schemas.openxmlformats.org/drawingml/2006/main" xmlns:r="http://schemas.openxmlformats.org/officeDocument/2006/relationships" xmlns:p="http://schemas.openxmlformats.org/presentationml/2006/main">
+  <p:cSld>
+    <p:bg>
+      <p:bgPr>
+        <a:blipFill dpi="0" rotWithShape="1">
+          <a:blip r:embed="rId3">
+            <a:lum/>
+          </a:blip>
+          <a:srcRect/>
+          <a:stretch>
+            <a:fillRect/>
+          </a:stretch>
+        </a:blipFill>
+        <a:effectLst/>
+      </p:bgPr>
+    </p:bg>
+    <p:spTree>
+      <p:nvGrpSpPr>
+        <p:cNvPr id="1" name=""/>
+        <p:cNvGrpSpPr/>
+        <p:nvPr/>
+      </p:nvGrpSpPr>
+      <p:grpSpPr>
+        <a:xfrm>
+          <a:off x="0" y="0"/>
+          <a:ext cx="0" cy="0"/>
+          <a:chOff x="0" y="0"/>
+          <a:chExt cx="0" cy="0"/>
+        </a:xfrm>
+      </p:grpSpPr>
+      <p:sp>
+        <p:nvSpPr>
+          <p:cNvPr id="2" name="Title 1">
+            <a:extLst>
+              <a:ext uri="{FF2B5EF4-FFF2-40B4-BE49-F238E27FC236}">
+                <a16:creationId xmlns:a16="http://schemas.microsoft.com/office/drawing/2014/main" id="{6E3231CE-1F76-40D7-9D25-FE76AD3CFE2C}"/>
+              </a:ext>
+            </a:extLst>
+          </p:cNvPr>
+          <p:cNvSpPr>
+            <a:spLocks noGrp="1"/>
+          </p:cNvSpPr>
+          <p:nvPr>
+            <p:ph type="title"/>
+          </p:nvPr>
+        </p:nvSpPr>
+        <p:spPr>
+          <a:xfrm>
             <a:off x="838200" y="2873829"/>
             <a:ext cx="10515600" cy="1110342"/>
           </a:xfrm>
@@ -21799,7 +25781,7 @@
 </p:sld>
 </file>
 
-<file path=ppt/slides/slide6.xml><?xml version="1.0" encoding="utf-8"?>
+<file path=ppt/slides/slide7.xml><?xml version="1.0" encoding="utf-8"?>
 <p:sld xmlns:a="http://schemas.openxmlformats.org/drawingml/2006/main" xmlns:r="http://schemas.openxmlformats.org/officeDocument/2006/relationships" xmlns:p="http://schemas.openxmlformats.org/presentationml/2006/main">
   <p:cSld>
     <p:bg>
@@ -22561,7 +26543,7 @@
 </p:sld>
 </file>
 
-<file path=ppt/slides/slide7.xml><?xml version="1.0" encoding="utf-8"?>
+<file path=ppt/slides/slide8.xml><?xml version="1.0" encoding="utf-8"?>
 <p:sld xmlns:a="http://schemas.openxmlformats.org/drawingml/2006/main" xmlns:r="http://schemas.openxmlformats.org/officeDocument/2006/relationships" xmlns:p="http://schemas.openxmlformats.org/presentationml/2006/main">
   <p:cSld>
     <p:bg>
@@ -23320,7 +27302,7 @@
 </p:sld>
 </file>
 
-<file path=ppt/slides/slide8.xml><?xml version="1.0" encoding="utf-8"?>
+<file path=ppt/slides/slide9.xml><?xml version="1.0" encoding="utf-8"?>
 <p:sld xmlns:a="http://schemas.openxmlformats.org/drawingml/2006/main" xmlns:r="http://schemas.openxmlformats.org/officeDocument/2006/relationships" xmlns:p="http://schemas.openxmlformats.org/presentationml/2006/main">
   <p:cSld>
     <p:bg>
@@ -23815,565 +27797,6 @@
                                         <p:cTn id="21" dur="500" fill="hold"/>
                                         <p:tgtEl>
                                           <p:spTgt spid="7"/>
-                                        </p:tgtEl>
-                                        <p:attrNameLst>
-                                          <p:attrName>ppt_y</p:attrName>
-                                        </p:attrNameLst>
-                                      </p:cBhvr>
-                                      <p:tavLst>
-                                        <p:tav tm="0">
-                                          <p:val>
-                                            <p:strVal val="0-#ppt_h/2"/>
-                                          </p:val>
-                                        </p:tav>
-                                        <p:tav tm="100000">
-                                          <p:val>
-                                            <p:strVal val="#ppt_y"/>
-                                          </p:val>
-                                        </p:tav>
-                                      </p:tavLst>
-                                    </p:anim>
-                                  </p:childTnLst>
-                                </p:cTn>
-                              </p:par>
-                            </p:childTnLst>
-                          </p:cTn>
-                        </p:par>
-                      </p:childTnLst>
-                    </p:cTn>
-                  </p:par>
-                </p:childTnLst>
-              </p:cTn>
-              <p:prevCondLst>
-                <p:cond evt="onPrev" delay="0">
-                  <p:tgtEl>
-                    <p:sldTgt/>
-                  </p:tgtEl>
-                </p:cond>
-              </p:prevCondLst>
-              <p:nextCondLst>
-                <p:cond evt="onNext" delay="0">
-                  <p:tgtEl>
-                    <p:sldTgt/>
-                  </p:tgtEl>
-                </p:cond>
-              </p:nextCondLst>
-            </p:seq>
-          </p:childTnLst>
-        </p:cTn>
-      </p:par>
-    </p:tnLst>
-    <p:bldLst>
-      <p:bldP spid="6" grpId="0"/>
-    </p:bldLst>
-  </p:timing>
-</p:sld>
-</file>
-
-<file path=ppt/slides/slide9.xml><?xml version="1.0" encoding="utf-8"?>
-<p:sld xmlns:a="http://schemas.openxmlformats.org/drawingml/2006/main" xmlns:r="http://schemas.openxmlformats.org/officeDocument/2006/relationships" xmlns:p="http://schemas.openxmlformats.org/presentationml/2006/main">
-  <p:cSld>
-    <p:bg>
-      <p:bgPr>
-        <a:blipFill dpi="0" rotWithShape="1">
-          <a:blip r:embed="rId3">
-            <a:lum/>
-          </a:blip>
-          <a:srcRect/>
-          <a:stretch>
-            <a:fillRect/>
-          </a:stretch>
-        </a:blipFill>
-        <a:effectLst/>
-      </p:bgPr>
-    </p:bg>
-    <p:spTree>
-      <p:nvGrpSpPr>
-        <p:cNvPr id="1" name=""/>
-        <p:cNvGrpSpPr/>
-        <p:nvPr/>
-      </p:nvGrpSpPr>
-      <p:grpSpPr>
-        <a:xfrm>
-          <a:off x="0" y="0"/>
-          <a:ext cx="0" cy="0"/>
-          <a:chOff x="0" y="0"/>
-          <a:chExt cx="0" cy="0"/>
-        </a:xfrm>
-      </p:grpSpPr>
-      <p:pic>
-        <p:nvPicPr>
-          <p:cNvPr id="2" name="Picture 1"/>
-          <p:cNvPicPr>
-            <a:picLocks noChangeAspect="1"/>
-          </p:cNvPicPr>
-          <p:nvPr/>
-        </p:nvPicPr>
-        <p:blipFill>
-          <a:blip r:embed="rId4">
-            <a:extLst>
-              <a:ext uri="{28A0092B-C50C-407E-A947-70E740481C1C}">
-                <a14:useLocalDpi xmlns:a14="http://schemas.microsoft.com/office/drawing/2010/main" val="0"/>
-              </a:ext>
-            </a:extLst>
-          </a:blip>
-          <a:stretch>
-            <a:fillRect/>
-          </a:stretch>
-        </p:blipFill>
-        <p:spPr>
-          <a:xfrm>
-            <a:off x="78750" y="1534211"/>
-            <a:ext cx="12007344" cy="2183153"/>
-          </a:xfrm>
-          <a:prstGeom prst="rect">
-            <a:avLst/>
-          </a:prstGeom>
-          <a:ln>
-            <a:solidFill>
-              <a:schemeClr val="tx1"/>
-            </a:solidFill>
-          </a:ln>
-        </p:spPr>
-      </p:pic>
-      <p:pic>
-        <p:nvPicPr>
-          <p:cNvPr id="3" name="Picture 2"/>
-          <p:cNvPicPr>
-            <a:picLocks noChangeAspect="1"/>
-          </p:cNvPicPr>
-          <p:nvPr/>
-        </p:nvPicPr>
-        <p:blipFill>
-          <a:blip r:embed="rId5">
-            <a:extLst>
-              <a:ext uri="{28A0092B-C50C-407E-A947-70E740481C1C}">
-                <a14:useLocalDpi xmlns:a14="http://schemas.microsoft.com/office/drawing/2010/main" val="0"/>
-              </a:ext>
-            </a:extLst>
-          </a:blip>
-          <a:stretch>
-            <a:fillRect/>
-          </a:stretch>
-        </p:blipFill>
-        <p:spPr>
-          <a:xfrm>
-            <a:off x="78749" y="4131703"/>
-            <a:ext cx="12077043" cy="2195826"/>
-          </a:xfrm>
-          <a:prstGeom prst="rect">
-            <a:avLst/>
-          </a:prstGeom>
-          <a:ln>
-            <a:solidFill>
-              <a:schemeClr val="tx1"/>
-            </a:solidFill>
-          </a:ln>
-        </p:spPr>
-      </p:pic>
-      <p:pic>
-        <p:nvPicPr>
-          <p:cNvPr id="8" name="Picture 7"/>
-          <p:cNvPicPr>
-            <a:picLocks noChangeAspect="1"/>
-          </p:cNvPicPr>
-          <p:nvPr/>
-        </p:nvPicPr>
-        <p:blipFill>
-          <a:blip r:embed="rId6"/>
-          <a:stretch>
-            <a:fillRect/>
-          </a:stretch>
-        </p:blipFill>
-        <p:spPr>
-          <a:xfrm>
-            <a:off x="8483506" y="79666"/>
-            <a:ext cx="3602588" cy="1144920"/>
-          </a:xfrm>
-          <a:prstGeom prst="rect">
-            <a:avLst/>
-          </a:prstGeom>
-          <a:solidFill>
-            <a:schemeClr val="tx1"/>
-          </a:solidFill>
-        </p:spPr>
-      </p:pic>
-      <p:sp>
-        <p:nvSpPr>
-          <p:cNvPr id="6" name="Title 1">
-            <a:extLst>
-              <a:ext uri="{FF2B5EF4-FFF2-40B4-BE49-F238E27FC236}">
-                <a16:creationId xmlns:a16="http://schemas.microsoft.com/office/drawing/2014/main" id="{9E83E140-EF63-4289-8672-6573D6934203}"/>
-              </a:ext>
-            </a:extLst>
-          </p:cNvPr>
-          <p:cNvSpPr txBox="1">
-            <a:spLocks/>
-          </p:cNvSpPr>
-          <p:nvPr/>
-        </p:nvSpPr>
-        <p:spPr>
-          <a:xfrm>
-            <a:off x="72521" y="0"/>
-            <a:ext cx="9049139" cy="1110342"/>
-          </a:xfrm>
-          <a:prstGeom prst="rect">
-            <a:avLst/>
-          </a:prstGeom>
-        </p:spPr>
-        <p:txBody>
-          <a:bodyPr vert="horz" lIns="91440" tIns="45720" rIns="91440" bIns="45720" rtlCol="0" anchor="ctr">
-            <a:noAutofit/>
-          </a:bodyPr>
-          <a:lstStyle>
-            <a:lvl1pPr algn="l" defTabSz="914400" rtl="0" eaLnBrk="1" latinLnBrk="0" hangingPunct="1">
-              <a:lnSpc>
-                <a:spcPct val="90000"/>
-              </a:lnSpc>
-              <a:spcBef>
-                <a:spcPct val="0"/>
-              </a:spcBef>
-              <a:buNone/>
-              <a:defRPr sz="4400" kern="1200">
-                <a:solidFill>
-                  <a:schemeClr val="tx1"/>
-                </a:solidFill>
-                <a:latin typeface="+mj-lt"/>
-                <a:ea typeface="+mj-ea"/>
-                <a:cs typeface="+mj-cs"/>
-              </a:defRPr>
-            </a:lvl1pPr>
-          </a:lstStyle>
-          <a:p>
-            <a:r>
-              <a:rPr lang="en-US" dirty="0"/>
-              <a:t>A: OR JUST STAY IN CALIFORNIA</a:t>
-            </a:r>
-          </a:p>
-        </p:txBody>
-      </p:sp>
-    </p:spTree>
-    <p:extLst>
-      <p:ext uri="{BB962C8B-B14F-4D97-AF65-F5344CB8AC3E}">
-        <p14:creationId xmlns:p14="http://schemas.microsoft.com/office/powerpoint/2010/main" val="485167274"/>
-      </p:ext>
-    </p:extLst>
-  </p:cSld>
-  <p:clrMapOvr>
-    <a:masterClrMapping/>
-  </p:clrMapOvr>
-  <p:timing>
-    <p:tnLst>
-      <p:par>
-        <p:cTn id="1" dur="indefinite" restart="never" nodeType="tmRoot">
-          <p:childTnLst>
-            <p:seq concurrent="1" nextAc="seek">
-              <p:cTn id="2" dur="indefinite" nodeType="mainSeq">
-                <p:childTnLst>
-                  <p:par>
-                    <p:cTn id="3" fill="hold">
-                      <p:stCondLst>
-                        <p:cond delay="indefinite"/>
-                        <p:cond evt="onBegin" delay="0">
-                          <p:tn val="2"/>
-                        </p:cond>
-                      </p:stCondLst>
-                      <p:childTnLst>
-                        <p:par>
-                          <p:cTn id="4" fill="hold">
-                            <p:stCondLst>
-                              <p:cond delay="0"/>
-                            </p:stCondLst>
-                            <p:childTnLst>
-                              <p:par>
-                                <p:cTn id="5" presetID="2" presetClass="entr" presetSubtype="8" fill="hold" grpId="0" nodeType="withEffect">
-                                  <p:stCondLst>
-                                    <p:cond delay="0"/>
-                                  </p:stCondLst>
-                                  <p:childTnLst>
-                                    <p:set>
-                                      <p:cBhvr>
-                                        <p:cTn id="6" dur="1" fill="hold">
-                                          <p:stCondLst>
-                                            <p:cond delay="0"/>
-                                          </p:stCondLst>
-                                        </p:cTn>
-                                        <p:tgtEl>
-                                          <p:spTgt spid="6"/>
-                                        </p:tgtEl>
-                                        <p:attrNameLst>
-                                          <p:attrName>style.visibility</p:attrName>
-                                        </p:attrNameLst>
-                                      </p:cBhvr>
-                                      <p:to>
-                                        <p:strVal val="visible"/>
-                                      </p:to>
-                                    </p:set>
-                                    <p:anim calcmode="lin" valueType="num">
-                                      <p:cBhvr additive="base">
-                                        <p:cTn id="7" dur="500" fill="hold"/>
-                                        <p:tgtEl>
-                                          <p:spTgt spid="6"/>
-                                        </p:tgtEl>
-                                        <p:attrNameLst>
-                                          <p:attrName>ppt_x</p:attrName>
-                                        </p:attrNameLst>
-                                      </p:cBhvr>
-                                      <p:tavLst>
-                                        <p:tav tm="0">
-                                          <p:val>
-                                            <p:strVal val="0-#ppt_w/2"/>
-                                          </p:val>
-                                        </p:tav>
-                                        <p:tav tm="100000">
-                                          <p:val>
-                                            <p:strVal val="#ppt_x"/>
-                                          </p:val>
-                                        </p:tav>
-                                      </p:tavLst>
-                                    </p:anim>
-                                    <p:anim calcmode="lin" valueType="num">
-                                      <p:cBhvr additive="base">
-                                        <p:cTn id="8" dur="500" fill="hold"/>
-                                        <p:tgtEl>
-                                          <p:spTgt spid="6"/>
-                                        </p:tgtEl>
-                                        <p:attrNameLst>
-                                          <p:attrName>ppt_y</p:attrName>
-                                        </p:attrNameLst>
-                                      </p:cBhvr>
-                                      <p:tavLst>
-                                        <p:tav tm="0">
-                                          <p:val>
-                                            <p:strVal val="#ppt_y"/>
-                                          </p:val>
-                                        </p:tav>
-                                        <p:tav tm="100000">
-                                          <p:val>
-                                            <p:strVal val="#ppt_y"/>
-                                          </p:val>
-                                        </p:tav>
-                                      </p:tavLst>
-                                    </p:anim>
-                                  </p:childTnLst>
-                                </p:cTn>
-                              </p:par>
-                            </p:childTnLst>
-                          </p:cTn>
-                        </p:par>
-                        <p:par>
-                          <p:cTn id="9" fill="hold">
-                            <p:stCondLst>
-                              <p:cond delay="500"/>
-                            </p:stCondLst>
-                            <p:childTnLst>
-                              <p:par>
-                                <p:cTn id="10" presetID="2" presetClass="entr" presetSubtype="8" fill="hold" nodeType="afterEffect">
-                                  <p:stCondLst>
-                                    <p:cond delay="1000"/>
-                                  </p:stCondLst>
-                                  <p:childTnLst>
-                                    <p:set>
-                                      <p:cBhvr>
-                                        <p:cTn id="11" dur="1" fill="hold">
-                                          <p:stCondLst>
-                                            <p:cond delay="0"/>
-                                          </p:stCondLst>
-                                        </p:cTn>
-                                        <p:tgtEl>
-                                          <p:spTgt spid="2"/>
-                                        </p:tgtEl>
-                                        <p:attrNameLst>
-                                          <p:attrName>style.visibility</p:attrName>
-                                        </p:attrNameLst>
-                                      </p:cBhvr>
-                                      <p:to>
-                                        <p:strVal val="visible"/>
-                                      </p:to>
-                                    </p:set>
-                                    <p:anim calcmode="lin" valueType="num">
-                                      <p:cBhvr additive="base">
-                                        <p:cTn id="12" dur="500" fill="hold"/>
-                                        <p:tgtEl>
-                                          <p:spTgt spid="2"/>
-                                        </p:tgtEl>
-                                        <p:attrNameLst>
-                                          <p:attrName>ppt_x</p:attrName>
-                                        </p:attrNameLst>
-                                      </p:cBhvr>
-                                      <p:tavLst>
-                                        <p:tav tm="0">
-                                          <p:val>
-                                            <p:strVal val="0-#ppt_w/2"/>
-                                          </p:val>
-                                        </p:tav>
-                                        <p:tav tm="100000">
-                                          <p:val>
-                                            <p:strVal val="#ppt_x"/>
-                                          </p:val>
-                                        </p:tav>
-                                      </p:tavLst>
-                                    </p:anim>
-                                    <p:anim calcmode="lin" valueType="num">
-                                      <p:cBhvr additive="base">
-                                        <p:cTn id="13" dur="500" fill="hold"/>
-                                        <p:tgtEl>
-                                          <p:spTgt spid="2"/>
-                                        </p:tgtEl>
-                                        <p:attrNameLst>
-                                          <p:attrName>ppt_y</p:attrName>
-                                        </p:attrNameLst>
-                                      </p:cBhvr>
-                                      <p:tavLst>
-                                        <p:tav tm="0">
-                                          <p:val>
-                                            <p:strVal val="#ppt_y"/>
-                                          </p:val>
-                                        </p:tav>
-                                        <p:tav tm="100000">
-                                          <p:val>
-                                            <p:strVal val="#ppt_y"/>
-                                          </p:val>
-                                        </p:tav>
-                                      </p:tavLst>
-                                    </p:anim>
-                                  </p:childTnLst>
-                                </p:cTn>
-                              </p:par>
-                              <p:par>
-                                <p:cTn id="14" presetID="2" presetClass="entr" presetSubtype="2" fill="hold" nodeType="withEffect">
-                                  <p:stCondLst>
-                                    <p:cond delay="1250"/>
-                                  </p:stCondLst>
-                                  <p:childTnLst>
-                                    <p:set>
-                                      <p:cBhvr>
-                                        <p:cTn id="15" dur="1" fill="hold">
-                                          <p:stCondLst>
-                                            <p:cond delay="0"/>
-                                          </p:stCondLst>
-                                        </p:cTn>
-                                        <p:tgtEl>
-                                          <p:spTgt spid="3"/>
-                                        </p:tgtEl>
-                                        <p:attrNameLst>
-                                          <p:attrName>style.visibility</p:attrName>
-                                        </p:attrNameLst>
-                                      </p:cBhvr>
-                                      <p:to>
-                                        <p:strVal val="visible"/>
-                                      </p:to>
-                                    </p:set>
-                                    <p:anim calcmode="lin" valueType="num">
-                                      <p:cBhvr additive="base">
-                                        <p:cTn id="16" dur="500" fill="hold"/>
-                                        <p:tgtEl>
-                                          <p:spTgt spid="3"/>
-                                        </p:tgtEl>
-                                        <p:attrNameLst>
-                                          <p:attrName>ppt_x</p:attrName>
-                                        </p:attrNameLst>
-                                      </p:cBhvr>
-                                      <p:tavLst>
-                                        <p:tav tm="0">
-                                          <p:val>
-                                            <p:strVal val="1+#ppt_w/2"/>
-                                          </p:val>
-                                        </p:tav>
-                                        <p:tav tm="100000">
-                                          <p:val>
-                                            <p:strVal val="#ppt_x"/>
-                                          </p:val>
-                                        </p:tav>
-                                      </p:tavLst>
-                                    </p:anim>
-                                    <p:anim calcmode="lin" valueType="num">
-                                      <p:cBhvr additive="base">
-                                        <p:cTn id="17" dur="500" fill="hold"/>
-                                        <p:tgtEl>
-                                          <p:spTgt spid="3"/>
-                                        </p:tgtEl>
-                                        <p:attrNameLst>
-                                          <p:attrName>ppt_y</p:attrName>
-                                        </p:attrNameLst>
-                                      </p:cBhvr>
-                                      <p:tavLst>
-                                        <p:tav tm="0">
-                                          <p:val>
-                                            <p:strVal val="#ppt_y"/>
-                                          </p:val>
-                                        </p:tav>
-                                        <p:tav tm="100000">
-                                          <p:val>
-                                            <p:strVal val="#ppt_y"/>
-                                          </p:val>
-                                        </p:tav>
-                                      </p:tavLst>
-                                    </p:anim>
-                                  </p:childTnLst>
-                                </p:cTn>
-                              </p:par>
-                            </p:childTnLst>
-                          </p:cTn>
-                        </p:par>
-                        <p:par>
-                          <p:cTn id="18" fill="hold">
-                            <p:stCondLst>
-                              <p:cond delay="2250"/>
-                            </p:stCondLst>
-                            <p:childTnLst>
-                              <p:par>
-                                <p:cTn id="19" presetID="2" presetClass="entr" presetSubtype="1" fill="hold" nodeType="afterEffect">
-                                  <p:stCondLst>
-                                    <p:cond delay="250"/>
-                                  </p:stCondLst>
-                                  <p:childTnLst>
-                                    <p:set>
-                                      <p:cBhvr>
-                                        <p:cTn id="20" dur="1" fill="hold">
-                                          <p:stCondLst>
-                                            <p:cond delay="0"/>
-                                          </p:stCondLst>
-                                        </p:cTn>
-                                        <p:tgtEl>
-                                          <p:spTgt spid="8"/>
-                                        </p:tgtEl>
-                                        <p:attrNameLst>
-                                          <p:attrName>style.visibility</p:attrName>
-                                        </p:attrNameLst>
-                                      </p:cBhvr>
-                                      <p:to>
-                                        <p:strVal val="visible"/>
-                                      </p:to>
-                                    </p:set>
-                                    <p:anim calcmode="lin" valueType="num">
-                                      <p:cBhvr additive="base">
-                                        <p:cTn id="21" dur="500" fill="hold"/>
-                                        <p:tgtEl>
-                                          <p:spTgt spid="8"/>
-                                        </p:tgtEl>
-                                        <p:attrNameLst>
-                                          <p:attrName>ppt_x</p:attrName>
-                                        </p:attrNameLst>
-                                      </p:cBhvr>
-                                      <p:tavLst>
-                                        <p:tav tm="0">
-                                          <p:val>
-                                            <p:strVal val="#ppt_x"/>
-                                          </p:val>
-                                        </p:tav>
-                                        <p:tav tm="100000">
-                                          <p:val>
-                                            <p:strVal val="#ppt_x"/>
-                                          </p:val>
-                                        </p:tav>
-                                      </p:tavLst>
-                                    </p:anim>
-                                    <p:anim calcmode="lin" valueType="num">
-                                      <p:cBhvr additive="base">
-                                        <p:cTn id="22" dur="500" fill="hold"/>
-                                        <p:tgtEl>
-                                          <p:spTgt spid="8"/>
                                         </p:tgtEl>
                                         <p:attrNameLst>
                                           <p:attrName>ppt_y</p:attrName>

--- a/Presentation/Gun Violence.pptx
+++ b/Presentation/Gun Violence.pptx
@@ -5,7 +5,7 @@
     <p:sldMasterId id="2147483660" r:id="rId1"/>
   </p:sldMasterIdLst>
   <p:notesMasterIdLst>
-    <p:notesMasterId r:id="rId18"/>
+    <p:notesMasterId r:id="rId19"/>
   </p:notesMasterIdLst>
   <p:sldIdLst>
     <p:sldId id="256" r:id="rId2"/>
@@ -18,12 +18,13 @@
     <p:sldId id="261" r:id="rId9"/>
     <p:sldId id="268" r:id="rId10"/>
     <p:sldId id="269" r:id="rId11"/>
-    <p:sldId id="266" r:id="rId12"/>
-    <p:sldId id="262" r:id="rId13"/>
-    <p:sldId id="263" r:id="rId14"/>
-    <p:sldId id="264" r:id="rId15"/>
-    <p:sldId id="272" r:id="rId16"/>
-    <p:sldId id="265" r:id="rId17"/>
+    <p:sldId id="273" r:id="rId12"/>
+    <p:sldId id="266" r:id="rId13"/>
+    <p:sldId id="262" r:id="rId14"/>
+    <p:sldId id="263" r:id="rId15"/>
+    <p:sldId id="264" r:id="rId16"/>
+    <p:sldId id="272" r:id="rId17"/>
+    <p:sldId id="265" r:id="rId18"/>
   </p:sldIdLst>
   <p:sldSz cx="12192000" cy="6858000"/>
   <p:notesSz cx="6858000" cy="9144000"/>
@@ -762,6 +763,228 @@
           <a:lstStyle/>
           <a:p>
             <a:r>
+              <a:rPr lang="en-US" b="1" dirty="0"/>
+              <a:t>Question appears </a:t>
+            </a:r>
+            <a:r>
+              <a:rPr lang="en-US" dirty="0"/>
+              <a:t>-&gt; [Narrator] Discuss what we tried to investigate and what are the components of ‘gun-friendliness’ rating -&gt; </a:t>
+            </a:r>
+            <a:r>
+              <a:rPr lang="en-US" b="1" dirty="0"/>
+              <a:t>Click</a:t>
+            </a:r>
+            <a:r>
+              <a:rPr lang="en-US" dirty="0"/>
+              <a:t> -&gt; </a:t>
+            </a:r>
+            <a:r>
+              <a:rPr lang="en-US" b="1" dirty="0"/>
+              <a:t>Answer appears </a:t>
+            </a:r>
+            <a:r>
+              <a:rPr lang="en-US" dirty="0"/>
+              <a:t>-&gt; </a:t>
+            </a:r>
+            <a:r>
+              <a:rPr lang="en-US" b="1" dirty="0"/>
+              <a:t>Charts appear </a:t>
+            </a:r>
+            <a:r>
+              <a:rPr lang="en-US" dirty="0"/>
+              <a:t>-&gt; [Narrator] Draw a conclusion that there is no correlation</a:t>
+            </a:r>
+          </a:p>
+        </p:txBody>
+      </p:sp>
+      <p:sp>
+        <p:nvSpPr>
+          <p:cNvPr id="4" name="Slide Number Placeholder 3"/>
+          <p:cNvSpPr>
+            <a:spLocks noGrp="1"/>
+          </p:cNvSpPr>
+          <p:nvPr>
+            <p:ph type="sldNum" sz="quarter" idx="5"/>
+          </p:nvPr>
+        </p:nvSpPr>
+        <p:spPr/>
+        <p:txBody>
+          <a:bodyPr/>
+          <a:lstStyle/>
+          <a:p>
+            <a:fld id="{15736144-2E2E-483E-8D4E-7A087D64C6CE}" type="slidenum">
+              <a:rPr lang="en-US" smtClean="0"/>
+              <a:t>11</a:t>
+            </a:fld>
+            <a:endParaRPr lang="en-US"/>
+          </a:p>
+        </p:txBody>
+      </p:sp>
+    </p:spTree>
+    <p:extLst>
+      <p:ext uri="{BB962C8B-B14F-4D97-AF65-F5344CB8AC3E}">
+        <p14:creationId xmlns:p14="http://schemas.microsoft.com/office/powerpoint/2010/main" val="965858639"/>
+      </p:ext>
+    </p:extLst>
+  </p:cSld>
+  <p:clrMapOvr>
+    <a:masterClrMapping/>
+  </p:clrMapOvr>
+</p:notes>
+</file>
+
+<file path=ppt/notesSlides/notesSlide12.xml><?xml version="1.0" encoding="utf-8"?>
+<p:notes xmlns:a="http://schemas.openxmlformats.org/drawingml/2006/main" xmlns:r="http://schemas.openxmlformats.org/officeDocument/2006/relationships" xmlns:p="http://schemas.openxmlformats.org/presentationml/2006/main">
+  <p:cSld>
+    <p:spTree>
+      <p:nvGrpSpPr>
+        <p:cNvPr id="1" name=""/>
+        <p:cNvGrpSpPr/>
+        <p:nvPr/>
+      </p:nvGrpSpPr>
+      <p:grpSpPr>
+        <a:xfrm>
+          <a:off x="0" y="0"/>
+          <a:ext cx="0" cy="0"/>
+          <a:chOff x="0" y="0"/>
+          <a:chExt cx="0" cy="0"/>
+        </a:xfrm>
+      </p:grpSpPr>
+      <p:sp>
+        <p:nvSpPr>
+          <p:cNvPr id="2" name="Slide Image Placeholder 1"/>
+          <p:cNvSpPr>
+            <a:spLocks noGrp="1" noRot="1" noChangeAspect="1"/>
+          </p:cNvSpPr>
+          <p:nvPr>
+            <p:ph type="sldImg"/>
+          </p:nvPr>
+        </p:nvSpPr>
+        <p:spPr/>
+      </p:sp>
+      <p:sp>
+        <p:nvSpPr>
+          <p:cNvPr id="3" name="Notes Placeholder 2"/>
+          <p:cNvSpPr>
+            <a:spLocks noGrp="1"/>
+          </p:cNvSpPr>
+          <p:nvPr>
+            <p:ph type="body" idx="1"/>
+          </p:nvPr>
+        </p:nvSpPr>
+        <p:spPr/>
+        <p:txBody>
+          <a:bodyPr/>
+          <a:lstStyle/>
+          <a:p>
+            <a:r>
+              <a:rPr lang="en-US" b="1" dirty="0"/>
+              <a:t>Question appears </a:t>
+            </a:r>
+            <a:r>
+              <a:rPr lang="en-US" dirty="0"/>
+              <a:t>-&gt; [Narrator] Explain your goal for uncovering demography-related trends -&gt; </a:t>
+            </a:r>
+            <a:r>
+              <a:rPr lang="en-US" b="1" dirty="0"/>
+              <a:t>Click</a:t>
+            </a:r>
+            <a:r>
+              <a:rPr lang="en-US" dirty="0"/>
+              <a:t> -&gt; </a:t>
+            </a:r>
+            <a:r>
+              <a:rPr lang="en-US" b="1" dirty="0"/>
+              <a:t>Answer appears -&gt; Charts appear </a:t>
+            </a:r>
+            <a:r>
+              <a:rPr lang="en-US" dirty="0"/>
+              <a:t>-&gt; [Narrator] Draw a conclusion on the high amount of incident that involve teens and kids</a:t>
+            </a:r>
+          </a:p>
+        </p:txBody>
+      </p:sp>
+      <p:sp>
+        <p:nvSpPr>
+          <p:cNvPr id="4" name="Slide Number Placeholder 3"/>
+          <p:cNvSpPr>
+            <a:spLocks noGrp="1"/>
+          </p:cNvSpPr>
+          <p:nvPr>
+            <p:ph type="sldNum" sz="quarter" idx="5"/>
+          </p:nvPr>
+        </p:nvSpPr>
+        <p:spPr/>
+        <p:txBody>
+          <a:bodyPr/>
+          <a:lstStyle/>
+          <a:p>
+            <a:fld id="{15736144-2E2E-483E-8D4E-7A087D64C6CE}" type="slidenum">
+              <a:rPr lang="en-US" smtClean="0"/>
+              <a:t>12</a:t>
+            </a:fld>
+            <a:endParaRPr lang="en-US"/>
+          </a:p>
+        </p:txBody>
+      </p:sp>
+    </p:spTree>
+    <p:extLst>
+      <p:ext uri="{BB962C8B-B14F-4D97-AF65-F5344CB8AC3E}">
+        <p14:creationId xmlns:p14="http://schemas.microsoft.com/office/powerpoint/2010/main" val="3675090310"/>
+      </p:ext>
+    </p:extLst>
+  </p:cSld>
+  <p:clrMapOvr>
+    <a:masterClrMapping/>
+  </p:clrMapOvr>
+</p:notes>
+</file>
+
+<file path=ppt/notesSlides/notesSlide13.xml><?xml version="1.0" encoding="utf-8"?>
+<p:notes xmlns:a="http://schemas.openxmlformats.org/drawingml/2006/main" xmlns:r="http://schemas.openxmlformats.org/officeDocument/2006/relationships" xmlns:p="http://schemas.openxmlformats.org/presentationml/2006/main">
+  <p:cSld>
+    <p:spTree>
+      <p:nvGrpSpPr>
+        <p:cNvPr id="1" name=""/>
+        <p:cNvGrpSpPr/>
+        <p:nvPr/>
+      </p:nvGrpSpPr>
+      <p:grpSpPr>
+        <a:xfrm>
+          <a:off x="0" y="0"/>
+          <a:ext cx="0" cy="0"/>
+          <a:chOff x="0" y="0"/>
+          <a:chExt cx="0" cy="0"/>
+        </a:xfrm>
+      </p:grpSpPr>
+      <p:sp>
+        <p:nvSpPr>
+          <p:cNvPr id="2" name="Slide Image Placeholder 1"/>
+          <p:cNvSpPr>
+            <a:spLocks noGrp="1" noRot="1" noChangeAspect="1"/>
+          </p:cNvSpPr>
+          <p:nvPr>
+            <p:ph type="sldImg"/>
+          </p:nvPr>
+        </p:nvSpPr>
+        <p:spPr/>
+      </p:sp>
+      <p:sp>
+        <p:nvSpPr>
+          <p:cNvPr id="3" name="Notes Placeholder 2"/>
+          <p:cNvSpPr>
+            <a:spLocks noGrp="1"/>
+          </p:cNvSpPr>
+          <p:nvPr>
+            <p:ph type="body" idx="1"/>
+          </p:nvPr>
+        </p:nvSpPr>
+        <p:spPr/>
+        <p:txBody>
+          <a:bodyPr/>
+          <a:lstStyle/>
+          <a:p>
+            <a:r>
               <a:rPr lang="en-US" dirty="0"/>
               <a:t>[Narrator] A couple of words about upcoming data – incidents are categorized, one incident can belong to multiple categories [Click] -&gt; </a:t>
             </a:r>
@@ -793,7 +1016,7 @@
           <a:p>
             <a:fld id="{15736144-2E2E-483E-8D4E-7A087D64C6CE}" type="slidenum">
               <a:rPr lang="en-US" smtClean="0"/>
-              <a:t>12</a:t>
+              <a:t>13</a:t>
             </a:fld>
             <a:endParaRPr lang="en-US"/>
           </a:p>
@@ -812,7 +1035,7 @@
 </p:notes>
 </file>
 
-<file path=ppt/notesSlides/notesSlide12.xml><?xml version="1.0" encoding="utf-8"?>
+<file path=ppt/notesSlides/notesSlide14.xml><?xml version="1.0" encoding="utf-8"?>
 <p:notes xmlns:a="http://schemas.openxmlformats.org/drawingml/2006/main" xmlns:r="http://schemas.openxmlformats.org/officeDocument/2006/relationships" xmlns:p="http://schemas.openxmlformats.org/presentationml/2006/main">
   <p:cSld>
     <p:spTree>
@@ -888,7 +1111,7 @@
           <a:p>
             <a:fld id="{15736144-2E2E-483E-8D4E-7A087D64C6CE}" type="slidenum">
               <a:rPr lang="en-US" smtClean="0"/>
-              <a:t>13</a:t>
+              <a:t>14</a:t>
             </a:fld>
             <a:endParaRPr lang="en-US"/>
           </a:p>
@@ -907,7 +1130,7 @@
 </p:notes>
 </file>
 
-<file path=ppt/notesSlides/notesSlide13.xml><?xml version="1.0" encoding="utf-8"?>
+<file path=ppt/notesSlides/notesSlide15.xml><?xml version="1.0" encoding="utf-8"?>
 <p:notes xmlns:a="http://schemas.openxmlformats.org/drawingml/2006/main" xmlns:r="http://schemas.openxmlformats.org/officeDocument/2006/relationships" xmlns:p="http://schemas.openxmlformats.org/presentationml/2006/main">
   <p:cSld>
     <p:spTree>
@@ -1000,7 +1223,7 @@
           <a:p>
             <a:fld id="{15736144-2E2E-483E-8D4E-7A087D64C6CE}" type="slidenum">
               <a:rPr lang="en-US" smtClean="0"/>
-              <a:t>14</a:t>
+              <a:t>15</a:t>
             </a:fld>
             <a:endParaRPr lang="en-US"/>
           </a:p>
@@ -1019,7 +1242,7 @@
 </p:notes>
 </file>
 
-<file path=ppt/notesSlides/notesSlide14.xml><?xml version="1.0" encoding="utf-8"?>
+<file path=ppt/notesSlides/notesSlide16.xml><?xml version="1.0" encoding="utf-8"?>
 <p:notes xmlns:a="http://schemas.openxmlformats.org/drawingml/2006/main" xmlns:r="http://schemas.openxmlformats.org/officeDocument/2006/relationships" xmlns:p="http://schemas.openxmlformats.org/presentationml/2006/main">
   <p:cSld>
     <p:spTree>
@@ -1063,7 +1286,22 @@
           <a:bodyPr/>
           <a:lstStyle/>
           <a:p>
-            <a:endParaRPr lang="en-US" dirty="0"/>
+            <a:r>
+              <a:rPr lang="en-US" b="1" dirty="0"/>
+              <a:t>Question appears </a:t>
+            </a:r>
+            <a:r>
+              <a:rPr lang="en-US" dirty="0"/>
+              <a:t>-&gt; [Narrator] Start telling about what out analysis lacks -&gt; [Click] </a:t>
+            </a:r>
+            <a:r>
+              <a:rPr lang="en-US" b="1" dirty="0"/>
+              <a:t>Future analysis directions appear </a:t>
+            </a:r>
+            <a:r>
+              <a:rPr lang="en-US" dirty="0"/>
+              <a:t>-&gt; [Narrator] Explain the categories (do we get more e.g. suicides over time, is there a correlation between CCW and kill count, does the weapon permit effectively reduce the number of home invasion incidents, how much does poverty influence the incidents number)</a:t>
+            </a:r>
           </a:p>
         </p:txBody>
       </p:sp>
@@ -1084,7 +1322,7 @@
           <a:p>
             <a:fld id="{15736144-2E2E-483E-8D4E-7A087D64C6CE}" type="slidenum">
               <a:rPr lang="en-US" smtClean="0"/>
-              <a:t>15</a:t>
+              <a:t>16</a:t>
             </a:fld>
             <a:endParaRPr lang="en-US"/>
           </a:p>
@@ -1103,7 +1341,7 @@
 </p:notes>
 </file>
 
-<file path=ppt/notesSlides/notesSlide15.xml><?xml version="1.0" encoding="utf-8"?>
+<file path=ppt/notesSlides/notesSlide17.xml><?xml version="1.0" encoding="utf-8"?>
 <p:notes xmlns:a="http://schemas.openxmlformats.org/drawingml/2006/main" xmlns:r="http://schemas.openxmlformats.org/officeDocument/2006/relationships" xmlns:p="http://schemas.openxmlformats.org/presentationml/2006/main">
   <p:cSld>
     <p:spTree>
@@ -1147,7 +1385,10 @@
           <a:bodyPr/>
           <a:lstStyle/>
           <a:p>
-            <a:endParaRPr lang="en-US" dirty="0"/>
+            <a:r>
+              <a:rPr lang="en-US" dirty="0"/>
+              <a:t>Wait for bullets to show up</a:t>
+            </a:r>
           </a:p>
         </p:txBody>
       </p:sp>
@@ -1168,7 +1409,7 @@
           <a:p>
             <a:fld id="{15736144-2E2E-483E-8D4E-7A087D64C6CE}" type="slidenum">
               <a:rPr lang="en-US" smtClean="0"/>
-              <a:t>16</a:t>
+              <a:t>17</a:t>
             </a:fld>
             <a:endParaRPr lang="en-US"/>
           </a:p>
@@ -1596,7 +1837,30 @@
           <a:bodyPr/>
           <a:lstStyle/>
           <a:p>
-            <a:endParaRPr lang="en-US" dirty="0"/>
+            <a:r>
+              <a:rPr lang="en-US" b="1" dirty="0"/>
+              <a:t>Question appears </a:t>
+            </a:r>
+            <a:r>
+              <a:rPr lang="en-US" dirty="0"/>
+              <a:t>-&gt; [Narrator] So, here are the other data sources we used [Click] </a:t>
+            </a:r>
+            <a:r>
+              <a:rPr lang="en-US" b="1" dirty="0"/>
+              <a:t>-&gt; Census data appears </a:t>
+            </a:r>
+            <a:r>
+              <a:rPr lang="en-US" dirty="0"/>
+              <a:t>-&gt; [Narrator] Census data is available on demand and doesn’t necessary need to be stored in the repository [Click] -&gt; </a:t>
+            </a:r>
+            <a:r>
+              <a:rPr lang="en-US" b="1" dirty="0"/>
+              <a:t>Star ratings appear </a:t>
+            </a:r>
+            <a:r>
+              <a:rPr lang="en-US" dirty="0"/>
+              <a:t>-&gt; [Narrator] That source didn’t have the ability to download the data so we had to scrape them by hands</a:t>
+            </a:r>
           </a:p>
         </p:txBody>
       </p:sp>
@@ -1767,7 +2031,38 @@
           <a:bodyPr/>
           <a:lstStyle/>
           <a:p>
-            <a:endParaRPr lang="en-US" dirty="0"/>
+            <a:r>
+              <a:rPr lang="en-US" b="1" dirty="0"/>
+              <a:t>Question appears </a:t>
+            </a:r>
+            <a:r>
+              <a:rPr lang="en-US" dirty="0"/>
+              <a:t>-&gt; [Narrator] A couple of words on what we look for comparing time and incident number -&gt; [Click] -&gt; </a:t>
+            </a:r>
+            <a:r>
+              <a:rPr lang="en-US" b="1" dirty="0"/>
+              <a:t>Answer appears </a:t>
+            </a:r>
+            <a:r>
+              <a:rPr lang="en-US" dirty="0"/>
+              <a:t>-&gt; </a:t>
+            </a:r>
+            <a:r>
+              <a:rPr lang="en-US" b="1" dirty="0"/>
+              <a:t>Charts appear </a:t>
+            </a:r>
+            <a:r>
+              <a:rPr lang="en-US" dirty="0"/>
+              <a:t>-&gt; [Narrator] Draw a </a:t>
+            </a:r>
+            <a:r>
+              <a:rPr lang="en-US" dirty="0" err="1"/>
+              <a:t>conslusion</a:t>
+            </a:r>
+            <a:r>
+              <a:rPr lang="en-US" dirty="0"/>
+              <a:t> on the number of incidents growing</a:t>
+            </a:r>
           </a:p>
         </p:txBody>
       </p:sp>
@@ -1853,7 +2148,31 @@
           <a:p>
             <a:r>
               <a:rPr lang="en-US" dirty="0"/>
-              <a:t>[Narrator] A couple of words about upcoming data – more incidents means more danger [Click] -&gt; Answer appears -&gt; State stats appears -&gt; [Narrator] Discuss the statistics, be ready to explain the lack of per capita data. [Click] -&gt; City data appears -&gt; [Narrator] Discuss the statistics, mention Chicago and its mafia history</a:t>
+              <a:t>Question appears [Narrator] A couple of words about upcoming data – more incidents means more danger [Click] -&gt; </a:t>
+            </a:r>
+            <a:r>
+              <a:rPr lang="en-US" b="1" dirty="0"/>
+              <a:t>Answer appears </a:t>
+            </a:r>
+            <a:r>
+              <a:rPr lang="en-US" dirty="0"/>
+              <a:t>-&gt; </a:t>
+            </a:r>
+            <a:r>
+              <a:rPr lang="en-US" b="1" dirty="0"/>
+              <a:t>State stats appears </a:t>
+            </a:r>
+            <a:r>
+              <a:rPr lang="en-US" dirty="0"/>
+              <a:t>-&gt; [Narrator] Discuss the statistics drawing attention to the top states [Click] -&gt; </a:t>
+            </a:r>
+            <a:r>
+              <a:rPr lang="en-US" b="1" dirty="0"/>
+              <a:t>City data appears</a:t>
+            </a:r>
+            <a:r>
+              <a:rPr lang="en-US" dirty="0"/>
+              <a:t> -&gt; [Narrator] Discuss the statistics, mention Chicago and its mafia history</a:t>
             </a:r>
           </a:p>
         </p:txBody>
@@ -5136,15 +5455,7 @@
             </a:pPr>
             <a:r>
               <a:rPr lang="en-US" sz="3200" dirty="0"/>
-              <a:t> </a:t>
-            </a:r>
-            <a:r>
-              <a:rPr lang="en-US" sz="3200" dirty="0" err="1"/>
-              <a:t>Kimmay</a:t>
-            </a:r>
-            <a:r>
-              <a:rPr lang="en-US" sz="3200" dirty="0"/>
-              <a:t> Truong</a:t>
+              <a:t> Kimmy Truong</a:t>
             </a:r>
           </a:p>
         </p:txBody>
@@ -5795,76 +6106,6 @@
       </p:grpSpPr>
       <p:pic>
         <p:nvPicPr>
-          <p:cNvPr id="2" name="Picture 1"/>
-          <p:cNvPicPr>
-            <a:picLocks noChangeAspect="1"/>
-          </p:cNvPicPr>
-          <p:nvPr/>
-        </p:nvPicPr>
-        <p:blipFill>
-          <a:blip r:embed="rId4">
-            <a:extLst>
-              <a:ext uri="{28A0092B-C50C-407E-A947-70E740481C1C}">
-                <a14:useLocalDpi xmlns:a14="http://schemas.microsoft.com/office/drawing/2010/main" val="0"/>
-              </a:ext>
-            </a:extLst>
-          </a:blip>
-          <a:stretch>
-            <a:fillRect/>
-          </a:stretch>
-        </p:blipFill>
-        <p:spPr>
-          <a:xfrm>
-            <a:off x="78750" y="1534211"/>
-            <a:ext cx="12007344" cy="2183153"/>
-          </a:xfrm>
-          <a:prstGeom prst="rect">
-            <a:avLst/>
-          </a:prstGeom>
-          <a:ln>
-            <a:solidFill>
-              <a:schemeClr val="tx1"/>
-            </a:solidFill>
-          </a:ln>
-        </p:spPr>
-      </p:pic>
-      <p:pic>
-        <p:nvPicPr>
-          <p:cNvPr id="3" name="Picture 2"/>
-          <p:cNvPicPr>
-            <a:picLocks noChangeAspect="1"/>
-          </p:cNvPicPr>
-          <p:nvPr/>
-        </p:nvPicPr>
-        <p:blipFill>
-          <a:blip r:embed="rId5">
-            <a:extLst>
-              <a:ext uri="{28A0092B-C50C-407E-A947-70E740481C1C}">
-                <a14:useLocalDpi xmlns:a14="http://schemas.microsoft.com/office/drawing/2010/main" val="0"/>
-              </a:ext>
-            </a:extLst>
-          </a:blip>
-          <a:stretch>
-            <a:fillRect/>
-          </a:stretch>
-        </p:blipFill>
-        <p:spPr>
-          <a:xfrm>
-            <a:off x="78749" y="4131703"/>
-            <a:ext cx="12077043" cy="2195826"/>
-          </a:xfrm>
-          <a:prstGeom prst="rect">
-            <a:avLst/>
-          </a:prstGeom>
-          <a:ln>
-            <a:solidFill>
-              <a:schemeClr val="tx1"/>
-            </a:solidFill>
-          </a:ln>
-        </p:spPr>
-      </p:pic>
-      <p:pic>
-        <p:nvPicPr>
           <p:cNvPr id="8" name="Picture 7"/>
           <p:cNvPicPr>
             <a:picLocks noChangeAspect="1"/>
@@ -5872,7 +6113,7 @@
           <p:nvPr/>
         </p:nvPicPr>
         <p:blipFill>
-          <a:blip r:embed="rId6"/>
+          <a:blip r:embed="rId4"/>
           <a:stretch>
             <a:fillRect/>
           </a:stretch>
@@ -5944,6 +6185,78 @@
           </a:p>
         </p:txBody>
       </p:sp>
+      <p:pic>
+        <p:nvPicPr>
+          <p:cNvPr id="7" name="Picture 6">
+            <a:extLst>
+              <a:ext uri="{FF2B5EF4-FFF2-40B4-BE49-F238E27FC236}">
+                <a16:creationId xmlns:a16="http://schemas.microsoft.com/office/drawing/2014/main" id="{5956967E-EDC0-496B-BB84-94316F8C6AD0}"/>
+              </a:ext>
+            </a:extLst>
+          </p:cNvPr>
+          <p:cNvPicPr>
+            <a:picLocks noChangeAspect="1"/>
+          </p:cNvPicPr>
+          <p:nvPr/>
+        </p:nvPicPr>
+        <p:blipFill>
+          <a:blip r:embed="rId5">
+            <a:extLst>
+              <a:ext uri="{28A0092B-C50C-407E-A947-70E740481C1C}">
+                <a14:useLocalDpi xmlns:a14="http://schemas.microsoft.com/office/drawing/2010/main" val="0"/>
+              </a:ext>
+            </a:extLst>
+          </a:blip>
+          <a:stretch>
+            <a:fillRect/>
+          </a:stretch>
+        </p:blipFill>
+        <p:spPr>
+          <a:xfrm>
+            <a:off x="4580" y="1449557"/>
+            <a:ext cx="12187420" cy="2612909"/>
+          </a:xfrm>
+          <a:prstGeom prst="rect">
+            <a:avLst/>
+          </a:prstGeom>
+        </p:spPr>
+      </p:pic>
+      <p:pic>
+        <p:nvPicPr>
+          <p:cNvPr id="9" name="Picture 8">
+            <a:extLst>
+              <a:ext uri="{FF2B5EF4-FFF2-40B4-BE49-F238E27FC236}">
+                <a16:creationId xmlns:a16="http://schemas.microsoft.com/office/drawing/2014/main" id="{F0E44A6E-3E94-4B05-B18F-DBA2D0A0CB47}"/>
+              </a:ext>
+            </a:extLst>
+          </p:cNvPr>
+          <p:cNvPicPr>
+            <a:picLocks noChangeAspect="1"/>
+          </p:cNvPicPr>
+          <p:nvPr/>
+        </p:nvPicPr>
+        <p:blipFill>
+          <a:blip r:embed="rId6">
+            <a:extLst>
+              <a:ext uri="{28A0092B-C50C-407E-A947-70E740481C1C}">
+                <a14:useLocalDpi xmlns:a14="http://schemas.microsoft.com/office/drawing/2010/main" val="0"/>
+              </a:ext>
+            </a:extLst>
+          </a:blip>
+          <a:stretch>
+            <a:fillRect/>
+          </a:stretch>
+        </p:blipFill>
+        <p:spPr>
+          <a:xfrm>
+            <a:off x="7657" y="4151599"/>
+            <a:ext cx="12181266" cy="2611590"/>
+          </a:xfrm>
+          <a:prstGeom prst="rect">
+            <a:avLst/>
+          </a:prstGeom>
+        </p:spPr>
+      </p:pic>
     </p:spTree>
     <p:extLst>
       <p:ext uri="{BB962C8B-B14F-4D97-AF65-F5344CB8AC3E}">
@@ -6060,9 +6373,9 @@
                             </p:stCondLst>
                             <p:childTnLst>
                               <p:par>
-                                <p:cTn id="10" presetID="2" presetClass="entr" presetSubtype="8" fill="hold" nodeType="afterEffect">
+                                <p:cTn id="10" presetID="2" presetClass="entr" presetSubtype="1" fill="hold" nodeType="afterEffect">
                                   <p:stCondLst>
-                                    <p:cond delay="1000"/>
+                                    <p:cond delay="250"/>
                                   </p:stCondLst>
                                   <p:childTnLst>
                                     <p:set>
@@ -6073,7 +6386,7 @@
                                           </p:stCondLst>
                                         </p:cTn>
                                         <p:tgtEl>
-                                          <p:spTgt spid="2"/>
+                                          <p:spTgt spid="8"/>
                                         </p:tgtEl>
                                         <p:attrNameLst>
                                           <p:attrName>style.visibility</p:attrName>
@@ -6087,7 +6400,7 @@
                                       <p:cBhvr additive="base">
                                         <p:cTn id="12" dur="500" fill="hold"/>
                                         <p:tgtEl>
-                                          <p:spTgt spid="2"/>
+                                          <p:spTgt spid="8"/>
                                         </p:tgtEl>
                                         <p:attrNameLst>
                                           <p:attrName>ppt_x</p:attrName>
@@ -6096,7 +6409,7 @@
                                       <p:tavLst>
                                         <p:tav tm="0">
                                           <p:val>
-                                            <p:strVal val="0-#ppt_w/2"/>
+                                            <p:strVal val="#ppt_x"/>
                                           </p:val>
                                         </p:tav>
                                         <p:tav tm="100000">
@@ -6110,7 +6423,7 @@
                                       <p:cBhvr additive="base">
                                         <p:cTn id="13" dur="500" fill="hold"/>
                                         <p:tgtEl>
-                                          <p:spTgt spid="2"/>
+                                          <p:spTgt spid="8"/>
                                         </p:tgtEl>
                                         <p:attrNameLst>
                                           <p:attrName>ppt_y</p:attrName>
@@ -6119,7 +6432,7 @@
                                       <p:tavLst>
                                         <p:tav tm="0">
                                           <p:val>
-                                            <p:strVal val="#ppt_y"/>
+                                            <p:strVal val="0-#ppt_h/2"/>
                                           </p:val>
                                         </p:tav>
                                         <p:tav tm="100000">
@@ -6133,9 +6446,9 @@
                                 </p:cTn>
                               </p:par>
                               <p:par>
-                                <p:cTn id="14" presetID="2" presetClass="entr" presetSubtype="2" fill="hold" nodeType="withEffect">
+                                <p:cTn id="14" presetID="2" presetClass="entr" presetSubtype="8" fill="hold" nodeType="withEffect">
                                   <p:stCondLst>
-                                    <p:cond delay="1250"/>
+                                    <p:cond delay="250"/>
                                   </p:stCondLst>
                                   <p:childTnLst>
                                     <p:set>
@@ -6146,7 +6459,7 @@
                                           </p:stCondLst>
                                         </p:cTn>
                                         <p:tgtEl>
-                                          <p:spTgt spid="3"/>
+                                          <p:spTgt spid="7"/>
                                         </p:tgtEl>
                                         <p:attrNameLst>
                                           <p:attrName>style.visibility</p:attrName>
@@ -6160,7 +6473,7 @@
                                       <p:cBhvr additive="base">
                                         <p:cTn id="16" dur="500" fill="hold"/>
                                         <p:tgtEl>
-                                          <p:spTgt spid="3"/>
+                                          <p:spTgt spid="7"/>
                                         </p:tgtEl>
                                         <p:attrNameLst>
                                           <p:attrName>ppt_x</p:attrName>
@@ -6169,7 +6482,7 @@
                                       <p:tavLst>
                                         <p:tav tm="0">
                                           <p:val>
-                                            <p:strVal val="1+#ppt_w/2"/>
+                                            <p:strVal val="0-#ppt_w/2"/>
                                           </p:val>
                                         </p:tav>
                                         <p:tav tm="100000">
@@ -6183,7 +6496,7 @@
                                       <p:cBhvr additive="base">
                                         <p:cTn id="17" dur="500" fill="hold"/>
                                         <p:tgtEl>
-                                          <p:spTgt spid="3"/>
+                                          <p:spTgt spid="7"/>
                                         </p:tgtEl>
                                         <p:attrNameLst>
                                           <p:attrName>ppt_y</p:attrName>
@@ -6205,30 +6518,21 @@
                                   </p:childTnLst>
                                 </p:cTn>
                               </p:par>
-                            </p:childTnLst>
-                          </p:cTn>
-                        </p:par>
-                        <p:par>
-                          <p:cTn id="18" fill="hold">
-                            <p:stCondLst>
-                              <p:cond delay="2250"/>
-                            </p:stCondLst>
-                            <p:childTnLst>
                               <p:par>
-                                <p:cTn id="19" presetID="2" presetClass="entr" presetSubtype="1" fill="hold" nodeType="afterEffect">
+                                <p:cTn id="18" presetID="2" presetClass="entr" presetSubtype="2" fill="hold" nodeType="withEffect">
                                   <p:stCondLst>
-                                    <p:cond delay="250"/>
+                                    <p:cond delay="500"/>
                                   </p:stCondLst>
                                   <p:childTnLst>
                                     <p:set>
                                       <p:cBhvr>
-                                        <p:cTn id="20" dur="1" fill="hold">
+                                        <p:cTn id="19" dur="1" fill="hold">
                                           <p:stCondLst>
                                             <p:cond delay="0"/>
                                           </p:stCondLst>
                                         </p:cTn>
                                         <p:tgtEl>
-                                          <p:spTgt spid="8"/>
+                                          <p:spTgt spid="9"/>
                                         </p:tgtEl>
                                         <p:attrNameLst>
                                           <p:attrName>style.visibility</p:attrName>
@@ -6240,9 +6544,9 @@
                                     </p:set>
                                     <p:anim calcmode="lin" valueType="num">
                                       <p:cBhvr additive="base">
-                                        <p:cTn id="21" dur="500" fill="hold"/>
-                                        <p:tgtEl>
-                                          <p:spTgt spid="8"/>
+                                        <p:cTn id="20" dur="500" fill="hold"/>
+                                        <p:tgtEl>
+                                          <p:spTgt spid="9"/>
                                         </p:tgtEl>
                                         <p:attrNameLst>
                                           <p:attrName>ppt_x</p:attrName>
@@ -6251,7 +6555,7 @@
                                       <p:tavLst>
                                         <p:tav tm="0">
                                           <p:val>
-                                            <p:strVal val="#ppt_x"/>
+                                            <p:strVal val="1+#ppt_w/2"/>
                                           </p:val>
                                         </p:tav>
                                         <p:tav tm="100000">
@@ -6263,9 +6567,9 @@
                                     </p:anim>
                                     <p:anim calcmode="lin" valueType="num">
                                       <p:cBhvr additive="base">
-                                        <p:cTn id="22" dur="500" fill="hold"/>
-                                        <p:tgtEl>
-                                          <p:spTgt spid="8"/>
+                                        <p:cTn id="21" dur="500" fill="hold"/>
+                                        <p:tgtEl>
+                                          <p:spTgt spid="9"/>
                                         </p:tgtEl>
                                         <p:attrNameLst>
                                           <p:attrName>ppt_y</p:attrName>
@@ -6274,7 +6578,7 @@
                                       <p:tavLst>
                                         <p:tav tm="0">
                                           <p:val>
-                                            <p:strVal val="0-#ppt_h/2"/>
+                                            <p:strVal val="#ppt_y"/>
                                           </p:val>
                                         </p:tav>
                                         <p:tav tm="100000">
@@ -6327,7 +6631,610 @@
     <p:bg>
       <p:bgPr>
         <a:blipFill dpi="0" rotWithShape="1">
-          <a:blip r:embed="rId2">
+          <a:blip r:embed="rId3">
+            <a:lum/>
+          </a:blip>
+          <a:srcRect/>
+          <a:stretch>
+            <a:fillRect/>
+          </a:stretch>
+        </a:blipFill>
+        <a:effectLst/>
+      </p:bgPr>
+    </p:bg>
+    <p:spTree>
+      <p:nvGrpSpPr>
+        <p:cNvPr id="1" name=""/>
+        <p:cNvGrpSpPr/>
+        <p:nvPr/>
+      </p:nvGrpSpPr>
+      <p:grpSpPr>
+        <a:xfrm>
+          <a:off x="0" y="0"/>
+          <a:ext cx="0" cy="0"/>
+          <a:chOff x="0" y="0"/>
+          <a:chExt cx="0" cy="0"/>
+        </a:xfrm>
+      </p:grpSpPr>
+      <p:pic>
+        <p:nvPicPr>
+          <p:cNvPr id="5" name="Picture 4">
+            <a:extLst>
+              <a:ext uri="{FF2B5EF4-FFF2-40B4-BE49-F238E27FC236}">
+                <a16:creationId xmlns:a16="http://schemas.microsoft.com/office/drawing/2014/main" id="{652F8266-5BD3-4F23-BA2F-15BA1184EB66}"/>
+              </a:ext>
+            </a:extLst>
+          </p:cNvPr>
+          <p:cNvPicPr>
+            <a:picLocks noChangeAspect="1"/>
+          </p:cNvPicPr>
+          <p:nvPr/>
+        </p:nvPicPr>
+        <p:blipFill>
+          <a:blip r:embed="rId4"/>
+          <a:stretch>
+            <a:fillRect/>
+          </a:stretch>
+        </p:blipFill>
+        <p:spPr>
+          <a:xfrm>
+            <a:off x="-1" y="1779752"/>
+            <a:ext cx="6036121" cy="3706648"/>
+          </a:xfrm>
+          <a:prstGeom prst="rect">
+            <a:avLst/>
+          </a:prstGeom>
+        </p:spPr>
+      </p:pic>
+      <p:pic>
+        <p:nvPicPr>
+          <p:cNvPr id="6" name="Picture 5">
+            <a:extLst>
+              <a:ext uri="{FF2B5EF4-FFF2-40B4-BE49-F238E27FC236}">
+                <a16:creationId xmlns:a16="http://schemas.microsoft.com/office/drawing/2014/main" id="{F288B351-D75D-453F-8177-F6AA0771636C}"/>
+              </a:ext>
+            </a:extLst>
+          </p:cNvPr>
+          <p:cNvPicPr>
+            <a:picLocks noChangeAspect="1"/>
+          </p:cNvPicPr>
+          <p:nvPr/>
+        </p:nvPicPr>
+        <p:blipFill>
+          <a:blip r:embed="rId5"/>
+          <a:stretch>
+            <a:fillRect/>
+          </a:stretch>
+        </p:blipFill>
+        <p:spPr>
+          <a:xfrm>
+            <a:off x="6036121" y="1779753"/>
+            <a:ext cx="6155879" cy="3706647"/>
+          </a:xfrm>
+          <a:prstGeom prst="rect">
+            <a:avLst/>
+          </a:prstGeom>
+        </p:spPr>
+      </p:pic>
+      <p:sp>
+        <p:nvSpPr>
+          <p:cNvPr id="7" name="Title 1">
+            <a:extLst>
+              <a:ext uri="{FF2B5EF4-FFF2-40B4-BE49-F238E27FC236}">
+                <a16:creationId xmlns:a16="http://schemas.microsoft.com/office/drawing/2014/main" id="{B4CE16BE-F643-4655-800E-73CA3E9B6384}"/>
+              </a:ext>
+            </a:extLst>
+          </p:cNvPr>
+          <p:cNvSpPr txBox="1">
+            <a:spLocks/>
+          </p:cNvSpPr>
+          <p:nvPr/>
+        </p:nvSpPr>
+        <p:spPr>
+          <a:xfrm>
+            <a:off x="838200" y="1"/>
+            <a:ext cx="10515600" cy="774439"/>
+          </a:xfrm>
+          <a:prstGeom prst="rect">
+            <a:avLst/>
+          </a:prstGeom>
+        </p:spPr>
+        <p:txBody>
+          <a:bodyPr>
+            <a:noAutofit/>
+          </a:bodyPr>
+          <a:lstStyle>
+            <a:lvl1pPr algn="l" defTabSz="914400" rtl="0" eaLnBrk="1" latinLnBrk="0" hangingPunct="1">
+              <a:lnSpc>
+                <a:spcPct val="90000"/>
+              </a:lnSpc>
+              <a:spcBef>
+                <a:spcPct val="0"/>
+              </a:spcBef>
+              <a:buNone/>
+              <a:defRPr sz="4400" kern="1200">
+                <a:solidFill>
+                  <a:schemeClr val="tx1"/>
+                </a:solidFill>
+                <a:latin typeface="+mj-lt"/>
+                <a:ea typeface="+mj-ea"/>
+                <a:cs typeface="+mj-cs"/>
+              </a:defRPr>
+            </a:lvl1pPr>
+          </a:lstStyle>
+          <a:p>
+            <a:pPr algn="ctr"/>
+            <a:r>
+              <a:rPr lang="en-US" dirty="0"/>
+              <a:t>Q: MORE GUNS = MORE SHOOTING?</a:t>
+            </a:r>
+          </a:p>
+        </p:txBody>
+      </p:sp>
+      <p:sp>
+        <p:nvSpPr>
+          <p:cNvPr id="8" name="Title 1">
+            <a:extLst>
+              <a:ext uri="{FF2B5EF4-FFF2-40B4-BE49-F238E27FC236}">
+                <a16:creationId xmlns:a16="http://schemas.microsoft.com/office/drawing/2014/main" id="{B23679A5-F176-437F-9098-77B138FECEB9}"/>
+              </a:ext>
+            </a:extLst>
+          </p:cNvPr>
+          <p:cNvSpPr txBox="1">
+            <a:spLocks/>
+          </p:cNvSpPr>
+          <p:nvPr/>
+        </p:nvSpPr>
+        <p:spPr>
+          <a:xfrm>
+            <a:off x="1950097" y="429210"/>
+            <a:ext cx="9049139" cy="1110342"/>
+          </a:xfrm>
+          <a:prstGeom prst="rect">
+            <a:avLst/>
+          </a:prstGeom>
+        </p:spPr>
+        <p:txBody>
+          <a:bodyPr vert="horz" lIns="91440" tIns="45720" rIns="91440" bIns="45720" rtlCol="0" anchor="ctr">
+            <a:noAutofit/>
+          </a:bodyPr>
+          <a:lstStyle>
+            <a:lvl1pPr algn="l" defTabSz="914400" rtl="0" eaLnBrk="1" latinLnBrk="0" hangingPunct="1">
+              <a:lnSpc>
+                <a:spcPct val="90000"/>
+              </a:lnSpc>
+              <a:spcBef>
+                <a:spcPct val="0"/>
+              </a:spcBef>
+              <a:buNone/>
+              <a:defRPr sz="4400" kern="1200">
+                <a:solidFill>
+                  <a:schemeClr val="tx1"/>
+                </a:solidFill>
+                <a:latin typeface="+mj-lt"/>
+                <a:ea typeface="+mj-ea"/>
+                <a:cs typeface="+mj-cs"/>
+              </a:defRPr>
+            </a:lvl1pPr>
+          </a:lstStyle>
+          <a:p>
+            <a:r>
+              <a:rPr lang="en-US" dirty="0"/>
+              <a:t>A: SUPRISINGLY, NOT EXACTLY</a:t>
+            </a:r>
+          </a:p>
+        </p:txBody>
+      </p:sp>
+    </p:spTree>
+    <p:extLst>
+      <p:ext uri="{BB962C8B-B14F-4D97-AF65-F5344CB8AC3E}">
+        <p14:creationId xmlns:p14="http://schemas.microsoft.com/office/powerpoint/2010/main" val="2107278466"/>
+      </p:ext>
+    </p:extLst>
+  </p:cSld>
+  <p:clrMapOvr>
+    <a:masterClrMapping/>
+  </p:clrMapOvr>
+  <p:timing>
+    <p:tnLst>
+      <p:par>
+        <p:cTn id="1" dur="indefinite" restart="never" nodeType="tmRoot">
+          <p:childTnLst>
+            <p:seq concurrent="1" nextAc="seek">
+              <p:cTn id="2" dur="indefinite" nodeType="mainSeq">
+                <p:childTnLst>
+                  <p:par>
+                    <p:cTn id="3" fill="hold">
+                      <p:stCondLst>
+                        <p:cond delay="indefinite"/>
+                        <p:cond evt="onBegin" delay="0">
+                          <p:tn val="2"/>
+                        </p:cond>
+                      </p:stCondLst>
+                      <p:childTnLst>
+                        <p:par>
+                          <p:cTn id="4" fill="hold">
+                            <p:stCondLst>
+                              <p:cond delay="0"/>
+                            </p:stCondLst>
+                            <p:childTnLst>
+                              <p:par>
+                                <p:cTn id="5" presetID="42" presetClass="entr" presetSubtype="0" fill="hold" grpId="0" nodeType="withEffect">
+                                  <p:stCondLst>
+                                    <p:cond delay="0"/>
+                                  </p:stCondLst>
+                                  <p:childTnLst>
+                                    <p:set>
+                                      <p:cBhvr>
+                                        <p:cTn id="6" dur="1" fill="hold">
+                                          <p:stCondLst>
+                                            <p:cond delay="0"/>
+                                          </p:stCondLst>
+                                        </p:cTn>
+                                        <p:tgtEl>
+                                          <p:spTgt spid="7"/>
+                                        </p:tgtEl>
+                                        <p:attrNameLst>
+                                          <p:attrName>style.visibility</p:attrName>
+                                        </p:attrNameLst>
+                                      </p:cBhvr>
+                                      <p:to>
+                                        <p:strVal val="visible"/>
+                                      </p:to>
+                                    </p:set>
+                                    <p:animEffect transition="in" filter="fade">
+                                      <p:cBhvr>
+                                        <p:cTn id="7" dur="1000"/>
+                                        <p:tgtEl>
+                                          <p:spTgt spid="7"/>
+                                        </p:tgtEl>
+                                      </p:cBhvr>
+                                    </p:animEffect>
+                                    <p:anim calcmode="lin" valueType="num">
+                                      <p:cBhvr>
+                                        <p:cTn id="8" dur="1000" fill="hold"/>
+                                        <p:tgtEl>
+                                          <p:spTgt spid="7"/>
+                                        </p:tgtEl>
+                                        <p:attrNameLst>
+                                          <p:attrName>ppt_x</p:attrName>
+                                        </p:attrNameLst>
+                                      </p:cBhvr>
+                                      <p:tavLst>
+                                        <p:tav tm="0">
+                                          <p:val>
+                                            <p:strVal val="#ppt_x"/>
+                                          </p:val>
+                                        </p:tav>
+                                        <p:tav tm="100000">
+                                          <p:val>
+                                            <p:strVal val="#ppt_x"/>
+                                          </p:val>
+                                        </p:tav>
+                                      </p:tavLst>
+                                    </p:anim>
+                                    <p:anim calcmode="lin" valueType="num">
+                                      <p:cBhvr>
+                                        <p:cTn id="9" dur="1000" fill="hold"/>
+                                        <p:tgtEl>
+                                          <p:spTgt spid="7"/>
+                                        </p:tgtEl>
+                                        <p:attrNameLst>
+                                          <p:attrName>ppt_y</p:attrName>
+                                        </p:attrNameLst>
+                                      </p:cBhvr>
+                                      <p:tavLst>
+                                        <p:tav tm="0">
+                                          <p:val>
+                                            <p:strVal val="#ppt_y+.1"/>
+                                          </p:val>
+                                        </p:tav>
+                                        <p:tav tm="100000">
+                                          <p:val>
+                                            <p:strVal val="#ppt_y"/>
+                                          </p:val>
+                                        </p:tav>
+                                      </p:tavLst>
+                                    </p:anim>
+                                  </p:childTnLst>
+                                </p:cTn>
+                              </p:par>
+                            </p:childTnLst>
+                          </p:cTn>
+                        </p:par>
+                      </p:childTnLst>
+                    </p:cTn>
+                  </p:par>
+                  <p:par>
+                    <p:cTn id="10" fill="hold">
+                      <p:stCondLst>
+                        <p:cond delay="indefinite"/>
+                      </p:stCondLst>
+                      <p:childTnLst>
+                        <p:par>
+                          <p:cTn id="11" fill="hold">
+                            <p:stCondLst>
+                              <p:cond delay="0"/>
+                            </p:stCondLst>
+                            <p:childTnLst>
+                              <p:par>
+                                <p:cTn id="12" presetID="42" presetClass="entr" presetSubtype="0" fill="hold" grpId="0" nodeType="clickEffect">
+                                  <p:stCondLst>
+                                    <p:cond delay="0"/>
+                                  </p:stCondLst>
+                                  <p:childTnLst>
+                                    <p:set>
+                                      <p:cBhvr>
+                                        <p:cTn id="13" dur="1" fill="hold">
+                                          <p:stCondLst>
+                                            <p:cond delay="0"/>
+                                          </p:stCondLst>
+                                        </p:cTn>
+                                        <p:tgtEl>
+                                          <p:spTgt spid="8"/>
+                                        </p:tgtEl>
+                                        <p:attrNameLst>
+                                          <p:attrName>style.visibility</p:attrName>
+                                        </p:attrNameLst>
+                                      </p:cBhvr>
+                                      <p:to>
+                                        <p:strVal val="visible"/>
+                                      </p:to>
+                                    </p:set>
+                                    <p:animEffect transition="in" filter="fade">
+                                      <p:cBhvr>
+                                        <p:cTn id="14" dur="1000"/>
+                                        <p:tgtEl>
+                                          <p:spTgt spid="8"/>
+                                        </p:tgtEl>
+                                      </p:cBhvr>
+                                    </p:animEffect>
+                                    <p:anim calcmode="lin" valueType="num">
+                                      <p:cBhvr>
+                                        <p:cTn id="15" dur="1000" fill="hold"/>
+                                        <p:tgtEl>
+                                          <p:spTgt spid="8"/>
+                                        </p:tgtEl>
+                                        <p:attrNameLst>
+                                          <p:attrName>ppt_x</p:attrName>
+                                        </p:attrNameLst>
+                                      </p:cBhvr>
+                                      <p:tavLst>
+                                        <p:tav tm="0">
+                                          <p:val>
+                                            <p:strVal val="#ppt_x"/>
+                                          </p:val>
+                                        </p:tav>
+                                        <p:tav tm="100000">
+                                          <p:val>
+                                            <p:strVal val="#ppt_x"/>
+                                          </p:val>
+                                        </p:tav>
+                                      </p:tavLst>
+                                    </p:anim>
+                                    <p:anim calcmode="lin" valueType="num">
+                                      <p:cBhvr>
+                                        <p:cTn id="16" dur="1000" fill="hold"/>
+                                        <p:tgtEl>
+                                          <p:spTgt spid="8"/>
+                                        </p:tgtEl>
+                                        <p:attrNameLst>
+                                          <p:attrName>ppt_y</p:attrName>
+                                        </p:attrNameLst>
+                                      </p:cBhvr>
+                                      <p:tavLst>
+                                        <p:tav tm="0">
+                                          <p:val>
+                                            <p:strVal val="#ppt_y+.1"/>
+                                          </p:val>
+                                        </p:tav>
+                                        <p:tav tm="100000">
+                                          <p:val>
+                                            <p:strVal val="#ppt_y"/>
+                                          </p:val>
+                                        </p:tav>
+                                      </p:tavLst>
+                                    </p:anim>
+                                  </p:childTnLst>
+                                </p:cTn>
+                              </p:par>
+                            </p:childTnLst>
+                          </p:cTn>
+                        </p:par>
+                        <p:par>
+                          <p:cTn id="17" fill="hold">
+                            <p:stCondLst>
+                              <p:cond delay="1000"/>
+                            </p:stCondLst>
+                            <p:childTnLst>
+                              <p:par>
+                                <p:cTn id="18" presetID="2" presetClass="entr" presetSubtype="8" fill="hold" nodeType="afterEffect">
+                                  <p:stCondLst>
+                                    <p:cond delay="750"/>
+                                  </p:stCondLst>
+                                  <p:childTnLst>
+                                    <p:set>
+                                      <p:cBhvr>
+                                        <p:cTn id="19" dur="1" fill="hold">
+                                          <p:stCondLst>
+                                            <p:cond delay="0"/>
+                                          </p:stCondLst>
+                                        </p:cTn>
+                                        <p:tgtEl>
+                                          <p:spTgt spid="5"/>
+                                        </p:tgtEl>
+                                        <p:attrNameLst>
+                                          <p:attrName>style.visibility</p:attrName>
+                                        </p:attrNameLst>
+                                      </p:cBhvr>
+                                      <p:to>
+                                        <p:strVal val="visible"/>
+                                      </p:to>
+                                    </p:set>
+                                    <p:anim calcmode="lin" valueType="num">
+                                      <p:cBhvr additive="base">
+                                        <p:cTn id="20" dur="500" fill="hold"/>
+                                        <p:tgtEl>
+                                          <p:spTgt spid="5"/>
+                                        </p:tgtEl>
+                                        <p:attrNameLst>
+                                          <p:attrName>ppt_x</p:attrName>
+                                        </p:attrNameLst>
+                                      </p:cBhvr>
+                                      <p:tavLst>
+                                        <p:tav tm="0">
+                                          <p:val>
+                                            <p:strVal val="0-#ppt_w/2"/>
+                                          </p:val>
+                                        </p:tav>
+                                        <p:tav tm="100000">
+                                          <p:val>
+                                            <p:strVal val="#ppt_x"/>
+                                          </p:val>
+                                        </p:tav>
+                                      </p:tavLst>
+                                    </p:anim>
+                                    <p:anim calcmode="lin" valueType="num">
+                                      <p:cBhvr additive="base">
+                                        <p:cTn id="21" dur="500" fill="hold"/>
+                                        <p:tgtEl>
+                                          <p:spTgt spid="5"/>
+                                        </p:tgtEl>
+                                        <p:attrNameLst>
+                                          <p:attrName>ppt_y</p:attrName>
+                                        </p:attrNameLst>
+                                      </p:cBhvr>
+                                      <p:tavLst>
+                                        <p:tav tm="0">
+                                          <p:val>
+                                            <p:strVal val="#ppt_y"/>
+                                          </p:val>
+                                        </p:tav>
+                                        <p:tav tm="100000">
+                                          <p:val>
+                                            <p:strVal val="#ppt_y"/>
+                                          </p:val>
+                                        </p:tav>
+                                      </p:tavLst>
+                                    </p:anim>
+                                  </p:childTnLst>
+                                </p:cTn>
+                              </p:par>
+                              <p:par>
+                                <p:cTn id="22" presetID="2" presetClass="entr" presetSubtype="2" fill="hold" nodeType="withEffect">
+                                  <p:stCondLst>
+                                    <p:cond delay="750"/>
+                                  </p:stCondLst>
+                                  <p:childTnLst>
+                                    <p:set>
+                                      <p:cBhvr>
+                                        <p:cTn id="23" dur="1" fill="hold">
+                                          <p:stCondLst>
+                                            <p:cond delay="0"/>
+                                          </p:stCondLst>
+                                        </p:cTn>
+                                        <p:tgtEl>
+                                          <p:spTgt spid="6"/>
+                                        </p:tgtEl>
+                                        <p:attrNameLst>
+                                          <p:attrName>style.visibility</p:attrName>
+                                        </p:attrNameLst>
+                                      </p:cBhvr>
+                                      <p:to>
+                                        <p:strVal val="visible"/>
+                                      </p:to>
+                                    </p:set>
+                                    <p:anim calcmode="lin" valueType="num">
+                                      <p:cBhvr additive="base">
+                                        <p:cTn id="24" dur="500" fill="hold"/>
+                                        <p:tgtEl>
+                                          <p:spTgt spid="6"/>
+                                        </p:tgtEl>
+                                        <p:attrNameLst>
+                                          <p:attrName>ppt_x</p:attrName>
+                                        </p:attrNameLst>
+                                      </p:cBhvr>
+                                      <p:tavLst>
+                                        <p:tav tm="0">
+                                          <p:val>
+                                            <p:strVal val="1+#ppt_w/2"/>
+                                          </p:val>
+                                        </p:tav>
+                                        <p:tav tm="100000">
+                                          <p:val>
+                                            <p:strVal val="#ppt_x"/>
+                                          </p:val>
+                                        </p:tav>
+                                      </p:tavLst>
+                                    </p:anim>
+                                    <p:anim calcmode="lin" valueType="num">
+                                      <p:cBhvr additive="base">
+                                        <p:cTn id="25" dur="500" fill="hold"/>
+                                        <p:tgtEl>
+                                          <p:spTgt spid="6"/>
+                                        </p:tgtEl>
+                                        <p:attrNameLst>
+                                          <p:attrName>ppt_y</p:attrName>
+                                        </p:attrNameLst>
+                                      </p:cBhvr>
+                                      <p:tavLst>
+                                        <p:tav tm="0">
+                                          <p:val>
+                                            <p:strVal val="#ppt_y"/>
+                                          </p:val>
+                                        </p:tav>
+                                        <p:tav tm="100000">
+                                          <p:val>
+                                            <p:strVal val="#ppt_y"/>
+                                          </p:val>
+                                        </p:tav>
+                                      </p:tavLst>
+                                    </p:anim>
+                                  </p:childTnLst>
+                                </p:cTn>
+                              </p:par>
+                            </p:childTnLst>
+                          </p:cTn>
+                        </p:par>
+                      </p:childTnLst>
+                    </p:cTn>
+                  </p:par>
+                </p:childTnLst>
+              </p:cTn>
+              <p:prevCondLst>
+                <p:cond evt="onPrev" delay="0">
+                  <p:tgtEl>
+                    <p:sldTgt/>
+                  </p:tgtEl>
+                </p:cond>
+              </p:prevCondLst>
+              <p:nextCondLst>
+                <p:cond evt="onNext" delay="0">
+                  <p:tgtEl>
+                    <p:sldTgt/>
+                  </p:tgtEl>
+                </p:cond>
+              </p:nextCondLst>
+            </p:seq>
+          </p:childTnLst>
+        </p:cTn>
+      </p:par>
+    </p:tnLst>
+    <p:bldLst>
+      <p:bldP spid="7" grpId="0"/>
+      <p:bldP spid="8" grpId="0"/>
+    </p:bldLst>
+  </p:timing>
+</p:sld>
+</file>
+
+<file path=ppt/slides/slide12.xml><?xml version="1.0" encoding="utf-8"?>
+<p:sld xmlns:a="http://schemas.openxmlformats.org/drawingml/2006/main" xmlns:r="http://schemas.openxmlformats.org/officeDocument/2006/relationships" xmlns:p="http://schemas.openxmlformats.org/presentationml/2006/main">
+  <p:cSld>
+    <p:bg>
+      <p:bgPr>
+        <a:blipFill dpi="0" rotWithShape="1">
+          <a:blip r:embed="rId3">
             <a:lum/>
           </a:blip>
           <a:srcRect/>
@@ -6369,7 +7276,7 @@
           </p:nvPr>
         </p:nvPicPr>
         <p:blipFill>
-          <a:blip r:embed="rId3">
+          <a:blip r:embed="rId4">
             <a:extLst>
               <a:ext uri="{28A0092B-C50C-407E-A947-70E740481C1C}">
                 <a14:useLocalDpi xmlns:a14="http://schemas.microsoft.com/office/drawing/2010/main" val="0"/>
@@ -6404,7 +7311,7 @@
           </p:nvPr>
         </p:nvPicPr>
         <p:blipFill>
-          <a:blip r:embed="rId4">
+          <a:blip r:embed="rId5">
             <a:extLst>
               <a:ext uri="{28A0092B-C50C-407E-A947-70E740481C1C}">
                 <a14:useLocalDpi xmlns:a14="http://schemas.microsoft.com/office/drawing/2010/main" val="0"/>
@@ -6437,7 +7344,7 @@
           <p:nvPr/>
         </p:nvPicPr>
         <p:blipFill>
-          <a:blip r:embed="rId5">
+          <a:blip r:embed="rId6">
             <a:extLst>
               <a:ext uri="{28A0092B-C50C-407E-A947-70E740481C1C}">
                 <a14:useLocalDpi xmlns:a14="http://schemas.microsoft.com/office/drawing/2010/main" val="0"/>
@@ -7174,7 +8081,7 @@
 </p:sld>
 </file>
 
-<file path=ppt/slides/slide12.xml><?xml version="1.0" encoding="utf-8"?>
+<file path=ppt/slides/slide13.xml><?xml version="1.0" encoding="utf-8"?>
 <p:sld xmlns:a="http://schemas.openxmlformats.org/drawingml/2006/main" xmlns:r="http://schemas.openxmlformats.org/officeDocument/2006/relationships" xmlns:p="http://schemas.openxmlformats.org/presentationml/2006/main">
   <p:cSld>
     <p:bg>
@@ -11692,7 +12599,7 @@
 </p:sld>
 </file>
 
-<file path=ppt/slides/slide13.xml><?xml version="1.0" encoding="utf-8"?>
+<file path=ppt/slides/slide14.xml><?xml version="1.0" encoding="utf-8"?>
 <p:sld xmlns:a="http://schemas.openxmlformats.org/drawingml/2006/main" xmlns:r="http://schemas.openxmlformats.org/officeDocument/2006/relationships" xmlns:p="http://schemas.openxmlformats.org/presentationml/2006/main">
   <p:cSld>
     <p:bg>
@@ -12361,7 +13268,7 @@
 </p:sld>
 </file>
 
-<file path=ppt/slides/slide14.xml><?xml version="1.0" encoding="utf-8"?>
+<file path=ppt/slides/slide15.xml><?xml version="1.0" encoding="utf-8"?>
 <p:sld xmlns:a="http://schemas.openxmlformats.org/drawingml/2006/main" xmlns:r="http://schemas.openxmlformats.org/officeDocument/2006/relationships" xmlns:p="http://schemas.openxmlformats.org/presentationml/2006/main">
   <p:cSld>
     <p:bg>
@@ -13881,7 +14788,7 @@
 </p:sld>
 </file>
 
-<file path=ppt/slides/slide15.xml><?xml version="1.0" encoding="utf-8"?>
+<file path=ppt/slides/slide16.xml><?xml version="1.0" encoding="utf-8"?>
 <p:sld xmlns:a="http://schemas.openxmlformats.org/drawingml/2006/main" xmlns:r="http://schemas.openxmlformats.org/officeDocument/2006/relationships" xmlns:p="http://schemas.openxmlformats.org/presentationml/2006/main">
   <p:cSld>
     <p:bg>
@@ -14649,7 +15556,7 @@
 </p:sld>
 </file>
 
-<file path=ppt/slides/slide16.xml><?xml version="1.0" encoding="utf-8"?>
+<file path=ppt/slides/slide17.xml><?xml version="1.0" encoding="utf-8"?>
 <p:sld xmlns:a="http://schemas.openxmlformats.org/drawingml/2006/main" xmlns:r="http://schemas.openxmlformats.org/officeDocument/2006/relationships" xmlns:p="http://schemas.openxmlformats.org/presentationml/2006/main">
   <p:cSld>
     <p:bg>
@@ -18736,10 +19643,10 @@
         </p:nvGrpSpPr>
         <p:grpSpPr>
           <a:xfrm>
-            <a:off x="297023" y="2998241"/>
-            <a:ext cx="11422225" cy="1693241"/>
-            <a:chOff x="297023" y="2998241"/>
-            <a:chExt cx="11422225" cy="1693241"/>
+            <a:off x="297024" y="2998241"/>
+            <a:ext cx="11510087" cy="1701148"/>
+            <a:chOff x="297024" y="2998241"/>
+            <a:chExt cx="11510087" cy="1701148"/>
           </a:xfrm>
         </p:grpSpPr>
         <p:sp>
@@ -18803,7 +19710,7 @@
           </p:nvSpPr>
           <p:spPr>
             <a:xfrm>
-              <a:off x="297023" y="3503613"/>
+              <a:off x="384886" y="3541874"/>
               <a:ext cx="11422225" cy="830997"/>
             </a:xfrm>
             <a:prstGeom prst="rect">
@@ -19237,7 +20144,7 @@
                   </a:solidFill>
                   <a:latin typeface="Consolas" panose="020B0609020204030204" pitchFamily="49" charset="0"/>
                 </a:rPr>
-                <a:t> </a:t>
+                <a:t> for </a:t>
               </a:r>
               <a:r>
                 <a:rPr lang="en-US" sz="1200" dirty="0">
@@ -19273,7 +20180,7 @@
                   </a:solidFill>
                   <a:latin typeface="Consolas" panose="020B0609020204030204" pitchFamily="49" charset="0"/>
                 </a:rPr>
-                <a:t> more knows that the type of the gun is unknown'</a:t>
+                <a:t> more we know that the type of the gun is unknown'</a:t>
               </a:r>
               <a:r>
                 <a:rPr lang="en-US" sz="1200" dirty="0">
@@ -19310,8 +20217,8 @@
           </p:nvSpPr>
           <p:spPr bwMode="auto">
             <a:xfrm>
-              <a:off x="398106" y="4479886"/>
-              <a:ext cx="9178795" cy="211596"/>
+              <a:off x="382651" y="4487793"/>
+              <a:ext cx="9948236" cy="211596"/>
             </a:xfrm>
             <a:prstGeom prst="rect">
               <a:avLst/>
@@ -19381,7 +20288,7 @@
                   <a:effectLst/>
                   <a:latin typeface="Courier New" panose="02070309020205020404" pitchFamily="49" charset="0"/>
                 </a:rPr>
-                <a:t> Out of 239677 incidents 99451 have no data on gun type at all and 93559 more knows that the type of the gun is unknown</a:t>
+                <a:t> Out of 239677 incidents 99451 have no data on gun type at all and for 93559 more we know that the type of the gun is unknown</a:t>
               </a:r>
               <a:r>
                 <a:rPr kumimoji="0" lang="en-US" altLang="en-US" sz="800" b="0" i="0" u="none" strike="noStrike" cap="none" normalizeH="0" baseline="0" dirty="0">
@@ -27335,76 +28242,6 @@
       </p:grpSpPr>
       <p:pic>
         <p:nvPicPr>
-          <p:cNvPr id="2" name="Picture 1"/>
-          <p:cNvPicPr>
-            <a:picLocks noChangeAspect="1"/>
-          </p:cNvPicPr>
-          <p:nvPr/>
-        </p:nvPicPr>
-        <p:blipFill>
-          <a:blip r:embed="rId4">
-            <a:extLst>
-              <a:ext uri="{28A0092B-C50C-407E-A947-70E740481C1C}">
-                <a14:useLocalDpi xmlns:a14="http://schemas.microsoft.com/office/drawing/2010/main" val="0"/>
-              </a:ext>
-            </a:extLst>
-          </a:blip>
-          <a:stretch>
-            <a:fillRect/>
-          </a:stretch>
-        </p:blipFill>
-        <p:spPr>
-          <a:xfrm>
-            <a:off x="72521" y="1386067"/>
-            <a:ext cx="12060142" cy="2512529"/>
-          </a:xfrm>
-          <a:prstGeom prst="rect">
-            <a:avLst/>
-          </a:prstGeom>
-          <a:ln>
-            <a:solidFill>
-              <a:schemeClr val="tx1"/>
-            </a:solidFill>
-          </a:ln>
-        </p:spPr>
-      </p:pic>
-      <p:pic>
-        <p:nvPicPr>
-          <p:cNvPr id="3" name="Picture 2"/>
-          <p:cNvPicPr>
-            <a:picLocks noChangeAspect="1"/>
-          </p:cNvPicPr>
-          <p:nvPr/>
-        </p:nvPicPr>
-        <p:blipFill>
-          <a:blip r:embed="rId5">
-            <a:extLst>
-              <a:ext uri="{28A0092B-C50C-407E-A947-70E740481C1C}">
-                <a14:useLocalDpi xmlns:a14="http://schemas.microsoft.com/office/drawing/2010/main" val="0"/>
-              </a:ext>
-            </a:extLst>
-          </a:blip>
-          <a:stretch>
-            <a:fillRect/>
-          </a:stretch>
-        </p:blipFill>
-        <p:spPr>
-          <a:xfrm>
-            <a:off x="47071" y="4174322"/>
-            <a:ext cx="12096456" cy="2199355"/>
-          </a:xfrm>
-          <a:prstGeom prst="rect">
-            <a:avLst/>
-          </a:prstGeom>
-          <a:ln>
-            <a:solidFill>
-              <a:schemeClr val="tx1"/>
-            </a:solidFill>
-          </a:ln>
-        </p:spPr>
-      </p:pic>
-      <p:pic>
-        <p:nvPicPr>
           <p:cNvPr id="7" name="Picture 6"/>
           <p:cNvPicPr>
             <a:picLocks noChangeAspect="1"/>
@@ -27412,7 +28249,7 @@
           <p:nvPr/>
         </p:nvPicPr>
         <p:blipFill>
-          <a:blip r:embed="rId6"/>
+          <a:blip r:embed="rId4"/>
           <a:stretch>
             <a:fillRect/>
           </a:stretch>
@@ -27484,6 +28321,78 @@
           </a:p>
         </p:txBody>
       </p:sp>
+      <p:pic>
+        <p:nvPicPr>
+          <p:cNvPr id="9" name="Picture 8">
+            <a:extLst>
+              <a:ext uri="{FF2B5EF4-FFF2-40B4-BE49-F238E27FC236}">
+                <a16:creationId xmlns:a16="http://schemas.microsoft.com/office/drawing/2014/main" id="{59AEFF44-6074-4558-BC76-D139B03CE62D}"/>
+              </a:ext>
+            </a:extLst>
+          </p:cNvPr>
+          <p:cNvPicPr>
+            <a:picLocks noChangeAspect="1"/>
+          </p:cNvPicPr>
+          <p:nvPr/>
+        </p:nvPicPr>
+        <p:blipFill>
+          <a:blip r:embed="rId5">
+            <a:extLst>
+              <a:ext uri="{28A0092B-C50C-407E-A947-70E740481C1C}">
+                <a14:useLocalDpi xmlns:a14="http://schemas.microsoft.com/office/drawing/2010/main" val="0"/>
+              </a:ext>
+            </a:extLst>
+          </a:blip>
+          <a:stretch>
+            <a:fillRect/>
+          </a:stretch>
+        </p:blipFill>
+        <p:spPr>
+          <a:xfrm>
+            <a:off x="4580" y="1437969"/>
+            <a:ext cx="12187420" cy="2636086"/>
+          </a:xfrm>
+          <a:prstGeom prst="rect">
+            <a:avLst/>
+          </a:prstGeom>
+        </p:spPr>
+      </p:pic>
+      <p:pic>
+        <p:nvPicPr>
+          <p:cNvPr id="10" name="Picture 9">
+            <a:extLst>
+              <a:ext uri="{FF2B5EF4-FFF2-40B4-BE49-F238E27FC236}">
+                <a16:creationId xmlns:a16="http://schemas.microsoft.com/office/drawing/2014/main" id="{69EC3301-4C33-4851-90D8-AABBD231FFD7}"/>
+              </a:ext>
+            </a:extLst>
+          </p:cNvPr>
+          <p:cNvPicPr>
+            <a:picLocks noChangeAspect="1"/>
+          </p:cNvPicPr>
+          <p:nvPr/>
+        </p:nvPicPr>
+        <p:blipFill>
+          <a:blip r:embed="rId6">
+            <a:extLst>
+              <a:ext uri="{28A0092B-C50C-407E-A947-70E740481C1C}">
+                <a14:useLocalDpi xmlns:a14="http://schemas.microsoft.com/office/drawing/2010/main" val="0"/>
+              </a:ext>
+            </a:extLst>
+          </a:blip>
+          <a:stretch>
+            <a:fillRect/>
+          </a:stretch>
+        </p:blipFill>
+        <p:spPr>
+          <a:xfrm>
+            <a:off x="4580" y="4151599"/>
+            <a:ext cx="12187420" cy="2611590"/>
+          </a:xfrm>
+          <a:prstGeom prst="rect">
+            <a:avLst/>
+          </a:prstGeom>
+        </p:spPr>
+      </p:pic>
     </p:spTree>
     <p:extLst>
       <p:ext uri="{BB962C8B-B14F-4D97-AF65-F5344CB8AC3E}">
@@ -27590,21 +28499,30 @@
                                   </p:childTnLst>
                                 </p:cTn>
                               </p:par>
+                            </p:childTnLst>
+                          </p:cTn>
+                        </p:par>
+                        <p:par>
+                          <p:cTn id="9" fill="hold">
+                            <p:stCondLst>
+                              <p:cond delay="500"/>
+                            </p:stCondLst>
+                            <p:childTnLst>
                               <p:par>
-                                <p:cTn id="9" presetID="2" presetClass="entr" presetSubtype="8" fill="hold" nodeType="withEffect">
+                                <p:cTn id="10" presetID="2" presetClass="entr" presetSubtype="8" fill="hold" nodeType="afterEffect">
                                   <p:stCondLst>
-                                    <p:cond delay="1000"/>
+                                    <p:cond delay="500"/>
                                   </p:stCondLst>
                                   <p:childTnLst>
                                     <p:set>
                                       <p:cBhvr>
-                                        <p:cTn id="10" dur="1" fill="hold">
+                                        <p:cTn id="11" dur="1" fill="hold">
                                           <p:stCondLst>
                                             <p:cond delay="0"/>
                                           </p:stCondLst>
                                         </p:cTn>
                                         <p:tgtEl>
-                                          <p:spTgt spid="2"/>
+                                          <p:spTgt spid="9"/>
                                         </p:tgtEl>
                                         <p:attrNameLst>
                                           <p:attrName>style.visibility</p:attrName>
@@ -27616,9 +28534,9 @@
                                     </p:set>
                                     <p:anim calcmode="lin" valueType="num">
                                       <p:cBhvr additive="base">
-                                        <p:cTn id="11" dur="500" fill="hold"/>
-                                        <p:tgtEl>
-                                          <p:spTgt spid="2"/>
+                                        <p:cTn id="12" dur="500" fill="hold"/>
+                                        <p:tgtEl>
+                                          <p:spTgt spid="9"/>
                                         </p:tgtEl>
                                         <p:attrNameLst>
                                           <p:attrName>ppt_x</p:attrName>
@@ -27639,9 +28557,9 @@
                                     </p:anim>
                                     <p:anim calcmode="lin" valueType="num">
                                       <p:cBhvr additive="base">
-                                        <p:cTn id="12" dur="500" fill="hold"/>
-                                        <p:tgtEl>
-                                          <p:spTgt spid="2"/>
+                                        <p:cTn id="13" dur="500" fill="hold"/>
+                                        <p:tgtEl>
+                                          <p:spTgt spid="9"/>
                                         </p:tgtEl>
                                         <p:attrNameLst>
                                           <p:attrName>ppt_y</p:attrName>
@@ -27664,20 +28582,20 @@
                                 </p:cTn>
                               </p:par>
                               <p:par>
-                                <p:cTn id="13" presetID="2" presetClass="entr" presetSubtype="2" fill="hold" nodeType="withEffect">
+                                <p:cTn id="14" presetID="2" presetClass="entr" presetSubtype="2" fill="hold" nodeType="withEffect">
                                   <p:stCondLst>
-                                    <p:cond delay="1250"/>
+                                    <p:cond delay="500"/>
                                   </p:stCondLst>
                                   <p:childTnLst>
                                     <p:set>
                                       <p:cBhvr>
-                                        <p:cTn id="14" dur="1" fill="hold">
+                                        <p:cTn id="15" dur="1" fill="hold">
                                           <p:stCondLst>
                                             <p:cond delay="0"/>
                                           </p:stCondLst>
                                         </p:cTn>
                                         <p:tgtEl>
-                                          <p:spTgt spid="3"/>
+                                          <p:spTgt spid="10"/>
                                         </p:tgtEl>
                                         <p:attrNameLst>
                                           <p:attrName>style.visibility</p:attrName>
@@ -27689,9 +28607,9 @@
                                     </p:set>
                                     <p:anim calcmode="lin" valueType="num">
                                       <p:cBhvr additive="base">
-                                        <p:cTn id="15" dur="500" fill="hold"/>
-                                        <p:tgtEl>
-                                          <p:spTgt spid="3"/>
+                                        <p:cTn id="16" dur="500" fill="hold"/>
+                                        <p:tgtEl>
+                                          <p:spTgt spid="10"/>
                                         </p:tgtEl>
                                         <p:attrNameLst>
                                           <p:attrName>ppt_x</p:attrName>
@@ -27712,9 +28630,9 @@
                                     </p:anim>
                                     <p:anim calcmode="lin" valueType="num">
                                       <p:cBhvr additive="base">
-                                        <p:cTn id="16" dur="500" fill="hold"/>
-                                        <p:tgtEl>
-                                          <p:spTgt spid="3"/>
+                                        <p:cTn id="17" dur="500" fill="hold"/>
+                                        <p:tgtEl>
+                                          <p:spTgt spid="10"/>
                                         </p:tgtEl>
                                         <p:attrNameLst>
                                           <p:attrName>ppt_y</p:attrName>
@@ -27736,19 +28654,10 @@
                                   </p:childTnLst>
                                 </p:cTn>
                               </p:par>
-                            </p:childTnLst>
-                          </p:cTn>
-                        </p:par>
-                        <p:par>
-                          <p:cTn id="17" fill="hold">
-                            <p:stCondLst>
-                              <p:cond delay="1750"/>
-                            </p:stCondLst>
-                            <p:childTnLst>
                               <p:par>
-                                <p:cTn id="18" presetID="2" presetClass="entr" presetSubtype="1" fill="hold" nodeType="afterEffect">
+                                <p:cTn id="18" presetID="2" presetClass="entr" presetSubtype="1" fill="hold" nodeType="withEffect">
                                   <p:stCondLst>
-                                    <p:cond delay="250"/>
+                                    <p:cond delay="500"/>
                                   </p:stCondLst>
                                   <p:childTnLst>
                                     <p:set>
@@ -27771,7 +28680,7 @@
                                     </p:set>
                                     <p:anim calcmode="lin" valueType="num">
                                       <p:cBhvr additive="base">
-                                        <p:cTn id="20" dur="500" fill="hold"/>
+                                        <p:cTn id="20" dur="750" fill="hold"/>
                                         <p:tgtEl>
                                           <p:spTgt spid="7"/>
                                         </p:tgtEl>
@@ -27794,7 +28703,7 @@
                                     </p:anim>
                                     <p:anim calcmode="lin" valueType="num">
                                       <p:cBhvr additive="base">
-                                        <p:cTn id="21" dur="500" fill="hold"/>
+                                        <p:cTn id="21" dur="750" fill="hold"/>
                                         <p:tgtEl>
                                           <p:spTgt spid="7"/>
                                         </p:tgtEl>

--- a/Presentation/Gun Violence.pptx
+++ b/Presentation/Gun Violence.pptx
@@ -14,11 +14,11 @@
     <p:sldId id="259" r:id="rId5"/>
     <p:sldId id="271" r:id="rId6"/>
     <p:sldId id="260" r:id="rId7"/>
-    <p:sldId id="267" r:id="rId8"/>
-    <p:sldId id="261" r:id="rId9"/>
-    <p:sldId id="268" r:id="rId10"/>
-    <p:sldId id="269" r:id="rId11"/>
-    <p:sldId id="273" r:id="rId12"/>
+    <p:sldId id="273" r:id="rId8"/>
+    <p:sldId id="267" r:id="rId9"/>
+    <p:sldId id="261" r:id="rId10"/>
+    <p:sldId id="268" r:id="rId11"/>
+    <p:sldId id="269" r:id="rId12"/>
     <p:sldId id="266" r:id="rId13"/>
     <p:sldId id="262" r:id="rId14"/>
     <p:sldId id="263" r:id="rId15"/>
@@ -637,6 +637,263 @@
           <a:p>
             <a:r>
               <a:rPr lang="en-US" b="1" dirty="0"/>
+              <a:t>Top States from 14 to 17: </a:t>
+            </a:r>
+            <a:r>
+              <a:rPr lang="en-US" dirty="0"/>
+              <a:t>DC, Alaska, Delaware, Louisiana, </a:t>
+            </a:r>
+          </a:p>
+          <a:p>
+            <a:r>
+              <a:rPr lang="en-US" b="1" dirty="0"/>
+              <a:t>Bottom States 14 to 17:  </a:t>
+            </a:r>
+            <a:r>
+              <a:rPr lang="en-US" sz="1200" b="0" i="0" u="none" strike="noStrike" kern="1200" dirty="0">
+                <a:solidFill>
+                  <a:schemeClr val="tx1"/>
+                </a:solidFill>
+                <a:effectLst/>
+                <a:latin typeface="+mn-lt"/>
+                <a:ea typeface="+mn-ea"/>
+                <a:cs typeface="+mn-cs"/>
+              </a:rPr>
+              <a:t>California</a:t>
+            </a:r>
+            <a:r>
+              <a:rPr lang="en-US" b="0" dirty="0"/>
+              <a:t> </a:t>
+            </a:r>
+            <a:r>
+              <a:rPr lang="en-US" sz="1200" b="0" i="0" u="none" strike="noStrike" kern="1200" dirty="0">
+                <a:solidFill>
+                  <a:schemeClr val="tx1"/>
+                </a:solidFill>
+                <a:effectLst/>
+                <a:latin typeface="+mn-lt"/>
+                <a:ea typeface="+mn-ea"/>
+                <a:cs typeface="+mn-cs"/>
+              </a:rPr>
+              <a:t>Colorado</a:t>
+            </a:r>
+            <a:r>
+              <a:rPr lang="en-US" b="0" dirty="0"/>
+              <a:t> </a:t>
+            </a:r>
+            <a:r>
+              <a:rPr lang="en-US" sz="1200" b="0" i="0" u="none" strike="noStrike" kern="1200" dirty="0">
+                <a:solidFill>
+                  <a:schemeClr val="tx1"/>
+                </a:solidFill>
+                <a:effectLst/>
+                <a:latin typeface="+mn-lt"/>
+                <a:ea typeface="+mn-ea"/>
+                <a:cs typeface="+mn-cs"/>
+              </a:rPr>
+              <a:t>Hawaii</a:t>
+            </a:r>
+            <a:r>
+              <a:rPr lang="en-US" b="0" dirty="0"/>
+              <a:t> </a:t>
+            </a:r>
+            <a:r>
+              <a:rPr lang="en-US" sz="1200" b="0" i="0" u="none" strike="noStrike" kern="1200" dirty="0">
+                <a:solidFill>
+                  <a:schemeClr val="tx1"/>
+                </a:solidFill>
+                <a:effectLst/>
+                <a:latin typeface="+mn-lt"/>
+                <a:ea typeface="+mn-ea"/>
+                <a:cs typeface="+mn-cs"/>
+              </a:rPr>
+              <a:t>Idaho</a:t>
+            </a:r>
+            <a:r>
+              <a:rPr lang="en-US" b="0" dirty="0"/>
+              <a:t> </a:t>
+            </a:r>
+            <a:r>
+              <a:rPr lang="en-US" sz="1200" b="0" i="0" u="none" strike="noStrike" kern="1200" dirty="0">
+                <a:solidFill>
+                  <a:schemeClr val="tx1"/>
+                </a:solidFill>
+                <a:effectLst/>
+                <a:latin typeface="+mn-lt"/>
+                <a:ea typeface="+mn-ea"/>
+                <a:cs typeface="+mn-cs"/>
+              </a:rPr>
+              <a:t>Oregon</a:t>
+            </a:r>
+            <a:r>
+              <a:rPr lang="en-US" b="0" dirty="0"/>
+              <a:t> </a:t>
+            </a:r>
+            <a:r>
+              <a:rPr lang="en-US" sz="1200" b="0" i="0" u="none" strike="noStrike" kern="1200" dirty="0">
+                <a:solidFill>
+                  <a:schemeClr val="tx1"/>
+                </a:solidFill>
+                <a:effectLst/>
+                <a:latin typeface="+mn-lt"/>
+                <a:ea typeface="+mn-ea"/>
+                <a:cs typeface="+mn-cs"/>
+              </a:rPr>
+              <a:t>Texas</a:t>
+            </a:r>
+            <a:r>
+              <a:rPr lang="en-US" b="0" dirty="0"/>
+              <a:t> </a:t>
+            </a:r>
+            <a:r>
+              <a:rPr lang="en-US" sz="1200" b="0" i="0" u="none" strike="noStrike" kern="1200" dirty="0">
+                <a:solidFill>
+                  <a:schemeClr val="tx1"/>
+                </a:solidFill>
+                <a:effectLst/>
+                <a:latin typeface="+mn-lt"/>
+                <a:ea typeface="+mn-ea"/>
+                <a:cs typeface="+mn-cs"/>
+              </a:rPr>
+              <a:t>New York</a:t>
+            </a:r>
+            <a:r>
+              <a:rPr lang="en-US" b="0" dirty="0"/>
+              <a:t> </a:t>
+            </a:r>
+            <a:r>
+              <a:rPr lang="en-US" sz="1200" b="0" i="0" u="none" strike="noStrike" kern="1200" dirty="0">
+                <a:solidFill>
+                  <a:schemeClr val="tx1"/>
+                </a:solidFill>
+                <a:effectLst/>
+                <a:latin typeface="+mn-lt"/>
+                <a:ea typeface="+mn-ea"/>
+                <a:cs typeface="+mn-cs"/>
+              </a:rPr>
+              <a:t>New Jersey</a:t>
+            </a:r>
+            <a:r>
+              <a:rPr lang="en-US" b="0" dirty="0"/>
+              <a:t> </a:t>
+            </a:r>
+            <a:r>
+              <a:rPr lang="en-US" sz="1200" b="0" i="0" u="none" strike="noStrike" kern="1200" dirty="0">
+                <a:solidFill>
+                  <a:schemeClr val="tx1"/>
+                </a:solidFill>
+                <a:effectLst/>
+                <a:latin typeface="+mn-lt"/>
+                <a:ea typeface="+mn-ea"/>
+                <a:cs typeface="+mn-cs"/>
+              </a:rPr>
+              <a:t>Minnesota</a:t>
+            </a:r>
+            <a:r>
+              <a:rPr lang="en-US" b="0" dirty="0"/>
+              <a:t> </a:t>
+            </a:r>
+            <a:r>
+              <a:rPr lang="en-US" sz="1200" b="0" i="0" u="none" strike="noStrike" kern="1200" dirty="0">
+                <a:solidFill>
+                  <a:schemeClr val="tx1"/>
+                </a:solidFill>
+                <a:effectLst/>
+                <a:latin typeface="+mn-lt"/>
+                <a:ea typeface="+mn-ea"/>
+                <a:cs typeface="+mn-cs"/>
+              </a:rPr>
+              <a:t>Utah</a:t>
+            </a:r>
+            <a:r>
+              <a:rPr lang="en-US" b="0" dirty="0"/>
+              <a:t> </a:t>
+            </a:r>
+          </a:p>
+        </p:txBody>
+      </p:sp>
+      <p:sp>
+        <p:nvSpPr>
+          <p:cNvPr id="4" name="Slide Number Placeholder 3"/>
+          <p:cNvSpPr>
+            <a:spLocks noGrp="1"/>
+          </p:cNvSpPr>
+          <p:nvPr>
+            <p:ph type="sldNum" sz="quarter" idx="10"/>
+          </p:nvPr>
+        </p:nvSpPr>
+        <p:spPr/>
+        <p:txBody>
+          <a:bodyPr/>
+          <a:lstStyle/>
+          <a:p>
+            <a:fld id="{15736144-2E2E-483E-8D4E-7A087D64C6CE}" type="slidenum">
+              <a:rPr lang="en-US" smtClean="0"/>
+              <a:t>10</a:t>
+            </a:fld>
+            <a:endParaRPr lang="en-US"/>
+          </a:p>
+        </p:txBody>
+      </p:sp>
+    </p:spTree>
+    <p:extLst>
+      <p:ext uri="{BB962C8B-B14F-4D97-AF65-F5344CB8AC3E}">
+        <p14:creationId xmlns:p14="http://schemas.microsoft.com/office/powerpoint/2010/main" val="3678784281"/>
+      </p:ext>
+    </p:extLst>
+  </p:cSld>
+  <p:clrMapOvr>
+    <a:masterClrMapping/>
+  </p:clrMapOvr>
+</p:notes>
+</file>
+
+<file path=ppt/notesSlides/notesSlide11.xml><?xml version="1.0" encoding="utf-8"?>
+<p:notes xmlns:a="http://schemas.openxmlformats.org/drawingml/2006/main" xmlns:r="http://schemas.openxmlformats.org/officeDocument/2006/relationships" xmlns:p="http://schemas.openxmlformats.org/presentationml/2006/main">
+  <p:cSld>
+    <p:spTree>
+      <p:nvGrpSpPr>
+        <p:cNvPr id="1" name=""/>
+        <p:cNvGrpSpPr/>
+        <p:nvPr/>
+      </p:nvGrpSpPr>
+      <p:grpSpPr>
+        <a:xfrm>
+          <a:off x="0" y="0"/>
+          <a:ext cx="0" cy="0"/>
+          <a:chOff x="0" y="0"/>
+          <a:chExt cx="0" cy="0"/>
+        </a:xfrm>
+      </p:grpSpPr>
+      <p:sp>
+        <p:nvSpPr>
+          <p:cNvPr id="2" name="Slide Image Placeholder 1"/>
+          <p:cNvSpPr>
+            <a:spLocks noGrp="1" noRot="1" noChangeAspect="1"/>
+          </p:cNvSpPr>
+          <p:nvPr>
+            <p:ph type="sldImg"/>
+          </p:nvPr>
+        </p:nvSpPr>
+        <p:spPr/>
+      </p:sp>
+      <p:sp>
+        <p:nvSpPr>
+          <p:cNvPr id="3" name="Notes Placeholder 2"/>
+          <p:cNvSpPr>
+            <a:spLocks noGrp="1"/>
+          </p:cNvSpPr>
+          <p:nvPr>
+            <p:ph type="body" idx="1"/>
+          </p:nvPr>
+        </p:nvSpPr>
+        <p:spPr/>
+        <p:txBody>
+          <a:bodyPr/>
+          <a:lstStyle/>
+          <a:p>
+            <a:r>
+              <a:rPr lang="en-US" b="1" dirty="0"/>
               <a:t>Top 5 States :</a:t>
             </a:r>
             <a:r>
@@ -699,7 +956,7 @@
           <a:p>
             <a:fld id="{15736144-2E2E-483E-8D4E-7A087D64C6CE}" type="slidenum">
               <a:rPr lang="en-US" smtClean="0"/>
-              <a:t>10</a:t>
+              <a:t>11</a:t>
             </a:fld>
             <a:endParaRPr lang="en-US"/>
           </a:p>
@@ -709,121 +966,6 @@
     <p:extLst>
       <p:ext uri="{BB962C8B-B14F-4D97-AF65-F5344CB8AC3E}">
         <p14:creationId xmlns:p14="http://schemas.microsoft.com/office/powerpoint/2010/main" val="3407222623"/>
-      </p:ext>
-    </p:extLst>
-  </p:cSld>
-  <p:clrMapOvr>
-    <a:masterClrMapping/>
-  </p:clrMapOvr>
-</p:notes>
-</file>
-
-<file path=ppt/notesSlides/notesSlide11.xml><?xml version="1.0" encoding="utf-8"?>
-<p:notes xmlns:a="http://schemas.openxmlformats.org/drawingml/2006/main" xmlns:r="http://schemas.openxmlformats.org/officeDocument/2006/relationships" xmlns:p="http://schemas.openxmlformats.org/presentationml/2006/main">
-  <p:cSld>
-    <p:spTree>
-      <p:nvGrpSpPr>
-        <p:cNvPr id="1" name=""/>
-        <p:cNvGrpSpPr/>
-        <p:nvPr/>
-      </p:nvGrpSpPr>
-      <p:grpSpPr>
-        <a:xfrm>
-          <a:off x="0" y="0"/>
-          <a:ext cx="0" cy="0"/>
-          <a:chOff x="0" y="0"/>
-          <a:chExt cx="0" cy="0"/>
-        </a:xfrm>
-      </p:grpSpPr>
-      <p:sp>
-        <p:nvSpPr>
-          <p:cNvPr id="2" name="Slide Image Placeholder 1"/>
-          <p:cNvSpPr>
-            <a:spLocks noGrp="1" noRot="1" noChangeAspect="1"/>
-          </p:cNvSpPr>
-          <p:nvPr>
-            <p:ph type="sldImg"/>
-          </p:nvPr>
-        </p:nvSpPr>
-        <p:spPr/>
-      </p:sp>
-      <p:sp>
-        <p:nvSpPr>
-          <p:cNvPr id="3" name="Notes Placeholder 2"/>
-          <p:cNvSpPr>
-            <a:spLocks noGrp="1"/>
-          </p:cNvSpPr>
-          <p:nvPr>
-            <p:ph type="body" idx="1"/>
-          </p:nvPr>
-        </p:nvSpPr>
-        <p:spPr/>
-        <p:txBody>
-          <a:bodyPr/>
-          <a:lstStyle/>
-          <a:p>
-            <a:r>
-              <a:rPr lang="en-US" b="1" dirty="0"/>
-              <a:t>Question appears </a:t>
-            </a:r>
-            <a:r>
-              <a:rPr lang="en-US" dirty="0"/>
-              <a:t>-&gt; [Narrator] Discuss what we tried to investigate and what are the components of ‘gun-friendliness’ rating -&gt; </a:t>
-            </a:r>
-            <a:r>
-              <a:rPr lang="en-US" b="1" dirty="0"/>
-              <a:t>Click</a:t>
-            </a:r>
-            <a:r>
-              <a:rPr lang="en-US" dirty="0"/>
-              <a:t> -&gt; </a:t>
-            </a:r>
-            <a:r>
-              <a:rPr lang="en-US" b="1" dirty="0"/>
-              <a:t>Answer appears </a:t>
-            </a:r>
-            <a:r>
-              <a:rPr lang="en-US" dirty="0"/>
-              <a:t>-&gt; </a:t>
-            </a:r>
-            <a:r>
-              <a:rPr lang="en-US" b="1" dirty="0"/>
-              <a:t>Charts appear </a:t>
-            </a:r>
-            <a:r>
-              <a:rPr lang="en-US" dirty="0"/>
-              <a:t>-&gt; [Narrator] Draw a conclusion that there is no correlation</a:t>
-            </a:r>
-          </a:p>
-        </p:txBody>
-      </p:sp>
-      <p:sp>
-        <p:nvSpPr>
-          <p:cNvPr id="4" name="Slide Number Placeholder 3"/>
-          <p:cNvSpPr>
-            <a:spLocks noGrp="1"/>
-          </p:cNvSpPr>
-          <p:nvPr>
-            <p:ph type="sldNum" sz="quarter" idx="5"/>
-          </p:nvPr>
-        </p:nvSpPr>
-        <p:spPr/>
-        <p:txBody>
-          <a:bodyPr/>
-          <a:lstStyle/>
-          <a:p>
-            <a:fld id="{15736144-2E2E-483E-8D4E-7A087D64C6CE}" type="slidenum">
-              <a:rPr lang="en-US" smtClean="0"/>
-              <a:t>11</a:t>
-            </a:fld>
-            <a:endParaRPr lang="en-US"/>
-          </a:p>
-        </p:txBody>
-      </p:sp>
-    </p:spTree>
-    <p:extLst>
-      <p:ext uri="{BB962C8B-B14F-4D97-AF65-F5344CB8AC3E}">
-        <p14:creationId xmlns:p14="http://schemas.microsoft.com/office/powerpoint/2010/main" val="965858639"/>
       </p:ext>
     </p:extLst>
   </p:cSld>
@@ -2037,6 +2179,121 @@
             </a:r>
             <a:r>
               <a:rPr lang="en-US" dirty="0"/>
+              <a:t>-&gt; [Narrator] Discuss what we tried to investigate and what are the components of ‘gun-friendliness’ rating -&gt; </a:t>
+            </a:r>
+            <a:r>
+              <a:rPr lang="en-US" b="1" dirty="0"/>
+              <a:t>Click</a:t>
+            </a:r>
+            <a:r>
+              <a:rPr lang="en-US" dirty="0"/>
+              <a:t> -&gt; </a:t>
+            </a:r>
+            <a:r>
+              <a:rPr lang="en-US" b="1" dirty="0"/>
+              <a:t>Answer appears </a:t>
+            </a:r>
+            <a:r>
+              <a:rPr lang="en-US" dirty="0"/>
+              <a:t>-&gt; </a:t>
+            </a:r>
+            <a:r>
+              <a:rPr lang="en-US" b="1" dirty="0"/>
+              <a:t>Charts appear </a:t>
+            </a:r>
+            <a:r>
+              <a:rPr lang="en-US" dirty="0"/>
+              <a:t>-&gt; [Narrator] Draw a conclusion that there is no correlation</a:t>
+            </a:r>
+          </a:p>
+        </p:txBody>
+      </p:sp>
+      <p:sp>
+        <p:nvSpPr>
+          <p:cNvPr id="4" name="Slide Number Placeholder 3"/>
+          <p:cNvSpPr>
+            <a:spLocks noGrp="1"/>
+          </p:cNvSpPr>
+          <p:nvPr>
+            <p:ph type="sldNum" sz="quarter" idx="5"/>
+          </p:nvPr>
+        </p:nvSpPr>
+        <p:spPr/>
+        <p:txBody>
+          <a:bodyPr/>
+          <a:lstStyle/>
+          <a:p>
+            <a:fld id="{15736144-2E2E-483E-8D4E-7A087D64C6CE}" type="slidenum">
+              <a:rPr lang="en-US" smtClean="0"/>
+              <a:t>7</a:t>
+            </a:fld>
+            <a:endParaRPr lang="en-US"/>
+          </a:p>
+        </p:txBody>
+      </p:sp>
+    </p:spTree>
+    <p:extLst>
+      <p:ext uri="{BB962C8B-B14F-4D97-AF65-F5344CB8AC3E}">
+        <p14:creationId xmlns:p14="http://schemas.microsoft.com/office/powerpoint/2010/main" val="965858639"/>
+      </p:ext>
+    </p:extLst>
+  </p:cSld>
+  <p:clrMapOvr>
+    <a:masterClrMapping/>
+  </p:clrMapOvr>
+</p:notes>
+</file>
+
+<file path=ppt/notesSlides/notesSlide8.xml><?xml version="1.0" encoding="utf-8"?>
+<p:notes xmlns:a="http://schemas.openxmlformats.org/drawingml/2006/main" xmlns:r="http://schemas.openxmlformats.org/officeDocument/2006/relationships" xmlns:p="http://schemas.openxmlformats.org/presentationml/2006/main">
+  <p:cSld>
+    <p:spTree>
+      <p:nvGrpSpPr>
+        <p:cNvPr id="1" name=""/>
+        <p:cNvGrpSpPr/>
+        <p:nvPr/>
+      </p:nvGrpSpPr>
+      <p:grpSpPr>
+        <a:xfrm>
+          <a:off x="0" y="0"/>
+          <a:ext cx="0" cy="0"/>
+          <a:chOff x="0" y="0"/>
+          <a:chExt cx="0" cy="0"/>
+        </a:xfrm>
+      </p:grpSpPr>
+      <p:sp>
+        <p:nvSpPr>
+          <p:cNvPr id="2" name="Slide Image Placeholder 1"/>
+          <p:cNvSpPr>
+            <a:spLocks noGrp="1" noRot="1" noChangeAspect="1"/>
+          </p:cNvSpPr>
+          <p:nvPr>
+            <p:ph type="sldImg"/>
+          </p:nvPr>
+        </p:nvSpPr>
+        <p:spPr/>
+      </p:sp>
+      <p:sp>
+        <p:nvSpPr>
+          <p:cNvPr id="3" name="Notes Placeholder 2"/>
+          <p:cNvSpPr>
+            <a:spLocks noGrp="1"/>
+          </p:cNvSpPr>
+          <p:nvPr>
+            <p:ph type="body" idx="1"/>
+          </p:nvPr>
+        </p:nvSpPr>
+        <p:spPr/>
+        <p:txBody>
+          <a:bodyPr/>
+          <a:lstStyle/>
+          <a:p>
+            <a:r>
+              <a:rPr lang="en-US" b="1" dirty="0"/>
+              <a:t>Question appears </a:t>
+            </a:r>
+            <a:r>
+              <a:rPr lang="en-US" dirty="0"/>
               <a:t>-&gt; [Narrator] A couple of words on what we look for comparing time and incident number -&gt; [Click] -&gt; </a:t>
             </a:r>
             <a:r>
@@ -2083,7 +2340,7 @@
           <a:p>
             <a:fld id="{15736144-2E2E-483E-8D4E-7A087D64C6CE}" type="slidenum">
               <a:rPr lang="en-US" smtClean="0"/>
-              <a:t>7</a:t>
+              <a:t>8</a:t>
             </a:fld>
             <a:endParaRPr lang="en-US"/>
           </a:p>
@@ -2102,7 +2359,7 @@
 </p:notes>
 </file>
 
-<file path=ppt/notesSlides/notesSlide8.xml><?xml version="1.0" encoding="utf-8"?>
+<file path=ppt/notesSlides/notesSlide9.xml><?xml version="1.0" encoding="utf-8"?>
 <p:notes xmlns:a="http://schemas.openxmlformats.org/drawingml/2006/main" xmlns:r="http://schemas.openxmlformats.org/officeDocument/2006/relationships" xmlns:p="http://schemas.openxmlformats.org/presentationml/2006/main">
   <p:cSld>
     <p:spTree>
@@ -2194,7 +2451,7 @@
           <a:p>
             <a:fld id="{15736144-2E2E-483E-8D4E-7A087D64C6CE}" type="slidenum">
               <a:rPr lang="en-US" smtClean="0"/>
-              <a:t>8</a:t>
+              <a:t>9</a:t>
             </a:fld>
             <a:endParaRPr lang="en-US"/>
           </a:p>
@@ -2204,263 +2461,6 @@
     <p:extLst>
       <p:ext uri="{BB962C8B-B14F-4D97-AF65-F5344CB8AC3E}">
         <p14:creationId xmlns:p14="http://schemas.microsoft.com/office/powerpoint/2010/main" val="1577796568"/>
-      </p:ext>
-    </p:extLst>
-  </p:cSld>
-  <p:clrMapOvr>
-    <a:masterClrMapping/>
-  </p:clrMapOvr>
-</p:notes>
-</file>
-
-<file path=ppt/notesSlides/notesSlide9.xml><?xml version="1.0" encoding="utf-8"?>
-<p:notes xmlns:a="http://schemas.openxmlformats.org/drawingml/2006/main" xmlns:r="http://schemas.openxmlformats.org/officeDocument/2006/relationships" xmlns:p="http://schemas.openxmlformats.org/presentationml/2006/main">
-  <p:cSld>
-    <p:spTree>
-      <p:nvGrpSpPr>
-        <p:cNvPr id="1" name=""/>
-        <p:cNvGrpSpPr/>
-        <p:nvPr/>
-      </p:nvGrpSpPr>
-      <p:grpSpPr>
-        <a:xfrm>
-          <a:off x="0" y="0"/>
-          <a:ext cx="0" cy="0"/>
-          <a:chOff x="0" y="0"/>
-          <a:chExt cx="0" cy="0"/>
-        </a:xfrm>
-      </p:grpSpPr>
-      <p:sp>
-        <p:nvSpPr>
-          <p:cNvPr id="2" name="Slide Image Placeholder 1"/>
-          <p:cNvSpPr>
-            <a:spLocks noGrp="1" noRot="1" noChangeAspect="1"/>
-          </p:cNvSpPr>
-          <p:nvPr>
-            <p:ph type="sldImg"/>
-          </p:nvPr>
-        </p:nvSpPr>
-        <p:spPr/>
-      </p:sp>
-      <p:sp>
-        <p:nvSpPr>
-          <p:cNvPr id="3" name="Notes Placeholder 2"/>
-          <p:cNvSpPr>
-            <a:spLocks noGrp="1"/>
-          </p:cNvSpPr>
-          <p:nvPr>
-            <p:ph type="body" idx="1"/>
-          </p:nvPr>
-        </p:nvSpPr>
-        <p:spPr/>
-        <p:txBody>
-          <a:bodyPr/>
-          <a:lstStyle/>
-          <a:p>
-            <a:r>
-              <a:rPr lang="en-US" b="1" dirty="0"/>
-              <a:t>Top States from 14 to 17: </a:t>
-            </a:r>
-            <a:r>
-              <a:rPr lang="en-US" dirty="0"/>
-              <a:t>DC, Alaska, Delaware, Louisiana, </a:t>
-            </a:r>
-          </a:p>
-          <a:p>
-            <a:r>
-              <a:rPr lang="en-US" b="1" dirty="0"/>
-              <a:t>Bottom States 14 to 17:  </a:t>
-            </a:r>
-            <a:r>
-              <a:rPr lang="en-US" sz="1200" b="0" i="0" u="none" strike="noStrike" kern="1200" dirty="0">
-                <a:solidFill>
-                  <a:schemeClr val="tx1"/>
-                </a:solidFill>
-                <a:effectLst/>
-                <a:latin typeface="+mn-lt"/>
-                <a:ea typeface="+mn-ea"/>
-                <a:cs typeface="+mn-cs"/>
-              </a:rPr>
-              <a:t>California</a:t>
-            </a:r>
-            <a:r>
-              <a:rPr lang="en-US" b="0" dirty="0"/>
-              <a:t> </a:t>
-            </a:r>
-            <a:r>
-              <a:rPr lang="en-US" sz="1200" b="0" i="0" u="none" strike="noStrike" kern="1200" dirty="0">
-                <a:solidFill>
-                  <a:schemeClr val="tx1"/>
-                </a:solidFill>
-                <a:effectLst/>
-                <a:latin typeface="+mn-lt"/>
-                <a:ea typeface="+mn-ea"/>
-                <a:cs typeface="+mn-cs"/>
-              </a:rPr>
-              <a:t>Colorado</a:t>
-            </a:r>
-            <a:r>
-              <a:rPr lang="en-US" b="0" dirty="0"/>
-              <a:t> </a:t>
-            </a:r>
-            <a:r>
-              <a:rPr lang="en-US" sz="1200" b="0" i="0" u="none" strike="noStrike" kern="1200" dirty="0">
-                <a:solidFill>
-                  <a:schemeClr val="tx1"/>
-                </a:solidFill>
-                <a:effectLst/>
-                <a:latin typeface="+mn-lt"/>
-                <a:ea typeface="+mn-ea"/>
-                <a:cs typeface="+mn-cs"/>
-              </a:rPr>
-              <a:t>Hawaii</a:t>
-            </a:r>
-            <a:r>
-              <a:rPr lang="en-US" b="0" dirty="0"/>
-              <a:t> </a:t>
-            </a:r>
-            <a:r>
-              <a:rPr lang="en-US" sz="1200" b="0" i="0" u="none" strike="noStrike" kern="1200" dirty="0">
-                <a:solidFill>
-                  <a:schemeClr val="tx1"/>
-                </a:solidFill>
-                <a:effectLst/>
-                <a:latin typeface="+mn-lt"/>
-                <a:ea typeface="+mn-ea"/>
-                <a:cs typeface="+mn-cs"/>
-              </a:rPr>
-              <a:t>Idaho</a:t>
-            </a:r>
-            <a:r>
-              <a:rPr lang="en-US" b="0" dirty="0"/>
-              <a:t> </a:t>
-            </a:r>
-            <a:r>
-              <a:rPr lang="en-US" sz="1200" b="0" i="0" u="none" strike="noStrike" kern="1200" dirty="0">
-                <a:solidFill>
-                  <a:schemeClr val="tx1"/>
-                </a:solidFill>
-                <a:effectLst/>
-                <a:latin typeface="+mn-lt"/>
-                <a:ea typeface="+mn-ea"/>
-                <a:cs typeface="+mn-cs"/>
-              </a:rPr>
-              <a:t>Oregon</a:t>
-            </a:r>
-            <a:r>
-              <a:rPr lang="en-US" b="0" dirty="0"/>
-              <a:t> </a:t>
-            </a:r>
-            <a:r>
-              <a:rPr lang="en-US" sz="1200" b="0" i="0" u="none" strike="noStrike" kern="1200" dirty="0">
-                <a:solidFill>
-                  <a:schemeClr val="tx1"/>
-                </a:solidFill>
-                <a:effectLst/>
-                <a:latin typeface="+mn-lt"/>
-                <a:ea typeface="+mn-ea"/>
-                <a:cs typeface="+mn-cs"/>
-              </a:rPr>
-              <a:t>Texas</a:t>
-            </a:r>
-            <a:r>
-              <a:rPr lang="en-US" b="0" dirty="0"/>
-              <a:t> </a:t>
-            </a:r>
-            <a:r>
-              <a:rPr lang="en-US" sz="1200" b="0" i="0" u="none" strike="noStrike" kern="1200" dirty="0">
-                <a:solidFill>
-                  <a:schemeClr val="tx1"/>
-                </a:solidFill>
-                <a:effectLst/>
-                <a:latin typeface="+mn-lt"/>
-                <a:ea typeface="+mn-ea"/>
-                <a:cs typeface="+mn-cs"/>
-              </a:rPr>
-              <a:t>New York</a:t>
-            </a:r>
-            <a:r>
-              <a:rPr lang="en-US" b="0" dirty="0"/>
-              <a:t> </a:t>
-            </a:r>
-            <a:r>
-              <a:rPr lang="en-US" sz="1200" b="0" i="0" u="none" strike="noStrike" kern="1200" dirty="0">
-                <a:solidFill>
-                  <a:schemeClr val="tx1"/>
-                </a:solidFill>
-                <a:effectLst/>
-                <a:latin typeface="+mn-lt"/>
-                <a:ea typeface="+mn-ea"/>
-                <a:cs typeface="+mn-cs"/>
-              </a:rPr>
-              <a:t>New Jersey</a:t>
-            </a:r>
-            <a:r>
-              <a:rPr lang="en-US" b="0" dirty="0"/>
-              <a:t> </a:t>
-            </a:r>
-            <a:r>
-              <a:rPr lang="en-US" sz="1200" b="0" i="0" u="none" strike="noStrike" kern="1200" dirty="0">
-                <a:solidFill>
-                  <a:schemeClr val="tx1"/>
-                </a:solidFill>
-                <a:effectLst/>
-                <a:latin typeface="+mn-lt"/>
-                <a:ea typeface="+mn-ea"/>
-                <a:cs typeface="+mn-cs"/>
-              </a:rPr>
-              <a:t>Minnesota</a:t>
-            </a:r>
-            <a:r>
-              <a:rPr lang="en-US" b="0" dirty="0"/>
-              <a:t> </a:t>
-            </a:r>
-            <a:r>
-              <a:rPr lang="en-US" sz="1200" b="0" i="0" u="none" strike="noStrike" kern="1200" dirty="0">
-                <a:solidFill>
-                  <a:schemeClr val="tx1"/>
-                </a:solidFill>
-                <a:effectLst/>
-                <a:latin typeface="+mn-lt"/>
-                <a:ea typeface="+mn-ea"/>
-                <a:cs typeface="+mn-cs"/>
-              </a:rPr>
-              <a:t>Utah</a:t>
-            </a:r>
-            <a:r>
-              <a:rPr lang="en-US" b="0" dirty="0"/>
-              <a:t> </a:t>
-            </a:r>
-          </a:p>
-        </p:txBody>
-      </p:sp>
-      <p:sp>
-        <p:nvSpPr>
-          <p:cNvPr id="4" name="Slide Number Placeholder 3"/>
-          <p:cNvSpPr>
-            <a:spLocks noGrp="1"/>
-          </p:cNvSpPr>
-          <p:nvPr>
-            <p:ph type="sldNum" sz="quarter" idx="10"/>
-          </p:nvPr>
-        </p:nvSpPr>
-        <p:spPr/>
-        <p:txBody>
-          <a:bodyPr/>
-          <a:lstStyle/>
-          <a:p>
-            <a:fld id="{15736144-2E2E-483E-8D4E-7A087D64C6CE}" type="slidenum">
-              <a:rPr lang="en-US" smtClean="0"/>
-              <a:t>9</a:t>
-            </a:fld>
-            <a:endParaRPr lang="en-US"/>
-          </a:p>
-        </p:txBody>
-      </p:sp>
-    </p:spTree>
-    <p:extLst>
-      <p:ext uri="{BB962C8B-B14F-4D97-AF65-F5344CB8AC3E}">
-        <p14:creationId xmlns:p14="http://schemas.microsoft.com/office/powerpoint/2010/main" val="3678784281"/>
       </p:ext>
     </p:extLst>
   </p:cSld>
@@ -6106,6 +6106,558 @@
       </p:grpSpPr>
       <p:pic>
         <p:nvPicPr>
+          <p:cNvPr id="7" name="Picture 6"/>
+          <p:cNvPicPr>
+            <a:picLocks noChangeAspect="1"/>
+          </p:cNvPicPr>
+          <p:nvPr/>
+        </p:nvPicPr>
+        <p:blipFill>
+          <a:blip r:embed="rId4"/>
+          <a:stretch>
+            <a:fillRect/>
+          </a:stretch>
+        </p:blipFill>
+        <p:spPr>
+          <a:xfrm>
+            <a:off x="8649416" y="63947"/>
+            <a:ext cx="3470063" cy="1144920"/>
+          </a:xfrm>
+          <a:prstGeom prst="rect">
+            <a:avLst/>
+          </a:prstGeom>
+          <a:solidFill>
+            <a:schemeClr val="tx1"/>
+          </a:solidFill>
+        </p:spPr>
+      </p:pic>
+      <p:sp>
+        <p:nvSpPr>
+          <p:cNvPr id="6" name="Title 1">
+            <a:extLst>
+              <a:ext uri="{FF2B5EF4-FFF2-40B4-BE49-F238E27FC236}">
+                <a16:creationId xmlns:a16="http://schemas.microsoft.com/office/drawing/2014/main" id="{1861BABD-EEBB-44A2-A643-6073F5992F78}"/>
+              </a:ext>
+            </a:extLst>
+          </p:cNvPr>
+          <p:cNvSpPr txBox="1">
+            <a:spLocks/>
+          </p:cNvSpPr>
+          <p:nvPr/>
+        </p:nvSpPr>
+        <p:spPr>
+          <a:xfrm>
+            <a:off x="72521" y="0"/>
+            <a:ext cx="9049139" cy="1110342"/>
+          </a:xfrm>
+          <a:prstGeom prst="rect">
+            <a:avLst/>
+          </a:prstGeom>
+        </p:spPr>
+        <p:txBody>
+          <a:bodyPr vert="horz" lIns="91440" tIns="45720" rIns="91440" bIns="45720" rtlCol="0" anchor="ctr">
+            <a:noAutofit/>
+          </a:bodyPr>
+          <a:lstStyle>
+            <a:lvl1pPr algn="l" defTabSz="914400" rtl="0" eaLnBrk="1" latinLnBrk="0" hangingPunct="1">
+              <a:lnSpc>
+                <a:spcPct val="90000"/>
+              </a:lnSpc>
+              <a:spcBef>
+                <a:spcPct val="0"/>
+              </a:spcBef>
+              <a:buNone/>
+              <a:defRPr sz="4400" kern="1200">
+                <a:solidFill>
+                  <a:schemeClr val="tx1"/>
+                </a:solidFill>
+                <a:latin typeface="+mj-lt"/>
+                <a:ea typeface="+mj-ea"/>
+                <a:cs typeface="+mj-cs"/>
+              </a:defRPr>
+            </a:lvl1pPr>
+          </a:lstStyle>
+          <a:p>
+            <a:r>
+              <a:rPr lang="en-US" dirty="0"/>
+              <a:t>A: BETTER MOVE SOMEWHERE ELSE</a:t>
+            </a:r>
+          </a:p>
+        </p:txBody>
+      </p:sp>
+      <p:pic>
+        <p:nvPicPr>
+          <p:cNvPr id="9" name="Picture 8">
+            <a:extLst>
+              <a:ext uri="{FF2B5EF4-FFF2-40B4-BE49-F238E27FC236}">
+                <a16:creationId xmlns:a16="http://schemas.microsoft.com/office/drawing/2014/main" id="{59AEFF44-6074-4558-BC76-D139B03CE62D}"/>
+              </a:ext>
+            </a:extLst>
+          </p:cNvPr>
+          <p:cNvPicPr>
+            <a:picLocks noChangeAspect="1"/>
+          </p:cNvPicPr>
+          <p:nvPr/>
+        </p:nvPicPr>
+        <p:blipFill>
+          <a:blip r:embed="rId5">
+            <a:extLst>
+              <a:ext uri="{28A0092B-C50C-407E-A947-70E740481C1C}">
+                <a14:useLocalDpi xmlns:a14="http://schemas.microsoft.com/office/drawing/2010/main" val="0"/>
+              </a:ext>
+            </a:extLst>
+          </a:blip>
+          <a:stretch>
+            <a:fillRect/>
+          </a:stretch>
+        </p:blipFill>
+        <p:spPr>
+          <a:xfrm>
+            <a:off x="4580" y="1437969"/>
+            <a:ext cx="12187420" cy="2636086"/>
+          </a:xfrm>
+          <a:prstGeom prst="rect">
+            <a:avLst/>
+          </a:prstGeom>
+        </p:spPr>
+      </p:pic>
+      <p:pic>
+        <p:nvPicPr>
+          <p:cNvPr id="10" name="Picture 9">
+            <a:extLst>
+              <a:ext uri="{FF2B5EF4-FFF2-40B4-BE49-F238E27FC236}">
+                <a16:creationId xmlns:a16="http://schemas.microsoft.com/office/drawing/2014/main" id="{69EC3301-4C33-4851-90D8-AABBD231FFD7}"/>
+              </a:ext>
+            </a:extLst>
+          </p:cNvPr>
+          <p:cNvPicPr>
+            <a:picLocks noChangeAspect="1"/>
+          </p:cNvPicPr>
+          <p:nvPr/>
+        </p:nvPicPr>
+        <p:blipFill>
+          <a:blip r:embed="rId6">
+            <a:extLst>
+              <a:ext uri="{28A0092B-C50C-407E-A947-70E740481C1C}">
+                <a14:useLocalDpi xmlns:a14="http://schemas.microsoft.com/office/drawing/2010/main" val="0"/>
+              </a:ext>
+            </a:extLst>
+          </a:blip>
+          <a:stretch>
+            <a:fillRect/>
+          </a:stretch>
+        </p:blipFill>
+        <p:spPr>
+          <a:xfrm>
+            <a:off x="4580" y="4151599"/>
+            <a:ext cx="12187420" cy="2611590"/>
+          </a:xfrm>
+          <a:prstGeom prst="rect">
+            <a:avLst/>
+          </a:prstGeom>
+        </p:spPr>
+      </p:pic>
+    </p:spTree>
+    <p:extLst>
+      <p:ext uri="{BB962C8B-B14F-4D97-AF65-F5344CB8AC3E}">
+        <p14:creationId xmlns:p14="http://schemas.microsoft.com/office/powerpoint/2010/main" val="2831406197"/>
+      </p:ext>
+    </p:extLst>
+  </p:cSld>
+  <p:clrMapOvr>
+    <a:masterClrMapping/>
+  </p:clrMapOvr>
+  <p:timing>
+    <p:tnLst>
+      <p:par>
+        <p:cTn id="1" dur="indefinite" restart="never" nodeType="tmRoot">
+          <p:childTnLst>
+            <p:seq concurrent="1" nextAc="seek">
+              <p:cTn id="2" dur="indefinite" nodeType="mainSeq">
+                <p:childTnLst>
+                  <p:par>
+                    <p:cTn id="3" fill="hold">
+                      <p:stCondLst>
+                        <p:cond delay="indefinite"/>
+                        <p:cond evt="onBegin" delay="0">
+                          <p:tn val="2"/>
+                        </p:cond>
+                      </p:stCondLst>
+                      <p:childTnLst>
+                        <p:par>
+                          <p:cTn id="4" fill="hold">
+                            <p:stCondLst>
+                              <p:cond delay="0"/>
+                            </p:stCondLst>
+                            <p:childTnLst>
+                              <p:par>
+                                <p:cTn id="5" presetID="2" presetClass="entr" presetSubtype="8" fill="hold" grpId="0" nodeType="withEffect">
+                                  <p:stCondLst>
+                                    <p:cond delay="0"/>
+                                  </p:stCondLst>
+                                  <p:childTnLst>
+                                    <p:set>
+                                      <p:cBhvr>
+                                        <p:cTn id="6" dur="1" fill="hold">
+                                          <p:stCondLst>
+                                            <p:cond delay="0"/>
+                                          </p:stCondLst>
+                                        </p:cTn>
+                                        <p:tgtEl>
+                                          <p:spTgt spid="6"/>
+                                        </p:tgtEl>
+                                        <p:attrNameLst>
+                                          <p:attrName>style.visibility</p:attrName>
+                                        </p:attrNameLst>
+                                      </p:cBhvr>
+                                      <p:to>
+                                        <p:strVal val="visible"/>
+                                      </p:to>
+                                    </p:set>
+                                    <p:anim calcmode="lin" valueType="num">
+                                      <p:cBhvr additive="base">
+                                        <p:cTn id="7" dur="500" fill="hold"/>
+                                        <p:tgtEl>
+                                          <p:spTgt spid="6"/>
+                                        </p:tgtEl>
+                                        <p:attrNameLst>
+                                          <p:attrName>ppt_x</p:attrName>
+                                        </p:attrNameLst>
+                                      </p:cBhvr>
+                                      <p:tavLst>
+                                        <p:tav tm="0">
+                                          <p:val>
+                                            <p:strVal val="0-#ppt_w/2"/>
+                                          </p:val>
+                                        </p:tav>
+                                        <p:tav tm="100000">
+                                          <p:val>
+                                            <p:strVal val="#ppt_x"/>
+                                          </p:val>
+                                        </p:tav>
+                                      </p:tavLst>
+                                    </p:anim>
+                                    <p:anim calcmode="lin" valueType="num">
+                                      <p:cBhvr additive="base">
+                                        <p:cTn id="8" dur="500" fill="hold"/>
+                                        <p:tgtEl>
+                                          <p:spTgt spid="6"/>
+                                        </p:tgtEl>
+                                        <p:attrNameLst>
+                                          <p:attrName>ppt_y</p:attrName>
+                                        </p:attrNameLst>
+                                      </p:cBhvr>
+                                      <p:tavLst>
+                                        <p:tav tm="0">
+                                          <p:val>
+                                            <p:strVal val="#ppt_y"/>
+                                          </p:val>
+                                        </p:tav>
+                                        <p:tav tm="100000">
+                                          <p:val>
+                                            <p:strVal val="#ppt_y"/>
+                                          </p:val>
+                                        </p:tav>
+                                      </p:tavLst>
+                                    </p:anim>
+                                  </p:childTnLst>
+                                </p:cTn>
+                              </p:par>
+                            </p:childTnLst>
+                          </p:cTn>
+                        </p:par>
+                        <p:par>
+                          <p:cTn id="9" fill="hold">
+                            <p:stCondLst>
+                              <p:cond delay="500"/>
+                            </p:stCondLst>
+                            <p:childTnLst>
+                              <p:par>
+                                <p:cTn id="10" presetID="2" presetClass="entr" presetSubtype="8" fill="hold" nodeType="afterEffect">
+                                  <p:stCondLst>
+                                    <p:cond delay="500"/>
+                                  </p:stCondLst>
+                                  <p:childTnLst>
+                                    <p:set>
+                                      <p:cBhvr>
+                                        <p:cTn id="11" dur="1" fill="hold">
+                                          <p:stCondLst>
+                                            <p:cond delay="0"/>
+                                          </p:stCondLst>
+                                        </p:cTn>
+                                        <p:tgtEl>
+                                          <p:spTgt spid="9"/>
+                                        </p:tgtEl>
+                                        <p:attrNameLst>
+                                          <p:attrName>style.visibility</p:attrName>
+                                        </p:attrNameLst>
+                                      </p:cBhvr>
+                                      <p:to>
+                                        <p:strVal val="visible"/>
+                                      </p:to>
+                                    </p:set>
+                                    <p:anim calcmode="lin" valueType="num">
+                                      <p:cBhvr additive="base">
+                                        <p:cTn id="12" dur="500" fill="hold"/>
+                                        <p:tgtEl>
+                                          <p:spTgt spid="9"/>
+                                        </p:tgtEl>
+                                        <p:attrNameLst>
+                                          <p:attrName>ppt_x</p:attrName>
+                                        </p:attrNameLst>
+                                      </p:cBhvr>
+                                      <p:tavLst>
+                                        <p:tav tm="0">
+                                          <p:val>
+                                            <p:strVal val="0-#ppt_w/2"/>
+                                          </p:val>
+                                        </p:tav>
+                                        <p:tav tm="100000">
+                                          <p:val>
+                                            <p:strVal val="#ppt_x"/>
+                                          </p:val>
+                                        </p:tav>
+                                      </p:tavLst>
+                                    </p:anim>
+                                    <p:anim calcmode="lin" valueType="num">
+                                      <p:cBhvr additive="base">
+                                        <p:cTn id="13" dur="500" fill="hold"/>
+                                        <p:tgtEl>
+                                          <p:spTgt spid="9"/>
+                                        </p:tgtEl>
+                                        <p:attrNameLst>
+                                          <p:attrName>ppt_y</p:attrName>
+                                        </p:attrNameLst>
+                                      </p:cBhvr>
+                                      <p:tavLst>
+                                        <p:tav tm="0">
+                                          <p:val>
+                                            <p:strVal val="#ppt_y"/>
+                                          </p:val>
+                                        </p:tav>
+                                        <p:tav tm="100000">
+                                          <p:val>
+                                            <p:strVal val="#ppt_y"/>
+                                          </p:val>
+                                        </p:tav>
+                                      </p:tavLst>
+                                    </p:anim>
+                                  </p:childTnLst>
+                                </p:cTn>
+                              </p:par>
+                              <p:par>
+                                <p:cTn id="14" presetID="2" presetClass="entr" presetSubtype="2" fill="hold" nodeType="withEffect">
+                                  <p:stCondLst>
+                                    <p:cond delay="500"/>
+                                  </p:stCondLst>
+                                  <p:childTnLst>
+                                    <p:set>
+                                      <p:cBhvr>
+                                        <p:cTn id="15" dur="1" fill="hold">
+                                          <p:stCondLst>
+                                            <p:cond delay="0"/>
+                                          </p:stCondLst>
+                                        </p:cTn>
+                                        <p:tgtEl>
+                                          <p:spTgt spid="10"/>
+                                        </p:tgtEl>
+                                        <p:attrNameLst>
+                                          <p:attrName>style.visibility</p:attrName>
+                                        </p:attrNameLst>
+                                      </p:cBhvr>
+                                      <p:to>
+                                        <p:strVal val="visible"/>
+                                      </p:to>
+                                    </p:set>
+                                    <p:anim calcmode="lin" valueType="num">
+                                      <p:cBhvr additive="base">
+                                        <p:cTn id="16" dur="500" fill="hold"/>
+                                        <p:tgtEl>
+                                          <p:spTgt spid="10"/>
+                                        </p:tgtEl>
+                                        <p:attrNameLst>
+                                          <p:attrName>ppt_x</p:attrName>
+                                        </p:attrNameLst>
+                                      </p:cBhvr>
+                                      <p:tavLst>
+                                        <p:tav tm="0">
+                                          <p:val>
+                                            <p:strVal val="1+#ppt_w/2"/>
+                                          </p:val>
+                                        </p:tav>
+                                        <p:tav tm="100000">
+                                          <p:val>
+                                            <p:strVal val="#ppt_x"/>
+                                          </p:val>
+                                        </p:tav>
+                                      </p:tavLst>
+                                    </p:anim>
+                                    <p:anim calcmode="lin" valueType="num">
+                                      <p:cBhvr additive="base">
+                                        <p:cTn id="17" dur="500" fill="hold"/>
+                                        <p:tgtEl>
+                                          <p:spTgt spid="10"/>
+                                        </p:tgtEl>
+                                        <p:attrNameLst>
+                                          <p:attrName>ppt_y</p:attrName>
+                                        </p:attrNameLst>
+                                      </p:cBhvr>
+                                      <p:tavLst>
+                                        <p:tav tm="0">
+                                          <p:val>
+                                            <p:strVal val="#ppt_y"/>
+                                          </p:val>
+                                        </p:tav>
+                                        <p:tav tm="100000">
+                                          <p:val>
+                                            <p:strVal val="#ppt_y"/>
+                                          </p:val>
+                                        </p:tav>
+                                      </p:tavLst>
+                                    </p:anim>
+                                  </p:childTnLst>
+                                </p:cTn>
+                              </p:par>
+                              <p:par>
+                                <p:cTn id="18" presetID="2" presetClass="entr" presetSubtype="1" fill="hold" nodeType="withEffect">
+                                  <p:stCondLst>
+                                    <p:cond delay="500"/>
+                                  </p:stCondLst>
+                                  <p:childTnLst>
+                                    <p:set>
+                                      <p:cBhvr>
+                                        <p:cTn id="19" dur="1" fill="hold">
+                                          <p:stCondLst>
+                                            <p:cond delay="0"/>
+                                          </p:stCondLst>
+                                        </p:cTn>
+                                        <p:tgtEl>
+                                          <p:spTgt spid="7"/>
+                                        </p:tgtEl>
+                                        <p:attrNameLst>
+                                          <p:attrName>style.visibility</p:attrName>
+                                        </p:attrNameLst>
+                                      </p:cBhvr>
+                                      <p:to>
+                                        <p:strVal val="visible"/>
+                                      </p:to>
+                                    </p:set>
+                                    <p:anim calcmode="lin" valueType="num">
+                                      <p:cBhvr additive="base">
+                                        <p:cTn id="20" dur="750" fill="hold"/>
+                                        <p:tgtEl>
+                                          <p:spTgt spid="7"/>
+                                        </p:tgtEl>
+                                        <p:attrNameLst>
+                                          <p:attrName>ppt_x</p:attrName>
+                                        </p:attrNameLst>
+                                      </p:cBhvr>
+                                      <p:tavLst>
+                                        <p:tav tm="0">
+                                          <p:val>
+                                            <p:strVal val="#ppt_x"/>
+                                          </p:val>
+                                        </p:tav>
+                                        <p:tav tm="100000">
+                                          <p:val>
+                                            <p:strVal val="#ppt_x"/>
+                                          </p:val>
+                                        </p:tav>
+                                      </p:tavLst>
+                                    </p:anim>
+                                    <p:anim calcmode="lin" valueType="num">
+                                      <p:cBhvr additive="base">
+                                        <p:cTn id="21" dur="750" fill="hold"/>
+                                        <p:tgtEl>
+                                          <p:spTgt spid="7"/>
+                                        </p:tgtEl>
+                                        <p:attrNameLst>
+                                          <p:attrName>ppt_y</p:attrName>
+                                        </p:attrNameLst>
+                                      </p:cBhvr>
+                                      <p:tavLst>
+                                        <p:tav tm="0">
+                                          <p:val>
+                                            <p:strVal val="0-#ppt_h/2"/>
+                                          </p:val>
+                                        </p:tav>
+                                        <p:tav tm="100000">
+                                          <p:val>
+                                            <p:strVal val="#ppt_y"/>
+                                          </p:val>
+                                        </p:tav>
+                                      </p:tavLst>
+                                    </p:anim>
+                                  </p:childTnLst>
+                                </p:cTn>
+                              </p:par>
+                            </p:childTnLst>
+                          </p:cTn>
+                        </p:par>
+                      </p:childTnLst>
+                    </p:cTn>
+                  </p:par>
+                </p:childTnLst>
+              </p:cTn>
+              <p:prevCondLst>
+                <p:cond evt="onPrev" delay="0">
+                  <p:tgtEl>
+                    <p:sldTgt/>
+                  </p:tgtEl>
+                </p:cond>
+              </p:prevCondLst>
+              <p:nextCondLst>
+                <p:cond evt="onNext" delay="0">
+                  <p:tgtEl>
+                    <p:sldTgt/>
+                  </p:tgtEl>
+                </p:cond>
+              </p:nextCondLst>
+            </p:seq>
+          </p:childTnLst>
+        </p:cTn>
+      </p:par>
+    </p:tnLst>
+    <p:bldLst>
+      <p:bldP spid="6" grpId="0"/>
+    </p:bldLst>
+  </p:timing>
+</p:sld>
+</file>
+
+<file path=ppt/slides/slide11.xml><?xml version="1.0" encoding="utf-8"?>
+<p:sld xmlns:a="http://schemas.openxmlformats.org/drawingml/2006/main" xmlns:r="http://schemas.openxmlformats.org/officeDocument/2006/relationships" xmlns:p="http://schemas.openxmlformats.org/presentationml/2006/main">
+  <p:cSld>
+    <p:bg>
+      <p:bgPr>
+        <a:blipFill dpi="0" rotWithShape="1">
+          <a:blip r:embed="rId3">
+            <a:lum/>
+          </a:blip>
+          <a:srcRect/>
+          <a:stretch>
+            <a:fillRect/>
+          </a:stretch>
+        </a:blipFill>
+        <a:effectLst/>
+      </p:bgPr>
+    </p:bg>
+    <p:spTree>
+      <p:nvGrpSpPr>
+        <p:cNvPr id="1" name=""/>
+        <p:cNvGrpSpPr/>
+        <p:nvPr/>
+      </p:nvGrpSpPr>
+      <p:grpSpPr>
+        <a:xfrm>
+          <a:off x="0" y="0"/>
+          <a:ext cx="0" cy="0"/>
+          <a:chOff x="0" y="0"/>
+          <a:chExt cx="0" cy="0"/>
+        </a:xfrm>
+      </p:grpSpPr>
+      <p:pic>
+        <p:nvPicPr>
           <p:cNvPr id="8" name="Picture 7"/>
           <p:cNvPicPr>
             <a:picLocks noChangeAspect="1"/>
@@ -6620,609 +7172,6 @@
     </p:tnLst>
     <p:bldLst>
       <p:bldP spid="6" grpId="0"/>
-    </p:bldLst>
-  </p:timing>
-</p:sld>
-</file>
-
-<file path=ppt/slides/slide11.xml><?xml version="1.0" encoding="utf-8"?>
-<p:sld xmlns:a="http://schemas.openxmlformats.org/drawingml/2006/main" xmlns:r="http://schemas.openxmlformats.org/officeDocument/2006/relationships" xmlns:p="http://schemas.openxmlformats.org/presentationml/2006/main">
-  <p:cSld>
-    <p:bg>
-      <p:bgPr>
-        <a:blipFill dpi="0" rotWithShape="1">
-          <a:blip r:embed="rId3">
-            <a:lum/>
-          </a:blip>
-          <a:srcRect/>
-          <a:stretch>
-            <a:fillRect/>
-          </a:stretch>
-        </a:blipFill>
-        <a:effectLst/>
-      </p:bgPr>
-    </p:bg>
-    <p:spTree>
-      <p:nvGrpSpPr>
-        <p:cNvPr id="1" name=""/>
-        <p:cNvGrpSpPr/>
-        <p:nvPr/>
-      </p:nvGrpSpPr>
-      <p:grpSpPr>
-        <a:xfrm>
-          <a:off x="0" y="0"/>
-          <a:ext cx="0" cy="0"/>
-          <a:chOff x="0" y="0"/>
-          <a:chExt cx="0" cy="0"/>
-        </a:xfrm>
-      </p:grpSpPr>
-      <p:pic>
-        <p:nvPicPr>
-          <p:cNvPr id="5" name="Picture 4">
-            <a:extLst>
-              <a:ext uri="{FF2B5EF4-FFF2-40B4-BE49-F238E27FC236}">
-                <a16:creationId xmlns:a16="http://schemas.microsoft.com/office/drawing/2014/main" id="{652F8266-5BD3-4F23-BA2F-15BA1184EB66}"/>
-              </a:ext>
-            </a:extLst>
-          </p:cNvPr>
-          <p:cNvPicPr>
-            <a:picLocks noChangeAspect="1"/>
-          </p:cNvPicPr>
-          <p:nvPr/>
-        </p:nvPicPr>
-        <p:blipFill>
-          <a:blip r:embed="rId4"/>
-          <a:stretch>
-            <a:fillRect/>
-          </a:stretch>
-        </p:blipFill>
-        <p:spPr>
-          <a:xfrm>
-            <a:off x="-1" y="1779752"/>
-            <a:ext cx="6036121" cy="3706648"/>
-          </a:xfrm>
-          <a:prstGeom prst="rect">
-            <a:avLst/>
-          </a:prstGeom>
-        </p:spPr>
-      </p:pic>
-      <p:pic>
-        <p:nvPicPr>
-          <p:cNvPr id="6" name="Picture 5">
-            <a:extLst>
-              <a:ext uri="{FF2B5EF4-FFF2-40B4-BE49-F238E27FC236}">
-                <a16:creationId xmlns:a16="http://schemas.microsoft.com/office/drawing/2014/main" id="{F288B351-D75D-453F-8177-F6AA0771636C}"/>
-              </a:ext>
-            </a:extLst>
-          </p:cNvPr>
-          <p:cNvPicPr>
-            <a:picLocks noChangeAspect="1"/>
-          </p:cNvPicPr>
-          <p:nvPr/>
-        </p:nvPicPr>
-        <p:blipFill>
-          <a:blip r:embed="rId5"/>
-          <a:stretch>
-            <a:fillRect/>
-          </a:stretch>
-        </p:blipFill>
-        <p:spPr>
-          <a:xfrm>
-            <a:off x="6036121" y="1779753"/>
-            <a:ext cx="6155879" cy="3706647"/>
-          </a:xfrm>
-          <a:prstGeom prst="rect">
-            <a:avLst/>
-          </a:prstGeom>
-        </p:spPr>
-      </p:pic>
-      <p:sp>
-        <p:nvSpPr>
-          <p:cNvPr id="7" name="Title 1">
-            <a:extLst>
-              <a:ext uri="{FF2B5EF4-FFF2-40B4-BE49-F238E27FC236}">
-                <a16:creationId xmlns:a16="http://schemas.microsoft.com/office/drawing/2014/main" id="{B4CE16BE-F643-4655-800E-73CA3E9B6384}"/>
-              </a:ext>
-            </a:extLst>
-          </p:cNvPr>
-          <p:cNvSpPr txBox="1">
-            <a:spLocks/>
-          </p:cNvSpPr>
-          <p:nvPr/>
-        </p:nvSpPr>
-        <p:spPr>
-          <a:xfrm>
-            <a:off x="838200" y="1"/>
-            <a:ext cx="10515600" cy="774439"/>
-          </a:xfrm>
-          <a:prstGeom prst="rect">
-            <a:avLst/>
-          </a:prstGeom>
-        </p:spPr>
-        <p:txBody>
-          <a:bodyPr>
-            <a:noAutofit/>
-          </a:bodyPr>
-          <a:lstStyle>
-            <a:lvl1pPr algn="l" defTabSz="914400" rtl="0" eaLnBrk="1" latinLnBrk="0" hangingPunct="1">
-              <a:lnSpc>
-                <a:spcPct val="90000"/>
-              </a:lnSpc>
-              <a:spcBef>
-                <a:spcPct val="0"/>
-              </a:spcBef>
-              <a:buNone/>
-              <a:defRPr sz="4400" kern="1200">
-                <a:solidFill>
-                  <a:schemeClr val="tx1"/>
-                </a:solidFill>
-                <a:latin typeface="+mj-lt"/>
-                <a:ea typeface="+mj-ea"/>
-                <a:cs typeface="+mj-cs"/>
-              </a:defRPr>
-            </a:lvl1pPr>
-          </a:lstStyle>
-          <a:p>
-            <a:pPr algn="ctr"/>
-            <a:r>
-              <a:rPr lang="en-US" dirty="0"/>
-              <a:t>Q: MORE GUNS = MORE SHOOTING?</a:t>
-            </a:r>
-          </a:p>
-        </p:txBody>
-      </p:sp>
-      <p:sp>
-        <p:nvSpPr>
-          <p:cNvPr id="8" name="Title 1">
-            <a:extLst>
-              <a:ext uri="{FF2B5EF4-FFF2-40B4-BE49-F238E27FC236}">
-                <a16:creationId xmlns:a16="http://schemas.microsoft.com/office/drawing/2014/main" id="{B23679A5-F176-437F-9098-77B138FECEB9}"/>
-              </a:ext>
-            </a:extLst>
-          </p:cNvPr>
-          <p:cNvSpPr txBox="1">
-            <a:spLocks/>
-          </p:cNvSpPr>
-          <p:nvPr/>
-        </p:nvSpPr>
-        <p:spPr>
-          <a:xfrm>
-            <a:off x="1950097" y="429210"/>
-            <a:ext cx="9049139" cy="1110342"/>
-          </a:xfrm>
-          <a:prstGeom prst="rect">
-            <a:avLst/>
-          </a:prstGeom>
-        </p:spPr>
-        <p:txBody>
-          <a:bodyPr vert="horz" lIns="91440" tIns="45720" rIns="91440" bIns="45720" rtlCol="0" anchor="ctr">
-            <a:noAutofit/>
-          </a:bodyPr>
-          <a:lstStyle>
-            <a:lvl1pPr algn="l" defTabSz="914400" rtl="0" eaLnBrk="1" latinLnBrk="0" hangingPunct="1">
-              <a:lnSpc>
-                <a:spcPct val="90000"/>
-              </a:lnSpc>
-              <a:spcBef>
-                <a:spcPct val="0"/>
-              </a:spcBef>
-              <a:buNone/>
-              <a:defRPr sz="4400" kern="1200">
-                <a:solidFill>
-                  <a:schemeClr val="tx1"/>
-                </a:solidFill>
-                <a:latin typeface="+mj-lt"/>
-                <a:ea typeface="+mj-ea"/>
-                <a:cs typeface="+mj-cs"/>
-              </a:defRPr>
-            </a:lvl1pPr>
-          </a:lstStyle>
-          <a:p>
-            <a:r>
-              <a:rPr lang="en-US" dirty="0"/>
-              <a:t>A: SUPRISINGLY, NOT EXACTLY</a:t>
-            </a:r>
-          </a:p>
-        </p:txBody>
-      </p:sp>
-    </p:spTree>
-    <p:extLst>
-      <p:ext uri="{BB962C8B-B14F-4D97-AF65-F5344CB8AC3E}">
-        <p14:creationId xmlns:p14="http://schemas.microsoft.com/office/powerpoint/2010/main" val="2107278466"/>
-      </p:ext>
-    </p:extLst>
-  </p:cSld>
-  <p:clrMapOvr>
-    <a:masterClrMapping/>
-  </p:clrMapOvr>
-  <p:timing>
-    <p:tnLst>
-      <p:par>
-        <p:cTn id="1" dur="indefinite" restart="never" nodeType="tmRoot">
-          <p:childTnLst>
-            <p:seq concurrent="1" nextAc="seek">
-              <p:cTn id="2" dur="indefinite" nodeType="mainSeq">
-                <p:childTnLst>
-                  <p:par>
-                    <p:cTn id="3" fill="hold">
-                      <p:stCondLst>
-                        <p:cond delay="indefinite"/>
-                        <p:cond evt="onBegin" delay="0">
-                          <p:tn val="2"/>
-                        </p:cond>
-                      </p:stCondLst>
-                      <p:childTnLst>
-                        <p:par>
-                          <p:cTn id="4" fill="hold">
-                            <p:stCondLst>
-                              <p:cond delay="0"/>
-                            </p:stCondLst>
-                            <p:childTnLst>
-                              <p:par>
-                                <p:cTn id="5" presetID="42" presetClass="entr" presetSubtype="0" fill="hold" grpId="0" nodeType="withEffect">
-                                  <p:stCondLst>
-                                    <p:cond delay="0"/>
-                                  </p:stCondLst>
-                                  <p:childTnLst>
-                                    <p:set>
-                                      <p:cBhvr>
-                                        <p:cTn id="6" dur="1" fill="hold">
-                                          <p:stCondLst>
-                                            <p:cond delay="0"/>
-                                          </p:stCondLst>
-                                        </p:cTn>
-                                        <p:tgtEl>
-                                          <p:spTgt spid="7"/>
-                                        </p:tgtEl>
-                                        <p:attrNameLst>
-                                          <p:attrName>style.visibility</p:attrName>
-                                        </p:attrNameLst>
-                                      </p:cBhvr>
-                                      <p:to>
-                                        <p:strVal val="visible"/>
-                                      </p:to>
-                                    </p:set>
-                                    <p:animEffect transition="in" filter="fade">
-                                      <p:cBhvr>
-                                        <p:cTn id="7" dur="1000"/>
-                                        <p:tgtEl>
-                                          <p:spTgt spid="7"/>
-                                        </p:tgtEl>
-                                      </p:cBhvr>
-                                    </p:animEffect>
-                                    <p:anim calcmode="lin" valueType="num">
-                                      <p:cBhvr>
-                                        <p:cTn id="8" dur="1000" fill="hold"/>
-                                        <p:tgtEl>
-                                          <p:spTgt spid="7"/>
-                                        </p:tgtEl>
-                                        <p:attrNameLst>
-                                          <p:attrName>ppt_x</p:attrName>
-                                        </p:attrNameLst>
-                                      </p:cBhvr>
-                                      <p:tavLst>
-                                        <p:tav tm="0">
-                                          <p:val>
-                                            <p:strVal val="#ppt_x"/>
-                                          </p:val>
-                                        </p:tav>
-                                        <p:tav tm="100000">
-                                          <p:val>
-                                            <p:strVal val="#ppt_x"/>
-                                          </p:val>
-                                        </p:tav>
-                                      </p:tavLst>
-                                    </p:anim>
-                                    <p:anim calcmode="lin" valueType="num">
-                                      <p:cBhvr>
-                                        <p:cTn id="9" dur="1000" fill="hold"/>
-                                        <p:tgtEl>
-                                          <p:spTgt spid="7"/>
-                                        </p:tgtEl>
-                                        <p:attrNameLst>
-                                          <p:attrName>ppt_y</p:attrName>
-                                        </p:attrNameLst>
-                                      </p:cBhvr>
-                                      <p:tavLst>
-                                        <p:tav tm="0">
-                                          <p:val>
-                                            <p:strVal val="#ppt_y+.1"/>
-                                          </p:val>
-                                        </p:tav>
-                                        <p:tav tm="100000">
-                                          <p:val>
-                                            <p:strVal val="#ppt_y"/>
-                                          </p:val>
-                                        </p:tav>
-                                      </p:tavLst>
-                                    </p:anim>
-                                  </p:childTnLst>
-                                </p:cTn>
-                              </p:par>
-                            </p:childTnLst>
-                          </p:cTn>
-                        </p:par>
-                      </p:childTnLst>
-                    </p:cTn>
-                  </p:par>
-                  <p:par>
-                    <p:cTn id="10" fill="hold">
-                      <p:stCondLst>
-                        <p:cond delay="indefinite"/>
-                      </p:stCondLst>
-                      <p:childTnLst>
-                        <p:par>
-                          <p:cTn id="11" fill="hold">
-                            <p:stCondLst>
-                              <p:cond delay="0"/>
-                            </p:stCondLst>
-                            <p:childTnLst>
-                              <p:par>
-                                <p:cTn id="12" presetID="42" presetClass="entr" presetSubtype="0" fill="hold" grpId="0" nodeType="clickEffect">
-                                  <p:stCondLst>
-                                    <p:cond delay="0"/>
-                                  </p:stCondLst>
-                                  <p:childTnLst>
-                                    <p:set>
-                                      <p:cBhvr>
-                                        <p:cTn id="13" dur="1" fill="hold">
-                                          <p:stCondLst>
-                                            <p:cond delay="0"/>
-                                          </p:stCondLst>
-                                        </p:cTn>
-                                        <p:tgtEl>
-                                          <p:spTgt spid="8"/>
-                                        </p:tgtEl>
-                                        <p:attrNameLst>
-                                          <p:attrName>style.visibility</p:attrName>
-                                        </p:attrNameLst>
-                                      </p:cBhvr>
-                                      <p:to>
-                                        <p:strVal val="visible"/>
-                                      </p:to>
-                                    </p:set>
-                                    <p:animEffect transition="in" filter="fade">
-                                      <p:cBhvr>
-                                        <p:cTn id="14" dur="1000"/>
-                                        <p:tgtEl>
-                                          <p:spTgt spid="8"/>
-                                        </p:tgtEl>
-                                      </p:cBhvr>
-                                    </p:animEffect>
-                                    <p:anim calcmode="lin" valueType="num">
-                                      <p:cBhvr>
-                                        <p:cTn id="15" dur="1000" fill="hold"/>
-                                        <p:tgtEl>
-                                          <p:spTgt spid="8"/>
-                                        </p:tgtEl>
-                                        <p:attrNameLst>
-                                          <p:attrName>ppt_x</p:attrName>
-                                        </p:attrNameLst>
-                                      </p:cBhvr>
-                                      <p:tavLst>
-                                        <p:tav tm="0">
-                                          <p:val>
-                                            <p:strVal val="#ppt_x"/>
-                                          </p:val>
-                                        </p:tav>
-                                        <p:tav tm="100000">
-                                          <p:val>
-                                            <p:strVal val="#ppt_x"/>
-                                          </p:val>
-                                        </p:tav>
-                                      </p:tavLst>
-                                    </p:anim>
-                                    <p:anim calcmode="lin" valueType="num">
-                                      <p:cBhvr>
-                                        <p:cTn id="16" dur="1000" fill="hold"/>
-                                        <p:tgtEl>
-                                          <p:spTgt spid="8"/>
-                                        </p:tgtEl>
-                                        <p:attrNameLst>
-                                          <p:attrName>ppt_y</p:attrName>
-                                        </p:attrNameLst>
-                                      </p:cBhvr>
-                                      <p:tavLst>
-                                        <p:tav tm="0">
-                                          <p:val>
-                                            <p:strVal val="#ppt_y+.1"/>
-                                          </p:val>
-                                        </p:tav>
-                                        <p:tav tm="100000">
-                                          <p:val>
-                                            <p:strVal val="#ppt_y"/>
-                                          </p:val>
-                                        </p:tav>
-                                      </p:tavLst>
-                                    </p:anim>
-                                  </p:childTnLst>
-                                </p:cTn>
-                              </p:par>
-                            </p:childTnLst>
-                          </p:cTn>
-                        </p:par>
-                        <p:par>
-                          <p:cTn id="17" fill="hold">
-                            <p:stCondLst>
-                              <p:cond delay="1000"/>
-                            </p:stCondLst>
-                            <p:childTnLst>
-                              <p:par>
-                                <p:cTn id="18" presetID="2" presetClass="entr" presetSubtype="8" fill="hold" nodeType="afterEffect">
-                                  <p:stCondLst>
-                                    <p:cond delay="750"/>
-                                  </p:stCondLst>
-                                  <p:childTnLst>
-                                    <p:set>
-                                      <p:cBhvr>
-                                        <p:cTn id="19" dur="1" fill="hold">
-                                          <p:stCondLst>
-                                            <p:cond delay="0"/>
-                                          </p:stCondLst>
-                                        </p:cTn>
-                                        <p:tgtEl>
-                                          <p:spTgt spid="5"/>
-                                        </p:tgtEl>
-                                        <p:attrNameLst>
-                                          <p:attrName>style.visibility</p:attrName>
-                                        </p:attrNameLst>
-                                      </p:cBhvr>
-                                      <p:to>
-                                        <p:strVal val="visible"/>
-                                      </p:to>
-                                    </p:set>
-                                    <p:anim calcmode="lin" valueType="num">
-                                      <p:cBhvr additive="base">
-                                        <p:cTn id="20" dur="500" fill="hold"/>
-                                        <p:tgtEl>
-                                          <p:spTgt spid="5"/>
-                                        </p:tgtEl>
-                                        <p:attrNameLst>
-                                          <p:attrName>ppt_x</p:attrName>
-                                        </p:attrNameLst>
-                                      </p:cBhvr>
-                                      <p:tavLst>
-                                        <p:tav tm="0">
-                                          <p:val>
-                                            <p:strVal val="0-#ppt_w/2"/>
-                                          </p:val>
-                                        </p:tav>
-                                        <p:tav tm="100000">
-                                          <p:val>
-                                            <p:strVal val="#ppt_x"/>
-                                          </p:val>
-                                        </p:tav>
-                                      </p:tavLst>
-                                    </p:anim>
-                                    <p:anim calcmode="lin" valueType="num">
-                                      <p:cBhvr additive="base">
-                                        <p:cTn id="21" dur="500" fill="hold"/>
-                                        <p:tgtEl>
-                                          <p:spTgt spid="5"/>
-                                        </p:tgtEl>
-                                        <p:attrNameLst>
-                                          <p:attrName>ppt_y</p:attrName>
-                                        </p:attrNameLst>
-                                      </p:cBhvr>
-                                      <p:tavLst>
-                                        <p:tav tm="0">
-                                          <p:val>
-                                            <p:strVal val="#ppt_y"/>
-                                          </p:val>
-                                        </p:tav>
-                                        <p:tav tm="100000">
-                                          <p:val>
-                                            <p:strVal val="#ppt_y"/>
-                                          </p:val>
-                                        </p:tav>
-                                      </p:tavLst>
-                                    </p:anim>
-                                  </p:childTnLst>
-                                </p:cTn>
-                              </p:par>
-                              <p:par>
-                                <p:cTn id="22" presetID="2" presetClass="entr" presetSubtype="2" fill="hold" nodeType="withEffect">
-                                  <p:stCondLst>
-                                    <p:cond delay="750"/>
-                                  </p:stCondLst>
-                                  <p:childTnLst>
-                                    <p:set>
-                                      <p:cBhvr>
-                                        <p:cTn id="23" dur="1" fill="hold">
-                                          <p:stCondLst>
-                                            <p:cond delay="0"/>
-                                          </p:stCondLst>
-                                        </p:cTn>
-                                        <p:tgtEl>
-                                          <p:spTgt spid="6"/>
-                                        </p:tgtEl>
-                                        <p:attrNameLst>
-                                          <p:attrName>style.visibility</p:attrName>
-                                        </p:attrNameLst>
-                                      </p:cBhvr>
-                                      <p:to>
-                                        <p:strVal val="visible"/>
-                                      </p:to>
-                                    </p:set>
-                                    <p:anim calcmode="lin" valueType="num">
-                                      <p:cBhvr additive="base">
-                                        <p:cTn id="24" dur="500" fill="hold"/>
-                                        <p:tgtEl>
-                                          <p:spTgt spid="6"/>
-                                        </p:tgtEl>
-                                        <p:attrNameLst>
-                                          <p:attrName>ppt_x</p:attrName>
-                                        </p:attrNameLst>
-                                      </p:cBhvr>
-                                      <p:tavLst>
-                                        <p:tav tm="0">
-                                          <p:val>
-                                            <p:strVal val="1+#ppt_w/2"/>
-                                          </p:val>
-                                        </p:tav>
-                                        <p:tav tm="100000">
-                                          <p:val>
-                                            <p:strVal val="#ppt_x"/>
-                                          </p:val>
-                                        </p:tav>
-                                      </p:tavLst>
-                                    </p:anim>
-                                    <p:anim calcmode="lin" valueType="num">
-                                      <p:cBhvr additive="base">
-                                        <p:cTn id="25" dur="500" fill="hold"/>
-                                        <p:tgtEl>
-                                          <p:spTgt spid="6"/>
-                                        </p:tgtEl>
-                                        <p:attrNameLst>
-                                          <p:attrName>ppt_y</p:attrName>
-                                        </p:attrNameLst>
-                                      </p:cBhvr>
-                                      <p:tavLst>
-                                        <p:tav tm="0">
-                                          <p:val>
-                                            <p:strVal val="#ppt_y"/>
-                                          </p:val>
-                                        </p:tav>
-                                        <p:tav tm="100000">
-                                          <p:val>
-                                            <p:strVal val="#ppt_y"/>
-                                          </p:val>
-                                        </p:tav>
-                                      </p:tavLst>
-                                    </p:anim>
-                                  </p:childTnLst>
-                                </p:cTn>
-                              </p:par>
-                            </p:childTnLst>
-                          </p:cTn>
-                        </p:par>
-                      </p:childTnLst>
-                    </p:cTn>
-                  </p:par>
-                </p:childTnLst>
-              </p:cTn>
-              <p:prevCondLst>
-                <p:cond evt="onPrev" delay="0">
-                  <p:tgtEl>
-                    <p:sldTgt/>
-                  </p:tgtEl>
-                </p:cond>
-              </p:prevCondLst>
-              <p:nextCondLst>
-                <p:cond evt="onNext" delay="0">
-                  <p:tgtEl>
-                    <p:sldTgt/>
-                  </p:tgtEl>
-                </p:cond>
-              </p:nextCondLst>
-            </p:seq>
-          </p:childTnLst>
-        </p:cTn>
-      </p:par>
-    </p:tnLst>
-    <p:bldLst>
-      <p:bldP spid="7" grpId="0"/>
-      <p:bldP spid="8" grpId="0"/>
     </p:bldLst>
   </p:timing>
 </p:sld>
@@ -26721,6 +26670,615 @@
       </p:grpSpPr>
       <p:pic>
         <p:nvPicPr>
+          <p:cNvPr id="5" name="Picture 4">
+            <a:extLst>
+              <a:ext uri="{FF2B5EF4-FFF2-40B4-BE49-F238E27FC236}">
+                <a16:creationId xmlns:a16="http://schemas.microsoft.com/office/drawing/2014/main" id="{652F8266-5BD3-4F23-BA2F-15BA1184EB66}"/>
+              </a:ext>
+            </a:extLst>
+          </p:cNvPr>
+          <p:cNvPicPr>
+            <a:picLocks noChangeAspect="1"/>
+          </p:cNvPicPr>
+          <p:nvPr/>
+        </p:nvPicPr>
+        <p:blipFill>
+          <a:blip r:embed="rId4"/>
+          <a:stretch>
+            <a:fillRect/>
+          </a:stretch>
+        </p:blipFill>
+        <p:spPr>
+          <a:xfrm>
+            <a:off x="-1" y="1779752"/>
+            <a:ext cx="6036121" cy="3706648"/>
+          </a:xfrm>
+          <a:prstGeom prst="rect">
+            <a:avLst/>
+          </a:prstGeom>
+        </p:spPr>
+      </p:pic>
+      <p:pic>
+        <p:nvPicPr>
+          <p:cNvPr id="6" name="Picture 5">
+            <a:extLst>
+              <a:ext uri="{FF2B5EF4-FFF2-40B4-BE49-F238E27FC236}">
+                <a16:creationId xmlns:a16="http://schemas.microsoft.com/office/drawing/2014/main" id="{F288B351-D75D-453F-8177-F6AA0771636C}"/>
+              </a:ext>
+            </a:extLst>
+          </p:cNvPr>
+          <p:cNvPicPr>
+            <a:picLocks noChangeAspect="1"/>
+          </p:cNvPicPr>
+          <p:nvPr/>
+        </p:nvPicPr>
+        <p:blipFill>
+          <a:blip r:embed="rId5">
+            <a:extLst>
+              <a:ext uri="{28A0092B-C50C-407E-A947-70E740481C1C}">
+                <a14:useLocalDpi xmlns:a14="http://schemas.microsoft.com/office/drawing/2010/main" val="0"/>
+              </a:ext>
+            </a:extLst>
+          </a:blip>
+          <a:stretch>
+            <a:fillRect/>
+          </a:stretch>
+        </p:blipFill>
+        <p:spPr>
+          <a:xfrm>
+            <a:off x="6036121" y="1779753"/>
+            <a:ext cx="6155880" cy="3706647"/>
+          </a:xfrm>
+          <a:prstGeom prst="rect">
+            <a:avLst/>
+          </a:prstGeom>
+        </p:spPr>
+      </p:pic>
+      <p:sp>
+        <p:nvSpPr>
+          <p:cNvPr id="7" name="Title 1">
+            <a:extLst>
+              <a:ext uri="{FF2B5EF4-FFF2-40B4-BE49-F238E27FC236}">
+                <a16:creationId xmlns:a16="http://schemas.microsoft.com/office/drawing/2014/main" id="{B4CE16BE-F643-4655-800E-73CA3E9B6384}"/>
+              </a:ext>
+            </a:extLst>
+          </p:cNvPr>
+          <p:cNvSpPr txBox="1">
+            <a:spLocks/>
+          </p:cNvSpPr>
+          <p:nvPr/>
+        </p:nvSpPr>
+        <p:spPr>
+          <a:xfrm>
+            <a:off x="838200" y="1"/>
+            <a:ext cx="10515600" cy="774439"/>
+          </a:xfrm>
+          <a:prstGeom prst="rect">
+            <a:avLst/>
+          </a:prstGeom>
+        </p:spPr>
+        <p:txBody>
+          <a:bodyPr>
+            <a:noAutofit/>
+          </a:bodyPr>
+          <a:lstStyle>
+            <a:lvl1pPr algn="l" defTabSz="914400" rtl="0" eaLnBrk="1" latinLnBrk="0" hangingPunct="1">
+              <a:lnSpc>
+                <a:spcPct val="90000"/>
+              </a:lnSpc>
+              <a:spcBef>
+                <a:spcPct val="0"/>
+              </a:spcBef>
+              <a:buNone/>
+              <a:defRPr sz="4400" kern="1200">
+                <a:solidFill>
+                  <a:schemeClr val="tx1"/>
+                </a:solidFill>
+                <a:latin typeface="+mj-lt"/>
+                <a:ea typeface="+mj-ea"/>
+                <a:cs typeface="+mj-cs"/>
+              </a:defRPr>
+            </a:lvl1pPr>
+          </a:lstStyle>
+          <a:p>
+            <a:pPr algn="ctr"/>
+            <a:r>
+              <a:rPr lang="en-US" dirty="0"/>
+              <a:t>Q: MORE GUNS = MORE SHOOTING?</a:t>
+            </a:r>
+          </a:p>
+        </p:txBody>
+      </p:sp>
+      <p:sp>
+        <p:nvSpPr>
+          <p:cNvPr id="8" name="Title 1">
+            <a:extLst>
+              <a:ext uri="{FF2B5EF4-FFF2-40B4-BE49-F238E27FC236}">
+                <a16:creationId xmlns:a16="http://schemas.microsoft.com/office/drawing/2014/main" id="{B23679A5-F176-437F-9098-77B138FECEB9}"/>
+              </a:ext>
+            </a:extLst>
+          </p:cNvPr>
+          <p:cNvSpPr txBox="1">
+            <a:spLocks/>
+          </p:cNvSpPr>
+          <p:nvPr/>
+        </p:nvSpPr>
+        <p:spPr>
+          <a:xfrm>
+            <a:off x="1950097" y="429210"/>
+            <a:ext cx="9049139" cy="1110342"/>
+          </a:xfrm>
+          <a:prstGeom prst="rect">
+            <a:avLst/>
+          </a:prstGeom>
+        </p:spPr>
+        <p:txBody>
+          <a:bodyPr vert="horz" lIns="91440" tIns="45720" rIns="91440" bIns="45720" rtlCol="0" anchor="ctr">
+            <a:noAutofit/>
+          </a:bodyPr>
+          <a:lstStyle>
+            <a:lvl1pPr algn="l" defTabSz="914400" rtl="0" eaLnBrk="1" latinLnBrk="0" hangingPunct="1">
+              <a:lnSpc>
+                <a:spcPct val="90000"/>
+              </a:lnSpc>
+              <a:spcBef>
+                <a:spcPct val="0"/>
+              </a:spcBef>
+              <a:buNone/>
+              <a:defRPr sz="4400" kern="1200">
+                <a:solidFill>
+                  <a:schemeClr val="tx1"/>
+                </a:solidFill>
+                <a:latin typeface="+mj-lt"/>
+                <a:ea typeface="+mj-ea"/>
+                <a:cs typeface="+mj-cs"/>
+              </a:defRPr>
+            </a:lvl1pPr>
+          </a:lstStyle>
+          <a:p>
+            <a:r>
+              <a:rPr lang="en-US" dirty="0"/>
+              <a:t>A: SUPRISINGLY, NOT EXACTLY</a:t>
+            </a:r>
+          </a:p>
+        </p:txBody>
+      </p:sp>
+    </p:spTree>
+    <p:extLst>
+      <p:ext uri="{BB962C8B-B14F-4D97-AF65-F5344CB8AC3E}">
+        <p14:creationId xmlns:p14="http://schemas.microsoft.com/office/powerpoint/2010/main" val="2107278466"/>
+      </p:ext>
+    </p:extLst>
+  </p:cSld>
+  <p:clrMapOvr>
+    <a:masterClrMapping/>
+  </p:clrMapOvr>
+  <p:timing>
+    <p:tnLst>
+      <p:par>
+        <p:cTn id="1" dur="indefinite" restart="never" nodeType="tmRoot">
+          <p:childTnLst>
+            <p:seq concurrent="1" nextAc="seek">
+              <p:cTn id="2" dur="indefinite" nodeType="mainSeq">
+                <p:childTnLst>
+                  <p:par>
+                    <p:cTn id="3" fill="hold">
+                      <p:stCondLst>
+                        <p:cond delay="indefinite"/>
+                        <p:cond evt="onBegin" delay="0">
+                          <p:tn val="2"/>
+                        </p:cond>
+                      </p:stCondLst>
+                      <p:childTnLst>
+                        <p:par>
+                          <p:cTn id="4" fill="hold">
+                            <p:stCondLst>
+                              <p:cond delay="0"/>
+                            </p:stCondLst>
+                            <p:childTnLst>
+                              <p:par>
+                                <p:cTn id="5" presetID="42" presetClass="entr" presetSubtype="0" fill="hold" grpId="0" nodeType="withEffect">
+                                  <p:stCondLst>
+                                    <p:cond delay="0"/>
+                                  </p:stCondLst>
+                                  <p:childTnLst>
+                                    <p:set>
+                                      <p:cBhvr>
+                                        <p:cTn id="6" dur="1" fill="hold">
+                                          <p:stCondLst>
+                                            <p:cond delay="0"/>
+                                          </p:stCondLst>
+                                        </p:cTn>
+                                        <p:tgtEl>
+                                          <p:spTgt spid="7"/>
+                                        </p:tgtEl>
+                                        <p:attrNameLst>
+                                          <p:attrName>style.visibility</p:attrName>
+                                        </p:attrNameLst>
+                                      </p:cBhvr>
+                                      <p:to>
+                                        <p:strVal val="visible"/>
+                                      </p:to>
+                                    </p:set>
+                                    <p:animEffect transition="in" filter="fade">
+                                      <p:cBhvr>
+                                        <p:cTn id="7" dur="1000"/>
+                                        <p:tgtEl>
+                                          <p:spTgt spid="7"/>
+                                        </p:tgtEl>
+                                      </p:cBhvr>
+                                    </p:animEffect>
+                                    <p:anim calcmode="lin" valueType="num">
+                                      <p:cBhvr>
+                                        <p:cTn id="8" dur="1000" fill="hold"/>
+                                        <p:tgtEl>
+                                          <p:spTgt spid="7"/>
+                                        </p:tgtEl>
+                                        <p:attrNameLst>
+                                          <p:attrName>ppt_x</p:attrName>
+                                        </p:attrNameLst>
+                                      </p:cBhvr>
+                                      <p:tavLst>
+                                        <p:tav tm="0">
+                                          <p:val>
+                                            <p:strVal val="#ppt_x"/>
+                                          </p:val>
+                                        </p:tav>
+                                        <p:tav tm="100000">
+                                          <p:val>
+                                            <p:strVal val="#ppt_x"/>
+                                          </p:val>
+                                        </p:tav>
+                                      </p:tavLst>
+                                    </p:anim>
+                                    <p:anim calcmode="lin" valueType="num">
+                                      <p:cBhvr>
+                                        <p:cTn id="9" dur="1000" fill="hold"/>
+                                        <p:tgtEl>
+                                          <p:spTgt spid="7"/>
+                                        </p:tgtEl>
+                                        <p:attrNameLst>
+                                          <p:attrName>ppt_y</p:attrName>
+                                        </p:attrNameLst>
+                                      </p:cBhvr>
+                                      <p:tavLst>
+                                        <p:tav tm="0">
+                                          <p:val>
+                                            <p:strVal val="#ppt_y+.1"/>
+                                          </p:val>
+                                        </p:tav>
+                                        <p:tav tm="100000">
+                                          <p:val>
+                                            <p:strVal val="#ppt_y"/>
+                                          </p:val>
+                                        </p:tav>
+                                      </p:tavLst>
+                                    </p:anim>
+                                  </p:childTnLst>
+                                </p:cTn>
+                              </p:par>
+                            </p:childTnLst>
+                          </p:cTn>
+                        </p:par>
+                      </p:childTnLst>
+                    </p:cTn>
+                  </p:par>
+                  <p:par>
+                    <p:cTn id="10" fill="hold">
+                      <p:stCondLst>
+                        <p:cond delay="indefinite"/>
+                      </p:stCondLst>
+                      <p:childTnLst>
+                        <p:par>
+                          <p:cTn id="11" fill="hold">
+                            <p:stCondLst>
+                              <p:cond delay="0"/>
+                            </p:stCondLst>
+                            <p:childTnLst>
+                              <p:par>
+                                <p:cTn id="12" presetID="42" presetClass="entr" presetSubtype="0" fill="hold" grpId="0" nodeType="clickEffect">
+                                  <p:stCondLst>
+                                    <p:cond delay="0"/>
+                                  </p:stCondLst>
+                                  <p:childTnLst>
+                                    <p:set>
+                                      <p:cBhvr>
+                                        <p:cTn id="13" dur="1" fill="hold">
+                                          <p:stCondLst>
+                                            <p:cond delay="0"/>
+                                          </p:stCondLst>
+                                        </p:cTn>
+                                        <p:tgtEl>
+                                          <p:spTgt spid="8"/>
+                                        </p:tgtEl>
+                                        <p:attrNameLst>
+                                          <p:attrName>style.visibility</p:attrName>
+                                        </p:attrNameLst>
+                                      </p:cBhvr>
+                                      <p:to>
+                                        <p:strVal val="visible"/>
+                                      </p:to>
+                                    </p:set>
+                                    <p:animEffect transition="in" filter="fade">
+                                      <p:cBhvr>
+                                        <p:cTn id="14" dur="1000"/>
+                                        <p:tgtEl>
+                                          <p:spTgt spid="8"/>
+                                        </p:tgtEl>
+                                      </p:cBhvr>
+                                    </p:animEffect>
+                                    <p:anim calcmode="lin" valueType="num">
+                                      <p:cBhvr>
+                                        <p:cTn id="15" dur="1000" fill="hold"/>
+                                        <p:tgtEl>
+                                          <p:spTgt spid="8"/>
+                                        </p:tgtEl>
+                                        <p:attrNameLst>
+                                          <p:attrName>ppt_x</p:attrName>
+                                        </p:attrNameLst>
+                                      </p:cBhvr>
+                                      <p:tavLst>
+                                        <p:tav tm="0">
+                                          <p:val>
+                                            <p:strVal val="#ppt_x"/>
+                                          </p:val>
+                                        </p:tav>
+                                        <p:tav tm="100000">
+                                          <p:val>
+                                            <p:strVal val="#ppt_x"/>
+                                          </p:val>
+                                        </p:tav>
+                                      </p:tavLst>
+                                    </p:anim>
+                                    <p:anim calcmode="lin" valueType="num">
+                                      <p:cBhvr>
+                                        <p:cTn id="16" dur="1000" fill="hold"/>
+                                        <p:tgtEl>
+                                          <p:spTgt spid="8"/>
+                                        </p:tgtEl>
+                                        <p:attrNameLst>
+                                          <p:attrName>ppt_y</p:attrName>
+                                        </p:attrNameLst>
+                                      </p:cBhvr>
+                                      <p:tavLst>
+                                        <p:tav tm="0">
+                                          <p:val>
+                                            <p:strVal val="#ppt_y+.1"/>
+                                          </p:val>
+                                        </p:tav>
+                                        <p:tav tm="100000">
+                                          <p:val>
+                                            <p:strVal val="#ppt_y"/>
+                                          </p:val>
+                                        </p:tav>
+                                      </p:tavLst>
+                                    </p:anim>
+                                  </p:childTnLst>
+                                </p:cTn>
+                              </p:par>
+                            </p:childTnLst>
+                          </p:cTn>
+                        </p:par>
+                        <p:par>
+                          <p:cTn id="17" fill="hold">
+                            <p:stCondLst>
+                              <p:cond delay="1000"/>
+                            </p:stCondLst>
+                            <p:childTnLst>
+                              <p:par>
+                                <p:cTn id="18" presetID="2" presetClass="entr" presetSubtype="8" fill="hold" nodeType="afterEffect">
+                                  <p:stCondLst>
+                                    <p:cond delay="750"/>
+                                  </p:stCondLst>
+                                  <p:childTnLst>
+                                    <p:set>
+                                      <p:cBhvr>
+                                        <p:cTn id="19" dur="1" fill="hold">
+                                          <p:stCondLst>
+                                            <p:cond delay="0"/>
+                                          </p:stCondLst>
+                                        </p:cTn>
+                                        <p:tgtEl>
+                                          <p:spTgt spid="5"/>
+                                        </p:tgtEl>
+                                        <p:attrNameLst>
+                                          <p:attrName>style.visibility</p:attrName>
+                                        </p:attrNameLst>
+                                      </p:cBhvr>
+                                      <p:to>
+                                        <p:strVal val="visible"/>
+                                      </p:to>
+                                    </p:set>
+                                    <p:anim calcmode="lin" valueType="num">
+                                      <p:cBhvr additive="base">
+                                        <p:cTn id="20" dur="500" fill="hold"/>
+                                        <p:tgtEl>
+                                          <p:spTgt spid="5"/>
+                                        </p:tgtEl>
+                                        <p:attrNameLst>
+                                          <p:attrName>ppt_x</p:attrName>
+                                        </p:attrNameLst>
+                                      </p:cBhvr>
+                                      <p:tavLst>
+                                        <p:tav tm="0">
+                                          <p:val>
+                                            <p:strVal val="0-#ppt_w/2"/>
+                                          </p:val>
+                                        </p:tav>
+                                        <p:tav tm="100000">
+                                          <p:val>
+                                            <p:strVal val="#ppt_x"/>
+                                          </p:val>
+                                        </p:tav>
+                                      </p:tavLst>
+                                    </p:anim>
+                                    <p:anim calcmode="lin" valueType="num">
+                                      <p:cBhvr additive="base">
+                                        <p:cTn id="21" dur="500" fill="hold"/>
+                                        <p:tgtEl>
+                                          <p:spTgt spid="5"/>
+                                        </p:tgtEl>
+                                        <p:attrNameLst>
+                                          <p:attrName>ppt_y</p:attrName>
+                                        </p:attrNameLst>
+                                      </p:cBhvr>
+                                      <p:tavLst>
+                                        <p:tav tm="0">
+                                          <p:val>
+                                            <p:strVal val="#ppt_y"/>
+                                          </p:val>
+                                        </p:tav>
+                                        <p:tav tm="100000">
+                                          <p:val>
+                                            <p:strVal val="#ppt_y"/>
+                                          </p:val>
+                                        </p:tav>
+                                      </p:tavLst>
+                                    </p:anim>
+                                  </p:childTnLst>
+                                </p:cTn>
+                              </p:par>
+                              <p:par>
+                                <p:cTn id="22" presetID="2" presetClass="entr" presetSubtype="2" fill="hold" nodeType="withEffect">
+                                  <p:stCondLst>
+                                    <p:cond delay="750"/>
+                                  </p:stCondLst>
+                                  <p:childTnLst>
+                                    <p:set>
+                                      <p:cBhvr>
+                                        <p:cTn id="23" dur="1" fill="hold">
+                                          <p:stCondLst>
+                                            <p:cond delay="0"/>
+                                          </p:stCondLst>
+                                        </p:cTn>
+                                        <p:tgtEl>
+                                          <p:spTgt spid="6"/>
+                                        </p:tgtEl>
+                                        <p:attrNameLst>
+                                          <p:attrName>style.visibility</p:attrName>
+                                        </p:attrNameLst>
+                                      </p:cBhvr>
+                                      <p:to>
+                                        <p:strVal val="visible"/>
+                                      </p:to>
+                                    </p:set>
+                                    <p:anim calcmode="lin" valueType="num">
+                                      <p:cBhvr additive="base">
+                                        <p:cTn id="24" dur="500" fill="hold"/>
+                                        <p:tgtEl>
+                                          <p:spTgt spid="6"/>
+                                        </p:tgtEl>
+                                        <p:attrNameLst>
+                                          <p:attrName>ppt_x</p:attrName>
+                                        </p:attrNameLst>
+                                      </p:cBhvr>
+                                      <p:tavLst>
+                                        <p:tav tm="0">
+                                          <p:val>
+                                            <p:strVal val="1+#ppt_w/2"/>
+                                          </p:val>
+                                        </p:tav>
+                                        <p:tav tm="100000">
+                                          <p:val>
+                                            <p:strVal val="#ppt_x"/>
+                                          </p:val>
+                                        </p:tav>
+                                      </p:tavLst>
+                                    </p:anim>
+                                    <p:anim calcmode="lin" valueType="num">
+                                      <p:cBhvr additive="base">
+                                        <p:cTn id="25" dur="500" fill="hold"/>
+                                        <p:tgtEl>
+                                          <p:spTgt spid="6"/>
+                                        </p:tgtEl>
+                                        <p:attrNameLst>
+                                          <p:attrName>ppt_y</p:attrName>
+                                        </p:attrNameLst>
+                                      </p:cBhvr>
+                                      <p:tavLst>
+                                        <p:tav tm="0">
+                                          <p:val>
+                                            <p:strVal val="#ppt_y"/>
+                                          </p:val>
+                                        </p:tav>
+                                        <p:tav tm="100000">
+                                          <p:val>
+                                            <p:strVal val="#ppt_y"/>
+                                          </p:val>
+                                        </p:tav>
+                                      </p:tavLst>
+                                    </p:anim>
+                                  </p:childTnLst>
+                                </p:cTn>
+                              </p:par>
+                            </p:childTnLst>
+                          </p:cTn>
+                        </p:par>
+                      </p:childTnLst>
+                    </p:cTn>
+                  </p:par>
+                </p:childTnLst>
+              </p:cTn>
+              <p:prevCondLst>
+                <p:cond evt="onPrev" delay="0">
+                  <p:tgtEl>
+                    <p:sldTgt/>
+                  </p:tgtEl>
+                </p:cond>
+              </p:prevCondLst>
+              <p:nextCondLst>
+                <p:cond evt="onNext" delay="0">
+                  <p:tgtEl>
+                    <p:sldTgt/>
+                  </p:tgtEl>
+                </p:cond>
+              </p:nextCondLst>
+            </p:seq>
+          </p:childTnLst>
+        </p:cTn>
+      </p:par>
+    </p:tnLst>
+    <p:bldLst>
+      <p:bldP spid="7" grpId="0"/>
+      <p:bldP spid="8" grpId="0"/>
+    </p:bldLst>
+  </p:timing>
+</p:sld>
+</file>
+
+<file path=ppt/slides/slide8.xml><?xml version="1.0" encoding="utf-8"?>
+<p:sld xmlns:a="http://schemas.openxmlformats.org/drawingml/2006/main" xmlns:r="http://schemas.openxmlformats.org/officeDocument/2006/relationships" xmlns:p="http://schemas.openxmlformats.org/presentationml/2006/main">
+  <p:cSld>
+    <p:bg>
+      <p:bgPr>
+        <a:blipFill dpi="0" rotWithShape="1">
+          <a:blip r:embed="rId3">
+            <a:lum/>
+          </a:blip>
+          <a:srcRect/>
+          <a:stretch>
+            <a:fillRect/>
+          </a:stretch>
+        </a:blipFill>
+        <a:effectLst/>
+      </p:bgPr>
+    </p:bg>
+    <p:spTree>
+      <p:nvGrpSpPr>
+        <p:cNvPr id="1" name=""/>
+        <p:cNvGrpSpPr/>
+        <p:nvPr/>
+      </p:nvGrpSpPr>
+      <p:grpSpPr>
+        <a:xfrm>
+          <a:off x="0" y="0"/>
+          <a:ext cx="0" cy="0"/>
+          <a:chOff x="0" y="0"/>
+          <a:chExt cx="0" cy="0"/>
+        </a:xfrm>
+      </p:grpSpPr>
+      <p:pic>
+        <p:nvPicPr>
           <p:cNvPr id="3" name="Picture 2"/>
           <p:cNvPicPr>
             <a:picLocks noChangeAspect="1"/>
@@ -27450,7 +28008,7 @@
 </p:sld>
 </file>
 
-<file path=ppt/slides/slide8.xml><?xml version="1.0" encoding="utf-8"?>
+<file path=ppt/slides/slide9.xml><?xml version="1.0" encoding="utf-8"?>
 <p:sld xmlns:a="http://schemas.openxmlformats.org/drawingml/2006/main" xmlns:r="http://schemas.openxmlformats.org/officeDocument/2006/relationships" xmlns:p="http://schemas.openxmlformats.org/presentationml/2006/main">
   <p:cSld>
     <p:bg>
@@ -28204,558 +28762,6 @@
       <p:bldP spid="2" grpId="1"/>
       <p:bldP spid="3" grpId="0"/>
       <p:bldP spid="3" grpId="1"/>
-    </p:bldLst>
-  </p:timing>
-</p:sld>
-</file>
-
-<file path=ppt/slides/slide9.xml><?xml version="1.0" encoding="utf-8"?>
-<p:sld xmlns:a="http://schemas.openxmlformats.org/drawingml/2006/main" xmlns:r="http://schemas.openxmlformats.org/officeDocument/2006/relationships" xmlns:p="http://schemas.openxmlformats.org/presentationml/2006/main">
-  <p:cSld>
-    <p:bg>
-      <p:bgPr>
-        <a:blipFill dpi="0" rotWithShape="1">
-          <a:blip r:embed="rId3">
-            <a:lum/>
-          </a:blip>
-          <a:srcRect/>
-          <a:stretch>
-            <a:fillRect/>
-          </a:stretch>
-        </a:blipFill>
-        <a:effectLst/>
-      </p:bgPr>
-    </p:bg>
-    <p:spTree>
-      <p:nvGrpSpPr>
-        <p:cNvPr id="1" name=""/>
-        <p:cNvGrpSpPr/>
-        <p:nvPr/>
-      </p:nvGrpSpPr>
-      <p:grpSpPr>
-        <a:xfrm>
-          <a:off x="0" y="0"/>
-          <a:ext cx="0" cy="0"/>
-          <a:chOff x="0" y="0"/>
-          <a:chExt cx="0" cy="0"/>
-        </a:xfrm>
-      </p:grpSpPr>
-      <p:pic>
-        <p:nvPicPr>
-          <p:cNvPr id="7" name="Picture 6"/>
-          <p:cNvPicPr>
-            <a:picLocks noChangeAspect="1"/>
-          </p:cNvPicPr>
-          <p:nvPr/>
-        </p:nvPicPr>
-        <p:blipFill>
-          <a:blip r:embed="rId4"/>
-          <a:stretch>
-            <a:fillRect/>
-          </a:stretch>
-        </p:blipFill>
-        <p:spPr>
-          <a:xfrm>
-            <a:off x="8649416" y="63947"/>
-            <a:ext cx="3470063" cy="1144920"/>
-          </a:xfrm>
-          <a:prstGeom prst="rect">
-            <a:avLst/>
-          </a:prstGeom>
-          <a:solidFill>
-            <a:schemeClr val="tx1"/>
-          </a:solidFill>
-        </p:spPr>
-      </p:pic>
-      <p:sp>
-        <p:nvSpPr>
-          <p:cNvPr id="6" name="Title 1">
-            <a:extLst>
-              <a:ext uri="{FF2B5EF4-FFF2-40B4-BE49-F238E27FC236}">
-                <a16:creationId xmlns:a16="http://schemas.microsoft.com/office/drawing/2014/main" id="{1861BABD-EEBB-44A2-A643-6073F5992F78}"/>
-              </a:ext>
-            </a:extLst>
-          </p:cNvPr>
-          <p:cNvSpPr txBox="1">
-            <a:spLocks/>
-          </p:cNvSpPr>
-          <p:nvPr/>
-        </p:nvSpPr>
-        <p:spPr>
-          <a:xfrm>
-            <a:off x="72521" y="0"/>
-            <a:ext cx="9049139" cy="1110342"/>
-          </a:xfrm>
-          <a:prstGeom prst="rect">
-            <a:avLst/>
-          </a:prstGeom>
-        </p:spPr>
-        <p:txBody>
-          <a:bodyPr vert="horz" lIns="91440" tIns="45720" rIns="91440" bIns="45720" rtlCol="0" anchor="ctr">
-            <a:noAutofit/>
-          </a:bodyPr>
-          <a:lstStyle>
-            <a:lvl1pPr algn="l" defTabSz="914400" rtl="0" eaLnBrk="1" latinLnBrk="0" hangingPunct="1">
-              <a:lnSpc>
-                <a:spcPct val="90000"/>
-              </a:lnSpc>
-              <a:spcBef>
-                <a:spcPct val="0"/>
-              </a:spcBef>
-              <a:buNone/>
-              <a:defRPr sz="4400" kern="1200">
-                <a:solidFill>
-                  <a:schemeClr val="tx1"/>
-                </a:solidFill>
-                <a:latin typeface="+mj-lt"/>
-                <a:ea typeface="+mj-ea"/>
-                <a:cs typeface="+mj-cs"/>
-              </a:defRPr>
-            </a:lvl1pPr>
-          </a:lstStyle>
-          <a:p>
-            <a:r>
-              <a:rPr lang="en-US" dirty="0"/>
-              <a:t>A: BETTER MOVE SOMEWHERE ELSE</a:t>
-            </a:r>
-          </a:p>
-        </p:txBody>
-      </p:sp>
-      <p:pic>
-        <p:nvPicPr>
-          <p:cNvPr id="9" name="Picture 8">
-            <a:extLst>
-              <a:ext uri="{FF2B5EF4-FFF2-40B4-BE49-F238E27FC236}">
-                <a16:creationId xmlns:a16="http://schemas.microsoft.com/office/drawing/2014/main" id="{59AEFF44-6074-4558-BC76-D139B03CE62D}"/>
-              </a:ext>
-            </a:extLst>
-          </p:cNvPr>
-          <p:cNvPicPr>
-            <a:picLocks noChangeAspect="1"/>
-          </p:cNvPicPr>
-          <p:nvPr/>
-        </p:nvPicPr>
-        <p:blipFill>
-          <a:blip r:embed="rId5">
-            <a:extLst>
-              <a:ext uri="{28A0092B-C50C-407E-A947-70E740481C1C}">
-                <a14:useLocalDpi xmlns:a14="http://schemas.microsoft.com/office/drawing/2010/main" val="0"/>
-              </a:ext>
-            </a:extLst>
-          </a:blip>
-          <a:stretch>
-            <a:fillRect/>
-          </a:stretch>
-        </p:blipFill>
-        <p:spPr>
-          <a:xfrm>
-            <a:off x="4580" y="1437969"/>
-            <a:ext cx="12187420" cy="2636086"/>
-          </a:xfrm>
-          <a:prstGeom prst="rect">
-            <a:avLst/>
-          </a:prstGeom>
-        </p:spPr>
-      </p:pic>
-      <p:pic>
-        <p:nvPicPr>
-          <p:cNvPr id="10" name="Picture 9">
-            <a:extLst>
-              <a:ext uri="{FF2B5EF4-FFF2-40B4-BE49-F238E27FC236}">
-                <a16:creationId xmlns:a16="http://schemas.microsoft.com/office/drawing/2014/main" id="{69EC3301-4C33-4851-90D8-AABBD231FFD7}"/>
-              </a:ext>
-            </a:extLst>
-          </p:cNvPr>
-          <p:cNvPicPr>
-            <a:picLocks noChangeAspect="1"/>
-          </p:cNvPicPr>
-          <p:nvPr/>
-        </p:nvPicPr>
-        <p:blipFill>
-          <a:blip r:embed="rId6">
-            <a:extLst>
-              <a:ext uri="{28A0092B-C50C-407E-A947-70E740481C1C}">
-                <a14:useLocalDpi xmlns:a14="http://schemas.microsoft.com/office/drawing/2010/main" val="0"/>
-              </a:ext>
-            </a:extLst>
-          </a:blip>
-          <a:stretch>
-            <a:fillRect/>
-          </a:stretch>
-        </p:blipFill>
-        <p:spPr>
-          <a:xfrm>
-            <a:off x="4580" y="4151599"/>
-            <a:ext cx="12187420" cy="2611590"/>
-          </a:xfrm>
-          <a:prstGeom prst="rect">
-            <a:avLst/>
-          </a:prstGeom>
-        </p:spPr>
-      </p:pic>
-    </p:spTree>
-    <p:extLst>
-      <p:ext uri="{BB962C8B-B14F-4D97-AF65-F5344CB8AC3E}">
-        <p14:creationId xmlns:p14="http://schemas.microsoft.com/office/powerpoint/2010/main" val="2831406197"/>
-      </p:ext>
-    </p:extLst>
-  </p:cSld>
-  <p:clrMapOvr>
-    <a:masterClrMapping/>
-  </p:clrMapOvr>
-  <p:timing>
-    <p:tnLst>
-      <p:par>
-        <p:cTn id="1" dur="indefinite" restart="never" nodeType="tmRoot">
-          <p:childTnLst>
-            <p:seq concurrent="1" nextAc="seek">
-              <p:cTn id="2" dur="indefinite" nodeType="mainSeq">
-                <p:childTnLst>
-                  <p:par>
-                    <p:cTn id="3" fill="hold">
-                      <p:stCondLst>
-                        <p:cond delay="indefinite"/>
-                        <p:cond evt="onBegin" delay="0">
-                          <p:tn val="2"/>
-                        </p:cond>
-                      </p:stCondLst>
-                      <p:childTnLst>
-                        <p:par>
-                          <p:cTn id="4" fill="hold">
-                            <p:stCondLst>
-                              <p:cond delay="0"/>
-                            </p:stCondLst>
-                            <p:childTnLst>
-                              <p:par>
-                                <p:cTn id="5" presetID="2" presetClass="entr" presetSubtype="8" fill="hold" grpId="0" nodeType="withEffect">
-                                  <p:stCondLst>
-                                    <p:cond delay="0"/>
-                                  </p:stCondLst>
-                                  <p:childTnLst>
-                                    <p:set>
-                                      <p:cBhvr>
-                                        <p:cTn id="6" dur="1" fill="hold">
-                                          <p:stCondLst>
-                                            <p:cond delay="0"/>
-                                          </p:stCondLst>
-                                        </p:cTn>
-                                        <p:tgtEl>
-                                          <p:spTgt spid="6"/>
-                                        </p:tgtEl>
-                                        <p:attrNameLst>
-                                          <p:attrName>style.visibility</p:attrName>
-                                        </p:attrNameLst>
-                                      </p:cBhvr>
-                                      <p:to>
-                                        <p:strVal val="visible"/>
-                                      </p:to>
-                                    </p:set>
-                                    <p:anim calcmode="lin" valueType="num">
-                                      <p:cBhvr additive="base">
-                                        <p:cTn id="7" dur="500" fill="hold"/>
-                                        <p:tgtEl>
-                                          <p:spTgt spid="6"/>
-                                        </p:tgtEl>
-                                        <p:attrNameLst>
-                                          <p:attrName>ppt_x</p:attrName>
-                                        </p:attrNameLst>
-                                      </p:cBhvr>
-                                      <p:tavLst>
-                                        <p:tav tm="0">
-                                          <p:val>
-                                            <p:strVal val="0-#ppt_w/2"/>
-                                          </p:val>
-                                        </p:tav>
-                                        <p:tav tm="100000">
-                                          <p:val>
-                                            <p:strVal val="#ppt_x"/>
-                                          </p:val>
-                                        </p:tav>
-                                      </p:tavLst>
-                                    </p:anim>
-                                    <p:anim calcmode="lin" valueType="num">
-                                      <p:cBhvr additive="base">
-                                        <p:cTn id="8" dur="500" fill="hold"/>
-                                        <p:tgtEl>
-                                          <p:spTgt spid="6"/>
-                                        </p:tgtEl>
-                                        <p:attrNameLst>
-                                          <p:attrName>ppt_y</p:attrName>
-                                        </p:attrNameLst>
-                                      </p:cBhvr>
-                                      <p:tavLst>
-                                        <p:tav tm="0">
-                                          <p:val>
-                                            <p:strVal val="#ppt_y"/>
-                                          </p:val>
-                                        </p:tav>
-                                        <p:tav tm="100000">
-                                          <p:val>
-                                            <p:strVal val="#ppt_y"/>
-                                          </p:val>
-                                        </p:tav>
-                                      </p:tavLst>
-                                    </p:anim>
-                                  </p:childTnLst>
-                                </p:cTn>
-                              </p:par>
-                            </p:childTnLst>
-                          </p:cTn>
-                        </p:par>
-                        <p:par>
-                          <p:cTn id="9" fill="hold">
-                            <p:stCondLst>
-                              <p:cond delay="500"/>
-                            </p:stCondLst>
-                            <p:childTnLst>
-                              <p:par>
-                                <p:cTn id="10" presetID="2" presetClass="entr" presetSubtype="8" fill="hold" nodeType="afterEffect">
-                                  <p:stCondLst>
-                                    <p:cond delay="500"/>
-                                  </p:stCondLst>
-                                  <p:childTnLst>
-                                    <p:set>
-                                      <p:cBhvr>
-                                        <p:cTn id="11" dur="1" fill="hold">
-                                          <p:stCondLst>
-                                            <p:cond delay="0"/>
-                                          </p:stCondLst>
-                                        </p:cTn>
-                                        <p:tgtEl>
-                                          <p:spTgt spid="9"/>
-                                        </p:tgtEl>
-                                        <p:attrNameLst>
-                                          <p:attrName>style.visibility</p:attrName>
-                                        </p:attrNameLst>
-                                      </p:cBhvr>
-                                      <p:to>
-                                        <p:strVal val="visible"/>
-                                      </p:to>
-                                    </p:set>
-                                    <p:anim calcmode="lin" valueType="num">
-                                      <p:cBhvr additive="base">
-                                        <p:cTn id="12" dur="500" fill="hold"/>
-                                        <p:tgtEl>
-                                          <p:spTgt spid="9"/>
-                                        </p:tgtEl>
-                                        <p:attrNameLst>
-                                          <p:attrName>ppt_x</p:attrName>
-                                        </p:attrNameLst>
-                                      </p:cBhvr>
-                                      <p:tavLst>
-                                        <p:tav tm="0">
-                                          <p:val>
-                                            <p:strVal val="0-#ppt_w/2"/>
-                                          </p:val>
-                                        </p:tav>
-                                        <p:tav tm="100000">
-                                          <p:val>
-                                            <p:strVal val="#ppt_x"/>
-                                          </p:val>
-                                        </p:tav>
-                                      </p:tavLst>
-                                    </p:anim>
-                                    <p:anim calcmode="lin" valueType="num">
-                                      <p:cBhvr additive="base">
-                                        <p:cTn id="13" dur="500" fill="hold"/>
-                                        <p:tgtEl>
-                                          <p:spTgt spid="9"/>
-                                        </p:tgtEl>
-                                        <p:attrNameLst>
-                                          <p:attrName>ppt_y</p:attrName>
-                                        </p:attrNameLst>
-                                      </p:cBhvr>
-                                      <p:tavLst>
-                                        <p:tav tm="0">
-                                          <p:val>
-                                            <p:strVal val="#ppt_y"/>
-                                          </p:val>
-                                        </p:tav>
-                                        <p:tav tm="100000">
-                                          <p:val>
-                                            <p:strVal val="#ppt_y"/>
-                                          </p:val>
-                                        </p:tav>
-                                      </p:tavLst>
-                                    </p:anim>
-                                  </p:childTnLst>
-                                </p:cTn>
-                              </p:par>
-                              <p:par>
-                                <p:cTn id="14" presetID="2" presetClass="entr" presetSubtype="2" fill="hold" nodeType="withEffect">
-                                  <p:stCondLst>
-                                    <p:cond delay="500"/>
-                                  </p:stCondLst>
-                                  <p:childTnLst>
-                                    <p:set>
-                                      <p:cBhvr>
-                                        <p:cTn id="15" dur="1" fill="hold">
-                                          <p:stCondLst>
-                                            <p:cond delay="0"/>
-                                          </p:stCondLst>
-                                        </p:cTn>
-                                        <p:tgtEl>
-                                          <p:spTgt spid="10"/>
-                                        </p:tgtEl>
-                                        <p:attrNameLst>
-                                          <p:attrName>style.visibility</p:attrName>
-                                        </p:attrNameLst>
-                                      </p:cBhvr>
-                                      <p:to>
-                                        <p:strVal val="visible"/>
-                                      </p:to>
-                                    </p:set>
-                                    <p:anim calcmode="lin" valueType="num">
-                                      <p:cBhvr additive="base">
-                                        <p:cTn id="16" dur="500" fill="hold"/>
-                                        <p:tgtEl>
-                                          <p:spTgt spid="10"/>
-                                        </p:tgtEl>
-                                        <p:attrNameLst>
-                                          <p:attrName>ppt_x</p:attrName>
-                                        </p:attrNameLst>
-                                      </p:cBhvr>
-                                      <p:tavLst>
-                                        <p:tav tm="0">
-                                          <p:val>
-                                            <p:strVal val="1+#ppt_w/2"/>
-                                          </p:val>
-                                        </p:tav>
-                                        <p:tav tm="100000">
-                                          <p:val>
-                                            <p:strVal val="#ppt_x"/>
-                                          </p:val>
-                                        </p:tav>
-                                      </p:tavLst>
-                                    </p:anim>
-                                    <p:anim calcmode="lin" valueType="num">
-                                      <p:cBhvr additive="base">
-                                        <p:cTn id="17" dur="500" fill="hold"/>
-                                        <p:tgtEl>
-                                          <p:spTgt spid="10"/>
-                                        </p:tgtEl>
-                                        <p:attrNameLst>
-                                          <p:attrName>ppt_y</p:attrName>
-                                        </p:attrNameLst>
-                                      </p:cBhvr>
-                                      <p:tavLst>
-                                        <p:tav tm="0">
-                                          <p:val>
-                                            <p:strVal val="#ppt_y"/>
-                                          </p:val>
-                                        </p:tav>
-                                        <p:tav tm="100000">
-                                          <p:val>
-                                            <p:strVal val="#ppt_y"/>
-                                          </p:val>
-                                        </p:tav>
-                                      </p:tavLst>
-                                    </p:anim>
-                                  </p:childTnLst>
-                                </p:cTn>
-                              </p:par>
-                              <p:par>
-                                <p:cTn id="18" presetID="2" presetClass="entr" presetSubtype="1" fill="hold" nodeType="withEffect">
-                                  <p:stCondLst>
-                                    <p:cond delay="500"/>
-                                  </p:stCondLst>
-                                  <p:childTnLst>
-                                    <p:set>
-                                      <p:cBhvr>
-                                        <p:cTn id="19" dur="1" fill="hold">
-                                          <p:stCondLst>
-                                            <p:cond delay="0"/>
-                                          </p:stCondLst>
-                                        </p:cTn>
-                                        <p:tgtEl>
-                                          <p:spTgt spid="7"/>
-                                        </p:tgtEl>
-                                        <p:attrNameLst>
-                                          <p:attrName>style.visibility</p:attrName>
-                                        </p:attrNameLst>
-                                      </p:cBhvr>
-                                      <p:to>
-                                        <p:strVal val="visible"/>
-                                      </p:to>
-                                    </p:set>
-                                    <p:anim calcmode="lin" valueType="num">
-                                      <p:cBhvr additive="base">
-                                        <p:cTn id="20" dur="750" fill="hold"/>
-                                        <p:tgtEl>
-                                          <p:spTgt spid="7"/>
-                                        </p:tgtEl>
-                                        <p:attrNameLst>
-                                          <p:attrName>ppt_x</p:attrName>
-                                        </p:attrNameLst>
-                                      </p:cBhvr>
-                                      <p:tavLst>
-                                        <p:tav tm="0">
-                                          <p:val>
-                                            <p:strVal val="#ppt_x"/>
-                                          </p:val>
-                                        </p:tav>
-                                        <p:tav tm="100000">
-                                          <p:val>
-                                            <p:strVal val="#ppt_x"/>
-                                          </p:val>
-                                        </p:tav>
-                                      </p:tavLst>
-                                    </p:anim>
-                                    <p:anim calcmode="lin" valueType="num">
-                                      <p:cBhvr additive="base">
-                                        <p:cTn id="21" dur="750" fill="hold"/>
-                                        <p:tgtEl>
-                                          <p:spTgt spid="7"/>
-                                        </p:tgtEl>
-                                        <p:attrNameLst>
-                                          <p:attrName>ppt_y</p:attrName>
-                                        </p:attrNameLst>
-                                      </p:cBhvr>
-                                      <p:tavLst>
-                                        <p:tav tm="0">
-                                          <p:val>
-                                            <p:strVal val="0-#ppt_h/2"/>
-                                          </p:val>
-                                        </p:tav>
-                                        <p:tav tm="100000">
-                                          <p:val>
-                                            <p:strVal val="#ppt_y"/>
-                                          </p:val>
-                                        </p:tav>
-                                      </p:tavLst>
-                                    </p:anim>
-                                  </p:childTnLst>
-                                </p:cTn>
-                              </p:par>
-                            </p:childTnLst>
-                          </p:cTn>
-                        </p:par>
-                      </p:childTnLst>
-                    </p:cTn>
-                  </p:par>
-                </p:childTnLst>
-              </p:cTn>
-              <p:prevCondLst>
-                <p:cond evt="onPrev" delay="0">
-                  <p:tgtEl>
-                    <p:sldTgt/>
-                  </p:tgtEl>
-                </p:cond>
-              </p:prevCondLst>
-              <p:nextCondLst>
-                <p:cond evt="onNext" delay="0">
-                  <p:tgtEl>
-                    <p:sldTgt/>
-                  </p:tgtEl>
-                </p:cond>
-              </p:nextCondLst>
-            </p:seq>
-          </p:childTnLst>
-        </p:cTn>
-      </p:par>
-    </p:tnLst>
-    <p:bldLst>
-      <p:bldP spid="6" grpId="0"/>
     </p:bldLst>
   </p:timing>
 </p:sld>
